--- a/presentation/StreamTogether.pptx
+++ b/presentation/StreamTogether.pptx
@@ -5,7 +5,7 @@
     <p:sldMasterId id="2147483648" r:id="rId1"/>
   </p:sldMasterIdLst>
   <p:notesMasterIdLst>
-    <p:notesMasterId r:id="rId17"/>
+    <p:notesMasterId r:id="rId19"/>
   </p:notesMasterIdLst>
   <p:sldIdLst>
     <p:sldId id="256" r:id="rId2"/>
@@ -19,10 +19,12 @@
     <p:sldId id="266" r:id="rId10"/>
     <p:sldId id="267" r:id="rId11"/>
     <p:sldId id="269" r:id="rId12"/>
-    <p:sldId id="276" r:id="rId13"/>
-    <p:sldId id="270" r:id="rId14"/>
-    <p:sldId id="273" r:id="rId15"/>
-    <p:sldId id="275" r:id="rId16"/>
+    <p:sldId id="277" r:id="rId13"/>
+    <p:sldId id="278" r:id="rId14"/>
+    <p:sldId id="276" r:id="rId15"/>
+    <p:sldId id="270" r:id="rId16"/>
+    <p:sldId id="273" r:id="rId17"/>
+    <p:sldId id="275" r:id="rId18"/>
   </p:sldIdLst>
   <p:sldSz cx="12192000" cy="6858000"/>
   <p:notesSz cx="6858000" cy="9144000"/>
@@ -121,6 +123,11 @@
       </a:defRPr>
     </a:lvl9pPr>
   </p:defaultTextStyle>
+  <p:extLst>
+    <p:ext uri="{EFAFB233-063F-42B5-8137-9DF3F51BA10A}">
+      <p15:sldGuideLst xmlns:p15="http://schemas.microsoft.com/office/powerpoint/2012/main"/>
+    </p:ext>
+  </p:extLst>
 </p:presentation>
 </file>
 
@@ -2459,8 +2466,13 @@
         <a:p>
           <a:r>
             <a:rPr lang="de-DE" dirty="0"/>
-            <a:t>Gemeinsam virtuell Zeit verbringen, Musik hören und chatten</a:t>
+            <a:t>Gemeinsam virtuell Zeit </a:t>
           </a:r>
+          <a:r>
+            <a:rPr lang="de-DE" dirty="0" smtClean="0"/>
+            <a:t>verbringen, Musik und Videos abspielen</a:t>
+          </a:r>
+          <a:endParaRPr lang="de-DE" dirty="0"/>
         </a:p>
       </dgm:t>
     </dgm:pt>
@@ -2487,7 +2499,7 @@
       </dgm:t>
     </dgm:pt>
     <dgm:pt modelId="{50A7021E-BC53-4D65-AA90-0E8A52ADA10D}">
-      <dgm:prSet phldrT="[Text]"/>
+      <dgm:prSet phldrT="[Text]" custT="1"/>
       <dgm:spPr>
         <a:solidFill>
           <a:schemeClr val="tx1">
@@ -2501,9 +2513,10 @@
         <a:lstStyle/>
         <a:p>
           <a:r>
-            <a:rPr lang="de-DE" dirty="0"/>
-            <a:t>Freunde einladen</a:t>
+            <a:rPr lang="de-DE" sz="1400" dirty="0" smtClean="0"/>
+            <a:t>Synchronisierte Wiedergabe</a:t>
           </a:r>
+          <a:endParaRPr lang="de-DE" sz="1400" dirty="0"/>
         </a:p>
       </dgm:t>
     </dgm:pt>
@@ -2530,7 +2543,7 @@
       </dgm:t>
     </dgm:pt>
     <dgm:pt modelId="{34A144BB-839F-4C6D-813E-5819AE3B629A}">
-      <dgm:prSet phldrT="[Text]"/>
+      <dgm:prSet phldrT="[Text]" custT="1"/>
       <dgm:spPr>
         <a:solidFill>
           <a:schemeClr val="tx1">
@@ -2544,9 +2557,10 @@
         <a:lstStyle/>
         <a:p>
           <a:r>
-            <a:rPr lang="de-DE" dirty="0"/>
-            <a:t>Benutzerkonto</a:t>
+            <a:rPr lang="de-DE" sz="1800" dirty="0" smtClean="0"/>
+            <a:t>Chat</a:t>
           </a:r>
+          <a:endParaRPr lang="de-DE" sz="1800" dirty="0"/>
         </a:p>
       </dgm:t>
     </dgm:pt>
@@ -2608,6 +2622,13 @@
     <dgm:pt modelId="{C6022CBC-CF11-4F56-8125-F02FB090FC9E}">
       <dgm:prSet phldrT="[Text]"/>
       <dgm:spPr/>
+      <dgm:t>
+        <a:bodyPr/>
+        <a:lstStyle/>
+        <a:p>
+          <a:endParaRPr lang="de-DE" dirty="0"/>
+        </a:p>
+      </dgm:t>
     </dgm:pt>
     <dgm:pt modelId="{9CE3EC2C-56BA-4199-A8CA-3EE118A508FE}" type="parTrans" cxnId="{B23173AE-556A-41DA-BE70-F0737E806D46}">
       <dgm:prSet/>
@@ -2640,6 +2661,13 @@
         </dgm:presLayoutVars>
       </dgm:prSet>
       <dgm:spPr/>
+      <dgm:t>
+        <a:bodyPr/>
+        <a:lstStyle/>
+        <a:p>
+          <a:endParaRPr lang="de-DE"/>
+        </a:p>
+      </dgm:t>
     </dgm:pt>
     <dgm:pt modelId="{B55A8299-6907-421D-9B76-27F40FB48D47}" type="pres">
       <dgm:prSet presAssocID="{B01F1B4F-7362-457F-88C2-231358128530}" presName="gear1" presStyleLbl="node1" presStyleIdx="0" presStyleCnt="3">
@@ -2649,14 +2677,35 @@
         </dgm:presLayoutVars>
       </dgm:prSet>
       <dgm:spPr/>
+      <dgm:t>
+        <a:bodyPr/>
+        <a:lstStyle/>
+        <a:p>
+          <a:endParaRPr lang="de-DE"/>
+        </a:p>
+      </dgm:t>
     </dgm:pt>
     <dgm:pt modelId="{0B593A52-FE12-4848-83F3-DD97586A8A38}" type="pres">
       <dgm:prSet presAssocID="{B01F1B4F-7362-457F-88C2-231358128530}" presName="gear1srcNode" presStyleLbl="node1" presStyleIdx="0" presStyleCnt="3"/>
       <dgm:spPr/>
+      <dgm:t>
+        <a:bodyPr/>
+        <a:lstStyle/>
+        <a:p>
+          <a:endParaRPr lang="de-DE"/>
+        </a:p>
+      </dgm:t>
     </dgm:pt>
     <dgm:pt modelId="{00A38DBC-75BA-4246-BBB7-714C0D36B4F0}" type="pres">
       <dgm:prSet presAssocID="{B01F1B4F-7362-457F-88C2-231358128530}" presName="gear1dstNode" presStyleLbl="node1" presStyleIdx="0" presStyleCnt="3"/>
       <dgm:spPr/>
+      <dgm:t>
+        <a:bodyPr/>
+        <a:lstStyle/>
+        <a:p>
+          <a:endParaRPr lang="de-DE"/>
+        </a:p>
+      </dgm:t>
     </dgm:pt>
     <dgm:pt modelId="{D620EC91-7F95-4592-ACD1-65A336BA7A77}" type="pres">
       <dgm:prSet presAssocID="{50A7021E-BC53-4D65-AA90-0E8A52ADA10D}" presName="gear2" presStyleLbl="node1" presStyleIdx="1" presStyleCnt="3">
@@ -2666,18 +2715,46 @@
         </dgm:presLayoutVars>
       </dgm:prSet>
       <dgm:spPr/>
+      <dgm:t>
+        <a:bodyPr/>
+        <a:lstStyle/>
+        <a:p>
+          <a:endParaRPr lang="de-DE"/>
+        </a:p>
+      </dgm:t>
     </dgm:pt>
     <dgm:pt modelId="{08328282-4162-4F39-954B-7F59EB8DB784}" type="pres">
       <dgm:prSet presAssocID="{50A7021E-BC53-4D65-AA90-0E8A52ADA10D}" presName="gear2srcNode" presStyleLbl="node1" presStyleIdx="1" presStyleCnt="3"/>
       <dgm:spPr/>
+      <dgm:t>
+        <a:bodyPr/>
+        <a:lstStyle/>
+        <a:p>
+          <a:endParaRPr lang="de-DE"/>
+        </a:p>
+      </dgm:t>
     </dgm:pt>
     <dgm:pt modelId="{D41469CF-6A18-444E-94EE-466D8127376F}" type="pres">
       <dgm:prSet presAssocID="{50A7021E-BC53-4D65-AA90-0E8A52ADA10D}" presName="gear2dstNode" presStyleLbl="node1" presStyleIdx="1" presStyleCnt="3"/>
       <dgm:spPr/>
+      <dgm:t>
+        <a:bodyPr/>
+        <a:lstStyle/>
+        <a:p>
+          <a:endParaRPr lang="de-DE"/>
+        </a:p>
+      </dgm:t>
     </dgm:pt>
     <dgm:pt modelId="{BA7BEE52-6385-4D73-A851-35BE5DF1F097}" type="pres">
       <dgm:prSet presAssocID="{34A144BB-839F-4C6D-813E-5819AE3B629A}" presName="gear3" presStyleLbl="node1" presStyleIdx="2" presStyleCnt="3"/>
       <dgm:spPr/>
+      <dgm:t>
+        <a:bodyPr/>
+        <a:lstStyle/>
+        <a:p>
+          <a:endParaRPr lang="de-DE"/>
+        </a:p>
+      </dgm:t>
     </dgm:pt>
     <dgm:pt modelId="{4AC3EB0E-9D81-492A-AEA0-B74CFA1C29F4}" type="pres">
       <dgm:prSet presAssocID="{34A144BB-839F-4C6D-813E-5819AE3B629A}" presName="gear3tx" presStyleLbl="node1" presStyleIdx="2" presStyleCnt="3">
@@ -2687,48 +2764,90 @@
         </dgm:presLayoutVars>
       </dgm:prSet>
       <dgm:spPr/>
+      <dgm:t>
+        <a:bodyPr/>
+        <a:lstStyle/>
+        <a:p>
+          <a:endParaRPr lang="de-DE"/>
+        </a:p>
+      </dgm:t>
     </dgm:pt>
     <dgm:pt modelId="{40046E80-9734-4322-831B-496A82F85384}" type="pres">
       <dgm:prSet presAssocID="{34A144BB-839F-4C6D-813E-5819AE3B629A}" presName="gear3srcNode" presStyleLbl="node1" presStyleIdx="2" presStyleCnt="3"/>
       <dgm:spPr/>
+      <dgm:t>
+        <a:bodyPr/>
+        <a:lstStyle/>
+        <a:p>
+          <a:endParaRPr lang="de-DE"/>
+        </a:p>
+      </dgm:t>
     </dgm:pt>
     <dgm:pt modelId="{FEA0B010-8BC4-4936-BEF7-159AF741D9D2}" type="pres">
       <dgm:prSet presAssocID="{34A144BB-839F-4C6D-813E-5819AE3B629A}" presName="gear3dstNode" presStyleLbl="node1" presStyleIdx="2" presStyleCnt="3"/>
       <dgm:spPr/>
+      <dgm:t>
+        <a:bodyPr/>
+        <a:lstStyle/>
+        <a:p>
+          <a:endParaRPr lang="de-DE"/>
+        </a:p>
+      </dgm:t>
     </dgm:pt>
     <dgm:pt modelId="{5F3C05ED-E5AB-43EF-A2BF-AC54B58E2054}" type="pres">
       <dgm:prSet presAssocID="{75C5FA6D-8C8D-4EB5-8C53-B4182C86F79B}" presName="connector1" presStyleLbl="sibTrans2D1" presStyleIdx="0" presStyleCnt="3"/>
       <dgm:spPr/>
+      <dgm:t>
+        <a:bodyPr/>
+        <a:lstStyle/>
+        <a:p>
+          <a:endParaRPr lang="de-DE"/>
+        </a:p>
+      </dgm:t>
     </dgm:pt>
     <dgm:pt modelId="{DEF06A35-324A-4EFB-AB93-F74EA4B58AE1}" type="pres">
       <dgm:prSet presAssocID="{D1CEB3EB-75CD-42A8-B0C1-7F831C31A619}" presName="connector2" presStyleLbl="sibTrans2D1" presStyleIdx="1" presStyleCnt="3"/>
       <dgm:spPr/>
+      <dgm:t>
+        <a:bodyPr/>
+        <a:lstStyle/>
+        <a:p>
+          <a:endParaRPr lang="de-DE"/>
+        </a:p>
+      </dgm:t>
     </dgm:pt>
     <dgm:pt modelId="{823FAB03-33FC-495E-9B30-E62910FE070B}" type="pres">
       <dgm:prSet presAssocID="{9E4EC342-2D11-49F4-9E08-232261804515}" presName="connector3" presStyleLbl="sibTrans2D1" presStyleIdx="2" presStyleCnt="3"/>
       <dgm:spPr/>
+      <dgm:t>
+        <a:bodyPr/>
+        <a:lstStyle/>
+        <a:p>
+          <a:endParaRPr lang="de-DE"/>
+        </a:p>
+      </dgm:t>
     </dgm:pt>
   </dgm:ptLst>
   <dgm:cxnLst>
+    <dgm:cxn modelId="{722771F7-F346-4C70-A121-5EC1C71C725E}" type="presOf" srcId="{75C5FA6D-8C8D-4EB5-8C53-B4182C86F79B}" destId="{5F3C05ED-E5AB-43EF-A2BF-AC54B58E2054}" srcOrd="0" destOrd="0" presId="urn:microsoft.com/office/officeart/2005/8/layout/gear1"/>
+    <dgm:cxn modelId="{D3631F47-C9EB-4699-BCF3-58ED81EAD2F2}" type="presOf" srcId="{D1CEB3EB-75CD-42A8-B0C1-7F831C31A619}" destId="{DEF06A35-324A-4EFB-AB93-F74EA4B58AE1}" srcOrd="0" destOrd="0" presId="urn:microsoft.com/office/officeart/2005/8/layout/gear1"/>
+    <dgm:cxn modelId="{E2CBFF93-A79D-4A62-9046-C71D396B43F5}" type="presOf" srcId="{34A144BB-839F-4C6D-813E-5819AE3B629A}" destId="{FEA0B010-8BC4-4936-BEF7-159AF741D9D2}" srcOrd="3" destOrd="0" presId="urn:microsoft.com/office/officeart/2005/8/layout/gear1"/>
     <dgm:cxn modelId="{9E5E571D-3FE3-4CA1-BA20-DADFED773DEC}" type="presOf" srcId="{34A144BB-839F-4C6D-813E-5819AE3B629A}" destId="{BA7BEE52-6385-4D73-A851-35BE5DF1F097}" srcOrd="0" destOrd="0" presId="urn:microsoft.com/office/officeart/2005/8/layout/gear1"/>
-    <dgm:cxn modelId="{C1175C20-A6A3-408D-A153-11091028C65A}" srcId="{DA910AF2-263C-4DC9-A35A-B136D93CD7BD}" destId="{50A7021E-BC53-4D65-AA90-0E8A52ADA10D}" srcOrd="1" destOrd="0" parTransId="{5767A9C3-AC27-4FB7-B4D4-268EBF5D8F2E}" sibTransId="{D1CEB3EB-75CD-42A8-B0C1-7F831C31A619}"/>
-    <dgm:cxn modelId="{C2308B21-E95F-42DA-9E9A-227F22EC9661}" type="presOf" srcId="{9E4EC342-2D11-49F4-9E08-232261804515}" destId="{823FAB03-33FC-495E-9B30-E62910FE070B}" srcOrd="0" destOrd="0" presId="urn:microsoft.com/office/officeart/2005/8/layout/gear1"/>
-    <dgm:cxn modelId="{4BE0DE46-DC92-47A4-8A4B-944AA62A1CBC}" type="presOf" srcId="{B01F1B4F-7362-457F-88C2-231358128530}" destId="{00A38DBC-75BA-4246-BBB7-714C0D36B4F0}" srcOrd="2" destOrd="0" presId="urn:microsoft.com/office/officeart/2005/8/layout/gear1"/>
-    <dgm:cxn modelId="{D3631F47-C9EB-4699-BCF3-58ED81EAD2F2}" type="presOf" srcId="{D1CEB3EB-75CD-42A8-B0C1-7F831C31A619}" destId="{DEF06A35-324A-4EFB-AB93-F74EA4B58AE1}" srcOrd="0" destOrd="0" presId="urn:microsoft.com/office/officeart/2005/8/layout/gear1"/>
-    <dgm:cxn modelId="{CDADC572-7C78-4698-B7CF-7F5B9B7F4F4F}" type="presOf" srcId="{34A144BB-839F-4C6D-813E-5819AE3B629A}" destId="{40046E80-9734-4322-831B-496A82F85384}" srcOrd="2" destOrd="0" presId="urn:microsoft.com/office/officeart/2005/8/layout/gear1"/>
-    <dgm:cxn modelId="{27688F74-814E-4E3D-8F43-B7AB32D5023C}" srcId="{DA910AF2-263C-4DC9-A35A-B136D93CD7BD}" destId="{B01F1B4F-7362-457F-88C2-231358128530}" srcOrd="0" destOrd="0" parTransId="{68F27327-B4DA-4CC0-90CE-4F8DAF89E3E1}" sibTransId="{75C5FA6D-8C8D-4EB5-8C53-B4182C86F79B}"/>
-    <dgm:cxn modelId="{D6C0305A-88D2-4F7F-95FD-28F0F2F70F41}" type="presOf" srcId="{50A7021E-BC53-4D65-AA90-0E8A52ADA10D}" destId="{08328282-4162-4F39-954B-7F59EB8DB784}" srcOrd="1" destOrd="0" presId="urn:microsoft.com/office/officeart/2005/8/layout/gear1"/>
-    <dgm:cxn modelId="{3A4DFB81-F8AF-4070-A0F7-19ED951CFADE}" type="presOf" srcId="{B01F1B4F-7362-457F-88C2-231358128530}" destId="{0B593A52-FE12-4848-83F3-DD97586A8A38}" srcOrd="1" destOrd="0" presId="urn:microsoft.com/office/officeart/2005/8/layout/gear1"/>
-    <dgm:cxn modelId="{155BEC85-16DF-411D-B3E2-4E430F95446B}" type="presOf" srcId="{DA910AF2-263C-4DC9-A35A-B136D93CD7BD}" destId="{DD5B7FBB-4C16-40F4-AA61-3F546D21F5A1}" srcOrd="0" destOrd="0" presId="urn:microsoft.com/office/officeart/2005/8/layout/gear1"/>
-    <dgm:cxn modelId="{E2CBFF93-A79D-4A62-9046-C71D396B43F5}" type="presOf" srcId="{34A144BB-839F-4C6D-813E-5819AE3B629A}" destId="{FEA0B010-8BC4-4936-BEF7-159AF741D9D2}" srcOrd="3" destOrd="0" presId="urn:microsoft.com/office/officeart/2005/8/layout/gear1"/>
-    <dgm:cxn modelId="{CFF3EA97-51C3-49F5-B9E2-76365801D815}" type="presOf" srcId="{34A144BB-839F-4C6D-813E-5819AE3B629A}" destId="{4AC3EB0E-9D81-492A-AEA0-B74CFA1C29F4}" srcOrd="1" destOrd="0" presId="urn:microsoft.com/office/officeart/2005/8/layout/gear1"/>
     <dgm:cxn modelId="{F061C798-C713-45A7-BFFB-96BF6C545DFA}" type="presOf" srcId="{50A7021E-BC53-4D65-AA90-0E8A52ADA10D}" destId="{D620EC91-7F95-4592-ACD1-65A336BA7A77}" srcOrd="0" destOrd="0" presId="urn:microsoft.com/office/officeart/2005/8/layout/gear1"/>
     <dgm:cxn modelId="{1A485F9C-DA2D-4827-9A58-6F704C7807E3}" srcId="{DA910AF2-263C-4DC9-A35A-B136D93CD7BD}" destId="{34A144BB-839F-4C6D-813E-5819AE3B629A}" srcOrd="2" destOrd="0" parTransId="{2C5A917F-68F3-461B-B1BD-37C8E28FB7FE}" sibTransId="{9E4EC342-2D11-49F4-9E08-232261804515}"/>
+    <dgm:cxn modelId="{CFF3EA97-51C3-49F5-B9E2-76365801D815}" type="presOf" srcId="{34A144BB-839F-4C6D-813E-5819AE3B629A}" destId="{4AC3EB0E-9D81-492A-AEA0-B74CFA1C29F4}" srcOrd="1" destOrd="0" presId="urn:microsoft.com/office/officeart/2005/8/layout/gear1"/>
     <dgm:cxn modelId="{B23173AE-556A-41DA-BE70-F0737E806D46}" srcId="{DA910AF2-263C-4DC9-A35A-B136D93CD7BD}" destId="{C6022CBC-CF11-4F56-8125-F02FB090FC9E}" srcOrd="4" destOrd="0" parTransId="{9CE3EC2C-56BA-4199-A8CA-3EE118A508FE}" sibTransId="{59B9B113-7961-4D77-B2BB-B4FB52239479}"/>
+    <dgm:cxn modelId="{4BE0DE46-DC92-47A4-8A4B-944AA62A1CBC}" type="presOf" srcId="{B01F1B4F-7362-457F-88C2-231358128530}" destId="{00A38DBC-75BA-4246-BBB7-714C0D36B4F0}" srcOrd="2" destOrd="0" presId="urn:microsoft.com/office/officeart/2005/8/layout/gear1"/>
+    <dgm:cxn modelId="{CDADC572-7C78-4698-B7CF-7F5B9B7F4F4F}" type="presOf" srcId="{34A144BB-839F-4C6D-813E-5819AE3B629A}" destId="{40046E80-9734-4322-831B-496A82F85384}" srcOrd="2" destOrd="0" presId="urn:microsoft.com/office/officeart/2005/8/layout/gear1"/>
+    <dgm:cxn modelId="{5978FFED-98B0-43C2-BFE9-15D663EDC2FD}" type="presOf" srcId="{50A7021E-BC53-4D65-AA90-0E8A52ADA10D}" destId="{D41469CF-6A18-444E-94EE-466D8127376F}" srcOrd="2" destOrd="0" presId="urn:microsoft.com/office/officeart/2005/8/layout/gear1"/>
+    <dgm:cxn modelId="{27688F74-814E-4E3D-8F43-B7AB32D5023C}" srcId="{DA910AF2-263C-4DC9-A35A-B136D93CD7BD}" destId="{B01F1B4F-7362-457F-88C2-231358128530}" srcOrd="0" destOrd="0" parTransId="{68F27327-B4DA-4CC0-90CE-4F8DAF89E3E1}" sibTransId="{75C5FA6D-8C8D-4EB5-8C53-B4182C86F79B}"/>
+    <dgm:cxn modelId="{C1175C20-A6A3-408D-A153-11091028C65A}" srcId="{DA910AF2-263C-4DC9-A35A-B136D93CD7BD}" destId="{50A7021E-BC53-4D65-AA90-0E8A52ADA10D}" srcOrd="1" destOrd="0" parTransId="{5767A9C3-AC27-4FB7-B4D4-268EBF5D8F2E}" sibTransId="{D1CEB3EB-75CD-42A8-B0C1-7F831C31A619}"/>
+    <dgm:cxn modelId="{D6C0305A-88D2-4F7F-95FD-28F0F2F70F41}" type="presOf" srcId="{50A7021E-BC53-4D65-AA90-0E8A52ADA10D}" destId="{08328282-4162-4F39-954B-7F59EB8DB784}" srcOrd="1" destOrd="0" presId="urn:microsoft.com/office/officeart/2005/8/layout/gear1"/>
+    <dgm:cxn modelId="{155BEC85-16DF-411D-B3E2-4E430F95446B}" type="presOf" srcId="{DA910AF2-263C-4DC9-A35A-B136D93CD7BD}" destId="{DD5B7FBB-4C16-40F4-AA61-3F546D21F5A1}" srcOrd="0" destOrd="0" presId="urn:microsoft.com/office/officeart/2005/8/layout/gear1"/>
+    <dgm:cxn modelId="{3A4DFB81-F8AF-4070-A0F7-19ED951CFADE}" type="presOf" srcId="{B01F1B4F-7362-457F-88C2-231358128530}" destId="{0B593A52-FE12-4848-83F3-DD97586A8A38}" srcOrd="1" destOrd="0" presId="urn:microsoft.com/office/officeart/2005/8/layout/gear1"/>
     <dgm:cxn modelId="{25F95BBC-32E8-4BDB-8243-D186C81D7992}" type="presOf" srcId="{B01F1B4F-7362-457F-88C2-231358128530}" destId="{B55A8299-6907-421D-9B76-27F40FB48D47}" srcOrd="0" destOrd="0" presId="urn:microsoft.com/office/officeart/2005/8/layout/gear1"/>
     <dgm:cxn modelId="{2B6A80DA-A059-43F3-AE83-FEEF72F74C7A}" srcId="{DA910AF2-263C-4DC9-A35A-B136D93CD7BD}" destId="{5BFA54FC-19ED-4E05-A54F-A12827BA8B77}" srcOrd="3" destOrd="0" parTransId="{3133A812-55B1-4CA1-9C96-86201E5A505F}" sibTransId="{AB797E8C-6316-4DF8-9884-56C7CD586FEA}"/>
-    <dgm:cxn modelId="{5978FFED-98B0-43C2-BFE9-15D663EDC2FD}" type="presOf" srcId="{50A7021E-BC53-4D65-AA90-0E8A52ADA10D}" destId="{D41469CF-6A18-444E-94EE-466D8127376F}" srcOrd="2" destOrd="0" presId="urn:microsoft.com/office/officeart/2005/8/layout/gear1"/>
-    <dgm:cxn modelId="{722771F7-F346-4C70-A121-5EC1C71C725E}" type="presOf" srcId="{75C5FA6D-8C8D-4EB5-8C53-B4182C86F79B}" destId="{5F3C05ED-E5AB-43EF-A2BF-AC54B58E2054}" srcOrd="0" destOrd="0" presId="urn:microsoft.com/office/officeart/2005/8/layout/gear1"/>
+    <dgm:cxn modelId="{C2308B21-E95F-42DA-9E9A-227F22EC9661}" type="presOf" srcId="{9E4EC342-2D11-49F4-9E08-232261804515}" destId="{823FAB03-33FC-495E-9B30-E62910FE070B}" srcOrd="0" destOrd="0" presId="urn:microsoft.com/office/officeart/2005/8/layout/gear1"/>
     <dgm:cxn modelId="{6D5DB471-17BC-441A-B272-DE6887097CF0}" type="presParOf" srcId="{DD5B7FBB-4C16-40F4-AA61-3F546D21F5A1}" destId="{B55A8299-6907-421D-9B76-27F40FB48D47}" srcOrd="0" destOrd="0" presId="urn:microsoft.com/office/officeart/2005/8/layout/gear1"/>
     <dgm:cxn modelId="{0049B74F-B97B-4BCD-9608-AEFACBF0F0C5}" type="presParOf" srcId="{DD5B7FBB-4C16-40F4-AA61-3F546D21F5A1}" destId="{0B593A52-FE12-4848-83F3-DD97586A8A38}" srcOrd="1" destOrd="0" presId="urn:microsoft.com/office/officeart/2005/8/layout/gear1"/>
     <dgm:cxn modelId="{4367B947-FF56-46CD-AB25-934CD214A64B}" type="presParOf" srcId="{DD5B7FBB-4C16-40F4-AA61-3F546D21F5A1}" destId="{00A38DBC-75BA-4246-BBB7-714C0D36B4F0}" srcOrd="2" destOrd="0" presId="urn:microsoft.com/office/officeart/2005/8/layout/gear1"/>
@@ -2931,16 +3050,30 @@
         </dgm:presLayoutVars>
       </dgm:prSet>
       <dgm:spPr/>
+      <dgm:t>
+        <a:bodyPr/>
+        <a:lstStyle/>
+        <a:p>
+          <a:endParaRPr lang="de-DE"/>
+        </a:p>
+      </dgm:t>
     </dgm:pt>
     <dgm:pt modelId="{FD063B86-805E-4A3C-ACAC-D3BE10E259D0}" type="pres">
       <dgm:prSet presAssocID="{21E8011A-40B8-4D45-9B2E-1E9416A61B91}" presName="parentRect" presStyleLbl="alignNode1" presStyleIdx="0" presStyleCnt="3"/>
       <dgm:spPr/>
+      <dgm:t>
+        <a:bodyPr/>
+        <a:lstStyle/>
+        <a:p>
+          <a:endParaRPr lang="de-DE"/>
+        </a:p>
+      </dgm:t>
     </dgm:pt>
     <dgm:pt modelId="{75C8C936-7729-47F7-8629-D75521AA55CE}" type="pres">
       <dgm:prSet presAssocID="{21E8011A-40B8-4D45-9B2E-1E9416A61B91}" presName="adorn" presStyleLbl="fgAccFollowNode1" presStyleIdx="0" presStyleCnt="3"/>
       <dgm:spPr>
         <a:blipFill>
-          <a:blip xmlns:r="http://schemas.openxmlformats.org/officeDocument/2006/relationships" r:embed="rId1">
+          <a:blip xmlns:r="http://schemas.openxmlformats.org/officeDocument/2006/relationships" r:embed="rId1" cstate="print">
             <a:extLst>
               <a:ext uri="{28A0092B-C50C-407E-A947-70E740481C1C}">
                 <a14:useLocalDpi xmlns:a14="http://schemas.microsoft.com/office/drawing/2010/main" val="0"/>
@@ -2957,6 +3090,13 @@
     <dgm:pt modelId="{CC788F1B-0CF4-4B0F-B4F8-713A952163B4}" type="pres">
       <dgm:prSet presAssocID="{0679B749-EC87-4FAF-AC9F-DFA46EEEA316}" presName="sibTrans" presStyleLbl="sibTrans2D1" presStyleIdx="0" presStyleCnt="0"/>
       <dgm:spPr/>
+      <dgm:t>
+        <a:bodyPr/>
+        <a:lstStyle/>
+        <a:p>
+          <a:endParaRPr lang="de-DE"/>
+        </a:p>
+      </dgm:t>
     </dgm:pt>
     <dgm:pt modelId="{A68FA754-ACDE-4C47-AE34-BB373E6617EA}" type="pres">
       <dgm:prSet presAssocID="{54F35BF2-CECB-4A63-A698-A6EED47AD2FF}" presName="compNode" presStyleCnt="0"/>
@@ -2978,16 +3118,30 @@
         </dgm:presLayoutVars>
       </dgm:prSet>
       <dgm:spPr/>
+      <dgm:t>
+        <a:bodyPr/>
+        <a:lstStyle/>
+        <a:p>
+          <a:endParaRPr lang="de-DE"/>
+        </a:p>
+      </dgm:t>
     </dgm:pt>
     <dgm:pt modelId="{E3CD0C6D-1492-43C8-B157-BF79A6159852}" type="pres">
       <dgm:prSet presAssocID="{54F35BF2-CECB-4A63-A698-A6EED47AD2FF}" presName="parentRect" presStyleLbl="alignNode1" presStyleIdx="1" presStyleCnt="3"/>
       <dgm:spPr/>
+      <dgm:t>
+        <a:bodyPr/>
+        <a:lstStyle/>
+        <a:p>
+          <a:endParaRPr lang="de-DE"/>
+        </a:p>
+      </dgm:t>
     </dgm:pt>
     <dgm:pt modelId="{A5058B52-91CB-4846-B2FE-B23CB6CA4ED7}" type="pres">
       <dgm:prSet presAssocID="{54F35BF2-CECB-4A63-A698-A6EED47AD2FF}" presName="adorn" presStyleLbl="fgAccFollowNode1" presStyleIdx="1" presStyleCnt="3"/>
       <dgm:spPr>
         <a:blipFill>
-          <a:blip xmlns:r="http://schemas.openxmlformats.org/officeDocument/2006/relationships" r:embed="rId2">
+          <a:blip xmlns:r="http://schemas.openxmlformats.org/officeDocument/2006/relationships" r:embed="rId2" cstate="print">
             <a:extLst>
               <a:ext uri="{28A0092B-C50C-407E-A947-70E740481C1C}">
                 <a14:useLocalDpi xmlns:a14="http://schemas.microsoft.com/office/drawing/2010/main" val="0"/>
@@ -3004,6 +3158,13 @@
     <dgm:pt modelId="{D984A6D1-1812-496F-8416-386BA8235771}" type="pres">
       <dgm:prSet presAssocID="{7032773C-EB30-457A-AD46-1175C679062C}" presName="sibTrans" presStyleLbl="sibTrans2D1" presStyleIdx="0" presStyleCnt="0"/>
       <dgm:spPr/>
+      <dgm:t>
+        <a:bodyPr/>
+        <a:lstStyle/>
+        <a:p>
+          <a:endParaRPr lang="de-DE"/>
+        </a:p>
+      </dgm:t>
     </dgm:pt>
     <dgm:pt modelId="{2E6CF245-2241-4F13-A2F7-D0C72CD48E73}" type="pres">
       <dgm:prSet presAssocID="{0399D1CD-0F33-41FE-84B9-36F85B6CCA21}" presName="compNode" presStyleCnt="0"/>
@@ -3016,6 +3177,13 @@
         </dgm:presLayoutVars>
       </dgm:prSet>
       <dgm:spPr/>
+      <dgm:t>
+        <a:bodyPr/>
+        <a:lstStyle/>
+        <a:p>
+          <a:endParaRPr lang="de-DE"/>
+        </a:p>
+      </dgm:t>
     </dgm:pt>
     <dgm:pt modelId="{5C5A173E-FF41-4D92-88ED-14200976BF74}" type="pres">
       <dgm:prSet presAssocID="{0399D1CD-0F33-41FE-84B9-36F85B6CCA21}" presName="parentText" presStyleLbl="node1" presStyleIdx="0" presStyleCnt="0">
@@ -3025,16 +3193,30 @@
         </dgm:presLayoutVars>
       </dgm:prSet>
       <dgm:spPr/>
+      <dgm:t>
+        <a:bodyPr/>
+        <a:lstStyle/>
+        <a:p>
+          <a:endParaRPr lang="de-DE"/>
+        </a:p>
+      </dgm:t>
     </dgm:pt>
     <dgm:pt modelId="{01C6FE07-F1B2-41A7-B0A0-2F3A8E66E361}" type="pres">
       <dgm:prSet presAssocID="{0399D1CD-0F33-41FE-84B9-36F85B6CCA21}" presName="parentRect" presStyleLbl="alignNode1" presStyleIdx="2" presStyleCnt="3"/>
       <dgm:spPr/>
+      <dgm:t>
+        <a:bodyPr/>
+        <a:lstStyle/>
+        <a:p>
+          <a:endParaRPr lang="de-DE"/>
+        </a:p>
+      </dgm:t>
     </dgm:pt>
     <dgm:pt modelId="{0F0DF652-7447-448F-9BB0-344491D6C29E}" type="pres">
       <dgm:prSet presAssocID="{0399D1CD-0F33-41FE-84B9-36F85B6CCA21}" presName="adorn" presStyleLbl="fgAccFollowNode1" presStyleIdx="2" presStyleCnt="3"/>
       <dgm:spPr>
         <a:blipFill>
-          <a:blip xmlns:r="http://schemas.openxmlformats.org/officeDocument/2006/relationships" r:embed="rId3">
+          <a:blip xmlns:r="http://schemas.openxmlformats.org/officeDocument/2006/relationships" r:embed="rId3" cstate="print">
             <a:extLst>
               <a:ext uri="{28A0092B-C50C-407E-A947-70E740481C1C}">
                 <a14:useLocalDpi xmlns:a14="http://schemas.microsoft.com/office/drawing/2010/main" val="0"/>
@@ -3050,20 +3232,20 @@
     </dgm:pt>
   </dgm:ptLst>
   <dgm:cxnLst>
-    <dgm:cxn modelId="{908C770A-39DA-4548-9C39-885C1CC905C0}" type="presOf" srcId="{0679B749-EC87-4FAF-AC9F-DFA46EEEA316}" destId="{CC788F1B-0CF4-4B0F-B4F8-713A952163B4}" srcOrd="0" destOrd="0" presId="urn:microsoft.com/office/officeart/2005/8/layout/bList2"/>
-    <dgm:cxn modelId="{1F101F19-1C70-47FD-8395-5F3E510DDB1F}" srcId="{A740C960-8EFF-43C8-BE34-AD6C7AD9D20E}" destId="{21E8011A-40B8-4D45-9B2E-1E9416A61B91}" srcOrd="0" destOrd="0" parTransId="{75CBC305-AD2C-4742-9EAD-565FA4D0C1AD}" sibTransId="{0679B749-EC87-4FAF-AC9F-DFA46EEEA316}"/>
-    <dgm:cxn modelId="{D4C7D71E-36B7-46B3-85BD-E27482C61D05}" type="presOf" srcId="{0399D1CD-0F33-41FE-84B9-36F85B6CCA21}" destId="{5C5A173E-FF41-4D92-88ED-14200976BF74}" srcOrd="0" destOrd="0" presId="urn:microsoft.com/office/officeart/2005/8/layout/bList2"/>
+    <dgm:cxn modelId="{6E39FD28-0F46-4443-AFC6-BB7587B979D6}" type="presOf" srcId="{54F35BF2-CECB-4A63-A698-A6EED47AD2FF}" destId="{617D7C13-5E76-4C1D-B258-41FA2B78003C}" srcOrd="0" destOrd="0" presId="urn:microsoft.com/office/officeart/2005/8/layout/bList2"/>
+    <dgm:cxn modelId="{EB2AB93E-4CCD-4D1E-9360-5C1A017DED42}" type="presOf" srcId="{A740C960-8EFF-43C8-BE34-AD6C7AD9D20E}" destId="{49FBE83E-2B3A-43BF-A91B-2BFF2C37AD2C}" srcOrd="0" destOrd="0" presId="urn:microsoft.com/office/officeart/2005/8/layout/bList2"/>
+    <dgm:cxn modelId="{EEF01352-CD2E-4278-8ADD-C4825032B30A}" type="presOf" srcId="{0399D1CD-0F33-41FE-84B9-36F85B6CCA21}" destId="{01C6FE07-F1B2-41A7-B0A0-2F3A8E66E361}" srcOrd="1" destOrd="0" presId="urn:microsoft.com/office/officeart/2005/8/layout/bList2"/>
     <dgm:cxn modelId="{DD2EBB1F-7F3F-42A1-892B-D15C23B87805}" type="presOf" srcId="{7032773C-EB30-457A-AD46-1175C679062C}" destId="{D984A6D1-1812-496F-8416-386BA8235771}" srcOrd="0" destOrd="0" presId="urn:microsoft.com/office/officeart/2005/8/layout/bList2"/>
     <dgm:cxn modelId="{07858C20-1AA6-4865-BA5E-73315CDCCF0C}" type="presOf" srcId="{04BC40CA-F26D-4075-9203-DEC508AC845A}" destId="{6C19F780-5B81-4DA1-BA7C-985A90679B18}" srcOrd="0" destOrd="0" presId="urn:microsoft.com/office/officeart/2005/8/layout/bList2"/>
-    <dgm:cxn modelId="{6E39FD28-0F46-4443-AFC6-BB7587B979D6}" type="presOf" srcId="{54F35BF2-CECB-4A63-A698-A6EED47AD2FF}" destId="{617D7C13-5E76-4C1D-B258-41FA2B78003C}" srcOrd="0" destOrd="0" presId="urn:microsoft.com/office/officeart/2005/8/layout/bList2"/>
-    <dgm:cxn modelId="{EB2AB93E-4CCD-4D1E-9360-5C1A017DED42}" type="presOf" srcId="{A740C960-8EFF-43C8-BE34-AD6C7AD9D20E}" destId="{49FBE83E-2B3A-43BF-A91B-2BFF2C37AD2C}" srcOrd="0" destOrd="0" presId="urn:microsoft.com/office/officeart/2005/8/layout/bList2"/>
+    <dgm:cxn modelId="{263EC248-32C9-4DDA-AC24-DD98C330E5C9}" type="presOf" srcId="{54F35BF2-CECB-4A63-A698-A6EED47AD2FF}" destId="{E3CD0C6D-1492-43C8-B157-BF79A6159852}" srcOrd="1" destOrd="0" presId="urn:microsoft.com/office/officeart/2005/8/layout/bList2"/>
     <dgm:cxn modelId="{4721D843-7A58-4E04-9745-4910163AF54C}" type="presOf" srcId="{21E8011A-40B8-4D45-9B2E-1E9416A61B91}" destId="{2F222BDF-4129-4B62-A0A2-87EA5A1661C7}" srcOrd="0" destOrd="0" presId="urn:microsoft.com/office/officeart/2005/8/layout/bList2"/>
-    <dgm:cxn modelId="{263EC248-32C9-4DDA-AC24-DD98C330E5C9}" type="presOf" srcId="{54F35BF2-CECB-4A63-A698-A6EED47AD2FF}" destId="{E3CD0C6D-1492-43C8-B157-BF79A6159852}" srcOrd="1" destOrd="0" presId="urn:microsoft.com/office/officeart/2005/8/layout/bList2"/>
     <dgm:cxn modelId="{EC64FC51-514A-4127-95E1-731EE6B5988C}" type="presOf" srcId="{21E8011A-40B8-4D45-9B2E-1E9416A61B91}" destId="{FD063B86-805E-4A3C-ACAC-D3BE10E259D0}" srcOrd="1" destOrd="0" presId="urn:microsoft.com/office/officeart/2005/8/layout/bList2"/>
-    <dgm:cxn modelId="{EEF01352-CD2E-4278-8ADD-C4825032B30A}" type="presOf" srcId="{0399D1CD-0F33-41FE-84B9-36F85B6CCA21}" destId="{01C6FE07-F1B2-41A7-B0A0-2F3A8E66E361}" srcOrd="1" destOrd="0" presId="urn:microsoft.com/office/officeart/2005/8/layout/bList2"/>
+    <dgm:cxn modelId="{C0EF36F1-969B-42F3-8426-F867F876A61F}" srcId="{A740C960-8EFF-43C8-BE34-AD6C7AD9D20E}" destId="{0399D1CD-0F33-41FE-84B9-36F85B6CCA21}" srcOrd="2" destOrd="0" parTransId="{7E795B5A-CE31-460C-BE0E-957FFB752528}" sibTransId="{8576F7BF-031E-4830-9E71-41CF1E3E91B4}"/>
     <dgm:cxn modelId="{E11FFD93-75A8-46A3-9344-5A8E7ABFBD4C}" srcId="{A740C960-8EFF-43C8-BE34-AD6C7AD9D20E}" destId="{54F35BF2-CECB-4A63-A698-A6EED47AD2FF}" srcOrd="1" destOrd="0" parTransId="{BD9FA27E-6585-4E53-A558-BE892A7603BD}" sibTransId="{7032773C-EB30-457A-AD46-1175C679062C}"/>
     <dgm:cxn modelId="{E4EE63C7-682B-4E28-BC9B-1D4E0E24F961}" srcId="{0399D1CD-0F33-41FE-84B9-36F85B6CCA21}" destId="{04BC40CA-F26D-4075-9203-DEC508AC845A}" srcOrd="0" destOrd="0" parTransId="{05B1CFA6-43A6-48AC-AA13-03C87565F986}" sibTransId="{277F5C81-2C65-4F96-BA35-27EA3580ABEC}"/>
-    <dgm:cxn modelId="{C0EF36F1-969B-42F3-8426-F867F876A61F}" srcId="{A740C960-8EFF-43C8-BE34-AD6C7AD9D20E}" destId="{0399D1CD-0F33-41FE-84B9-36F85B6CCA21}" srcOrd="2" destOrd="0" parTransId="{7E795B5A-CE31-460C-BE0E-957FFB752528}" sibTransId="{8576F7BF-031E-4830-9E71-41CF1E3E91B4}"/>
+    <dgm:cxn modelId="{D4C7D71E-36B7-46B3-85BD-E27482C61D05}" type="presOf" srcId="{0399D1CD-0F33-41FE-84B9-36F85B6CCA21}" destId="{5C5A173E-FF41-4D92-88ED-14200976BF74}" srcOrd="0" destOrd="0" presId="urn:microsoft.com/office/officeart/2005/8/layout/bList2"/>
+    <dgm:cxn modelId="{1F101F19-1C70-47FD-8395-5F3E510DDB1F}" srcId="{A740C960-8EFF-43C8-BE34-AD6C7AD9D20E}" destId="{21E8011A-40B8-4D45-9B2E-1E9416A61B91}" srcOrd="0" destOrd="0" parTransId="{75CBC305-AD2C-4742-9EAD-565FA4D0C1AD}" sibTransId="{0679B749-EC87-4FAF-AC9F-DFA46EEEA316}"/>
+    <dgm:cxn modelId="{908C770A-39DA-4548-9C39-885C1CC905C0}" type="presOf" srcId="{0679B749-EC87-4FAF-AC9F-DFA46EEEA316}" destId="{CC788F1B-0CF4-4B0F-B4F8-713A952163B4}" srcOrd="0" destOrd="0" presId="urn:microsoft.com/office/officeart/2005/8/layout/bList2"/>
     <dgm:cxn modelId="{9CAA9BF4-EBDC-4661-8F99-28C34355FCB6}" type="presParOf" srcId="{49FBE83E-2B3A-43BF-A91B-2BFF2C37AD2C}" destId="{3AD49DF5-7ACE-4A31-A39A-74ED536B7E35}" srcOrd="0" destOrd="0" presId="urn:microsoft.com/office/officeart/2005/8/layout/bList2"/>
     <dgm:cxn modelId="{E0A0F119-6612-46BA-B793-6CAD26D4873F}" type="presParOf" srcId="{3AD49DF5-7ACE-4A31-A39A-74ED536B7E35}" destId="{430324BD-DF46-4B3D-8437-F78676EA525E}" srcOrd="0" destOrd="0" presId="urn:microsoft.com/office/officeart/2005/8/layout/bList2"/>
     <dgm:cxn modelId="{D35F82CE-E5DC-4361-B9D1-5A6E7CB26363}" type="presParOf" srcId="{3AD49DF5-7ACE-4A31-A39A-74ED536B7E35}" destId="{2F222BDF-4129-4B62-A0A2-87EA5A1661C7}" srcOrd="1" destOrd="0" presId="urn:microsoft.com/office/officeart/2005/8/layout/bList2"/>
@@ -3231,6 +3413,13 @@
         </dgm:presLayoutVars>
       </dgm:prSet>
       <dgm:spPr/>
+      <dgm:t>
+        <a:bodyPr/>
+        <a:lstStyle/>
+        <a:p>
+          <a:endParaRPr lang="de-DE"/>
+        </a:p>
+      </dgm:t>
     </dgm:pt>
     <dgm:pt modelId="{F0E81315-B9D7-4661-97C9-FF01E1612E06}" type="pres">
       <dgm:prSet presAssocID="{BFB7E628-6B64-41F8-86A9-8F1E531DB550}" presName="arrow" presStyleLbl="bgShp" presStyleIdx="0" presStyleCnt="1"/>
@@ -3251,6 +3440,13 @@
         </dgm:presLayoutVars>
       </dgm:prSet>
       <dgm:spPr/>
+      <dgm:t>
+        <a:bodyPr/>
+        <a:lstStyle/>
+        <a:p>
+          <a:endParaRPr lang="de-DE"/>
+        </a:p>
+      </dgm:t>
     </dgm:pt>
     <dgm:pt modelId="{1C998CCA-D9C1-414B-984C-01C14C0E010D}" type="pres">
       <dgm:prSet presAssocID="{12480045-F58B-422F-8C64-F7A46D8CE277}" presName="bullet3b" presStyleLbl="node1" presStyleIdx="1" presStyleCnt="3"/>
@@ -3263,6 +3459,13 @@
         </dgm:presLayoutVars>
       </dgm:prSet>
       <dgm:spPr/>
+      <dgm:t>
+        <a:bodyPr/>
+        <a:lstStyle/>
+        <a:p>
+          <a:endParaRPr lang="de-DE"/>
+        </a:p>
+      </dgm:t>
     </dgm:pt>
     <dgm:pt modelId="{6FCE13F2-2999-43D7-9C67-9E6E6E19D206}" type="pres">
       <dgm:prSet presAssocID="{DE2C1607-E24E-4225-ACEA-BE1047262895}" presName="bullet3c" presStyleLbl="node1" presStyleIdx="2" presStyleCnt="3"/>
@@ -3275,15 +3478,22 @@
         </dgm:presLayoutVars>
       </dgm:prSet>
       <dgm:spPr/>
+      <dgm:t>
+        <a:bodyPr/>
+        <a:lstStyle/>
+        <a:p>
+          <a:endParaRPr lang="de-DE"/>
+        </a:p>
+      </dgm:t>
     </dgm:pt>
   </dgm:ptLst>
   <dgm:cxnLst>
+    <dgm:cxn modelId="{782C586E-8656-42DB-A0D9-6ED86B47FF96}" type="presOf" srcId="{12480045-F58B-422F-8C64-F7A46D8CE277}" destId="{67B38144-ABD9-4F36-A88C-0C947BBDACBC}" srcOrd="0" destOrd="0" presId="urn:microsoft.com/office/officeart/2005/8/layout/arrow2"/>
     <dgm:cxn modelId="{0359E009-C1A4-4538-B5BA-07421C54F0B9}" type="presOf" srcId="{BFB7E628-6B64-41F8-86A9-8F1E531DB550}" destId="{F3482C8A-F7E9-4E3D-BDD5-83FAA18B748C}" srcOrd="0" destOrd="0" presId="urn:microsoft.com/office/officeart/2005/8/layout/arrow2"/>
     <dgm:cxn modelId="{0905F712-A8B1-45BD-BBFF-379767E2CBED}" srcId="{BFB7E628-6B64-41F8-86A9-8F1E531DB550}" destId="{3931DF57-294F-42E7-85A6-32E5A9FF32BA}" srcOrd="0" destOrd="0" parTransId="{565097AB-B706-43C3-A040-230E603411D0}" sibTransId="{3E8DE777-8BC6-4365-BC20-D3AA45D9BE4C}"/>
     <dgm:cxn modelId="{3AC25D28-75B5-4F28-9DEB-F19A3FEC5030}" type="presOf" srcId="{3931DF57-294F-42E7-85A6-32E5A9FF32BA}" destId="{B93037BB-46BB-48F9-B24B-262F79A5E7F2}" srcOrd="0" destOrd="0" presId="urn:microsoft.com/office/officeart/2005/8/layout/arrow2"/>
-    <dgm:cxn modelId="{782C586E-8656-42DB-A0D9-6ED86B47FF96}" type="presOf" srcId="{12480045-F58B-422F-8C64-F7A46D8CE277}" destId="{67B38144-ABD9-4F36-A88C-0C947BBDACBC}" srcOrd="0" destOrd="0" presId="urn:microsoft.com/office/officeart/2005/8/layout/arrow2"/>
+    <dgm:cxn modelId="{8CE59CA9-51E9-42EF-A4DF-B4B1B4BFB2D3}" type="presOf" srcId="{DE2C1607-E24E-4225-ACEA-BE1047262895}" destId="{DA4FBF98-BC65-4120-AA6C-67DAD257D6DD}" srcOrd="0" destOrd="0" presId="urn:microsoft.com/office/officeart/2005/8/layout/arrow2"/>
     <dgm:cxn modelId="{4137007E-BF7B-44F2-892F-749DB3EB6876}" srcId="{BFB7E628-6B64-41F8-86A9-8F1E531DB550}" destId="{12480045-F58B-422F-8C64-F7A46D8CE277}" srcOrd="1" destOrd="0" parTransId="{2818E440-1013-4C00-A10F-DF6C02B3F7CF}" sibTransId="{B1A98850-5DC6-40C8-B938-542ABA2A8187}"/>
-    <dgm:cxn modelId="{8CE59CA9-51E9-42EF-A4DF-B4B1B4BFB2D3}" type="presOf" srcId="{DE2C1607-E24E-4225-ACEA-BE1047262895}" destId="{DA4FBF98-BC65-4120-AA6C-67DAD257D6DD}" srcOrd="0" destOrd="0" presId="urn:microsoft.com/office/officeart/2005/8/layout/arrow2"/>
     <dgm:cxn modelId="{46CEE7F0-18B6-4F55-91C6-10528D7A3977}" srcId="{BFB7E628-6B64-41F8-86A9-8F1E531DB550}" destId="{DE2C1607-E24E-4225-ACEA-BE1047262895}" srcOrd="2" destOrd="0" parTransId="{BB30BD55-949D-4474-B72C-9FC02CDFAD2B}" sibTransId="{AF5B74BE-586F-4F02-8149-ED246F1C380C}"/>
     <dgm:cxn modelId="{B3F675F7-692A-4FBF-8B68-51D859927DB6}" type="presParOf" srcId="{F3482C8A-F7E9-4E3D-BDD5-83FAA18B748C}" destId="{F0E81315-B9D7-4661-97C9-FF01E1612E06}" srcOrd="0" destOrd="0" presId="urn:microsoft.com/office/officeart/2005/8/layout/arrow2"/>
     <dgm:cxn modelId="{4DC37B81-139D-4A5C-A638-D57334489A07}" type="presParOf" srcId="{F3482C8A-F7E9-4E3D-BDD5-83FAA18B748C}" destId="{B1007DC7-D6E0-4906-BDE7-17EF86FA5F98}" srcOrd="1" destOrd="0" presId="urn:microsoft.com/office/officeart/2005/8/layout/arrow2"/>
@@ -3319,8 +3529,8 @@
       </dsp:nvSpPr>
       <dsp:spPr>
         <a:xfrm>
-          <a:off x="3793066" y="2438400"/>
-          <a:ext cx="2980266" cy="2980266"/>
+          <a:off x="4181092" y="2690311"/>
+          <a:ext cx="3288157" cy="3288157"/>
         </a:xfrm>
         <a:prstGeom prst="gear9">
           <a:avLst/>
@@ -3356,12 +3566,12 @@
         </a:fontRef>
       </dsp:style>
       <dsp:txBody>
-        <a:bodyPr spcFirstLastPara="0" vert="horz" wrap="square" lIns="19050" tIns="19050" rIns="19050" bIns="19050" numCol="1" spcCol="1270" anchor="ctr" anchorCtr="0">
+        <a:bodyPr spcFirstLastPara="0" vert="horz" wrap="square" lIns="26670" tIns="26670" rIns="26670" bIns="26670" numCol="1" spcCol="1270" anchor="ctr" anchorCtr="0">
           <a:noAutofit/>
         </a:bodyPr>
         <a:lstStyle/>
         <a:p>
-          <a:pPr marL="0" lvl="0" indent="0" algn="ctr" defTabSz="666750">
+          <a:pPr lvl="0" algn="ctr" defTabSz="933450">
             <a:lnSpc>
               <a:spcPct val="90000"/>
             </a:lnSpc>
@@ -3371,17 +3581,21 @@
             <a:spcAft>
               <a:spcPct val="35000"/>
             </a:spcAft>
-            <a:buNone/>
           </a:pPr>
           <a:r>
-            <a:rPr lang="de-DE" sz="1500" kern="1200" dirty="0"/>
-            <a:t>Gemeinsam virtuell Zeit verbringen, Musik hören und chatten</a:t>
+            <a:rPr lang="de-DE" sz="2100" kern="1200" dirty="0"/>
+            <a:t>Gemeinsam virtuell Zeit </a:t>
           </a:r>
+          <a:r>
+            <a:rPr lang="de-DE" sz="2100" kern="1200" dirty="0" smtClean="0"/>
+            <a:t>verbringen, Musik und Videos abspielen</a:t>
+          </a:r>
+          <a:endParaRPr lang="de-DE" sz="2100" kern="1200" dirty="0"/>
         </a:p>
       </dsp:txBody>
       <dsp:txXfrm>
-        <a:off x="4392232" y="3136513"/>
-        <a:ext cx="1781934" cy="1531918"/>
+        <a:off x="4842158" y="3460546"/>
+        <a:ext cx="1966025" cy="1690181"/>
       </dsp:txXfrm>
     </dsp:sp>
     <dsp:sp modelId="{D620EC91-7F95-4592-ACD1-65A336BA7A77}">
@@ -3391,8 +3605,8 @@
       </dsp:nvSpPr>
       <dsp:spPr>
         <a:xfrm>
-          <a:off x="2059093" y="1733973"/>
-          <a:ext cx="2167466" cy="2167466"/>
+          <a:off x="2267981" y="1913110"/>
+          <a:ext cx="2391387" cy="2391387"/>
         </a:xfrm>
         <a:prstGeom prst="gear6">
           <a:avLst/>
@@ -3428,12 +3642,12 @@
         </a:fontRef>
       </dsp:style>
       <dsp:txBody>
-        <a:bodyPr spcFirstLastPara="0" vert="horz" wrap="square" lIns="19050" tIns="19050" rIns="19050" bIns="19050" numCol="1" spcCol="1270" anchor="ctr" anchorCtr="0">
+        <a:bodyPr spcFirstLastPara="0" vert="horz" wrap="square" lIns="17780" tIns="17780" rIns="17780" bIns="17780" numCol="1" spcCol="1270" anchor="ctr" anchorCtr="0">
           <a:noAutofit/>
         </a:bodyPr>
         <a:lstStyle/>
         <a:p>
-          <a:pPr marL="0" lvl="0" indent="0" algn="ctr" defTabSz="666750">
+          <a:pPr lvl="0" algn="ctr" defTabSz="622300">
             <a:lnSpc>
               <a:spcPct val="90000"/>
             </a:lnSpc>
@@ -3443,17 +3657,17 @@
             <a:spcAft>
               <a:spcPct val="35000"/>
             </a:spcAft>
-            <a:buNone/>
           </a:pPr>
           <a:r>
-            <a:rPr lang="de-DE" sz="1500" kern="1200" dirty="0"/>
-            <a:t>Freunde einladen</a:t>
+            <a:rPr lang="de-DE" sz="1400" kern="1200" dirty="0" smtClean="0"/>
+            <a:t>Synchronisierte Wiedergabe</a:t>
           </a:r>
+          <a:endParaRPr lang="de-DE" sz="1400" kern="1200" dirty="0"/>
         </a:p>
       </dsp:txBody>
       <dsp:txXfrm>
-        <a:off x="2604759" y="2282937"/>
-        <a:ext cx="1076134" cy="1069538"/>
+        <a:off x="2870020" y="2518788"/>
+        <a:ext cx="1187309" cy="1180031"/>
       </dsp:txXfrm>
     </dsp:sp>
     <dsp:sp modelId="{BA7BEE52-6385-4D73-A851-35BE5DF1F097}">
@@ -3463,8 +3677,8 @@
       </dsp:nvSpPr>
       <dsp:spPr>
         <a:xfrm rot="20700000">
-          <a:off x="3273095" y="238642"/>
-          <a:ext cx="2123675" cy="2123675"/>
+          <a:off x="3607403" y="263296"/>
+          <a:ext cx="2343071" cy="2343071"/>
         </a:xfrm>
         <a:prstGeom prst="gear6">
           <a:avLst/>
@@ -3500,12 +3714,12 @@
         </a:fontRef>
       </dsp:style>
       <dsp:txBody>
-        <a:bodyPr spcFirstLastPara="0" vert="horz" wrap="square" lIns="19050" tIns="19050" rIns="19050" bIns="19050" numCol="1" spcCol="1270" anchor="ctr" anchorCtr="0">
+        <a:bodyPr spcFirstLastPara="0" vert="horz" wrap="square" lIns="22860" tIns="22860" rIns="22860" bIns="22860" numCol="1" spcCol="1270" anchor="ctr" anchorCtr="0">
           <a:noAutofit/>
         </a:bodyPr>
         <a:lstStyle/>
         <a:p>
-          <a:pPr marL="0" lvl="0" indent="0" algn="ctr" defTabSz="666750">
+          <a:pPr lvl="0" algn="ctr" defTabSz="800100">
             <a:lnSpc>
               <a:spcPct val="90000"/>
             </a:lnSpc>
@@ -3515,17 +3729,17 @@
             <a:spcAft>
               <a:spcPct val="35000"/>
             </a:spcAft>
-            <a:buNone/>
           </a:pPr>
           <a:r>
-            <a:rPr lang="de-DE" sz="1500" kern="1200" dirty="0"/>
-            <a:t>Benutzerkonto</a:t>
+            <a:rPr lang="de-DE" sz="1800" kern="1200" dirty="0" smtClean="0"/>
+            <a:t>Chat</a:t>
           </a:r>
+          <a:endParaRPr lang="de-DE" sz="1800" kern="1200" dirty="0"/>
         </a:p>
       </dsp:txBody>
       <dsp:txXfrm rot="-20700000">
-        <a:off x="3738879" y="704426"/>
-        <a:ext cx="1192106" cy="1192106"/>
+        <a:off x="4121307" y="777200"/>
+        <a:ext cx="1315263" cy="1315263"/>
       </dsp:txXfrm>
     </dsp:sp>
     <dsp:sp modelId="{5F3C05ED-E5AB-43EF-A2BF-AC54B58E2054}">
@@ -3535,15 +3749,15 @@
       </dsp:nvSpPr>
       <dsp:spPr>
         <a:xfrm>
-          <a:off x="3577577" y="1980864"/>
-          <a:ext cx="3814741" cy="3814741"/>
+          <a:off x="3948311" y="2182643"/>
+          <a:ext cx="4208842" cy="4208842"/>
         </a:xfrm>
         <a:prstGeom prst="circularArrow">
           <a:avLst>
-            <a:gd name="adj1" fmla="val 4688"/>
+            <a:gd name="adj1" fmla="val 4687"/>
             <a:gd name="adj2" fmla="val 299029"/>
-            <a:gd name="adj3" fmla="val 2539295"/>
-            <a:gd name="adj4" fmla="val 15812321"/>
+            <a:gd name="adj3" fmla="val 2546984"/>
+            <a:gd name="adj4" fmla="val 15796415"/>
             <a:gd name="adj5" fmla="val 5469"/>
           </a:avLst>
         </a:prstGeom>
@@ -3588,8 +3802,8 @@
       </dsp:nvSpPr>
       <dsp:spPr>
         <a:xfrm>
-          <a:off x="1675238" y="1249140"/>
-          <a:ext cx="2771648" cy="2771648"/>
+          <a:off x="1844471" y="1376329"/>
+          <a:ext cx="3057986" cy="3057986"/>
         </a:xfrm>
         <a:prstGeom prst="leftCircularArrow">
           <a:avLst>
@@ -3641,8 +3855,8 @@
       </dsp:nvSpPr>
       <dsp:spPr>
         <a:xfrm>
-          <a:off x="2781867" y="-231776"/>
-          <a:ext cx="2988394" cy="2988394"/>
+          <a:off x="3065426" y="-257580"/>
+          <a:ext cx="3297125" cy="3297125"/>
         </a:xfrm>
         <a:prstGeom prst="circularArrow">
           <a:avLst>
@@ -3814,7 +4028,7 @@
         </a:bodyPr>
         <a:lstStyle/>
         <a:p>
-          <a:pPr marL="0" lvl="0" indent="0" algn="l" defTabSz="2489200">
+          <a:pPr lvl="0" algn="l" defTabSz="2489200">
             <a:lnSpc>
               <a:spcPct val="90000"/>
             </a:lnSpc>
@@ -3824,7 +4038,6 @@
             <a:spcAft>
               <a:spcPct val="35000"/>
             </a:spcAft>
-            <a:buNone/>
           </a:pPr>
           <a:r>
             <a:rPr lang="de-DE" sz="5600" kern="1200" dirty="0"/>
@@ -3851,7 +4064,7 @@
           <a:avLst/>
         </a:prstGeom>
         <a:blipFill>
-          <a:blip xmlns:r="http://schemas.openxmlformats.org/officeDocument/2006/relationships" r:embed="rId1">
+          <a:blip xmlns:r="http://schemas.openxmlformats.org/officeDocument/2006/relationships" r:embed="rId1" cstate="print">
             <a:extLst>
               <a:ext uri="{28A0092B-C50C-407E-A947-70E740481C1C}">
                 <a14:useLocalDpi xmlns:a14="http://schemas.microsoft.com/office/drawing/2010/main" val="0"/>
@@ -4003,7 +4216,7 @@
         </a:bodyPr>
         <a:lstStyle/>
         <a:p>
-          <a:pPr marL="0" lvl="0" indent="0" algn="l" defTabSz="2489200">
+          <a:pPr lvl="0" algn="l" defTabSz="2489200">
             <a:lnSpc>
               <a:spcPct val="90000"/>
             </a:lnSpc>
@@ -4013,7 +4226,6 @@
             <a:spcAft>
               <a:spcPct val="35000"/>
             </a:spcAft>
-            <a:buNone/>
           </a:pPr>
           <a:r>
             <a:rPr lang="de-DE" sz="5600" kern="1200" dirty="0"/>
@@ -4040,7 +4252,7 @@
           <a:avLst/>
         </a:prstGeom>
         <a:blipFill>
-          <a:blip xmlns:r="http://schemas.openxmlformats.org/officeDocument/2006/relationships" r:embed="rId2">
+          <a:blip xmlns:r="http://schemas.openxmlformats.org/officeDocument/2006/relationships" r:embed="rId2" cstate="print">
             <a:extLst>
               <a:ext uri="{28A0092B-C50C-407E-A947-70E740481C1C}">
                 <a14:useLocalDpi xmlns:a14="http://schemas.microsoft.com/office/drawing/2010/main" val="0"/>
@@ -4146,7 +4358,7 @@
             <a:spcAft>
               <a:spcPct val="15000"/>
             </a:spcAft>
-            <a:buChar char="•"/>
+            <a:buChar char="••"/>
           </a:pPr>
           <a:endParaRPr lang="de-DE" sz="6500" kern="1200" dirty="0"/>
         </a:p>
@@ -4217,7 +4429,7 @@
         </a:bodyPr>
         <a:lstStyle/>
         <a:p>
-          <a:pPr marL="0" lvl="0" indent="0" algn="l" defTabSz="2489200">
+          <a:pPr lvl="0" algn="l" defTabSz="2489200">
             <a:lnSpc>
               <a:spcPct val="90000"/>
             </a:lnSpc>
@@ -4227,7 +4439,6 @@
             <a:spcAft>
               <a:spcPct val="35000"/>
             </a:spcAft>
-            <a:buNone/>
           </a:pPr>
           <a:r>
             <a:rPr lang="de-DE" sz="5600" kern="1200" dirty="0"/>
@@ -4254,7 +4465,7 @@
           <a:avLst/>
         </a:prstGeom>
         <a:blipFill>
-          <a:blip xmlns:r="http://schemas.openxmlformats.org/officeDocument/2006/relationships" r:embed="rId3">
+          <a:blip xmlns:r="http://schemas.openxmlformats.org/officeDocument/2006/relationships" r:embed="rId3" cstate="print">
             <a:extLst>
               <a:ext uri="{28A0092B-C50C-407E-A947-70E740481C1C}">
                 <a14:useLocalDpi xmlns:a14="http://schemas.microsoft.com/office/drawing/2010/main" val="0"/>
@@ -4454,7 +4665,7 @@
         </a:bodyPr>
         <a:lstStyle/>
         <a:p>
-          <a:pPr marL="0" lvl="0" indent="0" algn="l" defTabSz="1066800">
+          <a:pPr lvl="0" algn="l" defTabSz="1066800">
             <a:lnSpc>
               <a:spcPct val="90000"/>
             </a:lnSpc>
@@ -4464,7 +4675,6 @@
             <a:spcAft>
               <a:spcPct val="35000"/>
             </a:spcAft>
-            <a:buNone/>
           </a:pPr>
           <a:r>
             <a:rPr lang="de-DE" sz="2400" kern="1200" dirty="0"/>
@@ -4585,7 +4795,7 @@
         </a:bodyPr>
         <a:lstStyle/>
         <a:p>
-          <a:pPr marL="0" lvl="0" indent="0" algn="l" defTabSz="1066800">
+          <a:pPr lvl="0" algn="l" defTabSz="1066800">
             <a:lnSpc>
               <a:spcPct val="90000"/>
             </a:lnSpc>
@@ -4595,7 +4805,6 @@
             <a:spcAft>
               <a:spcPct val="35000"/>
             </a:spcAft>
-            <a:buNone/>
           </a:pPr>
           <a:r>
             <a:rPr lang="de-DE" sz="2400" kern="1200" dirty="0"/>
@@ -4724,7 +4933,7 @@
         </a:bodyPr>
         <a:lstStyle/>
         <a:p>
-          <a:pPr marL="0" lvl="0" indent="0" algn="l" defTabSz="1066800">
+          <a:pPr lvl="0" algn="l" defTabSz="1066800">
             <a:lnSpc>
               <a:spcPct val="90000"/>
             </a:lnSpc>
@@ -4734,7 +4943,6 @@
             <a:spcAft>
               <a:spcPct val="35000"/>
             </a:spcAft>
-            <a:buNone/>
           </a:pPr>
           <a:r>
             <a:rPr lang="de-DE" sz="2400" kern="1200" dirty="0"/>
@@ -10511,7 +10719,7 @@
           <a:p>
             <a:fld id="{533E8B6C-C479-4297-BBFF-80386BEE6A86}" type="datetimeFigureOut">
               <a:rPr lang="de-DE" smtClean="0"/>
-              <a:t>09.05.2018</a:t>
+              <a:t>15.05.2018</a:t>
             </a:fld>
             <a:endParaRPr lang="de-DE"/>
           </a:p>
@@ -10823,15 +11031,792 @@
           <a:lstStyle/>
           <a:p>
             <a:r>
-              <a:rPr lang="de-DE" dirty="0" err="1"/>
+              <a:rPr lang="de-DE" dirty="0" err="1" smtClean="0"/>
+              <a:t>Phpmyadmin</a:t>
+            </a:r>
+            <a:r>
+              <a:rPr lang="de-DE" dirty="0" smtClean="0"/>
+              <a:t>(MySQL)</a:t>
+            </a:r>
+          </a:p>
+          <a:p>
+            <a:r>
+              <a:rPr lang="de-DE" dirty="0" smtClean="0"/>
+              <a:t>Next.js</a:t>
+            </a:r>
+          </a:p>
+          <a:p>
+            <a:r>
+              <a:rPr lang="de-DE" dirty="0" err="1" smtClean="0"/>
+              <a:t>React</a:t>
+            </a:r>
+            <a:endParaRPr lang="de-DE" dirty="0" smtClean="0"/>
+          </a:p>
+          <a:p>
+            <a:r>
+              <a:rPr lang="de-DE" dirty="0" err="1" smtClean="0"/>
+              <a:t>Semantic</a:t>
+            </a:r>
+            <a:r>
+              <a:rPr lang="de-DE" baseline="0" dirty="0" smtClean="0"/>
+              <a:t> UI</a:t>
+            </a:r>
+          </a:p>
+          <a:p>
+            <a:r>
+              <a:rPr lang="de-DE" baseline="0" dirty="0" err="1" smtClean="0"/>
+              <a:t>Node</a:t>
+            </a:r>
+            <a:r>
+              <a:rPr lang="de-DE" baseline="0" dirty="0" smtClean="0"/>
+              <a:t> </a:t>
+            </a:r>
+            <a:r>
+              <a:rPr lang="de-DE" baseline="0" dirty="0" err="1" smtClean="0"/>
+              <a:t>Js</a:t>
+            </a:r>
+            <a:r>
+              <a:rPr lang="de-DE" baseline="0" dirty="0" smtClean="0"/>
+              <a:t> - mit den oberen verbunden</a:t>
+            </a:r>
+          </a:p>
+          <a:p>
+            <a:r>
+              <a:rPr lang="de-DE" baseline="0" dirty="0" err="1" smtClean="0"/>
+              <a:t>Nginx</a:t>
+            </a:r>
+            <a:r>
+              <a:rPr lang="de-DE" baseline="0" dirty="0" smtClean="0"/>
+              <a:t> - </a:t>
+            </a:r>
+            <a:r>
+              <a:rPr lang="de-DE" baseline="0" dirty="0" err="1" smtClean="0"/>
+              <a:t>webserver</a:t>
+            </a:r>
+            <a:endParaRPr lang="de-DE" baseline="0" dirty="0" smtClean="0"/>
+          </a:p>
+          <a:p>
+            <a:r>
+              <a:rPr lang="de-DE" baseline="0" dirty="0" smtClean="0"/>
+              <a:t>Socket.io für Chat und </a:t>
+            </a:r>
+            <a:r>
+              <a:rPr lang="de-DE" baseline="0" dirty="0" err="1" smtClean="0"/>
+              <a:t>trigger</a:t>
+            </a:r>
+            <a:r>
+              <a:rPr lang="de-DE" baseline="0" dirty="0" smtClean="0"/>
+              <a:t> für </a:t>
+            </a:r>
+            <a:r>
+              <a:rPr lang="de-DE" baseline="0" dirty="0" err="1" smtClean="0"/>
+              <a:t>sync</a:t>
+            </a:r>
+            <a:endParaRPr lang="de-DE" baseline="0" dirty="0" smtClean="0"/>
+          </a:p>
+          <a:p>
+            <a:r>
+              <a:rPr lang="de-DE" baseline="0" dirty="0" err="1" smtClean="0"/>
+              <a:t>Bcrypt</a:t>
+            </a:r>
+            <a:r>
+              <a:rPr lang="de-DE" baseline="0" dirty="0" smtClean="0"/>
+              <a:t> – </a:t>
+            </a:r>
+            <a:r>
+              <a:rPr lang="de-DE" baseline="0" dirty="0" err="1" smtClean="0"/>
+              <a:t>verschlüssel</a:t>
+            </a:r>
+            <a:r>
+              <a:rPr lang="de-DE" baseline="0" dirty="0" smtClean="0"/>
+              <a:t> von </a:t>
+            </a:r>
+            <a:r>
+              <a:rPr lang="de-DE" baseline="0" dirty="0" err="1" smtClean="0"/>
+              <a:t>passwörtern</a:t>
+            </a:r>
+            <a:endParaRPr lang="de-DE" baseline="0" dirty="0" smtClean="0"/>
+          </a:p>
+          <a:p>
+            <a:r>
+              <a:rPr lang="de-DE" baseline="0" dirty="0" smtClean="0"/>
+              <a:t>JSON Web Token – für Session verwendet, dadurch Cookie „</a:t>
+            </a:r>
+            <a:r>
+              <a:rPr lang="de-DE" baseline="0" dirty="0" err="1" smtClean="0"/>
+              <a:t>verschlüssel</a:t>
+            </a:r>
+            <a:r>
+              <a:rPr lang="de-DE" baseline="0" dirty="0" smtClean="0"/>
+              <a:t>“</a:t>
+            </a:r>
+          </a:p>
+          <a:p>
+            <a:endParaRPr lang="de-DE" dirty="0" smtClean="0"/>
+          </a:p>
+          <a:p>
+            <a:endParaRPr lang="de-DE" dirty="0"/>
+          </a:p>
+        </p:txBody>
+      </p:sp>
+      <p:sp>
+        <p:nvSpPr>
+          <p:cNvPr id="4" name="Foliennummernplatzhalter 3"/>
+          <p:cNvSpPr>
+            <a:spLocks noGrp="1"/>
+          </p:cNvSpPr>
+          <p:nvPr>
+            <p:ph type="sldNum" sz="quarter" idx="10"/>
+          </p:nvPr>
+        </p:nvSpPr>
+        <p:spPr/>
+        <p:txBody>
+          <a:bodyPr/>
+          <a:lstStyle/>
+          <a:p>
+            <a:fld id="{1EA84CCB-B000-4221-8454-DF7DFEBB347C}" type="slidenum">
+              <a:rPr lang="de-DE" smtClean="0"/>
+              <a:t>6</a:t>
+            </a:fld>
+            <a:endParaRPr lang="de-DE"/>
+          </a:p>
+        </p:txBody>
+      </p:sp>
+    </p:spTree>
+    <p:extLst>
+      <p:ext uri="{BB962C8B-B14F-4D97-AF65-F5344CB8AC3E}">
+        <p14:creationId xmlns:p14="http://schemas.microsoft.com/office/powerpoint/2010/main" val="1294029087"/>
+      </p:ext>
+    </p:extLst>
+  </p:cSld>
+  <p:clrMapOvr>
+    <a:masterClrMapping/>
+  </p:clrMapOvr>
+</p:notes>
+</file>
+
+<file path=ppt/notesSlides/notesSlide2.xml><?xml version="1.0" encoding="utf-8"?>
+<p:notes xmlns:a="http://schemas.openxmlformats.org/drawingml/2006/main" xmlns:r="http://schemas.openxmlformats.org/officeDocument/2006/relationships" xmlns:p="http://schemas.openxmlformats.org/presentationml/2006/main">
+  <p:cSld>
+    <p:spTree>
+      <p:nvGrpSpPr>
+        <p:cNvPr id="1" name=""/>
+        <p:cNvGrpSpPr/>
+        <p:nvPr/>
+      </p:nvGrpSpPr>
+      <p:grpSpPr>
+        <a:xfrm>
+          <a:off x="0" y="0"/>
+          <a:ext cx="0" cy="0"/>
+          <a:chOff x="0" y="0"/>
+          <a:chExt cx="0" cy="0"/>
+        </a:xfrm>
+      </p:grpSpPr>
+      <p:sp>
+        <p:nvSpPr>
+          <p:cNvPr id="2" name="Folienbildplatzhalter 1"/>
+          <p:cNvSpPr>
+            <a:spLocks noGrp="1" noRot="1" noChangeAspect="1"/>
+          </p:cNvSpPr>
+          <p:nvPr>
+            <p:ph type="sldImg"/>
+          </p:nvPr>
+        </p:nvSpPr>
+        <p:spPr/>
+      </p:sp>
+      <p:sp>
+        <p:nvSpPr>
+          <p:cNvPr id="3" name="Notizenplatzhalter 2"/>
+          <p:cNvSpPr>
+            <a:spLocks noGrp="1"/>
+          </p:cNvSpPr>
+          <p:nvPr>
+            <p:ph type="body" idx="1"/>
+          </p:nvPr>
+        </p:nvSpPr>
+        <p:spPr/>
+        <p:txBody>
+          <a:bodyPr/>
+          <a:lstStyle/>
+          <a:p>
+            <a:r>
+              <a:rPr lang="de-DE" dirty="0" smtClean="0"/>
+              <a:t>Haben</a:t>
+            </a:r>
+            <a:r>
+              <a:rPr lang="de-DE" baseline="0" dirty="0" smtClean="0"/>
+              <a:t> uns für </a:t>
+            </a:r>
+            <a:r>
+              <a:rPr lang="de-DE" baseline="0" dirty="0" err="1" smtClean="0"/>
+              <a:t>Mysql</a:t>
+            </a:r>
+            <a:r>
+              <a:rPr lang="de-DE" baseline="0" dirty="0" smtClean="0"/>
+              <a:t> entschieden, da die Beziehung zwischen den Tabellen für unser Projekt hilfreich ist. (</a:t>
+            </a:r>
+            <a:r>
+              <a:rPr lang="de-DE" baseline="0" dirty="0" err="1" smtClean="0"/>
+              <a:t>User,Room,Videos</a:t>
+            </a:r>
+            <a:r>
+              <a:rPr lang="de-DE" baseline="0" dirty="0" smtClean="0"/>
+              <a:t>). Vorkenntnisse in der </a:t>
+            </a:r>
+            <a:r>
+              <a:rPr lang="de-DE" baseline="0" dirty="0" err="1" smtClean="0"/>
+              <a:t>Mysql</a:t>
+            </a:r>
+            <a:r>
+              <a:rPr lang="de-DE" baseline="0" dirty="0" smtClean="0"/>
+              <a:t> </a:t>
+            </a:r>
+            <a:r>
+              <a:rPr lang="de-DE" baseline="0" dirty="0" err="1" smtClean="0"/>
+              <a:t>welt</a:t>
+            </a:r>
+            <a:r>
+              <a:rPr lang="de-DE" baseline="0" dirty="0" smtClean="0"/>
+              <a:t> haben uns dann auch noch sehr geholfen. Die Performance ist nicht ganz so gravierend, da wir nicht zu viele Daten miteinander korrelieren.</a:t>
+            </a:r>
+          </a:p>
+          <a:p>
+            <a:endParaRPr lang="de-DE" baseline="0" dirty="0" smtClean="0"/>
+          </a:p>
+        </p:txBody>
+      </p:sp>
+      <p:sp>
+        <p:nvSpPr>
+          <p:cNvPr id="4" name="Foliennummernplatzhalter 3"/>
+          <p:cNvSpPr>
+            <a:spLocks noGrp="1"/>
+          </p:cNvSpPr>
+          <p:nvPr>
+            <p:ph type="sldNum" sz="quarter" idx="10"/>
+          </p:nvPr>
+        </p:nvSpPr>
+        <p:spPr/>
+        <p:txBody>
+          <a:bodyPr/>
+          <a:lstStyle/>
+          <a:p>
+            <a:fld id="{1EA84CCB-B000-4221-8454-DF7DFEBB347C}" type="slidenum">
+              <a:rPr lang="de-DE" smtClean="0"/>
+              <a:t>7</a:t>
+            </a:fld>
+            <a:endParaRPr lang="de-DE"/>
+          </a:p>
+        </p:txBody>
+      </p:sp>
+    </p:spTree>
+    <p:extLst>
+      <p:ext uri="{BB962C8B-B14F-4D97-AF65-F5344CB8AC3E}">
+        <p14:creationId xmlns:p14="http://schemas.microsoft.com/office/powerpoint/2010/main" val="3869719576"/>
+      </p:ext>
+    </p:extLst>
+  </p:cSld>
+  <p:clrMapOvr>
+    <a:masterClrMapping/>
+  </p:clrMapOvr>
+</p:notes>
+</file>
+
+<file path=ppt/notesSlides/notesSlide3.xml><?xml version="1.0" encoding="utf-8"?>
+<p:notes xmlns:a="http://schemas.openxmlformats.org/drawingml/2006/main" xmlns:r="http://schemas.openxmlformats.org/officeDocument/2006/relationships" xmlns:p="http://schemas.openxmlformats.org/presentationml/2006/main">
+  <p:cSld>
+    <p:spTree>
+      <p:nvGrpSpPr>
+        <p:cNvPr id="1" name=""/>
+        <p:cNvGrpSpPr/>
+        <p:nvPr/>
+      </p:nvGrpSpPr>
+      <p:grpSpPr>
+        <a:xfrm>
+          <a:off x="0" y="0"/>
+          <a:ext cx="0" cy="0"/>
+          <a:chOff x="0" y="0"/>
+          <a:chExt cx="0" cy="0"/>
+        </a:xfrm>
+      </p:grpSpPr>
+      <p:sp>
+        <p:nvSpPr>
+          <p:cNvPr id="2" name="Folienbildplatzhalter 1"/>
+          <p:cNvSpPr>
+            <a:spLocks noGrp="1" noRot="1" noChangeAspect="1"/>
+          </p:cNvSpPr>
+          <p:nvPr>
+            <p:ph type="sldImg"/>
+          </p:nvPr>
+        </p:nvSpPr>
+        <p:spPr/>
+      </p:sp>
+      <p:sp>
+        <p:nvSpPr>
+          <p:cNvPr id="3" name="Notizenplatzhalter 2"/>
+          <p:cNvSpPr>
+            <a:spLocks noGrp="1"/>
+          </p:cNvSpPr>
+          <p:nvPr>
+            <p:ph type="body" idx="1"/>
+          </p:nvPr>
+        </p:nvSpPr>
+        <p:spPr/>
+        <p:txBody>
+          <a:bodyPr/>
+          <a:lstStyle/>
+          <a:p>
+            <a:r>
+              <a:rPr lang="de-DE" dirty="0" err="1" smtClean="0"/>
+              <a:t>React</a:t>
+            </a:r>
+            <a:endParaRPr lang="de-DE" dirty="0" smtClean="0"/>
+          </a:p>
+          <a:p>
+            <a:r>
+              <a:rPr lang="de-DE" dirty="0" err="1" smtClean="0"/>
+              <a:t>Semantic</a:t>
+            </a:r>
+            <a:r>
+              <a:rPr lang="de-DE" baseline="0" dirty="0" smtClean="0"/>
+              <a:t> UI</a:t>
+            </a:r>
+            <a:endParaRPr lang="de-DE" dirty="0"/>
+          </a:p>
+        </p:txBody>
+      </p:sp>
+      <p:sp>
+        <p:nvSpPr>
+          <p:cNvPr id="4" name="Foliennummernplatzhalter 3"/>
+          <p:cNvSpPr>
+            <a:spLocks noGrp="1"/>
+          </p:cNvSpPr>
+          <p:nvPr>
+            <p:ph type="sldNum" sz="quarter" idx="10"/>
+          </p:nvPr>
+        </p:nvSpPr>
+        <p:spPr/>
+        <p:txBody>
+          <a:bodyPr/>
+          <a:lstStyle/>
+          <a:p>
+            <a:fld id="{1EA84CCB-B000-4221-8454-DF7DFEBB347C}" type="slidenum">
+              <a:rPr lang="de-DE" smtClean="0"/>
+              <a:t>8</a:t>
+            </a:fld>
+            <a:endParaRPr lang="de-DE"/>
+          </a:p>
+        </p:txBody>
+      </p:sp>
+    </p:spTree>
+    <p:extLst>
+      <p:ext uri="{BB962C8B-B14F-4D97-AF65-F5344CB8AC3E}">
+        <p14:creationId xmlns:p14="http://schemas.microsoft.com/office/powerpoint/2010/main" val="3928699119"/>
+      </p:ext>
+    </p:extLst>
+  </p:cSld>
+  <p:clrMapOvr>
+    <a:masterClrMapping/>
+  </p:clrMapOvr>
+</p:notes>
+</file>
+
+<file path=ppt/notesSlides/notesSlide4.xml><?xml version="1.0" encoding="utf-8"?>
+<p:notes xmlns:a="http://schemas.openxmlformats.org/drawingml/2006/main" xmlns:r="http://schemas.openxmlformats.org/officeDocument/2006/relationships" xmlns:p="http://schemas.openxmlformats.org/presentationml/2006/main">
+  <p:cSld>
+    <p:spTree>
+      <p:nvGrpSpPr>
+        <p:cNvPr id="1" name=""/>
+        <p:cNvGrpSpPr/>
+        <p:nvPr/>
+      </p:nvGrpSpPr>
+      <p:grpSpPr>
+        <a:xfrm>
+          <a:off x="0" y="0"/>
+          <a:ext cx="0" cy="0"/>
+          <a:chOff x="0" y="0"/>
+          <a:chExt cx="0" cy="0"/>
+        </a:xfrm>
+      </p:grpSpPr>
+      <p:sp>
+        <p:nvSpPr>
+          <p:cNvPr id="2" name="Folienbildplatzhalter 1"/>
+          <p:cNvSpPr>
+            <a:spLocks noGrp="1" noRot="1" noChangeAspect="1"/>
+          </p:cNvSpPr>
+          <p:nvPr>
+            <p:ph type="sldImg"/>
+          </p:nvPr>
+        </p:nvSpPr>
+        <p:spPr/>
+      </p:sp>
+      <p:sp>
+        <p:nvSpPr>
+          <p:cNvPr id="3" name="Notizenplatzhalter 2"/>
+          <p:cNvSpPr>
+            <a:spLocks noGrp="1"/>
+          </p:cNvSpPr>
+          <p:nvPr>
+            <p:ph type="body" idx="1"/>
+          </p:nvPr>
+        </p:nvSpPr>
+        <p:spPr/>
+        <p:txBody>
+          <a:bodyPr/>
+          <a:lstStyle/>
+          <a:p>
+            <a:r>
+              <a:rPr lang="de-DE" dirty="0" err="1" smtClean="0"/>
+              <a:t>Nginx</a:t>
+            </a:r>
+            <a:r>
+              <a:rPr lang="de-DE" dirty="0" smtClean="0"/>
+              <a:t> als Webserver</a:t>
+            </a:r>
+          </a:p>
+          <a:p>
+            <a:r>
+              <a:rPr lang="de-DE" dirty="0" err="1" smtClean="0"/>
+              <a:t>Node</a:t>
+            </a:r>
+            <a:r>
+              <a:rPr lang="de-DE" dirty="0" smtClean="0"/>
+              <a:t> </a:t>
+            </a:r>
+            <a:r>
+              <a:rPr lang="de-DE" dirty="0" err="1" smtClean="0"/>
+              <a:t>js</a:t>
+            </a:r>
+            <a:r>
+              <a:rPr lang="de-DE" dirty="0" smtClean="0"/>
+              <a:t> – keine </a:t>
+            </a:r>
+            <a:r>
+              <a:rPr lang="de-DE" dirty="0" err="1" smtClean="0"/>
+              <a:t>Ahung</a:t>
+            </a:r>
+            <a:r>
+              <a:rPr lang="de-DE" dirty="0" smtClean="0"/>
+              <a:t> ob das hier hin muss </a:t>
+            </a:r>
+            <a:r>
+              <a:rPr lang="de-DE" dirty="0" smtClean="0">
+                <a:sym typeface="Wingdings" panose="05000000000000000000" pitchFamily="2" charset="2"/>
+              </a:rPr>
+              <a:t></a:t>
+            </a:r>
+            <a:br>
+              <a:rPr lang="de-DE" dirty="0" smtClean="0">
+                <a:sym typeface="Wingdings" panose="05000000000000000000" pitchFamily="2" charset="2"/>
+              </a:rPr>
+            </a:br>
+            <a:r>
+              <a:rPr lang="de-DE" dirty="0" smtClean="0">
+                <a:sym typeface="Wingdings" panose="05000000000000000000" pitchFamily="2" charset="2"/>
+              </a:rPr>
+              <a:t>socket </a:t>
+            </a:r>
+            <a:r>
+              <a:rPr lang="de-DE" dirty="0" err="1" smtClean="0">
+                <a:sym typeface="Wingdings" panose="05000000000000000000" pitchFamily="2" charset="2"/>
+              </a:rPr>
+              <a:t>io</a:t>
+            </a:r>
+            <a:r>
+              <a:rPr lang="de-DE" dirty="0" smtClean="0">
+                <a:sym typeface="Wingdings" panose="05000000000000000000" pitchFamily="2" charset="2"/>
+              </a:rPr>
+              <a:t> - für die Realisierung des</a:t>
+            </a:r>
+            <a:r>
+              <a:rPr lang="de-DE" baseline="0" dirty="0" smtClean="0">
+                <a:sym typeface="Wingdings" panose="05000000000000000000" pitchFamily="2" charset="2"/>
+              </a:rPr>
+              <a:t> </a:t>
+            </a:r>
+            <a:r>
+              <a:rPr lang="de-DE" baseline="0" dirty="0" err="1" smtClean="0">
+                <a:sym typeface="Wingdings" panose="05000000000000000000" pitchFamily="2" charset="2"/>
+              </a:rPr>
+              <a:t>Websockets</a:t>
+            </a:r>
+            <a:r>
+              <a:rPr lang="de-DE" baseline="0" dirty="0" smtClean="0">
+                <a:sym typeface="Wingdings" panose="05000000000000000000" pitchFamily="2" charset="2"/>
+              </a:rPr>
+              <a:t> für den Chat</a:t>
+            </a:r>
+          </a:p>
+          <a:p>
+            <a:r>
+              <a:rPr lang="de-DE" sz="1200" b="0" i="0" kern="1200" dirty="0" smtClean="0">
+                <a:solidFill>
+                  <a:schemeClr val="tx1"/>
+                </a:solidFill>
+                <a:effectLst/>
+                <a:latin typeface="+mn-lt"/>
+                <a:ea typeface="+mn-ea"/>
+                <a:cs typeface="+mn-cs"/>
+              </a:rPr>
+              <a:t>Next </a:t>
+            </a:r>
+            <a:r>
+              <a:rPr lang="de-DE" sz="1200" b="0" i="0" kern="1200" dirty="0" err="1" smtClean="0">
+                <a:solidFill>
+                  <a:schemeClr val="tx1"/>
+                </a:solidFill>
+                <a:effectLst/>
+                <a:latin typeface="+mn-lt"/>
+                <a:ea typeface="+mn-ea"/>
+                <a:cs typeface="+mn-cs"/>
+              </a:rPr>
+              <a:t>js</a:t>
+            </a:r>
+            <a:r>
+              <a:rPr lang="de-DE" sz="1200" b="0" i="0" kern="1200" dirty="0" smtClean="0">
+                <a:solidFill>
+                  <a:schemeClr val="tx1"/>
+                </a:solidFill>
+                <a:effectLst/>
+                <a:latin typeface="+mn-lt"/>
+                <a:ea typeface="+mn-ea"/>
+                <a:cs typeface="+mn-cs"/>
+              </a:rPr>
+              <a:t>.  - JavaScript-Framework für Server-</a:t>
+            </a:r>
+            <a:r>
+              <a:rPr lang="de-DE" sz="1200" b="0" i="0" kern="1200" dirty="0" err="1" smtClean="0">
+                <a:solidFill>
+                  <a:schemeClr val="tx1"/>
+                </a:solidFill>
+                <a:effectLst/>
+                <a:latin typeface="+mn-lt"/>
+                <a:ea typeface="+mn-ea"/>
+                <a:cs typeface="+mn-cs"/>
+              </a:rPr>
+              <a:t>rendered</a:t>
+            </a:r>
+            <a:r>
+              <a:rPr lang="de-DE" sz="1200" b="0" i="0" kern="1200" dirty="0" smtClean="0">
+                <a:solidFill>
+                  <a:schemeClr val="tx1"/>
+                </a:solidFill>
+                <a:effectLst/>
+                <a:latin typeface="+mn-lt"/>
+                <a:ea typeface="+mn-ea"/>
+                <a:cs typeface="+mn-cs"/>
+              </a:rPr>
+              <a:t> JavaScript-</a:t>
+            </a:r>
+            <a:r>
+              <a:rPr lang="de-DE" sz="1200" b="0" i="0" kern="1200" dirty="0" err="1" smtClean="0">
+                <a:solidFill>
+                  <a:schemeClr val="tx1"/>
+                </a:solidFill>
+                <a:effectLst/>
+                <a:latin typeface="+mn-lt"/>
+                <a:ea typeface="+mn-ea"/>
+                <a:cs typeface="+mn-cs"/>
+              </a:rPr>
+              <a:t>Webapps</a:t>
+            </a:r>
+            <a:r>
+              <a:rPr lang="de-DE" sz="1200" b="0" i="0" kern="1200" dirty="0" smtClean="0">
+                <a:solidFill>
+                  <a:schemeClr val="tx1"/>
+                </a:solidFill>
+                <a:effectLst/>
+                <a:latin typeface="+mn-lt"/>
+                <a:ea typeface="+mn-ea"/>
+                <a:cs typeface="+mn-cs"/>
+              </a:rPr>
+              <a:t> und baut auf </a:t>
+            </a:r>
+            <a:r>
+              <a:rPr lang="de-DE" sz="1200" b="0" i="0" kern="1200" dirty="0" err="1" smtClean="0">
+                <a:solidFill>
+                  <a:schemeClr val="tx1"/>
+                </a:solidFill>
+                <a:effectLst/>
+                <a:latin typeface="+mn-lt"/>
+                <a:ea typeface="+mn-ea"/>
+                <a:cs typeface="+mn-cs"/>
+              </a:rPr>
+              <a:t>React</a:t>
+            </a:r>
+            <a:r>
+              <a:rPr lang="de-DE" sz="1200" b="0" i="0" kern="1200" baseline="0" dirty="0" smtClean="0">
+                <a:solidFill>
+                  <a:schemeClr val="tx1"/>
+                </a:solidFill>
+                <a:effectLst/>
+                <a:latin typeface="+mn-lt"/>
+                <a:ea typeface="+mn-ea"/>
+                <a:cs typeface="+mn-cs"/>
+              </a:rPr>
+              <a:t> auf.</a:t>
+            </a:r>
+            <a:endParaRPr lang="de-DE" dirty="0"/>
+          </a:p>
+        </p:txBody>
+      </p:sp>
+      <p:sp>
+        <p:nvSpPr>
+          <p:cNvPr id="4" name="Foliennummernplatzhalter 3"/>
+          <p:cNvSpPr>
+            <a:spLocks noGrp="1"/>
+          </p:cNvSpPr>
+          <p:nvPr>
+            <p:ph type="sldNum" sz="quarter" idx="10"/>
+          </p:nvPr>
+        </p:nvSpPr>
+        <p:spPr/>
+        <p:txBody>
+          <a:bodyPr/>
+          <a:lstStyle/>
+          <a:p>
+            <a:fld id="{1EA84CCB-B000-4221-8454-DF7DFEBB347C}" type="slidenum">
+              <a:rPr lang="de-DE" smtClean="0"/>
+              <a:t>9</a:t>
+            </a:fld>
+            <a:endParaRPr lang="de-DE"/>
+          </a:p>
+        </p:txBody>
+      </p:sp>
+    </p:spTree>
+    <p:extLst>
+      <p:ext uri="{BB962C8B-B14F-4D97-AF65-F5344CB8AC3E}">
+        <p14:creationId xmlns:p14="http://schemas.microsoft.com/office/powerpoint/2010/main" val="545505480"/>
+      </p:ext>
+    </p:extLst>
+  </p:cSld>
+  <p:clrMapOvr>
+    <a:masterClrMapping/>
+  </p:clrMapOvr>
+</p:notes>
+</file>
+
+<file path=ppt/notesSlides/notesSlide5.xml><?xml version="1.0" encoding="utf-8"?>
+<p:notes xmlns:a="http://schemas.openxmlformats.org/drawingml/2006/main" xmlns:r="http://schemas.openxmlformats.org/officeDocument/2006/relationships" xmlns:p="http://schemas.openxmlformats.org/presentationml/2006/main">
+  <p:cSld>
+    <p:spTree>
+      <p:nvGrpSpPr>
+        <p:cNvPr id="1" name=""/>
+        <p:cNvGrpSpPr/>
+        <p:nvPr/>
+      </p:nvGrpSpPr>
+      <p:grpSpPr>
+        <a:xfrm>
+          <a:off x="0" y="0"/>
+          <a:ext cx="0" cy="0"/>
+          <a:chOff x="0" y="0"/>
+          <a:chExt cx="0" cy="0"/>
+        </a:xfrm>
+      </p:grpSpPr>
+      <p:sp>
+        <p:nvSpPr>
+          <p:cNvPr id="2" name="Folienbildplatzhalter 1"/>
+          <p:cNvSpPr>
+            <a:spLocks noGrp="1" noRot="1" noChangeAspect="1"/>
+          </p:cNvSpPr>
+          <p:nvPr>
+            <p:ph type="sldImg"/>
+          </p:nvPr>
+        </p:nvSpPr>
+        <p:spPr/>
+      </p:sp>
+      <p:sp>
+        <p:nvSpPr>
+          <p:cNvPr id="3" name="Notizenplatzhalter 2"/>
+          <p:cNvSpPr>
+            <a:spLocks noGrp="1"/>
+          </p:cNvSpPr>
+          <p:nvPr>
+            <p:ph type="body" idx="1"/>
+          </p:nvPr>
+        </p:nvSpPr>
+        <p:spPr/>
+        <p:txBody>
+          <a:bodyPr/>
+          <a:lstStyle/>
+          <a:p>
+            <a:r>
+              <a:rPr lang="de-DE" dirty="0" err="1" smtClean="0"/>
               <a:t>Jsonwebtoken</a:t>
+            </a:r>
+            <a:r>
+              <a:rPr lang="de-DE" dirty="0" smtClean="0"/>
+              <a:t> – wird für die Session bzw. </a:t>
+            </a:r>
+            <a:r>
+              <a:rPr lang="de-DE" dirty="0" err="1" smtClean="0"/>
+              <a:t>cookies</a:t>
+            </a:r>
+            <a:r>
+              <a:rPr lang="de-DE" dirty="0" smtClean="0"/>
+              <a:t> verwendet um diese</a:t>
+            </a:r>
+            <a:r>
+              <a:rPr lang="de-DE" baseline="0" dirty="0" smtClean="0"/>
+              <a:t> gegen </a:t>
+            </a:r>
+            <a:r>
+              <a:rPr lang="de-DE" baseline="0" dirty="0" err="1" smtClean="0"/>
+              <a:t>manipulation</a:t>
+            </a:r>
+            <a:r>
+              <a:rPr lang="de-DE" baseline="0" dirty="0" smtClean="0"/>
+              <a:t> abzusichern.</a:t>
+            </a:r>
+            <a:r>
+              <a:rPr lang="de-DE" dirty="0"/>
+              <a:t/>
             </a:r>
             <a:br>
               <a:rPr lang="de-DE" dirty="0"/>
             </a:br>
             <a:r>
-              <a:rPr lang="de-DE" dirty="0" err="1"/>
-              <a:t>bcrypt</a:t>
+              <a:rPr lang="de-DE" dirty="0" err="1" smtClean="0"/>
+              <a:t>Bcrypt</a:t>
+            </a:r>
+            <a:r>
+              <a:rPr lang="de-DE" dirty="0" smtClean="0"/>
+              <a:t> –</a:t>
+            </a:r>
+            <a:r>
+              <a:rPr lang="de-DE" baseline="0" dirty="0" smtClean="0"/>
+              <a:t> wird für die </a:t>
+            </a:r>
+            <a:r>
+              <a:rPr lang="de-DE" baseline="0" dirty="0" err="1" smtClean="0"/>
+              <a:t>generierung</a:t>
+            </a:r>
+            <a:r>
+              <a:rPr lang="de-DE" baseline="0" dirty="0" smtClean="0"/>
+              <a:t> von </a:t>
+            </a:r>
+            <a:r>
+              <a:rPr lang="de-DE" baseline="0" dirty="0" err="1" smtClean="0"/>
+              <a:t>Passworthases</a:t>
+            </a:r>
+            <a:r>
+              <a:rPr lang="de-DE" baseline="0" dirty="0" smtClean="0"/>
+              <a:t> verwendet (SHA256, mit 11 </a:t>
+            </a:r>
+            <a:r>
+              <a:rPr lang="de-DE" baseline="0" dirty="0" err="1" smtClean="0"/>
+              <a:t>Facher</a:t>
+            </a:r>
+            <a:r>
+              <a:rPr lang="de-DE" baseline="0" dirty="0" smtClean="0"/>
+              <a:t> </a:t>
+            </a:r>
+            <a:r>
+              <a:rPr lang="de-DE" baseline="0" dirty="0" err="1" smtClean="0"/>
+              <a:t>wiederholung</a:t>
+            </a:r>
+            <a:r>
+              <a:rPr lang="de-DE" baseline="0" dirty="0" smtClean="0"/>
+              <a:t>)</a:t>
             </a:r>
             <a:endParaRPr lang="de-DE" dirty="0"/>
           </a:p>
@@ -10895,7 +11880,7 @@
           <p:cNvPr id="2" name="Titel 1">
             <a:extLst>
               <a:ext uri="{FF2B5EF4-FFF2-40B4-BE49-F238E27FC236}">
-                <a16:creationId xmlns:a16="http://schemas.microsoft.com/office/drawing/2014/main" id="{724983D2-4D9A-49C5-A31D-DDCB3D006090}"/>
+                <a16:creationId xmlns:a16="http://schemas.microsoft.com/office/drawing/2014/main" xmlns="" id="{724983D2-4D9A-49C5-A31D-DDCB3D006090}"/>
               </a:ext>
             </a:extLst>
           </p:cNvPr>
@@ -10932,7 +11917,7 @@
           <p:cNvPr id="3" name="Untertitel 2">
             <a:extLst>
               <a:ext uri="{FF2B5EF4-FFF2-40B4-BE49-F238E27FC236}">
-                <a16:creationId xmlns:a16="http://schemas.microsoft.com/office/drawing/2014/main" id="{EC6A68B0-8322-4F42-A03E-D04A4D4F3FBE}"/>
+                <a16:creationId xmlns:a16="http://schemas.microsoft.com/office/drawing/2014/main" xmlns="" id="{EC6A68B0-8322-4F42-A03E-D04A4D4F3FBE}"/>
               </a:ext>
             </a:extLst>
           </p:cNvPr>
@@ -11002,7 +11987,7 @@
           <p:cNvPr id="4" name="Datumsplatzhalter 3">
             <a:extLst>
               <a:ext uri="{FF2B5EF4-FFF2-40B4-BE49-F238E27FC236}">
-                <a16:creationId xmlns:a16="http://schemas.microsoft.com/office/drawing/2014/main" id="{32314984-4194-4C46-9236-AE6E2B42D28C}"/>
+                <a16:creationId xmlns:a16="http://schemas.microsoft.com/office/drawing/2014/main" xmlns="" id="{32314984-4194-4C46-9236-AE6E2B42D28C}"/>
               </a:ext>
             </a:extLst>
           </p:cNvPr>
@@ -11020,7 +12005,7 @@
           <a:p>
             <a:fld id="{24DF0B9A-0E93-4C4C-A43A-459D42249A1B}" type="datetimeFigureOut">
               <a:rPr lang="de-DE" smtClean="0"/>
-              <a:t>09.05.2018</a:t>
+              <a:t>15.05.2018</a:t>
             </a:fld>
             <a:endParaRPr lang="de-DE"/>
           </a:p>
@@ -11031,7 +12016,7 @@
           <p:cNvPr id="5" name="Fußzeilenplatzhalter 4">
             <a:extLst>
               <a:ext uri="{FF2B5EF4-FFF2-40B4-BE49-F238E27FC236}">
-                <a16:creationId xmlns:a16="http://schemas.microsoft.com/office/drawing/2014/main" id="{AD177AB4-C655-45D0-ACD6-F0074DFFC244}"/>
+                <a16:creationId xmlns:a16="http://schemas.microsoft.com/office/drawing/2014/main" xmlns="" id="{AD177AB4-C655-45D0-ACD6-F0074DFFC244}"/>
               </a:ext>
             </a:extLst>
           </p:cNvPr>
@@ -11056,7 +12041,7 @@
           <p:cNvPr id="6" name="Foliennummernplatzhalter 5">
             <a:extLst>
               <a:ext uri="{FF2B5EF4-FFF2-40B4-BE49-F238E27FC236}">
-                <a16:creationId xmlns:a16="http://schemas.microsoft.com/office/drawing/2014/main" id="{4A44E1CE-3C24-4B8C-9541-1A8CC348B5F0}"/>
+                <a16:creationId xmlns:a16="http://schemas.microsoft.com/office/drawing/2014/main" xmlns="" id="{4A44E1CE-3C24-4B8C-9541-1A8CC348B5F0}"/>
               </a:ext>
             </a:extLst>
           </p:cNvPr>
@@ -11115,7 +12100,7 @@
           <p:cNvPr id="2" name="Titel 1">
             <a:extLst>
               <a:ext uri="{FF2B5EF4-FFF2-40B4-BE49-F238E27FC236}">
-                <a16:creationId xmlns:a16="http://schemas.microsoft.com/office/drawing/2014/main" id="{608E78D5-1FFE-436F-88ED-EA5401B5E6EB}"/>
+                <a16:creationId xmlns:a16="http://schemas.microsoft.com/office/drawing/2014/main" xmlns="" id="{608E78D5-1FFE-436F-88ED-EA5401B5E6EB}"/>
               </a:ext>
             </a:extLst>
           </p:cNvPr>
@@ -11143,7 +12128,7 @@
           <p:cNvPr id="3" name="Vertikaler Textplatzhalter 2">
             <a:extLst>
               <a:ext uri="{FF2B5EF4-FFF2-40B4-BE49-F238E27FC236}">
-                <a16:creationId xmlns:a16="http://schemas.microsoft.com/office/drawing/2014/main" id="{20B21505-985F-47AF-8195-A1E1295B477C}"/>
+                <a16:creationId xmlns:a16="http://schemas.microsoft.com/office/drawing/2014/main" xmlns="" id="{20B21505-985F-47AF-8195-A1E1295B477C}"/>
               </a:ext>
             </a:extLst>
           </p:cNvPr>
@@ -11200,7 +12185,7 @@
           <p:cNvPr id="4" name="Datumsplatzhalter 3">
             <a:extLst>
               <a:ext uri="{FF2B5EF4-FFF2-40B4-BE49-F238E27FC236}">
-                <a16:creationId xmlns:a16="http://schemas.microsoft.com/office/drawing/2014/main" id="{79F0B56E-9F3F-4506-8530-E0FA8D1F5F57}"/>
+                <a16:creationId xmlns:a16="http://schemas.microsoft.com/office/drawing/2014/main" xmlns="" id="{79F0B56E-9F3F-4506-8530-E0FA8D1F5F57}"/>
               </a:ext>
             </a:extLst>
           </p:cNvPr>
@@ -11218,7 +12203,7 @@
           <a:p>
             <a:fld id="{24DF0B9A-0E93-4C4C-A43A-459D42249A1B}" type="datetimeFigureOut">
               <a:rPr lang="de-DE" smtClean="0"/>
-              <a:t>09.05.2018</a:t>
+              <a:t>15.05.2018</a:t>
             </a:fld>
             <a:endParaRPr lang="de-DE"/>
           </a:p>
@@ -11229,7 +12214,7 @@
           <p:cNvPr id="5" name="Fußzeilenplatzhalter 4">
             <a:extLst>
               <a:ext uri="{FF2B5EF4-FFF2-40B4-BE49-F238E27FC236}">
-                <a16:creationId xmlns:a16="http://schemas.microsoft.com/office/drawing/2014/main" id="{210548FB-454A-4A2F-96D5-1360B42885F0}"/>
+                <a16:creationId xmlns:a16="http://schemas.microsoft.com/office/drawing/2014/main" xmlns="" id="{210548FB-454A-4A2F-96D5-1360B42885F0}"/>
               </a:ext>
             </a:extLst>
           </p:cNvPr>
@@ -11254,7 +12239,7 @@
           <p:cNvPr id="6" name="Foliennummernplatzhalter 5">
             <a:extLst>
               <a:ext uri="{FF2B5EF4-FFF2-40B4-BE49-F238E27FC236}">
-                <a16:creationId xmlns:a16="http://schemas.microsoft.com/office/drawing/2014/main" id="{6B3CDA53-B96C-4612-B87F-F7032FE162AB}"/>
+                <a16:creationId xmlns:a16="http://schemas.microsoft.com/office/drawing/2014/main" xmlns="" id="{6B3CDA53-B96C-4612-B87F-F7032FE162AB}"/>
               </a:ext>
             </a:extLst>
           </p:cNvPr>
@@ -11313,7 +12298,7 @@
           <p:cNvPr id="2" name="Vertikaler Titel 1">
             <a:extLst>
               <a:ext uri="{FF2B5EF4-FFF2-40B4-BE49-F238E27FC236}">
-                <a16:creationId xmlns:a16="http://schemas.microsoft.com/office/drawing/2014/main" id="{AE46E16A-D5B6-458D-B454-D6E845F686AC}"/>
+                <a16:creationId xmlns:a16="http://schemas.microsoft.com/office/drawing/2014/main" xmlns="" id="{AE46E16A-D5B6-458D-B454-D6E845F686AC}"/>
               </a:ext>
             </a:extLst>
           </p:cNvPr>
@@ -11346,7 +12331,7 @@
           <p:cNvPr id="3" name="Vertikaler Textplatzhalter 2">
             <a:extLst>
               <a:ext uri="{FF2B5EF4-FFF2-40B4-BE49-F238E27FC236}">
-                <a16:creationId xmlns:a16="http://schemas.microsoft.com/office/drawing/2014/main" id="{A8F91EC6-800B-4B9E-8885-574B03C9A9BD}"/>
+                <a16:creationId xmlns:a16="http://schemas.microsoft.com/office/drawing/2014/main" xmlns="" id="{A8F91EC6-800B-4B9E-8885-574B03C9A9BD}"/>
               </a:ext>
             </a:extLst>
           </p:cNvPr>
@@ -11408,7 +12393,7 @@
           <p:cNvPr id="4" name="Datumsplatzhalter 3">
             <a:extLst>
               <a:ext uri="{FF2B5EF4-FFF2-40B4-BE49-F238E27FC236}">
-                <a16:creationId xmlns:a16="http://schemas.microsoft.com/office/drawing/2014/main" id="{0ABC6CAC-6FBC-4EAD-A891-CADF725ACDFA}"/>
+                <a16:creationId xmlns:a16="http://schemas.microsoft.com/office/drawing/2014/main" xmlns="" id="{0ABC6CAC-6FBC-4EAD-A891-CADF725ACDFA}"/>
               </a:ext>
             </a:extLst>
           </p:cNvPr>
@@ -11426,7 +12411,7 @@
           <a:p>
             <a:fld id="{24DF0B9A-0E93-4C4C-A43A-459D42249A1B}" type="datetimeFigureOut">
               <a:rPr lang="de-DE" smtClean="0"/>
-              <a:t>09.05.2018</a:t>
+              <a:t>15.05.2018</a:t>
             </a:fld>
             <a:endParaRPr lang="de-DE"/>
           </a:p>
@@ -11437,7 +12422,7 @@
           <p:cNvPr id="5" name="Fußzeilenplatzhalter 4">
             <a:extLst>
               <a:ext uri="{FF2B5EF4-FFF2-40B4-BE49-F238E27FC236}">
-                <a16:creationId xmlns:a16="http://schemas.microsoft.com/office/drawing/2014/main" id="{E36C698D-E861-477D-95C5-1EDF4EB59C5C}"/>
+                <a16:creationId xmlns:a16="http://schemas.microsoft.com/office/drawing/2014/main" xmlns="" id="{E36C698D-E861-477D-95C5-1EDF4EB59C5C}"/>
               </a:ext>
             </a:extLst>
           </p:cNvPr>
@@ -11462,7 +12447,7 @@
           <p:cNvPr id="6" name="Foliennummernplatzhalter 5">
             <a:extLst>
               <a:ext uri="{FF2B5EF4-FFF2-40B4-BE49-F238E27FC236}">
-                <a16:creationId xmlns:a16="http://schemas.microsoft.com/office/drawing/2014/main" id="{0FBA801D-602F-4AEB-88A3-7051DE3311B1}"/>
+                <a16:creationId xmlns:a16="http://schemas.microsoft.com/office/drawing/2014/main" xmlns="" id="{0FBA801D-602F-4AEB-88A3-7051DE3311B1}"/>
               </a:ext>
             </a:extLst>
           </p:cNvPr>
@@ -11521,7 +12506,7 @@
           <p:cNvPr id="2" name="Titel 1">
             <a:extLst>
               <a:ext uri="{FF2B5EF4-FFF2-40B4-BE49-F238E27FC236}">
-                <a16:creationId xmlns:a16="http://schemas.microsoft.com/office/drawing/2014/main" id="{6E8DD669-80F6-42B9-852F-E78CF49DCF4B}"/>
+                <a16:creationId xmlns:a16="http://schemas.microsoft.com/office/drawing/2014/main" xmlns="" id="{6E8DD669-80F6-42B9-852F-E78CF49DCF4B}"/>
               </a:ext>
             </a:extLst>
           </p:cNvPr>
@@ -11549,7 +12534,7 @@
           <p:cNvPr id="3" name="Inhaltsplatzhalter 2">
             <a:extLst>
               <a:ext uri="{FF2B5EF4-FFF2-40B4-BE49-F238E27FC236}">
-                <a16:creationId xmlns:a16="http://schemas.microsoft.com/office/drawing/2014/main" id="{7C55332C-7A20-469B-9BEC-D5B0101FA19F}"/>
+                <a16:creationId xmlns:a16="http://schemas.microsoft.com/office/drawing/2014/main" xmlns="" id="{7C55332C-7A20-469B-9BEC-D5B0101FA19F}"/>
               </a:ext>
             </a:extLst>
           </p:cNvPr>
@@ -11606,7 +12591,7 @@
           <p:cNvPr id="4" name="Datumsplatzhalter 3">
             <a:extLst>
               <a:ext uri="{FF2B5EF4-FFF2-40B4-BE49-F238E27FC236}">
-                <a16:creationId xmlns:a16="http://schemas.microsoft.com/office/drawing/2014/main" id="{15E21441-ABC3-4646-AB44-3FD296C7DC37}"/>
+                <a16:creationId xmlns:a16="http://schemas.microsoft.com/office/drawing/2014/main" xmlns="" id="{15E21441-ABC3-4646-AB44-3FD296C7DC37}"/>
               </a:ext>
             </a:extLst>
           </p:cNvPr>
@@ -11624,7 +12609,7 @@
           <a:p>
             <a:fld id="{24DF0B9A-0E93-4C4C-A43A-459D42249A1B}" type="datetimeFigureOut">
               <a:rPr lang="de-DE" smtClean="0"/>
-              <a:t>09.05.2018</a:t>
+              <a:t>15.05.2018</a:t>
             </a:fld>
             <a:endParaRPr lang="de-DE"/>
           </a:p>
@@ -11635,7 +12620,7 @@
           <p:cNvPr id="5" name="Fußzeilenplatzhalter 4">
             <a:extLst>
               <a:ext uri="{FF2B5EF4-FFF2-40B4-BE49-F238E27FC236}">
-                <a16:creationId xmlns:a16="http://schemas.microsoft.com/office/drawing/2014/main" id="{CAE46990-78EA-44B3-A2F7-BEFC1ED49E9E}"/>
+                <a16:creationId xmlns:a16="http://schemas.microsoft.com/office/drawing/2014/main" xmlns="" id="{CAE46990-78EA-44B3-A2F7-BEFC1ED49E9E}"/>
               </a:ext>
             </a:extLst>
           </p:cNvPr>
@@ -11660,7 +12645,7 @@
           <p:cNvPr id="6" name="Foliennummernplatzhalter 5">
             <a:extLst>
               <a:ext uri="{FF2B5EF4-FFF2-40B4-BE49-F238E27FC236}">
-                <a16:creationId xmlns:a16="http://schemas.microsoft.com/office/drawing/2014/main" id="{C0EF3B48-16CD-4727-93CA-86A67155D8C6}"/>
+                <a16:creationId xmlns:a16="http://schemas.microsoft.com/office/drawing/2014/main" xmlns="" id="{C0EF3B48-16CD-4727-93CA-86A67155D8C6}"/>
               </a:ext>
             </a:extLst>
           </p:cNvPr>
@@ -11719,7 +12704,7 @@
           <p:cNvPr id="2" name="Titel 1">
             <a:extLst>
               <a:ext uri="{FF2B5EF4-FFF2-40B4-BE49-F238E27FC236}">
-                <a16:creationId xmlns:a16="http://schemas.microsoft.com/office/drawing/2014/main" id="{D2B54FD9-D3CB-4069-9528-3B738EFC849D}"/>
+                <a16:creationId xmlns:a16="http://schemas.microsoft.com/office/drawing/2014/main" xmlns="" id="{D2B54FD9-D3CB-4069-9528-3B738EFC849D}"/>
               </a:ext>
             </a:extLst>
           </p:cNvPr>
@@ -11756,7 +12741,7 @@
           <p:cNvPr id="3" name="Textplatzhalter 2">
             <a:extLst>
               <a:ext uri="{FF2B5EF4-FFF2-40B4-BE49-F238E27FC236}">
-                <a16:creationId xmlns:a16="http://schemas.microsoft.com/office/drawing/2014/main" id="{160E5F36-7F4B-4792-8C1A-EFC93B0E4ADB}"/>
+                <a16:creationId xmlns:a16="http://schemas.microsoft.com/office/drawing/2014/main" xmlns="" id="{160E5F36-7F4B-4792-8C1A-EFC93B0E4ADB}"/>
               </a:ext>
             </a:extLst>
           </p:cNvPr>
@@ -11881,7 +12866,7 @@
           <p:cNvPr id="4" name="Datumsplatzhalter 3">
             <a:extLst>
               <a:ext uri="{FF2B5EF4-FFF2-40B4-BE49-F238E27FC236}">
-                <a16:creationId xmlns:a16="http://schemas.microsoft.com/office/drawing/2014/main" id="{14528A00-E24B-4C25-A7A8-8FBE3BA56346}"/>
+                <a16:creationId xmlns:a16="http://schemas.microsoft.com/office/drawing/2014/main" xmlns="" id="{14528A00-E24B-4C25-A7A8-8FBE3BA56346}"/>
               </a:ext>
             </a:extLst>
           </p:cNvPr>
@@ -11899,7 +12884,7 @@
           <a:p>
             <a:fld id="{24DF0B9A-0E93-4C4C-A43A-459D42249A1B}" type="datetimeFigureOut">
               <a:rPr lang="de-DE" smtClean="0"/>
-              <a:t>09.05.2018</a:t>
+              <a:t>15.05.2018</a:t>
             </a:fld>
             <a:endParaRPr lang="de-DE"/>
           </a:p>
@@ -11910,7 +12895,7 @@
           <p:cNvPr id="5" name="Fußzeilenplatzhalter 4">
             <a:extLst>
               <a:ext uri="{FF2B5EF4-FFF2-40B4-BE49-F238E27FC236}">
-                <a16:creationId xmlns:a16="http://schemas.microsoft.com/office/drawing/2014/main" id="{65488209-60A8-4D37-B7A7-5B45E3149B2F}"/>
+                <a16:creationId xmlns:a16="http://schemas.microsoft.com/office/drawing/2014/main" xmlns="" id="{65488209-60A8-4D37-B7A7-5B45E3149B2F}"/>
               </a:ext>
             </a:extLst>
           </p:cNvPr>
@@ -11935,7 +12920,7 @@
           <p:cNvPr id="6" name="Foliennummernplatzhalter 5">
             <a:extLst>
               <a:ext uri="{FF2B5EF4-FFF2-40B4-BE49-F238E27FC236}">
-                <a16:creationId xmlns:a16="http://schemas.microsoft.com/office/drawing/2014/main" id="{6904B3C9-E264-42D1-BC48-A1FC5542A0AA}"/>
+                <a16:creationId xmlns:a16="http://schemas.microsoft.com/office/drawing/2014/main" xmlns="" id="{6904B3C9-E264-42D1-BC48-A1FC5542A0AA}"/>
               </a:ext>
             </a:extLst>
           </p:cNvPr>
@@ -11994,7 +12979,7 @@
           <p:cNvPr id="2" name="Titel 1">
             <a:extLst>
               <a:ext uri="{FF2B5EF4-FFF2-40B4-BE49-F238E27FC236}">
-                <a16:creationId xmlns:a16="http://schemas.microsoft.com/office/drawing/2014/main" id="{D73D7613-7D51-47FD-93BA-887418F92EE2}"/>
+                <a16:creationId xmlns:a16="http://schemas.microsoft.com/office/drawing/2014/main" xmlns="" id="{D73D7613-7D51-47FD-93BA-887418F92EE2}"/>
               </a:ext>
             </a:extLst>
           </p:cNvPr>
@@ -12022,7 +13007,7 @@
           <p:cNvPr id="3" name="Inhaltsplatzhalter 2">
             <a:extLst>
               <a:ext uri="{FF2B5EF4-FFF2-40B4-BE49-F238E27FC236}">
-                <a16:creationId xmlns:a16="http://schemas.microsoft.com/office/drawing/2014/main" id="{0F5BBCFD-9F79-4270-A1B9-2FC0142080A9}"/>
+                <a16:creationId xmlns:a16="http://schemas.microsoft.com/office/drawing/2014/main" xmlns="" id="{0F5BBCFD-9F79-4270-A1B9-2FC0142080A9}"/>
               </a:ext>
             </a:extLst>
           </p:cNvPr>
@@ -12084,7 +13069,7 @@
           <p:cNvPr id="4" name="Inhaltsplatzhalter 3">
             <a:extLst>
               <a:ext uri="{FF2B5EF4-FFF2-40B4-BE49-F238E27FC236}">
-                <a16:creationId xmlns:a16="http://schemas.microsoft.com/office/drawing/2014/main" id="{9545DD76-BF76-4E5E-913B-43EEB8F8AEDD}"/>
+                <a16:creationId xmlns:a16="http://schemas.microsoft.com/office/drawing/2014/main" xmlns="" id="{9545DD76-BF76-4E5E-913B-43EEB8F8AEDD}"/>
               </a:ext>
             </a:extLst>
           </p:cNvPr>
@@ -12146,7 +13131,7 @@
           <p:cNvPr id="5" name="Datumsplatzhalter 4">
             <a:extLst>
               <a:ext uri="{FF2B5EF4-FFF2-40B4-BE49-F238E27FC236}">
-                <a16:creationId xmlns:a16="http://schemas.microsoft.com/office/drawing/2014/main" id="{4E7A5240-522C-431D-8AF5-B9B07F6A17DB}"/>
+                <a16:creationId xmlns:a16="http://schemas.microsoft.com/office/drawing/2014/main" xmlns="" id="{4E7A5240-522C-431D-8AF5-B9B07F6A17DB}"/>
               </a:ext>
             </a:extLst>
           </p:cNvPr>
@@ -12164,7 +13149,7 @@
           <a:p>
             <a:fld id="{24DF0B9A-0E93-4C4C-A43A-459D42249A1B}" type="datetimeFigureOut">
               <a:rPr lang="de-DE" smtClean="0"/>
-              <a:t>09.05.2018</a:t>
+              <a:t>15.05.2018</a:t>
             </a:fld>
             <a:endParaRPr lang="de-DE"/>
           </a:p>
@@ -12175,7 +13160,7 @@
           <p:cNvPr id="6" name="Fußzeilenplatzhalter 5">
             <a:extLst>
               <a:ext uri="{FF2B5EF4-FFF2-40B4-BE49-F238E27FC236}">
-                <a16:creationId xmlns:a16="http://schemas.microsoft.com/office/drawing/2014/main" id="{817E6F8D-CDAB-4259-9396-28905E3DC91D}"/>
+                <a16:creationId xmlns:a16="http://schemas.microsoft.com/office/drawing/2014/main" xmlns="" id="{817E6F8D-CDAB-4259-9396-28905E3DC91D}"/>
               </a:ext>
             </a:extLst>
           </p:cNvPr>
@@ -12200,7 +13185,7 @@
           <p:cNvPr id="7" name="Foliennummernplatzhalter 6">
             <a:extLst>
               <a:ext uri="{FF2B5EF4-FFF2-40B4-BE49-F238E27FC236}">
-                <a16:creationId xmlns:a16="http://schemas.microsoft.com/office/drawing/2014/main" id="{4D7C084E-82BC-4455-A263-485314756579}"/>
+                <a16:creationId xmlns:a16="http://schemas.microsoft.com/office/drawing/2014/main" xmlns="" id="{4D7C084E-82BC-4455-A263-485314756579}"/>
               </a:ext>
             </a:extLst>
           </p:cNvPr>
@@ -12259,7 +13244,7 @@
           <p:cNvPr id="2" name="Titel 1">
             <a:extLst>
               <a:ext uri="{FF2B5EF4-FFF2-40B4-BE49-F238E27FC236}">
-                <a16:creationId xmlns:a16="http://schemas.microsoft.com/office/drawing/2014/main" id="{044FBEA3-8BA8-42F3-BAED-07F40F59CBF4}"/>
+                <a16:creationId xmlns:a16="http://schemas.microsoft.com/office/drawing/2014/main" xmlns="" id="{044FBEA3-8BA8-42F3-BAED-07F40F59CBF4}"/>
               </a:ext>
             </a:extLst>
           </p:cNvPr>
@@ -12292,7 +13277,7 @@
           <p:cNvPr id="3" name="Textplatzhalter 2">
             <a:extLst>
               <a:ext uri="{FF2B5EF4-FFF2-40B4-BE49-F238E27FC236}">
-                <a16:creationId xmlns:a16="http://schemas.microsoft.com/office/drawing/2014/main" id="{243B3D82-E466-44C1-A4ED-F7735E1C22E0}"/>
+                <a16:creationId xmlns:a16="http://schemas.microsoft.com/office/drawing/2014/main" xmlns="" id="{243B3D82-E466-44C1-A4ED-F7735E1C22E0}"/>
               </a:ext>
             </a:extLst>
           </p:cNvPr>
@@ -12363,7 +13348,7 @@
           <p:cNvPr id="4" name="Inhaltsplatzhalter 3">
             <a:extLst>
               <a:ext uri="{FF2B5EF4-FFF2-40B4-BE49-F238E27FC236}">
-                <a16:creationId xmlns:a16="http://schemas.microsoft.com/office/drawing/2014/main" id="{A2D8A684-1973-4CDE-B973-0CF1EFE3CFEE}"/>
+                <a16:creationId xmlns:a16="http://schemas.microsoft.com/office/drawing/2014/main" xmlns="" id="{A2D8A684-1973-4CDE-B973-0CF1EFE3CFEE}"/>
               </a:ext>
             </a:extLst>
           </p:cNvPr>
@@ -12425,7 +13410,7 @@
           <p:cNvPr id="5" name="Textplatzhalter 4">
             <a:extLst>
               <a:ext uri="{FF2B5EF4-FFF2-40B4-BE49-F238E27FC236}">
-                <a16:creationId xmlns:a16="http://schemas.microsoft.com/office/drawing/2014/main" id="{81A7F42B-5B10-4E47-A35C-08C5A3AFE86A}"/>
+                <a16:creationId xmlns:a16="http://schemas.microsoft.com/office/drawing/2014/main" xmlns="" id="{81A7F42B-5B10-4E47-A35C-08C5A3AFE86A}"/>
               </a:ext>
             </a:extLst>
           </p:cNvPr>
@@ -12496,7 +13481,7 @@
           <p:cNvPr id="6" name="Inhaltsplatzhalter 5">
             <a:extLst>
               <a:ext uri="{FF2B5EF4-FFF2-40B4-BE49-F238E27FC236}">
-                <a16:creationId xmlns:a16="http://schemas.microsoft.com/office/drawing/2014/main" id="{B95DBEA4-F8C4-4EEE-8721-2DE78350B322}"/>
+                <a16:creationId xmlns:a16="http://schemas.microsoft.com/office/drawing/2014/main" xmlns="" id="{B95DBEA4-F8C4-4EEE-8721-2DE78350B322}"/>
               </a:ext>
             </a:extLst>
           </p:cNvPr>
@@ -12558,7 +13543,7 @@
           <p:cNvPr id="7" name="Datumsplatzhalter 6">
             <a:extLst>
               <a:ext uri="{FF2B5EF4-FFF2-40B4-BE49-F238E27FC236}">
-                <a16:creationId xmlns:a16="http://schemas.microsoft.com/office/drawing/2014/main" id="{C854B474-D7DB-40A1-B6AA-FA842CAC2CD0}"/>
+                <a16:creationId xmlns:a16="http://schemas.microsoft.com/office/drawing/2014/main" xmlns="" id="{C854B474-D7DB-40A1-B6AA-FA842CAC2CD0}"/>
               </a:ext>
             </a:extLst>
           </p:cNvPr>
@@ -12576,7 +13561,7 @@
           <a:p>
             <a:fld id="{24DF0B9A-0E93-4C4C-A43A-459D42249A1B}" type="datetimeFigureOut">
               <a:rPr lang="de-DE" smtClean="0"/>
-              <a:t>09.05.2018</a:t>
+              <a:t>15.05.2018</a:t>
             </a:fld>
             <a:endParaRPr lang="de-DE"/>
           </a:p>
@@ -12587,7 +13572,7 @@
           <p:cNvPr id="8" name="Fußzeilenplatzhalter 7">
             <a:extLst>
               <a:ext uri="{FF2B5EF4-FFF2-40B4-BE49-F238E27FC236}">
-                <a16:creationId xmlns:a16="http://schemas.microsoft.com/office/drawing/2014/main" id="{FCFC44DF-A716-4102-926C-80B7DC0C2761}"/>
+                <a16:creationId xmlns:a16="http://schemas.microsoft.com/office/drawing/2014/main" xmlns="" id="{FCFC44DF-A716-4102-926C-80B7DC0C2761}"/>
               </a:ext>
             </a:extLst>
           </p:cNvPr>
@@ -12612,7 +13597,7 @@
           <p:cNvPr id="9" name="Foliennummernplatzhalter 8">
             <a:extLst>
               <a:ext uri="{FF2B5EF4-FFF2-40B4-BE49-F238E27FC236}">
-                <a16:creationId xmlns:a16="http://schemas.microsoft.com/office/drawing/2014/main" id="{BE42A609-2806-4733-9ECA-964457CF43F5}"/>
+                <a16:creationId xmlns:a16="http://schemas.microsoft.com/office/drawing/2014/main" xmlns="" id="{BE42A609-2806-4733-9ECA-964457CF43F5}"/>
               </a:ext>
             </a:extLst>
           </p:cNvPr>
@@ -12671,7 +13656,7 @@
           <p:cNvPr id="2" name="Titel 1">
             <a:extLst>
               <a:ext uri="{FF2B5EF4-FFF2-40B4-BE49-F238E27FC236}">
-                <a16:creationId xmlns:a16="http://schemas.microsoft.com/office/drawing/2014/main" id="{50492774-D3F8-4EF2-BBAC-33D65A4954E6}"/>
+                <a16:creationId xmlns:a16="http://schemas.microsoft.com/office/drawing/2014/main" xmlns="" id="{50492774-D3F8-4EF2-BBAC-33D65A4954E6}"/>
               </a:ext>
             </a:extLst>
           </p:cNvPr>
@@ -12699,7 +13684,7 @@
           <p:cNvPr id="3" name="Datumsplatzhalter 2">
             <a:extLst>
               <a:ext uri="{FF2B5EF4-FFF2-40B4-BE49-F238E27FC236}">
-                <a16:creationId xmlns:a16="http://schemas.microsoft.com/office/drawing/2014/main" id="{A06EFD28-219C-455B-80B0-CC2D55D432D4}"/>
+                <a16:creationId xmlns:a16="http://schemas.microsoft.com/office/drawing/2014/main" xmlns="" id="{A06EFD28-219C-455B-80B0-CC2D55D432D4}"/>
               </a:ext>
             </a:extLst>
           </p:cNvPr>
@@ -12717,7 +13702,7 @@
           <a:p>
             <a:fld id="{24DF0B9A-0E93-4C4C-A43A-459D42249A1B}" type="datetimeFigureOut">
               <a:rPr lang="de-DE" smtClean="0"/>
-              <a:t>09.05.2018</a:t>
+              <a:t>15.05.2018</a:t>
             </a:fld>
             <a:endParaRPr lang="de-DE"/>
           </a:p>
@@ -12728,7 +13713,7 @@
           <p:cNvPr id="4" name="Fußzeilenplatzhalter 3">
             <a:extLst>
               <a:ext uri="{FF2B5EF4-FFF2-40B4-BE49-F238E27FC236}">
-                <a16:creationId xmlns:a16="http://schemas.microsoft.com/office/drawing/2014/main" id="{F79437AB-4E8B-41ED-89B4-045F187496E5}"/>
+                <a16:creationId xmlns:a16="http://schemas.microsoft.com/office/drawing/2014/main" xmlns="" id="{F79437AB-4E8B-41ED-89B4-045F187496E5}"/>
               </a:ext>
             </a:extLst>
           </p:cNvPr>
@@ -12753,7 +13738,7 @@
           <p:cNvPr id="5" name="Foliennummernplatzhalter 4">
             <a:extLst>
               <a:ext uri="{FF2B5EF4-FFF2-40B4-BE49-F238E27FC236}">
-                <a16:creationId xmlns:a16="http://schemas.microsoft.com/office/drawing/2014/main" id="{30731DC2-6777-47B2-83EF-2F50EE59EF2D}"/>
+                <a16:creationId xmlns:a16="http://schemas.microsoft.com/office/drawing/2014/main" xmlns="" id="{30731DC2-6777-47B2-83EF-2F50EE59EF2D}"/>
               </a:ext>
             </a:extLst>
           </p:cNvPr>
@@ -12812,7 +13797,7 @@
           <p:cNvPr id="2" name="Datumsplatzhalter 1">
             <a:extLst>
               <a:ext uri="{FF2B5EF4-FFF2-40B4-BE49-F238E27FC236}">
-                <a16:creationId xmlns:a16="http://schemas.microsoft.com/office/drawing/2014/main" id="{73E7154D-F0FB-4A64-BABC-F0831888298B}"/>
+                <a16:creationId xmlns:a16="http://schemas.microsoft.com/office/drawing/2014/main" xmlns="" id="{73E7154D-F0FB-4A64-BABC-F0831888298B}"/>
               </a:ext>
             </a:extLst>
           </p:cNvPr>
@@ -12830,7 +13815,7 @@
           <a:p>
             <a:fld id="{24DF0B9A-0E93-4C4C-A43A-459D42249A1B}" type="datetimeFigureOut">
               <a:rPr lang="de-DE" smtClean="0"/>
-              <a:t>09.05.2018</a:t>
+              <a:t>15.05.2018</a:t>
             </a:fld>
             <a:endParaRPr lang="de-DE"/>
           </a:p>
@@ -12841,7 +13826,7 @@
           <p:cNvPr id="3" name="Fußzeilenplatzhalter 2">
             <a:extLst>
               <a:ext uri="{FF2B5EF4-FFF2-40B4-BE49-F238E27FC236}">
-                <a16:creationId xmlns:a16="http://schemas.microsoft.com/office/drawing/2014/main" id="{F46EEF41-F049-4531-9253-357399B8274B}"/>
+                <a16:creationId xmlns:a16="http://schemas.microsoft.com/office/drawing/2014/main" xmlns="" id="{F46EEF41-F049-4531-9253-357399B8274B}"/>
               </a:ext>
             </a:extLst>
           </p:cNvPr>
@@ -12866,7 +13851,7 @@
           <p:cNvPr id="4" name="Foliennummernplatzhalter 3">
             <a:extLst>
               <a:ext uri="{FF2B5EF4-FFF2-40B4-BE49-F238E27FC236}">
-                <a16:creationId xmlns:a16="http://schemas.microsoft.com/office/drawing/2014/main" id="{91E63CBB-FD4A-4D15-848A-72296229F6AF}"/>
+                <a16:creationId xmlns:a16="http://schemas.microsoft.com/office/drawing/2014/main" xmlns="" id="{91E63CBB-FD4A-4D15-848A-72296229F6AF}"/>
               </a:ext>
             </a:extLst>
           </p:cNvPr>
@@ -12925,7 +13910,7 @@
           <p:cNvPr id="2" name="Titel 1">
             <a:extLst>
               <a:ext uri="{FF2B5EF4-FFF2-40B4-BE49-F238E27FC236}">
-                <a16:creationId xmlns:a16="http://schemas.microsoft.com/office/drawing/2014/main" id="{03A82808-D753-4B6C-B42D-AFC23BF61092}"/>
+                <a16:creationId xmlns:a16="http://schemas.microsoft.com/office/drawing/2014/main" xmlns="" id="{03A82808-D753-4B6C-B42D-AFC23BF61092}"/>
               </a:ext>
             </a:extLst>
           </p:cNvPr>
@@ -12962,7 +13947,7 @@
           <p:cNvPr id="3" name="Inhaltsplatzhalter 2">
             <a:extLst>
               <a:ext uri="{FF2B5EF4-FFF2-40B4-BE49-F238E27FC236}">
-                <a16:creationId xmlns:a16="http://schemas.microsoft.com/office/drawing/2014/main" id="{E9887AD5-17CF-48BA-A433-7FB5A92ED4F9}"/>
+                <a16:creationId xmlns:a16="http://schemas.microsoft.com/office/drawing/2014/main" xmlns="" id="{E9887AD5-17CF-48BA-A433-7FB5A92ED4F9}"/>
               </a:ext>
             </a:extLst>
           </p:cNvPr>
@@ -13052,7 +14037,7 @@
           <p:cNvPr id="4" name="Textplatzhalter 3">
             <a:extLst>
               <a:ext uri="{FF2B5EF4-FFF2-40B4-BE49-F238E27FC236}">
-                <a16:creationId xmlns:a16="http://schemas.microsoft.com/office/drawing/2014/main" id="{0B322C5C-EB4D-4112-B0B6-50490B09B5EC}"/>
+                <a16:creationId xmlns:a16="http://schemas.microsoft.com/office/drawing/2014/main" xmlns="" id="{0B322C5C-EB4D-4112-B0B6-50490B09B5EC}"/>
               </a:ext>
             </a:extLst>
           </p:cNvPr>
@@ -13123,7 +14108,7 @@
           <p:cNvPr id="5" name="Datumsplatzhalter 4">
             <a:extLst>
               <a:ext uri="{FF2B5EF4-FFF2-40B4-BE49-F238E27FC236}">
-                <a16:creationId xmlns:a16="http://schemas.microsoft.com/office/drawing/2014/main" id="{C1D652FD-7225-4737-AE33-A8CD3F776205}"/>
+                <a16:creationId xmlns:a16="http://schemas.microsoft.com/office/drawing/2014/main" xmlns="" id="{C1D652FD-7225-4737-AE33-A8CD3F776205}"/>
               </a:ext>
             </a:extLst>
           </p:cNvPr>
@@ -13141,7 +14126,7 @@
           <a:p>
             <a:fld id="{24DF0B9A-0E93-4C4C-A43A-459D42249A1B}" type="datetimeFigureOut">
               <a:rPr lang="de-DE" smtClean="0"/>
-              <a:t>09.05.2018</a:t>
+              <a:t>15.05.2018</a:t>
             </a:fld>
             <a:endParaRPr lang="de-DE"/>
           </a:p>
@@ -13152,7 +14137,7 @@
           <p:cNvPr id="6" name="Fußzeilenplatzhalter 5">
             <a:extLst>
               <a:ext uri="{FF2B5EF4-FFF2-40B4-BE49-F238E27FC236}">
-                <a16:creationId xmlns:a16="http://schemas.microsoft.com/office/drawing/2014/main" id="{E696A282-C156-47AB-A6AC-C6833CD45756}"/>
+                <a16:creationId xmlns:a16="http://schemas.microsoft.com/office/drawing/2014/main" xmlns="" id="{E696A282-C156-47AB-A6AC-C6833CD45756}"/>
               </a:ext>
             </a:extLst>
           </p:cNvPr>
@@ -13177,7 +14162,7 @@
           <p:cNvPr id="7" name="Foliennummernplatzhalter 6">
             <a:extLst>
               <a:ext uri="{FF2B5EF4-FFF2-40B4-BE49-F238E27FC236}">
-                <a16:creationId xmlns:a16="http://schemas.microsoft.com/office/drawing/2014/main" id="{9EFC4400-AC2C-4BB7-9C8F-6A855B086474}"/>
+                <a16:creationId xmlns:a16="http://schemas.microsoft.com/office/drawing/2014/main" xmlns="" id="{9EFC4400-AC2C-4BB7-9C8F-6A855B086474}"/>
               </a:ext>
             </a:extLst>
           </p:cNvPr>
@@ -13236,7 +14221,7 @@
           <p:cNvPr id="2" name="Titel 1">
             <a:extLst>
               <a:ext uri="{FF2B5EF4-FFF2-40B4-BE49-F238E27FC236}">
-                <a16:creationId xmlns:a16="http://schemas.microsoft.com/office/drawing/2014/main" id="{DB8D5C42-DA9E-4587-AE67-E8B8EC98608F}"/>
+                <a16:creationId xmlns:a16="http://schemas.microsoft.com/office/drawing/2014/main" xmlns="" id="{DB8D5C42-DA9E-4587-AE67-E8B8EC98608F}"/>
               </a:ext>
             </a:extLst>
           </p:cNvPr>
@@ -13273,7 +14258,7 @@
           <p:cNvPr id="3" name="Bildplatzhalter 2">
             <a:extLst>
               <a:ext uri="{FF2B5EF4-FFF2-40B4-BE49-F238E27FC236}">
-                <a16:creationId xmlns:a16="http://schemas.microsoft.com/office/drawing/2014/main" id="{1A64A225-42B6-4624-A211-ACE89C1E850E}"/>
+                <a16:creationId xmlns:a16="http://schemas.microsoft.com/office/drawing/2014/main" xmlns="" id="{1A64A225-42B6-4624-A211-ACE89C1E850E}"/>
               </a:ext>
             </a:extLst>
           </p:cNvPr>
@@ -13340,7 +14325,7 @@
           <p:cNvPr id="4" name="Textplatzhalter 3">
             <a:extLst>
               <a:ext uri="{FF2B5EF4-FFF2-40B4-BE49-F238E27FC236}">
-                <a16:creationId xmlns:a16="http://schemas.microsoft.com/office/drawing/2014/main" id="{88065C5E-8323-444B-863B-E0B70B8DD839}"/>
+                <a16:creationId xmlns:a16="http://schemas.microsoft.com/office/drawing/2014/main" xmlns="" id="{88065C5E-8323-444B-863B-E0B70B8DD839}"/>
               </a:ext>
             </a:extLst>
           </p:cNvPr>
@@ -13411,7 +14396,7 @@
           <p:cNvPr id="5" name="Datumsplatzhalter 4">
             <a:extLst>
               <a:ext uri="{FF2B5EF4-FFF2-40B4-BE49-F238E27FC236}">
-                <a16:creationId xmlns:a16="http://schemas.microsoft.com/office/drawing/2014/main" id="{5201BD16-04ED-4E75-A4C7-92CF42FE7A8E}"/>
+                <a16:creationId xmlns:a16="http://schemas.microsoft.com/office/drawing/2014/main" xmlns="" id="{5201BD16-04ED-4E75-A4C7-92CF42FE7A8E}"/>
               </a:ext>
             </a:extLst>
           </p:cNvPr>
@@ -13429,7 +14414,7 @@
           <a:p>
             <a:fld id="{24DF0B9A-0E93-4C4C-A43A-459D42249A1B}" type="datetimeFigureOut">
               <a:rPr lang="de-DE" smtClean="0"/>
-              <a:t>09.05.2018</a:t>
+              <a:t>15.05.2018</a:t>
             </a:fld>
             <a:endParaRPr lang="de-DE"/>
           </a:p>
@@ -13440,7 +14425,7 @@
           <p:cNvPr id="6" name="Fußzeilenplatzhalter 5">
             <a:extLst>
               <a:ext uri="{FF2B5EF4-FFF2-40B4-BE49-F238E27FC236}">
-                <a16:creationId xmlns:a16="http://schemas.microsoft.com/office/drawing/2014/main" id="{74CC25C4-2D5B-42CD-8BEA-7FA169497EBE}"/>
+                <a16:creationId xmlns:a16="http://schemas.microsoft.com/office/drawing/2014/main" xmlns="" id="{74CC25C4-2D5B-42CD-8BEA-7FA169497EBE}"/>
               </a:ext>
             </a:extLst>
           </p:cNvPr>
@@ -13465,7 +14450,7 @@
           <p:cNvPr id="7" name="Foliennummernplatzhalter 6">
             <a:extLst>
               <a:ext uri="{FF2B5EF4-FFF2-40B4-BE49-F238E27FC236}">
-                <a16:creationId xmlns:a16="http://schemas.microsoft.com/office/drawing/2014/main" id="{70930502-B167-4698-9594-D1080B7539BC}"/>
+                <a16:creationId xmlns:a16="http://schemas.microsoft.com/office/drawing/2014/main" xmlns="" id="{70930502-B167-4698-9594-D1080B7539BC}"/>
               </a:ext>
             </a:extLst>
           </p:cNvPr>
@@ -13529,7 +14514,7 @@
           <p:cNvPr id="2" name="Titelplatzhalter 1">
             <a:extLst>
               <a:ext uri="{FF2B5EF4-FFF2-40B4-BE49-F238E27FC236}">
-                <a16:creationId xmlns:a16="http://schemas.microsoft.com/office/drawing/2014/main" id="{8E6C0C76-839C-4266-9067-37CDFF3A9D75}"/>
+                <a16:creationId xmlns:a16="http://schemas.microsoft.com/office/drawing/2014/main" xmlns="" id="{8E6C0C76-839C-4266-9067-37CDFF3A9D75}"/>
               </a:ext>
             </a:extLst>
           </p:cNvPr>
@@ -13567,7 +14552,7 @@
           <p:cNvPr id="3" name="Textplatzhalter 2">
             <a:extLst>
               <a:ext uri="{FF2B5EF4-FFF2-40B4-BE49-F238E27FC236}">
-                <a16:creationId xmlns:a16="http://schemas.microsoft.com/office/drawing/2014/main" id="{583945DB-94FF-478C-9FEE-AE8F7B42D6B5}"/>
+                <a16:creationId xmlns:a16="http://schemas.microsoft.com/office/drawing/2014/main" xmlns="" id="{583945DB-94FF-478C-9FEE-AE8F7B42D6B5}"/>
               </a:ext>
             </a:extLst>
           </p:cNvPr>
@@ -13634,7 +14619,7 @@
           <p:cNvPr id="4" name="Datumsplatzhalter 3">
             <a:extLst>
               <a:ext uri="{FF2B5EF4-FFF2-40B4-BE49-F238E27FC236}">
-                <a16:creationId xmlns:a16="http://schemas.microsoft.com/office/drawing/2014/main" id="{C351A553-E5BE-42DC-BC3A-47F63D606757}"/>
+                <a16:creationId xmlns:a16="http://schemas.microsoft.com/office/drawing/2014/main" xmlns="" id="{C351A553-E5BE-42DC-BC3A-47F63D606757}"/>
               </a:ext>
             </a:extLst>
           </p:cNvPr>
@@ -13670,7 +14655,7 @@
           <a:p>
             <a:fld id="{24DF0B9A-0E93-4C4C-A43A-459D42249A1B}" type="datetimeFigureOut">
               <a:rPr lang="de-DE" smtClean="0"/>
-              <a:t>09.05.2018</a:t>
+              <a:t>15.05.2018</a:t>
             </a:fld>
             <a:endParaRPr lang="de-DE"/>
           </a:p>
@@ -13681,7 +14666,7 @@
           <p:cNvPr id="5" name="Fußzeilenplatzhalter 4">
             <a:extLst>
               <a:ext uri="{FF2B5EF4-FFF2-40B4-BE49-F238E27FC236}">
-                <a16:creationId xmlns:a16="http://schemas.microsoft.com/office/drawing/2014/main" id="{AE609C72-4BB4-48FA-815B-D3CB5FA9FAB0}"/>
+                <a16:creationId xmlns:a16="http://schemas.microsoft.com/office/drawing/2014/main" xmlns="" id="{AE609C72-4BB4-48FA-815B-D3CB5FA9FAB0}"/>
               </a:ext>
             </a:extLst>
           </p:cNvPr>
@@ -13724,7 +14709,7 @@
           <p:cNvPr id="6" name="Foliennummernplatzhalter 5">
             <a:extLst>
               <a:ext uri="{FF2B5EF4-FFF2-40B4-BE49-F238E27FC236}">
-                <a16:creationId xmlns:a16="http://schemas.microsoft.com/office/drawing/2014/main" id="{EF857986-AF0C-4699-BC9B-2B60D00FA79F}"/>
+                <a16:creationId xmlns:a16="http://schemas.microsoft.com/office/drawing/2014/main" xmlns="" id="{EF857986-AF0C-4699-BC9B-2B60D00FA79F}"/>
               </a:ext>
             </a:extLst>
           </p:cNvPr>
@@ -14103,10 +15088,10 @@
           <p:cNvPr id="40" name="Freeform: Shape 39">
             <a:extLst>
               <a:ext uri="{FF2B5EF4-FFF2-40B4-BE49-F238E27FC236}">
-                <a16:creationId xmlns:a16="http://schemas.microsoft.com/office/drawing/2014/main" id="{92AA2300-0FA6-4328-9BD8-1D67925C0BD6}"/>
+                <a16:creationId xmlns:a16="http://schemas.microsoft.com/office/drawing/2014/main" xmlns="" id="{92AA2300-0FA6-4328-9BD8-1D67925C0BD6}"/>
               </a:ext>
               <a:ext uri="{C183D7F6-B498-43B3-948B-1728B52AA6E4}">
-                <adec:decorative xmlns:adec="http://schemas.microsoft.com/office/drawing/2017/decorative" val="1"/>
+                <adec:decorative xmlns:adec="http://schemas.microsoft.com/office/drawing/2017/decorative" xmlns="" val="1"/>
               </a:ext>
             </a:extLst>
           </p:cNvPr>
@@ -14116,7 +15101,7 @@
           <p:nvPr>
             <p:extLst>
               <p:ext uri="{386F3935-93C4-4BCD-93E2-E3B085C9AB24}">
-                <p16:designElem xmlns:p16="http://schemas.microsoft.com/office/powerpoint/2015/main" val="1"/>
+                <p16:designElem xmlns:p16="http://schemas.microsoft.com/office/powerpoint/2015/main" xmlns="" val="1"/>
               </p:ext>
             </p:extLst>
           </p:nvPr>
@@ -14274,10 +15259,10 @@
           <p:cNvPr id="42" name="Freeform: Shape 41">
             <a:extLst>
               <a:ext uri="{FF2B5EF4-FFF2-40B4-BE49-F238E27FC236}">
-                <a16:creationId xmlns:a16="http://schemas.microsoft.com/office/drawing/2014/main" id="{D3E1FE85-D0BF-41D3-8B85-04776368E1F0}"/>
+                <a16:creationId xmlns:a16="http://schemas.microsoft.com/office/drawing/2014/main" xmlns="" id="{D3E1FE85-D0BF-41D3-8B85-04776368E1F0}"/>
               </a:ext>
               <a:ext uri="{C183D7F6-B498-43B3-948B-1728B52AA6E4}">
-                <adec:decorative xmlns:adec="http://schemas.microsoft.com/office/drawing/2017/decorative" val="1"/>
+                <adec:decorative xmlns:adec="http://schemas.microsoft.com/office/drawing/2017/decorative" xmlns="" val="1"/>
               </a:ext>
             </a:extLst>
           </p:cNvPr>
@@ -14287,7 +15272,7 @@
           <p:nvPr>
             <p:extLst>
               <p:ext uri="{386F3935-93C4-4BCD-93E2-E3B085C9AB24}">
-                <p16:designElem xmlns:p16="http://schemas.microsoft.com/office/powerpoint/2015/main" val="1"/>
+                <p16:designElem xmlns:p16="http://schemas.microsoft.com/office/powerpoint/2015/main" xmlns="" val="1"/>
               </p:ext>
             </p:extLst>
           </p:nvPr>
@@ -14441,10 +15426,10 @@
           <p:cNvPr id="71" name="Freeform: Shape 43">
             <a:extLst>
               <a:ext uri="{FF2B5EF4-FFF2-40B4-BE49-F238E27FC236}">
-                <a16:creationId xmlns:a16="http://schemas.microsoft.com/office/drawing/2014/main" id="{F2E5A8E1-2A22-48D0-9556-E21648FA1EAC}"/>
+                <a16:creationId xmlns:a16="http://schemas.microsoft.com/office/drawing/2014/main" xmlns="" id="{F2E5A8E1-2A22-48D0-9556-E21648FA1EAC}"/>
               </a:ext>
               <a:ext uri="{C183D7F6-B498-43B3-948B-1728B52AA6E4}">
-                <adec:decorative xmlns:adec="http://schemas.microsoft.com/office/drawing/2017/decorative" val="1"/>
+                <adec:decorative xmlns:adec="http://schemas.microsoft.com/office/drawing/2017/decorative" xmlns="" val="1"/>
               </a:ext>
             </a:extLst>
           </p:cNvPr>
@@ -14454,7 +15439,7 @@
           <p:nvPr>
             <p:extLst>
               <p:ext uri="{386F3935-93C4-4BCD-93E2-E3B085C9AB24}">
-                <p16:designElem xmlns:p16="http://schemas.microsoft.com/office/powerpoint/2015/main" val="1"/>
+                <p16:designElem xmlns:p16="http://schemas.microsoft.com/office/powerpoint/2015/main" xmlns="" val="1"/>
               </p:ext>
             </p:extLst>
           </p:nvPr>
@@ -14620,10 +15605,10 @@
           <p:cNvPr id="46" name="Freeform: Shape 45">
             <a:extLst>
               <a:ext uri="{FF2B5EF4-FFF2-40B4-BE49-F238E27FC236}">
-                <a16:creationId xmlns:a16="http://schemas.microsoft.com/office/drawing/2014/main" id="{1072B470-1E76-42B5-86EA-1FB0F881D7EF}"/>
+                <a16:creationId xmlns:a16="http://schemas.microsoft.com/office/drawing/2014/main" xmlns="" id="{1072B470-1E76-42B5-86EA-1FB0F881D7EF}"/>
               </a:ext>
               <a:ext uri="{C183D7F6-B498-43B3-948B-1728B52AA6E4}">
-                <adec:decorative xmlns:adec="http://schemas.microsoft.com/office/drawing/2017/decorative" val="1"/>
+                <adec:decorative xmlns:adec="http://schemas.microsoft.com/office/drawing/2017/decorative" xmlns="" val="1"/>
               </a:ext>
             </a:extLst>
           </p:cNvPr>
@@ -14633,7 +15618,7 @@
           <p:nvPr>
             <p:extLst>
               <p:ext uri="{386F3935-93C4-4BCD-93E2-E3B085C9AB24}">
-                <p16:designElem xmlns:p16="http://schemas.microsoft.com/office/powerpoint/2015/main" val="1"/>
+                <p16:designElem xmlns:p16="http://schemas.microsoft.com/office/powerpoint/2015/main" xmlns="" val="1"/>
               </p:ext>
             </p:extLst>
           </p:nvPr>
@@ -14789,10 +15774,10 @@
           <p:cNvPr id="48" name="Freeform: Shape 47">
             <a:extLst>
               <a:ext uri="{FF2B5EF4-FFF2-40B4-BE49-F238E27FC236}">
-                <a16:creationId xmlns:a16="http://schemas.microsoft.com/office/drawing/2014/main" id="{DDD8B025-3845-4DEF-98B6-7C0BF531DB78}"/>
+                <a16:creationId xmlns:a16="http://schemas.microsoft.com/office/drawing/2014/main" xmlns="" id="{DDD8B025-3845-4DEF-98B6-7C0BF531DB78}"/>
               </a:ext>
               <a:ext uri="{C183D7F6-B498-43B3-948B-1728B52AA6E4}">
-                <adec:decorative xmlns:adec="http://schemas.microsoft.com/office/drawing/2017/decorative" val="1"/>
+                <adec:decorative xmlns:adec="http://schemas.microsoft.com/office/drawing/2017/decorative" xmlns="" val="1"/>
               </a:ext>
             </a:extLst>
           </p:cNvPr>
@@ -14802,7 +15787,7 @@
           <p:nvPr>
             <p:extLst>
               <p:ext uri="{386F3935-93C4-4BCD-93E2-E3B085C9AB24}">
-                <p16:designElem xmlns:p16="http://schemas.microsoft.com/office/powerpoint/2015/main" val="1"/>
+                <p16:designElem xmlns:p16="http://schemas.microsoft.com/office/powerpoint/2015/main" xmlns="" val="1"/>
               </p:ext>
             </p:extLst>
           </p:nvPr>
@@ -14966,10 +15951,10 @@
           <p:cNvPr id="50" name="Freeform: Shape 49">
             <a:extLst>
               <a:ext uri="{FF2B5EF4-FFF2-40B4-BE49-F238E27FC236}">
-                <a16:creationId xmlns:a16="http://schemas.microsoft.com/office/drawing/2014/main" id="{C4051FED-CF0D-4DDD-A9BB-E58FEEFE7C46}"/>
+                <a16:creationId xmlns:a16="http://schemas.microsoft.com/office/drawing/2014/main" xmlns="" id="{C4051FED-CF0D-4DDD-A9BB-E58FEEFE7C46}"/>
               </a:ext>
               <a:ext uri="{C183D7F6-B498-43B3-948B-1728B52AA6E4}">
-                <adec:decorative xmlns:adec="http://schemas.microsoft.com/office/drawing/2017/decorative" val="1"/>
+                <adec:decorative xmlns:adec="http://schemas.microsoft.com/office/drawing/2017/decorative" xmlns="" val="1"/>
               </a:ext>
             </a:extLst>
           </p:cNvPr>
@@ -14979,7 +15964,7 @@
           <p:nvPr>
             <p:extLst>
               <p:ext uri="{386F3935-93C4-4BCD-93E2-E3B085C9AB24}">
-                <p16:designElem xmlns:p16="http://schemas.microsoft.com/office/powerpoint/2015/main" val="1"/>
+                <p16:designElem xmlns:p16="http://schemas.microsoft.com/office/powerpoint/2015/main" xmlns="" val="1"/>
               </p:ext>
             </p:extLst>
           </p:nvPr>
@@ -15133,7 +16118,7 @@
           <p:cNvPr id="34" name="Grafik 33">
             <a:extLst>
               <a:ext uri="{FF2B5EF4-FFF2-40B4-BE49-F238E27FC236}">
-                <a16:creationId xmlns:a16="http://schemas.microsoft.com/office/drawing/2014/main" id="{C4B2D1B6-9CC9-4D39-9877-4068CF726A6D}"/>
+                <a16:creationId xmlns:a16="http://schemas.microsoft.com/office/drawing/2014/main" xmlns="" id="{C4B2D1B6-9CC9-4D39-9877-4068CF726A6D}"/>
               </a:ext>
             </a:extLst>
           </p:cNvPr>
@@ -15169,7 +16154,7 @@
           <p:cNvPr id="7" name="Grafik 6">
             <a:extLst>
               <a:ext uri="{FF2B5EF4-FFF2-40B4-BE49-F238E27FC236}">
-                <a16:creationId xmlns:a16="http://schemas.microsoft.com/office/drawing/2014/main" id="{20A64369-5BE0-40C8-B9CB-5E6B39AA2511}"/>
+                <a16:creationId xmlns:a16="http://schemas.microsoft.com/office/drawing/2014/main" xmlns="" id="{20A64369-5BE0-40C8-B9CB-5E6B39AA2511}"/>
               </a:ext>
             </a:extLst>
           </p:cNvPr>
@@ -15179,7 +16164,7 @@
           <p:nvPr/>
         </p:nvPicPr>
         <p:blipFill>
-          <a:blip r:embed="rId3">
+          <a:blip r:embed="rId3" cstate="print">
             <a:extLst>
               <a:ext uri="{28A0092B-C50C-407E-A947-70E740481C1C}">
                 <a14:useLocalDpi xmlns:a14="http://schemas.microsoft.com/office/drawing/2010/main" val="0"/>
@@ -15205,7 +16190,7 @@
           <p:cNvPr id="9" name="Grafik 8">
             <a:extLst>
               <a:ext uri="{FF2B5EF4-FFF2-40B4-BE49-F238E27FC236}">
-                <a16:creationId xmlns:a16="http://schemas.microsoft.com/office/drawing/2014/main" id="{7A44D108-3F84-4CB9-8043-9E1F67833057}"/>
+                <a16:creationId xmlns:a16="http://schemas.microsoft.com/office/drawing/2014/main" xmlns="" id="{7A44D108-3F84-4CB9-8043-9E1F67833057}"/>
               </a:ext>
             </a:extLst>
           </p:cNvPr>
@@ -15215,13 +16200,13 @@
           <p:nvPr/>
         </p:nvPicPr>
         <p:blipFill>
-          <a:blip r:embed="rId4">
+          <a:blip r:embed="rId4" cstate="print">
             <a:extLst>
               <a:ext uri="{28A0092B-C50C-407E-A947-70E740481C1C}">
                 <a14:useLocalDpi xmlns:a14="http://schemas.microsoft.com/office/drawing/2010/main" val="0"/>
               </a:ext>
               <a:ext uri="{96DAC541-7B7A-43D3-8B79-37D633B846F1}">
-                <asvg:svgBlip xmlns:asvg="http://schemas.microsoft.com/office/drawing/2016/SVG/main" r:embed="rId5"/>
+                <asvg:svgBlip xmlns:asvg="http://schemas.microsoft.com/office/drawing/2016/SVG/main" xmlns="" r:embed="rId5"/>
               </a:ext>
             </a:extLst>
           </a:blip>
@@ -15244,7 +16229,7 @@
           <p:cNvPr id="2" name="Titel 1">
             <a:extLst>
               <a:ext uri="{FF2B5EF4-FFF2-40B4-BE49-F238E27FC236}">
-                <a16:creationId xmlns:a16="http://schemas.microsoft.com/office/drawing/2014/main" id="{7B47AFD9-8E90-4C61-9AB3-7FC588346B9D}"/>
+                <a16:creationId xmlns:a16="http://schemas.microsoft.com/office/drawing/2014/main" xmlns="" id="{7B47AFD9-8E90-4C61-9AB3-7FC588346B9D}"/>
               </a:ext>
             </a:extLst>
           </p:cNvPr>
@@ -15281,7 +16266,7 @@
           <p:cNvPr id="3" name="Untertitel 2">
             <a:extLst>
               <a:ext uri="{FF2B5EF4-FFF2-40B4-BE49-F238E27FC236}">
-                <a16:creationId xmlns:a16="http://schemas.microsoft.com/office/drawing/2014/main" id="{2BFFC9BF-292C-4541-88FD-73573910C544}"/>
+                <a16:creationId xmlns:a16="http://schemas.microsoft.com/office/drawing/2014/main" xmlns="" id="{2BFFC9BF-292C-4541-88FD-73573910C544}"/>
               </a:ext>
             </a:extLst>
           </p:cNvPr>
@@ -15326,6 +16311,13 @@
   <p:clrMapOvr>
     <a:overrideClrMapping bg1="dk1" tx1="lt1" bg2="dk2" tx2="lt2" accent1="accent1" accent2="accent2" accent3="accent3" accent4="accent4" accent5="accent5" accent6="accent6" hlink="hlink" folHlink="folHlink"/>
   </p:clrMapOvr>
+  <p:timing>
+    <p:tnLst>
+      <p:par>
+        <p:cTn id="1" dur="indefinite" restart="never" nodeType="tmRoot"/>
+      </p:par>
+    </p:tnLst>
+  </p:timing>
 </p:sld>
 </file>
 
@@ -15362,10 +16354,10 @@
           <p:cNvPr id="121" name="Freeform: Shape 120">
             <a:extLst>
               <a:ext uri="{FF2B5EF4-FFF2-40B4-BE49-F238E27FC236}">
-                <a16:creationId xmlns:a16="http://schemas.microsoft.com/office/drawing/2014/main" id="{0C526D66-3621-4347-B1EF-342CBF4DB9C1}"/>
+                <a16:creationId xmlns:a16="http://schemas.microsoft.com/office/drawing/2014/main" xmlns="" id="{0C526D66-3621-4347-B1EF-342CBF4DB9C1}"/>
               </a:ext>
               <a:ext uri="{C183D7F6-B498-43B3-948B-1728B52AA6E4}">
-                <adec:decorative xmlns:adec="http://schemas.microsoft.com/office/drawing/2017/decorative" val="1"/>
+                <adec:decorative xmlns:adec="http://schemas.microsoft.com/office/drawing/2017/decorative" xmlns="" val="1"/>
               </a:ext>
             </a:extLst>
           </p:cNvPr>
@@ -15375,7 +16367,7 @@
           <p:nvPr>
             <p:extLst>
               <p:ext uri="{386F3935-93C4-4BCD-93E2-E3B085C9AB24}">
-                <p16:designElem xmlns:p16="http://schemas.microsoft.com/office/powerpoint/2015/main" val="1"/>
+                <p16:designElem xmlns:p16="http://schemas.microsoft.com/office/powerpoint/2015/main" xmlns="" val="1"/>
               </p:ext>
             </p:extLst>
           </p:nvPr>
@@ -15565,10 +16557,10 @@
           <p:cNvPr id="123" name="Freeform: Shape 122">
             <a:extLst>
               <a:ext uri="{FF2B5EF4-FFF2-40B4-BE49-F238E27FC236}">
-                <a16:creationId xmlns:a16="http://schemas.microsoft.com/office/drawing/2014/main" id="{8A177BCC-4208-4795-8572-4D623BA1E2A0}"/>
+                <a16:creationId xmlns:a16="http://schemas.microsoft.com/office/drawing/2014/main" xmlns="" id="{8A177BCC-4208-4795-8572-4D623BA1E2A0}"/>
               </a:ext>
               <a:ext uri="{C183D7F6-B498-43B3-948B-1728B52AA6E4}">
-                <adec:decorative xmlns:adec="http://schemas.microsoft.com/office/drawing/2017/decorative" val="1"/>
+                <adec:decorative xmlns:adec="http://schemas.microsoft.com/office/drawing/2017/decorative" xmlns="" val="1"/>
               </a:ext>
             </a:extLst>
           </p:cNvPr>
@@ -15578,7 +16570,7 @@
           <p:nvPr>
             <p:extLst>
               <p:ext uri="{386F3935-93C4-4BCD-93E2-E3B085C9AB24}">
-                <p16:designElem xmlns:p16="http://schemas.microsoft.com/office/powerpoint/2015/main" val="1"/>
+                <p16:designElem xmlns:p16="http://schemas.microsoft.com/office/powerpoint/2015/main" xmlns="" val="1"/>
               </p:ext>
             </p:extLst>
           </p:nvPr>
@@ -15734,10 +16726,10 @@
           <p:cNvPr id="125" name="Freeform: Shape 124">
             <a:extLst>
               <a:ext uri="{FF2B5EF4-FFF2-40B4-BE49-F238E27FC236}">
-                <a16:creationId xmlns:a16="http://schemas.microsoft.com/office/drawing/2014/main" id="{0193166D-DDF1-4F9A-A786-A7AEF5375C06}"/>
+                <a16:creationId xmlns:a16="http://schemas.microsoft.com/office/drawing/2014/main" xmlns="" id="{0193166D-DDF1-4F9A-A786-A7AEF5375C06}"/>
               </a:ext>
               <a:ext uri="{C183D7F6-B498-43B3-948B-1728B52AA6E4}">
-                <adec:decorative xmlns:adec="http://schemas.microsoft.com/office/drawing/2017/decorative" val="1"/>
+                <adec:decorative xmlns:adec="http://schemas.microsoft.com/office/drawing/2017/decorative" xmlns="" val="1"/>
               </a:ext>
             </a:extLst>
           </p:cNvPr>
@@ -15747,7 +16739,7 @@
           <p:nvPr>
             <p:extLst>
               <p:ext uri="{386F3935-93C4-4BCD-93E2-E3B085C9AB24}">
-                <p16:designElem xmlns:p16="http://schemas.microsoft.com/office/powerpoint/2015/main" val="1"/>
+                <p16:designElem xmlns:p16="http://schemas.microsoft.com/office/powerpoint/2015/main" xmlns="" val="1"/>
               </p:ext>
             </p:extLst>
           </p:nvPr>
@@ -15935,10 +16927,10 @@
           <p:cNvPr id="127" name="Freeform: Shape 126">
             <a:extLst>
               <a:ext uri="{FF2B5EF4-FFF2-40B4-BE49-F238E27FC236}">
-                <a16:creationId xmlns:a16="http://schemas.microsoft.com/office/drawing/2014/main" id="{E4EE7214-AC05-465E-A501-65AA04EF5E1A}"/>
+                <a16:creationId xmlns:a16="http://schemas.microsoft.com/office/drawing/2014/main" xmlns="" id="{E4EE7214-AC05-465E-A501-65AA04EF5E1A}"/>
               </a:ext>
               <a:ext uri="{C183D7F6-B498-43B3-948B-1728B52AA6E4}">
-                <adec:decorative xmlns:adec="http://schemas.microsoft.com/office/drawing/2017/decorative" val="1"/>
+                <adec:decorative xmlns:adec="http://schemas.microsoft.com/office/drawing/2017/decorative" xmlns="" val="1"/>
               </a:ext>
             </a:extLst>
           </p:cNvPr>
@@ -15948,7 +16940,7 @@
           <p:nvPr>
             <p:extLst>
               <p:ext uri="{386F3935-93C4-4BCD-93E2-E3B085C9AB24}">
-                <p16:designElem xmlns:p16="http://schemas.microsoft.com/office/powerpoint/2015/main" val="1"/>
+                <p16:designElem xmlns:p16="http://schemas.microsoft.com/office/powerpoint/2015/main" xmlns="" val="1"/>
               </p:ext>
             </p:extLst>
           </p:nvPr>
@@ -16102,7 +17094,7 @@
           <p:cNvPr id="4" name="Grafik 3">
             <a:extLst>
               <a:ext uri="{FF2B5EF4-FFF2-40B4-BE49-F238E27FC236}">
-                <a16:creationId xmlns:a16="http://schemas.microsoft.com/office/drawing/2014/main" id="{7830B805-B3AA-4E8D-BB14-56F2C91F4433}"/>
+                <a16:creationId xmlns:a16="http://schemas.microsoft.com/office/drawing/2014/main" xmlns="" id="{7830B805-B3AA-4E8D-BB14-56F2C91F4433}"/>
               </a:ext>
             </a:extLst>
           </p:cNvPr>
@@ -16118,7 +17110,7 @@
                 <a14:useLocalDpi xmlns:a14="http://schemas.microsoft.com/office/drawing/2010/main" val="0"/>
               </a:ext>
               <a:ext uri="{96DAC541-7B7A-43D3-8B79-37D633B846F1}">
-                <asvg:svgBlip xmlns:asvg="http://schemas.microsoft.com/office/drawing/2016/SVG/main" r:embed="rId4"/>
+                <asvg:svgBlip xmlns:asvg="http://schemas.microsoft.com/office/drawing/2016/SVG/main" xmlns="" r:embed="rId4"/>
               </a:ext>
             </a:extLst>
           </a:blip>
@@ -16141,7 +17133,7 @@
           <p:cNvPr id="11" name="Grafik 10">
             <a:extLst>
               <a:ext uri="{FF2B5EF4-FFF2-40B4-BE49-F238E27FC236}">
-                <a16:creationId xmlns:a16="http://schemas.microsoft.com/office/drawing/2014/main" id="{7686D367-D5D2-426B-A0B0-E5A7C8ECC2D9}"/>
+                <a16:creationId xmlns:a16="http://schemas.microsoft.com/office/drawing/2014/main" xmlns="" id="{7686D367-D5D2-426B-A0B0-E5A7C8ECC2D9}"/>
               </a:ext>
             </a:extLst>
           </p:cNvPr>
@@ -16177,7 +17169,7 @@
           <p:cNvPr id="111" name="Inhaltsplatzhalter 2">
             <a:extLst>
               <a:ext uri="{FF2B5EF4-FFF2-40B4-BE49-F238E27FC236}">
-                <a16:creationId xmlns:a16="http://schemas.microsoft.com/office/drawing/2014/main" id="{DFED6985-E05C-5442-8D81-240D91D1C65A}"/>
+                <a16:creationId xmlns:a16="http://schemas.microsoft.com/office/drawing/2014/main" xmlns="" id="{DFED6985-E05C-5442-8D81-240D91D1C65A}"/>
               </a:ext>
             </a:extLst>
           </p:cNvPr>
@@ -16380,7 +17372,7 @@
           <p:cNvPr id="8" name="Grafik 7">
             <a:extLst>
               <a:ext uri="{FF2B5EF4-FFF2-40B4-BE49-F238E27FC236}">
-                <a16:creationId xmlns:a16="http://schemas.microsoft.com/office/drawing/2014/main" id="{DFA0BA83-B92C-462D-8C67-FAE88DDFE559}"/>
+                <a16:creationId xmlns:a16="http://schemas.microsoft.com/office/drawing/2014/main" xmlns="" id="{DFA0BA83-B92C-462D-8C67-FAE88DDFE559}"/>
               </a:ext>
             </a:extLst>
           </p:cNvPr>
@@ -16416,7 +17408,7 @@
           <p:cNvPr id="6" name="Titel 5">
             <a:extLst>
               <a:ext uri="{FF2B5EF4-FFF2-40B4-BE49-F238E27FC236}">
-                <a16:creationId xmlns:a16="http://schemas.microsoft.com/office/drawing/2014/main" id="{97D4CC26-A6D9-44D5-BE51-0167991D4E18}"/>
+                <a16:creationId xmlns:a16="http://schemas.microsoft.com/office/drawing/2014/main" xmlns="" id="{97D4CC26-A6D9-44D5-BE51-0167991D4E18}"/>
               </a:ext>
             </a:extLst>
           </p:cNvPr>
@@ -16447,6 +17439,10 @@
               <a:rPr lang="en-US" sz="4800" dirty="0" err="1"/>
               <a:t>Technologien</a:t>
             </a:r>
+            <a:r>
+              <a:rPr lang="en-US" sz="4800" dirty="0"/>
+              <a:t/>
+            </a:r>
             <a:br>
               <a:rPr lang="en-US" sz="4800" dirty="0"/>
             </a:br>
@@ -16467,6 +17463,13 @@
   <p:clrMapOvr>
     <a:overrideClrMapping bg1="dk1" tx1="lt1" bg2="dk2" tx2="lt2" accent1="accent1" accent2="accent2" accent3="accent3" accent4="accent4" accent5="accent5" accent6="accent6" hlink="hlink" folHlink="folHlink"/>
   </p:clrMapOvr>
+  <p:timing>
+    <p:tnLst>
+      <p:par>
+        <p:cTn id="1" dur="indefinite" restart="never" nodeType="tmRoot"/>
+      </p:par>
+    </p:tnLst>
+  </p:timing>
 </p:sld>
 </file>
 
@@ -16500,10 +17503,10 @@
           <p:cNvPr id="24" name="Down Arrow 7">
             <a:extLst>
               <a:ext uri="{FF2B5EF4-FFF2-40B4-BE49-F238E27FC236}">
-                <a16:creationId xmlns:a16="http://schemas.microsoft.com/office/drawing/2014/main" id="{B547373F-AF2E-4907-B442-9F902B387FD0}"/>
+                <a16:creationId xmlns:a16="http://schemas.microsoft.com/office/drawing/2014/main" xmlns="" id="{B547373F-AF2E-4907-B442-9F902B387FD0}"/>
               </a:ext>
               <a:ext uri="{C183D7F6-B498-43B3-948B-1728B52AA6E4}">
-                <adec:decorative xmlns:adec="http://schemas.microsoft.com/office/drawing/2017/decorative" val="1"/>
+                <adec:decorative xmlns:adec="http://schemas.microsoft.com/office/drawing/2017/decorative" xmlns="" val="1"/>
               </a:ext>
             </a:extLst>
           </p:cNvPr>
@@ -16513,7 +17516,7 @@
           <p:nvPr>
             <p:extLst>
               <p:ext uri="{386F3935-93C4-4BCD-93E2-E3B085C9AB24}">
-                <p16:designElem xmlns:p16="http://schemas.microsoft.com/office/powerpoint/2015/main" val="1"/>
+                <p16:designElem xmlns:p16="http://schemas.microsoft.com/office/powerpoint/2015/main" xmlns="" val="1"/>
               </p:ext>
             </p:extLst>
           </p:nvPr>
@@ -16569,7 +17572,7 @@
           <p:cNvPr id="19" name="Grafik 18">
             <a:extLst>
               <a:ext uri="{FF2B5EF4-FFF2-40B4-BE49-F238E27FC236}">
-                <a16:creationId xmlns:a16="http://schemas.microsoft.com/office/drawing/2014/main" id="{6A0CF42E-C820-4C87-884E-7A7671423EB6}"/>
+                <a16:creationId xmlns:a16="http://schemas.microsoft.com/office/drawing/2014/main" xmlns="" id="{6A0CF42E-C820-4C87-884E-7A7671423EB6}"/>
               </a:ext>
             </a:extLst>
           </p:cNvPr>
@@ -16605,7 +17608,7 @@
           <p:cNvPr id="2" name="Titel 1">
             <a:extLst>
               <a:ext uri="{FF2B5EF4-FFF2-40B4-BE49-F238E27FC236}">
-                <a16:creationId xmlns:a16="http://schemas.microsoft.com/office/drawing/2014/main" id="{2739BE3E-CAB9-4698-9CD4-9384CBCC5931}"/>
+                <a16:creationId xmlns:a16="http://schemas.microsoft.com/office/drawing/2014/main" xmlns="" id="{2739BE3E-CAB9-4698-9CD4-9384CBCC5931}"/>
               </a:ext>
             </a:extLst>
           </p:cNvPr>
@@ -16646,7 +17649,7 @@
           <p:cNvPr id="5" name="Diagramm 4">
             <a:extLst>
               <a:ext uri="{FF2B5EF4-FFF2-40B4-BE49-F238E27FC236}">
-                <a16:creationId xmlns:a16="http://schemas.microsoft.com/office/drawing/2014/main" id="{E6303B73-1BE8-495B-810F-B7171065D7DF}"/>
+                <a16:creationId xmlns:a16="http://schemas.microsoft.com/office/drawing/2014/main" xmlns="" id="{E6303B73-1BE8-495B-810F-B7171065D7DF}"/>
               </a:ext>
             </a:extLst>
           </p:cNvPr>
@@ -16679,6 +17682,13 @@
   <p:clrMapOvr>
     <a:masterClrMapping/>
   </p:clrMapOvr>
+  <p:timing>
+    <p:tnLst>
+      <p:par>
+        <p:cTn id="1" dur="indefinite" restart="never" nodeType="tmRoot"/>
+      </p:par>
+    </p:tnLst>
+  </p:timing>
 </p:sld>
 </file>
 
@@ -16709,13 +17719,13 @@
       </p:grpSpPr>
       <p:sp>
         <p:nvSpPr>
-          <p:cNvPr id="116" name="Down Arrow 7">
+          <p:cNvPr id="24" name="Down Arrow 7">
             <a:extLst>
               <a:ext uri="{FF2B5EF4-FFF2-40B4-BE49-F238E27FC236}">
-                <a16:creationId xmlns:a16="http://schemas.microsoft.com/office/drawing/2014/main" id="{B547373F-AF2E-4907-B442-9F902B387FD0}"/>
+                <a16:creationId xmlns:a16="http://schemas.microsoft.com/office/drawing/2014/main" xmlns="" id="{B547373F-AF2E-4907-B442-9F902B387FD0}"/>
               </a:ext>
               <a:ext uri="{C183D7F6-B498-43B3-948B-1728B52AA6E4}">
-                <adec:decorative xmlns:adec="http://schemas.microsoft.com/office/drawing/2017/decorative" val="1"/>
+                <adec:decorative xmlns:adec="http://schemas.microsoft.com/office/drawing/2017/decorative" xmlns="" val="1"/>
               </a:ext>
             </a:extLst>
           </p:cNvPr>
@@ -16725,7 +17735,1224 @@
           <p:nvPr>
             <p:extLst>
               <p:ext uri="{386F3935-93C4-4BCD-93E2-E3B085C9AB24}">
-                <p16:designElem xmlns:p16="http://schemas.microsoft.com/office/powerpoint/2015/main" val="1"/>
+                <p16:designElem xmlns:p16="http://schemas.microsoft.com/office/powerpoint/2015/main" xmlns="" val="1"/>
+              </p:ext>
+            </p:extLst>
+          </p:nvPr>
+        </p:nvSpPr>
+        <p:spPr>
+          <a:xfrm>
+            <a:off x="800100" y="-4763"/>
+            <a:ext cx="3333749" cy="3338514"/>
+          </a:xfrm>
+          <a:prstGeom prst="downArrow">
+            <a:avLst>
+              <a:gd name="adj1" fmla="val 100000"/>
+              <a:gd name="adj2" fmla="val 26890"/>
+            </a:avLst>
+          </a:prstGeom>
+          <a:solidFill>
+            <a:schemeClr val="tx1">
+              <a:lumMod val="85000"/>
+              <a:lumOff val="15000"/>
+            </a:schemeClr>
+          </a:solidFill>
+          <a:ln w="53975">
+            <a:noFill/>
+          </a:ln>
+        </p:spPr>
+        <p:style>
+          <a:lnRef idx="2">
+            <a:schemeClr val="accent1">
+              <a:shade val="50000"/>
+            </a:schemeClr>
+          </a:lnRef>
+          <a:fillRef idx="1">
+            <a:schemeClr val="accent1"/>
+          </a:fillRef>
+          <a:effectRef idx="0">
+            <a:schemeClr val="accent1"/>
+          </a:effectRef>
+          <a:fontRef idx="minor">
+            <a:schemeClr val="lt1"/>
+          </a:fontRef>
+        </p:style>
+        <p:txBody>
+          <a:bodyPr rtlCol="0" anchor="ctr"/>
+          <a:lstStyle/>
+          <a:p>
+            <a:pPr algn="ctr"/>
+            <a:endParaRPr lang="en-US"/>
+          </a:p>
+        </p:txBody>
+      </p:sp>
+      <p:pic>
+        <p:nvPicPr>
+          <p:cNvPr id="19" name="Grafik 18">
+            <a:extLst>
+              <a:ext uri="{FF2B5EF4-FFF2-40B4-BE49-F238E27FC236}">
+                <a16:creationId xmlns:a16="http://schemas.microsoft.com/office/drawing/2014/main" xmlns="" id="{6A0CF42E-C820-4C87-884E-7A7671423EB6}"/>
+              </a:ext>
+            </a:extLst>
+          </p:cNvPr>
+          <p:cNvPicPr>
+            <a:picLocks noChangeAspect="1"/>
+          </p:cNvPicPr>
+          <p:nvPr/>
+        </p:nvPicPr>
+        <p:blipFill>
+          <a:blip r:embed="rId2">
+            <a:extLst>
+              <a:ext uri="{28A0092B-C50C-407E-A947-70E740481C1C}">
+                <a14:useLocalDpi xmlns:a14="http://schemas.microsoft.com/office/drawing/2010/main" val="0"/>
+              </a:ext>
+            </a:extLst>
+          </a:blip>
+          <a:stretch>
+            <a:fillRect/>
+          </a:stretch>
+        </p:blipFill>
+        <p:spPr>
+          <a:xfrm>
+            <a:off x="282103" y="5937198"/>
+            <a:ext cx="992830" cy="671209"/>
+          </a:xfrm>
+          <a:prstGeom prst="rect">
+            <a:avLst/>
+          </a:prstGeom>
+        </p:spPr>
+      </p:pic>
+      <p:sp>
+        <p:nvSpPr>
+          <p:cNvPr id="2" name="Titel 1">
+            <a:extLst>
+              <a:ext uri="{FF2B5EF4-FFF2-40B4-BE49-F238E27FC236}">
+                <a16:creationId xmlns:a16="http://schemas.microsoft.com/office/drawing/2014/main" xmlns="" id="{2739BE3E-CAB9-4698-9CD4-9384CBCC5931}"/>
+              </a:ext>
+            </a:extLst>
+          </p:cNvPr>
+          <p:cNvSpPr>
+            <a:spLocks noGrp="1"/>
+          </p:cNvSpPr>
+          <p:nvPr>
+            <p:ph type="title"/>
+          </p:nvPr>
+        </p:nvSpPr>
+        <p:spPr>
+          <a:xfrm>
+            <a:off x="1028700" y="190501"/>
+            <a:ext cx="2886075" cy="2486024"/>
+          </a:xfrm>
+          <a:noFill/>
+        </p:spPr>
+        <p:txBody>
+          <a:bodyPr anchor="ctr">
+            <a:normAutofit/>
+          </a:bodyPr>
+          <a:lstStyle/>
+          <a:p>
+            <a:pPr algn="ctr"/>
+            <a:r>
+              <a:rPr lang="de-DE" sz="3600" dirty="0">
+                <a:solidFill>
+                  <a:schemeClr val="bg1"/>
+                </a:solidFill>
+              </a:rPr>
+              <a:t>V. Umsetzung</a:t>
+            </a:r>
+          </a:p>
+        </p:txBody>
+      </p:sp>
+      <p:pic>
+        <p:nvPicPr>
+          <p:cNvPr id="3" name="Grafik 2"/>
+          <p:cNvPicPr>
+            <a:picLocks noChangeAspect="1"/>
+          </p:cNvPicPr>
+          <p:nvPr/>
+        </p:nvPicPr>
+        <p:blipFill>
+          <a:blip r:embed="rId3">
+            <a:extLst>
+              <a:ext uri="{28A0092B-C50C-407E-A947-70E740481C1C}">
+                <a14:useLocalDpi xmlns:a14="http://schemas.microsoft.com/office/drawing/2010/main" val="0"/>
+              </a:ext>
+            </a:extLst>
+          </a:blip>
+          <a:stretch>
+            <a:fillRect/>
+          </a:stretch>
+        </p:blipFill>
+        <p:spPr>
+          <a:xfrm>
+            <a:off x="4968044" y="1064271"/>
+            <a:ext cx="739076" cy="739076"/>
+          </a:xfrm>
+          <a:prstGeom prst="rect">
+            <a:avLst/>
+          </a:prstGeom>
+        </p:spPr>
+      </p:pic>
+      <p:pic>
+        <p:nvPicPr>
+          <p:cNvPr id="2050" name="Picture 2" descr="Bildergebnis fÃ¼r youtube png"/>
+          <p:cNvPicPr>
+            <a:picLocks noChangeAspect="1" noChangeArrowheads="1"/>
+          </p:cNvPicPr>
+          <p:nvPr/>
+        </p:nvPicPr>
+        <p:blipFill>
+          <a:blip r:embed="rId4" cstate="print">
+            <a:extLst>
+              <a:ext uri="{28A0092B-C50C-407E-A947-70E740481C1C}">
+                <a14:useLocalDpi xmlns:a14="http://schemas.microsoft.com/office/drawing/2010/main" val="0"/>
+              </a:ext>
+            </a:extLst>
+          </a:blip>
+          <a:srcRect/>
+          <a:stretch>
+            <a:fillRect/>
+          </a:stretch>
+        </p:blipFill>
+        <p:spPr bwMode="auto">
+          <a:xfrm>
+            <a:off x="9268045" y="1126424"/>
+            <a:ext cx="873125" cy="614769"/>
+          </a:xfrm>
+          <a:prstGeom prst="rect">
+            <a:avLst/>
+          </a:prstGeom>
+          <a:noFill/>
+          <a:extLst>
+            <a:ext uri="{909E8E84-426E-40DD-AFC4-6F175D3DCCD1}">
+              <a14:hiddenFill xmlns:a14="http://schemas.microsoft.com/office/drawing/2010/main">
+                <a:solidFill>
+                  <a:srgbClr val="FFFFFF"/>
+                </a:solidFill>
+              </a14:hiddenFill>
+            </a:ext>
+          </a:extLst>
+        </p:spPr>
+      </p:pic>
+      <p:pic>
+        <p:nvPicPr>
+          <p:cNvPr id="5" name="Grafik 4"/>
+          <p:cNvPicPr>
+            <a:picLocks noChangeAspect="1"/>
+          </p:cNvPicPr>
+          <p:nvPr/>
+        </p:nvPicPr>
+        <p:blipFill>
+          <a:blip r:embed="rId5" cstate="print">
+            <a:extLst>
+              <a:ext uri="{28A0092B-C50C-407E-A947-70E740481C1C}">
+                <a14:useLocalDpi xmlns:a14="http://schemas.microsoft.com/office/drawing/2010/main" val="0"/>
+              </a:ext>
+            </a:extLst>
+          </a:blip>
+          <a:stretch>
+            <a:fillRect/>
+          </a:stretch>
+        </p:blipFill>
+        <p:spPr>
+          <a:xfrm>
+            <a:off x="6353252" y="1064271"/>
+            <a:ext cx="350731" cy="350731"/>
+          </a:xfrm>
+          <a:prstGeom prst="rect">
+            <a:avLst/>
+          </a:prstGeom>
+        </p:spPr>
+      </p:pic>
+      <p:cxnSp>
+        <p:nvCxnSpPr>
+          <p:cNvPr id="7" name="Gerade Verbindung mit Pfeil 6"/>
+          <p:cNvCxnSpPr/>
+          <p:nvPr/>
+        </p:nvCxnSpPr>
+        <p:spPr>
+          <a:xfrm>
+            <a:off x="5854263" y="1433808"/>
+            <a:ext cx="3100552" cy="0"/>
+          </a:xfrm>
+          <a:prstGeom prst="straightConnector1">
+            <a:avLst/>
+          </a:prstGeom>
+          <a:ln>
+            <a:prstDash val="sysDash"/>
+            <a:tailEnd type="triangle"/>
+          </a:ln>
+        </p:spPr>
+        <p:style>
+          <a:lnRef idx="3">
+            <a:schemeClr val="dk1"/>
+          </a:lnRef>
+          <a:fillRef idx="0">
+            <a:schemeClr val="dk1"/>
+          </a:fillRef>
+          <a:effectRef idx="2">
+            <a:schemeClr val="dk1"/>
+          </a:effectRef>
+          <a:fontRef idx="minor">
+            <a:schemeClr val="tx1"/>
+          </a:fontRef>
+        </p:style>
+      </p:cxnSp>
+      <p:sp>
+        <p:nvSpPr>
+          <p:cNvPr id="9" name="Textfeld 8"/>
+          <p:cNvSpPr txBox="1"/>
+          <p:nvPr/>
+        </p:nvSpPr>
+        <p:spPr>
+          <a:xfrm>
+            <a:off x="6660806" y="1067202"/>
+            <a:ext cx="1986455" cy="369332"/>
+          </a:xfrm>
+          <a:prstGeom prst="rect">
+            <a:avLst/>
+          </a:prstGeom>
+          <a:noFill/>
+        </p:spPr>
+        <p:txBody>
+          <a:bodyPr wrap="square" rtlCol="0">
+            <a:spAutoFit/>
+          </a:bodyPr>
+          <a:lstStyle/>
+          <a:p>
+            <a:r>
+              <a:rPr lang="de-DE" dirty="0" smtClean="0"/>
+              <a:t>Videosuche</a:t>
+            </a:r>
+            <a:endParaRPr lang="de-DE" dirty="0"/>
+          </a:p>
+        </p:txBody>
+      </p:sp>
+      <p:pic>
+        <p:nvPicPr>
+          <p:cNvPr id="10" name="Grafik 9"/>
+          <p:cNvPicPr>
+            <a:picLocks noChangeAspect="1"/>
+          </p:cNvPicPr>
+          <p:nvPr/>
+        </p:nvPicPr>
+        <p:blipFill>
+          <a:blip r:embed="rId6">
+            <a:extLst>
+              <a:ext uri="{28A0092B-C50C-407E-A947-70E740481C1C}">
+                <a14:useLocalDpi xmlns:a14="http://schemas.microsoft.com/office/drawing/2010/main" val="0"/>
+              </a:ext>
+            </a:extLst>
+          </a:blip>
+          <a:stretch>
+            <a:fillRect/>
+          </a:stretch>
+        </p:blipFill>
+        <p:spPr>
+          <a:xfrm>
+            <a:off x="5097520" y="2568070"/>
+            <a:ext cx="952633" cy="952633"/>
+          </a:xfrm>
+          <a:prstGeom prst="rect">
+            <a:avLst/>
+          </a:prstGeom>
+        </p:spPr>
+      </p:pic>
+      <p:cxnSp>
+        <p:nvCxnSpPr>
+          <p:cNvPr id="12" name="Gerade Verbindung mit Pfeil 11"/>
+          <p:cNvCxnSpPr>
+            <a:endCxn id="10" idx="0"/>
+          </p:cNvCxnSpPr>
+          <p:nvPr/>
+        </p:nvCxnSpPr>
+        <p:spPr>
+          <a:xfrm flipH="1">
+            <a:off x="5573837" y="1801375"/>
+            <a:ext cx="3507102" cy="766695"/>
+          </a:xfrm>
+          <a:prstGeom prst="straightConnector1">
+            <a:avLst/>
+          </a:prstGeom>
+          <a:ln>
+            <a:prstDash val="sysDash"/>
+            <a:tailEnd type="triangle"/>
+          </a:ln>
+        </p:spPr>
+        <p:style>
+          <a:lnRef idx="3">
+            <a:schemeClr val="dk1"/>
+          </a:lnRef>
+          <a:fillRef idx="0">
+            <a:schemeClr val="dk1"/>
+          </a:fillRef>
+          <a:effectRef idx="2">
+            <a:schemeClr val="dk1"/>
+          </a:effectRef>
+          <a:fontRef idx="minor">
+            <a:schemeClr val="tx1"/>
+          </a:fontRef>
+        </p:style>
+      </p:cxnSp>
+      <p:sp>
+        <p:nvSpPr>
+          <p:cNvPr id="17" name="Textfeld 16"/>
+          <p:cNvSpPr txBox="1"/>
+          <p:nvPr/>
+        </p:nvSpPr>
+        <p:spPr>
+          <a:xfrm rot="20810337">
+            <a:off x="6334160" y="1847690"/>
+            <a:ext cx="1986455" cy="369332"/>
+          </a:xfrm>
+          <a:prstGeom prst="rect">
+            <a:avLst/>
+          </a:prstGeom>
+          <a:noFill/>
+        </p:spPr>
+        <p:txBody>
+          <a:bodyPr wrap="square" rtlCol="0">
+            <a:spAutoFit/>
+          </a:bodyPr>
+          <a:lstStyle/>
+          <a:p>
+            <a:r>
+              <a:rPr lang="de-DE" dirty="0" smtClean="0"/>
+              <a:t>Antwort der API</a:t>
+            </a:r>
+            <a:endParaRPr lang="de-DE" dirty="0"/>
+          </a:p>
+        </p:txBody>
+      </p:sp>
+      <p:pic>
+        <p:nvPicPr>
+          <p:cNvPr id="14" name="Grafik 13"/>
+          <p:cNvPicPr>
+            <a:picLocks noChangeAspect="1"/>
+          </p:cNvPicPr>
+          <p:nvPr/>
+        </p:nvPicPr>
+        <p:blipFill>
+          <a:blip r:embed="rId7">
+            <a:extLst>
+              <a:ext uri="{28A0092B-C50C-407E-A947-70E740481C1C}">
+                <a14:useLocalDpi xmlns:a14="http://schemas.microsoft.com/office/drawing/2010/main" val="0"/>
+              </a:ext>
+            </a:extLst>
+          </a:blip>
+          <a:stretch>
+            <a:fillRect/>
+          </a:stretch>
+        </p:blipFill>
+        <p:spPr>
+          <a:xfrm>
+            <a:off x="9303538" y="2643317"/>
+            <a:ext cx="802138" cy="802138"/>
+          </a:xfrm>
+          <a:prstGeom prst="rect">
+            <a:avLst/>
+          </a:prstGeom>
+        </p:spPr>
+      </p:pic>
+      <p:cxnSp>
+        <p:nvCxnSpPr>
+          <p:cNvPr id="20" name="Gerade Verbindung mit Pfeil 19"/>
+          <p:cNvCxnSpPr/>
+          <p:nvPr/>
+        </p:nvCxnSpPr>
+        <p:spPr>
+          <a:xfrm flipV="1">
+            <a:off x="6211615" y="3023325"/>
+            <a:ext cx="2869324" cy="21061"/>
+          </a:xfrm>
+          <a:prstGeom prst="straightConnector1">
+            <a:avLst/>
+          </a:prstGeom>
+          <a:ln>
+            <a:prstDash val="sysDash"/>
+            <a:tailEnd type="triangle"/>
+          </a:ln>
+        </p:spPr>
+        <p:style>
+          <a:lnRef idx="3">
+            <a:schemeClr val="dk1"/>
+          </a:lnRef>
+          <a:fillRef idx="0">
+            <a:schemeClr val="dk1"/>
+          </a:fillRef>
+          <a:effectRef idx="2">
+            <a:schemeClr val="dk1"/>
+          </a:effectRef>
+          <a:fontRef idx="minor">
+            <a:schemeClr val="tx1"/>
+          </a:fontRef>
+        </p:style>
+      </p:cxnSp>
+      <p:sp>
+        <p:nvSpPr>
+          <p:cNvPr id="23" name="Textfeld 22"/>
+          <p:cNvSpPr txBox="1"/>
+          <p:nvPr/>
+        </p:nvSpPr>
+        <p:spPr>
+          <a:xfrm>
+            <a:off x="6577137" y="2729969"/>
+            <a:ext cx="2199416" cy="369332"/>
+          </a:xfrm>
+          <a:prstGeom prst="rect">
+            <a:avLst/>
+          </a:prstGeom>
+          <a:noFill/>
+        </p:spPr>
+        <p:txBody>
+          <a:bodyPr wrap="square" rtlCol="0">
+            <a:spAutoFit/>
+          </a:bodyPr>
+          <a:lstStyle/>
+          <a:p>
+            <a:r>
+              <a:rPr lang="de-DE" dirty="0" smtClean="0"/>
+              <a:t>Ausgewähltes Video</a:t>
+            </a:r>
+            <a:endParaRPr lang="de-DE" dirty="0"/>
+          </a:p>
+        </p:txBody>
+      </p:sp>
+      <p:pic>
+        <p:nvPicPr>
+          <p:cNvPr id="25" name="Grafik 24"/>
+          <p:cNvPicPr>
+            <a:picLocks noChangeAspect="1"/>
+          </p:cNvPicPr>
+          <p:nvPr/>
+        </p:nvPicPr>
+        <p:blipFill>
+          <a:blip r:embed="rId8">
+            <a:extLst>
+              <a:ext uri="{28A0092B-C50C-407E-A947-70E740481C1C}">
+                <a14:useLocalDpi xmlns:a14="http://schemas.microsoft.com/office/drawing/2010/main" val="0"/>
+              </a:ext>
+            </a:extLst>
+          </a:blip>
+          <a:stretch>
+            <a:fillRect/>
+          </a:stretch>
+        </p:blipFill>
+        <p:spPr>
+          <a:xfrm>
+            <a:off x="5097519" y="4676380"/>
+            <a:ext cx="952633" cy="952633"/>
+          </a:xfrm>
+          <a:prstGeom prst="rect">
+            <a:avLst/>
+          </a:prstGeom>
+        </p:spPr>
+      </p:pic>
+      <p:cxnSp>
+        <p:nvCxnSpPr>
+          <p:cNvPr id="27" name="Gerade Verbindung mit Pfeil 26"/>
+          <p:cNvCxnSpPr/>
+          <p:nvPr/>
+        </p:nvCxnSpPr>
+        <p:spPr>
+          <a:xfrm>
+            <a:off x="5546709" y="3520703"/>
+            <a:ext cx="27126" cy="872621"/>
+          </a:xfrm>
+          <a:prstGeom prst="straightConnector1">
+            <a:avLst/>
+          </a:prstGeom>
+          <a:ln>
+            <a:prstDash val="sysDash"/>
+            <a:tailEnd type="triangle"/>
+          </a:ln>
+        </p:spPr>
+        <p:style>
+          <a:lnRef idx="3">
+            <a:schemeClr val="dk1"/>
+          </a:lnRef>
+          <a:fillRef idx="0">
+            <a:schemeClr val="dk1"/>
+          </a:fillRef>
+          <a:effectRef idx="2">
+            <a:schemeClr val="dk1"/>
+          </a:effectRef>
+          <a:fontRef idx="minor">
+            <a:schemeClr val="tx1"/>
+          </a:fontRef>
+        </p:style>
+      </p:cxnSp>
+      <p:cxnSp>
+        <p:nvCxnSpPr>
+          <p:cNvPr id="29" name="Gerade Verbindung mit Pfeil 28"/>
+          <p:cNvCxnSpPr/>
+          <p:nvPr/>
+        </p:nvCxnSpPr>
+        <p:spPr>
+          <a:xfrm flipH="1">
+            <a:off x="6023025" y="3392657"/>
+            <a:ext cx="3057914" cy="1000667"/>
+          </a:xfrm>
+          <a:prstGeom prst="straightConnector1">
+            <a:avLst/>
+          </a:prstGeom>
+          <a:ln>
+            <a:prstDash val="sysDash"/>
+            <a:tailEnd type="triangle"/>
+          </a:ln>
+        </p:spPr>
+        <p:style>
+          <a:lnRef idx="3">
+            <a:schemeClr val="dk1"/>
+          </a:lnRef>
+          <a:fillRef idx="0">
+            <a:schemeClr val="dk1"/>
+          </a:fillRef>
+          <a:effectRef idx="2">
+            <a:schemeClr val="dk1"/>
+          </a:effectRef>
+          <a:fontRef idx="minor">
+            <a:schemeClr val="tx1"/>
+          </a:fontRef>
+        </p:style>
+      </p:cxnSp>
+      <p:sp>
+        <p:nvSpPr>
+          <p:cNvPr id="32" name="Textfeld 31"/>
+          <p:cNvSpPr txBox="1"/>
+          <p:nvPr/>
+        </p:nvSpPr>
+        <p:spPr>
+          <a:xfrm>
+            <a:off x="5682815" y="3850885"/>
+            <a:ext cx="1869167" cy="369332"/>
+          </a:xfrm>
+          <a:prstGeom prst="rect">
+            <a:avLst/>
+          </a:prstGeom>
+          <a:noFill/>
+        </p:spPr>
+        <p:txBody>
+          <a:bodyPr wrap="square" rtlCol="0">
+            <a:spAutoFit/>
+          </a:bodyPr>
+          <a:lstStyle/>
+          <a:p>
+            <a:r>
+              <a:rPr lang="de-DE" dirty="0"/>
+              <a:t>T</a:t>
+            </a:r>
+            <a:r>
+              <a:rPr lang="de-DE" dirty="0" smtClean="0"/>
+              <a:t>rigger</a:t>
+            </a:r>
+            <a:endParaRPr lang="de-DE" dirty="0"/>
+          </a:p>
+        </p:txBody>
+      </p:sp>
+      <p:pic>
+        <p:nvPicPr>
+          <p:cNvPr id="34" name="Grafik 33"/>
+          <p:cNvPicPr>
+            <a:picLocks noChangeAspect="1"/>
+          </p:cNvPicPr>
+          <p:nvPr/>
+        </p:nvPicPr>
+        <p:blipFill>
+          <a:blip r:embed="rId9">
+            <a:extLst>
+              <a:ext uri="{28A0092B-C50C-407E-A947-70E740481C1C}">
+                <a14:useLocalDpi xmlns:a14="http://schemas.microsoft.com/office/drawing/2010/main" val="0"/>
+              </a:ext>
+            </a:extLst>
+          </a:blip>
+          <a:stretch>
+            <a:fillRect/>
+          </a:stretch>
+        </p:blipFill>
+        <p:spPr>
+          <a:xfrm>
+            <a:off x="9314121" y="4676380"/>
+            <a:ext cx="827049" cy="827049"/>
+          </a:xfrm>
+          <a:prstGeom prst="rect">
+            <a:avLst/>
+          </a:prstGeom>
+        </p:spPr>
+      </p:pic>
+      <p:cxnSp>
+        <p:nvCxnSpPr>
+          <p:cNvPr id="37" name="Gerade Verbindung mit Pfeil 36"/>
+          <p:cNvCxnSpPr/>
+          <p:nvPr/>
+        </p:nvCxnSpPr>
+        <p:spPr>
+          <a:xfrm flipV="1">
+            <a:off x="6211615" y="5131635"/>
+            <a:ext cx="2869324" cy="21061"/>
+          </a:xfrm>
+          <a:prstGeom prst="straightConnector1">
+            <a:avLst/>
+          </a:prstGeom>
+          <a:ln>
+            <a:prstDash val="sysDash"/>
+            <a:tailEnd type="triangle"/>
+          </a:ln>
+        </p:spPr>
+        <p:style>
+          <a:lnRef idx="3">
+            <a:schemeClr val="dk1"/>
+          </a:lnRef>
+          <a:fillRef idx="0">
+            <a:schemeClr val="dk1"/>
+          </a:fillRef>
+          <a:effectRef idx="2">
+            <a:schemeClr val="dk1"/>
+          </a:effectRef>
+          <a:fontRef idx="minor">
+            <a:schemeClr val="tx1"/>
+          </a:fontRef>
+        </p:style>
+      </p:cxnSp>
+      <p:sp>
+        <p:nvSpPr>
+          <p:cNvPr id="38" name="Textfeld 37"/>
+          <p:cNvSpPr txBox="1"/>
+          <p:nvPr/>
+        </p:nvSpPr>
+        <p:spPr>
+          <a:xfrm>
+            <a:off x="6660806" y="4783364"/>
+            <a:ext cx="1869167" cy="369332"/>
+          </a:xfrm>
+          <a:prstGeom prst="rect">
+            <a:avLst/>
+          </a:prstGeom>
+          <a:noFill/>
+        </p:spPr>
+        <p:txBody>
+          <a:bodyPr wrap="square" rtlCol="0">
+            <a:spAutoFit/>
+          </a:bodyPr>
+          <a:lstStyle/>
+          <a:p>
+            <a:r>
+              <a:rPr lang="de-DE" dirty="0" err="1" smtClean="0"/>
+              <a:t>Reload</a:t>
+            </a:r>
+            <a:r>
+              <a:rPr lang="de-DE" dirty="0" smtClean="0"/>
+              <a:t> </a:t>
+            </a:r>
+            <a:r>
+              <a:rPr lang="de-DE" dirty="0" err="1" smtClean="0"/>
+              <a:t>playlist</a:t>
+            </a:r>
+            <a:endParaRPr lang="de-DE" dirty="0"/>
+          </a:p>
+        </p:txBody>
+      </p:sp>
+    </p:spTree>
+    <p:extLst>
+      <p:ext uri="{BB962C8B-B14F-4D97-AF65-F5344CB8AC3E}">
+        <p14:creationId xmlns:p14="http://schemas.microsoft.com/office/powerpoint/2010/main" val="1826493433"/>
+      </p:ext>
+    </p:extLst>
+  </p:cSld>
+  <p:clrMapOvr>
+    <a:masterClrMapping/>
+  </p:clrMapOvr>
+  <p:timing>
+    <p:tnLst>
+      <p:par>
+        <p:cTn id="1" dur="indefinite" restart="never" nodeType="tmRoot"/>
+      </p:par>
+    </p:tnLst>
+  </p:timing>
+</p:sld>
+</file>
+
+<file path=ppt/slides/slide13.xml><?xml version="1.0" encoding="utf-8"?>
+<p:sld xmlns:a="http://schemas.openxmlformats.org/drawingml/2006/main" xmlns:r="http://schemas.openxmlformats.org/officeDocument/2006/relationships" xmlns:p="http://schemas.openxmlformats.org/presentationml/2006/main">
+  <p:cSld>
+    <p:bg>
+      <p:bgPr>
+        <a:solidFill>
+          <a:schemeClr val="bg1"/>
+        </a:solidFill>
+        <a:effectLst/>
+      </p:bgPr>
+    </p:bg>
+    <p:spTree>
+      <p:nvGrpSpPr>
+        <p:cNvPr id="1" name=""/>
+        <p:cNvGrpSpPr/>
+        <p:nvPr/>
+      </p:nvGrpSpPr>
+      <p:grpSpPr>
+        <a:xfrm>
+          <a:off x="0" y="0"/>
+          <a:ext cx="0" cy="0"/>
+          <a:chOff x="0" y="0"/>
+          <a:chExt cx="0" cy="0"/>
+        </a:xfrm>
+      </p:grpSpPr>
+      <p:sp>
+        <p:nvSpPr>
+          <p:cNvPr id="24" name="Down Arrow 7">
+            <a:extLst>
+              <a:ext uri="{FF2B5EF4-FFF2-40B4-BE49-F238E27FC236}">
+                <a16:creationId xmlns:a16="http://schemas.microsoft.com/office/drawing/2014/main" xmlns="" id="{B547373F-AF2E-4907-B442-9F902B387FD0}"/>
+              </a:ext>
+              <a:ext uri="{C183D7F6-B498-43B3-948B-1728B52AA6E4}">
+                <adec:decorative xmlns:adec="http://schemas.microsoft.com/office/drawing/2017/decorative" xmlns="" val="1"/>
+              </a:ext>
+            </a:extLst>
+          </p:cNvPr>
+          <p:cNvSpPr>
+            <a:spLocks noGrp="1" noRot="1" noChangeAspect="1" noMove="1" noResize="1" noEditPoints="1" noAdjustHandles="1" noChangeArrowheads="1" noChangeShapeType="1" noTextEdit="1"/>
+          </p:cNvSpPr>
+          <p:nvPr>
+            <p:extLst>
+              <p:ext uri="{386F3935-93C4-4BCD-93E2-E3B085C9AB24}">
+                <p16:designElem xmlns:p16="http://schemas.microsoft.com/office/powerpoint/2015/main" xmlns="" val="1"/>
+              </p:ext>
+            </p:extLst>
+          </p:nvPr>
+        </p:nvSpPr>
+        <p:spPr>
+          <a:xfrm>
+            <a:off x="800100" y="-4763"/>
+            <a:ext cx="3333749" cy="3338514"/>
+          </a:xfrm>
+          <a:prstGeom prst="downArrow">
+            <a:avLst>
+              <a:gd name="adj1" fmla="val 100000"/>
+              <a:gd name="adj2" fmla="val 26890"/>
+            </a:avLst>
+          </a:prstGeom>
+          <a:solidFill>
+            <a:schemeClr val="tx1">
+              <a:lumMod val="85000"/>
+              <a:lumOff val="15000"/>
+            </a:schemeClr>
+          </a:solidFill>
+          <a:ln w="53975">
+            <a:noFill/>
+          </a:ln>
+        </p:spPr>
+        <p:style>
+          <a:lnRef idx="2">
+            <a:schemeClr val="accent1">
+              <a:shade val="50000"/>
+            </a:schemeClr>
+          </a:lnRef>
+          <a:fillRef idx="1">
+            <a:schemeClr val="accent1"/>
+          </a:fillRef>
+          <a:effectRef idx="0">
+            <a:schemeClr val="accent1"/>
+          </a:effectRef>
+          <a:fontRef idx="minor">
+            <a:schemeClr val="lt1"/>
+          </a:fontRef>
+        </p:style>
+        <p:txBody>
+          <a:bodyPr rtlCol="0" anchor="ctr"/>
+          <a:lstStyle/>
+          <a:p>
+            <a:pPr algn="ctr"/>
+            <a:endParaRPr lang="en-US"/>
+          </a:p>
+        </p:txBody>
+      </p:sp>
+      <p:pic>
+        <p:nvPicPr>
+          <p:cNvPr id="19" name="Grafik 18">
+            <a:extLst>
+              <a:ext uri="{FF2B5EF4-FFF2-40B4-BE49-F238E27FC236}">
+                <a16:creationId xmlns:a16="http://schemas.microsoft.com/office/drawing/2014/main" xmlns="" id="{6A0CF42E-C820-4C87-884E-7A7671423EB6}"/>
+              </a:ext>
+            </a:extLst>
+          </p:cNvPr>
+          <p:cNvPicPr>
+            <a:picLocks noChangeAspect="1"/>
+          </p:cNvPicPr>
+          <p:nvPr/>
+        </p:nvPicPr>
+        <p:blipFill>
+          <a:blip r:embed="rId2">
+            <a:extLst>
+              <a:ext uri="{28A0092B-C50C-407E-A947-70E740481C1C}">
+                <a14:useLocalDpi xmlns:a14="http://schemas.microsoft.com/office/drawing/2010/main" val="0"/>
+              </a:ext>
+            </a:extLst>
+          </a:blip>
+          <a:stretch>
+            <a:fillRect/>
+          </a:stretch>
+        </p:blipFill>
+        <p:spPr>
+          <a:xfrm>
+            <a:off x="282103" y="5937198"/>
+            <a:ext cx="992830" cy="671209"/>
+          </a:xfrm>
+          <a:prstGeom prst="rect">
+            <a:avLst/>
+          </a:prstGeom>
+        </p:spPr>
+      </p:pic>
+      <p:sp>
+        <p:nvSpPr>
+          <p:cNvPr id="2" name="Titel 1">
+            <a:extLst>
+              <a:ext uri="{FF2B5EF4-FFF2-40B4-BE49-F238E27FC236}">
+                <a16:creationId xmlns:a16="http://schemas.microsoft.com/office/drawing/2014/main" xmlns="" id="{2739BE3E-CAB9-4698-9CD4-9384CBCC5931}"/>
+              </a:ext>
+            </a:extLst>
+          </p:cNvPr>
+          <p:cNvSpPr>
+            <a:spLocks noGrp="1"/>
+          </p:cNvSpPr>
+          <p:nvPr>
+            <p:ph type="title"/>
+          </p:nvPr>
+        </p:nvSpPr>
+        <p:spPr>
+          <a:xfrm>
+            <a:off x="1028700" y="190501"/>
+            <a:ext cx="2886075" cy="2486024"/>
+          </a:xfrm>
+          <a:noFill/>
+        </p:spPr>
+        <p:txBody>
+          <a:bodyPr anchor="ctr">
+            <a:normAutofit/>
+          </a:bodyPr>
+          <a:lstStyle/>
+          <a:p>
+            <a:pPr algn="ctr"/>
+            <a:r>
+              <a:rPr lang="de-DE" sz="3600" dirty="0" smtClean="0">
+                <a:solidFill>
+                  <a:schemeClr val="bg1"/>
+                </a:solidFill>
+              </a:rPr>
+              <a:t>VI. Ausblick</a:t>
+            </a:r>
+            <a:endParaRPr lang="de-DE" sz="3600" dirty="0">
+              <a:solidFill>
+                <a:schemeClr val="bg1"/>
+              </a:solidFill>
+            </a:endParaRPr>
+          </a:p>
+        </p:txBody>
+      </p:sp>
+      <p:sp>
+        <p:nvSpPr>
+          <p:cNvPr id="3" name="Textfeld 2"/>
+          <p:cNvSpPr txBox="1"/>
+          <p:nvPr/>
+        </p:nvSpPr>
+        <p:spPr>
+          <a:xfrm>
+            <a:off x="5328745" y="1008621"/>
+            <a:ext cx="7168055" cy="3785652"/>
+          </a:xfrm>
+          <a:prstGeom prst="rect">
+            <a:avLst/>
+          </a:prstGeom>
+          <a:noFill/>
+        </p:spPr>
+        <p:txBody>
+          <a:bodyPr wrap="square" rtlCol="0">
+            <a:spAutoFit/>
+          </a:bodyPr>
+          <a:lstStyle/>
+          <a:p>
+            <a:pPr>
+              <a:lnSpc>
+                <a:spcPct val="200000"/>
+              </a:lnSpc>
+            </a:pPr>
+            <a:r>
+              <a:rPr lang="de-DE" sz="2400" dirty="0" smtClean="0"/>
+              <a:t>Privilegien(Rechtevergabe)</a:t>
+            </a:r>
+          </a:p>
+          <a:p>
+            <a:pPr>
+              <a:lnSpc>
+                <a:spcPct val="200000"/>
+              </a:lnSpc>
+            </a:pPr>
+            <a:r>
+              <a:rPr lang="de-DE" sz="2400" dirty="0" smtClean="0"/>
+              <a:t>Mobile Version</a:t>
+            </a:r>
+          </a:p>
+          <a:p>
+            <a:pPr>
+              <a:lnSpc>
+                <a:spcPct val="200000"/>
+              </a:lnSpc>
+            </a:pPr>
+            <a:r>
+              <a:rPr lang="de-DE" sz="2400" dirty="0" smtClean="0"/>
+              <a:t>Implementierung anderer </a:t>
+            </a:r>
+            <a:r>
+              <a:rPr lang="de-DE" sz="2400" dirty="0" err="1" smtClean="0"/>
+              <a:t>API´s</a:t>
+            </a:r>
+            <a:r>
+              <a:rPr lang="de-DE" sz="2400" dirty="0" smtClean="0"/>
+              <a:t> für die Wiedergabe</a:t>
+            </a:r>
+          </a:p>
+          <a:p>
+            <a:pPr>
+              <a:lnSpc>
+                <a:spcPct val="200000"/>
+              </a:lnSpc>
+            </a:pPr>
+            <a:r>
+              <a:rPr lang="de-DE" sz="2400" dirty="0" smtClean="0"/>
+              <a:t>Emoticons im Chat</a:t>
+            </a:r>
+          </a:p>
+          <a:p>
+            <a:pPr fontAlgn="t">
+              <a:lnSpc>
+                <a:spcPct val="200000"/>
+              </a:lnSpc>
+            </a:pPr>
+            <a:r>
+              <a:rPr lang="de-DE" sz="2400" dirty="0"/>
+              <a:t>Unterstützung für </a:t>
+            </a:r>
+            <a:r>
+              <a:rPr lang="de-DE" sz="2400" dirty="0" smtClean="0"/>
+              <a:t>Webcams</a:t>
+            </a:r>
+            <a:endParaRPr lang="de-DE" sz="2400" dirty="0"/>
+          </a:p>
+        </p:txBody>
+      </p:sp>
+      <p:pic>
+        <p:nvPicPr>
+          <p:cNvPr id="5" name="Grafik 4"/>
+          <p:cNvPicPr>
+            <a:picLocks noChangeAspect="1"/>
+          </p:cNvPicPr>
+          <p:nvPr/>
+        </p:nvPicPr>
+        <p:blipFill>
+          <a:blip r:embed="rId3">
+            <a:extLst>
+              <a:ext uri="{28A0092B-C50C-407E-A947-70E740481C1C}">
+                <a14:useLocalDpi xmlns:a14="http://schemas.microsoft.com/office/drawing/2010/main" val="0"/>
+              </a:ext>
+            </a:extLst>
+          </a:blip>
+          <a:stretch>
+            <a:fillRect/>
+          </a:stretch>
+        </p:blipFill>
+        <p:spPr>
+          <a:xfrm>
+            <a:off x="4873188" y="1311035"/>
+            <a:ext cx="472966" cy="472966"/>
+          </a:xfrm>
+          <a:prstGeom prst="rect">
+            <a:avLst/>
+          </a:prstGeom>
+        </p:spPr>
+      </p:pic>
+      <p:pic>
+        <p:nvPicPr>
+          <p:cNvPr id="6" name="Grafik 5"/>
+          <p:cNvPicPr>
+            <a:picLocks noChangeAspect="1"/>
+          </p:cNvPicPr>
+          <p:nvPr/>
+        </p:nvPicPr>
+        <p:blipFill>
+          <a:blip r:embed="rId4">
+            <a:extLst>
+              <a:ext uri="{28A0092B-C50C-407E-A947-70E740481C1C}">
+                <a14:useLocalDpi xmlns:a14="http://schemas.microsoft.com/office/drawing/2010/main" val="0"/>
+              </a:ext>
+            </a:extLst>
+          </a:blip>
+          <a:stretch>
+            <a:fillRect/>
+          </a:stretch>
+        </p:blipFill>
+        <p:spPr>
+          <a:xfrm>
+            <a:off x="4871157" y="2002525"/>
+            <a:ext cx="457588" cy="457588"/>
+          </a:xfrm>
+          <a:prstGeom prst="rect">
+            <a:avLst/>
+          </a:prstGeom>
+        </p:spPr>
+      </p:pic>
+      <p:pic>
+        <p:nvPicPr>
+          <p:cNvPr id="7" name="Grafik 6"/>
+          <p:cNvPicPr>
+            <a:picLocks noChangeAspect="1"/>
+          </p:cNvPicPr>
+          <p:nvPr/>
+        </p:nvPicPr>
+        <p:blipFill>
+          <a:blip r:embed="rId5">
+            <a:extLst>
+              <a:ext uri="{28A0092B-C50C-407E-A947-70E740481C1C}">
+                <a14:useLocalDpi xmlns:a14="http://schemas.microsoft.com/office/drawing/2010/main" val="0"/>
+              </a:ext>
+            </a:extLst>
+          </a:blip>
+          <a:stretch>
+            <a:fillRect/>
+          </a:stretch>
+        </p:blipFill>
+        <p:spPr>
+          <a:xfrm>
+            <a:off x="4844747" y="2700377"/>
+            <a:ext cx="501407" cy="501407"/>
+          </a:xfrm>
+          <a:prstGeom prst="rect">
+            <a:avLst/>
+          </a:prstGeom>
+        </p:spPr>
+      </p:pic>
+      <p:pic>
+        <p:nvPicPr>
+          <p:cNvPr id="8" name="Grafik 7"/>
+          <p:cNvPicPr>
+            <a:picLocks noChangeAspect="1"/>
+          </p:cNvPicPr>
+          <p:nvPr/>
+        </p:nvPicPr>
+        <p:blipFill>
+          <a:blip r:embed="rId6">
+            <a:extLst>
+              <a:ext uri="{28A0092B-C50C-407E-A947-70E740481C1C}">
+                <a14:useLocalDpi xmlns:a14="http://schemas.microsoft.com/office/drawing/2010/main" val="0"/>
+              </a:ext>
+            </a:extLst>
+          </a:blip>
+          <a:stretch>
+            <a:fillRect/>
+          </a:stretch>
+        </p:blipFill>
+        <p:spPr>
+          <a:xfrm>
+            <a:off x="4871157" y="3442048"/>
+            <a:ext cx="473744" cy="473744"/>
+          </a:xfrm>
+          <a:prstGeom prst="rect">
+            <a:avLst/>
+          </a:prstGeom>
+        </p:spPr>
+      </p:pic>
+      <p:pic>
+        <p:nvPicPr>
+          <p:cNvPr id="9" name="Grafik 8"/>
+          <p:cNvPicPr>
+            <a:picLocks noChangeAspect="1"/>
+          </p:cNvPicPr>
+          <p:nvPr/>
+        </p:nvPicPr>
+        <p:blipFill>
+          <a:blip r:embed="rId7">
+            <a:extLst>
+              <a:ext uri="{28A0092B-C50C-407E-A947-70E740481C1C}">
+                <a14:useLocalDpi xmlns:a14="http://schemas.microsoft.com/office/drawing/2010/main" val="0"/>
+              </a:ext>
+            </a:extLst>
+          </a:blip>
+          <a:stretch>
+            <a:fillRect/>
+          </a:stretch>
+        </p:blipFill>
+        <p:spPr>
+          <a:xfrm>
+            <a:off x="4887313" y="4228023"/>
+            <a:ext cx="457588" cy="457588"/>
+          </a:xfrm>
+          <a:prstGeom prst="rect">
+            <a:avLst/>
+          </a:prstGeom>
+        </p:spPr>
+      </p:pic>
+    </p:spTree>
+    <p:extLst>
+      <p:ext uri="{BB962C8B-B14F-4D97-AF65-F5344CB8AC3E}">
+        <p14:creationId xmlns:p14="http://schemas.microsoft.com/office/powerpoint/2010/main" val="148812936"/>
+      </p:ext>
+    </p:extLst>
+  </p:cSld>
+  <p:clrMapOvr>
+    <a:masterClrMapping/>
+  </p:clrMapOvr>
+  <p:timing>
+    <p:tnLst>
+      <p:par>
+        <p:cTn id="1" dur="indefinite" restart="never" nodeType="tmRoot"/>
+      </p:par>
+    </p:tnLst>
+  </p:timing>
+</p:sld>
+</file>
+
+<file path=ppt/slides/slide14.xml><?xml version="1.0" encoding="utf-8"?>
+<p:sld xmlns:a="http://schemas.openxmlformats.org/drawingml/2006/main" xmlns:r="http://schemas.openxmlformats.org/officeDocument/2006/relationships" xmlns:p="http://schemas.openxmlformats.org/presentationml/2006/main">
+  <p:cSld>
+    <p:bg>
+      <p:bgPr>
+        <a:solidFill>
+          <a:schemeClr val="bg1"/>
+        </a:solidFill>
+        <a:effectLst/>
+      </p:bgPr>
+    </p:bg>
+    <p:spTree>
+      <p:nvGrpSpPr>
+        <p:cNvPr id="1" name=""/>
+        <p:cNvGrpSpPr/>
+        <p:nvPr/>
+      </p:nvGrpSpPr>
+      <p:grpSpPr>
+        <a:xfrm>
+          <a:off x="0" y="0"/>
+          <a:ext cx="0" cy="0"/>
+          <a:chOff x="0" y="0"/>
+          <a:chExt cx="0" cy="0"/>
+        </a:xfrm>
+      </p:grpSpPr>
+      <p:sp>
+        <p:nvSpPr>
+          <p:cNvPr id="116" name="Down Arrow 7">
+            <a:extLst>
+              <a:ext uri="{FF2B5EF4-FFF2-40B4-BE49-F238E27FC236}">
+                <a16:creationId xmlns:a16="http://schemas.microsoft.com/office/drawing/2014/main" xmlns="" id="{B547373F-AF2E-4907-B442-9F902B387FD0}"/>
+              </a:ext>
+              <a:ext uri="{C183D7F6-B498-43B3-948B-1728B52AA6E4}">
+                <adec:decorative xmlns:adec="http://schemas.microsoft.com/office/drawing/2017/decorative" xmlns="" val="1"/>
+              </a:ext>
+            </a:extLst>
+          </p:cNvPr>
+          <p:cNvSpPr>
+            <a:spLocks noGrp="1" noRot="1" noChangeAspect="1" noMove="1" noResize="1" noEditPoints="1" noAdjustHandles="1" noChangeArrowheads="1" noChangeShapeType="1" noTextEdit="1"/>
+          </p:cNvSpPr>
+          <p:nvPr>
+            <p:extLst>
+              <p:ext uri="{386F3935-93C4-4BCD-93E2-E3B085C9AB24}">
+                <p16:designElem xmlns:p16="http://schemas.microsoft.com/office/powerpoint/2015/main" xmlns="" val="1"/>
               </p:ext>
             </p:extLst>
           </p:nvPr>
@@ -16781,7 +19008,7 @@
           <p:cNvPr id="111" name="Inhaltsplatzhalter 2">
             <a:extLst>
               <a:ext uri="{FF2B5EF4-FFF2-40B4-BE49-F238E27FC236}">
-                <a16:creationId xmlns:a16="http://schemas.microsoft.com/office/drawing/2014/main" id="{DFED6985-E05C-5442-8D81-240D91D1C65A}"/>
+                <a16:creationId xmlns:a16="http://schemas.microsoft.com/office/drawing/2014/main" xmlns="" id="{DFED6985-E05C-5442-8D81-240D91D1C65A}"/>
               </a:ext>
             </a:extLst>
           </p:cNvPr>
@@ -16984,7 +19211,7 @@
           <p:cNvPr id="7" name="Grafik 6">
             <a:extLst>
               <a:ext uri="{FF2B5EF4-FFF2-40B4-BE49-F238E27FC236}">
-                <a16:creationId xmlns:a16="http://schemas.microsoft.com/office/drawing/2014/main" id="{7A887C29-BDDD-470A-A266-BBA08FA64108}"/>
+                <a16:creationId xmlns:a16="http://schemas.microsoft.com/office/drawing/2014/main" xmlns="" id="{7A887C29-BDDD-470A-A266-BBA08FA64108}"/>
               </a:ext>
             </a:extLst>
           </p:cNvPr>
@@ -17020,7 +19247,7 @@
           <p:cNvPr id="6" name="Titel 5">
             <a:extLst>
               <a:ext uri="{FF2B5EF4-FFF2-40B4-BE49-F238E27FC236}">
-                <a16:creationId xmlns:a16="http://schemas.microsoft.com/office/drawing/2014/main" id="{97D4CC26-A6D9-44D5-BE51-0167991D4E18}"/>
+                <a16:creationId xmlns:a16="http://schemas.microsoft.com/office/drawing/2014/main" xmlns="" id="{97D4CC26-A6D9-44D5-BE51-0167991D4E18}"/>
               </a:ext>
             </a:extLst>
           </p:cNvPr>
@@ -17046,26 +19273,29 @@
           <a:p>
             <a:pPr algn="ctr"/>
             <a:r>
-              <a:rPr lang="en-US" sz="3600" dirty="0">
+              <a:rPr lang="en-US" sz="3600" dirty="0" smtClean="0">
                 <a:solidFill>
                   <a:schemeClr val="bg1"/>
                 </a:solidFill>
               </a:rPr>
-              <a:t>IV. </a:t>
+              <a:t>VII</a:t>
             </a:r>
             <a:r>
-              <a:rPr lang="en-US" sz="3600" dirty="0" err="1">
+              <a:rPr lang="en-US" sz="3600" dirty="0" smtClean="0">
+                <a:solidFill>
+                  <a:schemeClr val="bg1"/>
+                </a:solidFill>
+              </a:rPr>
+              <a:t>. </a:t>
+            </a:r>
+            <a:r>
+              <a:rPr lang="en-US" sz="3600" dirty="0">
                 <a:solidFill>
                   <a:schemeClr val="bg1"/>
                 </a:solidFill>
               </a:rPr>
               <a:t>Fazit</a:t>
             </a:r>
-            <a:endParaRPr lang="en-US" sz="3600" dirty="0">
-              <a:solidFill>
-                <a:schemeClr val="bg1"/>
-              </a:solidFill>
-            </a:endParaRPr>
           </a:p>
         </p:txBody>
       </p:sp>
@@ -17074,7 +19304,7 @@
           <p:cNvPr id="8" name="Inhaltsplatzhalter 2">
             <a:extLst>
               <a:ext uri="{FF2B5EF4-FFF2-40B4-BE49-F238E27FC236}">
-                <a16:creationId xmlns:a16="http://schemas.microsoft.com/office/drawing/2014/main" id="{7003E075-98FD-4D24-9416-AC73CBE803DB}"/>
+                <a16:creationId xmlns:a16="http://schemas.microsoft.com/office/drawing/2014/main" xmlns="" id="{7003E075-98FD-4D24-9416-AC73CBE803DB}"/>
               </a:ext>
             </a:extLst>
           </p:cNvPr>
@@ -17282,7 +19512,7 @@
           <p:cNvPr id="9" name="Inhaltsplatzhalter 3">
             <a:extLst>
               <a:ext uri="{FF2B5EF4-FFF2-40B4-BE49-F238E27FC236}">
-                <a16:creationId xmlns:a16="http://schemas.microsoft.com/office/drawing/2014/main" id="{F88ECA09-A8F2-4BDB-9617-2541072D9236}"/>
+                <a16:creationId xmlns:a16="http://schemas.microsoft.com/office/drawing/2014/main" xmlns="" id="{F88ECA09-A8F2-4BDB-9617-2541072D9236}"/>
               </a:ext>
             </a:extLst>
           </p:cNvPr>
@@ -17491,7 +19721,7 @@
           <p:cNvPr id="10" name="Inhaltsplatzhalter 2">
             <a:extLst>
               <a:ext uri="{FF2B5EF4-FFF2-40B4-BE49-F238E27FC236}">
-                <a16:creationId xmlns:a16="http://schemas.microsoft.com/office/drawing/2014/main" id="{DE6EF24E-B70D-42AF-A95E-39833628D6F4}"/>
+                <a16:creationId xmlns:a16="http://schemas.microsoft.com/office/drawing/2014/main" xmlns="" id="{DE6EF24E-B70D-42AF-A95E-39833628D6F4}"/>
               </a:ext>
             </a:extLst>
           </p:cNvPr>
@@ -17699,7 +19929,7 @@
           <p:cNvPr id="4" name="Grafik 3">
             <a:extLst>
               <a:ext uri="{FF2B5EF4-FFF2-40B4-BE49-F238E27FC236}">
-                <a16:creationId xmlns:a16="http://schemas.microsoft.com/office/drawing/2014/main" id="{1A5A34A1-6E42-4F94-9CF9-F4BB69F5D66D}"/>
+                <a16:creationId xmlns:a16="http://schemas.microsoft.com/office/drawing/2014/main" xmlns="" id="{1A5A34A1-6E42-4F94-9CF9-F4BB69F5D66D}"/>
               </a:ext>
             </a:extLst>
           </p:cNvPr>
@@ -17735,7 +19965,7 @@
           <p:cNvPr id="11" name="Grafik 10">
             <a:extLst>
               <a:ext uri="{FF2B5EF4-FFF2-40B4-BE49-F238E27FC236}">
-                <a16:creationId xmlns:a16="http://schemas.microsoft.com/office/drawing/2014/main" id="{9EAE4F7A-0446-4343-819D-3C60C12C670C}"/>
+                <a16:creationId xmlns:a16="http://schemas.microsoft.com/office/drawing/2014/main" xmlns="" id="{9EAE4F7A-0446-4343-819D-3C60C12C670C}"/>
               </a:ext>
             </a:extLst>
           </p:cNvPr>
@@ -17771,7 +20001,7 @@
           <p:cNvPr id="13" name="Grafik 12">
             <a:extLst>
               <a:ext uri="{FF2B5EF4-FFF2-40B4-BE49-F238E27FC236}">
-                <a16:creationId xmlns:a16="http://schemas.microsoft.com/office/drawing/2014/main" id="{40F7AB82-BA20-44B1-84F7-5C73F6161B51}"/>
+                <a16:creationId xmlns:a16="http://schemas.microsoft.com/office/drawing/2014/main" xmlns="" id="{40F7AB82-BA20-44B1-84F7-5C73F6161B51}"/>
               </a:ext>
             </a:extLst>
           </p:cNvPr>
@@ -17802,6 +20032,204 @@
           </a:prstGeom>
         </p:spPr>
       </p:pic>
+      <p:sp>
+        <p:nvSpPr>
+          <p:cNvPr id="2" name="Textfeld 1">
+            <a:extLst>
+              <a:ext uri="{FF2B5EF4-FFF2-40B4-BE49-F238E27FC236}">
+                <a16:creationId xmlns:a16="http://schemas.microsoft.com/office/drawing/2014/main" xmlns="" id="{9E2D1883-817E-498B-8C99-B0DB64BFC8F8}"/>
+              </a:ext>
+            </a:extLst>
+          </p:cNvPr>
+          <p:cNvSpPr txBox="1"/>
+          <p:nvPr/>
+        </p:nvSpPr>
+        <p:spPr>
+          <a:xfrm>
+            <a:off x="6805289" y="4829212"/>
+            <a:ext cx="5181600" cy="646331"/>
+          </a:xfrm>
+          <a:prstGeom prst="rect">
+            <a:avLst/>
+          </a:prstGeom>
+          <a:noFill/>
+        </p:spPr>
+        <p:txBody>
+          <a:bodyPr wrap="square" rtlCol="0">
+            <a:spAutoFit/>
+          </a:bodyPr>
+          <a:lstStyle/>
+          <a:p>
+            <a:pPr marL="285750" indent="-285750">
+              <a:buFont typeface="Arial" panose="020B0604020202020204" pitchFamily="34" charset="0"/>
+              <a:buChar char="•"/>
+            </a:pPr>
+            <a:r>
+              <a:rPr lang="de-DE" dirty="0"/>
+              <a:t>Einarbeitung in </a:t>
+            </a:r>
+            <a:r>
+              <a:rPr lang="de-DE" dirty="0" smtClean="0"/>
+              <a:t>Technologien</a:t>
+            </a:r>
+          </a:p>
+          <a:p>
+            <a:pPr marL="285750" indent="-285750">
+              <a:buFont typeface="Arial" panose="020B0604020202020204" pitchFamily="34" charset="0"/>
+              <a:buChar char="•"/>
+            </a:pPr>
+            <a:r>
+              <a:rPr lang="de-DE" dirty="0" smtClean="0"/>
+              <a:t>Nachbereiten des Codes</a:t>
+            </a:r>
+            <a:endParaRPr lang="de-DE" dirty="0"/>
+          </a:p>
+        </p:txBody>
+      </p:sp>
+      <p:sp>
+        <p:nvSpPr>
+          <p:cNvPr id="3" name="Textfeld 2">
+            <a:extLst>
+              <a:ext uri="{FF2B5EF4-FFF2-40B4-BE49-F238E27FC236}">
+                <a16:creationId xmlns:a16="http://schemas.microsoft.com/office/drawing/2014/main" xmlns="" id="{534F31D1-A9BE-49BE-9A68-B53AAAB4512C}"/>
+              </a:ext>
+            </a:extLst>
+          </p:cNvPr>
+          <p:cNvSpPr txBox="1"/>
+          <p:nvPr/>
+        </p:nvSpPr>
+        <p:spPr>
+          <a:xfrm>
+            <a:off x="6805289" y="1752600"/>
+            <a:ext cx="5181600" cy="1200329"/>
+          </a:xfrm>
+          <a:prstGeom prst="rect">
+            <a:avLst/>
+          </a:prstGeom>
+          <a:noFill/>
+        </p:spPr>
+        <p:txBody>
+          <a:bodyPr wrap="square" rtlCol="0">
+            <a:spAutoFit/>
+          </a:bodyPr>
+          <a:lstStyle/>
+          <a:p>
+            <a:pPr marL="285750" indent="-285750">
+              <a:buFont typeface="Arial" panose="020B0604020202020204" pitchFamily="34" charset="0"/>
+              <a:buChar char="•"/>
+            </a:pPr>
+            <a:r>
+              <a:rPr lang="de-DE" dirty="0"/>
+              <a:t>Umsetzung der </a:t>
+            </a:r>
+            <a:r>
+              <a:rPr lang="de-DE" dirty="0" smtClean="0"/>
+              <a:t>Aufgabe</a:t>
+            </a:r>
+          </a:p>
+          <a:p>
+            <a:pPr marL="285750" indent="-285750">
+              <a:buFont typeface="Arial" panose="020B0604020202020204" pitchFamily="34" charset="0"/>
+              <a:buChar char="•"/>
+            </a:pPr>
+            <a:r>
+              <a:rPr lang="de-DE" dirty="0" smtClean="0"/>
+              <a:t>Absprachen</a:t>
+            </a:r>
+          </a:p>
+          <a:p>
+            <a:pPr marL="285750" indent="-285750">
+              <a:buFont typeface="Arial" panose="020B0604020202020204" pitchFamily="34" charset="0"/>
+              <a:buChar char="•"/>
+            </a:pPr>
+            <a:r>
+              <a:rPr lang="de-DE" dirty="0" smtClean="0"/>
+              <a:t>Ehrgeiz im Team</a:t>
+            </a:r>
+          </a:p>
+          <a:p>
+            <a:pPr marL="285750" indent="-285750">
+              <a:buFont typeface="Arial" panose="020B0604020202020204" pitchFamily="34" charset="0"/>
+              <a:buChar char="•"/>
+            </a:pPr>
+            <a:r>
+              <a:rPr lang="de-DE" dirty="0" smtClean="0"/>
+              <a:t>Neue Technologien kennengelernt</a:t>
+            </a:r>
+          </a:p>
+        </p:txBody>
+      </p:sp>
+      <p:sp>
+        <p:nvSpPr>
+          <p:cNvPr id="5" name="Textfeld 4">
+            <a:extLst>
+              <a:ext uri="{FF2B5EF4-FFF2-40B4-BE49-F238E27FC236}">
+                <a16:creationId xmlns:a16="http://schemas.microsoft.com/office/drawing/2014/main" xmlns="" id="{0424897C-689E-4630-A842-34F2020AA909}"/>
+              </a:ext>
+            </a:extLst>
+          </p:cNvPr>
+          <p:cNvSpPr txBox="1"/>
+          <p:nvPr/>
+        </p:nvSpPr>
+        <p:spPr>
+          <a:xfrm>
+            <a:off x="1419713" y="4953000"/>
+            <a:ext cx="5181600" cy="923330"/>
+          </a:xfrm>
+          <a:prstGeom prst="rect">
+            <a:avLst/>
+          </a:prstGeom>
+          <a:noFill/>
+        </p:spPr>
+        <p:txBody>
+          <a:bodyPr wrap="square" rtlCol="0">
+            <a:spAutoFit/>
+          </a:bodyPr>
+          <a:lstStyle/>
+          <a:p>
+            <a:pPr marL="285750" indent="-285750">
+              <a:buFont typeface="Arial" panose="020B0604020202020204" pitchFamily="34" charset="0"/>
+              <a:buChar char="•"/>
+            </a:pPr>
+            <a:r>
+              <a:rPr lang="de-DE" dirty="0"/>
+              <a:t>Gemeinsam Technologien </a:t>
+            </a:r>
+            <a:r>
+              <a:rPr lang="de-DE" dirty="0" smtClean="0"/>
+              <a:t>bestimmen</a:t>
+            </a:r>
+          </a:p>
+          <a:p>
+            <a:pPr marL="285750" indent="-285750">
+              <a:buFont typeface="Arial" panose="020B0604020202020204" pitchFamily="34" charset="0"/>
+              <a:buChar char="•"/>
+            </a:pPr>
+            <a:r>
+              <a:rPr lang="de-DE" dirty="0" smtClean="0"/>
+              <a:t>Nicht auf fertige </a:t>
+            </a:r>
+            <a:r>
+              <a:rPr lang="de-DE" dirty="0"/>
+              <a:t>P</a:t>
+            </a:r>
+            <a:r>
+              <a:rPr lang="de-DE" dirty="0" smtClean="0"/>
+              <a:t>akete verlassen</a:t>
+            </a:r>
+          </a:p>
+          <a:p>
+            <a:pPr marL="285750" indent="-285750">
+              <a:buFont typeface="Arial" panose="020B0604020202020204" pitchFamily="34" charset="0"/>
+              <a:buChar char="•"/>
+            </a:pPr>
+            <a:r>
+              <a:rPr lang="de-DE" dirty="0" smtClean="0"/>
+              <a:t>Vorher Coderichtlinien festlegen</a:t>
+            </a:r>
+          </a:p>
+        </p:txBody>
+      </p:sp>
     </p:spTree>
     <p:extLst>
       <p:ext uri="{BB962C8B-B14F-4D97-AF65-F5344CB8AC3E}">
@@ -17812,10 +20240,17 @@
   <p:clrMapOvr>
     <a:masterClrMapping/>
   </p:clrMapOvr>
+  <p:timing>
+    <p:tnLst>
+      <p:par>
+        <p:cTn id="1" dur="indefinite" restart="never" nodeType="tmRoot"/>
+      </p:par>
+    </p:tnLst>
+  </p:timing>
 </p:sld>
 </file>
 
-<file path=ppt/slides/slide13.xml><?xml version="1.0" encoding="utf-8"?>
+<file path=ppt/slides/slide15.xml><?xml version="1.0" encoding="utf-8"?>
 <p:sld xmlns:a="http://schemas.openxmlformats.org/drawingml/2006/main" xmlns:r="http://schemas.openxmlformats.org/officeDocument/2006/relationships" xmlns:p="http://schemas.openxmlformats.org/presentationml/2006/main">
   <p:cSld>
     <p:bg>
@@ -17848,10 +20283,10 @@
           <p:cNvPr id="121" name="Freeform: Shape 120">
             <a:extLst>
               <a:ext uri="{FF2B5EF4-FFF2-40B4-BE49-F238E27FC236}">
-                <a16:creationId xmlns:a16="http://schemas.microsoft.com/office/drawing/2014/main" id="{92AA2300-0FA6-4328-9BD8-1D67925C0BD6}"/>
+                <a16:creationId xmlns:a16="http://schemas.microsoft.com/office/drawing/2014/main" xmlns="" id="{92AA2300-0FA6-4328-9BD8-1D67925C0BD6}"/>
               </a:ext>
               <a:ext uri="{C183D7F6-B498-43B3-948B-1728B52AA6E4}">
-                <adec:decorative xmlns:adec="http://schemas.microsoft.com/office/drawing/2017/decorative" val="1"/>
+                <adec:decorative xmlns:adec="http://schemas.microsoft.com/office/drawing/2017/decorative" xmlns="" val="1"/>
               </a:ext>
             </a:extLst>
           </p:cNvPr>
@@ -17861,7 +20296,7 @@
           <p:nvPr>
             <p:extLst>
               <p:ext uri="{386F3935-93C4-4BCD-93E2-E3B085C9AB24}">
-                <p16:designElem xmlns:p16="http://schemas.microsoft.com/office/powerpoint/2015/main" val="1"/>
+                <p16:designElem xmlns:p16="http://schemas.microsoft.com/office/powerpoint/2015/main" xmlns="" val="1"/>
               </p:ext>
             </p:extLst>
           </p:nvPr>
@@ -18019,10 +20454,10 @@
           <p:cNvPr id="123" name="Freeform: Shape 122">
             <a:extLst>
               <a:ext uri="{FF2B5EF4-FFF2-40B4-BE49-F238E27FC236}">
-                <a16:creationId xmlns:a16="http://schemas.microsoft.com/office/drawing/2014/main" id="{D3E1FE85-D0BF-41D3-8B85-04776368E1F0}"/>
+                <a16:creationId xmlns:a16="http://schemas.microsoft.com/office/drawing/2014/main" xmlns="" id="{D3E1FE85-D0BF-41D3-8B85-04776368E1F0}"/>
               </a:ext>
               <a:ext uri="{C183D7F6-B498-43B3-948B-1728B52AA6E4}">
-                <adec:decorative xmlns:adec="http://schemas.microsoft.com/office/drawing/2017/decorative" val="1"/>
+                <adec:decorative xmlns:adec="http://schemas.microsoft.com/office/drawing/2017/decorative" xmlns="" val="1"/>
               </a:ext>
             </a:extLst>
           </p:cNvPr>
@@ -18032,7 +20467,7 @@
           <p:nvPr>
             <p:extLst>
               <p:ext uri="{386F3935-93C4-4BCD-93E2-E3B085C9AB24}">
-                <p16:designElem xmlns:p16="http://schemas.microsoft.com/office/powerpoint/2015/main" val="1"/>
+                <p16:designElem xmlns:p16="http://schemas.microsoft.com/office/powerpoint/2015/main" xmlns="" val="1"/>
               </p:ext>
             </p:extLst>
           </p:nvPr>
@@ -18186,10 +20621,10 @@
           <p:cNvPr id="125" name="Freeform: Shape 124">
             <a:extLst>
               <a:ext uri="{FF2B5EF4-FFF2-40B4-BE49-F238E27FC236}">
-                <a16:creationId xmlns:a16="http://schemas.microsoft.com/office/drawing/2014/main" id="{F2E5A8E1-2A22-48D0-9556-E21648FA1EAC}"/>
+                <a16:creationId xmlns:a16="http://schemas.microsoft.com/office/drawing/2014/main" xmlns="" id="{F2E5A8E1-2A22-48D0-9556-E21648FA1EAC}"/>
               </a:ext>
               <a:ext uri="{C183D7F6-B498-43B3-948B-1728B52AA6E4}">
-                <adec:decorative xmlns:adec="http://schemas.microsoft.com/office/drawing/2017/decorative" val="1"/>
+                <adec:decorative xmlns:adec="http://schemas.microsoft.com/office/drawing/2017/decorative" xmlns="" val="1"/>
               </a:ext>
             </a:extLst>
           </p:cNvPr>
@@ -18199,7 +20634,7 @@
           <p:nvPr>
             <p:extLst>
               <p:ext uri="{386F3935-93C4-4BCD-93E2-E3B085C9AB24}">
-                <p16:designElem xmlns:p16="http://schemas.microsoft.com/office/powerpoint/2015/main" val="1"/>
+                <p16:designElem xmlns:p16="http://schemas.microsoft.com/office/powerpoint/2015/main" xmlns="" val="1"/>
               </p:ext>
             </p:extLst>
           </p:nvPr>
@@ -18365,10 +20800,10 @@
           <p:cNvPr id="127" name="Freeform: Shape 126">
             <a:extLst>
               <a:ext uri="{FF2B5EF4-FFF2-40B4-BE49-F238E27FC236}">
-                <a16:creationId xmlns:a16="http://schemas.microsoft.com/office/drawing/2014/main" id="{1072B470-1E76-42B5-86EA-1FB0F881D7EF}"/>
+                <a16:creationId xmlns:a16="http://schemas.microsoft.com/office/drawing/2014/main" xmlns="" id="{1072B470-1E76-42B5-86EA-1FB0F881D7EF}"/>
               </a:ext>
               <a:ext uri="{C183D7F6-B498-43B3-948B-1728B52AA6E4}">
-                <adec:decorative xmlns:adec="http://schemas.microsoft.com/office/drawing/2017/decorative" val="1"/>
+                <adec:decorative xmlns:adec="http://schemas.microsoft.com/office/drawing/2017/decorative" xmlns="" val="1"/>
               </a:ext>
             </a:extLst>
           </p:cNvPr>
@@ -18378,7 +20813,7 @@
           <p:nvPr>
             <p:extLst>
               <p:ext uri="{386F3935-93C4-4BCD-93E2-E3B085C9AB24}">
-                <p16:designElem xmlns:p16="http://schemas.microsoft.com/office/powerpoint/2015/main" val="1"/>
+                <p16:designElem xmlns:p16="http://schemas.microsoft.com/office/powerpoint/2015/main" xmlns="" val="1"/>
               </p:ext>
             </p:extLst>
           </p:nvPr>
@@ -18534,10 +20969,10 @@
           <p:cNvPr id="129" name="Freeform: Shape 128">
             <a:extLst>
               <a:ext uri="{FF2B5EF4-FFF2-40B4-BE49-F238E27FC236}">
-                <a16:creationId xmlns:a16="http://schemas.microsoft.com/office/drawing/2014/main" id="{DDD8B025-3845-4DEF-98B6-7C0BF531DB78}"/>
+                <a16:creationId xmlns:a16="http://schemas.microsoft.com/office/drawing/2014/main" xmlns="" id="{DDD8B025-3845-4DEF-98B6-7C0BF531DB78}"/>
               </a:ext>
               <a:ext uri="{C183D7F6-B498-43B3-948B-1728B52AA6E4}">
-                <adec:decorative xmlns:adec="http://schemas.microsoft.com/office/drawing/2017/decorative" val="1"/>
+                <adec:decorative xmlns:adec="http://schemas.microsoft.com/office/drawing/2017/decorative" xmlns="" val="1"/>
               </a:ext>
             </a:extLst>
           </p:cNvPr>
@@ -18547,7 +20982,7 @@
           <p:nvPr>
             <p:extLst>
               <p:ext uri="{386F3935-93C4-4BCD-93E2-E3B085C9AB24}">
-                <p16:designElem xmlns:p16="http://schemas.microsoft.com/office/powerpoint/2015/main" val="1"/>
+                <p16:designElem xmlns:p16="http://schemas.microsoft.com/office/powerpoint/2015/main" xmlns="" val="1"/>
               </p:ext>
             </p:extLst>
           </p:nvPr>
@@ -18711,10 +21146,10 @@
           <p:cNvPr id="131" name="Freeform: Shape 130">
             <a:extLst>
               <a:ext uri="{FF2B5EF4-FFF2-40B4-BE49-F238E27FC236}">
-                <a16:creationId xmlns:a16="http://schemas.microsoft.com/office/drawing/2014/main" id="{C4051FED-CF0D-4DDD-A9BB-E58FEEFE7C46}"/>
+                <a16:creationId xmlns:a16="http://schemas.microsoft.com/office/drawing/2014/main" xmlns="" id="{C4051FED-CF0D-4DDD-A9BB-E58FEEFE7C46}"/>
               </a:ext>
               <a:ext uri="{C183D7F6-B498-43B3-948B-1728B52AA6E4}">
-                <adec:decorative xmlns:adec="http://schemas.microsoft.com/office/drawing/2017/decorative" val="1"/>
+                <adec:decorative xmlns:adec="http://schemas.microsoft.com/office/drawing/2017/decorative" xmlns="" val="1"/>
               </a:ext>
             </a:extLst>
           </p:cNvPr>
@@ -18724,7 +21159,7 @@
           <p:nvPr>
             <p:extLst>
               <p:ext uri="{386F3935-93C4-4BCD-93E2-E3B085C9AB24}">
-                <p16:designElem xmlns:p16="http://schemas.microsoft.com/office/powerpoint/2015/main" val="1"/>
+                <p16:designElem xmlns:p16="http://schemas.microsoft.com/office/powerpoint/2015/main" xmlns="" val="1"/>
               </p:ext>
             </p:extLst>
           </p:nvPr>
@@ -18878,7 +21313,7 @@
           <p:cNvPr id="26" name="Grafik 25">
             <a:extLst>
               <a:ext uri="{FF2B5EF4-FFF2-40B4-BE49-F238E27FC236}">
-                <a16:creationId xmlns:a16="http://schemas.microsoft.com/office/drawing/2014/main" id="{A6292C25-8593-4E6E-BAD9-F9336A667C1C}"/>
+                <a16:creationId xmlns:a16="http://schemas.microsoft.com/office/drawing/2014/main" xmlns="" id="{A6292C25-8593-4E6E-BAD9-F9336A667C1C}"/>
               </a:ext>
             </a:extLst>
           </p:cNvPr>
@@ -18914,7 +21349,7 @@
           <p:cNvPr id="27" name="Grafik 26">
             <a:extLst>
               <a:ext uri="{FF2B5EF4-FFF2-40B4-BE49-F238E27FC236}">
-                <a16:creationId xmlns:a16="http://schemas.microsoft.com/office/drawing/2014/main" id="{34024532-95E4-4F80-9F7B-F9980DB60401}"/>
+                <a16:creationId xmlns:a16="http://schemas.microsoft.com/office/drawing/2014/main" xmlns="" id="{34024532-95E4-4F80-9F7B-F9980DB60401}"/>
               </a:ext>
             </a:extLst>
           </p:cNvPr>
@@ -18924,7 +21359,7 @@
           <p:nvPr/>
         </p:nvPicPr>
         <p:blipFill>
-          <a:blip r:embed="rId3">
+          <a:blip r:embed="rId3" cstate="print">
             <a:extLst>
               <a:ext uri="{28A0092B-C50C-407E-A947-70E740481C1C}">
                 <a14:useLocalDpi xmlns:a14="http://schemas.microsoft.com/office/drawing/2010/main" val="0"/>
@@ -18950,7 +21385,7 @@
           <p:cNvPr id="28" name="Grafik 27">
             <a:extLst>
               <a:ext uri="{FF2B5EF4-FFF2-40B4-BE49-F238E27FC236}">
-                <a16:creationId xmlns:a16="http://schemas.microsoft.com/office/drawing/2014/main" id="{C50136C2-C223-45B6-9643-1691E8D5C16E}"/>
+                <a16:creationId xmlns:a16="http://schemas.microsoft.com/office/drawing/2014/main" xmlns="" id="{C50136C2-C223-45B6-9643-1691E8D5C16E}"/>
               </a:ext>
             </a:extLst>
           </p:cNvPr>
@@ -18960,13 +21395,13 @@
           <p:nvPr/>
         </p:nvPicPr>
         <p:blipFill>
-          <a:blip r:embed="rId4">
+          <a:blip r:embed="rId4" cstate="print">
             <a:extLst>
               <a:ext uri="{28A0092B-C50C-407E-A947-70E740481C1C}">
                 <a14:useLocalDpi xmlns:a14="http://schemas.microsoft.com/office/drawing/2010/main" val="0"/>
               </a:ext>
               <a:ext uri="{96DAC541-7B7A-43D3-8B79-37D633B846F1}">
-                <asvg:svgBlip xmlns:asvg="http://schemas.microsoft.com/office/drawing/2016/SVG/main" r:embed="rId5"/>
+                <asvg:svgBlip xmlns:asvg="http://schemas.microsoft.com/office/drawing/2016/SVG/main" xmlns="" r:embed="rId5"/>
               </a:ext>
             </a:extLst>
           </a:blip>
@@ -18989,7 +21424,7 @@
           <p:cNvPr id="111" name="Inhaltsplatzhalter 2">
             <a:extLst>
               <a:ext uri="{FF2B5EF4-FFF2-40B4-BE49-F238E27FC236}">
-                <a16:creationId xmlns:a16="http://schemas.microsoft.com/office/drawing/2014/main" id="{DFED6985-E05C-5442-8D81-240D91D1C65A}"/>
+                <a16:creationId xmlns:a16="http://schemas.microsoft.com/office/drawing/2014/main" xmlns="" id="{DFED6985-E05C-5442-8D81-240D91D1C65A}"/>
               </a:ext>
             </a:extLst>
           </p:cNvPr>
@@ -19192,7 +21627,7 @@
           <p:cNvPr id="6" name="Titel 5">
             <a:extLst>
               <a:ext uri="{FF2B5EF4-FFF2-40B4-BE49-F238E27FC236}">
-                <a16:creationId xmlns:a16="http://schemas.microsoft.com/office/drawing/2014/main" id="{97D4CC26-A6D9-44D5-BE51-0167991D4E18}"/>
+                <a16:creationId xmlns:a16="http://schemas.microsoft.com/office/drawing/2014/main" xmlns="" id="{97D4CC26-A6D9-44D5-BE51-0167991D4E18}"/>
               </a:ext>
             </a:extLst>
           </p:cNvPr>
@@ -19236,10 +21671,17 @@
   <p:clrMapOvr>
     <a:overrideClrMapping bg1="dk1" tx1="lt1" bg2="dk2" tx2="lt2" accent1="accent1" accent2="accent2" accent3="accent3" accent4="accent4" accent5="accent5" accent6="accent6" hlink="hlink" folHlink="folHlink"/>
   </p:clrMapOvr>
+  <p:timing>
+    <p:tnLst>
+      <p:par>
+        <p:cTn id="1" dur="indefinite" restart="never" nodeType="tmRoot"/>
+      </p:par>
+    </p:tnLst>
+  </p:timing>
 </p:sld>
 </file>
 
-<file path=ppt/slides/slide14.xml><?xml version="1.0" encoding="utf-8"?>
+<file path=ppt/slides/slide16.xml><?xml version="1.0" encoding="utf-8"?>
 <p:sld xmlns:a="http://schemas.openxmlformats.org/drawingml/2006/main" xmlns:r="http://schemas.openxmlformats.org/officeDocument/2006/relationships" xmlns:p="http://schemas.openxmlformats.org/presentationml/2006/main">
   <p:cSld>
     <p:bg>
@@ -19272,10 +21714,10 @@
           <p:cNvPr id="116" name="Freeform: Shape 115">
             <a:extLst>
               <a:ext uri="{FF2B5EF4-FFF2-40B4-BE49-F238E27FC236}">
-                <a16:creationId xmlns:a16="http://schemas.microsoft.com/office/drawing/2014/main" id="{92AA2300-0FA6-4328-9BD8-1D67925C0BD6}"/>
+                <a16:creationId xmlns:a16="http://schemas.microsoft.com/office/drawing/2014/main" xmlns="" id="{92AA2300-0FA6-4328-9BD8-1D67925C0BD6}"/>
               </a:ext>
               <a:ext uri="{C183D7F6-B498-43B3-948B-1728B52AA6E4}">
-                <adec:decorative xmlns:adec="http://schemas.microsoft.com/office/drawing/2017/decorative" val="1"/>
+                <adec:decorative xmlns:adec="http://schemas.microsoft.com/office/drawing/2017/decorative" xmlns="" val="1"/>
               </a:ext>
             </a:extLst>
           </p:cNvPr>
@@ -19285,7 +21727,7 @@
           <p:nvPr>
             <p:extLst>
               <p:ext uri="{386F3935-93C4-4BCD-93E2-E3B085C9AB24}">
-                <p16:designElem xmlns:p16="http://schemas.microsoft.com/office/powerpoint/2015/main" val="1"/>
+                <p16:designElem xmlns:p16="http://schemas.microsoft.com/office/powerpoint/2015/main" xmlns="" val="1"/>
               </p:ext>
             </p:extLst>
           </p:nvPr>
@@ -19443,10 +21885,10 @@
           <p:cNvPr id="118" name="Freeform: Shape 117">
             <a:extLst>
               <a:ext uri="{FF2B5EF4-FFF2-40B4-BE49-F238E27FC236}">
-                <a16:creationId xmlns:a16="http://schemas.microsoft.com/office/drawing/2014/main" id="{D3E1FE85-D0BF-41D3-8B85-04776368E1F0}"/>
+                <a16:creationId xmlns:a16="http://schemas.microsoft.com/office/drawing/2014/main" xmlns="" id="{D3E1FE85-D0BF-41D3-8B85-04776368E1F0}"/>
               </a:ext>
               <a:ext uri="{C183D7F6-B498-43B3-948B-1728B52AA6E4}">
-                <adec:decorative xmlns:adec="http://schemas.microsoft.com/office/drawing/2017/decorative" val="1"/>
+                <adec:decorative xmlns:adec="http://schemas.microsoft.com/office/drawing/2017/decorative" xmlns="" val="1"/>
               </a:ext>
             </a:extLst>
           </p:cNvPr>
@@ -19456,7 +21898,7 @@
           <p:nvPr>
             <p:extLst>
               <p:ext uri="{386F3935-93C4-4BCD-93E2-E3B085C9AB24}">
-                <p16:designElem xmlns:p16="http://schemas.microsoft.com/office/powerpoint/2015/main" val="1"/>
+                <p16:designElem xmlns:p16="http://schemas.microsoft.com/office/powerpoint/2015/main" xmlns="" val="1"/>
               </p:ext>
             </p:extLst>
           </p:nvPr>
@@ -19610,10 +22052,10 @@
           <p:cNvPr id="120" name="Freeform: Shape 119">
             <a:extLst>
               <a:ext uri="{FF2B5EF4-FFF2-40B4-BE49-F238E27FC236}">
-                <a16:creationId xmlns:a16="http://schemas.microsoft.com/office/drawing/2014/main" id="{F2E5A8E1-2A22-48D0-9556-E21648FA1EAC}"/>
+                <a16:creationId xmlns:a16="http://schemas.microsoft.com/office/drawing/2014/main" xmlns="" id="{F2E5A8E1-2A22-48D0-9556-E21648FA1EAC}"/>
               </a:ext>
               <a:ext uri="{C183D7F6-B498-43B3-948B-1728B52AA6E4}">
-                <adec:decorative xmlns:adec="http://schemas.microsoft.com/office/drawing/2017/decorative" val="1"/>
+                <adec:decorative xmlns:adec="http://schemas.microsoft.com/office/drawing/2017/decorative" xmlns="" val="1"/>
               </a:ext>
             </a:extLst>
           </p:cNvPr>
@@ -19623,7 +22065,7 @@
           <p:nvPr>
             <p:extLst>
               <p:ext uri="{386F3935-93C4-4BCD-93E2-E3B085C9AB24}">
-                <p16:designElem xmlns:p16="http://schemas.microsoft.com/office/powerpoint/2015/main" val="1"/>
+                <p16:designElem xmlns:p16="http://schemas.microsoft.com/office/powerpoint/2015/main" xmlns="" val="1"/>
               </p:ext>
             </p:extLst>
           </p:nvPr>
@@ -19789,10 +22231,10 @@
           <p:cNvPr id="122" name="Freeform: Shape 121">
             <a:extLst>
               <a:ext uri="{FF2B5EF4-FFF2-40B4-BE49-F238E27FC236}">
-                <a16:creationId xmlns:a16="http://schemas.microsoft.com/office/drawing/2014/main" id="{1072B470-1E76-42B5-86EA-1FB0F881D7EF}"/>
+                <a16:creationId xmlns:a16="http://schemas.microsoft.com/office/drawing/2014/main" xmlns="" id="{1072B470-1E76-42B5-86EA-1FB0F881D7EF}"/>
               </a:ext>
               <a:ext uri="{C183D7F6-B498-43B3-948B-1728B52AA6E4}">
-                <adec:decorative xmlns:adec="http://schemas.microsoft.com/office/drawing/2017/decorative" val="1"/>
+                <adec:decorative xmlns:adec="http://schemas.microsoft.com/office/drawing/2017/decorative" xmlns="" val="1"/>
               </a:ext>
             </a:extLst>
           </p:cNvPr>
@@ -19802,7 +22244,7 @@
           <p:nvPr>
             <p:extLst>
               <p:ext uri="{386F3935-93C4-4BCD-93E2-E3B085C9AB24}">
-                <p16:designElem xmlns:p16="http://schemas.microsoft.com/office/powerpoint/2015/main" val="1"/>
+                <p16:designElem xmlns:p16="http://schemas.microsoft.com/office/powerpoint/2015/main" xmlns="" val="1"/>
               </p:ext>
             </p:extLst>
           </p:nvPr>
@@ -19958,10 +22400,10 @@
           <p:cNvPr id="124" name="Freeform: Shape 123">
             <a:extLst>
               <a:ext uri="{FF2B5EF4-FFF2-40B4-BE49-F238E27FC236}">
-                <a16:creationId xmlns:a16="http://schemas.microsoft.com/office/drawing/2014/main" id="{DDD8B025-3845-4DEF-98B6-7C0BF531DB78}"/>
+                <a16:creationId xmlns:a16="http://schemas.microsoft.com/office/drawing/2014/main" xmlns="" id="{DDD8B025-3845-4DEF-98B6-7C0BF531DB78}"/>
               </a:ext>
               <a:ext uri="{C183D7F6-B498-43B3-948B-1728B52AA6E4}">
-                <adec:decorative xmlns:adec="http://schemas.microsoft.com/office/drawing/2017/decorative" val="1"/>
+                <adec:decorative xmlns:adec="http://schemas.microsoft.com/office/drawing/2017/decorative" xmlns="" val="1"/>
               </a:ext>
             </a:extLst>
           </p:cNvPr>
@@ -19971,7 +22413,7 @@
           <p:nvPr>
             <p:extLst>
               <p:ext uri="{386F3935-93C4-4BCD-93E2-E3B085C9AB24}">
-                <p16:designElem xmlns:p16="http://schemas.microsoft.com/office/powerpoint/2015/main" val="1"/>
+                <p16:designElem xmlns:p16="http://schemas.microsoft.com/office/powerpoint/2015/main" xmlns="" val="1"/>
               </p:ext>
             </p:extLst>
           </p:nvPr>
@@ -20135,10 +22577,10 @@
           <p:cNvPr id="126" name="Freeform: Shape 125">
             <a:extLst>
               <a:ext uri="{FF2B5EF4-FFF2-40B4-BE49-F238E27FC236}">
-                <a16:creationId xmlns:a16="http://schemas.microsoft.com/office/drawing/2014/main" id="{C4051FED-CF0D-4DDD-A9BB-E58FEEFE7C46}"/>
+                <a16:creationId xmlns:a16="http://schemas.microsoft.com/office/drawing/2014/main" xmlns="" id="{C4051FED-CF0D-4DDD-A9BB-E58FEEFE7C46}"/>
               </a:ext>
               <a:ext uri="{C183D7F6-B498-43B3-948B-1728B52AA6E4}">
-                <adec:decorative xmlns:adec="http://schemas.microsoft.com/office/drawing/2017/decorative" val="1"/>
+                <adec:decorative xmlns:adec="http://schemas.microsoft.com/office/drawing/2017/decorative" xmlns="" val="1"/>
               </a:ext>
             </a:extLst>
           </p:cNvPr>
@@ -20148,7 +22590,7 @@
           <p:nvPr>
             <p:extLst>
               <p:ext uri="{386F3935-93C4-4BCD-93E2-E3B085C9AB24}">
-                <p16:designElem xmlns:p16="http://schemas.microsoft.com/office/powerpoint/2015/main" val="1"/>
+                <p16:designElem xmlns:p16="http://schemas.microsoft.com/office/powerpoint/2015/main" xmlns="" val="1"/>
               </p:ext>
             </p:extLst>
           </p:nvPr>
@@ -20302,7 +22744,7 @@
           <p:cNvPr id="26" name="Grafik 25">
             <a:extLst>
               <a:ext uri="{FF2B5EF4-FFF2-40B4-BE49-F238E27FC236}">
-                <a16:creationId xmlns:a16="http://schemas.microsoft.com/office/drawing/2014/main" id="{A6292C25-8593-4E6E-BAD9-F9336A667C1C}"/>
+                <a16:creationId xmlns:a16="http://schemas.microsoft.com/office/drawing/2014/main" xmlns="" id="{A6292C25-8593-4E6E-BAD9-F9336A667C1C}"/>
               </a:ext>
             </a:extLst>
           </p:cNvPr>
@@ -20338,7 +22780,7 @@
           <p:cNvPr id="27" name="Grafik 26">
             <a:extLst>
               <a:ext uri="{FF2B5EF4-FFF2-40B4-BE49-F238E27FC236}">
-                <a16:creationId xmlns:a16="http://schemas.microsoft.com/office/drawing/2014/main" id="{34024532-95E4-4F80-9F7B-F9980DB60401}"/>
+                <a16:creationId xmlns:a16="http://schemas.microsoft.com/office/drawing/2014/main" xmlns="" id="{34024532-95E4-4F80-9F7B-F9980DB60401}"/>
               </a:ext>
             </a:extLst>
           </p:cNvPr>
@@ -20348,7 +22790,7 @@
           <p:nvPr/>
         </p:nvPicPr>
         <p:blipFill>
-          <a:blip r:embed="rId3">
+          <a:blip r:embed="rId3" cstate="print">
             <a:extLst>
               <a:ext uri="{28A0092B-C50C-407E-A947-70E740481C1C}">
                 <a14:useLocalDpi xmlns:a14="http://schemas.microsoft.com/office/drawing/2010/main" val="0"/>
@@ -20374,7 +22816,7 @@
           <p:cNvPr id="28" name="Grafik 27">
             <a:extLst>
               <a:ext uri="{FF2B5EF4-FFF2-40B4-BE49-F238E27FC236}">
-                <a16:creationId xmlns:a16="http://schemas.microsoft.com/office/drawing/2014/main" id="{C50136C2-C223-45B6-9643-1691E8D5C16E}"/>
+                <a16:creationId xmlns:a16="http://schemas.microsoft.com/office/drawing/2014/main" xmlns="" id="{C50136C2-C223-45B6-9643-1691E8D5C16E}"/>
               </a:ext>
             </a:extLst>
           </p:cNvPr>
@@ -20384,13 +22826,13 @@
           <p:nvPr/>
         </p:nvPicPr>
         <p:blipFill>
-          <a:blip r:embed="rId4">
+          <a:blip r:embed="rId4" cstate="print">
             <a:extLst>
               <a:ext uri="{28A0092B-C50C-407E-A947-70E740481C1C}">
                 <a14:useLocalDpi xmlns:a14="http://schemas.microsoft.com/office/drawing/2010/main" val="0"/>
               </a:ext>
               <a:ext uri="{96DAC541-7B7A-43D3-8B79-37D633B846F1}">
-                <asvg:svgBlip xmlns:asvg="http://schemas.microsoft.com/office/drawing/2016/SVG/main" r:embed="rId5"/>
+                <asvg:svgBlip xmlns:asvg="http://schemas.microsoft.com/office/drawing/2016/SVG/main" xmlns="" r:embed="rId5"/>
               </a:ext>
             </a:extLst>
           </a:blip>
@@ -20413,7 +22855,7 @@
           <p:cNvPr id="111" name="Inhaltsplatzhalter 2">
             <a:extLst>
               <a:ext uri="{FF2B5EF4-FFF2-40B4-BE49-F238E27FC236}">
-                <a16:creationId xmlns:a16="http://schemas.microsoft.com/office/drawing/2014/main" id="{DFED6985-E05C-5442-8D81-240D91D1C65A}"/>
+                <a16:creationId xmlns:a16="http://schemas.microsoft.com/office/drawing/2014/main" xmlns="" id="{DFED6985-E05C-5442-8D81-240D91D1C65A}"/>
               </a:ext>
             </a:extLst>
           </p:cNvPr>
@@ -20616,7 +23058,7 @@
           <p:cNvPr id="6" name="Titel 5">
             <a:extLst>
               <a:ext uri="{FF2B5EF4-FFF2-40B4-BE49-F238E27FC236}">
-                <a16:creationId xmlns:a16="http://schemas.microsoft.com/office/drawing/2014/main" id="{97D4CC26-A6D9-44D5-BE51-0167991D4E18}"/>
+                <a16:creationId xmlns:a16="http://schemas.microsoft.com/office/drawing/2014/main" xmlns="" id="{97D4CC26-A6D9-44D5-BE51-0167991D4E18}"/>
               </a:ext>
             </a:extLst>
           </p:cNvPr>
@@ -20660,10 +23102,17 @@
   <p:clrMapOvr>
     <a:overrideClrMapping bg1="dk1" tx1="lt1" bg2="dk2" tx2="lt2" accent1="accent1" accent2="accent2" accent3="accent3" accent4="accent4" accent5="accent5" accent6="accent6" hlink="hlink" folHlink="folHlink"/>
   </p:clrMapOvr>
+  <p:timing>
+    <p:tnLst>
+      <p:par>
+        <p:cTn id="1" dur="indefinite" restart="never" nodeType="tmRoot"/>
+      </p:par>
+    </p:tnLst>
+  </p:timing>
 </p:sld>
 </file>
 
-<file path=ppt/slides/slide15.xml><?xml version="1.0" encoding="utf-8"?>
+<file path=ppt/slides/slide17.xml><?xml version="1.0" encoding="utf-8"?>
 <p:sld xmlns:a="http://schemas.openxmlformats.org/drawingml/2006/main" xmlns:r="http://schemas.openxmlformats.org/officeDocument/2006/relationships" xmlns:p="http://schemas.openxmlformats.org/presentationml/2006/main">
   <p:cSld>
     <p:bg>
@@ -20693,10 +23142,10 @@
           <p:cNvPr id="116" name="Down Arrow 7">
             <a:extLst>
               <a:ext uri="{FF2B5EF4-FFF2-40B4-BE49-F238E27FC236}">
-                <a16:creationId xmlns:a16="http://schemas.microsoft.com/office/drawing/2014/main" id="{B547373F-AF2E-4907-B442-9F902B387FD0}"/>
+                <a16:creationId xmlns:a16="http://schemas.microsoft.com/office/drawing/2014/main" xmlns="" id="{B547373F-AF2E-4907-B442-9F902B387FD0}"/>
               </a:ext>
               <a:ext uri="{C183D7F6-B498-43B3-948B-1728B52AA6E4}">
-                <adec:decorative xmlns:adec="http://schemas.microsoft.com/office/drawing/2017/decorative" val="1"/>
+                <adec:decorative xmlns:adec="http://schemas.microsoft.com/office/drawing/2017/decorative" xmlns="" val="1"/>
               </a:ext>
             </a:extLst>
           </p:cNvPr>
@@ -20706,7 +23155,7 @@
           <p:nvPr>
             <p:extLst>
               <p:ext uri="{386F3935-93C4-4BCD-93E2-E3B085C9AB24}">
-                <p16:designElem xmlns:p16="http://schemas.microsoft.com/office/powerpoint/2015/main" val="1"/>
+                <p16:designElem xmlns:p16="http://schemas.microsoft.com/office/powerpoint/2015/main" xmlns="" val="1"/>
               </p:ext>
             </p:extLst>
           </p:nvPr>
@@ -20762,7 +23211,7 @@
           <p:cNvPr id="111" name="Inhaltsplatzhalter 2">
             <a:extLst>
               <a:ext uri="{FF2B5EF4-FFF2-40B4-BE49-F238E27FC236}">
-                <a16:creationId xmlns:a16="http://schemas.microsoft.com/office/drawing/2014/main" id="{DFED6985-E05C-5442-8D81-240D91D1C65A}"/>
+                <a16:creationId xmlns:a16="http://schemas.microsoft.com/office/drawing/2014/main" xmlns="" id="{DFED6985-E05C-5442-8D81-240D91D1C65A}"/>
               </a:ext>
             </a:extLst>
           </p:cNvPr>
@@ -20965,7 +23414,7 @@
           <p:cNvPr id="7" name="Grafik 6">
             <a:extLst>
               <a:ext uri="{FF2B5EF4-FFF2-40B4-BE49-F238E27FC236}">
-                <a16:creationId xmlns:a16="http://schemas.microsoft.com/office/drawing/2014/main" id="{00BF8B91-1D56-443B-B246-642340977792}"/>
+                <a16:creationId xmlns:a16="http://schemas.microsoft.com/office/drawing/2014/main" xmlns="" id="{00BF8B91-1D56-443B-B246-642340977792}"/>
               </a:ext>
             </a:extLst>
           </p:cNvPr>
@@ -21001,7 +23450,7 @@
           <p:cNvPr id="6" name="Titel 5">
             <a:extLst>
               <a:ext uri="{FF2B5EF4-FFF2-40B4-BE49-F238E27FC236}">
-                <a16:creationId xmlns:a16="http://schemas.microsoft.com/office/drawing/2014/main" id="{97D4CC26-A6D9-44D5-BE51-0167991D4E18}"/>
+                <a16:creationId xmlns:a16="http://schemas.microsoft.com/office/drawing/2014/main" xmlns="" id="{97D4CC26-A6D9-44D5-BE51-0167991D4E18}"/>
               </a:ext>
             </a:extLst>
           </p:cNvPr>
@@ -21047,7 +23496,7 @@
           <p:cNvPr id="2" name="Textfeld 1">
             <a:extLst>
               <a:ext uri="{FF2B5EF4-FFF2-40B4-BE49-F238E27FC236}">
-                <a16:creationId xmlns:a16="http://schemas.microsoft.com/office/drawing/2014/main" id="{08D1EF3A-A1E5-4165-A4F7-6A44A864B653}"/>
+                <a16:creationId xmlns:a16="http://schemas.microsoft.com/office/drawing/2014/main" xmlns="" id="{08D1EF3A-A1E5-4165-A4F7-6A44A864B653}"/>
               </a:ext>
             </a:extLst>
           </p:cNvPr>
@@ -21056,8 +23505,8 @@
         </p:nvSpPr>
         <p:spPr>
           <a:xfrm>
-            <a:off x="4661853" y="2872987"/>
-            <a:ext cx="6952648" cy="3831818"/>
+            <a:off x="4798488" y="1938167"/>
+            <a:ext cx="6952648" cy="4247317"/>
           </a:xfrm>
           <a:prstGeom prst="rect">
             <a:avLst/>
@@ -21153,12 +23602,45 @@
             </a:pPr>
             <a:r>
               <a:rPr lang="de-DE" dirty="0">
-                <a:latin typeface="Open Sans Light" panose="020B0306030504020204" pitchFamily="34" charset="0"/>
                 <a:ea typeface="Open Sans Light" panose="020B0306030504020204" pitchFamily="34" charset="0"/>
                 <a:cs typeface="Open Sans Light" panose="020B0306030504020204" pitchFamily="34" charset="0"/>
               </a:rPr>
-              <a:t>https://reactjs.org/</a:t>
+              <a:t>https://reactjs.org</a:t>
             </a:r>
+            <a:r>
+              <a:rPr lang="de-DE" dirty="0" smtClean="0">
+                <a:ea typeface="Open Sans Light" panose="020B0306030504020204" pitchFamily="34" charset="0"/>
+                <a:cs typeface="Open Sans Light" panose="020B0306030504020204" pitchFamily="34" charset="0"/>
+              </a:rPr>
+              <a:t>/</a:t>
+            </a:r>
+          </a:p>
+          <a:p>
+            <a:pPr marL="285750" indent="-285750">
+              <a:buFont typeface="Arial" panose="020B0604020202020204" pitchFamily="34" charset="0"/>
+              <a:buChar char="•"/>
+            </a:pPr>
+            <a:endParaRPr lang="de-DE" dirty="0" smtClean="0">
+              <a:ea typeface="Open Sans Light" panose="020B0306030504020204" pitchFamily="34" charset="0"/>
+              <a:cs typeface="Open Sans Light" panose="020B0306030504020204" pitchFamily="34" charset="0"/>
+            </a:endParaRPr>
+          </a:p>
+          <a:p>
+            <a:pPr marL="285750" indent="-285750">
+              <a:buFont typeface="Arial" panose="020B0604020202020204" pitchFamily="34" charset="0"/>
+              <a:buChar char="•"/>
+            </a:pPr>
+            <a:r>
+              <a:rPr lang="de-DE" dirty="0">
+                <a:ea typeface="Open Sans Light" panose="020B0306030504020204" pitchFamily="34" charset="0"/>
+                <a:cs typeface="Open Sans Light" panose="020B0306030504020204" pitchFamily="34" charset="0"/>
+              </a:rPr>
+              <a:t>https://icons8.com</a:t>
+            </a:r>
+            <a:endParaRPr lang="de-DE" dirty="0">
+              <a:ea typeface="Open Sans Light" panose="020B0306030504020204" pitchFamily="34" charset="0"/>
+              <a:cs typeface="Open Sans Light" panose="020B0306030504020204" pitchFamily="34" charset="0"/>
+            </a:endParaRPr>
           </a:p>
           <a:p>
             <a:pPr marL="285750" indent="-285750">
@@ -21186,6 +23668,13 @@
   <p:clrMapOvr>
     <a:masterClrMapping/>
   </p:clrMapOvr>
+  <p:timing>
+    <p:tnLst>
+      <p:par>
+        <p:cTn id="1" dur="indefinite" restart="never" nodeType="tmRoot"/>
+      </p:par>
+    </p:tnLst>
+  </p:timing>
 </p:sld>
 </file>
 
@@ -21219,10 +23708,10 @@
           <p:cNvPr id="115" name="Rectangle 114">
             <a:extLst>
               <a:ext uri="{FF2B5EF4-FFF2-40B4-BE49-F238E27FC236}">
-                <a16:creationId xmlns:a16="http://schemas.microsoft.com/office/drawing/2014/main" id="{B558F58E-93BA-44A3-BCDA-585AFF2E4F3F}"/>
+                <a16:creationId xmlns:a16="http://schemas.microsoft.com/office/drawing/2014/main" xmlns="" id="{B558F58E-93BA-44A3-BCDA-585AFF2E4F3F}"/>
               </a:ext>
               <a:ext uri="{C183D7F6-B498-43B3-948B-1728B52AA6E4}">
-                <adec:decorative xmlns:adec="http://schemas.microsoft.com/office/drawing/2017/decorative" val="1"/>
+                <adec:decorative xmlns:adec="http://schemas.microsoft.com/office/drawing/2017/decorative" xmlns="" val="1"/>
               </a:ext>
             </a:extLst>
           </p:cNvPr>
@@ -21232,7 +23721,7 @@
           <p:nvPr>
             <p:extLst>
               <p:ext uri="{386F3935-93C4-4BCD-93E2-E3B085C9AB24}">
-                <p16:designElem xmlns:p16="http://schemas.microsoft.com/office/powerpoint/2015/main" val="1"/>
+                <p16:designElem xmlns:p16="http://schemas.microsoft.com/office/powerpoint/2015/main" xmlns="" val="1"/>
               </p:ext>
             </p:extLst>
           </p:nvPr>
@@ -21279,10 +23768,10 @@
           <p:cNvPr id="117" name="Straight Arrow Connector 116">
             <a:extLst>
               <a:ext uri="{FF2B5EF4-FFF2-40B4-BE49-F238E27FC236}">
-                <a16:creationId xmlns:a16="http://schemas.microsoft.com/office/drawing/2014/main" id="{BCD0BBC1-A7D4-445D-98AC-95A6A45D8EBB}"/>
+                <a16:creationId xmlns:a16="http://schemas.microsoft.com/office/drawing/2014/main" xmlns="" id="{BCD0BBC1-A7D4-445D-98AC-95A6A45D8EBB}"/>
               </a:ext>
               <a:ext uri="{C183D7F6-B498-43B3-948B-1728B52AA6E4}">
-                <adec:decorative xmlns:adec="http://schemas.microsoft.com/office/drawing/2017/decorative" val="1"/>
+                <adec:decorative xmlns:adec="http://schemas.microsoft.com/office/drawing/2017/decorative" xmlns="" val="1"/>
               </a:ext>
             </a:extLst>
           </p:cNvPr>
@@ -21292,7 +23781,7 @@
           <p:nvPr>
             <p:extLst>
               <p:ext uri="{386F3935-93C4-4BCD-93E2-E3B085C9AB24}">
-                <p16:designElem xmlns:p16="http://schemas.microsoft.com/office/powerpoint/2015/main" val="1"/>
+                <p16:designElem xmlns:p16="http://schemas.microsoft.com/office/powerpoint/2015/main" xmlns="" val="1"/>
               </p:ext>
             </p:extLst>
           </p:nvPr>
@@ -21332,7 +23821,7 @@
           <p:cNvPr id="110" name="Grafik 109">
             <a:extLst>
               <a:ext uri="{FF2B5EF4-FFF2-40B4-BE49-F238E27FC236}">
-                <a16:creationId xmlns:a16="http://schemas.microsoft.com/office/drawing/2014/main" id="{EF74F9AE-6657-4F3E-B73D-942AE06ED09E}"/>
+                <a16:creationId xmlns:a16="http://schemas.microsoft.com/office/drawing/2014/main" xmlns="" id="{EF74F9AE-6657-4F3E-B73D-942AE06ED09E}"/>
               </a:ext>
             </a:extLst>
           </p:cNvPr>
@@ -21438,7 +23927,7 @@
           <p:cNvPr id="2" name="Titel 1">
             <a:extLst>
               <a:ext uri="{FF2B5EF4-FFF2-40B4-BE49-F238E27FC236}">
-                <a16:creationId xmlns:a16="http://schemas.microsoft.com/office/drawing/2014/main" id="{2393025D-41CD-4E54-8421-803CA294757A}"/>
+                <a16:creationId xmlns:a16="http://schemas.microsoft.com/office/drawing/2014/main" xmlns="" id="{2393025D-41CD-4E54-8421-803CA294757A}"/>
               </a:ext>
             </a:extLst>
           </p:cNvPr>
@@ -21451,7 +23940,7 @@
         </p:nvSpPr>
         <p:spPr>
           <a:xfrm>
-            <a:off x="-154348" y="1001880"/>
+            <a:off x="-154348" y="1106738"/>
             <a:ext cx="5257803" cy="2427120"/>
           </a:xfrm>
           <a:prstGeom prst="ellipse">
@@ -21476,7 +23965,7 @@
           <p:cNvPr id="111" name="Inhaltsplatzhalter 2">
             <a:extLst>
               <a:ext uri="{FF2B5EF4-FFF2-40B4-BE49-F238E27FC236}">
-                <a16:creationId xmlns:a16="http://schemas.microsoft.com/office/drawing/2014/main" id="{DFED6985-E05C-5442-8D81-240D91D1C65A}"/>
+                <a16:creationId xmlns:a16="http://schemas.microsoft.com/office/drawing/2014/main" xmlns="" id="{DFED6985-E05C-5442-8D81-240D91D1C65A}"/>
               </a:ext>
             </a:extLst>
           </p:cNvPr>
@@ -21487,7 +23976,7 @@
         </p:nvSpPr>
         <p:spPr>
           <a:xfrm>
-            <a:off x="655320" y="2378173"/>
+            <a:off x="655320" y="2569891"/>
             <a:ext cx="3638469" cy="3367307"/>
           </a:xfrm>
           <a:prstGeom prst="rect">
@@ -21665,14 +24154,13 @@
           <a:p>
             <a:pPr marL="571500" indent="-571500">
               <a:lnSpc>
-                <a:spcPct val="150000"/>
+                <a:spcPct val="120000"/>
               </a:lnSpc>
               <a:buFont typeface="+mj-lt"/>
               <a:buAutoNum type="romanUcPeriod"/>
             </a:pPr>
             <a:r>
               <a:rPr lang="de-DE" dirty="0">
-                <a:latin typeface="Open Sans Light" panose="020B0306030504020204" pitchFamily="34" charset="0"/>
                 <a:ea typeface="Open Sans Light" panose="020B0306030504020204" pitchFamily="34" charset="0"/>
                 <a:cs typeface="Open Sans Light" panose="020B0306030504020204" pitchFamily="34" charset="0"/>
               </a:rPr>
@@ -21682,14 +24170,13 @@
           <a:p>
             <a:pPr marL="571500" indent="-571500">
               <a:lnSpc>
-                <a:spcPct val="150000"/>
+                <a:spcPct val="120000"/>
               </a:lnSpc>
               <a:buFont typeface="+mj-lt"/>
               <a:buAutoNum type="romanUcPeriod"/>
             </a:pPr>
             <a:r>
               <a:rPr lang="de-DE" dirty="0">
-                <a:latin typeface="Open Sans Light" panose="020B0306030504020204" pitchFamily="34" charset="0"/>
                 <a:ea typeface="Open Sans Light" panose="020B0306030504020204" pitchFamily="34" charset="0"/>
                 <a:cs typeface="Open Sans Light" panose="020B0306030504020204" pitchFamily="34" charset="0"/>
               </a:rPr>
@@ -21699,14 +24186,13 @@
           <a:p>
             <a:pPr marL="571500" indent="-571500">
               <a:lnSpc>
-                <a:spcPct val="150000"/>
+                <a:spcPct val="120000"/>
               </a:lnSpc>
               <a:buFont typeface="+mj-lt"/>
               <a:buAutoNum type="romanUcPeriod"/>
             </a:pPr>
             <a:r>
               <a:rPr lang="de-DE" dirty="0">
-                <a:latin typeface="Open Sans Light" panose="020B0306030504020204" pitchFamily="34" charset="0"/>
                 <a:ea typeface="Open Sans Light" panose="020B0306030504020204" pitchFamily="34" charset="0"/>
                 <a:cs typeface="Open Sans Light" panose="020B0306030504020204" pitchFamily="34" charset="0"/>
               </a:rPr>
@@ -21716,14 +24202,13 @@
           <a:p>
             <a:pPr marL="571500" indent="-571500">
               <a:lnSpc>
-                <a:spcPct val="150000"/>
+                <a:spcPct val="120000"/>
               </a:lnSpc>
               <a:buFont typeface="+mj-lt"/>
               <a:buAutoNum type="romanUcPeriod"/>
             </a:pPr>
             <a:r>
               <a:rPr lang="de-DE" dirty="0">
-                <a:latin typeface="Open Sans Light" panose="020B0306030504020204" pitchFamily="34" charset="0"/>
                 <a:ea typeface="Open Sans Light" panose="020B0306030504020204" pitchFamily="34" charset="0"/>
                 <a:cs typeface="Open Sans Light" panose="020B0306030504020204" pitchFamily="34" charset="0"/>
               </a:rPr>
@@ -21733,14 +24218,13 @@
           <a:p>
             <a:pPr marL="571500" indent="-571500">
               <a:lnSpc>
-                <a:spcPct val="150000"/>
+                <a:spcPct val="120000"/>
               </a:lnSpc>
               <a:buFont typeface="+mj-lt"/>
               <a:buAutoNum type="romanUcPeriod"/>
             </a:pPr>
             <a:r>
               <a:rPr lang="de-DE" dirty="0">
-                <a:latin typeface="Open Sans Light" panose="020B0306030504020204" pitchFamily="34" charset="0"/>
                 <a:ea typeface="Open Sans Light" panose="020B0306030504020204" pitchFamily="34" charset="0"/>
                 <a:cs typeface="Open Sans Light" panose="020B0306030504020204" pitchFamily="34" charset="0"/>
               </a:rPr>
@@ -21750,19 +24234,57 @@
           <a:p>
             <a:pPr marL="571500" indent="-571500">
               <a:lnSpc>
-                <a:spcPct val="150000"/>
+                <a:spcPct val="120000"/>
               </a:lnSpc>
               <a:buFont typeface="+mj-lt"/>
               <a:buAutoNum type="romanUcPeriod"/>
             </a:pPr>
             <a:r>
-              <a:rPr lang="de-DE" dirty="0">
-                <a:latin typeface="Open Sans Light" panose="020B0306030504020204" pitchFamily="34" charset="0"/>
+              <a:rPr lang="de-DE" dirty="0" smtClean="0">
                 <a:ea typeface="Open Sans Light" panose="020B0306030504020204" pitchFamily="34" charset="0"/>
                 <a:cs typeface="Open Sans Light" panose="020B0306030504020204" pitchFamily="34" charset="0"/>
               </a:rPr>
-              <a:t>Fazit</a:t>
+              <a:t>Ausblick</a:t>
             </a:r>
+          </a:p>
+          <a:p>
+            <a:pPr marL="0" indent="0">
+              <a:lnSpc>
+                <a:spcPct val="120000"/>
+              </a:lnSpc>
+              <a:buNone/>
+            </a:pPr>
+            <a:r>
+              <a:rPr lang="de-DE" dirty="0" smtClean="0">
+                <a:ea typeface="Open Sans Light" panose="020B0306030504020204" pitchFamily="34" charset="0"/>
+                <a:cs typeface="Open Sans Light" panose="020B0306030504020204" pitchFamily="34" charset="0"/>
+              </a:rPr>
+              <a:t>VII.   Fazit</a:t>
+            </a:r>
+            <a:endParaRPr lang="de-DE" dirty="0">
+              <a:ea typeface="Open Sans Light" panose="020B0306030504020204" pitchFamily="34" charset="0"/>
+              <a:cs typeface="Open Sans Light" panose="020B0306030504020204" pitchFamily="34" charset="0"/>
+            </a:endParaRPr>
+          </a:p>
+          <a:p>
+            <a:pPr marL="0" indent="0">
+              <a:lnSpc>
+                <a:spcPct val="120000"/>
+              </a:lnSpc>
+              <a:buNone/>
+            </a:pPr>
+            <a:endParaRPr lang="de-DE" dirty="0" smtClean="0">
+              <a:ea typeface="Open Sans Light" panose="020B0306030504020204" pitchFamily="34" charset="0"/>
+              <a:cs typeface="Open Sans Light" panose="020B0306030504020204" pitchFamily="34" charset="0"/>
+            </a:endParaRPr>
+          </a:p>
+          <a:p>
+            <a:pPr marL="0" indent="0">
+              <a:lnSpc>
+                <a:spcPct val="150000"/>
+              </a:lnSpc>
+              <a:buNone/>
+            </a:pPr>
             <a:endParaRPr lang="de-DE" dirty="0"/>
           </a:p>
         </p:txBody>
@@ -21772,7 +24294,7 @@
           <p:cNvPr id="113" name="Grafik 112">
             <a:extLst>
               <a:ext uri="{FF2B5EF4-FFF2-40B4-BE49-F238E27FC236}">
-                <a16:creationId xmlns:a16="http://schemas.microsoft.com/office/drawing/2014/main" id="{D5D75B60-54C6-4637-A8C3-A328DF689DE9}"/>
+                <a16:creationId xmlns:a16="http://schemas.microsoft.com/office/drawing/2014/main" xmlns="" id="{D5D75B60-54C6-4637-A8C3-A328DF689DE9}"/>
               </a:ext>
             </a:extLst>
           </p:cNvPr>
@@ -21813,6 +24335,13 @@
   <p:clrMapOvr>
     <a:masterClrMapping/>
   </p:clrMapOvr>
+  <p:timing>
+    <p:tnLst>
+      <p:par>
+        <p:cTn id="1" dur="indefinite" restart="never" nodeType="tmRoot"/>
+      </p:par>
+    </p:tnLst>
+  </p:timing>
 </p:sld>
 </file>
 
@@ -21846,10 +24375,10 @@
           <p:cNvPr id="116" name="Down Arrow 7">
             <a:extLst>
               <a:ext uri="{FF2B5EF4-FFF2-40B4-BE49-F238E27FC236}">
-                <a16:creationId xmlns:a16="http://schemas.microsoft.com/office/drawing/2014/main" id="{B547373F-AF2E-4907-B442-9F902B387FD0}"/>
+                <a16:creationId xmlns:a16="http://schemas.microsoft.com/office/drawing/2014/main" xmlns="" id="{B547373F-AF2E-4907-B442-9F902B387FD0}"/>
               </a:ext>
               <a:ext uri="{C183D7F6-B498-43B3-948B-1728B52AA6E4}">
-                <adec:decorative xmlns:adec="http://schemas.microsoft.com/office/drawing/2017/decorative" val="1"/>
+                <adec:decorative xmlns:adec="http://schemas.microsoft.com/office/drawing/2017/decorative" xmlns="" val="1"/>
               </a:ext>
             </a:extLst>
           </p:cNvPr>
@@ -21859,7 +24388,7 @@
           <p:nvPr>
             <p:extLst>
               <p:ext uri="{386F3935-93C4-4BCD-93E2-E3B085C9AB24}">
-                <p16:designElem xmlns:p16="http://schemas.microsoft.com/office/powerpoint/2015/main" val="1"/>
+                <p16:designElem xmlns:p16="http://schemas.microsoft.com/office/powerpoint/2015/main" xmlns="" val="1"/>
               </p:ext>
             </p:extLst>
           </p:nvPr>
@@ -21915,7 +24444,7 @@
           <p:cNvPr id="111" name="Inhaltsplatzhalter 2">
             <a:extLst>
               <a:ext uri="{FF2B5EF4-FFF2-40B4-BE49-F238E27FC236}">
-                <a16:creationId xmlns:a16="http://schemas.microsoft.com/office/drawing/2014/main" id="{DFED6985-E05C-5442-8D81-240D91D1C65A}"/>
+                <a16:creationId xmlns:a16="http://schemas.microsoft.com/office/drawing/2014/main" xmlns="" id="{DFED6985-E05C-5442-8D81-240D91D1C65A}"/>
               </a:ext>
             </a:extLst>
           </p:cNvPr>
@@ -22118,7 +24647,7 @@
           <p:cNvPr id="15" name="Grafik 14">
             <a:extLst>
               <a:ext uri="{FF2B5EF4-FFF2-40B4-BE49-F238E27FC236}">
-                <a16:creationId xmlns:a16="http://schemas.microsoft.com/office/drawing/2014/main" id="{4E790222-7184-4E46-858C-49DFA0B66F2F}"/>
+                <a16:creationId xmlns:a16="http://schemas.microsoft.com/office/drawing/2014/main" xmlns="" id="{4E790222-7184-4E46-858C-49DFA0B66F2F}"/>
               </a:ext>
             </a:extLst>
           </p:cNvPr>
@@ -22154,7 +24683,7 @@
           <p:cNvPr id="6" name="Titel 5">
             <a:extLst>
               <a:ext uri="{FF2B5EF4-FFF2-40B4-BE49-F238E27FC236}">
-                <a16:creationId xmlns:a16="http://schemas.microsoft.com/office/drawing/2014/main" id="{97D4CC26-A6D9-44D5-BE51-0167991D4E18}"/>
+                <a16:creationId xmlns:a16="http://schemas.microsoft.com/office/drawing/2014/main" xmlns="" id="{97D4CC26-A6D9-44D5-BE51-0167991D4E18}"/>
               </a:ext>
             </a:extLst>
           </p:cNvPr>
@@ -22224,7 +24753,7 @@
           <p:cNvPr id="10" name="Diagramm 9">
             <a:extLst>
               <a:ext uri="{FF2B5EF4-FFF2-40B4-BE49-F238E27FC236}">
-                <a16:creationId xmlns:a16="http://schemas.microsoft.com/office/drawing/2014/main" id="{54999A2C-F4C3-4DB0-AD54-8463A76745D3}"/>
+                <a16:creationId xmlns:a16="http://schemas.microsoft.com/office/drawing/2014/main" xmlns="" id="{54999A2C-F4C3-4DB0-AD54-8463A76745D3}"/>
               </a:ext>
             </a:extLst>
           </p:cNvPr>
@@ -22232,14 +24761,14 @@
           <p:nvPr>
             <p:extLst>
               <p:ext uri="{D42A27DB-BD31-4B8C-83A1-F6EECF244321}">
-                <p14:modId xmlns:p14="http://schemas.microsoft.com/office/powerpoint/2010/main" val="3508725819"/>
+                <p14:modId xmlns:p14="http://schemas.microsoft.com/office/powerpoint/2010/main" val="1419649999"/>
               </p:ext>
             </p:extLst>
           </p:nvPr>
         </p:nvGraphicFramePr>
         <p:xfrm>
-          <a:off x="3035300" y="873311"/>
-          <a:ext cx="8128000" cy="5418667"/>
+          <a:off x="2203269" y="313509"/>
+          <a:ext cx="8960031" cy="5978469"/>
         </p:xfrm>
         <a:graphic>
           <a:graphicData uri="http://schemas.openxmlformats.org/drawingml/2006/diagram">
@@ -22257,6 +24786,13 @@
   <p:clrMapOvr>
     <a:masterClrMapping/>
   </p:clrMapOvr>
+  <p:timing>
+    <p:tnLst>
+      <p:par>
+        <p:cTn id="1" dur="indefinite" restart="never" nodeType="tmRoot"/>
+      </p:par>
+    </p:tnLst>
+  </p:timing>
 </p:sld>
 </file>
 
@@ -22290,10 +24826,10 @@
           <p:cNvPr id="116" name="Down Arrow 7">
             <a:extLst>
               <a:ext uri="{FF2B5EF4-FFF2-40B4-BE49-F238E27FC236}">
-                <a16:creationId xmlns:a16="http://schemas.microsoft.com/office/drawing/2014/main" id="{B547373F-AF2E-4907-B442-9F902B387FD0}"/>
+                <a16:creationId xmlns:a16="http://schemas.microsoft.com/office/drawing/2014/main" xmlns="" id="{B547373F-AF2E-4907-B442-9F902B387FD0}"/>
               </a:ext>
               <a:ext uri="{C183D7F6-B498-43B3-948B-1728B52AA6E4}">
-                <adec:decorative xmlns:adec="http://schemas.microsoft.com/office/drawing/2017/decorative" val="1"/>
+                <adec:decorative xmlns:adec="http://schemas.microsoft.com/office/drawing/2017/decorative" xmlns="" val="1"/>
               </a:ext>
             </a:extLst>
           </p:cNvPr>
@@ -22303,7 +24839,7 @@
           <p:nvPr>
             <p:extLst>
               <p:ext uri="{386F3935-93C4-4BCD-93E2-E3B085C9AB24}">
-                <p16:designElem xmlns:p16="http://schemas.microsoft.com/office/powerpoint/2015/main" val="1"/>
+                <p16:designElem xmlns:p16="http://schemas.microsoft.com/office/powerpoint/2015/main" xmlns="" val="1"/>
               </p:ext>
             </p:extLst>
           </p:nvPr>
@@ -22359,7 +24895,7 @@
           <p:cNvPr id="111" name="Inhaltsplatzhalter 2">
             <a:extLst>
               <a:ext uri="{FF2B5EF4-FFF2-40B4-BE49-F238E27FC236}">
-                <a16:creationId xmlns:a16="http://schemas.microsoft.com/office/drawing/2014/main" id="{DFED6985-E05C-5442-8D81-240D91D1C65A}"/>
+                <a16:creationId xmlns:a16="http://schemas.microsoft.com/office/drawing/2014/main" xmlns="" id="{DFED6985-E05C-5442-8D81-240D91D1C65A}"/>
               </a:ext>
             </a:extLst>
           </p:cNvPr>
@@ -22562,7 +25098,7 @@
           <p:cNvPr id="15" name="Grafik 14">
             <a:extLst>
               <a:ext uri="{FF2B5EF4-FFF2-40B4-BE49-F238E27FC236}">
-                <a16:creationId xmlns:a16="http://schemas.microsoft.com/office/drawing/2014/main" id="{4E790222-7184-4E46-858C-49DFA0B66F2F}"/>
+                <a16:creationId xmlns:a16="http://schemas.microsoft.com/office/drawing/2014/main" xmlns="" id="{4E790222-7184-4E46-858C-49DFA0B66F2F}"/>
               </a:ext>
             </a:extLst>
           </p:cNvPr>
@@ -22598,7 +25134,7 @@
           <p:cNvPr id="6" name="Titel 5">
             <a:extLst>
               <a:ext uri="{FF2B5EF4-FFF2-40B4-BE49-F238E27FC236}">
-                <a16:creationId xmlns:a16="http://schemas.microsoft.com/office/drawing/2014/main" id="{97D4CC26-A6D9-44D5-BE51-0167991D4E18}"/>
+                <a16:creationId xmlns:a16="http://schemas.microsoft.com/office/drawing/2014/main" xmlns="" id="{97D4CC26-A6D9-44D5-BE51-0167991D4E18}"/>
               </a:ext>
             </a:extLst>
           </p:cNvPr>
@@ -22639,7 +25175,7 @@
           <p:cNvPr id="3" name="Rechteck 2">
             <a:extLst>
               <a:ext uri="{FF2B5EF4-FFF2-40B4-BE49-F238E27FC236}">
-                <a16:creationId xmlns:a16="http://schemas.microsoft.com/office/drawing/2014/main" id="{19A7C4E9-FD6A-48B1-89D8-C2A2C99357D4}"/>
+                <a16:creationId xmlns:a16="http://schemas.microsoft.com/office/drawing/2014/main" xmlns="" id="{19A7C4E9-FD6A-48B1-89D8-C2A2C99357D4}"/>
               </a:ext>
             </a:extLst>
           </p:cNvPr>
@@ -22662,9 +25198,12 @@
           <a:lstStyle/>
           <a:p>
             <a:r>
-              <a:rPr lang="de-DE" sz="3200" u="sng" dirty="0"/>
+              <a:rPr lang="de-DE" sz="3200" u="sng" dirty="0">
+                <a:hlinkClick r:id="rId3"/>
+              </a:rPr>
               <a:t>https://gruppe2.testsites.info/</a:t>
             </a:r>
+            <a:endParaRPr lang="de-DE" sz="3200" u="sng" dirty="0"/>
           </a:p>
         </p:txBody>
       </p:sp>
@@ -22678,6 +25217,13 @@
   <p:clrMapOvr>
     <a:masterClrMapping/>
   </p:clrMapOvr>
+  <p:timing>
+    <p:tnLst>
+      <p:par>
+        <p:cTn id="1" dur="indefinite" restart="never" nodeType="tmRoot"/>
+      </p:par>
+    </p:tnLst>
+  </p:timing>
 </p:sld>
 </file>
 
@@ -22711,10 +25257,10 @@
           <p:cNvPr id="116" name="Down Arrow 7">
             <a:extLst>
               <a:ext uri="{FF2B5EF4-FFF2-40B4-BE49-F238E27FC236}">
-                <a16:creationId xmlns:a16="http://schemas.microsoft.com/office/drawing/2014/main" id="{B547373F-AF2E-4907-B442-9F902B387FD0}"/>
+                <a16:creationId xmlns:a16="http://schemas.microsoft.com/office/drawing/2014/main" xmlns="" id="{B547373F-AF2E-4907-B442-9F902B387FD0}"/>
               </a:ext>
               <a:ext uri="{C183D7F6-B498-43B3-948B-1728B52AA6E4}">
-                <adec:decorative xmlns:adec="http://schemas.microsoft.com/office/drawing/2017/decorative" val="1"/>
+                <adec:decorative xmlns:adec="http://schemas.microsoft.com/office/drawing/2017/decorative" xmlns="" val="1"/>
               </a:ext>
             </a:extLst>
           </p:cNvPr>
@@ -22724,7 +25270,7 @@
           <p:nvPr>
             <p:extLst>
               <p:ext uri="{386F3935-93C4-4BCD-93E2-E3B085C9AB24}">
-                <p16:designElem xmlns:p16="http://schemas.microsoft.com/office/powerpoint/2015/main" val="1"/>
+                <p16:designElem xmlns:p16="http://schemas.microsoft.com/office/powerpoint/2015/main" xmlns="" val="1"/>
               </p:ext>
             </p:extLst>
           </p:nvPr>
@@ -22780,7 +25326,7 @@
           <p:cNvPr id="111" name="Inhaltsplatzhalter 2">
             <a:extLst>
               <a:ext uri="{FF2B5EF4-FFF2-40B4-BE49-F238E27FC236}">
-                <a16:creationId xmlns:a16="http://schemas.microsoft.com/office/drawing/2014/main" id="{DFED6985-E05C-5442-8D81-240D91D1C65A}"/>
+                <a16:creationId xmlns:a16="http://schemas.microsoft.com/office/drawing/2014/main" xmlns="" id="{DFED6985-E05C-5442-8D81-240D91D1C65A}"/>
               </a:ext>
             </a:extLst>
           </p:cNvPr>
@@ -22983,7 +25529,7 @@
           <p:cNvPr id="7" name="Grafik 6">
             <a:extLst>
               <a:ext uri="{FF2B5EF4-FFF2-40B4-BE49-F238E27FC236}">
-                <a16:creationId xmlns:a16="http://schemas.microsoft.com/office/drawing/2014/main" id="{02DD65C2-4B20-4D5C-AFF8-12C63A2AF6F5}"/>
+                <a16:creationId xmlns:a16="http://schemas.microsoft.com/office/drawing/2014/main" xmlns="" id="{02DD65C2-4B20-4D5C-AFF8-12C63A2AF6F5}"/>
               </a:ext>
             </a:extLst>
           </p:cNvPr>
@@ -23019,7 +25565,7 @@
           <p:cNvPr id="6" name="Titel 5">
             <a:extLst>
               <a:ext uri="{FF2B5EF4-FFF2-40B4-BE49-F238E27FC236}">
-                <a16:creationId xmlns:a16="http://schemas.microsoft.com/office/drawing/2014/main" id="{97D4CC26-A6D9-44D5-BE51-0167991D4E18}"/>
+                <a16:creationId xmlns:a16="http://schemas.microsoft.com/office/drawing/2014/main" xmlns="" id="{97D4CC26-A6D9-44D5-BE51-0167991D4E18}"/>
               </a:ext>
             </a:extLst>
           </p:cNvPr>
@@ -23057,15 +25603,20 @@
                 <a:solidFill>
                   <a:schemeClr val="bg1"/>
                 </a:solidFill>
-                <a:latin typeface="Open Sans Light" panose="020B0306030504020204" pitchFamily="34" charset="0"/>
                 <a:ea typeface="Open Sans Light" panose="020B0306030504020204" pitchFamily="34" charset="0"/>
                 <a:cs typeface="Open Sans Light" panose="020B0306030504020204" pitchFamily="34" charset="0"/>
               </a:rPr>
               <a:t> Team &amp; Verteilung</a:t>
             </a:r>
+            <a:r>
+              <a:rPr lang="de-DE" sz="3600" dirty="0">
+                <a:ea typeface="Open Sans Light" panose="020B0306030504020204" pitchFamily="34" charset="0"/>
+                <a:cs typeface="Open Sans Light" panose="020B0306030504020204" pitchFamily="34" charset="0"/>
+              </a:rPr>
+              <a:t/>
+            </a:r>
             <a:br>
               <a:rPr lang="de-DE" sz="3600" dirty="0">
-                <a:latin typeface="Open Sans Light" panose="020B0306030504020204" pitchFamily="34" charset="0"/>
                 <a:ea typeface="Open Sans Light" panose="020B0306030504020204" pitchFamily="34" charset="0"/>
                 <a:cs typeface="Open Sans Light" panose="020B0306030504020204" pitchFamily="34" charset="0"/>
               </a:rPr>
@@ -23086,7 +25637,7 @@
           <p:cNvPr id="8" name="Diagramm 7">
             <a:extLst>
               <a:ext uri="{FF2B5EF4-FFF2-40B4-BE49-F238E27FC236}">
-                <a16:creationId xmlns:a16="http://schemas.microsoft.com/office/drawing/2014/main" id="{2BCA650B-8BCC-4BDE-BF12-505EF24ECB0A}"/>
+                <a16:creationId xmlns:a16="http://schemas.microsoft.com/office/drawing/2014/main" xmlns="" id="{2BCA650B-8BCC-4BDE-BF12-505EF24ECB0A}"/>
               </a:ext>
             </a:extLst>
           </p:cNvPr>
@@ -23114,7 +25665,7 @@
           <p:cNvPr id="9" name="Textfeld 8">
             <a:extLst>
               <a:ext uri="{FF2B5EF4-FFF2-40B4-BE49-F238E27FC236}">
-                <a16:creationId xmlns:a16="http://schemas.microsoft.com/office/drawing/2014/main" id="{3AD15615-715B-4D9F-94F6-D4663A63AB4C}"/>
+                <a16:creationId xmlns:a16="http://schemas.microsoft.com/office/drawing/2014/main" xmlns="" id="{3AD15615-715B-4D9F-94F6-D4663A63AB4C}"/>
               </a:ext>
             </a:extLst>
           </p:cNvPr>
@@ -23177,7 +25728,7 @@
           <p:cNvPr id="13" name="Textfeld 12">
             <a:extLst>
               <a:ext uri="{FF2B5EF4-FFF2-40B4-BE49-F238E27FC236}">
-                <a16:creationId xmlns:a16="http://schemas.microsoft.com/office/drawing/2014/main" id="{591888E5-B5CC-424E-A07C-1BB2DB7CAF62}"/>
+                <a16:creationId xmlns:a16="http://schemas.microsoft.com/office/drawing/2014/main" xmlns="" id="{591888E5-B5CC-424E-A07C-1BB2DB7CAF62}"/>
               </a:ext>
             </a:extLst>
           </p:cNvPr>
@@ -23187,7 +25738,7 @@
         <p:spPr>
           <a:xfrm>
             <a:off x="5613568" y="532259"/>
-            <a:ext cx="2284645" cy="1200329"/>
+            <a:ext cx="2284645" cy="923330"/>
           </a:xfrm>
           <a:prstGeom prst="rect">
             <a:avLst/>
@@ -23222,7 +25773,7 @@
             </a:pPr>
             <a:r>
               <a:rPr lang="de-DE" dirty="0"/>
-              <a:t>Fixes (Chat, API, SQL)</a:t>
+              <a:t>Fixes (Chat, SQL)</a:t>
             </a:r>
           </a:p>
           <a:p>
@@ -23246,7 +25797,7 @@
           <p:cNvPr id="14" name="Textfeld 13">
             <a:extLst>
               <a:ext uri="{FF2B5EF4-FFF2-40B4-BE49-F238E27FC236}">
-                <a16:creationId xmlns:a16="http://schemas.microsoft.com/office/drawing/2014/main" id="{D39FEB12-8483-43CD-85D2-932A3800ADF2}"/>
+                <a16:creationId xmlns:a16="http://schemas.microsoft.com/office/drawing/2014/main" xmlns="" id="{D39FEB12-8483-43CD-85D2-932A3800ADF2}"/>
               </a:ext>
             </a:extLst>
           </p:cNvPr>
@@ -23314,6 +25865,13 @@
   <p:clrMapOvr>
     <a:masterClrMapping/>
   </p:clrMapOvr>
+  <p:timing>
+    <p:tnLst>
+      <p:par>
+        <p:cTn id="1" dur="indefinite" restart="never" nodeType="tmRoot"/>
+      </p:par>
+    </p:tnLst>
+  </p:timing>
 </p:sld>
 </file>
 
@@ -23347,10 +25905,10 @@
           <p:cNvPr id="8" name="Down Arrow 7">
             <a:extLst>
               <a:ext uri="{FF2B5EF4-FFF2-40B4-BE49-F238E27FC236}">
-                <a16:creationId xmlns:a16="http://schemas.microsoft.com/office/drawing/2014/main" id="{B547373F-AF2E-4907-B442-9F902B387FD0}"/>
+                <a16:creationId xmlns:a16="http://schemas.microsoft.com/office/drawing/2014/main" xmlns="" id="{B547373F-AF2E-4907-B442-9F902B387FD0}"/>
               </a:ext>
               <a:ext uri="{C183D7F6-B498-43B3-948B-1728B52AA6E4}">
-                <adec:decorative xmlns:adec="http://schemas.microsoft.com/office/drawing/2017/decorative" val="1"/>
+                <adec:decorative xmlns:adec="http://schemas.microsoft.com/office/drawing/2017/decorative" xmlns="" val="1"/>
               </a:ext>
             </a:extLst>
           </p:cNvPr>
@@ -23360,7 +25918,7 @@
           <p:nvPr>
             <p:extLst>
               <p:ext uri="{386F3935-93C4-4BCD-93E2-E3B085C9AB24}">
-                <p16:designElem xmlns:p16="http://schemas.microsoft.com/office/powerpoint/2015/main" val="1"/>
+                <p16:designElem xmlns:p16="http://schemas.microsoft.com/office/powerpoint/2015/main" xmlns="" val="1"/>
               </p:ext>
             </p:extLst>
           </p:nvPr>
@@ -23416,7 +25974,7 @@
           <p:cNvPr id="3" name="Grafik 2">
             <a:extLst>
               <a:ext uri="{FF2B5EF4-FFF2-40B4-BE49-F238E27FC236}">
-                <a16:creationId xmlns:a16="http://schemas.microsoft.com/office/drawing/2014/main" id="{8B863EA1-EC9E-4D18-8114-CAE5B0861FB0}"/>
+                <a16:creationId xmlns:a16="http://schemas.microsoft.com/office/drawing/2014/main" xmlns="" id="{8B863EA1-EC9E-4D18-8114-CAE5B0861FB0}"/>
               </a:ext>
             </a:extLst>
           </p:cNvPr>
@@ -23426,7 +25984,7 @@
           <p:nvPr/>
         </p:nvPicPr>
         <p:blipFill>
-          <a:blip r:embed="rId2">
+          <a:blip r:embed="rId3">
             <a:extLst>
               <a:ext uri="{28A0092B-C50C-407E-A947-70E740481C1C}">
                 <a14:useLocalDpi xmlns:a14="http://schemas.microsoft.com/office/drawing/2010/main" val="0"/>
@@ -23452,7 +26010,7 @@
           <p:cNvPr id="2" name="Titel 1">
             <a:extLst>
               <a:ext uri="{FF2B5EF4-FFF2-40B4-BE49-F238E27FC236}">
-                <a16:creationId xmlns:a16="http://schemas.microsoft.com/office/drawing/2014/main" id="{2739BE3E-CAB9-4698-9CD4-9384CBCC5931}"/>
+                <a16:creationId xmlns:a16="http://schemas.microsoft.com/office/drawing/2014/main" xmlns="" id="{2739BE3E-CAB9-4698-9CD4-9384CBCC5931}"/>
               </a:ext>
             </a:extLst>
           </p:cNvPr>
@@ -23493,7 +26051,7 @@
           <p:cNvPr id="5" name="Grafik 4">
             <a:extLst>
               <a:ext uri="{FF2B5EF4-FFF2-40B4-BE49-F238E27FC236}">
-                <a16:creationId xmlns:a16="http://schemas.microsoft.com/office/drawing/2014/main" id="{32ECBE6A-7A06-4927-BCCF-8C3D8BF52C8D}"/>
+                <a16:creationId xmlns:a16="http://schemas.microsoft.com/office/drawing/2014/main" xmlns="" id="{32ECBE6A-7A06-4927-BCCF-8C3D8BF52C8D}"/>
               </a:ext>
             </a:extLst>
           </p:cNvPr>
@@ -23503,7 +26061,7 @@
           <p:nvPr/>
         </p:nvPicPr>
         <p:blipFill>
-          <a:blip r:embed="rId3">
+          <a:blip r:embed="rId4">
             <a:extLst>
               <a:ext uri="{28A0092B-C50C-407E-A947-70E740481C1C}">
                 <a14:useLocalDpi xmlns:a14="http://schemas.microsoft.com/office/drawing/2010/main" val="0"/>
@@ -23529,7 +26087,7 @@
           <p:cNvPr id="7" name="Grafik 6">
             <a:extLst>
               <a:ext uri="{FF2B5EF4-FFF2-40B4-BE49-F238E27FC236}">
-                <a16:creationId xmlns:a16="http://schemas.microsoft.com/office/drawing/2014/main" id="{8F7E4830-E8F6-44F8-9122-299794812174}"/>
+                <a16:creationId xmlns:a16="http://schemas.microsoft.com/office/drawing/2014/main" xmlns="" id="{8F7E4830-E8F6-44F8-9122-299794812174}"/>
               </a:ext>
             </a:extLst>
           </p:cNvPr>
@@ -23539,7 +26097,7 @@
           <p:nvPr/>
         </p:nvPicPr>
         <p:blipFill>
-          <a:blip r:embed="rId4">
+          <a:blip r:embed="rId5">
             <a:extLst>
               <a:ext uri="{28A0092B-C50C-407E-A947-70E740481C1C}">
                 <a14:useLocalDpi xmlns:a14="http://schemas.microsoft.com/office/drawing/2010/main" val="0"/>
@@ -23565,7 +26123,7 @@
           <p:cNvPr id="10" name="Grafik 9">
             <a:extLst>
               <a:ext uri="{FF2B5EF4-FFF2-40B4-BE49-F238E27FC236}">
-                <a16:creationId xmlns:a16="http://schemas.microsoft.com/office/drawing/2014/main" id="{5178916D-806C-47BA-89DC-539BF3BF4EDA}"/>
+                <a16:creationId xmlns:a16="http://schemas.microsoft.com/office/drawing/2014/main" xmlns="" id="{5178916D-806C-47BA-89DC-539BF3BF4EDA}"/>
               </a:ext>
             </a:extLst>
           </p:cNvPr>
@@ -23575,7 +26133,7 @@
           <p:nvPr/>
         </p:nvPicPr>
         <p:blipFill>
-          <a:blip r:embed="rId5">
+          <a:blip r:embed="rId6">
             <a:extLst>
               <a:ext uri="{28A0092B-C50C-407E-A947-70E740481C1C}">
                 <a14:useLocalDpi xmlns:a14="http://schemas.microsoft.com/office/drawing/2010/main" val="0"/>
@@ -23601,7 +26159,7 @@
           <p:cNvPr id="12" name="Grafik 11">
             <a:extLst>
               <a:ext uri="{FF2B5EF4-FFF2-40B4-BE49-F238E27FC236}">
-                <a16:creationId xmlns:a16="http://schemas.microsoft.com/office/drawing/2014/main" id="{FB91FBAE-C7A1-458C-974F-7F81AA8FF59E}"/>
+                <a16:creationId xmlns:a16="http://schemas.microsoft.com/office/drawing/2014/main" xmlns="" id="{FB91FBAE-C7A1-458C-974F-7F81AA8FF59E}"/>
               </a:ext>
             </a:extLst>
           </p:cNvPr>
@@ -23611,7 +26169,7 @@
           <p:nvPr/>
         </p:nvPicPr>
         <p:blipFill>
-          <a:blip r:embed="rId6">
+          <a:blip r:embed="rId7">
             <a:extLst>
               <a:ext uri="{28A0092B-C50C-407E-A947-70E740481C1C}">
                 <a14:useLocalDpi xmlns:a14="http://schemas.microsoft.com/office/drawing/2010/main" val="0"/>
@@ -23637,7 +26195,7 @@
           <p:cNvPr id="14" name="Grafik 13">
             <a:extLst>
               <a:ext uri="{FF2B5EF4-FFF2-40B4-BE49-F238E27FC236}">
-                <a16:creationId xmlns:a16="http://schemas.microsoft.com/office/drawing/2014/main" id="{56B5F0AE-F5C8-41E2-8A7B-0500501AA60D}"/>
+                <a16:creationId xmlns:a16="http://schemas.microsoft.com/office/drawing/2014/main" xmlns="" id="{56B5F0AE-F5C8-41E2-8A7B-0500501AA60D}"/>
               </a:ext>
             </a:extLst>
           </p:cNvPr>
@@ -23647,7 +26205,7 @@
           <p:nvPr/>
         </p:nvPicPr>
         <p:blipFill>
-          <a:blip r:embed="rId7">
+          <a:blip r:embed="rId8">
             <a:extLst>
               <a:ext uri="{28A0092B-C50C-407E-A947-70E740481C1C}">
                 <a14:useLocalDpi xmlns:a14="http://schemas.microsoft.com/office/drawing/2010/main" val="0"/>
@@ -23673,7 +26231,7 @@
           <p:cNvPr id="21" name="Grafik 20">
             <a:extLst>
               <a:ext uri="{FF2B5EF4-FFF2-40B4-BE49-F238E27FC236}">
-                <a16:creationId xmlns:a16="http://schemas.microsoft.com/office/drawing/2014/main" id="{56BAACDF-55AC-4B52-9D4B-A127210D7558}"/>
+                <a16:creationId xmlns:a16="http://schemas.microsoft.com/office/drawing/2014/main" xmlns="" id="{56BAACDF-55AC-4B52-9D4B-A127210D7558}"/>
               </a:ext>
             </a:extLst>
           </p:cNvPr>
@@ -23683,7 +26241,7 @@
           <p:nvPr/>
         </p:nvPicPr>
         <p:blipFill>
-          <a:blip r:embed="rId8">
+          <a:blip r:embed="rId9">
             <a:extLst>
               <a:ext uri="{28A0092B-C50C-407E-A947-70E740481C1C}">
                 <a14:useLocalDpi xmlns:a14="http://schemas.microsoft.com/office/drawing/2010/main" val="0"/>
@@ -23709,7 +26267,7 @@
           <p:cNvPr id="23" name="Grafik 22">
             <a:extLst>
               <a:ext uri="{FF2B5EF4-FFF2-40B4-BE49-F238E27FC236}">
-                <a16:creationId xmlns:a16="http://schemas.microsoft.com/office/drawing/2014/main" id="{2E393EE1-69FA-453E-99C1-EB0A7F376423}"/>
+                <a16:creationId xmlns:a16="http://schemas.microsoft.com/office/drawing/2014/main" xmlns="" id="{2E393EE1-69FA-453E-99C1-EB0A7F376423}"/>
               </a:ext>
             </a:extLst>
           </p:cNvPr>
@@ -23719,7 +26277,7 @@
           <p:nvPr/>
         </p:nvPicPr>
         <p:blipFill>
-          <a:blip r:embed="rId9">
+          <a:blip r:embed="rId10">
             <a:extLst>
               <a:ext uri="{28A0092B-C50C-407E-A947-70E740481C1C}">
                 <a14:useLocalDpi xmlns:a14="http://schemas.microsoft.com/office/drawing/2010/main" val="0"/>
@@ -23745,7 +26303,7 @@
           <p:cNvPr id="26" name="Grafik 25">
             <a:extLst>
               <a:ext uri="{FF2B5EF4-FFF2-40B4-BE49-F238E27FC236}">
-                <a16:creationId xmlns:a16="http://schemas.microsoft.com/office/drawing/2014/main" id="{8DD9CBBF-BFB2-4104-BF73-DEDFA863E61F}"/>
+                <a16:creationId xmlns:a16="http://schemas.microsoft.com/office/drawing/2014/main" xmlns="" id="{8DD9CBBF-BFB2-4104-BF73-DEDFA863E61F}"/>
               </a:ext>
             </a:extLst>
           </p:cNvPr>
@@ -23755,13 +26313,13 @@
           <p:nvPr/>
         </p:nvPicPr>
         <p:blipFill>
-          <a:blip r:embed="rId10">
+          <a:blip r:embed="rId11">
             <a:extLst>
               <a:ext uri="{28A0092B-C50C-407E-A947-70E740481C1C}">
                 <a14:useLocalDpi xmlns:a14="http://schemas.microsoft.com/office/drawing/2010/main" val="0"/>
               </a:ext>
               <a:ext uri="{96DAC541-7B7A-43D3-8B79-37D633B846F1}">
-                <asvg:svgBlip xmlns:asvg="http://schemas.microsoft.com/office/drawing/2016/SVG/main" r:embed="rId11"/>
+                <asvg:svgBlip xmlns:asvg="http://schemas.microsoft.com/office/drawing/2016/SVG/main" xmlns="" r:embed="rId12"/>
               </a:ext>
             </a:extLst>
           </a:blip>
@@ -23784,7 +26342,7 @@
           <p:cNvPr id="27" name="Grafik 26">
             <a:extLst>
               <a:ext uri="{FF2B5EF4-FFF2-40B4-BE49-F238E27FC236}">
-                <a16:creationId xmlns:a16="http://schemas.microsoft.com/office/drawing/2014/main" id="{2164046B-0C86-49B3-9FDB-3FD130BAB91E}"/>
+                <a16:creationId xmlns:a16="http://schemas.microsoft.com/office/drawing/2014/main" xmlns="" id="{2164046B-0C86-49B3-9FDB-3FD130BAB91E}"/>
               </a:ext>
             </a:extLst>
           </p:cNvPr>
@@ -23794,7 +26352,7 @@
           <p:nvPr/>
         </p:nvPicPr>
         <p:blipFill>
-          <a:blip r:embed="rId12">
+          <a:blip r:embed="rId13">
             <a:extLst>
               <a:ext uri="{28A0092B-C50C-407E-A947-70E740481C1C}">
                 <a14:useLocalDpi xmlns:a14="http://schemas.microsoft.com/office/drawing/2010/main" val="0"/>
@@ -23825,6 +26383,13 @@
   <p:clrMapOvr>
     <a:masterClrMapping/>
   </p:clrMapOvr>
+  <p:timing>
+    <p:tnLst>
+      <p:par>
+        <p:cTn id="1" dur="indefinite" restart="never" nodeType="tmRoot"/>
+      </p:par>
+    </p:tnLst>
+  </p:timing>
 </p:sld>
 </file>
 
@@ -23858,10 +26423,10 @@
           <p:cNvPr id="18" name="Down Arrow 7">
             <a:extLst>
               <a:ext uri="{FF2B5EF4-FFF2-40B4-BE49-F238E27FC236}">
-                <a16:creationId xmlns:a16="http://schemas.microsoft.com/office/drawing/2014/main" id="{B547373F-AF2E-4907-B442-9F902B387FD0}"/>
+                <a16:creationId xmlns:a16="http://schemas.microsoft.com/office/drawing/2014/main" xmlns="" id="{B547373F-AF2E-4907-B442-9F902B387FD0}"/>
               </a:ext>
               <a:ext uri="{C183D7F6-B498-43B3-948B-1728B52AA6E4}">
-                <adec:decorative xmlns:adec="http://schemas.microsoft.com/office/drawing/2017/decorative" val="1"/>
+                <adec:decorative xmlns:adec="http://schemas.microsoft.com/office/drawing/2017/decorative" xmlns="" val="1"/>
               </a:ext>
             </a:extLst>
           </p:cNvPr>
@@ -23871,7 +26436,7 @@
           <p:nvPr>
             <p:extLst>
               <p:ext uri="{386F3935-93C4-4BCD-93E2-E3B085C9AB24}">
-                <p16:designElem xmlns:p16="http://schemas.microsoft.com/office/powerpoint/2015/main" val="1"/>
+                <p16:designElem xmlns:p16="http://schemas.microsoft.com/office/powerpoint/2015/main" xmlns="" val="1"/>
               </p:ext>
             </p:extLst>
           </p:nvPr>
@@ -23927,7 +26492,7 @@
           <p:cNvPr id="13" name="Grafik 12">
             <a:extLst>
               <a:ext uri="{FF2B5EF4-FFF2-40B4-BE49-F238E27FC236}">
-                <a16:creationId xmlns:a16="http://schemas.microsoft.com/office/drawing/2014/main" id="{02F1C736-63AE-4F60-8F61-A3513E043B90}"/>
+                <a16:creationId xmlns:a16="http://schemas.microsoft.com/office/drawing/2014/main" xmlns="" id="{02F1C736-63AE-4F60-8F61-A3513E043B90}"/>
               </a:ext>
             </a:extLst>
           </p:cNvPr>
@@ -23937,7 +26502,7 @@
           <p:nvPr/>
         </p:nvPicPr>
         <p:blipFill>
-          <a:blip r:embed="rId2">
+          <a:blip r:embed="rId3">
             <a:extLst>
               <a:ext uri="{28A0092B-C50C-407E-A947-70E740481C1C}">
                 <a14:useLocalDpi xmlns:a14="http://schemas.microsoft.com/office/drawing/2010/main" val="0"/>
@@ -23963,7 +26528,7 @@
           <p:cNvPr id="2" name="Titel 1">
             <a:extLst>
               <a:ext uri="{FF2B5EF4-FFF2-40B4-BE49-F238E27FC236}">
-                <a16:creationId xmlns:a16="http://schemas.microsoft.com/office/drawing/2014/main" id="{2739BE3E-CAB9-4698-9CD4-9384CBCC5931}"/>
+                <a16:creationId xmlns:a16="http://schemas.microsoft.com/office/drawing/2014/main" xmlns="" id="{2739BE3E-CAB9-4698-9CD4-9384CBCC5931}"/>
               </a:ext>
             </a:extLst>
           </p:cNvPr>
@@ -24004,7 +26569,7 @@
           <p:cNvPr id="15" name="Inhaltsplatzhalter 2">
             <a:extLst>
               <a:ext uri="{FF2B5EF4-FFF2-40B4-BE49-F238E27FC236}">
-                <a16:creationId xmlns:a16="http://schemas.microsoft.com/office/drawing/2014/main" id="{89328C25-18F8-8142-A5F6-5B72AD373859}"/>
+                <a16:creationId xmlns:a16="http://schemas.microsoft.com/office/drawing/2014/main" xmlns="" id="{89328C25-18F8-8142-A5F6-5B72AD373859}"/>
               </a:ext>
             </a:extLst>
           </p:cNvPr>
@@ -24015,7 +26580,7 @@
         </p:nvSpPr>
         <p:spPr>
           <a:xfrm>
-            <a:off x="6864484" y="3338629"/>
+            <a:off x="6013146" y="3338629"/>
             <a:ext cx="5181600" cy="3039879"/>
           </a:xfrm>
           <a:prstGeom prst="rect">
@@ -24212,7 +26777,7 @@
           <p:cNvPr id="16" name="Inhaltsplatzhalter 3">
             <a:extLst>
               <a:ext uri="{FF2B5EF4-FFF2-40B4-BE49-F238E27FC236}">
-                <a16:creationId xmlns:a16="http://schemas.microsoft.com/office/drawing/2014/main" id="{FDF25EE8-13FA-EE43-A5CA-42A794804D4D}"/>
+                <a16:creationId xmlns:a16="http://schemas.microsoft.com/office/drawing/2014/main" xmlns="" id="{FDF25EE8-13FA-EE43-A5CA-42A794804D4D}"/>
               </a:ext>
             </a:extLst>
           </p:cNvPr>
@@ -24223,7 +26788,7 @@
         </p:nvSpPr>
         <p:spPr>
           <a:xfrm>
-            <a:off x="6864484" y="190501"/>
+            <a:off x="6013146" y="190501"/>
             <a:ext cx="5181600" cy="3039878"/>
           </a:xfrm>
           <a:prstGeom prst="rect">
@@ -24421,7 +26986,7 @@
           <p:cNvPr id="17" name="Grafik 16">
             <a:extLst>
               <a:ext uri="{FF2B5EF4-FFF2-40B4-BE49-F238E27FC236}">
-                <a16:creationId xmlns:a16="http://schemas.microsoft.com/office/drawing/2014/main" id="{A29152AD-7686-425C-BF18-79A25701FB37}"/>
+                <a16:creationId xmlns:a16="http://schemas.microsoft.com/office/drawing/2014/main" xmlns="" id="{A29152AD-7686-425C-BF18-79A25701FB37}"/>
               </a:ext>
             </a:extLst>
           </p:cNvPr>
@@ -24431,7 +26996,7 @@
           <p:nvPr/>
         </p:nvPicPr>
         <p:blipFill>
-          <a:blip r:embed="rId3">
+          <a:blip r:embed="rId4">
             <a:extLst>
               <a:ext uri="{28A0092B-C50C-407E-A947-70E740481C1C}">
                 <a14:useLocalDpi xmlns:a14="http://schemas.microsoft.com/office/drawing/2010/main" val="0"/>
@@ -24444,7 +27009,7 @@
         </p:blipFill>
         <p:spPr>
           <a:xfrm>
-            <a:off x="8062589" y="296028"/>
+            <a:off x="7211251" y="296028"/>
             <a:ext cx="2246721" cy="1000024"/>
           </a:xfrm>
           <a:prstGeom prst="rect">
@@ -24457,7 +27022,7 @@
           <p:cNvPr id="6" name="Grafik 5">
             <a:extLst>
               <a:ext uri="{FF2B5EF4-FFF2-40B4-BE49-F238E27FC236}">
-                <a16:creationId xmlns:a16="http://schemas.microsoft.com/office/drawing/2014/main" id="{465EA0E6-FE78-41E6-86C3-442BF8FEEA3C}"/>
+                <a16:creationId xmlns:a16="http://schemas.microsoft.com/office/drawing/2014/main" xmlns="" id="{465EA0E6-FE78-41E6-86C3-442BF8FEEA3C}"/>
               </a:ext>
             </a:extLst>
           </p:cNvPr>
@@ -24467,7 +27032,7 @@
           <p:nvPr/>
         </p:nvPicPr>
         <p:blipFill>
-          <a:blip r:embed="rId4">
+          <a:blip r:embed="rId5">
             <a:extLst>
               <a:ext uri="{28A0092B-C50C-407E-A947-70E740481C1C}">
                 <a14:useLocalDpi xmlns:a14="http://schemas.microsoft.com/office/drawing/2010/main" val="0"/>
@@ -24480,7 +27045,7 @@
         </p:blipFill>
         <p:spPr>
           <a:xfrm>
-            <a:off x="8282493" y="3429000"/>
+            <a:off x="7431155" y="3429000"/>
             <a:ext cx="2345582" cy="1248946"/>
           </a:xfrm>
           <a:prstGeom prst="rect">
@@ -24493,7 +27058,7 @@
           <p:cNvPr id="11" name="Gerader Verbinder 10">
             <a:extLst>
               <a:ext uri="{FF2B5EF4-FFF2-40B4-BE49-F238E27FC236}">
-                <a16:creationId xmlns:a16="http://schemas.microsoft.com/office/drawing/2014/main" id="{A1DDB840-F678-45E8-92E4-4139E5DAAEBB}"/>
+                <a16:creationId xmlns:a16="http://schemas.microsoft.com/office/drawing/2014/main" xmlns="" id="{A1DDB840-F678-45E8-92E4-4139E5DAAEBB}"/>
               </a:ext>
             </a:extLst>
           </p:cNvPr>
@@ -24504,7 +27069,7 @@
         </p:nvCxnSpPr>
         <p:spPr>
           <a:xfrm flipV="1">
-            <a:off x="9455284" y="1296052"/>
+            <a:off x="8603946" y="1296052"/>
             <a:ext cx="0" cy="1934327"/>
           </a:xfrm>
           <a:prstGeom prst="line">
@@ -24536,7 +27101,7 @@
           <p:cNvPr id="22" name="Gerader Verbinder 21">
             <a:extLst>
               <a:ext uri="{FF2B5EF4-FFF2-40B4-BE49-F238E27FC236}">
-                <a16:creationId xmlns:a16="http://schemas.microsoft.com/office/drawing/2014/main" id="{CA78EB08-02B4-4F2A-9FD1-844B8C72D4FF}"/>
+                <a16:creationId xmlns:a16="http://schemas.microsoft.com/office/drawing/2014/main" xmlns="" id="{CA78EB08-02B4-4F2A-9FD1-844B8C72D4FF}"/>
               </a:ext>
             </a:extLst>
           </p:cNvPr>
@@ -24548,7 +27113,7 @@
         </p:nvCxnSpPr>
         <p:spPr>
           <a:xfrm flipV="1">
-            <a:off x="9455284" y="4677946"/>
+            <a:off x="8603946" y="4677946"/>
             <a:ext cx="0" cy="1700564"/>
           </a:xfrm>
           <a:prstGeom prst="line">
@@ -24580,7 +27145,7 @@
           <p:cNvPr id="20" name="Textfeld 19">
             <a:extLst>
               <a:ext uri="{FF2B5EF4-FFF2-40B4-BE49-F238E27FC236}">
-                <a16:creationId xmlns:a16="http://schemas.microsoft.com/office/drawing/2014/main" id="{4872F49E-A9FC-417D-BCDD-3EB35A157173}"/>
+                <a16:creationId xmlns:a16="http://schemas.microsoft.com/office/drawing/2014/main" xmlns="" id="{4872F49E-A9FC-417D-BCDD-3EB35A157173}"/>
               </a:ext>
             </a:extLst>
           </p:cNvPr>
@@ -24589,8 +27154,8 @@
         </p:nvSpPr>
         <p:spPr>
           <a:xfrm>
-            <a:off x="6864484" y="1296052"/>
-            <a:ext cx="2590797" cy="369332"/>
+            <a:off x="6013146" y="1296052"/>
+            <a:ext cx="2590797" cy="1477328"/>
           </a:xfrm>
           <a:prstGeom prst="rect">
             <a:avLst/>
@@ -24605,8 +27170,43 @@
           <a:p>
             <a:r>
               <a:rPr lang="de-DE" dirty="0"/>
-              <a:t>Pro:</a:t>
+              <a:t>Pro</a:t>
             </a:r>
+            <a:r>
+              <a:rPr lang="de-DE" dirty="0" smtClean="0"/>
+              <a:t>:</a:t>
+            </a:r>
+          </a:p>
+          <a:p>
+            <a:pPr marL="285750" indent="-285750">
+              <a:buFont typeface="Arial" panose="020B0604020202020204" pitchFamily="34" charset="0"/>
+              <a:buChar char="•"/>
+            </a:pPr>
+            <a:r>
+              <a:rPr lang="de-DE" dirty="0" smtClean="0"/>
+              <a:t>Relationaler Aufbau</a:t>
+            </a:r>
+          </a:p>
+          <a:p>
+            <a:pPr marL="285750" indent="-285750">
+              <a:buFont typeface="Arial" panose="020B0604020202020204" pitchFamily="34" charset="0"/>
+              <a:buChar char="•"/>
+            </a:pPr>
+            <a:r>
+              <a:rPr lang="de-DE" dirty="0" smtClean="0"/>
+              <a:t>Beziehungen hilfreich im Projekt</a:t>
+            </a:r>
+          </a:p>
+          <a:p>
+            <a:pPr marL="285750" indent="-285750">
+              <a:buFont typeface="Arial" panose="020B0604020202020204" pitchFamily="34" charset="0"/>
+              <a:buChar char="•"/>
+            </a:pPr>
+            <a:r>
+              <a:rPr lang="de-DE" dirty="0" smtClean="0"/>
+              <a:t>Vorkenntnisse</a:t>
+            </a:r>
+            <a:endParaRPr lang="de-DE" dirty="0"/>
           </a:p>
         </p:txBody>
       </p:sp>
@@ -24615,7 +27215,7 @@
           <p:cNvPr id="24" name="Textfeld 23">
             <a:extLst>
               <a:ext uri="{FF2B5EF4-FFF2-40B4-BE49-F238E27FC236}">
-                <a16:creationId xmlns:a16="http://schemas.microsoft.com/office/drawing/2014/main" id="{AEF824A0-5E1F-4DDB-9FBA-CE70BED6837E}"/>
+                <a16:creationId xmlns:a16="http://schemas.microsoft.com/office/drawing/2014/main" xmlns="" id="{AEF824A0-5E1F-4DDB-9FBA-CE70BED6837E}"/>
               </a:ext>
             </a:extLst>
           </p:cNvPr>
@@ -24624,8 +27224,8 @@
         </p:nvSpPr>
         <p:spPr>
           <a:xfrm>
-            <a:off x="9455288" y="1287757"/>
-            <a:ext cx="2590797" cy="369332"/>
+            <a:off x="8603950" y="1287757"/>
+            <a:ext cx="2590797" cy="646331"/>
           </a:xfrm>
           <a:prstGeom prst="rect">
             <a:avLst/>
@@ -24643,9 +27243,20 @@
               <a:t>Con</a:t>
             </a:r>
             <a:r>
-              <a:rPr lang="de-DE" dirty="0"/>
+              <a:rPr lang="de-DE" dirty="0" smtClean="0"/>
               <a:t>:</a:t>
             </a:r>
+          </a:p>
+          <a:p>
+            <a:pPr marL="285750" indent="-285750">
+              <a:buFont typeface="Arial" panose="020B0604020202020204" pitchFamily="34" charset="0"/>
+              <a:buChar char="•"/>
+            </a:pPr>
+            <a:r>
+              <a:rPr lang="de-DE" dirty="0" smtClean="0"/>
+              <a:t>Performance</a:t>
+            </a:r>
+            <a:endParaRPr lang="de-DE" dirty="0"/>
           </a:p>
         </p:txBody>
       </p:sp>
@@ -24654,7 +27265,7 @@
           <p:cNvPr id="25" name="Textfeld 24">
             <a:extLst>
               <a:ext uri="{FF2B5EF4-FFF2-40B4-BE49-F238E27FC236}">
-                <a16:creationId xmlns:a16="http://schemas.microsoft.com/office/drawing/2014/main" id="{763B1073-583C-4391-8BB7-4A2F84DE7CF5}"/>
+                <a16:creationId xmlns:a16="http://schemas.microsoft.com/office/drawing/2014/main" xmlns="" id="{763B1073-583C-4391-8BB7-4A2F84DE7CF5}"/>
               </a:ext>
             </a:extLst>
           </p:cNvPr>
@@ -24663,8 +27274,8 @@
         </p:nvSpPr>
         <p:spPr>
           <a:xfrm>
-            <a:off x="6864484" y="4694906"/>
-            <a:ext cx="2590797" cy="369332"/>
+            <a:off x="6013146" y="4694906"/>
+            <a:ext cx="2590797" cy="1200329"/>
           </a:xfrm>
           <a:prstGeom prst="rect">
             <a:avLst/>
@@ -24679,8 +27290,29 @@
           <a:p>
             <a:r>
               <a:rPr lang="de-DE" dirty="0"/>
-              <a:t>Pro:</a:t>
+              <a:t>Pro</a:t>
             </a:r>
+            <a:r>
+              <a:rPr lang="de-DE" dirty="0" smtClean="0"/>
+              <a:t>:</a:t>
+            </a:r>
+          </a:p>
+          <a:p>
+            <a:pPr marL="285750" indent="-285750">
+              <a:buFont typeface="Arial" panose="020B0604020202020204" pitchFamily="34" charset="0"/>
+              <a:buChar char="•"/>
+            </a:pPr>
+            <a:r>
+              <a:rPr lang="de-DE" dirty="0" smtClean="0"/>
+              <a:t>Gut für große Datenmengen</a:t>
+            </a:r>
+          </a:p>
+          <a:p>
+            <a:pPr marL="285750" indent="-285750">
+              <a:buFont typeface="Arial" panose="020B0604020202020204" pitchFamily="34" charset="0"/>
+              <a:buChar char="•"/>
+            </a:pPr>
+            <a:endParaRPr lang="de-DE" dirty="0"/>
           </a:p>
         </p:txBody>
       </p:sp>
@@ -24689,7 +27321,7 @@
           <p:cNvPr id="26" name="Textfeld 25">
             <a:extLst>
               <a:ext uri="{FF2B5EF4-FFF2-40B4-BE49-F238E27FC236}">
-                <a16:creationId xmlns:a16="http://schemas.microsoft.com/office/drawing/2014/main" id="{396AF99D-6D7B-4039-A2F9-1632A711FFC7}"/>
+                <a16:creationId xmlns:a16="http://schemas.microsoft.com/office/drawing/2014/main" xmlns="" id="{396AF99D-6D7B-4039-A2F9-1632A711FFC7}"/>
               </a:ext>
             </a:extLst>
           </p:cNvPr>
@@ -24698,8 +27330,8 @@
         </p:nvSpPr>
         <p:spPr>
           <a:xfrm>
-            <a:off x="9455288" y="4686611"/>
-            <a:ext cx="2590797" cy="369332"/>
+            <a:off x="8603950" y="4686611"/>
+            <a:ext cx="2590797" cy="1200329"/>
           </a:xfrm>
           <a:prstGeom prst="rect">
             <a:avLst/>
@@ -24717,9 +27349,34 @@
               <a:t>Con</a:t>
             </a:r>
             <a:r>
-              <a:rPr lang="de-DE" dirty="0"/>
+              <a:rPr lang="de-DE" dirty="0" smtClean="0"/>
               <a:t>:</a:t>
             </a:r>
+          </a:p>
+          <a:p>
+            <a:pPr marL="285750" indent="-285750">
+              <a:buFont typeface="Arial" panose="020B0604020202020204" pitchFamily="34" charset="0"/>
+              <a:buChar char="•"/>
+            </a:pPr>
+            <a:r>
+              <a:rPr lang="de-DE" dirty="0" smtClean="0"/>
+              <a:t>Keine Beziehungen</a:t>
+            </a:r>
+          </a:p>
+          <a:p>
+            <a:pPr marL="285750" indent="-285750">
+              <a:buFont typeface="Arial" panose="020B0604020202020204" pitchFamily="34" charset="0"/>
+              <a:buChar char="•"/>
+            </a:pPr>
+            <a:r>
+              <a:rPr lang="de-DE" dirty="0" smtClean="0"/>
+              <a:t>So gut </a:t>
+            </a:r>
+            <a:r>
+              <a:rPr lang="de-DE" dirty="0" smtClean="0"/>
+              <a:t>wie keine Erfahrung</a:t>
+            </a:r>
+            <a:endParaRPr lang="de-DE" dirty="0"/>
           </a:p>
         </p:txBody>
       </p:sp>
@@ -24733,6 +27390,13 @@
   <p:clrMapOvr>
     <a:masterClrMapping/>
   </p:clrMapOvr>
+  <p:timing>
+    <p:tnLst>
+      <p:par>
+        <p:cTn id="1" dur="indefinite" restart="never" nodeType="tmRoot"/>
+      </p:par>
+    </p:tnLst>
+  </p:timing>
 </p:sld>
 </file>
 
@@ -24769,10 +27433,10 @@
           <p:cNvPr id="40" name="Freeform: Shape 39">
             <a:extLst>
               <a:ext uri="{FF2B5EF4-FFF2-40B4-BE49-F238E27FC236}">
-                <a16:creationId xmlns:a16="http://schemas.microsoft.com/office/drawing/2014/main" id="{E26B9EF5-5D92-4AC7-BC55-FC5C4C98ED4C}"/>
+                <a16:creationId xmlns:a16="http://schemas.microsoft.com/office/drawing/2014/main" xmlns="" id="{E26B9EF5-5D92-4AC7-BC55-FC5C4C98ED4C}"/>
               </a:ext>
               <a:ext uri="{C183D7F6-B498-43B3-948B-1728B52AA6E4}">
-                <adec:decorative xmlns:adec="http://schemas.microsoft.com/office/drawing/2017/decorative" val="1"/>
+                <adec:decorative xmlns:adec="http://schemas.microsoft.com/office/drawing/2017/decorative" xmlns="" val="1"/>
               </a:ext>
             </a:extLst>
           </p:cNvPr>
@@ -24782,7 +27446,7 @@
           <p:nvPr>
             <p:extLst>
               <p:ext uri="{386F3935-93C4-4BCD-93E2-E3B085C9AB24}">
-                <p16:designElem xmlns:p16="http://schemas.microsoft.com/office/powerpoint/2015/main" val="1"/>
+                <p16:designElem xmlns:p16="http://schemas.microsoft.com/office/powerpoint/2015/main" xmlns="" val="1"/>
               </p:ext>
             </p:extLst>
           </p:nvPr>
@@ -24938,10 +27602,10 @@
           <p:cNvPr id="42" name="Freeform: Shape 41">
             <a:extLst>
               <a:ext uri="{FF2B5EF4-FFF2-40B4-BE49-F238E27FC236}">
-                <a16:creationId xmlns:a16="http://schemas.microsoft.com/office/drawing/2014/main" id="{F05C5575-0F07-43D0-AE78-81EAA8E67152}"/>
+                <a16:creationId xmlns:a16="http://schemas.microsoft.com/office/drawing/2014/main" xmlns="" id="{F05C5575-0F07-43D0-AE78-81EAA8E67152}"/>
               </a:ext>
               <a:ext uri="{C183D7F6-B498-43B3-948B-1728B52AA6E4}">
-                <adec:decorative xmlns:adec="http://schemas.microsoft.com/office/drawing/2017/decorative" val="1"/>
+                <adec:decorative xmlns:adec="http://schemas.microsoft.com/office/drawing/2017/decorative" xmlns="" val="1"/>
               </a:ext>
             </a:extLst>
           </p:cNvPr>
@@ -24951,7 +27615,7 @@
           <p:nvPr>
             <p:extLst>
               <p:ext uri="{386F3935-93C4-4BCD-93E2-E3B085C9AB24}">
-                <p16:designElem xmlns:p16="http://schemas.microsoft.com/office/powerpoint/2015/main" val="1"/>
+                <p16:designElem xmlns:p16="http://schemas.microsoft.com/office/powerpoint/2015/main" xmlns="" val="1"/>
               </p:ext>
             </p:extLst>
           </p:nvPr>
@@ -25113,10 +27777,10 @@
           <p:cNvPr id="44" name="Freeform: Shape 43">
             <a:extLst>
               <a:ext uri="{FF2B5EF4-FFF2-40B4-BE49-F238E27FC236}">
-                <a16:creationId xmlns:a16="http://schemas.microsoft.com/office/drawing/2014/main" id="{CED520D6-8B57-4047-BB5F-2BE1017B2A0D}"/>
+                <a16:creationId xmlns:a16="http://schemas.microsoft.com/office/drawing/2014/main" xmlns="" id="{CED520D6-8B57-4047-BB5F-2BE1017B2A0D}"/>
               </a:ext>
               <a:ext uri="{C183D7F6-B498-43B3-948B-1728B52AA6E4}">
-                <adec:decorative xmlns:adec="http://schemas.microsoft.com/office/drawing/2017/decorative" val="1"/>
+                <adec:decorative xmlns:adec="http://schemas.microsoft.com/office/drawing/2017/decorative" xmlns="" val="1"/>
               </a:ext>
             </a:extLst>
           </p:cNvPr>
@@ -25126,7 +27790,7 @@
           <p:nvPr>
             <p:extLst>
               <p:ext uri="{386F3935-93C4-4BCD-93E2-E3B085C9AB24}">
-                <p16:designElem xmlns:p16="http://schemas.microsoft.com/office/powerpoint/2015/main" val="1"/>
+                <p16:designElem xmlns:p16="http://schemas.microsoft.com/office/powerpoint/2015/main" xmlns="" val="1"/>
               </p:ext>
             </p:extLst>
           </p:nvPr>
@@ -25280,10 +27944,10 @@
           <p:cNvPr id="46" name="Freeform: Shape 45">
             <a:extLst>
               <a:ext uri="{FF2B5EF4-FFF2-40B4-BE49-F238E27FC236}">
-                <a16:creationId xmlns:a16="http://schemas.microsoft.com/office/drawing/2014/main" id="{C7583227-44AB-4ECD-AD51-9EC7A5A3E5F1}"/>
+                <a16:creationId xmlns:a16="http://schemas.microsoft.com/office/drawing/2014/main" xmlns="" id="{C7583227-44AB-4ECD-AD51-9EC7A5A3E5F1}"/>
               </a:ext>
               <a:ext uri="{C183D7F6-B498-43B3-948B-1728B52AA6E4}">
-                <adec:decorative xmlns:adec="http://schemas.microsoft.com/office/drawing/2017/decorative" val="1"/>
+                <adec:decorative xmlns:adec="http://schemas.microsoft.com/office/drawing/2017/decorative" xmlns="" val="1"/>
               </a:ext>
             </a:extLst>
           </p:cNvPr>
@@ -25293,7 +27957,7 @@
           <p:nvPr>
             <p:extLst>
               <p:ext uri="{386F3935-93C4-4BCD-93E2-E3B085C9AB24}">
-                <p16:designElem xmlns:p16="http://schemas.microsoft.com/office/powerpoint/2015/main" val="1"/>
+                <p16:designElem xmlns:p16="http://schemas.microsoft.com/office/powerpoint/2015/main" xmlns="" val="1"/>
               </p:ext>
             </p:extLst>
           </p:nvPr>
@@ -25453,7 +28117,7 @@
           <p:cNvPr id="27" name="Grafik 26">
             <a:extLst>
               <a:ext uri="{FF2B5EF4-FFF2-40B4-BE49-F238E27FC236}">
-                <a16:creationId xmlns:a16="http://schemas.microsoft.com/office/drawing/2014/main" id="{B4331BEA-8EFC-4054-815F-612B45013652}"/>
+                <a16:creationId xmlns:a16="http://schemas.microsoft.com/office/drawing/2014/main" xmlns="" id="{B4331BEA-8EFC-4054-815F-612B45013652}"/>
               </a:ext>
             </a:extLst>
           </p:cNvPr>
@@ -25462,22 +28126,21 @@
           </p:cNvPicPr>
           <p:nvPr/>
         </p:nvPicPr>
-        <p:blipFill>
-          <a:blip r:embed="rId2">
+        <p:blipFill rotWithShape="1">
+          <a:blip r:embed="rId3">
             <a:extLst>
               <a:ext uri="{28A0092B-C50C-407E-A947-70E740481C1C}">
                 <a14:useLocalDpi xmlns:a14="http://schemas.microsoft.com/office/drawing/2010/main" val="0"/>
               </a:ext>
             </a:extLst>
           </a:blip>
-          <a:stretch>
-            <a:fillRect/>
-          </a:stretch>
+          <a:srcRect b="19200"/>
+          <a:stretch/>
         </p:blipFill>
         <p:spPr>
           <a:xfrm>
             <a:off x="4585333" y="211666"/>
-            <a:ext cx="2131483" cy="2131483"/>
+            <a:ext cx="2131483" cy="1722237"/>
           </a:xfrm>
           <a:prstGeom prst="rect">
             <a:avLst/>
@@ -25489,7 +28152,7 @@
           <p:cNvPr id="35" name="Grafik 34">
             <a:extLst>
               <a:ext uri="{FF2B5EF4-FFF2-40B4-BE49-F238E27FC236}">
-                <a16:creationId xmlns:a16="http://schemas.microsoft.com/office/drawing/2014/main" id="{B47371F8-6314-47CB-B661-FC1E02F2A477}"/>
+                <a16:creationId xmlns:a16="http://schemas.microsoft.com/office/drawing/2014/main" xmlns="" id="{B47371F8-6314-47CB-B661-FC1E02F2A477}"/>
               </a:ext>
             </a:extLst>
           </p:cNvPr>
@@ -25499,7 +28162,7 @@
           <p:nvPr/>
         </p:nvPicPr>
         <p:blipFill>
-          <a:blip r:embed="rId3">
+          <a:blip r:embed="rId4">
             <a:extLst>
               <a:ext uri="{28A0092B-C50C-407E-A947-70E740481C1C}">
                 <a14:useLocalDpi xmlns:a14="http://schemas.microsoft.com/office/drawing/2010/main" val="0"/>
@@ -25525,7 +28188,7 @@
           <p:cNvPr id="3" name="Grafik 2">
             <a:extLst>
               <a:ext uri="{FF2B5EF4-FFF2-40B4-BE49-F238E27FC236}">
-                <a16:creationId xmlns:a16="http://schemas.microsoft.com/office/drawing/2014/main" id="{407975D7-572E-4F68-B98D-313E5A7CEBF1}"/>
+                <a16:creationId xmlns:a16="http://schemas.microsoft.com/office/drawing/2014/main" xmlns="" id="{407975D7-572E-4F68-B98D-313E5A7CEBF1}"/>
               </a:ext>
             </a:extLst>
           </p:cNvPr>
@@ -25535,7 +28198,7 @@
           <p:nvPr/>
         </p:nvPicPr>
         <p:blipFill>
-          <a:blip r:embed="rId4">
+          <a:blip r:embed="rId5">
             <a:extLst>
               <a:ext uri="{28A0092B-C50C-407E-A947-70E740481C1C}">
                 <a14:useLocalDpi xmlns:a14="http://schemas.microsoft.com/office/drawing/2010/main" val="0"/>
@@ -25561,7 +28224,7 @@
           <p:cNvPr id="2" name="Titel 1">
             <a:extLst>
               <a:ext uri="{FF2B5EF4-FFF2-40B4-BE49-F238E27FC236}">
-                <a16:creationId xmlns:a16="http://schemas.microsoft.com/office/drawing/2014/main" id="{8D58B844-212D-4BF7-8322-79AFF8D0780A}"/>
+                <a16:creationId xmlns:a16="http://schemas.microsoft.com/office/drawing/2014/main" xmlns="" id="{8D58B844-212D-4BF7-8322-79AFF8D0780A}"/>
               </a:ext>
             </a:extLst>
           </p:cNvPr>
@@ -25609,6 +28272,13 @@
   <p:clrMapOvr>
     <a:overrideClrMapping bg1="dk1" tx1="lt1" bg2="dk2" tx2="lt2" accent1="accent1" accent2="accent2" accent3="accent3" accent4="accent4" accent5="accent5" accent6="accent6" hlink="hlink" folHlink="folHlink"/>
   </p:clrMapOvr>
+  <p:timing>
+    <p:tnLst>
+      <p:par>
+        <p:cTn id="1" dur="indefinite" restart="never" nodeType="tmRoot"/>
+      </p:par>
+    </p:tnLst>
+  </p:timing>
 </p:sld>
 </file>
 
@@ -25645,10 +28315,10 @@
           <p:cNvPr id="11" name="Freeform: Shape 10">
             <a:extLst>
               <a:ext uri="{FF2B5EF4-FFF2-40B4-BE49-F238E27FC236}">
-                <a16:creationId xmlns:a16="http://schemas.microsoft.com/office/drawing/2014/main" id="{31103AB2-C090-458F-B752-294F23AFA8AD}"/>
+                <a16:creationId xmlns:a16="http://schemas.microsoft.com/office/drawing/2014/main" xmlns="" id="{31103AB2-C090-458F-B752-294F23AFA8AD}"/>
               </a:ext>
               <a:ext uri="{C183D7F6-B498-43B3-948B-1728B52AA6E4}">
-                <adec:decorative xmlns:adec="http://schemas.microsoft.com/office/drawing/2017/decorative" val="1"/>
+                <adec:decorative xmlns:adec="http://schemas.microsoft.com/office/drawing/2017/decorative" xmlns="" val="1"/>
               </a:ext>
             </a:extLst>
           </p:cNvPr>
@@ -25658,7 +28328,7 @@
           <p:nvPr>
             <p:extLst>
               <p:ext uri="{386F3935-93C4-4BCD-93E2-E3B085C9AB24}">
-                <p16:designElem xmlns:p16="http://schemas.microsoft.com/office/powerpoint/2015/main" val="1"/>
+                <p16:designElem xmlns:p16="http://schemas.microsoft.com/office/powerpoint/2015/main" xmlns="" val="1"/>
               </p:ext>
             </p:extLst>
           </p:nvPr>
@@ -25814,10 +28484,10 @@
           <p:cNvPr id="13" name="Freeform: Shape 12">
             <a:extLst>
               <a:ext uri="{FF2B5EF4-FFF2-40B4-BE49-F238E27FC236}">
-                <a16:creationId xmlns:a16="http://schemas.microsoft.com/office/drawing/2014/main" id="{83D471F3-782A-4BA1-9CAB-FF5CDF0A75E0}"/>
+                <a16:creationId xmlns:a16="http://schemas.microsoft.com/office/drawing/2014/main" xmlns="" id="{83D471F3-782A-4BA1-9CAB-FF5CDF0A75E0}"/>
               </a:ext>
               <a:ext uri="{C183D7F6-B498-43B3-948B-1728B52AA6E4}">
-                <adec:decorative xmlns:adec="http://schemas.microsoft.com/office/drawing/2017/decorative" val="1"/>
+                <adec:decorative xmlns:adec="http://schemas.microsoft.com/office/drawing/2017/decorative" xmlns="" val="1"/>
               </a:ext>
             </a:extLst>
           </p:cNvPr>
@@ -25827,7 +28497,7 @@
           <p:nvPr>
             <p:extLst>
               <p:ext uri="{386F3935-93C4-4BCD-93E2-E3B085C9AB24}">
-                <p16:designElem xmlns:p16="http://schemas.microsoft.com/office/powerpoint/2015/main" val="1"/>
+                <p16:designElem xmlns:p16="http://schemas.microsoft.com/office/powerpoint/2015/main" xmlns="" val="1"/>
               </p:ext>
             </p:extLst>
           </p:nvPr>
@@ -25981,10 +28651,10 @@
           <p:cNvPr id="15" name="Freeform: Shape 14">
             <a:extLst>
               <a:ext uri="{FF2B5EF4-FFF2-40B4-BE49-F238E27FC236}">
-                <a16:creationId xmlns:a16="http://schemas.microsoft.com/office/drawing/2014/main" id="{F6E384F5-137A-40B1-97F0-694CC6ECD59C}"/>
+                <a16:creationId xmlns:a16="http://schemas.microsoft.com/office/drawing/2014/main" xmlns="" id="{F6E384F5-137A-40B1-97F0-694CC6ECD59C}"/>
               </a:ext>
               <a:ext uri="{C183D7F6-B498-43B3-948B-1728B52AA6E4}">
-                <adec:decorative xmlns:adec="http://schemas.microsoft.com/office/drawing/2017/decorative" val="1"/>
+                <adec:decorative xmlns:adec="http://schemas.microsoft.com/office/drawing/2017/decorative" xmlns="" val="1"/>
               </a:ext>
             </a:extLst>
           </p:cNvPr>
@@ -25994,7 +28664,7 @@
           <p:nvPr>
             <p:extLst>
               <p:ext uri="{386F3935-93C4-4BCD-93E2-E3B085C9AB24}">
-                <p16:designElem xmlns:p16="http://schemas.microsoft.com/office/powerpoint/2015/main" val="1"/>
+                <p16:designElem xmlns:p16="http://schemas.microsoft.com/office/powerpoint/2015/main" xmlns="" val="1"/>
               </p:ext>
             </p:extLst>
           </p:nvPr>
@@ -26158,10 +28828,10 @@
           <p:cNvPr id="17" name="Freeform: Shape 16">
             <a:extLst>
               <a:ext uri="{FF2B5EF4-FFF2-40B4-BE49-F238E27FC236}">
-                <a16:creationId xmlns:a16="http://schemas.microsoft.com/office/drawing/2014/main" id="{EBA87361-6D30-46E4-834B-719CF59055EA}"/>
+                <a16:creationId xmlns:a16="http://schemas.microsoft.com/office/drawing/2014/main" xmlns="" id="{EBA87361-6D30-46E4-834B-719CF59055EA}"/>
               </a:ext>
               <a:ext uri="{C183D7F6-B498-43B3-948B-1728B52AA6E4}">
-                <adec:decorative xmlns:adec="http://schemas.microsoft.com/office/drawing/2017/decorative" val="1"/>
+                <adec:decorative xmlns:adec="http://schemas.microsoft.com/office/drawing/2017/decorative" xmlns="" val="1"/>
               </a:ext>
             </a:extLst>
           </p:cNvPr>
@@ -26171,7 +28841,7 @@
           <p:nvPr>
             <p:extLst>
               <p:ext uri="{386F3935-93C4-4BCD-93E2-E3B085C9AB24}">
-                <p16:designElem xmlns:p16="http://schemas.microsoft.com/office/powerpoint/2015/main" val="1"/>
+                <p16:designElem xmlns:p16="http://schemas.microsoft.com/office/powerpoint/2015/main" xmlns="" val="1"/>
               </p:ext>
             </p:extLst>
           </p:nvPr>
@@ -26333,10 +29003,10 @@
           <p:cNvPr id="19" name="Freeform: Shape 18">
             <a:extLst>
               <a:ext uri="{FF2B5EF4-FFF2-40B4-BE49-F238E27FC236}">
-                <a16:creationId xmlns:a16="http://schemas.microsoft.com/office/drawing/2014/main" id="{9DBC4630-03DA-474F-BBCB-BA3AE6B317A4}"/>
+                <a16:creationId xmlns:a16="http://schemas.microsoft.com/office/drawing/2014/main" xmlns="" id="{9DBC4630-03DA-474F-BBCB-BA3AE6B317A4}"/>
               </a:ext>
               <a:ext uri="{C183D7F6-B498-43B3-948B-1728B52AA6E4}">
-                <adec:decorative xmlns:adec="http://schemas.microsoft.com/office/drawing/2017/decorative" val="1"/>
+                <adec:decorative xmlns:adec="http://schemas.microsoft.com/office/drawing/2017/decorative" xmlns="" val="1"/>
               </a:ext>
             </a:extLst>
           </p:cNvPr>
@@ -26346,7 +29016,7 @@
           <p:nvPr>
             <p:extLst>
               <p:ext uri="{386F3935-93C4-4BCD-93E2-E3B085C9AB24}">
-                <p16:designElem xmlns:p16="http://schemas.microsoft.com/office/powerpoint/2015/main" val="1"/>
+                <p16:designElem xmlns:p16="http://schemas.microsoft.com/office/powerpoint/2015/main" xmlns="" val="1"/>
               </p:ext>
             </p:extLst>
           </p:nvPr>
@@ -26504,10 +29174,10 @@
           <p:cNvPr id="21" name="Freeform: Shape 20">
             <a:extLst>
               <a:ext uri="{FF2B5EF4-FFF2-40B4-BE49-F238E27FC236}">
-                <a16:creationId xmlns:a16="http://schemas.microsoft.com/office/drawing/2014/main" id="{D89DB1C0-FEEC-4CB6-88B2-F9C5562E09D1}"/>
+                <a16:creationId xmlns:a16="http://schemas.microsoft.com/office/drawing/2014/main" xmlns="" id="{D89DB1C0-FEEC-4CB6-88B2-F9C5562E09D1}"/>
               </a:ext>
               <a:ext uri="{C183D7F6-B498-43B3-948B-1728B52AA6E4}">
-                <adec:decorative xmlns:adec="http://schemas.microsoft.com/office/drawing/2017/decorative" val="1"/>
+                <adec:decorative xmlns:adec="http://schemas.microsoft.com/office/drawing/2017/decorative" xmlns="" val="1"/>
               </a:ext>
             </a:extLst>
           </p:cNvPr>
@@ -26517,7 +29187,7 @@
           <p:nvPr>
             <p:extLst>
               <p:ext uri="{386F3935-93C4-4BCD-93E2-E3B085C9AB24}">
-                <p16:designElem xmlns:p16="http://schemas.microsoft.com/office/powerpoint/2015/main" val="1"/>
+                <p16:designElem xmlns:p16="http://schemas.microsoft.com/office/powerpoint/2015/main" xmlns="" val="1"/>
               </p:ext>
             </p:extLst>
           </p:nvPr>
@@ -26673,10 +29343,10 @@
           <p:cNvPr id="23" name="Oval 22">
             <a:extLst>
               <a:ext uri="{FF2B5EF4-FFF2-40B4-BE49-F238E27FC236}">
-                <a16:creationId xmlns:a16="http://schemas.microsoft.com/office/drawing/2014/main" id="{78418A25-6EAC-4140-BFE6-284E1925B5EE}"/>
+                <a16:creationId xmlns:a16="http://schemas.microsoft.com/office/drawing/2014/main" xmlns="" id="{78418A25-6EAC-4140-BFE6-284E1925B5EE}"/>
               </a:ext>
               <a:ext uri="{C183D7F6-B498-43B3-948B-1728B52AA6E4}">
-                <adec:decorative xmlns:adec="http://schemas.microsoft.com/office/drawing/2017/decorative" val="1"/>
+                <adec:decorative xmlns:adec="http://schemas.microsoft.com/office/drawing/2017/decorative" xmlns="" val="1"/>
               </a:ext>
             </a:extLst>
           </p:cNvPr>
@@ -26686,7 +29356,7 @@
           <p:nvPr>
             <p:extLst>
               <p:ext uri="{386F3935-93C4-4BCD-93E2-E3B085C9AB24}">
-                <p16:designElem xmlns:p16="http://schemas.microsoft.com/office/powerpoint/2015/main" val="1"/>
+                <p16:designElem xmlns:p16="http://schemas.microsoft.com/office/powerpoint/2015/main" xmlns="" val="1"/>
               </p:ext>
             </p:extLst>
           </p:nvPr>
@@ -26767,10 +29437,10 @@
           <p:cNvPr id="25" name="Oval 24">
             <a:extLst>
               <a:ext uri="{FF2B5EF4-FFF2-40B4-BE49-F238E27FC236}">
-                <a16:creationId xmlns:a16="http://schemas.microsoft.com/office/drawing/2014/main" id="{08163D1C-ED91-4D5F-A33B-CF1256B270D4}"/>
+                <a16:creationId xmlns:a16="http://schemas.microsoft.com/office/drawing/2014/main" xmlns="" id="{08163D1C-ED91-4D5F-A33B-CF1256B270D4}"/>
               </a:ext>
               <a:ext uri="{C183D7F6-B498-43B3-948B-1728B52AA6E4}">
-                <adec:decorative xmlns:adec="http://schemas.microsoft.com/office/drawing/2017/decorative" val="1"/>
+                <adec:decorative xmlns:adec="http://schemas.microsoft.com/office/drawing/2017/decorative" xmlns="" val="1"/>
               </a:ext>
             </a:extLst>
           </p:cNvPr>
@@ -26780,7 +29450,7 @@
           <p:nvPr>
             <p:extLst>
               <p:ext uri="{386F3935-93C4-4BCD-93E2-E3B085C9AB24}">
-                <p16:designElem xmlns:p16="http://schemas.microsoft.com/office/powerpoint/2015/main" val="1"/>
+                <p16:designElem xmlns:p16="http://schemas.microsoft.com/office/powerpoint/2015/main" xmlns="" val="1"/>
               </p:ext>
             </p:extLst>
           </p:nvPr>
@@ -26859,7 +29529,7 @@
           <p:cNvPr id="6" name="Grafik 5">
             <a:extLst>
               <a:ext uri="{FF2B5EF4-FFF2-40B4-BE49-F238E27FC236}">
-                <a16:creationId xmlns:a16="http://schemas.microsoft.com/office/drawing/2014/main" id="{E125DF93-08F3-4350-B7A0-E67EF58A34D8}"/>
+                <a16:creationId xmlns:a16="http://schemas.microsoft.com/office/drawing/2014/main" xmlns="" id="{E125DF93-08F3-4350-B7A0-E67EF58A34D8}"/>
               </a:ext>
             </a:extLst>
           </p:cNvPr>
@@ -26869,7 +29539,7 @@
           <p:nvPr/>
         </p:nvPicPr>
         <p:blipFill>
-          <a:blip r:embed="rId2">
+          <a:blip r:embed="rId3">
             <a:extLst>
               <a:ext uri="{28A0092B-C50C-407E-A947-70E740481C1C}">
                 <a14:useLocalDpi xmlns:a14="http://schemas.microsoft.com/office/drawing/2010/main" val="0"/>
@@ -26892,46 +29562,10 @@
       </p:pic>
       <p:pic>
         <p:nvPicPr>
-          <p:cNvPr id="3" name="Grafik 2">
-            <a:extLst>
-              <a:ext uri="{FF2B5EF4-FFF2-40B4-BE49-F238E27FC236}">
-                <a16:creationId xmlns:a16="http://schemas.microsoft.com/office/drawing/2014/main" id="{23FC0197-E396-42F8-AC56-BAFD7C94CB26}"/>
-              </a:ext>
-            </a:extLst>
-          </p:cNvPr>
-          <p:cNvPicPr>
-            <a:picLocks noChangeAspect="1"/>
-          </p:cNvPicPr>
-          <p:nvPr/>
-        </p:nvPicPr>
-        <p:blipFill>
-          <a:blip r:embed="rId3">
-            <a:extLst>
-              <a:ext uri="{28A0092B-C50C-407E-A947-70E740481C1C}">
-                <a14:useLocalDpi xmlns:a14="http://schemas.microsoft.com/office/drawing/2010/main" val="0"/>
-              </a:ext>
-            </a:extLst>
-          </a:blip>
-          <a:stretch>
-            <a:fillRect/>
-          </a:stretch>
-        </p:blipFill>
-        <p:spPr>
-          <a:xfrm>
-            <a:off x="130924" y="3621724"/>
-            <a:ext cx="2594886" cy="2594886"/>
-          </a:xfrm>
-          <a:prstGeom prst="rect">
-            <a:avLst/>
-          </a:prstGeom>
-        </p:spPr>
-      </p:pic>
-      <p:pic>
-        <p:nvPicPr>
           <p:cNvPr id="5" name="Grafik 4">
             <a:extLst>
               <a:ext uri="{FF2B5EF4-FFF2-40B4-BE49-F238E27FC236}">
-                <a16:creationId xmlns:a16="http://schemas.microsoft.com/office/drawing/2014/main" id="{133BDCBA-3BF5-4009-BA11-176A5985A809}"/>
+                <a16:creationId xmlns:a16="http://schemas.microsoft.com/office/drawing/2014/main" xmlns="" id="{133BDCBA-3BF5-4009-BA11-176A5985A809}"/>
               </a:ext>
             </a:extLst>
           </p:cNvPr>
@@ -26967,7 +29601,7 @@
           <p:cNvPr id="4" name="Grafik 3">
             <a:extLst>
               <a:ext uri="{FF2B5EF4-FFF2-40B4-BE49-F238E27FC236}">
-                <a16:creationId xmlns:a16="http://schemas.microsoft.com/office/drawing/2014/main" id="{01AD9253-34AD-4597-8ECB-9B7DB87330CC}"/>
+                <a16:creationId xmlns:a16="http://schemas.microsoft.com/office/drawing/2014/main" xmlns="" id="{01AD9253-34AD-4597-8ECB-9B7DB87330CC}"/>
               </a:ext>
             </a:extLst>
           </p:cNvPr>
@@ -27003,7 +29637,7 @@
           <p:cNvPr id="2" name="Titel 1">
             <a:extLst>
               <a:ext uri="{FF2B5EF4-FFF2-40B4-BE49-F238E27FC236}">
-                <a16:creationId xmlns:a16="http://schemas.microsoft.com/office/drawing/2014/main" id="{04D5A00C-43A0-45EC-B8D1-28AB269D40E6}"/>
+                <a16:creationId xmlns:a16="http://schemas.microsoft.com/office/drawing/2014/main" xmlns="" id="{04D5A00C-43A0-45EC-B8D1-28AB269D40E6}"/>
               </a:ext>
             </a:extLst>
           </p:cNvPr>
@@ -27034,6 +29668,10 @@
               <a:rPr lang="en-US" sz="4800" dirty="0" err="1"/>
               <a:t>Technologien</a:t>
             </a:r>
+            <a:r>
+              <a:rPr lang="en-US" sz="4800" dirty="0"/>
+              <a:t/>
+            </a:r>
             <a:br>
               <a:rPr lang="en-US" sz="4800" dirty="0"/>
             </a:br>
@@ -27049,7 +29687,7 @@
           <p:cNvPr id="16" name="Grafik 15">
             <a:extLst>
               <a:ext uri="{FF2B5EF4-FFF2-40B4-BE49-F238E27FC236}">
-                <a16:creationId xmlns:a16="http://schemas.microsoft.com/office/drawing/2014/main" id="{BBFA6C1C-5288-44DD-ADC3-6308CC8489D3}"/>
+                <a16:creationId xmlns:a16="http://schemas.microsoft.com/office/drawing/2014/main" xmlns="" id="{BBFA6C1C-5288-44DD-ADC3-6308CC8489D3}"/>
               </a:ext>
             </a:extLst>
           </p:cNvPr>
@@ -27080,6 +29718,47 @@
           </a:prstGeom>
         </p:spPr>
       </p:pic>
+      <p:pic>
+        <p:nvPicPr>
+          <p:cNvPr id="1026" name="Picture 2" descr="Bildergebnis fÃ¼r node js png"/>
+          <p:cNvPicPr>
+            <a:picLocks noChangeAspect="1" noChangeArrowheads="1"/>
+          </p:cNvPicPr>
+          <p:nvPr/>
+        </p:nvPicPr>
+        <p:blipFill>
+          <a:blip r:embed="rId7" cstate="print">
+            <a:extLst>
+              <a:ext uri="{28A0092B-C50C-407E-A947-70E740481C1C}">
+                <a14:useLocalDpi xmlns:a14="http://schemas.microsoft.com/office/drawing/2010/main" val="0"/>
+              </a:ext>
+            </a:extLst>
+          </a:blip>
+          <a:srcRect/>
+          <a:stretch>
+            <a:fillRect/>
+          </a:stretch>
+        </p:blipFill>
+        <p:spPr bwMode="auto">
+          <a:xfrm>
+            <a:off x="483729" y="4274812"/>
+            <a:ext cx="2289898" cy="1400774"/>
+          </a:xfrm>
+          <a:prstGeom prst="rect">
+            <a:avLst/>
+          </a:prstGeom>
+          <a:noFill/>
+          <a:extLst>
+            <a:ext uri="{909E8E84-426E-40DD-AFC4-6F175D3DCCD1}">
+              <a14:hiddenFill xmlns:a14="http://schemas.microsoft.com/office/drawing/2010/main">
+                <a:solidFill>
+                  <a:srgbClr val="FFFFFF"/>
+                </a:solidFill>
+              </a14:hiddenFill>
+            </a:ext>
+          </a:extLst>
+        </p:spPr>
+      </p:pic>
     </p:spTree>
     <p:extLst>
       <p:ext uri="{BB962C8B-B14F-4D97-AF65-F5344CB8AC3E}">
@@ -27090,6 +29769,13 @@
   <p:clrMapOvr>
     <a:overrideClrMapping bg1="dk1" tx1="lt1" bg2="dk2" tx2="lt2" accent1="accent1" accent2="accent2" accent3="accent3" accent4="accent4" accent5="accent5" accent6="accent6" hlink="hlink" folHlink="folHlink"/>
   </p:clrMapOvr>
+  <p:timing>
+    <p:tnLst>
+      <p:par>
+        <p:cTn id="1" dur="indefinite" restart="never" nodeType="tmRoot"/>
+      </p:par>
+    </p:tnLst>
+  </p:timing>
 </p:sld>
 </file>
 

--- a/presentation/StreamTogether.pptx
+++ b/presentation/StreamTogether.pptx
@@ -3522,385 +3522,6 @@
       <dsp:cNvGrpSpPr/>
     </dsp:nvGrpSpPr>
     <dsp:grpSpPr/>
-    <dsp:sp modelId="{B55A8299-6907-421D-9B76-27F40FB48D47}">
-      <dsp:nvSpPr>
-        <dsp:cNvPr id="0" name=""/>
-        <dsp:cNvSpPr/>
-      </dsp:nvSpPr>
-      <dsp:spPr>
-        <a:xfrm>
-          <a:off x="4181092" y="2690311"/>
-          <a:ext cx="3288157" cy="3288157"/>
-        </a:xfrm>
-        <a:prstGeom prst="gear9">
-          <a:avLst/>
-        </a:prstGeom>
-        <a:solidFill>
-          <a:schemeClr val="tx1">
-            <a:lumMod val="85000"/>
-            <a:lumOff val="15000"/>
-          </a:schemeClr>
-        </a:solidFill>
-        <a:ln>
-          <a:noFill/>
-        </a:ln>
-        <a:effectLst/>
-        <a:sp3d extrusionH="381000" contourW="38100" prstMaterial="matte">
-          <a:contourClr>
-            <a:schemeClr val="lt1"/>
-          </a:contourClr>
-        </a:sp3d>
-      </dsp:spPr>
-      <dsp:style>
-        <a:lnRef idx="0">
-          <a:scrgbClr r="0" g="0" b="0"/>
-        </a:lnRef>
-        <a:fillRef idx="1">
-          <a:scrgbClr r="0" g="0" b="0"/>
-        </a:fillRef>
-        <a:effectRef idx="0">
-          <a:scrgbClr r="0" g="0" b="0"/>
-        </a:effectRef>
-        <a:fontRef idx="minor">
-          <a:schemeClr val="lt1"/>
-        </a:fontRef>
-      </dsp:style>
-      <dsp:txBody>
-        <a:bodyPr spcFirstLastPara="0" vert="horz" wrap="square" lIns="26670" tIns="26670" rIns="26670" bIns="26670" numCol="1" spcCol="1270" anchor="ctr" anchorCtr="0">
-          <a:noAutofit/>
-        </a:bodyPr>
-        <a:lstStyle/>
-        <a:p>
-          <a:pPr lvl="0" algn="ctr" defTabSz="933450">
-            <a:lnSpc>
-              <a:spcPct val="90000"/>
-            </a:lnSpc>
-            <a:spcBef>
-              <a:spcPct val="0"/>
-            </a:spcBef>
-            <a:spcAft>
-              <a:spcPct val="35000"/>
-            </a:spcAft>
-          </a:pPr>
-          <a:r>
-            <a:rPr lang="de-DE" sz="2100" kern="1200" dirty="0"/>
-            <a:t>Gemeinsam virtuell Zeit </a:t>
-          </a:r>
-          <a:r>
-            <a:rPr lang="de-DE" sz="2100" kern="1200" dirty="0" smtClean="0"/>
-            <a:t>verbringen, Musik und Videos abspielen</a:t>
-          </a:r>
-          <a:endParaRPr lang="de-DE" sz="2100" kern="1200" dirty="0"/>
-        </a:p>
-      </dsp:txBody>
-      <dsp:txXfrm>
-        <a:off x="4842158" y="3460546"/>
-        <a:ext cx="1966025" cy="1690181"/>
-      </dsp:txXfrm>
-    </dsp:sp>
-    <dsp:sp modelId="{D620EC91-7F95-4592-ACD1-65A336BA7A77}">
-      <dsp:nvSpPr>
-        <dsp:cNvPr id="0" name=""/>
-        <dsp:cNvSpPr/>
-      </dsp:nvSpPr>
-      <dsp:spPr>
-        <a:xfrm>
-          <a:off x="2267981" y="1913110"/>
-          <a:ext cx="2391387" cy="2391387"/>
-        </a:xfrm>
-        <a:prstGeom prst="gear6">
-          <a:avLst/>
-        </a:prstGeom>
-        <a:solidFill>
-          <a:schemeClr val="tx1">
-            <a:lumMod val="85000"/>
-            <a:lumOff val="15000"/>
-          </a:schemeClr>
-        </a:solidFill>
-        <a:ln>
-          <a:noFill/>
-        </a:ln>
-        <a:effectLst/>
-        <a:sp3d extrusionH="381000" contourW="38100" prstMaterial="matte">
-          <a:contourClr>
-            <a:schemeClr val="lt1"/>
-          </a:contourClr>
-        </a:sp3d>
-      </dsp:spPr>
-      <dsp:style>
-        <a:lnRef idx="0">
-          <a:scrgbClr r="0" g="0" b="0"/>
-        </a:lnRef>
-        <a:fillRef idx="1">
-          <a:scrgbClr r="0" g="0" b="0"/>
-        </a:fillRef>
-        <a:effectRef idx="0">
-          <a:scrgbClr r="0" g="0" b="0"/>
-        </a:effectRef>
-        <a:fontRef idx="minor">
-          <a:schemeClr val="lt1"/>
-        </a:fontRef>
-      </dsp:style>
-      <dsp:txBody>
-        <a:bodyPr spcFirstLastPara="0" vert="horz" wrap="square" lIns="17780" tIns="17780" rIns="17780" bIns="17780" numCol="1" spcCol="1270" anchor="ctr" anchorCtr="0">
-          <a:noAutofit/>
-        </a:bodyPr>
-        <a:lstStyle/>
-        <a:p>
-          <a:pPr lvl="0" algn="ctr" defTabSz="622300">
-            <a:lnSpc>
-              <a:spcPct val="90000"/>
-            </a:lnSpc>
-            <a:spcBef>
-              <a:spcPct val="0"/>
-            </a:spcBef>
-            <a:spcAft>
-              <a:spcPct val="35000"/>
-            </a:spcAft>
-          </a:pPr>
-          <a:r>
-            <a:rPr lang="de-DE" sz="1400" kern="1200" dirty="0" smtClean="0"/>
-            <a:t>Synchronisierte Wiedergabe</a:t>
-          </a:r>
-          <a:endParaRPr lang="de-DE" sz="1400" kern="1200" dirty="0"/>
-        </a:p>
-      </dsp:txBody>
-      <dsp:txXfrm>
-        <a:off x="2870020" y="2518788"/>
-        <a:ext cx="1187309" cy="1180031"/>
-      </dsp:txXfrm>
-    </dsp:sp>
-    <dsp:sp modelId="{BA7BEE52-6385-4D73-A851-35BE5DF1F097}">
-      <dsp:nvSpPr>
-        <dsp:cNvPr id="0" name=""/>
-        <dsp:cNvSpPr/>
-      </dsp:nvSpPr>
-      <dsp:spPr>
-        <a:xfrm rot="20700000">
-          <a:off x="3607403" y="263296"/>
-          <a:ext cx="2343071" cy="2343071"/>
-        </a:xfrm>
-        <a:prstGeom prst="gear6">
-          <a:avLst/>
-        </a:prstGeom>
-        <a:solidFill>
-          <a:schemeClr val="tx1">
-            <a:lumMod val="85000"/>
-            <a:lumOff val="15000"/>
-          </a:schemeClr>
-        </a:solidFill>
-        <a:ln>
-          <a:noFill/>
-        </a:ln>
-        <a:effectLst/>
-        <a:sp3d extrusionH="381000" contourW="38100" prstMaterial="matte">
-          <a:contourClr>
-            <a:schemeClr val="lt1"/>
-          </a:contourClr>
-        </a:sp3d>
-      </dsp:spPr>
-      <dsp:style>
-        <a:lnRef idx="0">
-          <a:scrgbClr r="0" g="0" b="0"/>
-        </a:lnRef>
-        <a:fillRef idx="1">
-          <a:scrgbClr r="0" g="0" b="0"/>
-        </a:fillRef>
-        <a:effectRef idx="0">
-          <a:scrgbClr r="0" g="0" b="0"/>
-        </a:effectRef>
-        <a:fontRef idx="minor">
-          <a:schemeClr val="lt1"/>
-        </a:fontRef>
-      </dsp:style>
-      <dsp:txBody>
-        <a:bodyPr spcFirstLastPara="0" vert="horz" wrap="square" lIns="22860" tIns="22860" rIns="22860" bIns="22860" numCol="1" spcCol="1270" anchor="ctr" anchorCtr="0">
-          <a:noAutofit/>
-        </a:bodyPr>
-        <a:lstStyle/>
-        <a:p>
-          <a:pPr lvl="0" algn="ctr" defTabSz="800100">
-            <a:lnSpc>
-              <a:spcPct val="90000"/>
-            </a:lnSpc>
-            <a:spcBef>
-              <a:spcPct val="0"/>
-            </a:spcBef>
-            <a:spcAft>
-              <a:spcPct val="35000"/>
-            </a:spcAft>
-          </a:pPr>
-          <a:r>
-            <a:rPr lang="de-DE" sz="1800" kern="1200" dirty="0" smtClean="0"/>
-            <a:t>Chat</a:t>
-          </a:r>
-          <a:endParaRPr lang="de-DE" sz="1800" kern="1200" dirty="0"/>
-        </a:p>
-      </dsp:txBody>
-      <dsp:txXfrm rot="-20700000">
-        <a:off x="4121307" y="777200"/>
-        <a:ext cx="1315263" cy="1315263"/>
-      </dsp:txXfrm>
-    </dsp:sp>
-    <dsp:sp modelId="{5F3C05ED-E5AB-43EF-A2BF-AC54B58E2054}">
-      <dsp:nvSpPr>
-        <dsp:cNvPr id="0" name=""/>
-        <dsp:cNvSpPr/>
-      </dsp:nvSpPr>
-      <dsp:spPr>
-        <a:xfrm>
-          <a:off x="3948311" y="2182643"/>
-          <a:ext cx="4208842" cy="4208842"/>
-        </a:xfrm>
-        <a:prstGeom prst="circularArrow">
-          <a:avLst>
-            <a:gd name="adj1" fmla="val 4687"/>
-            <a:gd name="adj2" fmla="val 299029"/>
-            <a:gd name="adj3" fmla="val 2546984"/>
-            <a:gd name="adj4" fmla="val 15796415"/>
-            <a:gd name="adj5" fmla="val 5469"/>
-          </a:avLst>
-        </a:prstGeom>
-        <a:solidFill>
-          <a:schemeClr val="accent1">
-            <a:tint val="60000"/>
-            <a:hueOff val="0"/>
-            <a:satOff val="0"/>
-            <a:lumOff val="0"/>
-            <a:alphaOff val="0"/>
-          </a:schemeClr>
-        </a:solidFill>
-        <a:ln>
-          <a:noFill/>
-        </a:ln>
-        <a:effectLst/>
-        <a:sp3d z="-52400" extrusionH="181000" contourW="38100" prstMaterial="matte">
-          <a:contourClr>
-            <a:schemeClr val="lt1"/>
-          </a:contourClr>
-        </a:sp3d>
-      </dsp:spPr>
-      <dsp:style>
-        <a:lnRef idx="0">
-          <a:scrgbClr r="0" g="0" b="0"/>
-        </a:lnRef>
-        <a:fillRef idx="1">
-          <a:scrgbClr r="0" g="0" b="0"/>
-        </a:fillRef>
-        <a:effectRef idx="0">
-          <a:scrgbClr r="0" g="0" b="0"/>
-        </a:effectRef>
-        <a:fontRef idx="minor">
-          <a:schemeClr val="lt1"/>
-        </a:fontRef>
-      </dsp:style>
-    </dsp:sp>
-    <dsp:sp modelId="{DEF06A35-324A-4EFB-AB93-F74EA4B58AE1}">
-      <dsp:nvSpPr>
-        <dsp:cNvPr id="0" name=""/>
-        <dsp:cNvSpPr/>
-      </dsp:nvSpPr>
-      <dsp:spPr>
-        <a:xfrm>
-          <a:off x="1844471" y="1376329"/>
-          <a:ext cx="3057986" cy="3057986"/>
-        </a:xfrm>
-        <a:prstGeom prst="leftCircularArrow">
-          <a:avLst>
-            <a:gd name="adj1" fmla="val 6452"/>
-            <a:gd name="adj2" fmla="val 429999"/>
-            <a:gd name="adj3" fmla="val 10489124"/>
-            <a:gd name="adj4" fmla="val 14837806"/>
-            <a:gd name="adj5" fmla="val 7527"/>
-          </a:avLst>
-        </a:prstGeom>
-        <a:solidFill>
-          <a:schemeClr val="accent1">
-            <a:tint val="60000"/>
-            <a:hueOff val="0"/>
-            <a:satOff val="0"/>
-            <a:lumOff val="0"/>
-            <a:alphaOff val="0"/>
-          </a:schemeClr>
-        </a:solidFill>
-        <a:ln>
-          <a:noFill/>
-        </a:ln>
-        <a:effectLst/>
-        <a:sp3d z="-52400" extrusionH="181000" contourW="38100" prstMaterial="matte">
-          <a:contourClr>
-            <a:schemeClr val="lt1"/>
-          </a:contourClr>
-        </a:sp3d>
-      </dsp:spPr>
-      <dsp:style>
-        <a:lnRef idx="0">
-          <a:scrgbClr r="0" g="0" b="0"/>
-        </a:lnRef>
-        <a:fillRef idx="1">
-          <a:scrgbClr r="0" g="0" b="0"/>
-        </a:fillRef>
-        <a:effectRef idx="0">
-          <a:scrgbClr r="0" g="0" b="0"/>
-        </a:effectRef>
-        <a:fontRef idx="minor">
-          <a:schemeClr val="lt1"/>
-        </a:fontRef>
-      </dsp:style>
-    </dsp:sp>
-    <dsp:sp modelId="{823FAB03-33FC-495E-9B30-E62910FE070B}">
-      <dsp:nvSpPr>
-        <dsp:cNvPr id="0" name=""/>
-        <dsp:cNvSpPr/>
-      </dsp:nvSpPr>
-      <dsp:spPr>
-        <a:xfrm>
-          <a:off x="3065426" y="-257580"/>
-          <a:ext cx="3297125" cy="3297125"/>
-        </a:xfrm>
-        <a:prstGeom prst="circularArrow">
-          <a:avLst>
-            <a:gd name="adj1" fmla="val 5984"/>
-            <a:gd name="adj2" fmla="val 394124"/>
-            <a:gd name="adj3" fmla="val 13313824"/>
-            <a:gd name="adj4" fmla="val 10508221"/>
-            <a:gd name="adj5" fmla="val 6981"/>
-          </a:avLst>
-        </a:prstGeom>
-        <a:solidFill>
-          <a:schemeClr val="accent1">
-            <a:tint val="60000"/>
-            <a:hueOff val="0"/>
-            <a:satOff val="0"/>
-            <a:lumOff val="0"/>
-            <a:alphaOff val="0"/>
-          </a:schemeClr>
-        </a:solidFill>
-        <a:ln>
-          <a:noFill/>
-        </a:ln>
-        <a:effectLst/>
-        <a:sp3d z="-52400" extrusionH="181000" contourW="38100" prstMaterial="matte">
-          <a:contourClr>
-            <a:schemeClr val="lt1"/>
-          </a:contourClr>
-        </a:sp3d>
-      </dsp:spPr>
-      <dsp:style>
-        <a:lnRef idx="0">
-          <a:scrgbClr r="0" g="0" b="0"/>
-        </a:lnRef>
-        <a:fillRef idx="1">
-          <a:scrgbClr r="0" g="0" b="0"/>
-        </a:fillRef>
-        <a:effectRef idx="0">
-          <a:scrgbClr r="0" g="0" b="0"/>
-        </a:effectRef>
-        <a:fontRef idx="minor">
-          <a:schemeClr val="lt1"/>
-        </a:fontRef>
-      </dsp:style>
-    </dsp:sp>
   </dsp:spTree>
 </dsp:drawing>
 </file>
@@ -3913,595 +3534,6 @@
       <dsp:cNvGrpSpPr/>
     </dsp:nvGrpSpPr>
     <dsp:grpSpPr/>
-    <dsp:sp modelId="{430324BD-DF46-4B3D-8437-F78676EA525E}">
-      <dsp:nvSpPr>
-        <dsp:cNvPr id="0" name=""/>
-        <dsp:cNvSpPr/>
-      </dsp:nvSpPr>
-      <dsp:spPr>
-        <a:xfrm>
-          <a:off x="1140053" y="2806"/>
-          <a:ext cx="2606675" cy="1945828"/>
-        </a:xfrm>
-        <a:prstGeom prst="round2SameRect">
-          <a:avLst>
-            <a:gd name="adj1" fmla="val 8000"/>
-            <a:gd name="adj2" fmla="val 0"/>
-          </a:avLst>
-        </a:prstGeom>
-        <a:solidFill>
-          <a:schemeClr val="dk1">
-            <a:alpha val="90000"/>
-            <a:tint val="40000"/>
-            <a:hueOff val="0"/>
-            <a:satOff val="0"/>
-            <a:lumOff val="0"/>
-            <a:alphaOff val="0"/>
-          </a:schemeClr>
-        </a:solidFill>
-        <a:ln w="6350" cap="flat" cmpd="sng" algn="ctr">
-          <a:solidFill>
-            <a:schemeClr val="dk1">
-              <a:hueOff val="0"/>
-              <a:satOff val="0"/>
-              <a:lumOff val="0"/>
-              <a:alphaOff val="0"/>
-            </a:schemeClr>
-          </a:solidFill>
-          <a:prstDash val="solid"/>
-          <a:miter lim="800000"/>
-        </a:ln>
-        <a:effectLst/>
-        <a:sp3d z="-400500" extrusionH="63500" prstMaterial="matte"/>
-      </dsp:spPr>
-      <dsp:style>
-        <a:lnRef idx="1">
-          <a:scrgbClr r="0" g="0" b="0"/>
-        </a:lnRef>
-        <a:fillRef idx="1">
-          <a:scrgbClr r="0" g="0" b="0"/>
-        </a:fillRef>
-        <a:effectRef idx="0">
-          <a:scrgbClr r="0" g="0" b="0"/>
-        </a:effectRef>
-        <a:fontRef idx="minor"/>
-      </dsp:style>
-    </dsp:sp>
-    <dsp:sp modelId="{FD063B86-805E-4A3C-ACAC-D3BE10E259D0}">
-      <dsp:nvSpPr>
-        <dsp:cNvPr id="0" name=""/>
-        <dsp:cNvSpPr/>
-      </dsp:nvSpPr>
-      <dsp:spPr>
-        <a:xfrm>
-          <a:off x="1140053" y="1948635"/>
-          <a:ext cx="2606675" cy="836706"/>
-        </a:xfrm>
-        <a:prstGeom prst="rect">
-          <a:avLst/>
-        </a:prstGeom>
-        <a:solidFill>
-          <a:schemeClr val="lt1">
-            <a:hueOff val="0"/>
-            <a:satOff val="0"/>
-            <a:lumOff val="0"/>
-            <a:alphaOff val="0"/>
-          </a:schemeClr>
-        </a:solidFill>
-        <a:ln w="6350" cap="flat" cmpd="sng" algn="ctr">
-          <a:solidFill>
-            <a:schemeClr val="dk1">
-              <a:shade val="80000"/>
-              <a:hueOff val="0"/>
-              <a:satOff val="0"/>
-              <a:lumOff val="0"/>
-              <a:alphaOff val="0"/>
-            </a:schemeClr>
-          </a:solidFill>
-          <a:prstDash val="solid"/>
-          <a:miter lim="800000"/>
-        </a:ln>
-        <a:effectLst/>
-        <a:sp3d extrusionH="381000" contourW="38100" prstMaterial="matte">
-          <a:contourClr>
-            <a:schemeClr val="lt1"/>
-          </a:contourClr>
-        </a:sp3d>
-      </dsp:spPr>
-      <dsp:style>
-        <a:lnRef idx="1">
-          <a:scrgbClr r="0" g="0" b="0"/>
-        </a:lnRef>
-        <a:fillRef idx="1">
-          <a:scrgbClr r="0" g="0" b="0"/>
-        </a:fillRef>
-        <a:effectRef idx="0">
-          <a:scrgbClr r="0" g="0" b="0"/>
-        </a:effectRef>
-        <a:fontRef idx="minor">
-          <a:schemeClr val="lt1"/>
-        </a:fontRef>
-      </dsp:style>
-      <dsp:txBody>
-        <a:bodyPr spcFirstLastPara="0" vert="horz" wrap="square" lIns="213360" tIns="0" rIns="71120" bIns="0" numCol="1" spcCol="1270" anchor="ctr" anchorCtr="0">
-          <a:noAutofit/>
-        </a:bodyPr>
-        <a:lstStyle/>
-        <a:p>
-          <a:pPr lvl="0" algn="l" defTabSz="2489200">
-            <a:lnSpc>
-              <a:spcPct val="90000"/>
-            </a:lnSpc>
-            <a:spcBef>
-              <a:spcPct val="0"/>
-            </a:spcBef>
-            <a:spcAft>
-              <a:spcPct val="35000"/>
-            </a:spcAft>
-          </a:pPr>
-          <a:r>
-            <a:rPr lang="de-DE" sz="5600" kern="1200" dirty="0"/>
-            <a:t>Arian</a:t>
-          </a:r>
-        </a:p>
-      </dsp:txBody>
-      <dsp:txXfrm>
-        <a:off x="1140053" y="1948635"/>
-        <a:ext cx="1835687" cy="836706"/>
-      </dsp:txXfrm>
-    </dsp:sp>
-    <dsp:sp modelId="{75C8C936-7729-47F7-8629-D75521AA55CE}">
-      <dsp:nvSpPr>
-        <dsp:cNvPr id="0" name=""/>
-        <dsp:cNvSpPr/>
-      </dsp:nvSpPr>
-      <dsp:spPr>
-        <a:xfrm>
-          <a:off x="3049479" y="2081538"/>
-          <a:ext cx="912336" cy="912336"/>
-        </a:xfrm>
-        <a:prstGeom prst="ellipse">
-          <a:avLst/>
-        </a:prstGeom>
-        <a:blipFill>
-          <a:blip xmlns:r="http://schemas.openxmlformats.org/officeDocument/2006/relationships" r:embed="rId1" cstate="print">
-            <a:extLst>
-              <a:ext uri="{28A0092B-C50C-407E-A947-70E740481C1C}">
-                <a14:useLocalDpi xmlns:a14="http://schemas.microsoft.com/office/drawing/2010/main" val="0"/>
-              </a:ext>
-            </a:extLst>
-          </a:blip>
-          <a:srcRect/>
-          <a:stretch>
-            <a:fillRect/>
-          </a:stretch>
-        </a:blipFill>
-        <a:ln>
-          <a:noFill/>
-        </a:ln>
-        <a:effectLst/>
-        <a:sp3d z="57150" extrusionH="63500" contourW="12700" prstMaterial="matte">
-          <a:contourClr>
-            <a:schemeClr val="dk1">
-              <a:tint val="20000"/>
-            </a:schemeClr>
-          </a:contourClr>
-        </a:sp3d>
-      </dsp:spPr>
-      <dsp:style>
-        <a:lnRef idx="0">
-          <a:scrgbClr r="0" g="0" b="0"/>
-        </a:lnRef>
-        <a:fillRef idx="1">
-          <a:scrgbClr r="0" g="0" b="0"/>
-        </a:fillRef>
-        <a:effectRef idx="0">
-          <a:scrgbClr r="0" g="0" b="0"/>
-        </a:effectRef>
-        <a:fontRef idx="minor"/>
-      </dsp:style>
-    </dsp:sp>
-    <dsp:sp modelId="{9153245C-BB13-4EE9-B67B-49C109C120EA}">
-      <dsp:nvSpPr>
-        <dsp:cNvPr id="0" name=""/>
-        <dsp:cNvSpPr/>
-      </dsp:nvSpPr>
-      <dsp:spPr>
-        <a:xfrm>
-          <a:off x="4187841" y="2806"/>
-          <a:ext cx="2606675" cy="1945828"/>
-        </a:xfrm>
-        <a:prstGeom prst="round2SameRect">
-          <a:avLst>
-            <a:gd name="adj1" fmla="val 8000"/>
-            <a:gd name="adj2" fmla="val 0"/>
-          </a:avLst>
-        </a:prstGeom>
-        <a:solidFill>
-          <a:schemeClr val="dk1">
-            <a:alpha val="90000"/>
-            <a:tint val="40000"/>
-            <a:hueOff val="0"/>
-            <a:satOff val="0"/>
-            <a:lumOff val="0"/>
-            <a:alphaOff val="0"/>
-          </a:schemeClr>
-        </a:solidFill>
-        <a:ln w="6350" cap="flat" cmpd="sng" algn="ctr">
-          <a:solidFill>
-            <a:schemeClr val="dk1">
-              <a:hueOff val="0"/>
-              <a:satOff val="0"/>
-              <a:lumOff val="0"/>
-              <a:alphaOff val="0"/>
-            </a:schemeClr>
-          </a:solidFill>
-          <a:prstDash val="solid"/>
-          <a:miter lim="800000"/>
-        </a:ln>
-        <a:effectLst/>
-        <a:sp3d z="-400500" extrusionH="63500" prstMaterial="matte"/>
-      </dsp:spPr>
-      <dsp:style>
-        <a:lnRef idx="1">
-          <a:scrgbClr r="0" g="0" b="0"/>
-        </a:lnRef>
-        <a:fillRef idx="1">
-          <a:scrgbClr r="0" g="0" b="0"/>
-        </a:fillRef>
-        <a:effectRef idx="0">
-          <a:scrgbClr r="0" g="0" b="0"/>
-        </a:effectRef>
-        <a:fontRef idx="minor"/>
-      </dsp:style>
-    </dsp:sp>
-    <dsp:sp modelId="{E3CD0C6D-1492-43C8-B157-BF79A6159852}">
-      <dsp:nvSpPr>
-        <dsp:cNvPr id="0" name=""/>
-        <dsp:cNvSpPr/>
-      </dsp:nvSpPr>
-      <dsp:spPr>
-        <a:xfrm>
-          <a:off x="4187841" y="1948635"/>
-          <a:ext cx="2606675" cy="836706"/>
-        </a:xfrm>
-        <a:prstGeom prst="rect">
-          <a:avLst/>
-        </a:prstGeom>
-        <a:solidFill>
-          <a:schemeClr val="lt1">
-            <a:hueOff val="0"/>
-            <a:satOff val="0"/>
-            <a:lumOff val="0"/>
-            <a:alphaOff val="0"/>
-          </a:schemeClr>
-        </a:solidFill>
-        <a:ln w="6350" cap="flat" cmpd="sng" algn="ctr">
-          <a:solidFill>
-            <a:schemeClr val="dk1">
-              <a:shade val="80000"/>
-              <a:hueOff val="0"/>
-              <a:satOff val="0"/>
-              <a:lumOff val="0"/>
-              <a:alphaOff val="0"/>
-            </a:schemeClr>
-          </a:solidFill>
-          <a:prstDash val="solid"/>
-          <a:miter lim="800000"/>
-        </a:ln>
-        <a:effectLst/>
-        <a:sp3d extrusionH="381000" contourW="38100" prstMaterial="matte">
-          <a:contourClr>
-            <a:schemeClr val="lt1"/>
-          </a:contourClr>
-        </a:sp3d>
-      </dsp:spPr>
-      <dsp:style>
-        <a:lnRef idx="1">
-          <a:scrgbClr r="0" g="0" b="0"/>
-        </a:lnRef>
-        <a:fillRef idx="1">
-          <a:scrgbClr r="0" g="0" b="0"/>
-        </a:fillRef>
-        <a:effectRef idx="0">
-          <a:scrgbClr r="0" g="0" b="0"/>
-        </a:effectRef>
-        <a:fontRef idx="minor">
-          <a:schemeClr val="lt1"/>
-        </a:fontRef>
-      </dsp:style>
-      <dsp:txBody>
-        <a:bodyPr spcFirstLastPara="0" vert="horz" wrap="square" lIns="213360" tIns="0" rIns="71120" bIns="0" numCol="1" spcCol="1270" anchor="ctr" anchorCtr="0">
-          <a:noAutofit/>
-        </a:bodyPr>
-        <a:lstStyle/>
-        <a:p>
-          <a:pPr lvl="0" algn="l" defTabSz="2489200">
-            <a:lnSpc>
-              <a:spcPct val="90000"/>
-            </a:lnSpc>
-            <a:spcBef>
-              <a:spcPct val="0"/>
-            </a:spcBef>
-            <a:spcAft>
-              <a:spcPct val="35000"/>
-            </a:spcAft>
-          </a:pPr>
-          <a:r>
-            <a:rPr lang="de-DE" sz="5600" kern="1200" dirty="0"/>
-            <a:t>Alex</a:t>
-          </a:r>
-        </a:p>
-      </dsp:txBody>
-      <dsp:txXfrm>
-        <a:off x="4187841" y="1948635"/>
-        <a:ext cx="1835687" cy="836706"/>
-      </dsp:txXfrm>
-    </dsp:sp>
-    <dsp:sp modelId="{A5058B52-91CB-4846-B2FE-B23CB6CA4ED7}">
-      <dsp:nvSpPr>
-        <dsp:cNvPr id="0" name=""/>
-        <dsp:cNvSpPr/>
-      </dsp:nvSpPr>
-      <dsp:spPr>
-        <a:xfrm>
-          <a:off x="6097267" y="2081538"/>
-          <a:ext cx="912336" cy="912336"/>
-        </a:xfrm>
-        <a:prstGeom prst="ellipse">
-          <a:avLst/>
-        </a:prstGeom>
-        <a:blipFill>
-          <a:blip xmlns:r="http://schemas.openxmlformats.org/officeDocument/2006/relationships" r:embed="rId2" cstate="print">
-            <a:extLst>
-              <a:ext uri="{28A0092B-C50C-407E-A947-70E740481C1C}">
-                <a14:useLocalDpi xmlns:a14="http://schemas.microsoft.com/office/drawing/2010/main" val="0"/>
-              </a:ext>
-            </a:extLst>
-          </a:blip>
-          <a:srcRect/>
-          <a:stretch>
-            <a:fillRect t="-39000" b="-39000"/>
-          </a:stretch>
-        </a:blipFill>
-        <a:ln>
-          <a:noFill/>
-        </a:ln>
-        <a:effectLst/>
-        <a:sp3d z="57150" extrusionH="63500" contourW="12700" prstMaterial="matte">
-          <a:contourClr>
-            <a:schemeClr val="dk1">
-              <a:tint val="20000"/>
-            </a:schemeClr>
-          </a:contourClr>
-        </a:sp3d>
-      </dsp:spPr>
-      <dsp:style>
-        <a:lnRef idx="0">
-          <a:scrgbClr r="0" g="0" b="0"/>
-        </a:lnRef>
-        <a:fillRef idx="1">
-          <a:scrgbClr r="0" g="0" b="0"/>
-        </a:fillRef>
-        <a:effectRef idx="0">
-          <a:scrgbClr r="0" g="0" b="0"/>
-        </a:effectRef>
-        <a:fontRef idx="minor"/>
-      </dsp:style>
-    </dsp:sp>
-    <dsp:sp modelId="{6C19F780-5B81-4DA1-BA7C-985A90679B18}">
-      <dsp:nvSpPr>
-        <dsp:cNvPr id="0" name=""/>
-        <dsp:cNvSpPr/>
-      </dsp:nvSpPr>
-      <dsp:spPr>
-        <a:xfrm>
-          <a:off x="2663947" y="3445736"/>
-          <a:ext cx="2606675" cy="1945828"/>
-        </a:xfrm>
-        <a:prstGeom prst="round2SameRect">
-          <a:avLst>
-            <a:gd name="adj1" fmla="val 8000"/>
-            <a:gd name="adj2" fmla="val 0"/>
-          </a:avLst>
-        </a:prstGeom>
-        <a:solidFill>
-          <a:schemeClr val="dk1">
-            <a:alpha val="90000"/>
-            <a:tint val="40000"/>
-            <a:hueOff val="0"/>
-            <a:satOff val="0"/>
-            <a:lumOff val="0"/>
-            <a:alphaOff val="0"/>
-          </a:schemeClr>
-        </a:solidFill>
-        <a:ln w="6350" cap="flat" cmpd="sng" algn="ctr">
-          <a:solidFill>
-            <a:schemeClr val="dk1">
-              <a:hueOff val="0"/>
-              <a:satOff val="0"/>
-              <a:lumOff val="0"/>
-              <a:alphaOff val="0"/>
-            </a:schemeClr>
-          </a:solidFill>
-          <a:prstDash val="solid"/>
-          <a:miter lim="800000"/>
-        </a:ln>
-        <a:effectLst/>
-        <a:sp3d z="-400500" extrusionH="63500" prstMaterial="matte"/>
-      </dsp:spPr>
-      <dsp:style>
-        <a:lnRef idx="1">
-          <a:scrgbClr r="0" g="0" b="0"/>
-        </a:lnRef>
-        <a:fillRef idx="1">
-          <a:scrgbClr r="0" g="0" b="0"/>
-        </a:fillRef>
-        <a:effectRef idx="0">
-          <a:scrgbClr r="0" g="0" b="0"/>
-        </a:effectRef>
-        <a:fontRef idx="minor"/>
-      </dsp:style>
-      <dsp:txBody>
-        <a:bodyPr spcFirstLastPara="0" vert="horz" wrap="square" lIns="82550" tIns="247650" rIns="82550" bIns="82550" numCol="1" spcCol="1270" anchor="t" anchorCtr="0">
-          <a:noAutofit/>
-        </a:bodyPr>
-        <a:lstStyle/>
-        <a:p>
-          <a:pPr marL="285750" lvl="1" indent="-285750" algn="l" defTabSz="2889250">
-            <a:lnSpc>
-              <a:spcPct val="90000"/>
-            </a:lnSpc>
-            <a:spcBef>
-              <a:spcPct val="0"/>
-            </a:spcBef>
-            <a:spcAft>
-              <a:spcPct val="15000"/>
-            </a:spcAft>
-            <a:buChar char="••"/>
-          </a:pPr>
-          <a:endParaRPr lang="de-DE" sz="6500" kern="1200" dirty="0"/>
-        </a:p>
-      </dsp:txBody>
-      <dsp:txXfrm>
-        <a:off x="2709540" y="3491329"/>
-        <a:ext cx="2515489" cy="1900235"/>
-      </dsp:txXfrm>
-    </dsp:sp>
-    <dsp:sp modelId="{01C6FE07-F1B2-41A7-B0A0-2F3A8E66E361}">
-      <dsp:nvSpPr>
-        <dsp:cNvPr id="0" name=""/>
-        <dsp:cNvSpPr/>
-      </dsp:nvSpPr>
-      <dsp:spPr>
-        <a:xfrm>
-          <a:off x="2663947" y="5391564"/>
-          <a:ext cx="2606675" cy="836706"/>
-        </a:xfrm>
-        <a:prstGeom prst="rect">
-          <a:avLst/>
-        </a:prstGeom>
-        <a:solidFill>
-          <a:schemeClr val="lt1">
-            <a:hueOff val="0"/>
-            <a:satOff val="0"/>
-            <a:lumOff val="0"/>
-            <a:alphaOff val="0"/>
-          </a:schemeClr>
-        </a:solidFill>
-        <a:ln w="6350" cap="flat" cmpd="sng" algn="ctr">
-          <a:solidFill>
-            <a:schemeClr val="dk1">
-              <a:shade val="80000"/>
-              <a:hueOff val="0"/>
-              <a:satOff val="0"/>
-              <a:lumOff val="0"/>
-              <a:alphaOff val="0"/>
-            </a:schemeClr>
-          </a:solidFill>
-          <a:prstDash val="solid"/>
-          <a:miter lim="800000"/>
-        </a:ln>
-        <a:effectLst/>
-        <a:sp3d extrusionH="381000" contourW="38100" prstMaterial="matte">
-          <a:contourClr>
-            <a:schemeClr val="lt1"/>
-          </a:contourClr>
-        </a:sp3d>
-      </dsp:spPr>
-      <dsp:style>
-        <a:lnRef idx="1">
-          <a:scrgbClr r="0" g="0" b="0"/>
-        </a:lnRef>
-        <a:fillRef idx="1">
-          <a:scrgbClr r="0" g="0" b="0"/>
-        </a:fillRef>
-        <a:effectRef idx="0">
-          <a:scrgbClr r="0" g="0" b="0"/>
-        </a:effectRef>
-        <a:fontRef idx="minor">
-          <a:schemeClr val="lt1"/>
-        </a:fontRef>
-      </dsp:style>
-      <dsp:txBody>
-        <a:bodyPr spcFirstLastPara="0" vert="horz" wrap="square" lIns="213360" tIns="0" rIns="71120" bIns="0" numCol="1" spcCol="1270" anchor="ctr" anchorCtr="0">
-          <a:noAutofit/>
-        </a:bodyPr>
-        <a:lstStyle/>
-        <a:p>
-          <a:pPr lvl="0" algn="l" defTabSz="2489200">
-            <a:lnSpc>
-              <a:spcPct val="90000"/>
-            </a:lnSpc>
-            <a:spcBef>
-              <a:spcPct val="0"/>
-            </a:spcBef>
-            <a:spcAft>
-              <a:spcPct val="35000"/>
-            </a:spcAft>
-          </a:pPr>
-          <a:r>
-            <a:rPr lang="de-DE" sz="5600" kern="1200" dirty="0"/>
-            <a:t>Chris</a:t>
-          </a:r>
-        </a:p>
-      </dsp:txBody>
-      <dsp:txXfrm>
-        <a:off x="2663947" y="5391564"/>
-        <a:ext cx="1835687" cy="836706"/>
-      </dsp:txXfrm>
-    </dsp:sp>
-    <dsp:sp modelId="{0F0DF652-7447-448F-9BB0-344491D6C29E}">
-      <dsp:nvSpPr>
-        <dsp:cNvPr id="0" name=""/>
-        <dsp:cNvSpPr/>
-      </dsp:nvSpPr>
-      <dsp:spPr>
-        <a:xfrm>
-          <a:off x="4573373" y="5524467"/>
-          <a:ext cx="912336" cy="912336"/>
-        </a:xfrm>
-        <a:prstGeom prst="ellipse">
-          <a:avLst/>
-        </a:prstGeom>
-        <a:blipFill>
-          <a:blip xmlns:r="http://schemas.openxmlformats.org/officeDocument/2006/relationships" r:embed="rId3" cstate="print">
-            <a:extLst>
-              <a:ext uri="{28A0092B-C50C-407E-A947-70E740481C1C}">
-                <a14:useLocalDpi xmlns:a14="http://schemas.microsoft.com/office/drawing/2010/main" val="0"/>
-              </a:ext>
-            </a:extLst>
-          </a:blip>
-          <a:srcRect/>
-          <a:stretch>
-            <a:fillRect l="-25000" r="-25000"/>
-          </a:stretch>
-        </a:blipFill>
-        <a:ln>
-          <a:noFill/>
-        </a:ln>
-        <a:effectLst/>
-        <a:sp3d z="57150" extrusionH="63500" contourW="12700" prstMaterial="matte">
-          <a:contourClr>
-            <a:schemeClr val="dk1">
-              <a:tint val="20000"/>
-            </a:schemeClr>
-          </a:contourClr>
-        </a:sp3d>
-      </dsp:spPr>
-      <dsp:style>
-        <a:lnRef idx="0">
-          <a:scrgbClr r="0" g="0" b="0"/>
-        </a:lnRef>
-        <a:fillRef idx="1">
-          <a:scrgbClr r="0" g="0" b="0"/>
-        </a:fillRef>
-        <a:effectRef idx="0">
-          <a:scrgbClr r="0" g="0" b="0"/>
-        </a:effectRef>
-        <a:fontRef idx="minor"/>
-      </dsp:style>
-    </dsp:sp>
   </dsp:spTree>
 </dsp:drawing>
 </file>
@@ -4514,447 +3546,6 @@
       <dsp:cNvGrpSpPr/>
     </dsp:nvGrpSpPr>
     <dsp:grpSpPr/>
-    <dsp:sp modelId="{F0E81315-B9D7-4661-97C9-FF01E1612E06}">
-      <dsp:nvSpPr>
-        <dsp:cNvPr id="0" name=""/>
-        <dsp:cNvSpPr/>
-      </dsp:nvSpPr>
-      <dsp:spPr>
-        <a:xfrm>
-          <a:off x="-379226" y="136891"/>
-          <a:ext cx="8783806" cy="5489878"/>
-        </a:xfrm>
-        <a:prstGeom prst="swooshArrow">
-          <a:avLst>
-            <a:gd name="adj1" fmla="val 25000"/>
-            <a:gd name="adj2" fmla="val 25000"/>
-          </a:avLst>
-        </a:prstGeom>
-        <a:solidFill>
-          <a:schemeClr val="dk2">
-            <a:tint val="40000"/>
-            <a:hueOff val="0"/>
-            <a:satOff val="0"/>
-            <a:lumOff val="0"/>
-            <a:alphaOff val="0"/>
-          </a:schemeClr>
-        </a:solidFill>
-        <a:ln>
-          <a:noFill/>
-        </a:ln>
-        <a:effectLst/>
-      </dsp:spPr>
-      <dsp:style>
-        <a:lnRef idx="0">
-          <a:scrgbClr r="0" g="0" b="0"/>
-        </a:lnRef>
-        <a:fillRef idx="1">
-          <a:scrgbClr r="0" g="0" b="0"/>
-        </a:fillRef>
-        <a:effectRef idx="2">
-          <a:scrgbClr r="0" g="0" b="0"/>
-        </a:effectRef>
-        <a:fontRef idx="minor"/>
-      </dsp:style>
-    </dsp:sp>
-    <dsp:sp modelId="{5C97C76E-E266-4DF7-B5B1-817C9BC53963}">
-      <dsp:nvSpPr>
-        <dsp:cNvPr id="0" name=""/>
-        <dsp:cNvSpPr/>
-      </dsp:nvSpPr>
-      <dsp:spPr>
-        <a:xfrm>
-          <a:off x="736316" y="3926005"/>
-          <a:ext cx="228378" cy="228378"/>
-        </a:xfrm>
-        <a:prstGeom prst="ellipse">
-          <a:avLst/>
-        </a:prstGeom>
-        <a:gradFill rotWithShape="0">
-          <a:gsLst>
-            <a:gs pos="0">
-              <a:schemeClr val="dk2">
-                <a:hueOff val="0"/>
-                <a:satOff val="0"/>
-                <a:lumOff val="0"/>
-                <a:alphaOff val="0"/>
-                <a:satMod val="103000"/>
-                <a:lumMod val="102000"/>
-                <a:tint val="94000"/>
-              </a:schemeClr>
-            </a:gs>
-            <a:gs pos="50000">
-              <a:schemeClr val="dk2">
-                <a:hueOff val="0"/>
-                <a:satOff val="0"/>
-                <a:lumOff val="0"/>
-                <a:alphaOff val="0"/>
-                <a:satMod val="110000"/>
-                <a:lumMod val="100000"/>
-                <a:shade val="100000"/>
-              </a:schemeClr>
-            </a:gs>
-            <a:gs pos="100000">
-              <a:schemeClr val="dk2">
-                <a:hueOff val="0"/>
-                <a:satOff val="0"/>
-                <a:lumOff val="0"/>
-                <a:alphaOff val="0"/>
-                <a:lumMod val="99000"/>
-                <a:satMod val="120000"/>
-                <a:shade val="78000"/>
-              </a:schemeClr>
-            </a:gs>
-          </a:gsLst>
-          <a:lin ang="5400000" scaled="0"/>
-        </a:gradFill>
-        <a:ln>
-          <a:noFill/>
-        </a:ln>
-        <a:effectLst/>
-      </dsp:spPr>
-      <dsp:style>
-        <a:lnRef idx="0">
-          <a:scrgbClr r="0" g="0" b="0"/>
-        </a:lnRef>
-        <a:fillRef idx="3">
-          <a:scrgbClr r="0" g="0" b="0"/>
-        </a:fillRef>
-        <a:effectRef idx="2">
-          <a:scrgbClr r="0" g="0" b="0"/>
-        </a:effectRef>
-        <a:fontRef idx="minor">
-          <a:schemeClr val="lt1"/>
-        </a:fontRef>
-      </dsp:style>
-    </dsp:sp>
-    <dsp:sp modelId="{B93037BB-46BB-48F9-B24B-262F79A5E7F2}">
-      <dsp:nvSpPr>
-        <dsp:cNvPr id="0" name=""/>
-        <dsp:cNvSpPr/>
-      </dsp:nvSpPr>
-      <dsp:spPr>
-        <a:xfrm>
-          <a:off x="-565340" y="4177086"/>
-          <a:ext cx="5041271" cy="1586574"/>
-        </a:xfrm>
-        <a:prstGeom prst="rect">
-          <a:avLst/>
-        </a:prstGeom>
-        <a:noFill/>
-        <a:ln>
-          <a:noFill/>
-        </a:ln>
-        <a:effectLst/>
-      </dsp:spPr>
-      <dsp:style>
-        <a:lnRef idx="0">
-          <a:scrgbClr r="0" g="0" b="0"/>
-        </a:lnRef>
-        <a:fillRef idx="0">
-          <a:scrgbClr r="0" g="0" b="0"/>
-        </a:fillRef>
-        <a:effectRef idx="0">
-          <a:scrgbClr r="0" g="0" b="0"/>
-        </a:effectRef>
-        <a:fontRef idx="minor"/>
-      </dsp:style>
-      <dsp:txBody>
-        <a:bodyPr spcFirstLastPara="0" vert="horz" wrap="square" lIns="121013" tIns="0" rIns="0" bIns="0" numCol="1" spcCol="1270" anchor="t" anchorCtr="0">
-          <a:noAutofit/>
-        </a:bodyPr>
-        <a:lstStyle/>
-        <a:p>
-          <a:pPr lvl="0" algn="l" defTabSz="1066800">
-            <a:lnSpc>
-              <a:spcPct val="90000"/>
-            </a:lnSpc>
-            <a:spcBef>
-              <a:spcPct val="0"/>
-            </a:spcBef>
-            <a:spcAft>
-              <a:spcPct val="35000"/>
-            </a:spcAft>
-          </a:pPr>
-          <a:r>
-            <a:rPr lang="de-DE" sz="2400" kern="1200" dirty="0"/>
-            <a:t>Einarbeitung | Frontend | Datenbank</a:t>
-          </a:r>
-        </a:p>
-      </dsp:txBody>
-      <dsp:txXfrm>
-        <a:off x="-565340" y="4177086"/>
-        <a:ext cx="5041271" cy="1586574"/>
-      </dsp:txXfrm>
-    </dsp:sp>
-    <dsp:sp modelId="{1C998CCA-D9C1-414B-984C-01C14C0E010D}">
-      <dsp:nvSpPr>
-        <dsp:cNvPr id="0" name=""/>
-        <dsp:cNvSpPr/>
-      </dsp:nvSpPr>
-      <dsp:spPr>
-        <a:xfrm>
-          <a:off x="2752199" y="2433856"/>
-          <a:ext cx="412838" cy="412838"/>
-        </a:xfrm>
-        <a:prstGeom prst="ellipse">
-          <a:avLst/>
-        </a:prstGeom>
-        <a:gradFill rotWithShape="0">
-          <a:gsLst>
-            <a:gs pos="0">
-              <a:schemeClr val="dk2">
-                <a:hueOff val="0"/>
-                <a:satOff val="0"/>
-                <a:lumOff val="0"/>
-                <a:alphaOff val="0"/>
-                <a:satMod val="103000"/>
-                <a:lumMod val="102000"/>
-                <a:tint val="94000"/>
-              </a:schemeClr>
-            </a:gs>
-            <a:gs pos="50000">
-              <a:schemeClr val="dk2">
-                <a:hueOff val="0"/>
-                <a:satOff val="0"/>
-                <a:lumOff val="0"/>
-                <a:alphaOff val="0"/>
-                <a:satMod val="110000"/>
-                <a:lumMod val="100000"/>
-                <a:shade val="100000"/>
-              </a:schemeClr>
-            </a:gs>
-            <a:gs pos="100000">
-              <a:schemeClr val="dk2">
-                <a:hueOff val="0"/>
-                <a:satOff val="0"/>
-                <a:lumOff val="0"/>
-                <a:alphaOff val="0"/>
-                <a:lumMod val="99000"/>
-                <a:satMod val="120000"/>
-                <a:shade val="78000"/>
-              </a:schemeClr>
-            </a:gs>
-          </a:gsLst>
-          <a:lin ang="5400000" scaled="0"/>
-        </a:gradFill>
-        <a:ln>
-          <a:noFill/>
-        </a:ln>
-        <a:effectLst/>
-      </dsp:spPr>
-      <dsp:style>
-        <a:lnRef idx="0">
-          <a:scrgbClr r="0" g="0" b="0"/>
-        </a:lnRef>
-        <a:fillRef idx="3">
-          <a:scrgbClr r="0" g="0" b="0"/>
-        </a:fillRef>
-        <a:effectRef idx="2">
-          <a:scrgbClr r="0" g="0" b="0"/>
-        </a:effectRef>
-        <a:fontRef idx="minor">
-          <a:schemeClr val="lt1"/>
-        </a:fontRef>
-      </dsp:style>
-    </dsp:sp>
-    <dsp:sp modelId="{67B38144-ABD9-4F36-A88C-0C947BBDACBC}">
-      <dsp:nvSpPr>
-        <dsp:cNvPr id="0" name=""/>
-        <dsp:cNvSpPr/>
-      </dsp:nvSpPr>
-      <dsp:spPr>
-        <a:xfrm>
-          <a:off x="1126183" y="2906282"/>
-          <a:ext cx="5403347" cy="1228822"/>
-        </a:xfrm>
-        <a:prstGeom prst="rect">
-          <a:avLst/>
-        </a:prstGeom>
-        <a:noFill/>
-        <a:ln>
-          <a:noFill/>
-        </a:ln>
-        <a:effectLst/>
-      </dsp:spPr>
-      <dsp:style>
-        <a:lnRef idx="0">
-          <a:scrgbClr r="0" g="0" b="0"/>
-        </a:lnRef>
-        <a:fillRef idx="0">
-          <a:scrgbClr r="0" g="0" b="0"/>
-        </a:fillRef>
-        <a:effectRef idx="0">
-          <a:scrgbClr r="0" g="0" b="0"/>
-        </a:effectRef>
-        <a:fontRef idx="minor"/>
-      </dsp:style>
-      <dsp:txBody>
-        <a:bodyPr spcFirstLastPara="0" vert="horz" wrap="square" lIns="218755" tIns="0" rIns="0" bIns="0" numCol="1" spcCol="1270" anchor="t" anchorCtr="0">
-          <a:noAutofit/>
-        </a:bodyPr>
-        <a:lstStyle/>
-        <a:p>
-          <a:pPr lvl="0" algn="l" defTabSz="1066800">
-            <a:lnSpc>
-              <a:spcPct val="90000"/>
-            </a:lnSpc>
-            <a:spcBef>
-              <a:spcPct val="0"/>
-            </a:spcBef>
-            <a:spcAft>
-              <a:spcPct val="35000"/>
-            </a:spcAft>
-          </a:pPr>
-          <a:r>
-            <a:rPr lang="de-DE" sz="2400" kern="1200" dirty="0"/>
-            <a:t>Benutzerprofil | </a:t>
-          </a:r>
-          <a:r>
-            <a:rPr lang="de-DE" sz="2400" kern="1200" dirty="0" err="1"/>
-            <a:t>Youtube</a:t>
-          </a:r>
-          <a:r>
-            <a:rPr lang="de-DE" sz="2400" kern="1200" dirty="0"/>
-            <a:t>-API | Chat </a:t>
-          </a:r>
-        </a:p>
-      </dsp:txBody>
-      <dsp:txXfrm>
-        <a:off x="1126183" y="2906282"/>
-        <a:ext cx="5403347" cy="1228822"/>
-      </dsp:txXfrm>
-    </dsp:sp>
-    <dsp:sp modelId="{6FCE13F2-2999-43D7-9C67-9E6E6E19D206}">
-      <dsp:nvSpPr>
-        <dsp:cNvPr id="0" name=""/>
-        <dsp:cNvSpPr/>
-      </dsp:nvSpPr>
-      <dsp:spPr>
-        <a:xfrm>
-          <a:off x="5176530" y="1525830"/>
-          <a:ext cx="570947" cy="570947"/>
-        </a:xfrm>
-        <a:prstGeom prst="ellipse">
-          <a:avLst/>
-        </a:prstGeom>
-        <a:gradFill rotWithShape="0">
-          <a:gsLst>
-            <a:gs pos="0">
-              <a:schemeClr val="dk2">
-                <a:hueOff val="0"/>
-                <a:satOff val="0"/>
-                <a:lumOff val="0"/>
-                <a:alphaOff val="0"/>
-                <a:satMod val="103000"/>
-                <a:lumMod val="102000"/>
-                <a:tint val="94000"/>
-              </a:schemeClr>
-            </a:gs>
-            <a:gs pos="50000">
-              <a:schemeClr val="dk2">
-                <a:hueOff val="0"/>
-                <a:satOff val="0"/>
-                <a:lumOff val="0"/>
-                <a:alphaOff val="0"/>
-                <a:satMod val="110000"/>
-                <a:lumMod val="100000"/>
-                <a:shade val="100000"/>
-              </a:schemeClr>
-            </a:gs>
-            <a:gs pos="100000">
-              <a:schemeClr val="dk2">
-                <a:hueOff val="0"/>
-                <a:satOff val="0"/>
-                <a:lumOff val="0"/>
-                <a:alphaOff val="0"/>
-                <a:lumMod val="99000"/>
-                <a:satMod val="120000"/>
-                <a:shade val="78000"/>
-              </a:schemeClr>
-            </a:gs>
-          </a:gsLst>
-          <a:lin ang="5400000" scaled="0"/>
-        </a:gradFill>
-        <a:ln>
-          <a:noFill/>
-        </a:ln>
-        <a:effectLst/>
-      </dsp:spPr>
-      <dsp:style>
-        <a:lnRef idx="0">
-          <a:scrgbClr r="0" g="0" b="0"/>
-        </a:lnRef>
-        <a:fillRef idx="3">
-          <a:scrgbClr r="0" g="0" b="0"/>
-        </a:fillRef>
-        <a:effectRef idx="2">
-          <a:scrgbClr r="0" g="0" b="0"/>
-        </a:effectRef>
-        <a:fontRef idx="minor">
-          <a:schemeClr val="lt1"/>
-        </a:fontRef>
-      </dsp:style>
-    </dsp:sp>
-    <dsp:sp modelId="{DA4FBF98-BC65-4120-AA6C-67DAD257D6DD}">
-      <dsp:nvSpPr>
-        <dsp:cNvPr id="0" name=""/>
-        <dsp:cNvSpPr/>
-      </dsp:nvSpPr>
-      <dsp:spPr>
-        <a:xfrm>
-          <a:off x="3060704" y="2122875"/>
-          <a:ext cx="5829123" cy="1513061"/>
-        </a:xfrm>
-        <a:prstGeom prst="rect">
-          <a:avLst/>
-        </a:prstGeom>
-        <a:noFill/>
-        <a:ln>
-          <a:noFill/>
-        </a:ln>
-        <a:effectLst/>
-      </dsp:spPr>
-      <dsp:style>
-        <a:lnRef idx="0">
-          <a:scrgbClr r="0" g="0" b="0"/>
-        </a:lnRef>
-        <a:fillRef idx="0">
-          <a:scrgbClr r="0" g="0" b="0"/>
-        </a:fillRef>
-        <a:effectRef idx="0">
-          <a:scrgbClr r="0" g="0" b="0"/>
-        </a:effectRef>
-        <a:fontRef idx="minor"/>
-      </dsp:style>
-      <dsp:txBody>
-        <a:bodyPr spcFirstLastPara="0" vert="horz" wrap="square" lIns="302533" tIns="0" rIns="0" bIns="0" numCol="1" spcCol="1270" anchor="t" anchorCtr="0">
-          <a:noAutofit/>
-        </a:bodyPr>
-        <a:lstStyle/>
-        <a:p>
-          <a:pPr lvl="0" algn="l" defTabSz="1066800">
-            <a:lnSpc>
-              <a:spcPct val="90000"/>
-            </a:lnSpc>
-            <a:spcBef>
-              <a:spcPct val="0"/>
-            </a:spcBef>
-            <a:spcAft>
-              <a:spcPct val="35000"/>
-            </a:spcAft>
-          </a:pPr>
-          <a:r>
-            <a:rPr lang="de-DE" sz="2400" kern="1200" dirty="0"/>
-            <a:t>Security | Schönheitsimplementierungen </a:t>
-          </a:r>
-        </a:p>
-      </dsp:txBody>
-      <dsp:txXfrm>
-        <a:off x="3060704" y="2122875"/>
-        <a:ext cx="5829123" cy="1513061"/>
-      </dsp:txXfrm>
-    </dsp:sp>
   </dsp:spTree>
 </dsp:drawing>
 </file>
@@ -11031,125 +9622,10 @@
           <a:lstStyle/>
           <a:p>
             <a:r>
-              <a:rPr lang="de-DE" dirty="0" err="1" smtClean="0"/>
-              <a:t>Phpmyadmin</a:t>
-            </a:r>
-            <a:r>
-              <a:rPr lang="de-DE" dirty="0" smtClean="0"/>
-              <a:t>(MySQL)</a:t>
-            </a:r>
-          </a:p>
-          <a:p>
-            <a:r>
-              <a:rPr lang="de-DE" dirty="0" smtClean="0"/>
-              <a:t>Next.js</a:t>
-            </a:r>
-          </a:p>
-          <a:p>
-            <a:r>
-              <a:rPr lang="de-DE" dirty="0" err="1" smtClean="0"/>
-              <a:t>React</a:t>
-            </a:r>
-            <a:endParaRPr lang="de-DE" dirty="0" smtClean="0"/>
-          </a:p>
-          <a:p>
-            <a:r>
-              <a:rPr lang="de-DE" dirty="0" err="1" smtClean="0"/>
-              <a:t>Semantic</a:t>
-            </a:r>
-            <a:r>
               <a:rPr lang="de-DE" baseline="0" dirty="0" smtClean="0"/>
-              <a:t> UI</a:t>
-            </a:r>
-          </a:p>
-          <a:p>
-            <a:r>
-              <a:rPr lang="de-DE" baseline="0" dirty="0" err="1" smtClean="0"/>
-              <a:t>Node</a:t>
-            </a:r>
-            <a:r>
-              <a:rPr lang="de-DE" baseline="0" dirty="0" smtClean="0"/>
-              <a:t> </a:t>
-            </a:r>
-            <a:r>
-              <a:rPr lang="de-DE" baseline="0" dirty="0" err="1" smtClean="0"/>
-              <a:t>Js</a:t>
-            </a:r>
-            <a:r>
-              <a:rPr lang="de-DE" baseline="0" dirty="0" smtClean="0"/>
-              <a:t> - mit den oberen verbunden</a:t>
-            </a:r>
-          </a:p>
-          <a:p>
-            <a:r>
-              <a:rPr lang="de-DE" baseline="0" dirty="0" err="1" smtClean="0"/>
-              <a:t>Nginx</a:t>
-            </a:r>
-            <a:r>
-              <a:rPr lang="de-DE" baseline="0" dirty="0" smtClean="0"/>
-              <a:t> - </a:t>
-            </a:r>
-            <a:r>
-              <a:rPr lang="de-DE" baseline="0" dirty="0" err="1" smtClean="0"/>
-              <a:t>webserver</a:t>
+              <a:t>Übersicht über unsere verwendeten Technologien.</a:t>
             </a:r>
             <a:endParaRPr lang="de-DE" baseline="0" dirty="0" smtClean="0"/>
-          </a:p>
-          <a:p>
-            <a:r>
-              <a:rPr lang="de-DE" baseline="0" dirty="0" smtClean="0"/>
-              <a:t>Socket.io für Chat und </a:t>
-            </a:r>
-            <a:r>
-              <a:rPr lang="de-DE" baseline="0" dirty="0" err="1" smtClean="0"/>
-              <a:t>trigger</a:t>
-            </a:r>
-            <a:r>
-              <a:rPr lang="de-DE" baseline="0" dirty="0" smtClean="0"/>
-              <a:t> für </a:t>
-            </a:r>
-            <a:r>
-              <a:rPr lang="de-DE" baseline="0" dirty="0" err="1" smtClean="0"/>
-              <a:t>sync</a:t>
-            </a:r>
-            <a:endParaRPr lang="de-DE" baseline="0" dirty="0" smtClean="0"/>
-          </a:p>
-          <a:p>
-            <a:r>
-              <a:rPr lang="de-DE" baseline="0" dirty="0" err="1" smtClean="0"/>
-              <a:t>Bcrypt</a:t>
-            </a:r>
-            <a:r>
-              <a:rPr lang="de-DE" baseline="0" dirty="0" smtClean="0"/>
-              <a:t> – </a:t>
-            </a:r>
-            <a:r>
-              <a:rPr lang="de-DE" baseline="0" dirty="0" err="1" smtClean="0"/>
-              <a:t>verschlüssel</a:t>
-            </a:r>
-            <a:r>
-              <a:rPr lang="de-DE" baseline="0" dirty="0" smtClean="0"/>
-              <a:t> von </a:t>
-            </a:r>
-            <a:r>
-              <a:rPr lang="de-DE" baseline="0" dirty="0" err="1" smtClean="0"/>
-              <a:t>passwörtern</a:t>
-            </a:r>
-            <a:endParaRPr lang="de-DE" baseline="0" dirty="0" smtClean="0"/>
-          </a:p>
-          <a:p>
-            <a:r>
-              <a:rPr lang="de-DE" baseline="0" dirty="0" smtClean="0"/>
-              <a:t>JSON Web Token – für Session verwendet, dadurch Cookie „</a:t>
-            </a:r>
-            <a:r>
-              <a:rPr lang="de-DE" baseline="0" dirty="0" err="1" smtClean="0"/>
-              <a:t>verschlüssel</a:t>
-            </a:r>
-            <a:r>
-              <a:rPr lang="de-DE" baseline="0" dirty="0" smtClean="0"/>
-              <a:t>“</a:t>
-            </a:r>
           </a:p>
           <a:p>
             <a:endParaRPr lang="de-DE" dirty="0" smtClean="0"/>
@@ -11240,45 +9716,172 @@
           <a:lstStyle/>
           <a:p>
             <a:r>
+              <a:rPr lang="de-DE" baseline="0" dirty="0" smtClean="0"/>
+              <a:t>- einer der ersten Entscheidungen.</a:t>
+            </a:r>
+          </a:p>
+          <a:p>
+            <a:pPr marL="0" indent="0">
+              <a:buFontTx/>
+              <a:buNone/>
+            </a:pPr>
+            <a:r>
               <a:rPr lang="de-DE" dirty="0" smtClean="0"/>
-              <a:t>Haben</a:t>
+              <a:t>- </a:t>
+            </a:r>
+            <a:r>
+              <a:rPr lang="de-DE" u="sng" dirty="0" smtClean="0"/>
+              <a:t>MySQL</a:t>
+            </a:r>
+            <a:r>
+              <a:rPr lang="de-DE" dirty="0" smtClean="0"/>
+              <a:t/>
+            </a:r>
+            <a:br>
+              <a:rPr lang="de-DE" dirty="0" smtClean="0"/>
+            </a:br>
+            <a:r>
+              <a:rPr lang="de-DE" dirty="0" smtClean="0"/>
+              <a:t>	</a:t>
+            </a:r>
+            <a:r>
+              <a:rPr lang="de-DE" b="1" dirty="0" smtClean="0"/>
+              <a:t>pro</a:t>
+            </a:r>
+            <a:r>
+              <a:rPr lang="de-DE" dirty="0" smtClean="0"/>
+              <a:t>:</a:t>
             </a:r>
             <a:r>
               <a:rPr lang="de-DE" baseline="0" dirty="0" smtClean="0"/>
-              <a:t> uns für </a:t>
+              <a:t> -Relationaler Aufbau</a:t>
+            </a:r>
+          </a:p>
+          <a:p>
+            <a:pPr marL="914400" lvl="2" indent="0">
+              <a:buFontTx/>
+              <a:buNone/>
+            </a:pPr>
+            <a:r>
+              <a:rPr lang="de-DE" baseline="0" dirty="0" smtClean="0"/>
+              <a:t>       - Beziehungen realisierbar ( Raum, Video, User Tabellen)</a:t>
+            </a:r>
+          </a:p>
+          <a:p>
+            <a:pPr marL="914400" lvl="2" indent="0">
+              <a:buFontTx/>
+              <a:buNone/>
+            </a:pPr>
+            <a:r>
+              <a:rPr lang="de-DE" baseline="0" dirty="0" smtClean="0"/>
+              <a:t>       - Einige Vorkenntnisse vorhanden</a:t>
+            </a:r>
+          </a:p>
+          <a:p>
+            <a:pPr marL="914400" lvl="2" indent="0">
+              <a:buFontTx/>
+              <a:buNone/>
+            </a:pPr>
+            <a:r>
+              <a:rPr lang="de-DE" b="1" baseline="0" dirty="0" err="1" smtClean="0"/>
+              <a:t>Con</a:t>
+            </a:r>
+            <a:r>
+              <a:rPr lang="de-DE" baseline="0" dirty="0" smtClean="0"/>
+              <a:t>:- Performance bei zu großen </a:t>
             </a:r>
             <a:r>
               <a:rPr lang="de-DE" baseline="0" dirty="0" err="1" smtClean="0"/>
-              <a:t>Mysql</a:t>
+              <a:t>korrelation</a:t>
             </a:r>
             <a:r>
               <a:rPr lang="de-DE" baseline="0" dirty="0" smtClean="0"/>
-              <a:t> entschieden, da die Beziehung zwischen den Tabellen für unser Projekt hilfreich ist. (</a:t>
+              <a:t> schlecht. Aber das betrifft uns nicht</a:t>
+            </a:r>
+          </a:p>
+          <a:p>
+            <a:pPr marL="914400" lvl="2" indent="0">
+              <a:buFontTx/>
+              <a:buNone/>
+            </a:pPr>
+            <a:endParaRPr lang="de-DE" baseline="0" dirty="0" smtClean="0"/>
+          </a:p>
+          <a:p>
+            <a:pPr marL="171450" lvl="0" indent="-171450">
+              <a:buFontTx/>
+              <a:buChar char="-"/>
+            </a:pPr>
+            <a:r>
+              <a:rPr lang="de-DE" u="sng" dirty="0" err="1" smtClean="0"/>
+              <a:t>NoSQL</a:t>
             </a:r>
             <a:r>
-              <a:rPr lang="de-DE" baseline="0" dirty="0" err="1" smtClean="0"/>
-              <a:t>User,Room,Videos</a:t>
+              <a:rPr lang="de-DE" u="none" dirty="0" smtClean="0"/>
+              <a:t>	</a:t>
             </a:r>
             <a:r>
-              <a:rPr lang="de-DE" baseline="0" dirty="0" smtClean="0"/>
-              <a:t>). Vorkenntnisse in der </a:t>
+              <a:rPr lang="de-DE" b="1" u="none" dirty="0" smtClean="0"/>
+              <a:t>pro</a:t>
             </a:r>
             <a:r>
-              <a:rPr lang="de-DE" baseline="0" dirty="0" err="1" smtClean="0"/>
-              <a:t>Mysql</a:t>
+              <a:rPr lang="de-DE" u="none" dirty="0" smtClean="0"/>
+              <a:t>:</a:t>
             </a:r>
             <a:r>
-              <a:rPr lang="de-DE" baseline="0" dirty="0" smtClean="0"/>
+              <a:rPr lang="de-DE" u="none" baseline="0" dirty="0" smtClean="0"/>
+              <a:t> - Gut für großen Datenmengen</a:t>
+            </a:r>
+          </a:p>
+          <a:p>
+            <a:pPr marL="914400" lvl="2" indent="0">
+              <a:buFontTx/>
+              <a:buNone/>
+            </a:pPr>
+            <a:r>
+              <a:rPr lang="de-DE" b="1" u="none" baseline="0" dirty="0" err="1" smtClean="0"/>
+              <a:t>Con</a:t>
+            </a:r>
+            <a:r>
+              <a:rPr lang="de-DE" u="none" baseline="0" dirty="0" smtClean="0"/>
+              <a:t>:- Keine Beziehungen</a:t>
+            </a:r>
+            <a:br>
+              <a:rPr lang="de-DE" u="none" baseline="0" dirty="0" smtClean="0"/>
+            </a:br>
+            <a:r>
+              <a:rPr lang="de-DE" u="none" baseline="0" dirty="0" smtClean="0"/>
+              <a:t>       - wenig Erfahrung</a:t>
+            </a:r>
+          </a:p>
+          <a:p>
+            <a:pPr marL="914400" lvl="2" indent="0">
+              <a:buFontTx/>
+              <a:buNone/>
+            </a:pPr>
+            <a:endParaRPr lang="de-DE" u="none" dirty="0" smtClean="0"/>
+          </a:p>
+          <a:p>
+            <a:r>
+              <a:rPr lang="de-DE" u="sng" dirty="0" smtClean="0"/>
+              <a:t>Ergebnis</a:t>
+            </a:r>
+            <a:r>
+              <a:rPr lang="de-DE" u="none" dirty="0" smtClean="0"/>
+              <a:t>:</a:t>
+            </a:r>
+            <a:r>
+              <a:rPr lang="de-DE" u="none" baseline="0" dirty="0" smtClean="0"/>
               <a:t> </a:t>
             </a:r>
             <a:r>
-              <a:rPr lang="de-DE" baseline="0" dirty="0" err="1" smtClean="0"/>
-              <a:t>welt</a:t>
+              <a:rPr lang="de-DE" u="none" dirty="0" smtClean="0"/>
+              <a:t>Entscheidung für MySQL</a:t>
             </a:r>
             <a:r>
-              <a:rPr lang="de-DE" baseline="0" dirty="0" smtClean="0"/>
-              <a:t> haben uns dann auch noch sehr geholfen. Die Performance ist nicht ganz so gravierend, da wir nicht zu viele Daten miteinander korrelieren.</a:t>
+              <a:rPr lang="de-DE" u="none" baseline="0" dirty="0" smtClean="0"/>
+              <a:t> auf Grund der Vorkenntnisse und der Möglichkeit Beziehungen zu erstellen</a:t>
             </a:r>
+            <a:endParaRPr lang="de-DE" u="sng" baseline="0" dirty="0" smtClean="0"/>
           </a:p>
           <a:p>
             <a:endParaRPr lang="de-DE" baseline="0" dirty="0" smtClean="0"/>
@@ -11366,8 +9969,25 @@
           <a:lstStyle/>
           <a:p>
             <a:r>
+              <a:rPr lang="de-DE" u="sng" dirty="0" smtClean="0"/>
+              <a:t>Frontend</a:t>
+            </a:r>
+          </a:p>
+          <a:p>
+            <a:endParaRPr lang="de-DE" dirty="0" smtClean="0"/>
+          </a:p>
+          <a:p>
+            <a:r>
               <a:rPr lang="de-DE" dirty="0" err="1" smtClean="0"/>
               <a:t>React</a:t>
+            </a:r>
+            <a:r>
+              <a:rPr lang="de-DE" dirty="0" smtClean="0"/>
+              <a:t> – JavaScript</a:t>
+            </a:r>
+            <a:r>
+              <a:rPr lang="de-DE" baseline="0" dirty="0" smtClean="0"/>
+              <a:t> Bibliothek, die ein Grundgerüst für die Ausgabe von User-Interface-Komponenten von Webseiten zu Verfügung stellt.</a:t>
             </a:r>
             <a:endParaRPr lang="de-DE" dirty="0" smtClean="0"/>
           </a:p>
@@ -11378,7 +9998,11 @@
             </a:r>
             <a:r>
               <a:rPr lang="de-DE" baseline="0" dirty="0" smtClean="0"/>
-              <a:t> UI</a:t>
+              <a:t> </a:t>
+            </a:r>
+            <a:r>
+              <a:rPr lang="de-DE" baseline="0" dirty="0" smtClean="0"/>
+              <a:t>UI – Für das Design der Oberflache zuständig</a:t>
             </a:r>
             <a:endParaRPr lang="de-DE" dirty="0"/>
           </a:p>
@@ -11465,44 +10089,73 @@
           <a:lstStyle/>
           <a:p>
             <a:r>
-              <a:rPr lang="de-DE" dirty="0" err="1" smtClean="0"/>
-              <a:t>Nginx</a:t>
+              <a:rPr lang="de-DE" u="sng" dirty="0" smtClean="0"/>
+              <a:t>Backend</a:t>
             </a:r>
             <a:r>
               <a:rPr lang="de-DE" dirty="0" smtClean="0"/>
-              <a:t> als Webserver</a:t>
+              <a:t>:</a:t>
             </a:r>
           </a:p>
           <a:p>
+            <a:endParaRPr lang="de-DE" dirty="0" smtClean="0"/>
+          </a:p>
+          <a:p>
             <a:r>
-              <a:rPr lang="de-DE" dirty="0" err="1" smtClean="0"/>
-              <a:t>Node</a:t>
+              <a:rPr lang="de-DE" b="1" dirty="0" err="1" smtClean="0"/>
+              <a:t>Nginx</a:t>
             </a:r>
             <a:r>
               <a:rPr lang="de-DE" dirty="0" smtClean="0"/>
               <a:t> </a:t>
             </a:r>
             <a:r>
-              <a:rPr lang="de-DE" dirty="0" err="1" smtClean="0"/>
+              <a:rPr lang="de-DE" dirty="0" smtClean="0"/>
+              <a:t>als </a:t>
+            </a:r>
+            <a:r>
+              <a:rPr lang="de-DE" dirty="0" smtClean="0"/>
+              <a:t>Webserver auf der</a:t>
+            </a:r>
+            <a:r>
+              <a:rPr lang="de-DE" baseline="0" dirty="0" smtClean="0"/>
+              <a:t> VM</a:t>
+            </a:r>
+          </a:p>
+          <a:p>
+            <a:r>
+              <a:rPr lang="de-DE" b="1" dirty="0" err="1" smtClean="0"/>
+              <a:t>Node</a:t>
+            </a:r>
+            <a:r>
+              <a:rPr lang="de-DE" b="1" dirty="0" smtClean="0"/>
+              <a:t> </a:t>
+            </a:r>
+            <a:r>
+              <a:rPr lang="de-DE" b="1" dirty="0" err="1" smtClean="0"/>
               <a:t>js</a:t>
             </a:r>
             <a:r>
-              <a:rPr lang="de-DE" dirty="0" smtClean="0"/>
-              <a:t> – keine </a:t>
-            </a:r>
-            <a:r>
-              <a:rPr lang="de-DE" dirty="0" err="1" smtClean="0"/>
-              <a:t>Ahung</a:t>
+              <a:rPr lang="de-DE" b="1" dirty="0" smtClean="0"/>
+              <a:t> </a:t>
             </a:r>
             <a:r>
               <a:rPr lang="de-DE" dirty="0" smtClean="0"/>
-              <a:t> ob das hier hin muss </a:t>
+              <a:t>– </a:t>
+            </a:r>
+            <a:r>
+              <a:rPr lang="de-DE" dirty="0" smtClean="0"/>
+              <a:t>Dient als Backend</a:t>
+            </a:r>
+            <a:r>
+              <a:rPr lang="de-DE" baseline="0" dirty="0" smtClean="0"/>
+              <a:t> für unser Projekt</a:t>
             </a:r>
             <a:r>
               <a:rPr lang="de-DE" dirty="0" smtClean="0">
                 <a:sym typeface="Wingdings" panose="05000000000000000000" pitchFamily="2" charset="2"/>
               </a:rPr>
-              <a:t></a:t>
+              <a:t/>
             </a:r>
             <a:br>
               <a:rPr lang="de-DE" dirty="0" smtClean="0">
@@ -11510,22 +10163,28 @@
               </a:rPr>
             </a:br>
             <a:r>
-              <a:rPr lang="de-DE" dirty="0" smtClean="0">
+              <a:rPr lang="de-DE" b="1" dirty="0" smtClean="0">
                 <a:sym typeface="Wingdings" panose="05000000000000000000" pitchFamily="2" charset="2"/>
               </a:rPr>
               <a:t>socket </a:t>
             </a:r>
             <a:r>
-              <a:rPr lang="de-DE" dirty="0" err="1" smtClean="0">
+              <a:rPr lang="de-DE" b="1" dirty="0" err="1" smtClean="0">
                 <a:sym typeface="Wingdings" panose="05000000000000000000" pitchFamily="2" charset="2"/>
               </a:rPr>
               <a:t>io</a:t>
             </a:r>
             <a:r>
+              <a:rPr lang="de-DE" b="1" dirty="0" smtClean="0">
+                <a:sym typeface="Wingdings" panose="05000000000000000000" pitchFamily="2" charset="2"/>
+              </a:rPr>
+              <a:t> </a:t>
+            </a:r>
+            <a:r>
               <a:rPr lang="de-DE" dirty="0" smtClean="0">
                 <a:sym typeface="Wingdings" panose="05000000000000000000" pitchFamily="2" charset="2"/>
               </a:rPr>
-              <a:t> - für die Realisierung des</a:t>
+              <a:t>- für die Realisierung des</a:t>
             </a:r>
             <a:r>
               <a:rPr lang="de-DE" baseline="0" dirty="0" smtClean="0">
@@ -11543,12 +10202,33 @@
               <a:rPr lang="de-DE" baseline="0" dirty="0" smtClean="0">
                 <a:sym typeface="Wingdings" panose="05000000000000000000" pitchFamily="2" charset="2"/>
               </a:rPr>
-              <a:t> für den Chat</a:t>
+              <a:t> </a:t>
             </a:r>
+            <a:r>
+              <a:rPr lang="de-DE" baseline="0" dirty="0" smtClean="0">
+                <a:sym typeface="Wingdings" panose="05000000000000000000" pitchFamily="2" charset="2"/>
+              </a:rPr>
+              <a:t>der für </a:t>
+            </a:r>
+            <a:r>
+              <a:rPr lang="de-DE" baseline="0" dirty="0" smtClean="0">
+                <a:sym typeface="Wingdings" panose="05000000000000000000" pitchFamily="2" charset="2"/>
+              </a:rPr>
+              <a:t>den </a:t>
+            </a:r>
+            <a:r>
+              <a:rPr lang="de-DE" baseline="0" dirty="0" smtClean="0">
+                <a:sym typeface="Wingdings" panose="05000000000000000000" pitchFamily="2" charset="2"/>
+              </a:rPr>
+              <a:t>Chat verwendet wird. Zudem noch unterschiedliche Trigger innerhalb eines Raumes.</a:t>
+            </a:r>
+            <a:endParaRPr lang="de-DE" baseline="0" dirty="0" smtClean="0">
+              <a:sym typeface="Wingdings" panose="05000000000000000000" pitchFamily="2" charset="2"/>
+            </a:endParaRPr>
           </a:p>
           <a:p>
             <a:r>
-              <a:rPr lang="de-DE" sz="1200" b="0" i="0" kern="1200" dirty="0" smtClean="0">
+              <a:rPr lang="de-DE" sz="1200" b="1" i="0" kern="1200" dirty="0" smtClean="0">
                 <a:solidFill>
                   <a:schemeClr val="tx1"/>
                 </a:solidFill>
@@ -11560,7 +10240,7 @@
               <a:t>Next </a:t>
             </a:r>
             <a:r>
-              <a:rPr lang="de-DE" sz="1200" b="0" i="0" kern="1200" dirty="0" err="1" smtClean="0">
+              <a:rPr lang="de-DE" sz="1200" b="1" i="0" kern="1200" dirty="0" err="1" smtClean="0">
                 <a:solidFill>
                   <a:schemeClr val="tx1"/>
                 </a:solidFill>
@@ -11572,6 +10252,18 @@
               <a:t>js</a:t>
             </a:r>
             <a:r>
+              <a:rPr lang="de-DE" sz="1200" b="1" i="0" kern="1200" dirty="0" smtClean="0">
+                <a:solidFill>
+                  <a:schemeClr val="tx1"/>
+                </a:solidFill>
+                <a:effectLst/>
+                <a:latin typeface="+mn-lt"/>
+                <a:ea typeface="+mn-ea"/>
+                <a:cs typeface="+mn-cs"/>
+              </a:rPr>
+              <a:t>.  </a:t>
+            </a:r>
+            <a:r>
               <a:rPr lang="de-DE" sz="1200" b="0" i="0" kern="1200" dirty="0" smtClean="0">
                 <a:solidFill>
                   <a:schemeClr val="tx1"/>
@@ -11581,7 +10273,7 @@
                 <a:ea typeface="+mn-ea"/>
                 <a:cs typeface="+mn-cs"/>
               </a:rPr>
-              <a:t>.  - JavaScript-Framework für Server-</a:t>
+              <a:t>- JavaScript-Framework für Server-</a:t>
             </a:r>
             <a:r>
               <a:rPr lang="de-DE" sz="1200" b="0" i="0" kern="1200" dirty="0" err="1" smtClean="0">
@@ -11605,7 +10297,19 @@
                 <a:ea typeface="+mn-ea"/>
                 <a:cs typeface="+mn-cs"/>
               </a:rPr>
-              <a:t> JavaScript-</a:t>
+              <a:t> </a:t>
+            </a:r>
+            <a:r>
+              <a:rPr lang="de-DE" sz="1200" b="0" i="0" kern="1200" dirty="0" smtClean="0">
+                <a:solidFill>
+                  <a:schemeClr val="tx1"/>
+                </a:solidFill>
+                <a:effectLst/>
+                <a:latin typeface="+mn-lt"/>
+                <a:ea typeface="+mn-ea"/>
+                <a:cs typeface="+mn-cs"/>
+              </a:rPr>
+              <a:t>JavaScript-</a:t>
             </a:r>
             <a:r>
               <a:rPr lang="de-DE" sz="1200" b="0" i="0" kern="1200" dirty="0" err="1" smtClean="0">
@@ -11617,10 +10321,10 @@
                 <a:ea typeface="+mn-ea"/>
                 <a:cs typeface="+mn-cs"/>
               </a:rPr>
-              <a:t>Webapps</a:t>
+              <a:t>Webapp</a:t>
             </a:r>
             <a:r>
-              <a:rPr lang="de-DE" sz="1200" b="0" i="0" kern="1200" dirty="0" smtClean="0">
+              <a:rPr lang="de-DE" sz="1200" b="0" i="0" kern="1200" baseline="0" dirty="0" smtClean="0">
                 <a:solidFill>
                   <a:schemeClr val="tx1"/>
                 </a:solidFill>
@@ -11629,10 +10333,10 @@
                 <a:ea typeface="+mn-ea"/>
                 <a:cs typeface="+mn-cs"/>
               </a:rPr>
-              <a:t> und baut auf </a:t>
+              <a:t>. Um die </a:t>
             </a:r>
             <a:r>
-              <a:rPr lang="de-DE" sz="1200" b="0" i="0" kern="1200" dirty="0" err="1" smtClean="0">
+              <a:rPr lang="de-DE" sz="1200" b="0" i="0" kern="1200" baseline="0" dirty="0" err="1" smtClean="0">
                 <a:solidFill>
                   <a:schemeClr val="tx1"/>
                 </a:solidFill>
@@ -11653,7 +10357,7 @@
                 <a:ea typeface="+mn-ea"/>
                 <a:cs typeface="+mn-cs"/>
               </a:rPr>
-              <a:t> auf.</a:t>
+              <a:t> Webseite serverseitig zu rendern.</a:t>
             </a:r>
             <a:endParaRPr lang="de-DE" dirty="0"/>
           </a:p>
@@ -11740,7 +10444,7 @@
           <a:lstStyle/>
           <a:p>
             <a:r>
-              <a:rPr lang="de-DE" dirty="0" err="1" smtClean="0"/>
+              <a:rPr lang="de-DE" b="1" dirty="0" err="1" smtClean="0"/>
               <a:t>Jsonwebtoken</a:t>
             </a:r>
             <a:r>
@@ -11775,7 +10479,7 @@
               <a:rPr lang="de-DE" dirty="0"/>
             </a:br>
             <a:r>
-              <a:rPr lang="de-DE" dirty="0" err="1" smtClean="0"/>
+              <a:rPr lang="de-DE" b="1" dirty="0" err="1" smtClean="0"/>
               <a:t>Bcrypt</a:t>
             </a:r>
             <a:r>
@@ -11880,7 +10584,7 @@
           <p:cNvPr id="2" name="Titel 1">
             <a:extLst>
               <a:ext uri="{FF2B5EF4-FFF2-40B4-BE49-F238E27FC236}">
-                <a16:creationId xmlns:a16="http://schemas.microsoft.com/office/drawing/2014/main" xmlns="" id="{724983D2-4D9A-49C5-A31D-DDCB3D006090}"/>
+                <a16:creationId xmlns="" xmlns:a16="http://schemas.microsoft.com/office/drawing/2014/main" id="{724983D2-4D9A-49C5-A31D-DDCB3D006090}"/>
               </a:ext>
             </a:extLst>
           </p:cNvPr>
@@ -11917,7 +10621,7 @@
           <p:cNvPr id="3" name="Untertitel 2">
             <a:extLst>
               <a:ext uri="{FF2B5EF4-FFF2-40B4-BE49-F238E27FC236}">
-                <a16:creationId xmlns:a16="http://schemas.microsoft.com/office/drawing/2014/main" xmlns="" id="{EC6A68B0-8322-4F42-A03E-D04A4D4F3FBE}"/>
+                <a16:creationId xmlns="" xmlns:a16="http://schemas.microsoft.com/office/drawing/2014/main" id="{EC6A68B0-8322-4F42-A03E-D04A4D4F3FBE}"/>
               </a:ext>
             </a:extLst>
           </p:cNvPr>
@@ -11987,7 +10691,7 @@
           <p:cNvPr id="4" name="Datumsplatzhalter 3">
             <a:extLst>
               <a:ext uri="{FF2B5EF4-FFF2-40B4-BE49-F238E27FC236}">
-                <a16:creationId xmlns:a16="http://schemas.microsoft.com/office/drawing/2014/main" xmlns="" id="{32314984-4194-4C46-9236-AE6E2B42D28C}"/>
+                <a16:creationId xmlns="" xmlns:a16="http://schemas.microsoft.com/office/drawing/2014/main" id="{32314984-4194-4C46-9236-AE6E2B42D28C}"/>
               </a:ext>
             </a:extLst>
           </p:cNvPr>
@@ -12016,7 +10720,7 @@
           <p:cNvPr id="5" name="Fußzeilenplatzhalter 4">
             <a:extLst>
               <a:ext uri="{FF2B5EF4-FFF2-40B4-BE49-F238E27FC236}">
-                <a16:creationId xmlns:a16="http://schemas.microsoft.com/office/drawing/2014/main" xmlns="" id="{AD177AB4-C655-45D0-ACD6-F0074DFFC244}"/>
+                <a16:creationId xmlns="" xmlns:a16="http://schemas.microsoft.com/office/drawing/2014/main" id="{AD177AB4-C655-45D0-ACD6-F0074DFFC244}"/>
               </a:ext>
             </a:extLst>
           </p:cNvPr>
@@ -12041,7 +10745,7 @@
           <p:cNvPr id="6" name="Foliennummernplatzhalter 5">
             <a:extLst>
               <a:ext uri="{FF2B5EF4-FFF2-40B4-BE49-F238E27FC236}">
-                <a16:creationId xmlns:a16="http://schemas.microsoft.com/office/drawing/2014/main" xmlns="" id="{4A44E1CE-3C24-4B8C-9541-1A8CC348B5F0}"/>
+                <a16:creationId xmlns="" xmlns:a16="http://schemas.microsoft.com/office/drawing/2014/main" id="{4A44E1CE-3C24-4B8C-9541-1A8CC348B5F0}"/>
               </a:ext>
             </a:extLst>
           </p:cNvPr>
@@ -12100,7 +10804,7 @@
           <p:cNvPr id="2" name="Titel 1">
             <a:extLst>
               <a:ext uri="{FF2B5EF4-FFF2-40B4-BE49-F238E27FC236}">
-                <a16:creationId xmlns:a16="http://schemas.microsoft.com/office/drawing/2014/main" xmlns="" id="{608E78D5-1FFE-436F-88ED-EA5401B5E6EB}"/>
+                <a16:creationId xmlns="" xmlns:a16="http://schemas.microsoft.com/office/drawing/2014/main" id="{608E78D5-1FFE-436F-88ED-EA5401B5E6EB}"/>
               </a:ext>
             </a:extLst>
           </p:cNvPr>
@@ -12128,7 +10832,7 @@
           <p:cNvPr id="3" name="Vertikaler Textplatzhalter 2">
             <a:extLst>
               <a:ext uri="{FF2B5EF4-FFF2-40B4-BE49-F238E27FC236}">
-                <a16:creationId xmlns:a16="http://schemas.microsoft.com/office/drawing/2014/main" xmlns="" id="{20B21505-985F-47AF-8195-A1E1295B477C}"/>
+                <a16:creationId xmlns="" xmlns:a16="http://schemas.microsoft.com/office/drawing/2014/main" id="{20B21505-985F-47AF-8195-A1E1295B477C}"/>
               </a:ext>
             </a:extLst>
           </p:cNvPr>
@@ -12185,7 +10889,7 @@
           <p:cNvPr id="4" name="Datumsplatzhalter 3">
             <a:extLst>
               <a:ext uri="{FF2B5EF4-FFF2-40B4-BE49-F238E27FC236}">
-                <a16:creationId xmlns:a16="http://schemas.microsoft.com/office/drawing/2014/main" xmlns="" id="{79F0B56E-9F3F-4506-8530-E0FA8D1F5F57}"/>
+                <a16:creationId xmlns="" xmlns:a16="http://schemas.microsoft.com/office/drawing/2014/main" id="{79F0B56E-9F3F-4506-8530-E0FA8D1F5F57}"/>
               </a:ext>
             </a:extLst>
           </p:cNvPr>
@@ -12214,7 +10918,7 @@
           <p:cNvPr id="5" name="Fußzeilenplatzhalter 4">
             <a:extLst>
               <a:ext uri="{FF2B5EF4-FFF2-40B4-BE49-F238E27FC236}">
-                <a16:creationId xmlns:a16="http://schemas.microsoft.com/office/drawing/2014/main" xmlns="" id="{210548FB-454A-4A2F-96D5-1360B42885F0}"/>
+                <a16:creationId xmlns="" xmlns:a16="http://schemas.microsoft.com/office/drawing/2014/main" id="{210548FB-454A-4A2F-96D5-1360B42885F0}"/>
               </a:ext>
             </a:extLst>
           </p:cNvPr>
@@ -12239,7 +10943,7 @@
           <p:cNvPr id="6" name="Foliennummernplatzhalter 5">
             <a:extLst>
               <a:ext uri="{FF2B5EF4-FFF2-40B4-BE49-F238E27FC236}">
-                <a16:creationId xmlns:a16="http://schemas.microsoft.com/office/drawing/2014/main" xmlns="" id="{6B3CDA53-B96C-4612-B87F-F7032FE162AB}"/>
+                <a16:creationId xmlns="" xmlns:a16="http://schemas.microsoft.com/office/drawing/2014/main" id="{6B3CDA53-B96C-4612-B87F-F7032FE162AB}"/>
               </a:ext>
             </a:extLst>
           </p:cNvPr>
@@ -12298,7 +11002,7 @@
           <p:cNvPr id="2" name="Vertikaler Titel 1">
             <a:extLst>
               <a:ext uri="{FF2B5EF4-FFF2-40B4-BE49-F238E27FC236}">
-                <a16:creationId xmlns:a16="http://schemas.microsoft.com/office/drawing/2014/main" xmlns="" id="{AE46E16A-D5B6-458D-B454-D6E845F686AC}"/>
+                <a16:creationId xmlns="" xmlns:a16="http://schemas.microsoft.com/office/drawing/2014/main" id="{AE46E16A-D5B6-458D-B454-D6E845F686AC}"/>
               </a:ext>
             </a:extLst>
           </p:cNvPr>
@@ -12331,7 +11035,7 @@
           <p:cNvPr id="3" name="Vertikaler Textplatzhalter 2">
             <a:extLst>
               <a:ext uri="{FF2B5EF4-FFF2-40B4-BE49-F238E27FC236}">
-                <a16:creationId xmlns:a16="http://schemas.microsoft.com/office/drawing/2014/main" xmlns="" id="{A8F91EC6-800B-4B9E-8885-574B03C9A9BD}"/>
+                <a16:creationId xmlns="" xmlns:a16="http://schemas.microsoft.com/office/drawing/2014/main" id="{A8F91EC6-800B-4B9E-8885-574B03C9A9BD}"/>
               </a:ext>
             </a:extLst>
           </p:cNvPr>
@@ -12393,7 +11097,7 @@
           <p:cNvPr id="4" name="Datumsplatzhalter 3">
             <a:extLst>
               <a:ext uri="{FF2B5EF4-FFF2-40B4-BE49-F238E27FC236}">
-                <a16:creationId xmlns:a16="http://schemas.microsoft.com/office/drawing/2014/main" xmlns="" id="{0ABC6CAC-6FBC-4EAD-A891-CADF725ACDFA}"/>
+                <a16:creationId xmlns="" xmlns:a16="http://schemas.microsoft.com/office/drawing/2014/main" id="{0ABC6CAC-6FBC-4EAD-A891-CADF725ACDFA}"/>
               </a:ext>
             </a:extLst>
           </p:cNvPr>
@@ -12422,7 +11126,7 @@
           <p:cNvPr id="5" name="Fußzeilenplatzhalter 4">
             <a:extLst>
               <a:ext uri="{FF2B5EF4-FFF2-40B4-BE49-F238E27FC236}">
-                <a16:creationId xmlns:a16="http://schemas.microsoft.com/office/drawing/2014/main" xmlns="" id="{E36C698D-E861-477D-95C5-1EDF4EB59C5C}"/>
+                <a16:creationId xmlns="" xmlns:a16="http://schemas.microsoft.com/office/drawing/2014/main" id="{E36C698D-E861-477D-95C5-1EDF4EB59C5C}"/>
               </a:ext>
             </a:extLst>
           </p:cNvPr>
@@ -12447,7 +11151,7 @@
           <p:cNvPr id="6" name="Foliennummernplatzhalter 5">
             <a:extLst>
               <a:ext uri="{FF2B5EF4-FFF2-40B4-BE49-F238E27FC236}">
-                <a16:creationId xmlns:a16="http://schemas.microsoft.com/office/drawing/2014/main" xmlns="" id="{0FBA801D-602F-4AEB-88A3-7051DE3311B1}"/>
+                <a16:creationId xmlns="" xmlns:a16="http://schemas.microsoft.com/office/drawing/2014/main" id="{0FBA801D-602F-4AEB-88A3-7051DE3311B1}"/>
               </a:ext>
             </a:extLst>
           </p:cNvPr>
@@ -12506,7 +11210,7 @@
           <p:cNvPr id="2" name="Titel 1">
             <a:extLst>
               <a:ext uri="{FF2B5EF4-FFF2-40B4-BE49-F238E27FC236}">
-                <a16:creationId xmlns:a16="http://schemas.microsoft.com/office/drawing/2014/main" xmlns="" id="{6E8DD669-80F6-42B9-852F-E78CF49DCF4B}"/>
+                <a16:creationId xmlns="" xmlns:a16="http://schemas.microsoft.com/office/drawing/2014/main" id="{6E8DD669-80F6-42B9-852F-E78CF49DCF4B}"/>
               </a:ext>
             </a:extLst>
           </p:cNvPr>
@@ -12534,7 +11238,7 @@
           <p:cNvPr id="3" name="Inhaltsplatzhalter 2">
             <a:extLst>
               <a:ext uri="{FF2B5EF4-FFF2-40B4-BE49-F238E27FC236}">
-                <a16:creationId xmlns:a16="http://schemas.microsoft.com/office/drawing/2014/main" xmlns="" id="{7C55332C-7A20-469B-9BEC-D5B0101FA19F}"/>
+                <a16:creationId xmlns="" xmlns:a16="http://schemas.microsoft.com/office/drawing/2014/main" id="{7C55332C-7A20-469B-9BEC-D5B0101FA19F}"/>
               </a:ext>
             </a:extLst>
           </p:cNvPr>
@@ -12591,7 +11295,7 @@
           <p:cNvPr id="4" name="Datumsplatzhalter 3">
             <a:extLst>
               <a:ext uri="{FF2B5EF4-FFF2-40B4-BE49-F238E27FC236}">
-                <a16:creationId xmlns:a16="http://schemas.microsoft.com/office/drawing/2014/main" xmlns="" id="{15E21441-ABC3-4646-AB44-3FD296C7DC37}"/>
+                <a16:creationId xmlns="" xmlns:a16="http://schemas.microsoft.com/office/drawing/2014/main" id="{15E21441-ABC3-4646-AB44-3FD296C7DC37}"/>
               </a:ext>
             </a:extLst>
           </p:cNvPr>
@@ -12620,7 +11324,7 @@
           <p:cNvPr id="5" name="Fußzeilenplatzhalter 4">
             <a:extLst>
               <a:ext uri="{FF2B5EF4-FFF2-40B4-BE49-F238E27FC236}">
-                <a16:creationId xmlns:a16="http://schemas.microsoft.com/office/drawing/2014/main" xmlns="" id="{CAE46990-78EA-44B3-A2F7-BEFC1ED49E9E}"/>
+                <a16:creationId xmlns="" xmlns:a16="http://schemas.microsoft.com/office/drawing/2014/main" id="{CAE46990-78EA-44B3-A2F7-BEFC1ED49E9E}"/>
               </a:ext>
             </a:extLst>
           </p:cNvPr>
@@ -12645,7 +11349,7 @@
           <p:cNvPr id="6" name="Foliennummernplatzhalter 5">
             <a:extLst>
               <a:ext uri="{FF2B5EF4-FFF2-40B4-BE49-F238E27FC236}">
-                <a16:creationId xmlns:a16="http://schemas.microsoft.com/office/drawing/2014/main" xmlns="" id="{C0EF3B48-16CD-4727-93CA-86A67155D8C6}"/>
+                <a16:creationId xmlns="" xmlns:a16="http://schemas.microsoft.com/office/drawing/2014/main" id="{C0EF3B48-16CD-4727-93CA-86A67155D8C6}"/>
               </a:ext>
             </a:extLst>
           </p:cNvPr>
@@ -12704,7 +11408,7 @@
           <p:cNvPr id="2" name="Titel 1">
             <a:extLst>
               <a:ext uri="{FF2B5EF4-FFF2-40B4-BE49-F238E27FC236}">
-                <a16:creationId xmlns:a16="http://schemas.microsoft.com/office/drawing/2014/main" xmlns="" id="{D2B54FD9-D3CB-4069-9528-3B738EFC849D}"/>
+                <a16:creationId xmlns="" xmlns:a16="http://schemas.microsoft.com/office/drawing/2014/main" id="{D2B54FD9-D3CB-4069-9528-3B738EFC849D}"/>
               </a:ext>
             </a:extLst>
           </p:cNvPr>
@@ -12741,7 +11445,7 @@
           <p:cNvPr id="3" name="Textplatzhalter 2">
             <a:extLst>
               <a:ext uri="{FF2B5EF4-FFF2-40B4-BE49-F238E27FC236}">
-                <a16:creationId xmlns:a16="http://schemas.microsoft.com/office/drawing/2014/main" xmlns="" id="{160E5F36-7F4B-4792-8C1A-EFC93B0E4ADB}"/>
+                <a16:creationId xmlns="" xmlns:a16="http://schemas.microsoft.com/office/drawing/2014/main" id="{160E5F36-7F4B-4792-8C1A-EFC93B0E4ADB}"/>
               </a:ext>
             </a:extLst>
           </p:cNvPr>
@@ -12866,7 +11570,7 @@
           <p:cNvPr id="4" name="Datumsplatzhalter 3">
             <a:extLst>
               <a:ext uri="{FF2B5EF4-FFF2-40B4-BE49-F238E27FC236}">
-                <a16:creationId xmlns:a16="http://schemas.microsoft.com/office/drawing/2014/main" xmlns="" id="{14528A00-E24B-4C25-A7A8-8FBE3BA56346}"/>
+                <a16:creationId xmlns="" xmlns:a16="http://schemas.microsoft.com/office/drawing/2014/main" id="{14528A00-E24B-4C25-A7A8-8FBE3BA56346}"/>
               </a:ext>
             </a:extLst>
           </p:cNvPr>
@@ -12895,7 +11599,7 @@
           <p:cNvPr id="5" name="Fußzeilenplatzhalter 4">
             <a:extLst>
               <a:ext uri="{FF2B5EF4-FFF2-40B4-BE49-F238E27FC236}">
-                <a16:creationId xmlns:a16="http://schemas.microsoft.com/office/drawing/2014/main" xmlns="" id="{65488209-60A8-4D37-B7A7-5B45E3149B2F}"/>
+                <a16:creationId xmlns="" xmlns:a16="http://schemas.microsoft.com/office/drawing/2014/main" id="{65488209-60A8-4D37-B7A7-5B45E3149B2F}"/>
               </a:ext>
             </a:extLst>
           </p:cNvPr>
@@ -12920,7 +11624,7 @@
           <p:cNvPr id="6" name="Foliennummernplatzhalter 5">
             <a:extLst>
               <a:ext uri="{FF2B5EF4-FFF2-40B4-BE49-F238E27FC236}">
-                <a16:creationId xmlns:a16="http://schemas.microsoft.com/office/drawing/2014/main" xmlns="" id="{6904B3C9-E264-42D1-BC48-A1FC5542A0AA}"/>
+                <a16:creationId xmlns="" xmlns:a16="http://schemas.microsoft.com/office/drawing/2014/main" id="{6904B3C9-E264-42D1-BC48-A1FC5542A0AA}"/>
               </a:ext>
             </a:extLst>
           </p:cNvPr>
@@ -12979,7 +11683,7 @@
           <p:cNvPr id="2" name="Titel 1">
             <a:extLst>
               <a:ext uri="{FF2B5EF4-FFF2-40B4-BE49-F238E27FC236}">
-                <a16:creationId xmlns:a16="http://schemas.microsoft.com/office/drawing/2014/main" xmlns="" id="{D73D7613-7D51-47FD-93BA-887418F92EE2}"/>
+                <a16:creationId xmlns="" xmlns:a16="http://schemas.microsoft.com/office/drawing/2014/main" id="{D73D7613-7D51-47FD-93BA-887418F92EE2}"/>
               </a:ext>
             </a:extLst>
           </p:cNvPr>
@@ -13007,7 +11711,7 @@
           <p:cNvPr id="3" name="Inhaltsplatzhalter 2">
             <a:extLst>
               <a:ext uri="{FF2B5EF4-FFF2-40B4-BE49-F238E27FC236}">
-                <a16:creationId xmlns:a16="http://schemas.microsoft.com/office/drawing/2014/main" xmlns="" id="{0F5BBCFD-9F79-4270-A1B9-2FC0142080A9}"/>
+                <a16:creationId xmlns="" xmlns:a16="http://schemas.microsoft.com/office/drawing/2014/main" id="{0F5BBCFD-9F79-4270-A1B9-2FC0142080A9}"/>
               </a:ext>
             </a:extLst>
           </p:cNvPr>
@@ -13069,7 +11773,7 @@
           <p:cNvPr id="4" name="Inhaltsplatzhalter 3">
             <a:extLst>
               <a:ext uri="{FF2B5EF4-FFF2-40B4-BE49-F238E27FC236}">
-                <a16:creationId xmlns:a16="http://schemas.microsoft.com/office/drawing/2014/main" xmlns="" id="{9545DD76-BF76-4E5E-913B-43EEB8F8AEDD}"/>
+                <a16:creationId xmlns="" xmlns:a16="http://schemas.microsoft.com/office/drawing/2014/main" id="{9545DD76-BF76-4E5E-913B-43EEB8F8AEDD}"/>
               </a:ext>
             </a:extLst>
           </p:cNvPr>
@@ -13131,7 +11835,7 @@
           <p:cNvPr id="5" name="Datumsplatzhalter 4">
             <a:extLst>
               <a:ext uri="{FF2B5EF4-FFF2-40B4-BE49-F238E27FC236}">
-                <a16:creationId xmlns:a16="http://schemas.microsoft.com/office/drawing/2014/main" xmlns="" id="{4E7A5240-522C-431D-8AF5-B9B07F6A17DB}"/>
+                <a16:creationId xmlns="" xmlns:a16="http://schemas.microsoft.com/office/drawing/2014/main" id="{4E7A5240-522C-431D-8AF5-B9B07F6A17DB}"/>
               </a:ext>
             </a:extLst>
           </p:cNvPr>
@@ -13160,7 +11864,7 @@
           <p:cNvPr id="6" name="Fußzeilenplatzhalter 5">
             <a:extLst>
               <a:ext uri="{FF2B5EF4-FFF2-40B4-BE49-F238E27FC236}">
-                <a16:creationId xmlns:a16="http://schemas.microsoft.com/office/drawing/2014/main" xmlns="" id="{817E6F8D-CDAB-4259-9396-28905E3DC91D}"/>
+                <a16:creationId xmlns="" xmlns:a16="http://schemas.microsoft.com/office/drawing/2014/main" id="{817E6F8D-CDAB-4259-9396-28905E3DC91D}"/>
               </a:ext>
             </a:extLst>
           </p:cNvPr>
@@ -13185,7 +11889,7 @@
           <p:cNvPr id="7" name="Foliennummernplatzhalter 6">
             <a:extLst>
               <a:ext uri="{FF2B5EF4-FFF2-40B4-BE49-F238E27FC236}">
-                <a16:creationId xmlns:a16="http://schemas.microsoft.com/office/drawing/2014/main" xmlns="" id="{4D7C084E-82BC-4455-A263-485314756579}"/>
+                <a16:creationId xmlns="" xmlns:a16="http://schemas.microsoft.com/office/drawing/2014/main" id="{4D7C084E-82BC-4455-A263-485314756579}"/>
               </a:ext>
             </a:extLst>
           </p:cNvPr>
@@ -13244,7 +11948,7 @@
           <p:cNvPr id="2" name="Titel 1">
             <a:extLst>
               <a:ext uri="{FF2B5EF4-FFF2-40B4-BE49-F238E27FC236}">
-                <a16:creationId xmlns:a16="http://schemas.microsoft.com/office/drawing/2014/main" xmlns="" id="{044FBEA3-8BA8-42F3-BAED-07F40F59CBF4}"/>
+                <a16:creationId xmlns="" xmlns:a16="http://schemas.microsoft.com/office/drawing/2014/main" id="{044FBEA3-8BA8-42F3-BAED-07F40F59CBF4}"/>
               </a:ext>
             </a:extLst>
           </p:cNvPr>
@@ -13277,7 +11981,7 @@
           <p:cNvPr id="3" name="Textplatzhalter 2">
             <a:extLst>
               <a:ext uri="{FF2B5EF4-FFF2-40B4-BE49-F238E27FC236}">
-                <a16:creationId xmlns:a16="http://schemas.microsoft.com/office/drawing/2014/main" xmlns="" id="{243B3D82-E466-44C1-A4ED-F7735E1C22E0}"/>
+                <a16:creationId xmlns="" xmlns:a16="http://schemas.microsoft.com/office/drawing/2014/main" id="{243B3D82-E466-44C1-A4ED-F7735E1C22E0}"/>
               </a:ext>
             </a:extLst>
           </p:cNvPr>
@@ -13348,7 +12052,7 @@
           <p:cNvPr id="4" name="Inhaltsplatzhalter 3">
             <a:extLst>
               <a:ext uri="{FF2B5EF4-FFF2-40B4-BE49-F238E27FC236}">
-                <a16:creationId xmlns:a16="http://schemas.microsoft.com/office/drawing/2014/main" xmlns="" id="{A2D8A684-1973-4CDE-B973-0CF1EFE3CFEE}"/>
+                <a16:creationId xmlns="" xmlns:a16="http://schemas.microsoft.com/office/drawing/2014/main" id="{A2D8A684-1973-4CDE-B973-0CF1EFE3CFEE}"/>
               </a:ext>
             </a:extLst>
           </p:cNvPr>
@@ -13410,7 +12114,7 @@
           <p:cNvPr id="5" name="Textplatzhalter 4">
             <a:extLst>
               <a:ext uri="{FF2B5EF4-FFF2-40B4-BE49-F238E27FC236}">
-                <a16:creationId xmlns:a16="http://schemas.microsoft.com/office/drawing/2014/main" xmlns="" id="{81A7F42B-5B10-4E47-A35C-08C5A3AFE86A}"/>
+                <a16:creationId xmlns="" xmlns:a16="http://schemas.microsoft.com/office/drawing/2014/main" id="{81A7F42B-5B10-4E47-A35C-08C5A3AFE86A}"/>
               </a:ext>
             </a:extLst>
           </p:cNvPr>
@@ -13481,7 +12185,7 @@
           <p:cNvPr id="6" name="Inhaltsplatzhalter 5">
             <a:extLst>
               <a:ext uri="{FF2B5EF4-FFF2-40B4-BE49-F238E27FC236}">
-                <a16:creationId xmlns:a16="http://schemas.microsoft.com/office/drawing/2014/main" xmlns="" id="{B95DBEA4-F8C4-4EEE-8721-2DE78350B322}"/>
+                <a16:creationId xmlns="" xmlns:a16="http://schemas.microsoft.com/office/drawing/2014/main" id="{B95DBEA4-F8C4-4EEE-8721-2DE78350B322}"/>
               </a:ext>
             </a:extLst>
           </p:cNvPr>
@@ -13543,7 +12247,7 @@
           <p:cNvPr id="7" name="Datumsplatzhalter 6">
             <a:extLst>
               <a:ext uri="{FF2B5EF4-FFF2-40B4-BE49-F238E27FC236}">
-                <a16:creationId xmlns:a16="http://schemas.microsoft.com/office/drawing/2014/main" xmlns="" id="{C854B474-D7DB-40A1-B6AA-FA842CAC2CD0}"/>
+                <a16:creationId xmlns="" xmlns:a16="http://schemas.microsoft.com/office/drawing/2014/main" id="{C854B474-D7DB-40A1-B6AA-FA842CAC2CD0}"/>
               </a:ext>
             </a:extLst>
           </p:cNvPr>
@@ -13572,7 +12276,7 @@
           <p:cNvPr id="8" name="Fußzeilenplatzhalter 7">
             <a:extLst>
               <a:ext uri="{FF2B5EF4-FFF2-40B4-BE49-F238E27FC236}">
-                <a16:creationId xmlns:a16="http://schemas.microsoft.com/office/drawing/2014/main" xmlns="" id="{FCFC44DF-A716-4102-926C-80B7DC0C2761}"/>
+                <a16:creationId xmlns="" xmlns:a16="http://schemas.microsoft.com/office/drawing/2014/main" id="{FCFC44DF-A716-4102-926C-80B7DC0C2761}"/>
               </a:ext>
             </a:extLst>
           </p:cNvPr>
@@ -13597,7 +12301,7 @@
           <p:cNvPr id="9" name="Foliennummernplatzhalter 8">
             <a:extLst>
               <a:ext uri="{FF2B5EF4-FFF2-40B4-BE49-F238E27FC236}">
-                <a16:creationId xmlns:a16="http://schemas.microsoft.com/office/drawing/2014/main" xmlns="" id="{BE42A609-2806-4733-9ECA-964457CF43F5}"/>
+                <a16:creationId xmlns="" xmlns:a16="http://schemas.microsoft.com/office/drawing/2014/main" id="{BE42A609-2806-4733-9ECA-964457CF43F5}"/>
               </a:ext>
             </a:extLst>
           </p:cNvPr>
@@ -13656,7 +12360,7 @@
           <p:cNvPr id="2" name="Titel 1">
             <a:extLst>
               <a:ext uri="{FF2B5EF4-FFF2-40B4-BE49-F238E27FC236}">
-                <a16:creationId xmlns:a16="http://schemas.microsoft.com/office/drawing/2014/main" xmlns="" id="{50492774-D3F8-4EF2-BBAC-33D65A4954E6}"/>
+                <a16:creationId xmlns="" xmlns:a16="http://schemas.microsoft.com/office/drawing/2014/main" id="{50492774-D3F8-4EF2-BBAC-33D65A4954E6}"/>
               </a:ext>
             </a:extLst>
           </p:cNvPr>
@@ -13684,7 +12388,7 @@
           <p:cNvPr id="3" name="Datumsplatzhalter 2">
             <a:extLst>
               <a:ext uri="{FF2B5EF4-FFF2-40B4-BE49-F238E27FC236}">
-                <a16:creationId xmlns:a16="http://schemas.microsoft.com/office/drawing/2014/main" xmlns="" id="{A06EFD28-219C-455B-80B0-CC2D55D432D4}"/>
+                <a16:creationId xmlns="" xmlns:a16="http://schemas.microsoft.com/office/drawing/2014/main" id="{A06EFD28-219C-455B-80B0-CC2D55D432D4}"/>
               </a:ext>
             </a:extLst>
           </p:cNvPr>
@@ -13713,7 +12417,7 @@
           <p:cNvPr id="4" name="Fußzeilenplatzhalter 3">
             <a:extLst>
               <a:ext uri="{FF2B5EF4-FFF2-40B4-BE49-F238E27FC236}">
-                <a16:creationId xmlns:a16="http://schemas.microsoft.com/office/drawing/2014/main" xmlns="" id="{F79437AB-4E8B-41ED-89B4-045F187496E5}"/>
+                <a16:creationId xmlns="" xmlns:a16="http://schemas.microsoft.com/office/drawing/2014/main" id="{F79437AB-4E8B-41ED-89B4-045F187496E5}"/>
               </a:ext>
             </a:extLst>
           </p:cNvPr>
@@ -13738,7 +12442,7 @@
           <p:cNvPr id="5" name="Foliennummernplatzhalter 4">
             <a:extLst>
               <a:ext uri="{FF2B5EF4-FFF2-40B4-BE49-F238E27FC236}">
-                <a16:creationId xmlns:a16="http://schemas.microsoft.com/office/drawing/2014/main" xmlns="" id="{30731DC2-6777-47B2-83EF-2F50EE59EF2D}"/>
+                <a16:creationId xmlns="" xmlns:a16="http://schemas.microsoft.com/office/drawing/2014/main" id="{30731DC2-6777-47B2-83EF-2F50EE59EF2D}"/>
               </a:ext>
             </a:extLst>
           </p:cNvPr>
@@ -13797,7 +12501,7 @@
           <p:cNvPr id="2" name="Datumsplatzhalter 1">
             <a:extLst>
               <a:ext uri="{FF2B5EF4-FFF2-40B4-BE49-F238E27FC236}">
-                <a16:creationId xmlns:a16="http://schemas.microsoft.com/office/drawing/2014/main" xmlns="" id="{73E7154D-F0FB-4A64-BABC-F0831888298B}"/>
+                <a16:creationId xmlns="" xmlns:a16="http://schemas.microsoft.com/office/drawing/2014/main" id="{73E7154D-F0FB-4A64-BABC-F0831888298B}"/>
               </a:ext>
             </a:extLst>
           </p:cNvPr>
@@ -13826,7 +12530,7 @@
           <p:cNvPr id="3" name="Fußzeilenplatzhalter 2">
             <a:extLst>
               <a:ext uri="{FF2B5EF4-FFF2-40B4-BE49-F238E27FC236}">
-                <a16:creationId xmlns:a16="http://schemas.microsoft.com/office/drawing/2014/main" xmlns="" id="{F46EEF41-F049-4531-9253-357399B8274B}"/>
+                <a16:creationId xmlns="" xmlns:a16="http://schemas.microsoft.com/office/drawing/2014/main" id="{F46EEF41-F049-4531-9253-357399B8274B}"/>
               </a:ext>
             </a:extLst>
           </p:cNvPr>
@@ -13851,7 +12555,7 @@
           <p:cNvPr id="4" name="Foliennummernplatzhalter 3">
             <a:extLst>
               <a:ext uri="{FF2B5EF4-FFF2-40B4-BE49-F238E27FC236}">
-                <a16:creationId xmlns:a16="http://schemas.microsoft.com/office/drawing/2014/main" xmlns="" id="{91E63CBB-FD4A-4D15-848A-72296229F6AF}"/>
+                <a16:creationId xmlns="" xmlns:a16="http://schemas.microsoft.com/office/drawing/2014/main" id="{91E63CBB-FD4A-4D15-848A-72296229F6AF}"/>
               </a:ext>
             </a:extLst>
           </p:cNvPr>
@@ -13910,7 +12614,7 @@
           <p:cNvPr id="2" name="Titel 1">
             <a:extLst>
               <a:ext uri="{FF2B5EF4-FFF2-40B4-BE49-F238E27FC236}">
-                <a16:creationId xmlns:a16="http://schemas.microsoft.com/office/drawing/2014/main" xmlns="" id="{03A82808-D753-4B6C-B42D-AFC23BF61092}"/>
+                <a16:creationId xmlns="" xmlns:a16="http://schemas.microsoft.com/office/drawing/2014/main" id="{03A82808-D753-4B6C-B42D-AFC23BF61092}"/>
               </a:ext>
             </a:extLst>
           </p:cNvPr>
@@ -13947,7 +12651,7 @@
           <p:cNvPr id="3" name="Inhaltsplatzhalter 2">
             <a:extLst>
               <a:ext uri="{FF2B5EF4-FFF2-40B4-BE49-F238E27FC236}">
-                <a16:creationId xmlns:a16="http://schemas.microsoft.com/office/drawing/2014/main" xmlns="" id="{E9887AD5-17CF-48BA-A433-7FB5A92ED4F9}"/>
+                <a16:creationId xmlns="" xmlns:a16="http://schemas.microsoft.com/office/drawing/2014/main" id="{E9887AD5-17CF-48BA-A433-7FB5A92ED4F9}"/>
               </a:ext>
             </a:extLst>
           </p:cNvPr>
@@ -14037,7 +12741,7 @@
           <p:cNvPr id="4" name="Textplatzhalter 3">
             <a:extLst>
               <a:ext uri="{FF2B5EF4-FFF2-40B4-BE49-F238E27FC236}">
-                <a16:creationId xmlns:a16="http://schemas.microsoft.com/office/drawing/2014/main" xmlns="" id="{0B322C5C-EB4D-4112-B0B6-50490B09B5EC}"/>
+                <a16:creationId xmlns="" xmlns:a16="http://schemas.microsoft.com/office/drawing/2014/main" id="{0B322C5C-EB4D-4112-B0B6-50490B09B5EC}"/>
               </a:ext>
             </a:extLst>
           </p:cNvPr>
@@ -14108,7 +12812,7 @@
           <p:cNvPr id="5" name="Datumsplatzhalter 4">
             <a:extLst>
               <a:ext uri="{FF2B5EF4-FFF2-40B4-BE49-F238E27FC236}">
-                <a16:creationId xmlns:a16="http://schemas.microsoft.com/office/drawing/2014/main" xmlns="" id="{C1D652FD-7225-4737-AE33-A8CD3F776205}"/>
+                <a16:creationId xmlns="" xmlns:a16="http://schemas.microsoft.com/office/drawing/2014/main" id="{C1D652FD-7225-4737-AE33-A8CD3F776205}"/>
               </a:ext>
             </a:extLst>
           </p:cNvPr>
@@ -14137,7 +12841,7 @@
           <p:cNvPr id="6" name="Fußzeilenplatzhalter 5">
             <a:extLst>
               <a:ext uri="{FF2B5EF4-FFF2-40B4-BE49-F238E27FC236}">
-                <a16:creationId xmlns:a16="http://schemas.microsoft.com/office/drawing/2014/main" xmlns="" id="{E696A282-C156-47AB-A6AC-C6833CD45756}"/>
+                <a16:creationId xmlns="" xmlns:a16="http://schemas.microsoft.com/office/drawing/2014/main" id="{E696A282-C156-47AB-A6AC-C6833CD45756}"/>
               </a:ext>
             </a:extLst>
           </p:cNvPr>
@@ -14162,7 +12866,7 @@
           <p:cNvPr id="7" name="Foliennummernplatzhalter 6">
             <a:extLst>
               <a:ext uri="{FF2B5EF4-FFF2-40B4-BE49-F238E27FC236}">
-                <a16:creationId xmlns:a16="http://schemas.microsoft.com/office/drawing/2014/main" xmlns="" id="{9EFC4400-AC2C-4BB7-9C8F-6A855B086474}"/>
+                <a16:creationId xmlns="" xmlns:a16="http://schemas.microsoft.com/office/drawing/2014/main" id="{9EFC4400-AC2C-4BB7-9C8F-6A855B086474}"/>
               </a:ext>
             </a:extLst>
           </p:cNvPr>
@@ -14221,7 +12925,7 @@
           <p:cNvPr id="2" name="Titel 1">
             <a:extLst>
               <a:ext uri="{FF2B5EF4-FFF2-40B4-BE49-F238E27FC236}">
-                <a16:creationId xmlns:a16="http://schemas.microsoft.com/office/drawing/2014/main" xmlns="" id="{DB8D5C42-DA9E-4587-AE67-E8B8EC98608F}"/>
+                <a16:creationId xmlns="" xmlns:a16="http://schemas.microsoft.com/office/drawing/2014/main" id="{DB8D5C42-DA9E-4587-AE67-E8B8EC98608F}"/>
               </a:ext>
             </a:extLst>
           </p:cNvPr>
@@ -14258,7 +12962,7 @@
           <p:cNvPr id="3" name="Bildplatzhalter 2">
             <a:extLst>
               <a:ext uri="{FF2B5EF4-FFF2-40B4-BE49-F238E27FC236}">
-                <a16:creationId xmlns:a16="http://schemas.microsoft.com/office/drawing/2014/main" xmlns="" id="{1A64A225-42B6-4624-A211-ACE89C1E850E}"/>
+                <a16:creationId xmlns="" xmlns:a16="http://schemas.microsoft.com/office/drawing/2014/main" id="{1A64A225-42B6-4624-A211-ACE89C1E850E}"/>
               </a:ext>
             </a:extLst>
           </p:cNvPr>
@@ -14325,7 +13029,7 @@
           <p:cNvPr id="4" name="Textplatzhalter 3">
             <a:extLst>
               <a:ext uri="{FF2B5EF4-FFF2-40B4-BE49-F238E27FC236}">
-                <a16:creationId xmlns:a16="http://schemas.microsoft.com/office/drawing/2014/main" xmlns="" id="{88065C5E-8323-444B-863B-E0B70B8DD839}"/>
+                <a16:creationId xmlns="" xmlns:a16="http://schemas.microsoft.com/office/drawing/2014/main" id="{88065C5E-8323-444B-863B-E0B70B8DD839}"/>
               </a:ext>
             </a:extLst>
           </p:cNvPr>
@@ -14396,7 +13100,7 @@
           <p:cNvPr id="5" name="Datumsplatzhalter 4">
             <a:extLst>
               <a:ext uri="{FF2B5EF4-FFF2-40B4-BE49-F238E27FC236}">
-                <a16:creationId xmlns:a16="http://schemas.microsoft.com/office/drawing/2014/main" xmlns="" id="{5201BD16-04ED-4E75-A4C7-92CF42FE7A8E}"/>
+                <a16:creationId xmlns="" xmlns:a16="http://schemas.microsoft.com/office/drawing/2014/main" id="{5201BD16-04ED-4E75-A4C7-92CF42FE7A8E}"/>
               </a:ext>
             </a:extLst>
           </p:cNvPr>
@@ -14425,7 +13129,7 @@
           <p:cNvPr id="6" name="Fußzeilenplatzhalter 5">
             <a:extLst>
               <a:ext uri="{FF2B5EF4-FFF2-40B4-BE49-F238E27FC236}">
-                <a16:creationId xmlns:a16="http://schemas.microsoft.com/office/drawing/2014/main" xmlns="" id="{74CC25C4-2D5B-42CD-8BEA-7FA169497EBE}"/>
+                <a16:creationId xmlns="" xmlns:a16="http://schemas.microsoft.com/office/drawing/2014/main" id="{74CC25C4-2D5B-42CD-8BEA-7FA169497EBE}"/>
               </a:ext>
             </a:extLst>
           </p:cNvPr>
@@ -14450,7 +13154,7 @@
           <p:cNvPr id="7" name="Foliennummernplatzhalter 6">
             <a:extLst>
               <a:ext uri="{FF2B5EF4-FFF2-40B4-BE49-F238E27FC236}">
-                <a16:creationId xmlns:a16="http://schemas.microsoft.com/office/drawing/2014/main" xmlns="" id="{70930502-B167-4698-9594-D1080B7539BC}"/>
+                <a16:creationId xmlns="" xmlns:a16="http://schemas.microsoft.com/office/drawing/2014/main" id="{70930502-B167-4698-9594-D1080B7539BC}"/>
               </a:ext>
             </a:extLst>
           </p:cNvPr>
@@ -14514,7 +13218,7 @@
           <p:cNvPr id="2" name="Titelplatzhalter 1">
             <a:extLst>
               <a:ext uri="{FF2B5EF4-FFF2-40B4-BE49-F238E27FC236}">
-                <a16:creationId xmlns:a16="http://schemas.microsoft.com/office/drawing/2014/main" xmlns="" id="{8E6C0C76-839C-4266-9067-37CDFF3A9D75}"/>
+                <a16:creationId xmlns="" xmlns:a16="http://schemas.microsoft.com/office/drawing/2014/main" id="{8E6C0C76-839C-4266-9067-37CDFF3A9D75}"/>
               </a:ext>
             </a:extLst>
           </p:cNvPr>
@@ -14552,7 +13256,7 @@
           <p:cNvPr id="3" name="Textplatzhalter 2">
             <a:extLst>
               <a:ext uri="{FF2B5EF4-FFF2-40B4-BE49-F238E27FC236}">
-                <a16:creationId xmlns:a16="http://schemas.microsoft.com/office/drawing/2014/main" xmlns="" id="{583945DB-94FF-478C-9FEE-AE8F7B42D6B5}"/>
+                <a16:creationId xmlns="" xmlns:a16="http://schemas.microsoft.com/office/drawing/2014/main" id="{583945DB-94FF-478C-9FEE-AE8F7B42D6B5}"/>
               </a:ext>
             </a:extLst>
           </p:cNvPr>
@@ -14619,7 +13323,7 @@
           <p:cNvPr id="4" name="Datumsplatzhalter 3">
             <a:extLst>
               <a:ext uri="{FF2B5EF4-FFF2-40B4-BE49-F238E27FC236}">
-                <a16:creationId xmlns:a16="http://schemas.microsoft.com/office/drawing/2014/main" xmlns="" id="{C351A553-E5BE-42DC-BC3A-47F63D606757}"/>
+                <a16:creationId xmlns="" xmlns:a16="http://schemas.microsoft.com/office/drawing/2014/main" id="{C351A553-E5BE-42DC-BC3A-47F63D606757}"/>
               </a:ext>
             </a:extLst>
           </p:cNvPr>
@@ -14666,7 +13370,7 @@
           <p:cNvPr id="5" name="Fußzeilenplatzhalter 4">
             <a:extLst>
               <a:ext uri="{FF2B5EF4-FFF2-40B4-BE49-F238E27FC236}">
-                <a16:creationId xmlns:a16="http://schemas.microsoft.com/office/drawing/2014/main" xmlns="" id="{AE609C72-4BB4-48FA-815B-D3CB5FA9FAB0}"/>
+                <a16:creationId xmlns="" xmlns:a16="http://schemas.microsoft.com/office/drawing/2014/main" id="{AE609C72-4BB4-48FA-815B-D3CB5FA9FAB0}"/>
               </a:ext>
             </a:extLst>
           </p:cNvPr>
@@ -14709,7 +13413,7 @@
           <p:cNvPr id="6" name="Foliennummernplatzhalter 5">
             <a:extLst>
               <a:ext uri="{FF2B5EF4-FFF2-40B4-BE49-F238E27FC236}">
-                <a16:creationId xmlns:a16="http://schemas.microsoft.com/office/drawing/2014/main" xmlns="" id="{EF857986-AF0C-4699-BC9B-2B60D00FA79F}"/>
+                <a16:creationId xmlns="" xmlns:a16="http://schemas.microsoft.com/office/drawing/2014/main" id="{EF857986-AF0C-4699-BC9B-2B60D00FA79F}"/>
               </a:ext>
             </a:extLst>
           </p:cNvPr>
@@ -15088,10 +13792,10 @@
           <p:cNvPr id="40" name="Freeform: Shape 39">
             <a:extLst>
               <a:ext uri="{FF2B5EF4-FFF2-40B4-BE49-F238E27FC236}">
-                <a16:creationId xmlns:a16="http://schemas.microsoft.com/office/drawing/2014/main" xmlns="" id="{92AA2300-0FA6-4328-9BD8-1D67925C0BD6}"/>
+                <a16:creationId xmlns="" xmlns:a16="http://schemas.microsoft.com/office/drawing/2014/main" id="{92AA2300-0FA6-4328-9BD8-1D67925C0BD6}"/>
               </a:ext>
               <a:ext uri="{C183D7F6-B498-43B3-948B-1728B52AA6E4}">
-                <adec:decorative xmlns:adec="http://schemas.microsoft.com/office/drawing/2017/decorative" xmlns="" val="1"/>
+                <adec:decorative xmlns="" xmlns:adec="http://schemas.microsoft.com/office/drawing/2017/decorative" val="1"/>
               </a:ext>
             </a:extLst>
           </p:cNvPr>
@@ -15101,7 +13805,7 @@
           <p:nvPr>
             <p:extLst>
               <p:ext uri="{386F3935-93C4-4BCD-93E2-E3B085C9AB24}">
-                <p16:designElem xmlns:p16="http://schemas.microsoft.com/office/powerpoint/2015/main" xmlns="" val="1"/>
+                <p16:designElem xmlns="" xmlns:p16="http://schemas.microsoft.com/office/powerpoint/2015/main" val="1"/>
               </p:ext>
             </p:extLst>
           </p:nvPr>
@@ -15259,10 +13963,10 @@
           <p:cNvPr id="42" name="Freeform: Shape 41">
             <a:extLst>
               <a:ext uri="{FF2B5EF4-FFF2-40B4-BE49-F238E27FC236}">
-                <a16:creationId xmlns:a16="http://schemas.microsoft.com/office/drawing/2014/main" xmlns="" id="{D3E1FE85-D0BF-41D3-8B85-04776368E1F0}"/>
+                <a16:creationId xmlns="" xmlns:a16="http://schemas.microsoft.com/office/drawing/2014/main" id="{D3E1FE85-D0BF-41D3-8B85-04776368E1F0}"/>
               </a:ext>
               <a:ext uri="{C183D7F6-B498-43B3-948B-1728B52AA6E4}">
-                <adec:decorative xmlns:adec="http://schemas.microsoft.com/office/drawing/2017/decorative" xmlns="" val="1"/>
+                <adec:decorative xmlns="" xmlns:adec="http://schemas.microsoft.com/office/drawing/2017/decorative" val="1"/>
               </a:ext>
             </a:extLst>
           </p:cNvPr>
@@ -15272,7 +13976,7 @@
           <p:nvPr>
             <p:extLst>
               <p:ext uri="{386F3935-93C4-4BCD-93E2-E3B085C9AB24}">
-                <p16:designElem xmlns:p16="http://schemas.microsoft.com/office/powerpoint/2015/main" xmlns="" val="1"/>
+                <p16:designElem xmlns="" xmlns:p16="http://schemas.microsoft.com/office/powerpoint/2015/main" val="1"/>
               </p:ext>
             </p:extLst>
           </p:nvPr>
@@ -15426,10 +14130,10 @@
           <p:cNvPr id="71" name="Freeform: Shape 43">
             <a:extLst>
               <a:ext uri="{FF2B5EF4-FFF2-40B4-BE49-F238E27FC236}">
-                <a16:creationId xmlns:a16="http://schemas.microsoft.com/office/drawing/2014/main" xmlns="" id="{F2E5A8E1-2A22-48D0-9556-E21648FA1EAC}"/>
+                <a16:creationId xmlns="" xmlns:a16="http://schemas.microsoft.com/office/drawing/2014/main" id="{F2E5A8E1-2A22-48D0-9556-E21648FA1EAC}"/>
               </a:ext>
               <a:ext uri="{C183D7F6-B498-43B3-948B-1728B52AA6E4}">
-                <adec:decorative xmlns:adec="http://schemas.microsoft.com/office/drawing/2017/decorative" xmlns="" val="1"/>
+                <adec:decorative xmlns="" xmlns:adec="http://schemas.microsoft.com/office/drawing/2017/decorative" val="1"/>
               </a:ext>
             </a:extLst>
           </p:cNvPr>
@@ -15439,7 +14143,7 @@
           <p:nvPr>
             <p:extLst>
               <p:ext uri="{386F3935-93C4-4BCD-93E2-E3B085C9AB24}">
-                <p16:designElem xmlns:p16="http://schemas.microsoft.com/office/powerpoint/2015/main" xmlns="" val="1"/>
+                <p16:designElem xmlns="" xmlns:p16="http://schemas.microsoft.com/office/powerpoint/2015/main" val="1"/>
               </p:ext>
             </p:extLst>
           </p:nvPr>
@@ -15605,10 +14309,10 @@
           <p:cNvPr id="46" name="Freeform: Shape 45">
             <a:extLst>
               <a:ext uri="{FF2B5EF4-FFF2-40B4-BE49-F238E27FC236}">
-                <a16:creationId xmlns:a16="http://schemas.microsoft.com/office/drawing/2014/main" xmlns="" id="{1072B470-1E76-42B5-86EA-1FB0F881D7EF}"/>
+                <a16:creationId xmlns="" xmlns:a16="http://schemas.microsoft.com/office/drawing/2014/main" id="{1072B470-1E76-42B5-86EA-1FB0F881D7EF}"/>
               </a:ext>
               <a:ext uri="{C183D7F6-B498-43B3-948B-1728B52AA6E4}">
-                <adec:decorative xmlns:adec="http://schemas.microsoft.com/office/drawing/2017/decorative" xmlns="" val="1"/>
+                <adec:decorative xmlns="" xmlns:adec="http://schemas.microsoft.com/office/drawing/2017/decorative" val="1"/>
               </a:ext>
             </a:extLst>
           </p:cNvPr>
@@ -15618,7 +14322,7 @@
           <p:nvPr>
             <p:extLst>
               <p:ext uri="{386F3935-93C4-4BCD-93E2-E3B085C9AB24}">
-                <p16:designElem xmlns:p16="http://schemas.microsoft.com/office/powerpoint/2015/main" xmlns="" val="1"/>
+                <p16:designElem xmlns="" xmlns:p16="http://schemas.microsoft.com/office/powerpoint/2015/main" val="1"/>
               </p:ext>
             </p:extLst>
           </p:nvPr>
@@ -15774,10 +14478,10 @@
           <p:cNvPr id="48" name="Freeform: Shape 47">
             <a:extLst>
               <a:ext uri="{FF2B5EF4-FFF2-40B4-BE49-F238E27FC236}">
-                <a16:creationId xmlns:a16="http://schemas.microsoft.com/office/drawing/2014/main" xmlns="" id="{DDD8B025-3845-4DEF-98B6-7C0BF531DB78}"/>
+                <a16:creationId xmlns="" xmlns:a16="http://schemas.microsoft.com/office/drawing/2014/main" id="{DDD8B025-3845-4DEF-98B6-7C0BF531DB78}"/>
               </a:ext>
               <a:ext uri="{C183D7F6-B498-43B3-948B-1728B52AA6E4}">
-                <adec:decorative xmlns:adec="http://schemas.microsoft.com/office/drawing/2017/decorative" xmlns="" val="1"/>
+                <adec:decorative xmlns="" xmlns:adec="http://schemas.microsoft.com/office/drawing/2017/decorative" val="1"/>
               </a:ext>
             </a:extLst>
           </p:cNvPr>
@@ -15787,7 +14491,7 @@
           <p:nvPr>
             <p:extLst>
               <p:ext uri="{386F3935-93C4-4BCD-93E2-E3B085C9AB24}">
-                <p16:designElem xmlns:p16="http://schemas.microsoft.com/office/powerpoint/2015/main" xmlns="" val="1"/>
+                <p16:designElem xmlns="" xmlns:p16="http://schemas.microsoft.com/office/powerpoint/2015/main" val="1"/>
               </p:ext>
             </p:extLst>
           </p:nvPr>
@@ -15951,10 +14655,10 @@
           <p:cNvPr id="50" name="Freeform: Shape 49">
             <a:extLst>
               <a:ext uri="{FF2B5EF4-FFF2-40B4-BE49-F238E27FC236}">
-                <a16:creationId xmlns:a16="http://schemas.microsoft.com/office/drawing/2014/main" xmlns="" id="{C4051FED-CF0D-4DDD-A9BB-E58FEEFE7C46}"/>
+                <a16:creationId xmlns="" xmlns:a16="http://schemas.microsoft.com/office/drawing/2014/main" id="{C4051FED-CF0D-4DDD-A9BB-E58FEEFE7C46}"/>
               </a:ext>
               <a:ext uri="{C183D7F6-B498-43B3-948B-1728B52AA6E4}">
-                <adec:decorative xmlns:adec="http://schemas.microsoft.com/office/drawing/2017/decorative" xmlns="" val="1"/>
+                <adec:decorative xmlns="" xmlns:adec="http://schemas.microsoft.com/office/drawing/2017/decorative" val="1"/>
               </a:ext>
             </a:extLst>
           </p:cNvPr>
@@ -15964,7 +14668,7 @@
           <p:nvPr>
             <p:extLst>
               <p:ext uri="{386F3935-93C4-4BCD-93E2-E3B085C9AB24}">
-                <p16:designElem xmlns:p16="http://schemas.microsoft.com/office/powerpoint/2015/main" xmlns="" val="1"/>
+                <p16:designElem xmlns="" xmlns:p16="http://schemas.microsoft.com/office/powerpoint/2015/main" val="1"/>
               </p:ext>
             </p:extLst>
           </p:nvPr>
@@ -16118,7 +14822,7 @@
           <p:cNvPr id="34" name="Grafik 33">
             <a:extLst>
               <a:ext uri="{FF2B5EF4-FFF2-40B4-BE49-F238E27FC236}">
-                <a16:creationId xmlns:a16="http://schemas.microsoft.com/office/drawing/2014/main" xmlns="" id="{C4B2D1B6-9CC9-4D39-9877-4068CF726A6D}"/>
+                <a16:creationId xmlns="" xmlns:a16="http://schemas.microsoft.com/office/drawing/2014/main" id="{C4B2D1B6-9CC9-4D39-9877-4068CF726A6D}"/>
               </a:ext>
             </a:extLst>
           </p:cNvPr>
@@ -16154,7 +14858,7 @@
           <p:cNvPr id="7" name="Grafik 6">
             <a:extLst>
               <a:ext uri="{FF2B5EF4-FFF2-40B4-BE49-F238E27FC236}">
-                <a16:creationId xmlns:a16="http://schemas.microsoft.com/office/drawing/2014/main" xmlns="" id="{20A64369-5BE0-40C8-B9CB-5E6B39AA2511}"/>
+                <a16:creationId xmlns="" xmlns:a16="http://schemas.microsoft.com/office/drawing/2014/main" id="{20A64369-5BE0-40C8-B9CB-5E6B39AA2511}"/>
               </a:ext>
             </a:extLst>
           </p:cNvPr>
@@ -16190,7 +14894,7 @@
           <p:cNvPr id="9" name="Grafik 8">
             <a:extLst>
               <a:ext uri="{FF2B5EF4-FFF2-40B4-BE49-F238E27FC236}">
-                <a16:creationId xmlns:a16="http://schemas.microsoft.com/office/drawing/2014/main" xmlns="" id="{7A44D108-3F84-4CB9-8043-9E1F67833057}"/>
+                <a16:creationId xmlns="" xmlns:a16="http://schemas.microsoft.com/office/drawing/2014/main" id="{7A44D108-3F84-4CB9-8043-9E1F67833057}"/>
               </a:ext>
             </a:extLst>
           </p:cNvPr>
@@ -16206,7 +14910,7 @@
                 <a14:useLocalDpi xmlns:a14="http://schemas.microsoft.com/office/drawing/2010/main" val="0"/>
               </a:ext>
               <a:ext uri="{96DAC541-7B7A-43D3-8B79-37D633B846F1}">
-                <asvg:svgBlip xmlns:asvg="http://schemas.microsoft.com/office/drawing/2016/SVG/main" xmlns="" r:embed="rId5"/>
+                <asvg:svgBlip xmlns="" xmlns:asvg="http://schemas.microsoft.com/office/drawing/2016/SVG/main" r:embed="rId5"/>
               </a:ext>
             </a:extLst>
           </a:blip>
@@ -16229,7 +14933,7 @@
           <p:cNvPr id="2" name="Titel 1">
             <a:extLst>
               <a:ext uri="{FF2B5EF4-FFF2-40B4-BE49-F238E27FC236}">
-                <a16:creationId xmlns:a16="http://schemas.microsoft.com/office/drawing/2014/main" xmlns="" id="{7B47AFD9-8E90-4C61-9AB3-7FC588346B9D}"/>
+                <a16:creationId xmlns="" xmlns:a16="http://schemas.microsoft.com/office/drawing/2014/main" id="{7B47AFD9-8E90-4C61-9AB3-7FC588346B9D}"/>
               </a:ext>
             </a:extLst>
           </p:cNvPr>
@@ -16266,7 +14970,7 @@
           <p:cNvPr id="3" name="Untertitel 2">
             <a:extLst>
               <a:ext uri="{FF2B5EF4-FFF2-40B4-BE49-F238E27FC236}">
-                <a16:creationId xmlns:a16="http://schemas.microsoft.com/office/drawing/2014/main" xmlns="" id="{2BFFC9BF-292C-4541-88FD-73573910C544}"/>
+                <a16:creationId xmlns="" xmlns:a16="http://schemas.microsoft.com/office/drawing/2014/main" id="{2BFFC9BF-292C-4541-88FD-73573910C544}"/>
               </a:ext>
             </a:extLst>
           </p:cNvPr>
@@ -16354,10 +15058,10 @@
           <p:cNvPr id="121" name="Freeform: Shape 120">
             <a:extLst>
               <a:ext uri="{FF2B5EF4-FFF2-40B4-BE49-F238E27FC236}">
-                <a16:creationId xmlns:a16="http://schemas.microsoft.com/office/drawing/2014/main" xmlns="" id="{0C526D66-3621-4347-B1EF-342CBF4DB9C1}"/>
+                <a16:creationId xmlns="" xmlns:a16="http://schemas.microsoft.com/office/drawing/2014/main" id="{0C526D66-3621-4347-B1EF-342CBF4DB9C1}"/>
               </a:ext>
               <a:ext uri="{C183D7F6-B498-43B3-948B-1728B52AA6E4}">
-                <adec:decorative xmlns:adec="http://schemas.microsoft.com/office/drawing/2017/decorative" xmlns="" val="1"/>
+                <adec:decorative xmlns="" xmlns:adec="http://schemas.microsoft.com/office/drawing/2017/decorative" val="1"/>
               </a:ext>
             </a:extLst>
           </p:cNvPr>
@@ -16367,7 +15071,7 @@
           <p:nvPr>
             <p:extLst>
               <p:ext uri="{386F3935-93C4-4BCD-93E2-E3B085C9AB24}">
-                <p16:designElem xmlns:p16="http://schemas.microsoft.com/office/powerpoint/2015/main" xmlns="" val="1"/>
+                <p16:designElem xmlns="" xmlns:p16="http://schemas.microsoft.com/office/powerpoint/2015/main" val="1"/>
               </p:ext>
             </p:extLst>
           </p:nvPr>
@@ -16557,10 +15261,10 @@
           <p:cNvPr id="123" name="Freeform: Shape 122">
             <a:extLst>
               <a:ext uri="{FF2B5EF4-FFF2-40B4-BE49-F238E27FC236}">
-                <a16:creationId xmlns:a16="http://schemas.microsoft.com/office/drawing/2014/main" xmlns="" id="{8A177BCC-4208-4795-8572-4D623BA1E2A0}"/>
+                <a16:creationId xmlns="" xmlns:a16="http://schemas.microsoft.com/office/drawing/2014/main" id="{8A177BCC-4208-4795-8572-4D623BA1E2A0}"/>
               </a:ext>
               <a:ext uri="{C183D7F6-B498-43B3-948B-1728B52AA6E4}">
-                <adec:decorative xmlns:adec="http://schemas.microsoft.com/office/drawing/2017/decorative" xmlns="" val="1"/>
+                <adec:decorative xmlns="" xmlns:adec="http://schemas.microsoft.com/office/drawing/2017/decorative" val="1"/>
               </a:ext>
             </a:extLst>
           </p:cNvPr>
@@ -16570,7 +15274,7 @@
           <p:nvPr>
             <p:extLst>
               <p:ext uri="{386F3935-93C4-4BCD-93E2-E3B085C9AB24}">
-                <p16:designElem xmlns:p16="http://schemas.microsoft.com/office/powerpoint/2015/main" xmlns="" val="1"/>
+                <p16:designElem xmlns="" xmlns:p16="http://schemas.microsoft.com/office/powerpoint/2015/main" val="1"/>
               </p:ext>
             </p:extLst>
           </p:nvPr>
@@ -16726,10 +15430,10 @@
           <p:cNvPr id="125" name="Freeform: Shape 124">
             <a:extLst>
               <a:ext uri="{FF2B5EF4-FFF2-40B4-BE49-F238E27FC236}">
-                <a16:creationId xmlns:a16="http://schemas.microsoft.com/office/drawing/2014/main" xmlns="" id="{0193166D-DDF1-4F9A-A786-A7AEF5375C06}"/>
+                <a16:creationId xmlns="" xmlns:a16="http://schemas.microsoft.com/office/drawing/2014/main" id="{0193166D-DDF1-4F9A-A786-A7AEF5375C06}"/>
               </a:ext>
               <a:ext uri="{C183D7F6-B498-43B3-948B-1728B52AA6E4}">
-                <adec:decorative xmlns:adec="http://schemas.microsoft.com/office/drawing/2017/decorative" xmlns="" val="1"/>
+                <adec:decorative xmlns="" xmlns:adec="http://schemas.microsoft.com/office/drawing/2017/decorative" val="1"/>
               </a:ext>
             </a:extLst>
           </p:cNvPr>
@@ -16739,7 +15443,7 @@
           <p:nvPr>
             <p:extLst>
               <p:ext uri="{386F3935-93C4-4BCD-93E2-E3B085C9AB24}">
-                <p16:designElem xmlns:p16="http://schemas.microsoft.com/office/powerpoint/2015/main" xmlns="" val="1"/>
+                <p16:designElem xmlns="" xmlns:p16="http://schemas.microsoft.com/office/powerpoint/2015/main" val="1"/>
               </p:ext>
             </p:extLst>
           </p:nvPr>
@@ -16927,10 +15631,10 @@
           <p:cNvPr id="127" name="Freeform: Shape 126">
             <a:extLst>
               <a:ext uri="{FF2B5EF4-FFF2-40B4-BE49-F238E27FC236}">
-                <a16:creationId xmlns:a16="http://schemas.microsoft.com/office/drawing/2014/main" xmlns="" id="{E4EE7214-AC05-465E-A501-65AA04EF5E1A}"/>
+                <a16:creationId xmlns="" xmlns:a16="http://schemas.microsoft.com/office/drawing/2014/main" id="{E4EE7214-AC05-465E-A501-65AA04EF5E1A}"/>
               </a:ext>
               <a:ext uri="{C183D7F6-B498-43B3-948B-1728B52AA6E4}">
-                <adec:decorative xmlns:adec="http://schemas.microsoft.com/office/drawing/2017/decorative" xmlns="" val="1"/>
+                <adec:decorative xmlns="" xmlns:adec="http://schemas.microsoft.com/office/drawing/2017/decorative" val="1"/>
               </a:ext>
             </a:extLst>
           </p:cNvPr>
@@ -16940,7 +15644,7 @@
           <p:nvPr>
             <p:extLst>
               <p:ext uri="{386F3935-93C4-4BCD-93E2-E3B085C9AB24}">
-                <p16:designElem xmlns:p16="http://schemas.microsoft.com/office/powerpoint/2015/main" xmlns="" val="1"/>
+                <p16:designElem xmlns="" xmlns:p16="http://schemas.microsoft.com/office/powerpoint/2015/main" val="1"/>
               </p:ext>
             </p:extLst>
           </p:nvPr>
@@ -17094,7 +15798,7 @@
           <p:cNvPr id="4" name="Grafik 3">
             <a:extLst>
               <a:ext uri="{FF2B5EF4-FFF2-40B4-BE49-F238E27FC236}">
-                <a16:creationId xmlns:a16="http://schemas.microsoft.com/office/drawing/2014/main" xmlns="" id="{7830B805-B3AA-4E8D-BB14-56F2C91F4433}"/>
+                <a16:creationId xmlns="" xmlns:a16="http://schemas.microsoft.com/office/drawing/2014/main" id="{7830B805-B3AA-4E8D-BB14-56F2C91F4433}"/>
               </a:ext>
             </a:extLst>
           </p:cNvPr>
@@ -17110,7 +15814,7 @@
                 <a14:useLocalDpi xmlns:a14="http://schemas.microsoft.com/office/drawing/2010/main" val="0"/>
               </a:ext>
               <a:ext uri="{96DAC541-7B7A-43D3-8B79-37D633B846F1}">
-                <asvg:svgBlip xmlns:asvg="http://schemas.microsoft.com/office/drawing/2016/SVG/main" xmlns="" r:embed="rId4"/>
+                <asvg:svgBlip xmlns="" xmlns:asvg="http://schemas.microsoft.com/office/drawing/2016/SVG/main" r:embed="rId4"/>
               </a:ext>
             </a:extLst>
           </a:blip>
@@ -17133,7 +15837,7 @@
           <p:cNvPr id="11" name="Grafik 10">
             <a:extLst>
               <a:ext uri="{FF2B5EF4-FFF2-40B4-BE49-F238E27FC236}">
-                <a16:creationId xmlns:a16="http://schemas.microsoft.com/office/drawing/2014/main" xmlns="" id="{7686D367-D5D2-426B-A0B0-E5A7C8ECC2D9}"/>
+                <a16:creationId xmlns="" xmlns:a16="http://schemas.microsoft.com/office/drawing/2014/main" id="{7686D367-D5D2-426B-A0B0-E5A7C8ECC2D9}"/>
               </a:ext>
             </a:extLst>
           </p:cNvPr>
@@ -17169,7 +15873,7 @@
           <p:cNvPr id="111" name="Inhaltsplatzhalter 2">
             <a:extLst>
               <a:ext uri="{FF2B5EF4-FFF2-40B4-BE49-F238E27FC236}">
-                <a16:creationId xmlns:a16="http://schemas.microsoft.com/office/drawing/2014/main" xmlns="" id="{DFED6985-E05C-5442-8D81-240D91D1C65A}"/>
+                <a16:creationId xmlns="" xmlns:a16="http://schemas.microsoft.com/office/drawing/2014/main" id="{DFED6985-E05C-5442-8D81-240D91D1C65A}"/>
               </a:ext>
             </a:extLst>
           </p:cNvPr>
@@ -17372,7 +16076,7 @@
           <p:cNvPr id="8" name="Grafik 7">
             <a:extLst>
               <a:ext uri="{FF2B5EF4-FFF2-40B4-BE49-F238E27FC236}">
-                <a16:creationId xmlns:a16="http://schemas.microsoft.com/office/drawing/2014/main" xmlns="" id="{DFA0BA83-B92C-462D-8C67-FAE88DDFE559}"/>
+                <a16:creationId xmlns="" xmlns:a16="http://schemas.microsoft.com/office/drawing/2014/main" id="{DFA0BA83-B92C-462D-8C67-FAE88DDFE559}"/>
               </a:ext>
             </a:extLst>
           </p:cNvPr>
@@ -17408,7 +16112,7 @@
           <p:cNvPr id="6" name="Titel 5">
             <a:extLst>
               <a:ext uri="{FF2B5EF4-FFF2-40B4-BE49-F238E27FC236}">
-                <a16:creationId xmlns:a16="http://schemas.microsoft.com/office/drawing/2014/main" xmlns="" id="{97D4CC26-A6D9-44D5-BE51-0167991D4E18}"/>
+                <a16:creationId xmlns="" xmlns:a16="http://schemas.microsoft.com/office/drawing/2014/main" id="{97D4CC26-A6D9-44D5-BE51-0167991D4E18}"/>
               </a:ext>
             </a:extLst>
           </p:cNvPr>
@@ -17503,10 +16207,10 @@
           <p:cNvPr id="24" name="Down Arrow 7">
             <a:extLst>
               <a:ext uri="{FF2B5EF4-FFF2-40B4-BE49-F238E27FC236}">
-                <a16:creationId xmlns:a16="http://schemas.microsoft.com/office/drawing/2014/main" xmlns="" id="{B547373F-AF2E-4907-B442-9F902B387FD0}"/>
+                <a16:creationId xmlns="" xmlns:a16="http://schemas.microsoft.com/office/drawing/2014/main" id="{B547373F-AF2E-4907-B442-9F902B387FD0}"/>
               </a:ext>
               <a:ext uri="{C183D7F6-B498-43B3-948B-1728B52AA6E4}">
-                <adec:decorative xmlns:adec="http://schemas.microsoft.com/office/drawing/2017/decorative" xmlns="" val="1"/>
+                <adec:decorative xmlns="" xmlns:adec="http://schemas.microsoft.com/office/drawing/2017/decorative" val="1"/>
               </a:ext>
             </a:extLst>
           </p:cNvPr>
@@ -17516,7 +16220,7 @@
           <p:nvPr>
             <p:extLst>
               <p:ext uri="{386F3935-93C4-4BCD-93E2-E3B085C9AB24}">
-                <p16:designElem xmlns:p16="http://schemas.microsoft.com/office/powerpoint/2015/main" xmlns="" val="1"/>
+                <p16:designElem xmlns="" xmlns:p16="http://schemas.microsoft.com/office/powerpoint/2015/main" val="1"/>
               </p:ext>
             </p:extLst>
           </p:nvPr>
@@ -17572,7 +16276,7 @@
           <p:cNvPr id="19" name="Grafik 18">
             <a:extLst>
               <a:ext uri="{FF2B5EF4-FFF2-40B4-BE49-F238E27FC236}">
-                <a16:creationId xmlns:a16="http://schemas.microsoft.com/office/drawing/2014/main" xmlns="" id="{6A0CF42E-C820-4C87-884E-7A7671423EB6}"/>
+                <a16:creationId xmlns="" xmlns:a16="http://schemas.microsoft.com/office/drawing/2014/main" id="{6A0CF42E-C820-4C87-884E-7A7671423EB6}"/>
               </a:ext>
             </a:extLst>
           </p:cNvPr>
@@ -17608,7 +16312,7 @@
           <p:cNvPr id="2" name="Titel 1">
             <a:extLst>
               <a:ext uri="{FF2B5EF4-FFF2-40B4-BE49-F238E27FC236}">
-                <a16:creationId xmlns:a16="http://schemas.microsoft.com/office/drawing/2014/main" xmlns="" id="{2739BE3E-CAB9-4698-9CD4-9384CBCC5931}"/>
+                <a16:creationId xmlns="" xmlns:a16="http://schemas.microsoft.com/office/drawing/2014/main" id="{2739BE3E-CAB9-4698-9CD4-9384CBCC5931}"/>
               </a:ext>
             </a:extLst>
           </p:cNvPr>
@@ -17649,7 +16353,7 @@
           <p:cNvPr id="5" name="Diagramm 4">
             <a:extLst>
               <a:ext uri="{FF2B5EF4-FFF2-40B4-BE49-F238E27FC236}">
-                <a16:creationId xmlns:a16="http://schemas.microsoft.com/office/drawing/2014/main" xmlns="" id="{E6303B73-1BE8-495B-810F-B7171065D7DF}"/>
+                <a16:creationId xmlns="" xmlns:a16="http://schemas.microsoft.com/office/drawing/2014/main" id="{E6303B73-1BE8-495B-810F-B7171065D7DF}"/>
               </a:ext>
             </a:extLst>
           </p:cNvPr>
@@ -17722,10 +16426,10 @@
           <p:cNvPr id="24" name="Down Arrow 7">
             <a:extLst>
               <a:ext uri="{FF2B5EF4-FFF2-40B4-BE49-F238E27FC236}">
-                <a16:creationId xmlns:a16="http://schemas.microsoft.com/office/drawing/2014/main" xmlns="" id="{B547373F-AF2E-4907-B442-9F902B387FD0}"/>
+                <a16:creationId xmlns="" xmlns:a16="http://schemas.microsoft.com/office/drawing/2014/main" id="{B547373F-AF2E-4907-B442-9F902B387FD0}"/>
               </a:ext>
               <a:ext uri="{C183D7F6-B498-43B3-948B-1728B52AA6E4}">
-                <adec:decorative xmlns:adec="http://schemas.microsoft.com/office/drawing/2017/decorative" xmlns="" val="1"/>
+                <adec:decorative xmlns="" xmlns:adec="http://schemas.microsoft.com/office/drawing/2017/decorative" val="1"/>
               </a:ext>
             </a:extLst>
           </p:cNvPr>
@@ -17735,7 +16439,7 @@
           <p:nvPr>
             <p:extLst>
               <p:ext uri="{386F3935-93C4-4BCD-93E2-E3B085C9AB24}">
-                <p16:designElem xmlns:p16="http://schemas.microsoft.com/office/powerpoint/2015/main" xmlns="" val="1"/>
+                <p16:designElem xmlns="" xmlns:p16="http://schemas.microsoft.com/office/powerpoint/2015/main" val="1"/>
               </p:ext>
             </p:extLst>
           </p:nvPr>
@@ -17791,7 +16495,7 @@
           <p:cNvPr id="19" name="Grafik 18">
             <a:extLst>
               <a:ext uri="{FF2B5EF4-FFF2-40B4-BE49-F238E27FC236}">
-                <a16:creationId xmlns:a16="http://schemas.microsoft.com/office/drawing/2014/main" xmlns="" id="{6A0CF42E-C820-4C87-884E-7A7671423EB6}"/>
+                <a16:creationId xmlns="" xmlns:a16="http://schemas.microsoft.com/office/drawing/2014/main" id="{6A0CF42E-C820-4C87-884E-7A7671423EB6}"/>
               </a:ext>
             </a:extLst>
           </p:cNvPr>
@@ -17827,7 +16531,7 @@
           <p:cNvPr id="2" name="Titel 1">
             <a:extLst>
               <a:ext uri="{FF2B5EF4-FFF2-40B4-BE49-F238E27FC236}">
-                <a16:creationId xmlns:a16="http://schemas.microsoft.com/office/drawing/2014/main" xmlns="" id="{2739BE3E-CAB9-4698-9CD4-9384CBCC5931}"/>
+                <a16:creationId xmlns="" xmlns:a16="http://schemas.microsoft.com/office/drawing/2014/main" id="{2739BE3E-CAB9-4698-9CD4-9384CBCC5931}"/>
               </a:ext>
             </a:extLst>
           </p:cNvPr>
@@ -18502,10 +17206,10 @@
           <p:cNvPr id="24" name="Down Arrow 7">
             <a:extLst>
               <a:ext uri="{FF2B5EF4-FFF2-40B4-BE49-F238E27FC236}">
-                <a16:creationId xmlns:a16="http://schemas.microsoft.com/office/drawing/2014/main" xmlns="" id="{B547373F-AF2E-4907-B442-9F902B387FD0}"/>
+                <a16:creationId xmlns="" xmlns:a16="http://schemas.microsoft.com/office/drawing/2014/main" id="{B547373F-AF2E-4907-B442-9F902B387FD0}"/>
               </a:ext>
               <a:ext uri="{C183D7F6-B498-43B3-948B-1728B52AA6E4}">
-                <adec:decorative xmlns:adec="http://schemas.microsoft.com/office/drawing/2017/decorative" xmlns="" val="1"/>
+                <adec:decorative xmlns="" xmlns:adec="http://schemas.microsoft.com/office/drawing/2017/decorative" val="1"/>
               </a:ext>
             </a:extLst>
           </p:cNvPr>
@@ -18515,7 +17219,7 @@
           <p:nvPr>
             <p:extLst>
               <p:ext uri="{386F3935-93C4-4BCD-93E2-E3B085C9AB24}">
-                <p16:designElem xmlns:p16="http://schemas.microsoft.com/office/powerpoint/2015/main" xmlns="" val="1"/>
+                <p16:designElem xmlns="" xmlns:p16="http://schemas.microsoft.com/office/powerpoint/2015/main" val="1"/>
               </p:ext>
             </p:extLst>
           </p:nvPr>
@@ -18571,7 +17275,7 @@
           <p:cNvPr id="19" name="Grafik 18">
             <a:extLst>
               <a:ext uri="{FF2B5EF4-FFF2-40B4-BE49-F238E27FC236}">
-                <a16:creationId xmlns:a16="http://schemas.microsoft.com/office/drawing/2014/main" xmlns="" id="{6A0CF42E-C820-4C87-884E-7A7671423EB6}"/>
+                <a16:creationId xmlns="" xmlns:a16="http://schemas.microsoft.com/office/drawing/2014/main" id="{6A0CF42E-C820-4C87-884E-7A7671423EB6}"/>
               </a:ext>
             </a:extLst>
           </p:cNvPr>
@@ -18607,7 +17311,7 @@
           <p:cNvPr id="2" name="Titel 1">
             <a:extLst>
               <a:ext uri="{FF2B5EF4-FFF2-40B4-BE49-F238E27FC236}">
-                <a16:creationId xmlns:a16="http://schemas.microsoft.com/office/drawing/2014/main" xmlns="" id="{2739BE3E-CAB9-4698-9CD4-9384CBCC5931}"/>
+                <a16:creationId xmlns="" xmlns:a16="http://schemas.microsoft.com/office/drawing/2014/main" id="{2739BE3E-CAB9-4698-9CD4-9384CBCC5931}"/>
               </a:ext>
             </a:extLst>
           </p:cNvPr>
@@ -18657,7 +17361,7 @@
         <p:spPr>
           <a:xfrm>
             <a:off x="5328745" y="1008621"/>
-            <a:ext cx="7168055" cy="3785652"/>
+            <a:ext cx="7168055" cy="4524315"/>
           </a:xfrm>
           <a:prstGeom prst="rect">
             <a:avLst/>
@@ -18735,6 +17439,17 @@
               <a:rPr lang="de-DE" sz="2400" dirty="0" smtClean="0"/>
               <a:t>Webcams</a:t>
             </a:r>
+          </a:p>
+          <a:p>
+            <a:pPr fontAlgn="t">
+              <a:lnSpc>
+                <a:spcPct val="200000"/>
+              </a:lnSpc>
+            </a:pPr>
+            <a:r>
+              <a:rPr lang="de-DE" sz="2400" dirty="0" smtClean="0"/>
+              <a:t>Unterschiedliche Sprachen</a:t>
+            </a:r>
             <a:endParaRPr lang="de-DE" sz="2400" dirty="0"/>
           </a:p>
         </p:txBody>
@@ -18883,6 +17598,36 @@
           <a:xfrm>
             <a:off x="4887313" y="4228023"/>
             <a:ext cx="457588" cy="457588"/>
+          </a:xfrm>
+          <a:prstGeom prst="rect">
+            <a:avLst/>
+          </a:prstGeom>
+        </p:spPr>
+      </p:pic>
+      <p:pic>
+        <p:nvPicPr>
+          <p:cNvPr id="4" name="Grafik 3"/>
+          <p:cNvPicPr>
+            <a:picLocks noChangeAspect="1"/>
+          </p:cNvPicPr>
+          <p:nvPr/>
+        </p:nvPicPr>
+        <p:blipFill>
+          <a:blip r:embed="rId8">
+            <a:extLst>
+              <a:ext uri="{28A0092B-C50C-407E-A947-70E740481C1C}">
+                <a14:useLocalDpi xmlns:a14="http://schemas.microsoft.com/office/drawing/2010/main" val="0"/>
+              </a:ext>
+            </a:extLst>
+          </a:blip>
+          <a:stretch>
+            <a:fillRect/>
+          </a:stretch>
+        </p:blipFill>
+        <p:spPr>
+          <a:xfrm>
+            <a:off x="4887313" y="5053041"/>
+            <a:ext cx="479895" cy="479895"/>
           </a:xfrm>
           <a:prstGeom prst="rect">
             <a:avLst/>
@@ -18939,10 +17684,10 @@
           <p:cNvPr id="116" name="Down Arrow 7">
             <a:extLst>
               <a:ext uri="{FF2B5EF4-FFF2-40B4-BE49-F238E27FC236}">
-                <a16:creationId xmlns:a16="http://schemas.microsoft.com/office/drawing/2014/main" xmlns="" id="{B547373F-AF2E-4907-B442-9F902B387FD0}"/>
+                <a16:creationId xmlns="" xmlns:a16="http://schemas.microsoft.com/office/drawing/2014/main" id="{B547373F-AF2E-4907-B442-9F902B387FD0}"/>
               </a:ext>
               <a:ext uri="{C183D7F6-B498-43B3-948B-1728B52AA6E4}">
-                <adec:decorative xmlns:adec="http://schemas.microsoft.com/office/drawing/2017/decorative" xmlns="" val="1"/>
+                <adec:decorative xmlns="" xmlns:adec="http://schemas.microsoft.com/office/drawing/2017/decorative" val="1"/>
               </a:ext>
             </a:extLst>
           </p:cNvPr>
@@ -18952,7 +17697,7 @@
           <p:nvPr>
             <p:extLst>
               <p:ext uri="{386F3935-93C4-4BCD-93E2-E3B085C9AB24}">
-                <p16:designElem xmlns:p16="http://schemas.microsoft.com/office/powerpoint/2015/main" xmlns="" val="1"/>
+                <p16:designElem xmlns="" xmlns:p16="http://schemas.microsoft.com/office/powerpoint/2015/main" val="1"/>
               </p:ext>
             </p:extLst>
           </p:nvPr>
@@ -19008,7 +17753,7 @@
           <p:cNvPr id="111" name="Inhaltsplatzhalter 2">
             <a:extLst>
               <a:ext uri="{FF2B5EF4-FFF2-40B4-BE49-F238E27FC236}">
-                <a16:creationId xmlns:a16="http://schemas.microsoft.com/office/drawing/2014/main" xmlns="" id="{DFED6985-E05C-5442-8D81-240D91D1C65A}"/>
+                <a16:creationId xmlns="" xmlns:a16="http://schemas.microsoft.com/office/drawing/2014/main" id="{DFED6985-E05C-5442-8D81-240D91D1C65A}"/>
               </a:ext>
             </a:extLst>
           </p:cNvPr>
@@ -19211,7 +17956,7 @@
           <p:cNvPr id="7" name="Grafik 6">
             <a:extLst>
               <a:ext uri="{FF2B5EF4-FFF2-40B4-BE49-F238E27FC236}">
-                <a16:creationId xmlns:a16="http://schemas.microsoft.com/office/drawing/2014/main" xmlns="" id="{7A887C29-BDDD-470A-A266-BBA08FA64108}"/>
+                <a16:creationId xmlns="" xmlns:a16="http://schemas.microsoft.com/office/drawing/2014/main" id="{7A887C29-BDDD-470A-A266-BBA08FA64108}"/>
               </a:ext>
             </a:extLst>
           </p:cNvPr>
@@ -19247,7 +17992,7 @@
           <p:cNvPr id="6" name="Titel 5">
             <a:extLst>
               <a:ext uri="{FF2B5EF4-FFF2-40B4-BE49-F238E27FC236}">
-                <a16:creationId xmlns:a16="http://schemas.microsoft.com/office/drawing/2014/main" xmlns="" id="{97D4CC26-A6D9-44D5-BE51-0167991D4E18}"/>
+                <a16:creationId xmlns="" xmlns:a16="http://schemas.microsoft.com/office/drawing/2014/main" id="{97D4CC26-A6D9-44D5-BE51-0167991D4E18}"/>
               </a:ext>
             </a:extLst>
           </p:cNvPr>
@@ -19278,15 +18023,7 @@
                   <a:schemeClr val="bg1"/>
                 </a:solidFill>
               </a:rPr>
-              <a:t>VII</a:t>
-            </a:r>
-            <a:r>
-              <a:rPr lang="en-US" sz="3600" dirty="0" smtClean="0">
-                <a:solidFill>
-                  <a:schemeClr val="bg1"/>
-                </a:solidFill>
-              </a:rPr>
-              <a:t>. </a:t>
+              <a:t>VII. </a:t>
             </a:r>
             <a:r>
               <a:rPr lang="en-US" sz="3600" dirty="0">
@@ -19304,7 +18041,7 @@
           <p:cNvPr id="8" name="Inhaltsplatzhalter 2">
             <a:extLst>
               <a:ext uri="{FF2B5EF4-FFF2-40B4-BE49-F238E27FC236}">
-                <a16:creationId xmlns:a16="http://schemas.microsoft.com/office/drawing/2014/main" xmlns="" id="{7003E075-98FD-4D24-9416-AC73CBE803DB}"/>
+                <a16:creationId xmlns="" xmlns:a16="http://schemas.microsoft.com/office/drawing/2014/main" id="{7003E075-98FD-4D24-9416-AC73CBE803DB}"/>
               </a:ext>
             </a:extLst>
           </p:cNvPr>
@@ -19512,7 +18249,7 @@
           <p:cNvPr id="9" name="Inhaltsplatzhalter 3">
             <a:extLst>
               <a:ext uri="{FF2B5EF4-FFF2-40B4-BE49-F238E27FC236}">
-                <a16:creationId xmlns:a16="http://schemas.microsoft.com/office/drawing/2014/main" xmlns="" id="{F88ECA09-A8F2-4BDB-9617-2541072D9236}"/>
+                <a16:creationId xmlns="" xmlns:a16="http://schemas.microsoft.com/office/drawing/2014/main" id="{F88ECA09-A8F2-4BDB-9617-2541072D9236}"/>
               </a:ext>
             </a:extLst>
           </p:cNvPr>
@@ -19721,7 +18458,7 @@
           <p:cNvPr id="10" name="Inhaltsplatzhalter 2">
             <a:extLst>
               <a:ext uri="{FF2B5EF4-FFF2-40B4-BE49-F238E27FC236}">
-                <a16:creationId xmlns:a16="http://schemas.microsoft.com/office/drawing/2014/main" xmlns="" id="{DE6EF24E-B70D-42AF-A95E-39833628D6F4}"/>
+                <a16:creationId xmlns="" xmlns:a16="http://schemas.microsoft.com/office/drawing/2014/main" id="{DE6EF24E-B70D-42AF-A95E-39833628D6F4}"/>
               </a:ext>
             </a:extLst>
           </p:cNvPr>
@@ -19929,7 +18666,7 @@
           <p:cNvPr id="4" name="Grafik 3">
             <a:extLst>
               <a:ext uri="{FF2B5EF4-FFF2-40B4-BE49-F238E27FC236}">
-                <a16:creationId xmlns:a16="http://schemas.microsoft.com/office/drawing/2014/main" xmlns="" id="{1A5A34A1-6E42-4F94-9CF9-F4BB69F5D66D}"/>
+                <a16:creationId xmlns="" xmlns:a16="http://schemas.microsoft.com/office/drawing/2014/main" id="{1A5A34A1-6E42-4F94-9CF9-F4BB69F5D66D}"/>
               </a:ext>
             </a:extLst>
           </p:cNvPr>
@@ -19965,7 +18702,7 @@
           <p:cNvPr id="11" name="Grafik 10">
             <a:extLst>
               <a:ext uri="{FF2B5EF4-FFF2-40B4-BE49-F238E27FC236}">
-                <a16:creationId xmlns:a16="http://schemas.microsoft.com/office/drawing/2014/main" xmlns="" id="{9EAE4F7A-0446-4343-819D-3C60C12C670C}"/>
+                <a16:creationId xmlns="" xmlns:a16="http://schemas.microsoft.com/office/drawing/2014/main" id="{9EAE4F7A-0446-4343-819D-3C60C12C670C}"/>
               </a:ext>
             </a:extLst>
           </p:cNvPr>
@@ -20001,7 +18738,7 @@
           <p:cNvPr id="13" name="Grafik 12">
             <a:extLst>
               <a:ext uri="{FF2B5EF4-FFF2-40B4-BE49-F238E27FC236}">
-                <a16:creationId xmlns:a16="http://schemas.microsoft.com/office/drawing/2014/main" xmlns="" id="{40F7AB82-BA20-44B1-84F7-5C73F6161B51}"/>
+                <a16:creationId xmlns="" xmlns:a16="http://schemas.microsoft.com/office/drawing/2014/main" id="{40F7AB82-BA20-44B1-84F7-5C73F6161B51}"/>
               </a:ext>
             </a:extLst>
           </p:cNvPr>
@@ -20037,7 +18774,7 @@
           <p:cNvPr id="2" name="Textfeld 1">
             <a:extLst>
               <a:ext uri="{FF2B5EF4-FFF2-40B4-BE49-F238E27FC236}">
-                <a16:creationId xmlns:a16="http://schemas.microsoft.com/office/drawing/2014/main" xmlns="" id="{9E2D1883-817E-498B-8C99-B0DB64BFC8F8}"/>
+                <a16:creationId xmlns="" xmlns:a16="http://schemas.microsoft.com/office/drawing/2014/main" id="{9E2D1883-817E-498B-8C99-B0DB64BFC8F8}"/>
               </a:ext>
             </a:extLst>
           </p:cNvPr>
@@ -20091,7 +18828,7 @@
           <p:cNvPr id="3" name="Textfeld 2">
             <a:extLst>
               <a:ext uri="{FF2B5EF4-FFF2-40B4-BE49-F238E27FC236}">
-                <a16:creationId xmlns:a16="http://schemas.microsoft.com/office/drawing/2014/main" xmlns="" id="{534F31D1-A9BE-49BE-9A68-B53AAAB4512C}"/>
+                <a16:creationId xmlns="" xmlns:a16="http://schemas.microsoft.com/office/drawing/2014/main" id="{534F31D1-A9BE-49BE-9A68-B53AAAB4512C}"/>
               </a:ext>
             </a:extLst>
           </p:cNvPr>
@@ -20164,7 +18901,7 @@
           <p:cNvPr id="5" name="Textfeld 4">
             <a:extLst>
               <a:ext uri="{FF2B5EF4-FFF2-40B4-BE49-F238E27FC236}">
-                <a16:creationId xmlns:a16="http://schemas.microsoft.com/office/drawing/2014/main" xmlns="" id="{0424897C-689E-4630-A842-34F2020AA909}"/>
+                <a16:creationId xmlns="" xmlns:a16="http://schemas.microsoft.com/office/drawing/2014/main" id="{0424897C-689E-4630-A842-34F2020AA909}"/>
               </a:ext>
             </a:extLst>
           </p:cNvPr>
@@ -20192,8 +18929,12 @@
               <a:buChar char="•"/>
             </a:pPr>
             <a:r>
+              <a:rPr lang="de-DE" dirty="0" smtClean="0"/>
+              <a:t>Gemeinsam im Team </a:t>
+            </a:r>
+            <a:r>
               <a:rPr lang="de-DE" dirty="0"/>
-              <a:t>Gemeinsam Technologien </a:t>
+              <a:t>Technologien </a:t>
             </a:r>
             <a:r>
               <a:rPr lang="de-DE" dirty="0" smtClean="0"/>
@@ -20283,10 +19024,10 @@
           <p:cNvPr id="121" name="Freeform: Shape 120">
             <a:extLst>
               <a:ext uri="{FF2B5EF4-FFF2-40B4-BE49-F238E27FC236}">
-                <a16:creationId xmlns:a16="http://schemas.microsoft.com/office/drawing/2014/main" xmlns="" id="{92AA2300-0FA6-4328-9BD8-1D67925C0BD6}"/>
+                <a16:creationId xmlns="" xmlns:a16="http://schemas.microsoft.com/office/drawing/2014/main" id="{92AA2300-0FA6-4328-9BD8-1D67925C0BD6}"/>
               </a:ext>
               <a:ext uri="{C183D7F6-B498-43B3-948B-1728B52AA6E4}">
-                <adec:decorative xmlns:adec="http://schemas.microsoft.com/office/drawing/2017/decorative" xmlns="" val="1"/>
+                <adec:decorative xmlns="" xmlns:adec="http://schemas.microsoft.com/office/drawing/2017/decorative" val="1"/>
               </a:ext>
             </a:extLst>
           </p:cNvPr>
@@ -20296,7 +19037,7 @@
           <p:nvPr>
             <p:extLst>
               <p:ext uri="{386F3935-93C4-4BCD-93E2-E3B085C9AB24}">
-                <p16:designElem xmlns:p16="http://schemas.microsoft.com/office/powerpoint/2015/main" xmlns="" val="1"/>
+                <p16:designElem xmlns="" xmlns:p16="http://schemas.microsoft.com/office/powerpoint/2015/main" val="1"/>
               </p:ext>
             </p:extLst>
           </p:nvPr>
@@ -20454,10 +19195,10 @@
           <p:cNvPr id="123" name="Freeform: Shape 122">
             <a:extLst>
               <a:ext uri="{FF2B5EF4-FFF2-40B4-BE49-F238E27FC236}">
-                <a16:creationId xmlns:a16="http://schemas.microsoft.com/office/drawing/2014/main" xmlns="" id="{D3E1FE85-D0BF-41D3-8B85-04776368E1F0}"/>
+                <a16:creationId xmlns="" xmlns:a16="http://schemas.microsoft.com/office/drawing/2014/main" id="{D3E1FE85-D0BF-41D3-8B85-04776368E1F0}"/>
               </a:ext>
               <a:ext uri="{C183D7F6-B498-43B3-948B-1728B52AA6E4}">
-                <adec:decorative xmlns:adec="http://schemas.microsoft.com/office/drawing/2017/decorative" xmlns="" val="1"/>
+                <adec:decorative xmlns="" xmlns:adec="http://schemas.microsoft.com/office/drawing/2017/decorative" val="1"/>
               </a:ext>
             </a:extLst>
           </p:cNvPr>
@@ -20467,7 +19208,7 @@
           <p:nvPr>
             <p:extLst>
               <p:ext uri="{386F3935-93C4-4BCD-93E2-E3B085C9AB24}">
-                <p16:designElem xmlns:p16="http://schemas.microsoft.com/office/powerpoint/2015/main" xmlns="" val="1"/>
+                <p16:designElem xmlns="" xmlns:p16="http://schemas.microsoft.com/office/powerpoint/2015/main" val="1"/>
               </p:ext>
             </p:extLst>
           </p:nvPr>
@@ -20621,10 +19362,10 @@
           <p:cNvPr id="125" name="Freeform: Shape 124">
             <a:extLst>
               <a:ext uri="{FF2B5EF4-FFF2-40B4-BE49-F238E27FC236}">
-                <a16:creationId xmlns:a16="http://schemas.microsoft.com/office/drawing/2014/main" xmlns="" id="{F2E5A8E1-2A22-48D0-9556-E21648FA1EAC}"/>
+                <a16:creationId xmlns="" xmlns:a16="http://schemas.microsoft.com/office/drawing/2014/main" id="{F2E5A8E1-2A22-48D0-9556-E21648FA1EAC}"/>
               </a:ext>
               <a:ext uri="{C183D7F6-B498-43B3-948B-1728B52AA6E4}">
-                <adec:decorative xmlns:adec="http://schemas.microsoft.com/office/drawing/2017/decorative" xmlns="" val="1"/>
+                <adec:decorative xmlns="" xmlns:adec="http://schemas.microsoft.com/office/drawing/2017/decorative" val="1"/>
               </a:ext>
             </a:extLst>
           </p:cNvPr>
@@ -20634,7 +19375,7 @@
           <p:nvPr>
             <p:extLst>
               <p:ext uri="{386F3935-93C4-4BCD-93E2-E3B085C9AB24}">
-                <p16:designElem xmlns:p16="http://schemas.microsoft.com/office/powerpoint/2015/main" xmlns="" val="1"/>
+                <p16:designElem xmlns="" xmlns:p16="http://schemas.microsoft.com/office/powerpoint/2015/main" val="1"/>
               </p:ext>
             </p:extLst>
           </p:nvPr>
@@ -20800,10 +19541,10 @@
           <p:cNvPr id="127" name="Freeform: Shape 126">
             <a:extLst>
               <a:ext uri="{FF2B5EF4-FFF2-40B4-BE49-F238E27FC236}">
-                <a16:creationId xmlns:a16="http://schemas.microsoft.com/office/drawing/2014/main" xmlns="" id="{1072B470-1E76-42B5-86EA-1FB0F881D7EF}"/>
+                <a16:creationId xmlns="" xmlns:a16="http://schemas.microsoft.com/office/drawing/2014/main" id="{1072B470-1E76-42B5-86EA-1FB0F881D7EF}"/>
               </a:ext>
               <a:ext uri="{C183D7F6-B498-43B3-948B-1728B52AA6E4}">
-                <adec:decorative xmlns:adec="http://schemas.microsoft.com/office/drawing/2017/decorative" xmlns="" val="1"/>
+                <adec:decorative xmlns="" xmlns:adec="http://schemas.microsoft.com/office/drawing/2017/decorative" val="1"/>
               </a:ext>
             </a:extLst>
           </p:cNvPr>
@@ -20813,7 +19554,7 @@
           <p:nvPr>
             <p:extLst>
               <p:ext uri="{386F3935-93C4-4BCD-93E2-E3B085C9AB24}">
-                <p16:designElem xmlns:p16="http://schemas.microsoft.com/office/powerpoint/2015/main" xmlns="" val="1"/>
+                <p16:designElem xmlns="" xmlns:p16="http://schemas.microsoft.com/office/powerpoint/2015/main" val="1"/>
               </p:ext>
             </p:extLst>
           </p:nvPr>
@@ -20969,10 +19710,10 @@
           <p:cNvPr id="129" name="Freeform: Shape 128">
             <a:extLst>
               <a:ext uri="{FF2B5EF4-FFF2-40B4-BE49-F238E27FC236}">
-                <a16:creationId xmlns:a16="http://schemas.microsoft.com/office/drawing/2014/main" xmlns="" id="{DDD8B025-3845-4DEF-98B6-7C0BF531DB78}"/>
+                <a16:creationId xmlns="" xmlns:a16="http://schemas.microsoft.com/office/drawing/2014/main" id="{DDD8B025-3845-4DEF-98B6-7C0BF531DB78}"/>
               </a:ext>
               <a:ext uri="{C183D7F6-B498-43B3-948B-1728B52AA6E4}">
-                <adec:decorative xmlns:adec="http://schemas.microsoft.com/office/drawing/2017/decorative" xmlns="" val="1"/>
+                <adec:decorative xmlns="" xmlns:adec="http://schemas.microsoft.com/office/drawing/2017/decorative" val="1"/>
               </a:ext>
             </a:extLst>
           </p:cNvPr>
@@ -20982,7 +19723,7 @@
           <p:nvPr>
             <p:extLst>
               <p:ext uri="{386F3935-93C4-4BCD-93E2-E3B085C9AB24}">
-                <p16:designElem xmlns:p16="http://schemas.microsoft.com/office/powerpoint/2015/main" xmlns="" val="1"/>
+                <p16:designElem xmlns="" xmlns:p16="http://schemas.microsoft.com/office/powerpoint/2015/main" val="1"/>
               </p:ext>
             </p:extLst>
           </p:nvPr>
@@ -21146,10 +19887,10 @@
           <p:cNvPr id="131" name="Freeform: Shape 130">
             <a:extLst>
               <a:ext uri="{FF2B5EF4-FFF2-40B4-BE49-F238E27FC236}">
-                <a16:creationId xmlns:a16="http://schemas.microsoft.com/office/drawing/2014/main" xmlns="" id="{C4051FED-CF0D-4DDD-A9BB-E58FEEFE7C46}"/>
+                <a16:creationId xmlns="" xmlns:a16="http://schemas.microsoft.com/office/drawing/2014/main" id="{C4051FED-CF0D-4DDD-A9BB-E58FEEFE7C46}"/>
               </a:ext>
               <a:ext uri="{C183D7F6-B498-43B3-948B-1728B52AA6E4}">
-                <adec:decorative xmlns:adec="http://schemas.microsoft.com/office/drawing/2017/decorative" xmlns="" val="1"/>
+                <adec:decorative xmlns="" xmlns:adec="http://schemas.microsoft.com/office/drawing/2017/decorative" val="1"/>
               </a:ext>
             </a:extLst>
           </p:cNvPr>
@@ -21159,7 +19900,7 @@
           <p:nvPr>
             <p:extLst>
               <p:ext uri="{386F3935-93C4-4BCD-93E2-E3B085C9AB24}">
-                <p16:designElem xmlns:p16="http://schemas.microsoft.com/office/powerpoint/2015/main" xmlns="" val="1"/>
+                <p16:designElem xmlns="" xmlns:p16="http://schemas.microsoft.com/office/powerpoint/2015/main" val="1"/>
               </p:ext>
             </p:extLst>
           </p:nvPr>
@@ -21313,7 +20054,7 @@
           <p:cNvPr id="26" name="Grafik 25">
             <a:extLst>
               <a:ext uri="{FF2B5EF4-FFF2-40B4-BE49-F238E27FC236}">
-                <a16:creationId xmlns:a16="http://schemas.microsoft.com/office/drawing/2014/main" xmlns="" id="{A6292C25-8593-4E6E-BAD9-F9336A667C1C}"/>
+                <a16:creationId xmlns="" xmlns:a16="http://schemas.microsoft.com/office/drawing/2014/main" id="{A6292C25-8593-4E6E-BAD9-F9336A667C1C}"/>
               </a:ext>
             </a:extLst>
           </p:cNvPr>
@@ -21349,7 +20090,7 @@
           <p:cNvPr id="27" name="Grafik 26">
             <a:extLst>
               <a:ext uri="{FF2B5EF4-FFF2-40B4-BE49-F238E27FC236}">
-                <a16:creationId xmlns:a16="http://schemas.microsoft.com/office/drawing/2014/main" xmlns="" id="{34024532-95E4-4F80-9F7B-F9980DB60401}"/>
+                <a16:creationId xmlns="" xmlns:a16="http://schemas.microsoft.com/office/drawing/2014/main" id="{34024532-95E4-4F80-9F7B-F9980DB60401}"/>
               </a:ext>
             </a:extLst>
           </p:cNvPr>
@@ -21385,7 +20126,7 @@
           <p:cNvPr id="28" name="Grafik 27">
             <a:extLst>
               <a:ext uri="{FF2B5EF4-FFF2-40B4-BE49-F238E27FC236}">
-                <a16:creationId xmlns:a16="http://schemas.microsoft.com/office/drawing/2014/main" xmlns="" id="{C50136C2-C223-45B6-9643-1691E8D5C16E}"/>
+                <a16:creationId xmlns="" xmlns:a16="http://schemas.microsoft.com/office/drawing/2014/main" id="{C50136C2-C223-45B6-9643-1691E8D5C16E}"/>
               </a:ext>
             </a:extLst>
           </p:cNvPr>
@@ -21401,7 +20142,7 @@
                 <a14:useLocalDpi xmlns:a14="http://schemas.microsoft.com/office/drawing/2010/main" val="0"/>
               </a:ext>
               <a:ext uri="{96DAC541-7B7A-43D3-8B79-37D633B846F1}">
-                <asvg:svgBlip xmlns:asvg="http://schemas.microsoft.com/office/drawing/2016/SVG/main" xmlns="" r:embed="rId5"/>
+                <asvg:svgBlip xmlns="" xmlns:asvg="http://schemas.microsoft.com/office/drawing/2016/SVG/main" r:embed="rId5"/>
               </a:ext>
             </a:extLst>
           </a:blip>
@@ -21424,7 +20165,7 @@
           <p:cNvPr id="111" name="Inhaltsplatzhalter 2">
             <a:extLst>
               <a:ext uri="{FF2B5EF4-FFF2-40B4-BE49-F238E27FC236}">
-                <a16:creationId xmlns:a16="http://schemas.microsoft.com/office/drawing/2014/main" xmlns="" id="{DFED6985-E05C-5442-8D81-240D91D1C65A}"/>
+                <a16:creationId xmlns="" xmlns:a16="http://schemas.microsoft.com/office/drawing/2014/main" id="{DFED6985-E05C-5442-8D81-240D91D1C65A}"/>
               </a:ext>
             </a:extLst>
           </p:cNvPr>
@@ -21627,7 +20368,7 @@
           <p:cNvPr id="6" name="Titel 5">
             <a:extLst>
               <a:ext uri="{FF2B5EF4-FFF2-40B4-BE49-F238E27FC236}">
-                <a16:creationId xmlns:a16="http://schemas.microsoft.com/office/drawing/2014/main" xmlns="" id="{97D4CC26-A6D9-44D5-BE51-0167991D4E18}"/>
+                <a16:creationId xmlns="" xmlns:a16="http://schemas.microsoft.com/office/drawing/2014/main" id="{97D4CC26-A6D9-44D5-BE51-0167991D4E18}"/>
               </a:ext>
             </a:extLst>
           </p:cNvPr>
@@ -21714,10 +20455,10 @@
           <p:cNvPr id="116" name="Freeform: Shape 115">
             <a:extLst>
               <a:ext uri="{FF2B5EF4-FFF2-40B4-BE49-F238E27FC236}">
-                <a16:creationId xmlns:a16="http://schemas.microsoft.com/office/drawing/2014/main" xmlns="" id="{92AA2300-0FA6-4328-9BD8-1D67925C0BD6}"/>
+                <a16:creationId xmlns="" xmlns:a16="http://schemas.microsoft.com/office/drawing/2014/main" id="{92AA2300-0FA6-4328-9BD8-1D67925C0BD6}"/>
               </a:ext>
               <a:ext uri="{C183D7F6-B498-43B3-948B-1728B52AA6E4}">
-                <adec:decorative xmlns:adec="http://schemas.microsoft.com/office/drawing/2017/decorative" xmlns="" val="1"/>
+                <adec:decorative xmlns="" xmlns:adec="http://schemas.microsoft.com/office/drawing/2017/decorative" val="1"/>
               </a:ext>
             </a:extLst>
           </p:cNvPr>
@@ -21727,7 +20468,7 @@
           <p:nvPr>
             <p:extLst>
               <p:ext uri="{386F3935-93C4-4BCD-93E2-E3B085C9AB24}">
-                <p16:designElem xmlns:p16="http://schemas.microsoft.com/office/powerpoint/2015/main" xmlns="" val="1"/>
+                <p16:designElem xmlns="" xmlns:p16="http://schemas.microsoft.com/office/powerpoint/2015/main" val="1"/>
               </p:ext>
             </p:extLst>
           </p:nvPr>
@@ -21885,10 +20626,10 @@
           <p:cNvPr id="118" name="Freeform: Shape 117">
             <a:extLst>
               <a:ext uri="{FF2B5EF4-FFF2-40B4-BE49-F238E27FC236}">
-                <a16:creationId xmlns:a16="http://schemas.microsoft.com/office/drawing/2014/main" xmlns="" id="{D3E1FE85-D0BF-41D3-8B85-04776368E1F0}"/>
+                <a16:creationId xmlns="" xmlns:a16="http://schemas.microsoft.com/office/drawing/2014/main" id="{D3E1FE85-D0BF-41D3-8B85-04776368E1F0}"/>
               </a:ext>
               <a:ext uri="{C183D7F6-B498-43B3-948B-1728B52AA6E4}">
-                <adec:decorative xmlns:adec="http://schemas.microsoft.com/office/drawing/2017/decorative" xmlns="" val="1"/>
+                <adec:decorative xmlns="" xmlns:adec="http://schemas.microsoft.com/office/drawing/2017/decorative" val="1"/>
               </a:ext>
             </a:extLst>
           </p:cNvPr>
@@ -21898,7 +20639,7 @@
           <p:nvPr>
             <p:extLst>
               <p:ext uri="{386F3935-93C4-4BCD-93E2-E3B085C9AB24}">
-                <p16:designElem xmlns:p16="http://schemas.microsoft.com/office/powerpoint/2015/main" xmlns="" val="1"/>
+                <p16:designElem xmlns="" xmlns:p16="http://schemas.microsoft.com/office/powerpoint/2015/main" val="1"/>
               </p:ext>
             </p:extLst>
           </p:nvPr>
@@ -22052,10 +20793,10 @@
           <p:cNvPr id="120" name="Freeform: Shape 119">
             <a:extLst>
               <a:ext uri="{FF2B5EF4-FFF2-40B4-BE49-F238E27FC236}">
-                <a16:creationId xmlns:a16="http://schemas.microsoft.com/office/drawing/2014/main" xmlns="" id="{F2E5A8E1-2A22-48D0-9556-E21648FA1EAC}"/>
+                <a16:creationId xmlns="" xmlns:a16="http://schemas.microsoft.com/office/drawing/2014/main" id="{F2E5A8E1-2A22-48D0-9556-E21648FA1EAC}"/>
               </a:ext>
               <a:ext uri="{C183D7F6-B498-43B3-948B-1728B52AA6E4}">
-                <adec:decorative xmlns:adec="http://schemas.microsoft.com/office/drawing/2017/decorative" xmlns="" val="1"/>
+                <adec:decorative xmlns="" xmlns:adec="http://schemas.microsoft.com/office/drawing/2017/decorative" val="1"/>
               </a:ext>
             </a:extLst>
           </p:cNvPr>
@@ -22065,7 +20806,7 @@
           <p:nvPr>
             <p:extLst>
               <p:ext uri="{386F3935-93C4-4BCD-93E2-E3B085C9AB24}">
-                <p16:designElem xmlns:p16="http://schemas.microsoft.com/office/powerpoint/2015/main" xmlns="" val="1"/>
+                <p16:designElem xmlns="" xmlns:p16="http://schemas.microsoft.com/office/powerpoint/2015/main" val="1"/>
               </p:ext>
             </p:extLst>
           </p:nvPr>
@@ -22231,10 +20972,10 @@
           <p:cNvPr id="122" name="Freeform: Shape 121">
             <a:extLst>
               <a:ext uri="{FF2B5EF4-FFF2-40B4-BE49-F238E27FC236}">
-                <a16:creationId xmlns:a16="http://schemas.microsoft.com/office/drawing/2014/main" xmlns="" id="{1072B470-1E76-42B5-86EA-1FB0F881D7EF}"/>
+                <a16:creationId xmlns="" xmlns:a16="http://schemas.microsoft.com/office/drawing/2014/main" id="{1072B470-1E76-42B5-86EA-1FB0F881D7EF}"/>
               </a:ext>
               <a:ext uri="{C183D7F6-B498-43B3-948B-1728B52AA6E4}">
-                <adec:decorative xmlns:adec="http://schemas.microsoft.com/office/drawing/2017/decorative" xmlns="" val="1"/>
+                <adec:decorative xmlns="" xmlns:adec="http://schemas.microsoft.com/office/drawing/2017/decorative" val="1"/>
               </a:ext>
             </a:extLst>
           </p:cNvPr>
@@ -22244,7 +20985,7 @@
           <p:nvPr>
             <p:extLst>
               <p:ext uri="{386F3935-93C4-4BCD-93E2-E3B085C9AB24}">
-                <p16:designElem xmlns:p16="http://schemas.microsoft.com/office/powerpoint/2015/main" xmlns="" val="1"/>
+                <p16:designElem xmlns="" xmlns:p16="http://schemas.microsoft.com/office/powerpoint/2015/main" val="1"/>
               </p:ext>
             </p:extLst>
           </p:nvPr>
@@ -22400,10 +21141,10 @@
           <p:cNvPr id="124" name="Freeform: Shape 123">
             <a:extLst>
               <a:ext uri="{FF2B5EF4-FFF2-40B4-BE49-F238E27FC236}">
-                <a16:creationId xmlns:a16="http://schemas.microsoft.com/office/drawing/2014/main" xmlns="" id="{DDD8B025-3845-4DEF-98B6-7C0BF531DB78}"/>
+                <a16:creationId xmlns="" xmlns:a16="http://schemas.microsoft.com/office/drawing/2014/main" id="{DDD8B025-3845-4DEF-98B6-7C0BF531DB78}"/>
               </a:ext>
               <a:ext uri="{C183D7F6-B498-43B3-948B-1728B52AA6E4}">
-                <adec:decorative xmlns:adec="http://schemas.microsoft.com/office/drawing/2017/decorative" xmlns="" val="1"/>
+                <adec:decorative xmlns="" xmlns:adec="http://schemas.microsoft.com/office/drawing/2017/decorative" val="1"/>
               </a:ext>
             </a:extLst>
           </p:cNvPr>
@@ -22413,7 +21154,7 @@
           <p:nvPr>
             <p:extLst>
               <p:ext uri="{386F3935-93C4-4BCD-93E2-E3B085C9AB24}">
-                <p16:designElem xmlns:p16="http://schemas.microsoft.com/office/powerpoint/2015/main" xmlns="" val="1"/>
+                <p16:designElem xmlns="" xmlns:p16="http://schemas.microsoft.com/office/powerpoint/2015/main" val="1"/>
               </p:ext>
             </p:extLst>
           </p:nvPr>
@@ -22577,10 +21318,10 @@
           <p:cNvPr id="126" name="Freeform: Shape 125">
             <a:extLst>
               <a:ext uri="{FF2B5EF4-FFF2-40B4-BE49-F238E27FC236}">
-                <a16:creationId xmlns:a16="http://schemas.microsoft.com/office/drawing/2014/main" xmlns="" id="{C4051FED-CF0D-4DDD-A9BB-E58FEEFE7C46}"/>
+                <a16:creationId xmlns="" xmlns:a16="http://schemas.microsoft.com/office/drawing/2014/main" id="{C4051FED-CF0D-4DDD-A9BB-E58FEEFE7C46}"/>
               </a:ext>
               <a:ext uri="{C183D7F6-B498-43B3-948B-1728B52AA6E4}">
-                <adec:decorative xmlns:adec="http://schemas.microsoft.com/office/drawing/2017/decorative" xmlns="" val="1"/>
+                <adec:decorative xmlns="" xmlns:adec="http://schemas.microsoft.com/office/drawing/2017/decorative" val="1"/>
               </a:ext>
             </a:extLst>
           </p:cNvPr>
@@ -22590,7 +21331,7 @@
           <p:nvPr>
             <p:extLst>
               <p:ext uri="{386F3935-93C4-4BCD-93E2-E3B085C9AB24}">
-                <p16:designElem xmlns:p16="http://schemas.microsoft.com/office/powerpoint/2015/main" xmlns="" val="1"/>
+                <p16:designElem xmlns="" xmlns:p16="http://schemas.microsoft.com/office/powerpoint/2015/main" val="1"/>
               </p:ext>
             </p:extLst>
           </p:nvPr>
@@ -22744,7 +21485,7 @@
           <p:cNvPr id="26" name="Grafik 25">
             <a:extLst>
               <a:ext uri="{FF2B5EF4-FFF2-40B4-BE49-F238E27FC236}">
-                <a16:creationId xmlns:a16="http://schemas.microsoft.com/office/drawing/2014/main" xmlns="" id="{A6292C25-8593-4E6E-BAD9-F9336A667C1C}"/>
+                <a16:creationId xmlns="" xmlns:a16="http://schemas.microsoft.com/office/drawing/2014/main" id="{A6292C25-8593-4E6E-BAD9-F9336A667C1C}"/>
               </a:ext>
             </a:extLst>
           </p:cNvPr>
@@ -22780,7 +21521,7 @@
           <p:cNvPr id="27" name="Grafik 26">
             <a:extLst>
               <a:ext uri="{FF2B5EF4-FFF2-40B4-BE49-F238E27FC236}">
-                <a16:creationId xmlns:a16="http://schemas.microsoft.com/office/drawing/2014/main" xmlns="" id="{34024532-95E4-4F80-9F7B-F9980DB60401}"/>
+                <a16:creationId xmlns="" xmlns:a16="http://schemas.microsoft.com/office/drawing/2014/main" id="{34024532-95E4-4F80-9F7B-F9980DB60401}"/>
               </a:ext>
             </a:extLst>
           </p:cNvPr>
@@ -22816,7 +21557,7 @@
           <p:cNvPr id="28" name="Grafik 27">
             <a:extLst>
               <a:ext uri="{FF2B5EF4-FFF2-40B4-BE49-F238E27FC236}">
-                <a16:creationId xmlns:a16="http://schemas.microsoft.com/office/drawing/2014/main" xmlns="" id="{C50136C2-C223-45B6-9643-1691E8D5C16E}"/>
+                <a16:creationId xmlns="" xmlns:a16="http://schemas.microsoft.com/office/drawing/2014/main" id="{C50136C2-C223-45B6-9643-1691E8D5C16E}"/>
               </a:ext>
             </a:extLst>
           </p:cNvPr>
@@ -22832,7 +21573,7 @@
                 <a14:useLocalDpi xmlns:a14="http://schemas.microsoft.com/office/drawing/2010/main" val="0"/>
               </a:ext>
               <a:ext uri="{96DAC541-7B7A-43D3-8B79-37D633B846F1}">
-                <asvg:svgBlip xmlns:asvg="http://schemas.microsoft.com/office/drawing/2016/SVG/main" xmlns="" r:embed="rId5"/>
+                <asvg:svgBlip xmlns="" xmlns:asvg="http://schemas.microsoft.com/office/drawing/2016/SVG/main" r:embed="rId5"/>
               </a:ext>
             </a:extLst>
           </a:blip>
@@ -22855,7 +21596,7 @@
           <p:cNvPr id="111" name="Inhaltsplatzhalter 2">
             <a:extLst>
               <a:ext uri="{FF2B5EF4-FFF2-40B4-BE49-F238E27FC236}">
-                <a16:creationId xmlns:a16="http://schemas.microsoft.com/office/drawing/2014/main" xmlns="" id="{DFED6985-E05C-5442-8D81-240D91D1C65A}"/>
+                <a16:creationId xmlns="" xmlns:a16="http://schemas.microsoft.com/office/drawing/2014/main" id="{DFED6985-E05C-5442-8D81-240D91D1C65A}"/>
               </a:ext>
             </a:extLst>
           </p:cNvPr>
@@ -23058,7 +21799,7 @@
           <p:cNvPr id="6" name="Titel 5">
             <a:extLst>
               <a:ext uri="{FF2B5EF4-FFF2-40B4-BE49-F238E27FC236}">
-                <a16:creationId xmlns:a16="http://schemas.microsoft.com/office/drawing/2014/main" xmlns="" id="{97D4CC26-A6D9-44D5-BE51-0167991D4E18}"/>
+                <a16:creationId xmlns="" xmlns:a16="http://schemas.microsoft.com/office/drawing/2014/main" id="{97D4CC26-A6D9-44D5-BE51-0167991D4E18}"/>
               </a:ext>
             </a:extLst>
           </p:cNvPr>
@@ -23142,10 +21883,10 @@
           <p:cNvPr id="116" name="Down Arrow 7">
             <a:extLst>
               <a:ext uri="{FF2B5EF4-FFF2-40B4-BE49-F238E27FC236}">
-                <a16:creationId xmlns:a16="http://schemas.microsoft.com/office/drawing/2014/main" xmlns="" id="{B547373F-AF2E-4907-B442-9F902B387FD0}"/>
+                <a16:creationId xmlns="" xmlns:a16="http://schemas.microsoft.com/office/drawing/2014/main" id="{B547373F-AF2E-4907-B442-9F902B387FD0}"/>
               </a:ext>
               <a:ext uri="{C183D7F6-B498-43B3-948B-1728B52AA6E4}">
-                <adec:decorative xmlns:adec="http://schemas.microsoft.com/office/drawing/2017/decorative" xmlns="" val="1"/>
+                <adec:decorative xmlns="" xmlns:adec="http://schemas.microsoft.com/office/drawing/2017/decorative" val="1"/>
               </a:ext>
             </a:extLst>
           </p:cNvPr>
@@ -23155,7 +21896,7 @@
           <p:nvPr>
             <p:extLst>
               <p:ext uri="{386F3935-93C4-4BCD-93E2-E3B085C9AB24}">
-                <p16:designElem xmlns:p16="http://schemas.microsoft.com/office/powerpoint/2015/main" xmlns="" val="1"/>
+                <p16:designElem xmlns="" xmlns:p16="http://schemas.microsoft.com/office/powerpoint/2015/main" val="1"/>
               </p:ext>
             </p:extLst>
           </p:nvPr>
@@ -23211,7 +21952,7 @@
           <p:cNvPr id="111" name="Inhaltsplatzhalter 2">
             <a:extLst>
               <a:ext uri="{FF2B5EF4-FFF2-40B4-BE49-F238E27FC236}">
-                <a16:creationId xmlns:a16="http://schemas.microsoft.com/office/drawing/2014/main" xmlns="" id="{DFED6985-E05C-5442-8D81-240D91D1C65A}"/>
+                <a16:creationId xmlns="" xmlns:a16="http://schemas.microsoft.com/office/drawing/2014/main" id="{DFED6985-E05C-5442-8D81-240D91D1C65A}"/>
               </a:ext>
             </a:extLst>
           </p:cNvPr>
@@ -23414,7 +22155,7 @@
           <p:cNvPr id="7" name="Grafik 6">
             <a:extLst>
               <a:ext uri="{FF2B5EF4-FFF2-40B4-BE49-F238E27FC236}">
-                <a16:creationId xmlns:a16="http://schemas.microsoft.com/office/drawing/2014/main" xmlns="" id="{00BF8B91-1D56-443B-B246-642340977792}"/>
+                <a16:creationId xmlns="" xmlns:a16="http://schemas.microsoft.com/office/drawing/2014/main" id="{00BF8B91-1D56-443B-B246-642340977792}"/>
               </a:ext>
             </a:extLst>
           </p:cNvPr>
@@ -23450,7 +22191,7 @@
           <p:cNvPr id="6" name="Titel 5">
             <a:extLst>
               <a:ext uri="{FF2B5EF4-FFF2-40B4-BE49-F238E27FC236}">
-                <a16:creationId xmlns:a16="http://schemas.microsoft.com/office/drawing/2014/main" xmlns="" id="{97D4CC26-A6D9-44D5-BE51-0167991D4E18}"/>
+                <a16:creationId xmlns="" xmlns:a16="http://schemas.microsoft.com/office/drawing/2014/main" id="{97D4CC26-A6D9-44D5-BE51-0167991D4E18}"/>
               </a:ext>
             </a:extLst>
           </p:cNvPr>
@@ -23496,7 +22237,7 @@
           <p:cNvPr id="2" name="Textfeld 1">
             <a:extLst>
               <a:ext uri="{FF2B5EF4-FFF2-40B4-BE49-F238E27FC236}">
-                <a16:creationId xmlns:a16="http://schemas.microsoft.com/office/drawing/2014/main" xmlns="" id="{08D1EF3A-A1E5-4165-A4F7-6A44A864B653}"/>
+                <a16:creationId xmlns="" xmlns:a16="http://schemas.microsoft.com/office/drawing/2014/main" id="{08D1EF3A-A1E5-4165-A4F7-6A44A864B653}"/>
               </a:ext>
             </a:extLst>
           </p:cNvPr>
@@ -23637,10 +22378,6 @@
               </a:rPr>
               <a:t>https://icons8.com</a:t>
             </a:r>
-            <a:endParaRPr lang="de-DE" dirty="0">
-              <a:ea typeface="Open Sans Light" panose="020B0306030504020204" pitchFamily="34" charset="0"/>
-              <a:cs typeface="Open Sans Light" panose="020B0306030504020204" pitchFamily="34" charset="0"/>
-            </a:endParaRPr>
           </a:p>
           <a:p>
             <a:pPr marL="285750" indent="-285750">
@@ -23708,10 +22445,10 @@
           <p:cNvPr id="115" name="Rectangle 114">
             <a:extLst>
               <a:ext uri="{FF2B5EF4-FFF2-40B4-BE49-F238E27FC236}">
-                <a16:creationId xmlns:a16="http://schemas.microsoft.com/office/drawing/2014/main" xmlns="" id="{B558F58E-93BA-44A3-BCDA-585AFF2E4F3F}"/>
+                <a16:creationId xmlns="" xmlns:a16="http://schemas.microsoft.com/office/drawing/2014/main" id="{B558F58E-93BA-44A3-BCDA-585AFF2E4F3F}"/>
               </a:ext>
               <a:ext uri="{C183D7F6-B498-43B3-948B-1728B52AA6E4}">
-                <adec:decorative xmlns:adec="http://schemas.microsoft.com/office/drawing/2017/decorative" xmlns="" val="1"/>
+                <adec:decorative xmlns="" xmlns:adec="http://schemas.microsoft.com/office/drawing/2017/decorative" val="1"/>
               </a:ext>
             </a:extLst>
           </p:cNvPr>
@@ -23721,7 +22458,7 @@
           <p:nvPr>
             <p:extLst>
               <p:ext uri="{386F3935-93C4-4BCD-93E2-E3B085C9AB24}">
-                <p16:designElem xmlns:p16="http://schemas.microsoft.com/office/powerpoint/2015/main" xmlns="" val="1"/>
+                <p16:designElem xmlns="" xmlns:p16="http://schemas.microsoft.com/office/powerpoint/2015/main" val="1"/>
               </p:ext>
             </p:extLst>
           </p:nvPr>
@@ -23768,10 +22505,10 @@
           <p:cNvPr id="117" name="Straight Arrow Connector 116">
             <a:extLst>
               <a:ext uri="{FF2B5EF4-FFF2-40B4-BE49-F238E27FC236}">
-                <a16:creationId xmlns:a16="http://schemas.microsoft.com/office/drawing/2014/main" xmlns="" id="{BCD0BBC1-A7D4-445D-98AC-95A6A45D8EBB}"/>
+                <a16:creationId xmlns="" xmlns:a16="http://schemas.microsoft.com/office/drawing/2014/main" id="{BCD0BBC1-A7D4-445D-98AC-95A6A45D8EBB}"/>
               </a:ext>
               <a:ext uri="{C183D7F6-B498-43B3-948B-1728B52AA6E4}">
-                <adec:decorative xmlns:adec="http://schemas.microsoft.com/office/drawing/2017/decorative" xmlns="" val="1"/>
+                <adec:decorative xmlns="" xmlns:adec="http://schemas.microsoft.com/office/drawing/2017/decorative" val="1"/>
               </a:ext>
             </a:extLst>
           </p:cNvPr>
@@ -23781,7 +22518,7 @@
           <p:nvPr>
             <p:extLst>
               <p:ext uri="{386F3935-93C4-4BCD-93E2-E3B085C9AB24}">
-                <p16:designElem xmlns:p16="http://schemas.microsoft.com/office/powerpoint/2015/main" xmlns="" val="1"/>
+                <p16:designElem xmlns="" xmlns:p16="http://schemas.microsoft.com/office/powerpoint/2015/main" val="1"/>
               </p:ext>
             </p:extLst>
           </p:nvPr>
@@ -23821,7 +22558,7 @@
           <p:cNvPr id="110" name="Grafik 109">
             <a:extLst>
               <a:ext uri="{FF2B5EF4-FFF2-40B4-BE49-F238E27FC236}">
-                <a16:creationId xmlns:a16="http://schemas.microsoft.com/office/drawing/2014/main" xmlns="" id="{EF74F9AE-6657-4F3E-B73D-942AE06ED09E}"/>
+                <a16:creationId xmlns="" xmlns:a16="http://schemas.microsoft.com/office/drawing/2014/main" id="{EF74F9AE-6657-4F3E-B73D-942AE06ED09E}"/>
               </a:ext>
             </a:extLst>
           </p:cNvPr>
@@ -23927,7 +22664,7 @@
           <p:cNvPr id="2" name="Titel 1">
             <a:extLst>
               <a:ext uri="{FF2B5EF4-FFF2-40B4-BE49-F238E27FC236}">
-                <a16:creationId xmlns:a16="http://schemas.microsoft.com/office/drawing/2014/main" xmlns="" id="{2393025D-41CD-4E54-8421-803CA294757A}"/>
+                <a16:creationId xmlns="" xmlns:a16="http://schemas.microsoft.com/office/drawing/2014/main" id="{2393025D-41CD-4E54-8421-803CA294757A}"/>
               </a:ext>
             </a:extLst>
           </p:cNvPr>
@@ -23965,7 +22702,7 @@
           <p:cNvPr id="111" name="Inhaltsplatzhalter 2">
             <a:extLst>
               <a:ext uri="{FF2B5EF4-FFF2-40B4-BE49-F238E27FC236}">
-                <a16:creationId xmlns:a16="http://schemas.microsoft.com/office/drawing/2014/main" xmlns="" id="{DFED6985-E05C-5442-8D81-240D91D1C65A}"/>
+                <a16:creationId xmlns="" xmlns:a16="http://schemas.microsoft.com/office/drawing/2014/main" id="{DFED6985-E05C-5442-8D81-240D91D1C65A}"/>
               </a:ext>
             </a:extLst>
           </p:cNvPr>
@@ -24160,12 +22897,16 @@
               <a:buAutoNum type="romanUcPeriod"/>
             </a:pPr>
             <a:r>
-              <a:rPr lang="de-DE" dirty="0">
+              <a:rPr lang="de-DE" dirty="0" smtClean="0">
                 <a:ea typeface="Open Sans Light" panose="020B0306030504020204" pitchFamily="34" charset="0"/>
                 <a:cs typeface="Open Sans Light" panose="020B0306030504020204" pitchFamily="34" charset="0"/>
               </a:rPr>
-              <a:t>Ziele</a:t>
+              <a:t>Ziel des Projektes</a:t>
             </a:r>
+            <a:endParaRPr lang="de-DE" dirty="0">
+              <a:ea typeface="Open Sans Light" panose="020B0306030504020204" pitchFamily="34" charset="0"/>
+              <a:cs typeface="Open Sans Light" panose="020B0306030504020204" pitchFamily="34" charset="0"/>
+            </a:endParaRPr>
           </a:p>
           <a:p>
             <a:pPr marL="571500" indent="-571500">
@@ -24294,7 +23035,7 @@
           <p:cNvPr id="113" name="Grafik 112">
             <a:extLst>
               <a:ext uri="{FF2B5EF4-FFF2-40B4-BE49-F238E27FC236}">
-                <a16:creationId xmlns:a16="http://schemas.microsoft.com/office/drawing/2014/main" xmlns="" id="{D5D75B60-54C6-4637-A8C3-A328DF689DE9}"/>
+                <a16:creationId xmlns="" xmlns:a16="http://schemas.microsoft.com/office/drawing/2014/main" id="{D5D75B60-54C6-4637-A8C3-A328DF689DE9}"/>
               </a:ext>
             </a:extLst>
           </p:cNvPr>
@@ -24375,10 +23116,10 @@
           <p:cNvPr id="116" name="Down Arrow 7">
             <a:extLst>
               <a:ext uri="{FF2B5EF4-FFF2-40B4-BE49-F238E27FC236}">
-                <a16:creationId xmlns:a16="http://schemas.microsoft.com/office/drawing/2014/main" xmlns="" id="{B547373F-AF2E-4907-B442-9F902B387FD0}"/>
+                <a16:creationId xmlns="" xmlns:a16="http://schemas.microsoft.com/office/drawing/2014/main" id="{B547373F-AF2E-4907-B442-9F902B387FD0}"/>
               </a:ext>
               <a:ext uri="{C183D7F6-B498-43B3-948B-1728B52AA6E4}">
-                <adec:decorative xmlns:adec="http://schemas.microsoft.com/office/drawing/2017/decorative" xmlns="" val="1"/>
+                <adec:decorative xmlns="" xmlns:adec="http://schemas.microsoft.com/office/drawing/2017/decorative" val="1"/>
               </a:ext>
             </a:extLst>
           </p:cNvPr>
@@ -24388,7 +23129,7 @@
           <p:nvPr>
             <p:extLst>
               <p:ext uri="{386F3935-93C4-4BCD-93E2-E3B085C9AB24}">
-                <p16:designElem xmlns:p16="http://schemas.microsoft.com/office/powerpoint/2015/main" xmlns="" val="1"/>
+                <p16:designElem xmlns="" xmlns:p16="http://schemas.microsoft.com/office/powerpoint/2015/main" val="1"/>
               </p:ext>
             </p:extLst>
           </p:nvPr>
@@ -24444,7 +23185,7 @@
           <p:cNvPr id="111" name="Inhaltsplatzhalter 2">
             <a:extLst>
               <a:ext uri="{FF2B5EF4-FFF2-40B4-BE49-F238E27FC236}">
-                <a16:creationId xmlns:a16="http://schemas.microsoft.com/office/drawing/2014/main" xmlns="" id="{DFED6985-E05C-5442-8D81-240D91D1C65A}"/>
+                <a16:creationId xmlns="" xmlns:a16="http://schemas.microsoft.com/office/drawing/2014/main" id="{DFED6985-E05C-5442-8D81-240D91D1C65A}"/>
               </a:ext>
             </a:extLst>
           </p:cNvPr>
@@ -24647,7 +23388,7 @@
           <p:cNvPr id="15" name="Grafik 14">
             <a:extLst>
               <a:ext uri="{FF2B5EF4-FFF2-40B4-BE49-F238E27FC236}">
-                <a16:creationId xmlns:a16="http://schemas.microsoft.com/office/drawing/2014/main" xmlns="" id="{4E790222-7184-4E46-858C-49DFA0B66F2F}"/>
+                <a16:creationId xmlns="" xmlns:a16="http://schemas.microsoft.com/office/drawing/2014/main" id="{4E790222-7184-4E46-858C-49DFA0B66F2F}"/>
               </a:ext>
             </a:extLst>
           </p:cNvPr>
@@ -24683,7 +23424,7 @@
           <p:cNvPr id="6" name="Titel 5">
             <a:extLst>
               <a:ext uri="{FF2B5EF4-FFF2-40B4-BE49-F238E27FC236}">
-                <a16:creationId xmlns:a16="http://schemas.microsoft.com/office/drawing/2014/main" xmlns="" id="{97D4CC26-A6D9-44D5-BE51-0167991D4E18}"/>
+                <a16:creationId xmlns="" xmlns:a16="http://schemas.microsoft.com/office/drawing/2014/main" id="{97D4CC26-A6D9-44D5-BE51-0167991D4E18}"/>
               </a:ext>
             </a:extLst>
           </p:cNvPr>
@@ -24753,7 +23494,7 @@
           <p:cNvPr id="10" name="Diagramm 9">
             <a:extLst>
               <a:ext uri="{FF2B5EF4-FFF2-40B4-BE49-F238E27FC236}">
-                <a16:creationId xmlns:a16="http://schemas.microsoft.com/office/drawing/2014/main" xmlns="" id="{54999A2C-F4C3-4DB0-AD54-8463A76745D3}"/>
+                <a16:creationId xmlns="" xmlns:a16="http://schemas.microsoft.com/office/drawing/2014/main" id="{54999A2C-F4C3-4DB0-AD54-8463A76745D3}"/>
               </a:ext>
             </a:extLst>
           </p:cNvPr>
@@ -24826,10 +23567,10 @@
           <p:cNvPr id="116" name="Down Arrow 7">
             <a:extLst>
               <a:ext uri="{FF2B5EF4-FFF2-40B4-BE49-F238E27FC236}">
-                <a16:creationId xmlns:a16="http://schemas.microsoft.com/office/drawing/2014/main" xmlns="" id="{B547373F-AF2E-4907-B442-9F902B387FD0}"/>
+                <a16:creationId xmlns="" xmlns:a16="http://schemas.microsoft.com/office/drawing/2014/main" id="{B547373F-AF2E-4907-B442-9F902B387FD0}"/>
               </a:ext>
               <a:ext uri="{C183D7F6-B498-43B3-948B-1728B52AA6E4}">
-                <adec:decorative xmlns:adec="http://schemas.microsoft.com/office/drawing/2017/decorative" xmlns="" val="1"/>
+                <adec:decorative xmlns="" xmlns:adec="http://schemas.microsoft.com/office/drawing/2017/decorative" val="1"/>
               </a:ext>
             </a:extLst>
           </p:cNvPr>
@@ -24839,7 +23580,7 @@
           <p:nvPr>
             <p:extLst>
               <p:ext uri="{386F3935-93C4-4BCD-93E2-E3B085C9AB24}">
-                <p16:designElem xmlns:p16="http://schemas.microsoft.com/office/powerpoint/2015/main" xmlns="" val="1"/>
+                <p16:designElem xmlns="" xmlns:p16="http://schemas.microsoft.com/office/powerpoint/2015/main" val="1"/>
               </p:ext>
             </p:extLst>
           </p:nvPr>
@@ -24895,7 +23636,7 @@
           <p:cNvPr id="111" name="Inhaltsplatzhalter 2">
             <a:extLst>
               <a:ext uri="{FF2B5EF4-FFF2-40B4-BE49-F238E27FC236}">
-                <a16:creationId xmlns:a16="http://schemas.microsoft.com/office/drawing/2014/main" xmlns="" id="{DFED6985-E05C-5442-8D81-240D91D1C65A}"/>
+                <a16:creationId xmlns="" xmlns:a16="http://schemas.microsoft.com/office/drawing/2014/main" id="{DFED6985-E05C-5442-8D81-240D91D1C65A}"/>
               </a:ext>
             </a:extLst>
           </p:cNvPr>
@@ -25098,7 +23839,7 @@
           <p:cNvPr id="15" name="Grafik 14">
             <a:extLst>
               <a:ext uri="{FF2B5EF4-FFF2-40B4-BE49-F238E27FC236}">
-                <a16:creationId xmlns:a16="http://schemas.microsoft.com/office/drawing/2014/main" xmlns="" id="{4E790222-7184-4E46-858C-49DFA0B66F2F}"/>
+                <a16:creationId xmlns="" xmlns:a16="http://schemas.microsoft.com/office/drawing/2014/main" id="{4E790222-7184-4E46-858C-49DFA0B66F2F}"/>
               </a:ext>
             </a:extLst>
           </p:cNvPr>
@@ -25134,7 +23875,7 @@
           <p:cNvPr id="6" name="Titel 5">
             <a:extLst>
               <a:ext uri="{FF2B5EF4-FFF2-40B4-BE49-F238E27FC236}">
-                <a16:creationId xmlns:a16="http://schemas.microsoft.com/office/drawing/2014/main" xmlns="" id="{97D4CC26-A6D9-44D5-BE51-0167991D4E18}"/>
+                <a16:creationId xmlns="" xmlns:a16="http://schemas.microsoft.com/office/drawing/2014/main" id="{97D4CC26-A6D9-44D5-BE51-0167991D4E18}"/>
               </a:ext>
             </a:extLst>
           </p:cNvPr>
@@ -25175,7 +23916,7 @@
           <p:cNvPr id="3" name="Rechteck 2">
             <a:extLst>
               <a:ext uri="{FF2B5EF4-FFF2-40B4-BE49-F238E27FC236}">
-                <a16:creationId xmlns:a16="http://schemas.microsoft.com/office/drawing/2014/main" xmlns="" id="{19A7C4E9-FD6A-48B1-89D8-C2A2C99357D4}"/>
+                <a16:creationId xmlns="" xmlns:a16="http://schemas.microsoft.com/office/drawing/2014/main" id="{19A7C4E9-FD6A-48B1-89D8-C2A2C99357D4}"/>
               </a:ext>
             </a:extLst>
           </p:cNvPr>
@@ -25257,10 +23998,10 @@
           <p:cNvPr id="116" name="Down Arrow 7">
             <a:extLst>
               <a:ext uri="{FF2B5EF4-FFF2-40B4-BE49-F238E27FC236}">
-                <a16:creationId xmlns:a16="http://schemas.microsoft.com/office/drawing/2014/main" xmlns="" id="{B547373F-AF2E-4907-B442-9F902B387FD0}"/>
+                <a16:creationId xmlns="" xmlns:a16="http://schemas.microsoft.com/office/drawing/2014/main" id="{B547373F-AF2E-4907-B442-9F902B387FD0}"/>
               </a:ext>
               <a:ext uri="{C183D7F6-B498-43B3-948B-1728B52AA6E4}">
-                <adec:decorative xmlns:adec="http://schemas.microsoft.com/office/drawing/2017/decorative" xmlns="" val="1"/>
+                <adec:decorative xmlns="" xmlns:adec="http://schemas.microsoft.com/office/drawing/2017/decorative" val="1"/>
               </a:ext>
             </a:extLst>
           </p:cNvPr>
@@ -25270,7 +24011,7 @@
           <p:nvPr>
             <p:extLst>
               <p:ext uri="{386F3935-93C4-4BCD-93E2-E3B085C9AB24}">
-                <p16:designElem xmlns:p16="http://schemas.microsoft.com/office/powerpoint/2015/main" xmlns="" val="1"/>
+                <p16:designElem xmlns="" xmlns:p16="http://schemas.microsoft.com/office/powerpoint/2015/main" val="1"/>
               </p:ext>
             </p:extLst>
           </p:nvPr>
@@ -25326,7 +24067,7 @@
           <p:cNvPr id="111" name="Inhaltsplatzhalter 2">
             <a:extLst>
               <a:ext uri="{FF2B5EF4-FFF2-40B4-BE49-F238E27FC236}">
-                <a16:creationId xmlns:a16="http://schemas.microsoft.com/office/drawing/2014/main" xmlns="" id="{DFED6985-E05C-5442-8D81-240D91D1C65A}"/>
+                <a16:creationId xmlns="" xmlns:a16="http://schemas.microsoft.com/office/drawing/2014/main" id="{DFED6985-E05C-5442-8D81-240D91D1C65A}"/>
               </a:ext>
             </a:extLst>
           </p:cNvPr>
@@ -25529,7 +24270,7 @@
           <p:cNvPr id="7" name="Grafik 6">
             <a:extLst>
               <a:ext uri="{FF2B5EF4-FFF2-40B4-BE49-F238E27FC236}">
-                <a16:creationId xmlns:a16="http://schemas.microsoft.com/office/drawing/2014/main" xmlns="" id="{02DD65C2-4B20-4D5C-AFF8-12C63A2AF6F5}"/>
+                <a16:creationId xmlns="" xmlns:a16="http://schemas.microsoft.com/office/drawing/2014/main" id="{02DD65C2-4B20-4D5C-AFF8-12C63A2AF6F5}"/>
               </a:ext>
             </a:extLst>
           </p:cNvPr>
@@ -25565,7 +24306,7 @@
           <p:cNvPr id="6" name="Titel 5">
             <a:extLst>
               <a:ext uri="{FF2B5EF4-FFF2-40B4-BE49-F238E27FC236}">
-                <a16:creationId xmlns:a16="http://schemas.microsoft.com/office/drawing/2014/main" xmlns="" id="{97D4CC26-A6D9-44D5-BE51-0167991D4E18}"/>
+                <a16:creationId xmlns="" xmlns:a16="http://schemas.microsoft.com/office/drawing/2014/main" id="{97D4CC26-A6D9-44D5-BE51-0167991D4E18}"/>
               </a:ext>
             </a:extLst>
           </p:cNvPr>
@@ -25637,7 +24378,7 @@
           <p:cNvPr id="8" name="Diagramm 7">
             <a:extLst>
               <a:ext uri="{FF2B5EF4-FFF2-40B4-BE49-F238E27FC236}">
-                <a16:creationId xmlns:a16="http://schemas.microsoft.com/office/drawing/2014/main" xmlns="" id="{2BCA650B-8BCC-4BDE-BF12-505EF24ECB0A}"/>
+                <a16:creationId xmlns="" xmlns:a16="http://schemas.microsoft.com/office/drawing/2014/main" id="{2BCA650B-8BCC-4BDE-BF12-505EF24ECB0A}"/>
               </a:ext>
             </a:extLst>
           </p:cNvPr>
@@ -25665,7 +24406,7 @@
           <p:cNvPr id="9" name="Textfeld 8">
             <a:extLst>
               <a:ext uri="{FF2B5EF4-FFF2-40B4-BE49-F238E27FC236}">
-                <a16:creationId xmlns:a16="http://schemas.microsoft.com/office/drawing/2014/main" xmlns="" id="{3AD15615-715B-4D9F-94F6-D4663A63AB4C}"/>
+                <a16:creationId xmlns="" xmlns:a16="http://schemas.microsoft.com/office/drawing/2014/main" id="{3AD15615-715B-4D9F-94F6-D4663A63AB4C}"/>
               </a:ext>
             </a:extLst>
           </p:cNvPr>
@@ -25728,7 +24469,7 @@
           <p:cNvPr id="13" name="Textfeld 12">
             <a:extLst>
               <a:ext uri="{FF2B5EF4-FFF2-40B4-BE49-F238E27FC236}">
-                <a16:creationId xmlns:a16="http://schemas.microsoft.com/office/drawing/2014/main" xmlns="" id="{591888E5-B5CC-424E-A07C-1BB2DB7CAF62}"/>
+                <a16:creationId xmlns="" xmlns:a16="http://schemas.microsoft.com/office/drawing/2014/main" id="{591888E5-B5CC-424E-A07C-1BB2DB7CAF62}"/>
               </a:ext>
             </a:extLst>
           </p:cNvPr>
@@ -25797,7 +24538,7 @@
           <p:cNvPr id="14" name="Textfeld 13">
             <a:extLst>
               <a:ext uri="{FF2B5EF4-FFF2-40B4-BE49-F238E27FC236}">
-                <a16:creationId xmlns:a16="http://schemas.microsoft.com/office/drawing/2014/main" xmlns="" id="{D39FEB12-8483-43CD-85D2-932A3800ADF2}"/>
+                <a16:creationId xmlns="" xmlns:a16="http://schemas.microsoft.com/office/drawing/2014/main" id="{D39FEB12-8483-43CD-85D2-932A3800ADF2}"/>
               </a:ext>
             </a:extLst>
           </p:cNvPr>
@@ -25905,10 +24646,10 @@
           <p:cNvPr id="8" name="Down Arrow 7">
             <a:extLst>
               <a:ext uri="{FF2B5EF4-FFF2-40B4-BE49-F238E27FC236}">
-                <a16:creationId xmlns:a16="http://schemas.microsoft.com/office/drawing/2014/main" xmlns="" id="{B547373F-AF2E-4907-B442-9F902B387FD0}"/>
+                <a16:creationId xmlns="" xmlns:a16="http://schemas.microsoft.com/office/drawing/2014/main" id="{B547373F-AF2E-4907-B442-9F902B387FD0}"/>
               </a:ext>
               <a:ext uri="{C183D7F6-B498-43B3-948B-1728B52AA6E4}">
-                <adec:decorative xmlns:adec="http://schemas.microsoft.com/office/drawing/2017/decorative" xmlns="" val="1"/>
+                <adec:decorative xmlns="" xmlns:adec="http://schemas.microsoft.com/office/drawing/2017/decorative" val="1"/>
               </a:ext>
             </a:extLst>
           </p:cNvPr>
@@ -25918,7 +24659,7 @@
           <p:nvPr>
             <p:extLst>
               <p:ext uri="{386F3935-93C4-4BCD-93E2-E3B085C9AB24}">
-                <p16:designElem xmlns:p16="http://schemas.microsoft.com/office/powerpoint/2015/main" xmlns="" val="1"/>
+                <p16:designElem xmlns="" xmlns:p16="http://schemas.microsoft.com/office/powerpoint/2015/main" val="1"/>
               </p:ext>
             </p:extLst>
           </p:nvPr>
@@ -25974,7 +24715,7 @@
           <p:cNvPr id="3" name="Grafik 2">
             <a:extLst>
               <a:ext uri="{FF2B5EF4-FFF2-40B4-BE49-F238E27FC236}">
-                <a16:creationId xmlns:a16="http://schemas.microsoft.com/office/drawing/2014/main" xmlns="" id="{8B863EA1-EC9E-4D18-8114-CAE5B0861FB0}"/>
+                <a16:creationId xmlns="" xmlns:a16="http://schemas.microsoft.com/office/drawing/2014/main" id="{8B863EA1-EC9E-4D18-8114-CAE5B0861FB0}"/>
               </a:ext>
             </a:extLst>
           </p:cNvPr>
@@ -26010,7 +24751,7 @@
           <p:cNvPr id="2" name="Titel 1">
             <a:extLst>
               <a:ext uri="{FF2B5EF4-FFF2-40B4-BE49-F238E27FC236}">
-                <a16:creationId xmlns:a16="http://schemas.microsoft.com/office/drawing/2014/main" xmlns="" id="{2739BE3E-CAB9-4698-9CD4-9384CBCC5931}"/>
+                <a16:creationId xmlns="" xmlns:a16="http://schemas.microsoft.com/office/drawing/2014/main" id="{2739BE3E-CAB9-4698-9CD4-9384CBCC5931}"/>
               </a:ext>
             </a:extLst>
           </p:cNvPr>
@@ -26051,7 +24792,7 @@
           <p:cNvPr id="5" name="Grafik 4">
             <a:extLst>
               <a:ext uri="{FF2B5EF4-FFF2-40B4-BE49-F238E27FC236}">
-                <a16:creationId xmlns:a16="http://schemas.microsoft.com/office/drawing/2014/main" xmlns="" id="{32ECBE6A-7A06-4927-BCCF-8C3D8BF52C8D}"/>
+                <a16:creationId xmlns="" xmlns:a16="http://schemas.microsoft.com/office/drawing/2014/main" id="{32ECBE6A-7A06-4927-BCCF-8C3D8BF52C8D}"/>
               </a:ext>
             </a:extLst>
           </p:cNvPr>
@@ -26087,7 +24828,7 @@
           <p:cNvPr id="7" name="Grafik 6">
             <a:extLst>
               <a:ext uri="{FF2B5EF4-FFF2-40B4-BE49-F238E27FC236}">
-                <a16:creationId xmlns:a16="http://schemas.microsoft.com/office/drawing/2014/main" xmlns="" id="{8F7E4830-E8F6-44F8-9122-299794812174}"/>
+                <a16:creationId xmlns="" xmlns:a16="http://schemas.microsoft.com/office/drawing/2014/main" id="{8F7E4830-E8F6-44F8-9122-299794812174}"/>
               </a:ext>
             </a:extLst>
           </p:cNvPr>
@@ -26123,7 +24864,7 @@
           <p:cNvPr id="10" name="Grafik 9">
             <a:extLst>
               <a:ext uri="{FF2B5EF4-FFF2-40B4-BE49-F238E27FC236}">
-                <a16:creationId xmlns:a16="http://schemas.microsoft.com/office/drawing/2014/main" xmlns="" id="{5178916D-806C-47BA-89DC-539BF3BF4EDA}"/>
+                <a16:creationId xmlns="" xmlns:a16="http://schemas.microsoft.com/office/drawing/2014/main" id="{5178916D-806C-47BA-89DC-539BF3BF4EDA}"/>
               </a:ext>
             </a:extLst>
           </p:cNvPr>
@@ -26159,7 +24900,7 @@
           <p:cNvPr id="12" name="Grafik 11">
             <a:extLst>
               <a:ext uri="{FF2B5EF4-FFF2-40B4-BE49-F238E27FC236}">
-                <a16:creationId xmlns:a16="http://schemas.microsoft.com/office/drawing/2014/main" xmlns="" id="{FB91FBAE-C7A1-458C-974F-7F81AA8FF59E}"/>
+                <a16:creationId xmlns="" xmlns:a16="http://schemas.microsoft.com/office/drawing/2014/main" id="{FB91FBAE-C7A1-458C-974F-7F81AA8FF59E}"/>
               </a:ext>
             </a:extLst>
           </p:cNvPr>
@@ -26195,7 +24936,7 @@
           <p:cNvPr id="14" name="Grafik 13">
             <a:extLst>
               <a:ext uri="{FF2B5EF4-FFF2-40B4-BE49-F238E27FC236}">
-                <a16:creationId xmlns:a16="http://schemas.microsoft.com/office/drawing/2014/main" xmlns="" id="{56B5F0AE-F5C8-41E2-8A7B-0500501AA60D}"/>
+                <a16:creationId xmlns="" xmlns:a16="http://schemas.microsoft.com/office/drawing/2014/main" id="{56B5F0AE-F5C8-41E2-8A7B-0500501AA60D}"/>
               </a:ext>
             </a:extLst>
           </p:cNvPr>
@@ -26231,7 +24972,7 @@
           <p:cNvPr id="21" name="Grafik 20">
             <a:extLst>
               <a:ext uri="{FF2B5EF4-FFF2-40B4-BE49-F238E27FC236}">
-                <a16:creationId xmlns:a16="http://schemas.microsoft.com/office/drawing/2014/main" xmlns="" id="{56BAACDF-55AC-4B52-9D4B-A127210D7558}"/>
+                <a16:creationId xmlns="" xmlns:a16="http://schemas.microsoft.com/office/drawing/2014/main" id="{56BAACDF-55AC-4B52-9D4B-A127210D7558}"/>
               </a:ext>
             </a:extLst>
           </p:cNvPr>
@@ -26267,7 +25008,7 @@
           <p:cNvPr id="23" name="Grafik 22">
             <a:extLst>
               <a:ext uri="{FF2B5EF4-FFF2-40B4-BE49-F238E27FC236}">
-                <a16:creationId xmlns:a16="http://schemas.microsoft.com/office/drawing/2014/main" xmlns="" id="{2E393EE1-69FA-453E-99C1-EB0A7F376423}"/>
+                <a16:creationId xmlns="" xmlns:a16="http://schemas.microsoft.com/office/drawing/2014/main" id="{2E393EE1-69FA-453E-99C1-EB0A7F376423}"/>
               </a:ext>
             </a:extLst>
           </p:cNvPr>
@@ -26303,7 +25044,7 @@
           <p:cNvPr id="26" name="Grafik 25">
             <a:extLst>
               <a:ext uri="{FF2B5EF4-FFF2-40B4-BE49-F238E27FC236}">
-                <a16:creationId xmlns:a16="http://schemas.microsoft.com/office/drawing/2014/main" xmlns="" id="{8DD9CBBF-BFB2-4104-BF73-DEDFA863E61F}"/>
+                <a16:creationId xmlns="" xmlns:a16="http://schemas.microsoft.com/office/drawing/2014/main" id="{8DD9CBBF-BFB2-4104-BF73-DEDFA863E61F}"/>
               </a:ext>
             </a:extLst>
           </p:cNvPr>
@@ -26319,7 +25060,7 @@
                 <a14:useLocalDpi xmlns:a14="http://schemas.microsoft.com/office/drawing/2010/main" val="0"/>
               </a:ext>
               <a:ext uri="{96DAC541-7B7A-43D3-8B79-37D633B846F1}">
-                <asvg:svgBlip xmlns:asvg="http://schemas.microsoft.com/office/drawing/2016/SVG/main" xmlns="" r:embed="rId12"/>
+                <asvg:svgBlip xmlns="" xmlns:asvg="http://schemas.microsoft.com/office/drawing/2016/SVG/main" r:embed="rId12"/>
               </a:ext>
             </a:extLst>
           </a:blip>
@@ -26342,7 +25083,7 @@
           <p:cNvPr id="27" name="Grafik 26">
             <a:extLst>
               <a:ext uri="{FF2B5EF4-FFF2-40B4-BE49-F238E27FC236}">
-                <a16:creationId xmlns:a16="http://schemas.microsoft.com/office/drawing/2014/main" xmlns="" id="{2164046B-0C86-49B3-9FDB-3FD130BAB91E}"/>
+                <a16:creationId xmlns="" xmlns:a16="http://schemas.microsoft.com/office/drawing/2014/main" id="{2164046B-0C86-49B3-9FDB-3FD130BAB91E}"/>
               </a:ext>
             </a:extLst>
           </p:cNvPr>
@@ -26423,10 +25164,10 @@
           <p:cNvPr id="18" name="Down Arrow 7">
             <a:extLst>
               <a:ext uri="{FF2B5EF4-FFF2-40B4-BE49-F238E27FC236}">
-                <a16:creationId xmlns:a16="http://schemas.microsoft.com/office/drawing/2014/main" xmlns="" id="{B547373F-AF2E-4907-B442-9F902B387FD0}"/>
+                <a16:creationId xmlns="" xmlns:a16="http://schemas.microsoft.com/office/drawing/2014/main" id="{B547373F-AF2E-4907-B442-9F902B387FD0}"/>
               </a:ext>
               <a:ext uri="{C183D7F6-B498-43B3-948B-1728B52AA6E4}">
-                <adec:decorative xmlns:adec="http://schemas.microsoft.com/office/drawing/2017/decorative" xmlns="" val="1"/>
+                <adec:decorative xmlns="" xmlns:adec="http://schemas.microsoft.com/office/drawing/2017/decorative" val="1"/>
               </a:ext>
             </a:extLst>
           </p:cNvPr>
@@ -26436,7 +25177,7 @@
           <p:nvPr>
             <p:extLst>
               <p:ext uri="{386F3935-93C4-4BCD-93E2-E3B085C9AB24}">
-                <p16:designElem xmlns:p16="http://schemas.microsoft.com/office/powerpoint/2015/main" xmlns="" val="1"/>
+                <p16:designElem xmlns="" xmlns:p16="http://schemas.microsoft.com/office/powerpoint/2015/main" val="1"/>
               </p:ext>
             </p:extLst>
           </p:nvPr>
@@ -26492,7 +25233,7 @@
           <p:cNvPr id="13" name="Grafik 12">
             <a:extLst>
               <a:ext uri="{FF2B5EF4-FFF2-40B4-BE49-F238E27FC236}">
-                <a16:creationId xmlns:a16="http://schemas.microsoft.com/office/drawing/2014/main" xmlns="" id="{02F1C736-63AE-4F60-8F61-A3513E043B90}"/>
+                <a16:creationId xmlns="" xmlns:a16="http://schemas.microsoft.com/office/drawing/2014/main" id="{02F1C736-63AE-4F60-8F61-A3513E043B90}"/>
               </a:ext>
             </a:extLst>
           </p:cNvPr>
@@ -26528,7 +25269,7 @@
           <p:cNvPr id="2" name="Titel 1">
             <a:extLst>
               <a:ext uri="{FF2B5EF4-FFF2-40B4-BE49-F238E27FC236}">
-                <a16:creationId xmlns:a16="http://schemas.microsoft.com/office/drawing/2014/main" xmlns="" id="{2739BE3E-CAB9-4698-9CD4-9384CBCC5931}"/>
+                <a16:creationId xmlns="" xmlns:a16="http://schemas.microsoft.com/office/drawing/2014/main" id="{2739BE3E-CAB9-4698-9CD4-9384CBCC5931}"/>
               </a:ext>
             </a:extLst>
           </p:cNvPr>
@@ -26569,7 +25310,7 @@
           <p:cNvPr id="15" name="Inhaltsplatzhalter 2">
             <a:extLst>
               <a:ext uri="{FF2B5EF4-FFF2-40B4-BE49-F238E27FC236}">
-                <a16:creationId xmlns:a16="http://schemas.microsoft.com/office/drawing/2014/main" xmlns="" id="{89328C25-18F8-8142-A5F6-5B72AD373859}"/>
+                <a16:creationId xmlns="" xmlns:a16="http://schemas.microsoft.com/office/drawing/2014/main" id="{89328C25-18F8-8142-A5F6-5B72AD373859}"/>
               </a:ext>
             </a:extLst>
           </p:cNvPr>
@@ -26777,7 +25518,7 @@
           <p:cNvPr id="16" name="Inhaltsplatzhalter 3">
             <a:extLst>
               <a:ext uri="{FF2B5EF4-FFF2-40B4-BE49-F238E27FC236}">
-                <a16:creationId xmlns:a16="http://schemas.microsoft.com/office/drawing/2014/main" xmlns="" id="{FDF25EE8-13FA-EE43-A5CA-42A794804D4D}"/>
+                <a16:creationId xmlns="" xmlns:a16="http://schemas.microsoft.com/office/drawing/2014/main" id="{FDF25EE8-13FA-EE43-A5CA-42A794804D4D}"/>
               </a:ext>
             </a:extLst>
           </p:cNvPr>
@@ -26986,7 +25727,7 @@
           <p:cNvPr id="17" name="Grafik 16">
             <a:extLst>
               <a:ext uri="{FF2B5EF4-FFF2-40B4-BE49-F238E27FC236}">
-                <a16:creationId xmlns:a16="http://schemas.microsoft.com/office/drawing/2014/main" xmlns="" id="{A29152AD-7686-425C-BF18-79A25701FB37}"/>
+                <a16:creationId xmlns="" xmlns:a16="http://schemas.microsoft.com/office/drawing/2014/main" id="{A29152AD-7686-425C-BF18-79A25701FB37}"/>
               </a:ext>
             </a:extLst>
           </p:cNvPr>
@@ -27022,7 +25763,7 @@
           <p:cNvPr id="6" name="Grafik 5">
             <a:extLst>
               <a:ext uri="{FF2B5EF4-FFF2-40B4-BE49-F238E27FC236}">
-                <a16:creationId xmlns:a16="http://schemas.microsoft.com/office/drawing/2014/main" xmlns="" id="{465EA0E6-FE78-41E6-86C3-442BF8FEEA3C}"/>
+                <a16:creationId xmlns="" xmlns:a16="http://schemas.microsoft.com/office/drawing/2014/main" id="{465EA0E6-FE78-41E6-86C3-442BF8FEEA3C}"/>
               </a:ext>
             </a:extLst>
           </p:cNvPr>
@@ -27058,7 +25799,7 @@
           <p:cNvPr id="11" name="Gerader Verbinder 10">
             <a:extLst>
               <a:ext uri="{FF2B5EF4-FFF2-40B4-BE49-F238E27FC236}">
-                <a16:creationId xmlns:a16="http://schemas.microsoft.com/office/drawing/2014/main" xmlns="" id="{A1DDB840-F678-45E8-92E4-4139E5DAAEBB}"/>
+                <a16:creationId xmlns="" xmlns:a16="http://schemas.microsoft.com/office/drawing/2014/main" id="{A1DDB840-F678-45E8-92E4-4139E5DAAEBB}"/>
               </a:ext>
             </a:extLst>
           </p:cNvPr>
@@ -27101,7 +25842,7 @@
           <p:cNvPr id="22" name="Gerader Verbinder 21">
             <a:extLst>
               <a:ext uri="{FF2B5EF4-FFF2-40B4-BE49-F238E27FC236}">
-                <a16:creationId xmlns:a16="http://schemas.microsoft.com/office/drawing/2014/main" xmlns="" id="{CA78EB08-02B4-4F2A-9FD1-844B8C72D4FF}"/>
+                <a16:creationId xmlns="" xmlns:a16="http://schemas.microsoft.com/office/drawing/2014/main" id="{CA78EB08-02B4-4F2A-9FD1-844B8C72D4FF}"/>
               </a:ext>
             </a:extLst>
           </p:cNvPr>
@@ -27145,7 +25886,7 @@
           <p:cNvPr id="20" name="Textfeld 19">
             <a:extLst>
               <a:ext uri="{FF2B5EF4-FFF2-40B4-BE49-F238E27FC236}">
-                <a16:creationId xmlns:a16="http://schemas.microsoft.com/office/drawing/2014/main" xmlns="" id="{4872F49E-A9FC-417D-BCDD-3EB35A157173}"/>
+                <a16:creationId xmlns="" xmlns:a16="http://schemas.microsoft.com/office/drawing/2014/main" id="{4872F49E-A9FC-417D-BCDD-3EB35A157173}"/>
               </a:ext>
             </a:extLst>
           </p:cNvPr>
@@ -27215,7 +25956,7 @@
           <p:cNvPr id="24" name="Textfeld 23">
             <a:extLst>
               <a:ext uri="{FF2B5EF4-FFF2-40B4-BE49-F238E27FC236}">
-                <a16:creationId xmlns:a16="http://schemas.microsoft.com/office/drawing/2014/main" xmlns="" id="{AEF824A0-5E1F-4DDB-9FBA-CE70BED6837E}"/>
+                <a16:creationId xmlns="" xmlns:a16="http://schemas.microsoft.com/office/drawing/2014/main" id="{AEF824A0-5E1F-4DDB-9FBA-CE70BED6837E}"/>
               </a:ext>
             </a:extLst>
           </p:cNvPr>
@@ -27265,7 +26006,7 @@
           <p:cNvPr id="25" name="Textfeld 24">
             <a:extLst>
               <a:ext uri="{FF2B5EF4-FFF2-40B4-BE49-F238E27FC236}">
-                <a16:creationId xmlns:a16="http://schemas.microsoft.com/office/drawing/2014/main" xmlns="" id="{763B1073-583C-4391-8BB7-4A2F84DE7CF5}"/>
+                <a16:creationId xmlns="" xmlns:a16="http://schemas.microsoft.com/office/drawing/2014/main" id="{763B1073-583C-4391-8BB7-4A2F84DE7CF5}"/>
               </a:ext>
             </a:extLst>
           </p:cNvPr>
@@ -27321,7 +26062,7 @@
           <p:cNvPr id="26" name="Textfeld 25">
             <a:extLst>
               <a:ext uri="{FF2B5EF4-FFF2-40B4-BE49-F238E27FC236}">
-                <a16:creationId xmlns:a16="http://schemas.microsoft.com/office/drawing/2014/main" xmlns="" id="{396AF99D-6D7B-4039-A2F9-1632A711FFC7}"/>
+                <a16:creationId xmlns="" xmlns:a16="http://schemas.microsoft.com/office/drawing/2014/main" id="{396AF99D-6D7B-4039-A2F9-1632A711FFC7}"/>
               </a:ext>
             </a:extLst>
           </p:cNvPr>
@@ -27370,11 +26111,7 @@
             </a:pPr>
             <a:r>
               <a:rPr lang="de-DE" dirty="0" smtClean="0"/>
-              <a:t>So gut </a:t>
-            </a:r>
-            <a:r>
-              <a:rPr lang="de-DE" dirty="0" smtClean="0"/>
-              <a:t>wie keine Erfahrung</a:t>
+              <a:t>So gut wie keine Erfahrung</a:t>
             </a:r>
             <a:endParaRPr lang="de-DE" dirty="0"/>
           </a:p>
@@ -27433,10 +26170,10 @@
           <p:cNvPr id="40" name="Freeform: Shape 39">
             <a:extLst>
               <a:ext uri="{FF2B5EF4-FFF2-40B4-BE49-F238E27FC236}">
-                <a16:creationId xmlns:a16="http://schemas.microsoft.com/office/drawing/2014/main" xmlns="" id="{E26B9EF5-5D92-4AC7-BC55-FC5C4C98ED4C}"/>
+                <a16:creationId xmlns="" xmlns:a16="http://schemas.microsoft.com/office/drawing/2014/main" id="{E26B9EF5-5D92-4AC7-BC55-FC5C4C98ED4C}"/>
               </a:ext>
               <a:ext uri="{C183D7F6-B498-43B3-948B-1728B52AA6E4}">
-                <adec:decorative xmlns:adec="http://schemas.microsoft.com/office/drawing/2017/decorative" xmlns="" val="1"/>
+                <adec:decorative xmlns="" xmlns:adec="http://schemas.microsoft.com/office/drawing/2017/decorative" val="1"/>
               </a:ext>
             </a:extLst>
           </p:cNvPr>
@@ -27446,7 +26183,7 @@
           <p:nvPr>
             <p:extLst>
               <p:ext uri="{386F3935-93C4-4BCD-93E2-E3B085C9AB24}">
-                <p16:designElem xmlns:p16="http://schemas.microsoft.com/office/powerpoint/2015/main" xmlns="" val="1"/>
+                <p16:designElem xmlns="" xmlns:p16="http://schemas.microsoft.com/office/powerpoint/2015/main" val="1"/>
               </p:ext>
             </p:extLst>
           </p:nvPr>
@@ -27602,10 +26339,10 @@
           <p:cNvPr id="42" name="Freeform: Shape 41">
             <a:extLst>
               <a:ext uri="{FF2B5EF4-FFF2-40B4-BE49-F238E27FC236}">
-                <a16:creationId xmlns:a16="http://schemas.microsoft.com/office/drawing/2014/main" xmlns="" id="{F05C5575-0F07-43D0-AE78-81EAA8E67152}"/>
+                <a16:creationId xmlns="" xmlns:a16="http://schemas.microsoft.com/office/drawing/2014/main" id="{F05C5575-0F07-43D0-AE78-81EAA8E67152}"/>
               </a:ext>
               <a:ext uri="{C183D7F6-B498-43B3-948B-1728B52AA6E4}">
-                <adec:decorative xmlns:adec="http://schemas.microsoft.com/office/drawing/2017/decorative" xmlns="" val="1"/>
+                <adec:decorative xmlns="" xmlns:adec="http://schemas.microsoft.com/office/drawing/2017/decorative" val="1"/>
               </a:ext>
             </a:extLst>
           </p:cNvPr>
@@ -27615,7 +26352,7 @@
           <p:nvPr>
             <p:extLst>
               <p:ext uri="{386F3935-93C4-4BCD-93E2-E3B085C9AB24}">
-                <p16:designElem xmlns:p16="http://schemas.microsoft.com/office/powerpoint/2015/main" xmlns="" val="1"/>
+                <p16:designElem xmlns="" xmlns:p16="http://schemas.microsoft.com/office/powerpoint/2015/main" val="1"/>
               </p:ext>
             </p:extLst>
           </p:nvPr>
@@ -27777,10 +26514,10 @@
           <p:cNvPr id="44" name="Freeform: Shape 43">
             <a:extLst>
               <a:ext uri="{FF2B5EF4-FFF2-40B4-BE49-F238E27FC236}">
-                <a16:creationId xmlns:a16="http://schemas.microsoft.com/office/drawing/2014/main" xmlns="" id="{CED520D6-8B57-4047-BB5F-2BE1017B2A0D}"/>
+                <a16:creationId xmlns="" xmlns:a16="http://schemas.microsoft.com/office/drawing/2014/main" id="{CED520D6-8B57-4047-BB5F-2BE1017B2A0D}"/>
               </a:ext>
               <a:ext uri="{C183D7F6-B498-43B3-948B-1728B52AA6E4}">
-                <adec:decorative xmlns:adec="http://schemas.microsoft.com/office/drawing/2017/decorative" xmlns="" val="1"/>
+                <adec:decorative xmlns="" xmlns:adec="http://schemas.microsoft.com/office/drawing/2017/decorative" val="1"/>
               </a:ext>
             </a:extLst>
           </p:cNvPr>
@@ -27790,7 +26527,7 @@
           <p:nvPr>
             <p:extLst>
               <p:ext uri="{386F3935-93C4-4BCD-93E2-E3B085C9AB24}">
-                <p16:designElem xmlns:p16="http://schemas.microsoft.com/office/powerpoint/2015/main" xmlns="" val="1"/>
+                <p16:designElem xmlns="" xmlns:p16="http://schemas.microsoft.com/office/powerpoint/2015/main" val="1"/>
               </p:ext>
             </p:extLst>
           </p:nvPr>
@@ -27944,10 +26681,10 @@
           <p:cNvPr id="46" name="Freeform: Shape 45">
             <a:extLst>
               <a:ext uri="{FF2B5EF4-FFF2-40B4-BE49-F238E27FC236}">
-                <a16:creationId xmlns:a16="http://schemas.microsoft.com/office/drawing/2014/main" xmlns="" id="{C7583227-44AB-4ECD-AD51-9EC7A5A3E5F1}"/>
+                <a16:creationId xmlns="" xmlns:a16="http://schemas.microsoft.com/office/drawing/2014/main" id="{C7583227-44AB-4ECD-AD51-9EC7A5A3E5F1}"/>
               </a:ext>
               <a:ext uri="{C183D7F6-B498-43B3-948B-1728B52AA6E4}">
-                <adec:decorative xmlns:adec="http://schemas.microsoft.com/office/drawing/2017/decorative" xmlns="" val="1"/>
+                <adec:decorative xmlns="" xmlns:adec="http://schemas.microsoft.com/office/drawing/2017/decorative" val="1"/>
               </a:ext>
             </a:extLst>
           </p:cNvPr>
@@ -27957,7 +26694,7 @@
           <p:nvPr>
             <p:extLst>
               <p:ext uri="{386F3935-93C4-4BCD-93E2-E3B085C9AB24}">
-                <p16:designElem xmlns:p16="http://schemas.microsoft.com/office/powerpoint/2015/main" xmlns="" val="1"/>
+                <p16:designElem xmlns="" xmlns:p16="http://schemas.microsoft.com/office/powerpoint/2015/main" val="1"/>
               </p:ext>
             </p:extLst>
           </p:nvPr>
@@ -28117,7 +26854,7 @@
           <p:cNvPr id="27" name="Grafik 26">
             <a:extLst>
               <a:ext uri="{FF2B5EF4-FFF2-40B4-BE49-F238E27FC236}">
-                <a16:creationId xmlns:a16="http://schemas.microsoft.com/office/drawing/2014/main" xmlns="" id="{B4331BEA-8EFC-4054-815F-612B45013652}"/>
+                <a16:creationId xmlns="" xmlns:a16="http://schemas.microsoft.com/office/drawing/2014/main" id="{B4331BEA-8EFC-4054-815F-612B45013652}"/>
               </a:ext>
             </a:extLst>
           </p:cNvPr>
@@ -28152,7 +26889,7 @@
           <p:cNvPr id="35" name="Grafik 34">
             <a:extLst>
               <a:ext uri="{FF2B5EF4-FFF2-40B4-BE49-F238E27FC236}">
-                <a16:creationId xmlns:a16="http://schemas.microsoft.com/office/drawing/2014/main" xmlns="" id="{B47371F8-6314-47CB-B661-FC1E02F2A477}"/>
+                <a16:creationId xmlns="" xmlns:a16="http://schemas.microsoft.com/office/drawing/2014/main" id="{B47371F8-6314-47CB-B661-FC1E02F2A477}"/>
               </a:ext>
             </a:extLst>
           </p:cNvPr>
@@ -28188,7 +26925,7 @@
           <p:cNvPr id="3" name="Grafik 2">
             <a:extLst>
               <a:ext uri="{FF2B5EF4-FFF2-40B4-BE49-F238E27FC236}">
-                <a16:creationId xmlns:a16="http://schemas.microsoft.com/office/drawing/2014/main" xmlns="" id="{407975D7-572E-4F68-B98D-313E5A7CEBF1}"/>
+                <a16:creationId xmlns="" xmlns:a16="http://schemas.microsoft.com/office/drawing/2014/main" id="{407975D7-572E-4F68-B98D-313E5A7CEBF1}"/>
               </a:ext>
             </a:extLst>
           </p:cNvPr>
@@ -28224,7 +26961,7 @@
           <p:cNvPr id="2" name="Titel 1">
             <a:extLst>
               <a:ext uri="{FF2B5EF4-FFF2-40B4-BE49-F238E27FC236}">
-                <a16:creationId xmlns:a16="http://schemas.microsoft.com/office/drawing/2014/main" xmlns="" id="{8D58B844-212D-4BF7-8322-79AFF8D0780A}"/>
+                <a16:creationId xmlns="" xmlns:a16="http://schemas.microsoft.com/office/drawing/2014/main" id="{8D58B844-212D-4BF7-8322-79AFF8D0780A}"/>
               </a:ext>
             </a:extLst>
           </p:cNvPr>
@@ -28315,10 +27052,10 @@
           <p:cNvPr id="11" name="Freeform: Shape 10">
             <a:extLst>
               <a:ext uri="{FF2B5EF4-FFF2-40B4-BE49-F238E27FC236}">
-                <a16:creationId xmlns:a16="http://schemas.microsoft.com/office/drawing/2014/main" xmlns="" id="{31103AB2-C090-458F-B752-294F23AFA8AD}"/>
+                <a16:creationId xmlns="" xmlns:a16="http://schemas.microsoft.com/office/drawing/2014/main" id="{31103AB2-C090-458F-B752-294F23AFA8AD}"/>
               </a:ext>
               <a:ext uri="{C183D7F6-B498-43B3-948B-1728B52AA6E4}">
-                <adec:decorative xmlns:adec="http://schemas.microsoft.com/office/drawing/2017/decorative" xmlns="" val="1"/>
+                <adec:decorative xmlns="" xmlns:adec="http://schemas.microsoft.com/office/drawing/2017/decorative" val="1"/>
               </a:ext>
             </a:extLst>
           </p:cNvPr>
@@ -28328,7 +27065,7 @@
           <p:nvPr>
             <p:extLst>
               <p:ext uri="{386F3935-93C4-4BCD-93E2-E3B085C9AB24}">
-                <p16:designElem xmlns:p16="http://schemas.microsoft.com/office/powerpoint/2015/main" xmlns="" val="1"/>
+                <p16:designElem xmlns="" xmlns:p16="http://schemas.microsoft.com/office/powerpoint/2015/main" val="1"/>
               </p:ext>
             </p:extLst>
           </p:nvPr>
@@ -28484,10 +27221,10 @@
           <p:cNvPr id="13" name="Freeform: Shape 12">
             <a:extLst>
               <a:ext uri="{FF2B5EF4-FFF2-40B4-BE49-F238E27FC236}">
-                <a16:creationId xmlns:a16="http://schemas.microsoft.com/office/drawing/2014/main" xmlns="" id="{83D471F3-782A-4BA1-9CAB-FF5CDF0A75E0}"/>
+                <a16:creationId xmlns="" xmlns:a16="http://schemas.microsoft.com/office/drawing/2014/main" id="{83D471F3-782A-4BA1-9CAB-FF5CDF0A75E0}"/>
               </a:ext>
               <a:ext uri="{C183D7F6-B498-43B3-948B-1728B52AA6E4}">
-                <adec:decorative xmlns:adec="http://schemas.microsoft.com/office/drawing/2017/decorative" xmlns="" val="1"/>
+                <adec:decorative xmlns="" xmlns:adec="http://schemas.microsoft.com/office/drawing/2017/decorative" val="1"/>
               </a:ext>
             </a:extLst>
           </p:cNvPr>
@@ -28497,7 +27234,7 @@
           <p:nvPr>
             <p:extLst>
               <p:ext uri="{386F3935-93C4-4BCD-93E2-E3B085C9AB24}">
-                <p16:designElem xmlns:p16="http://schemas.microsoft.com/office/powerpoint/2015/main" xmlns="" val="1"/>
+                <p16:designElem xmlns="" xmlns:p16="http://schemas.microsoft.com/office/powerpoint/2015/main" val="1"/>
               </p:ext>
             </p:extLst>
           </p:nvPr>
@@ -28651,10 +27388,10 @@
           <p:cNvPr id="15" name="Freeform: Shape 14">
             <a:extLst>
               <a:ext uri="{FF2B5EF4-FFF2-40B4-BE49-F238E27FC236}">
-                <a16:creationId xmlns:a16="http://schemas.microsoft.com/office/drawing/2014/main" xmlns="" id="{F6E384F5-137A-40B1-97F0-694CC6ECD59C}"/>
+                <a16:creationId xmlns="" xmlns:a16="http://schemas.microsoft.com/office/drawing/2014/main" id="{F6E384F5-137A-40B1-97F0-694CC6ECD59C}"/>
               </a:ext>
               <a:ext uri="{C183D7F6-B498-43B3-948B-1728B52AA6E4}">
-                <adec:decorative xmlns:adec="http://schemas.microsoft.com/office/drawing/2017/decorative" xmlns="" val="1"/>
+                <adec:decorative xmlns="" xmlns:adec="http://schemas.microsoft.com/office/drawing/2017/decorative" val="1"/>
               </a:ext>
             </a:extLst>
           </p:cNvPr>
@@ -28664,7 +27401,7 @@
           <p:nvPr>
             <p:extLst>
               <p:ext uri="{386F3935-93C4-4BCD-93E2-E3B085C9AB24}">
-                <p16:designElem xmlns:p16="http://schemas.microsoft.com/office/powerpoint/2015/main" xmlns="" val="1"/>
+                <p16:designElem xmlns="" xmlns:p16="http://schemas.microsoft.com/office/powerpoint/2015/main" val="1"/>
               </p:ext>
             </p:extLst>
           </p:nvPr>
@@ -28828,10 +27565,10 @@
           <p:cNvPr id="17" name="Freeform: Shape 16">
             <a:extLst>
               <a:ext uri="{FF2B5EF4-FFF2-40B4-BE49-F238E27FC236}">
-                <a16:creationId xmlns:a16="http://schemas.microsoft.com/office/drawing/2014/main" xmlns="" id="{EBA87361-6D30-46E4-834B-719CF59055EA}"/>
+                <a16:creationId xmlns="" xmlns:a16="http://schemas.microsoft.com/office/drawing/2014/main" id="{EBA87361-6D30-46E4-834B-719CF59055EA}"/>
               </a:ext>
               <a:ext uri="{C183D7F6-B498-43B3-948B-1728B52AA6E4}">
-                <adec:decorative xmlns:adec="http://schemas.microsoft.com/office/drawing/2017/decorative" xmlns="" val="1"/>
+                <adec:decorative xmlns="" xmlns:adec="http://schemas.microsoft.com/office/drawing/2017/decorative" val="1"/>
               </a:ext>
             </a:extLst>
           </p:cNvPr>
@@ -28841,7 +27578,7 @@
           <p:nvPr>
             <p:extLst>
               <p:ext uri="{386F3935-93C4-4BCD-93E2-E3B085C9AB24}">
-                <p16:designElem xmlns:p16="http://schemas.microsoft.com/office/powerpoint/2015/main" xmlns="" val="1"/>
+                <p16:designElem xmlns="" xmlns:p16="http://schemas.microsoft.com/office/powerpoint/2015/main" val="1"/>
               </p:ext>
             </p:extLst>
           </p:nvPr>
@@ -29003,10 +27740,10 @@
           <p:cNvPr id="19" name="Freeform: Shape 18">
             <a:extLst>
               <a:ext uri="{FF2B5EF4-FFF2-40B4-BE49-F238E27FC236}">
-                <a16:creationId xmlns:a16="http://schemas.microsoft.com/office/drawing/2014/main" xmlns="" id="{9DBC4630-03DA-474F-BBCB-BA3AE6B317A4}"/>
+                <a16:creationId xmlns="" xmlns:a16="http://schemas.microsoft.com/office/drawing/2014/main" id="{9DBC4630-03DA-474F-BBCB-BA3AE6B317A4}"/>
               </a:ext>
               <a:ext uri="{C183D7F6-B498-43B3-948B-1728B52AA6E4}">
-                <adec:decorative xmlns:adec="http://schemas.microsoft.com/office/drawing/2017/decorative" xmlns="" val="1"/>
+                <adec:decorative xmlns="" xmlns:adec="http://schemas.microsoft.com/office/drawing/2017/decorative" val="1"/>
               </a:ext>
             </a:extLst>
           </p:cNvPr>
@@ -29016,7 +27753,7 @@
           <p:nvPr>
             <p:extLst>
               <p:ext uri="{386F3935-93C4-4BCD-93E2-E3B085C9AB24}">
-                <p16:designElem xmlns:p16="http://schemas.microsoft.com/office/powerpoint/2015/main" xmlns="" val="1"/>
+                <p16:designElem xmlns="" xmlns:p16="http://schemas.microsoft.com/office/powerpoint/2015/main" val="1"/>
               </p:ext>
             </p:extLst>
           </p:nvPr>
@@ -29174,10 +27911,10 @@
           <p:cNvPr id="21" name="Freeform: Shape 20">
             <a:extLst>
               <a:ext uri="{FF2B5EF4-FFF2-40B4-BE49-F238E27FC236}">
-                <a16:creationId xmlns:a16="http://schemas.microsoft.com/office/drawing/2014/main" xmlns="" id="{D89DB1C0-FEEC-4CB6-88B2-F9C5562E09D1}"/>
+                <a16:creationId xmlns="" xmlns:a16="http://schemas.microsoft.com/office/drawing/2014/main" id="{D89DB1C0-FEEC-4CB6-88B2-F9C5562E09D1}"/>
               </a:ext>
               <a:ext uri="{C183D7F6-B498-43B3-948B-1728B52AA6E4}">
-                <adec:decorative xmlns:adec="http://schemas.microsoft.com/office/drawing/2017/decorative" xmlns="" val="1"/>
+                <adec:decorative xmlns="" xmlns:adec="http://schemas.microsoft.com/office/drawing/2017/decorative" val="1"/>
               </a:ext>
             </a:extLst>
           </p:cNvPr>
@@ -29187,7 +27924,7 @@
           <p:nvPr>
             <p:extLst>
               <p:ext uri="{386F3935-93C4-4BCD-93E2-E3B085C9AB24}">
-                <p16:designElem xmlns:p16="http://schemas.microsoft.com/office/powerpoint/2015/main" xmlns="" val="1"/>
+                <p16:designElem xmlns="" xmlns:p16="http://schemas.microsoft.com/office/powerpoint/2015/main" val="1"/>
               </p:ext>
             </p:extLst>
           </p:nvPr>
@@ -29343,10 +28080,10 @@
           <p:cNvPr id="23" name="Oval 22">
             <a:extLst>
               <a:ext uri="{FF2B5EF4-FFF2-40B4-BE49-F238E27FC236}">
-                <a16:creationId xmlns:a16="http://schemas.microsoft.com/office/drawing/2014/main" xmlns="" id="{78418A25-6EAC-4140-BFE6-284E1925B5EE}"/>
+                <a16:creationId xmlns="" xmlns:a16="http://schemas.microsoft.com/office/drawing/2014/main" id="{78418A25-6EAC-4140-BFE6-284E1925B5EE}"/>
               </a:ext>
               <a:ext uri="{C183D7F6-B498-43B3-948B-1728B52AA6E4}">
-                <adec:decorative xmlns:adec="http://schemas.microsoft.com/office/drawing/2017/decorative" xmlns="" val="1"/>
+                <adec:decorative xmlns="" xmlns:adec="http://schemas.microsoft.com/office/drawing/2017/decorative" val="1"/>
               </a:ext>
             </a:extLst>
           </p:cNvPr>
@@ -29356,7 +28093,7 @@
           <p:nvPr>
             <p:extLst>
               <p:ext uri="{386F3935-93C4-4BCD-93E2-E3B085C9AB24}">
-                <p16:designElem xmlns:p16="http://schemas.microsoft.com/office/powerpoint/2015/main" xmlns="" val="1"/>
+                <p16:designElem xmlns="" xmlns:p16="http://schemas.microsoft.com/office/powerpoint/2015/main" val="1"/>
               </p:ext>
             </p:extLst>
           </p:nvPr>
@@ -29437,10 +28174,10 @@
           <p:cNvPr id="25" name="Oval 24">
             <a:extLst>
               <a:ext uri="{FF2B5EF4-FFF2-40B4-BE49-F238E27FC236}">
-                <a16:creationId xmlns:a16="http://schemas.microsoft.com/office/drawing/2014/main" xmlns="" id="{08163D1C-ED91-4D5F-A33B-CF1256B270D4}"/>
+                <a16:creationId xmlns="" xmlns:a16="http://schemas.microsoft.com/office/drawing/2014/main" id="{08163D1C-ED91-4D5F-A33B-CF1256B270D4}"/>
               </a:ext>
               <a:ext uri="{C183D7F6-B498-43B3-948B-1728B52AA6E4}">
-                <adec:decorative xmlns:adec="http://schemas.microsoft.com/office/drawing/2017/decorative" xmlns="" val="1"/>
+                <adec:decorative xmlns="" xmlns:adec="http://schemas.microsoft.com/office/drawing/2017/decorative" val="1"/>
               </a:ext>
             </a:extLst>
           </p:cNvPr>
@@ -29450,7 +28187,7 @@
           <p:nvPr>
             <p:extLst>
               <p:ext uri="{386F3935-93C4-4BCD-93E2-E3B085C9AB24}">
-                <p16:designElem xmlns:p16="http://schemas.microsoft.com/office/powerpoint/2015/main" xmlns="" val="1"/>
+                <p16:designElem xmlns="" xmlns:p16="http://schemas.microsoft.com/office/powerpoint/2015/main" val="1"/>
               </p:ext>
             </p:extLst>
           </p:nvPr>
@@ -29529,7 +28266,7 @@
           <p:cNvPr id="6" name="Grafik 5">
             <a:extLst>
               <a:ext uri="{FF2B5EF4-FFF2-40B4-BE49-F238E27FC236}">
-                <a16:creationId xmlns:a16="http://schemas.microsoft.com/office/drawing/2014/main" xmlns="" id="{E125DF93-08F3-4350-B7A0-E67EF58A34D8}"/>
+                <a16:creationId xmlns="" xmlns:a16="http://schemas.microsoft.com/office/drawing/2014/main" id="{E125DF93-08F3-4350-B7A0-E67EF58A34D8}"/>
               </a:ext>
             </a:extLst>
           </p:cNvPr>
@@ -29565,7 +28302,7 @@
           <p:cNvPr id="5" name="Grafik 4">
             <a:extLst>
               <a:ext uri="{FF2B5EF4-FFF2-40B4-BE49-F238E27FC236}">
-                <a16:creationId xmlns:a16="http://schemas.microsoft.com/office/drawing/2014/main" xmlns="" id="{133BDCBA-3BF5-4009-BA11-176A5985A809}"/>
+                <a16:creationId xmlns="" xmlns:a16="http://schemas.microsoft.com/office/drawing/2014/main" id="{133BDCBA-3BF5-4009-BA11-176A5985A809}"/>
               </a:ext>
             </a:extLst>
           </p:cNvPr>
@@ -29601,7 +28338,7 @@
           <p:cNvPr id="4" name="Grafik 3">
             <a:extLst>
               <a:ext uri="{FF2B5EF4-FFF2-40B4-BE49-F238E27FC236}">
-                <a16:creationId xmlns:a16="http://schemas.microsoft.com/office/drawing/2014/main" xmlns="" id="{01AD9253-34AD-4597-8ECB-9B7DB87330CC}"/>
+                <a16:creationId xmlns="" xmlns:a16="http://schemas.microsoft.com/office/drawing/2014/main" id="{01AD9253-34AD-4597-8ECB-9B7DB87330CC}"/>
               </a:ext>
             </a:extLst>
           </p:cNvPr>
@@ -29637,7 +28374,7 @@
           <p:cNvPr id="2" name="Titel 1">
             <a:extLst>
               <a:ext uri="{FF2B5EF4-FFF2-40B4-BE49-F238E27FC236}">
-                <a16:creationId xmlns:a16="http://schemas.microsoft.com/office/drawing/2014/main" xmlns="" id="{04D5A00C-43A0-45EC-B8D1-28AB269D40E6}"/>
+                <a16:creationId xmlns="" xmlns:a16="http://schemas.microsoft.com/office/drawing/2014/main" id="{04D5A00C-43A0-45EC-B8D1-28AB269D40E6}"/>
               </a:ext>
             </a:extLst>
           </p:cNvPr>
@@ -29687,7 +28424,7 @@
           <p:cNvPr id="16" name="Grafik 15">
             <a:extLst>
               <a:ext uri="{FF2B5EF4-FFF2-40B4-BE49-F238E27FC236}">
-                <a16:creationId xmlns:a16="http://schemas.microsoft.com/office/drawing/2014/main" xmlns="" id="{BBFA6C1C-5288-44DD-ADC3-6308CC8489D3}"/>
+                <a16:creationId xmlns="" xmlns:a16="http://schemas.microsoft.com/office/drawing/2014/main" id="{BBFA6C1C-5288-44DD-ADC3-6308CC8489D3}"/>
               </a:ext>
             </a:extLst>
           </p:cNvPr>

--- a/presentation/StreamTogether.pptx
+++ b/presentation/StreamTogether.pptx
@@ -9625,7 +9625,6 @@
               <a:rPr lang="de-DE" baseline="0" dirty="0" smtClean="0"/>
               <a:t>Übersicht über unsere verwendeten Technologien.</a:t>
             </a:r>
-            <a:endParaRPr lang="de-DE" baseline="0" dirty="0" smtClean="0"/>
           </a:p>
           <a:p>
             <a:endParaRPr lang="de-DE" dirty="0" smtClean="0"/>
@@ -9998,11 +9997,7 @@
             </a:r>
             <a:r>
               <a:rPr lang="de-DE" baseline="0" dirty="0" smtClean="0"/>
-              <a:t> </a:t>
-            </a:r>
-            <a:r>
-              <a:rPr lang="de-DE" baseline="0" dirty="0" smtClean="0"/>
-              <a:t>UI – Für das Design der Oberflache zuständig</a:t>
+              <a:t> UI – Für das Design der Oberflache zuständig</a:t>
             </a:r>
             <a:endParaRPr lang="de-DE" dirty="0"/>
           </a:p>
@@ -10107,15 +10102,7 @@
             </a:r>
             <a:r>
               <a:rPr lang="de-DE" dirty="0" smtClean="0"/>
-              <a:t> </a:t>
-            </a:r>
-            <a:r>
-              <a:rPr lang="de-DE" dirty="0" smtClean="0"/>
-              <a:t>als </a:t>
-            </a:r>
-            <a:r>
-              <a:rPr lang="de-DE" dirty="0" smtClean="0"/>
-              <a:t>Webserver auf der</a:t>
+              <a:t> als Webserver auf der</a:t>
             </a:r>
             <a:r>
               <a:rPr lang="de-DE" baseline="0" dirty="0" smtClean="0"/>
@@ -10141,11 +10128,7 @@
             </a:r>
             <a:r>
               <a:rPr lang="de-DE" dirty="0" smtClean="0"/>
-              <a:t>– </a:t>
-            </a:r>
-            <a:r>
-              <a:rPr lang="de-DE" dirty="0" smtClean="0"/>
-              <a:t>Dient als Backend</a:t>
+              <a:t>– Dient als Backend</a:t>
             </a:r>
             <a:r>
               <a:rPr lang="de-DE" baseline="0" dirty="0" smtClean="0"/>
@@ -10202,29 +10185,8 @@
               <a:rPr lang="de-DE" baseline="0" dirty="0" smtClean="0">
                 <a:sym typeface="Wingdings" panose="05000000000000000000" pitchFamily="2" charset="2"/>
               </a:rPr>
-              <a:t> </a:t>
+              <a:t> der für den Chat verwendet wird. Zudem noch unterschiedliche Trigger innerhalb eines Raumes.</a:t>
             </a:r>
-            <a:r>
-              <a:rPr lang="de-DE" baseline="0" dirty="0" smtClean="0">
-                <a:sym typeface="Wingdings" panose="05000000000000000000" pitchFamily="2" charset="2"/>
-              </a:rPr>
-              <a:t>der für </a:t>
-            </a:r>
-            <a:r>
-              <a:rPr lang="de-DE" baseline="0" dirty="0" smtClean="0">
-                <a:sym typeface="Wingdings" panose="05000000000000000000" pitchFamily="2" charset="2"/>
-              </a:rPr>
-              <a:t>den </a:t>
-            </a:r>
-            <a:r>
-              <a:rPr lang="de-DE" baseline="0" dirty="0" smtClean="0">
-                <a:sym typeface="Wingdings" panose="05000000000000000000" pitchFamily="2" charset="2"/>
-              </a:rPr>
-              <a:t>Chat verwendet wird. Zudem noch unterschiedliche Trigger innerhalb eines Raumes.</a:t>
-            </a:r>
-            <a:endParaRPr lang="de-DE" baseline="0" dirty="0" smtClean="0">
-              <a:sym typeface="Wingdings" panose="05000000000000000000" pitchFamily="2" charset="2"/>
-            </a:endParaRPr>
           </a:p>
           <a:p>
             <a:r>
@@ -10297,19 +10259,7 @@
                 <a:ea typeface="+mn-ea"/>
                 <a:cs typeface="+mn-cs"/>
               </a:rPr>
-              <a:t> </a:t>
-            </a:r>
-            <a:r>
-              <a:rPr lang="de-DE" sz="1200" b="0" i="0" kern="1200" dirty="0" smtClean="0">
-                <a:solidFill>
-                  <a:schemeClr val="tx1"/>
-                </a:solidFill>
-                <a:effectLst/>
-                <a:latin typeface="+mn-lt"/>
-                <a:ea typeface="+mn-ea"/>
-                <a:cs typeface="+mn-cs"/>
-              </a:rPr>
-              <a:t>JavaScript-</a:t>
+              <a:t> JavaScript-</a:t>
             </a:r>
             <a:r>
               <a:rPr lang="de-DE" sz="1200" b="0" i="0" kern="1200" dirty="0" err="1" smtClean="0">
@@ -10584,7 +10534,7 @@
           <p:cNvPr id="2" name="Titel 1">
             <a:extLst>
               <a:ext uri="{FF2B5EF4-FFF2-40B4-BE49-F238E27FC236}">
-                <a16:creationId xmlns="" xmlns:a16="http://schemas.microsoft.com/office/drawing/2014/main" id="{724983D2-4D9A-49C5-A31D-DDCB3D006090}"/>
+                <a16:creationId xmlns:a16="http://schemas.microsoft.com/office/drawing/2014/main" xmlns="" id="{724983D2-4D9A-49C5-A31D-DDCB3D006090}"/>
               </a:ext>
             </a:extLst>
           </p:cNvPr>
@@ -10621,7 +10571,7 @@
           <p:cNvPr id="3" name="Untertitel 2">
             <a:extLst>
               <a:ext uri="{FF2B5EF4-FFF2-40B4-BE49-F238E27FC236}">
-                <a16:creationId xmlns="" xmlns:a16="http://schemas.microsoft.com/office/drawing/2014/main" id="{EC6A68B0-8322-4F42-A03E-D04A4D4F3FBE}"/>
+                <a16:creationId xmlns:a16="http://schemas.microsoft.com/office/drawing/2014/main" xmlns="" id="{EC6A68B0-8322-4F42-A03E-D04A4D4F3FBE}"/>
               </a:ext>
             </a:extLst>
           </p:cNvPr>
@@ -10691,7 +10641,7 @@
           <p:cNvPr id="4" name="Datumsplatzhalter 3">
             <a:extLst>
               <a:ext uri="{FF2B5EF4-FFF2-40B4-BE49-F238E27FC236}">
-                <a16:creationId xmlns="" xmlns:a16="http://schemas.microsoft.com/office/drawing/2014/main" id="{32314984-4194-4C46-9236-AE6E2B42D28C}"/>
+                <a16:creationId xmlns:a16="http://schemas.microsoft.com/office/drawing/2014/main" xmlns="" id="{32314984-4194-4C46-9236-AE6E2B42D28C}"/>
               </a:ext>
             </a:extLst>
           </p:cNvPr>
@@ -10720,7 +10670,7 @@
           <p:cNvPr id="5" name="Fußzeilenplatzhalter 4">
             <a:extLst>
               <a:ext uri="{FF2B5EF4-FFF2-40B4-BE49-F238E27FC236}">
-                <a16:creationId xmlns="" xmlns:a16="http://schemas.microsoft.com/office/drawing/2014/main" id="{AD177AB4-C655-45D0-ACD6-F0074DFFC244}"/>
+                <a16:creationId xmlns:a16="http://schemas.microsoft.com/office/drawing/2014/main" xmlns="" id="{AD177AB4-C655-45D0-ACD6-F0074DFFC244}"/>
               </a:ext>
             </a:extLst>
           </p:cNvPr>
@@ -10745,7 +10695,7 @@
           <p:cNvPr id="6" name="Foliennummernplatzhalter 5">
             <a:extLst>
               <a:ext uri="{FF2B5EF4-FFF2-40B4-BE49-F238E27FC236}">
-                <a16:creationId xmlns="" xmlns:a16="http://schemas.microsoft.com/office/drawing/2014/main" id="{4A44E1CE-3C24-4B8C-9541-1A8CC348B5F0}"/>
+                <a16:creationId xmlns:a16="http://schemas.microsoft.com/office/drawing/2014/main" xmlns="" id="{4A44E1CE-3C24-4B8C-9541-1A8CC348B5F0}"/>
               </a:ext>
             </a:extLst>
           </p:cNvPr>
@@ -10804,7 +10754,7 @@
           <p:cNvPr id="2" name="Titel 1">
             <a:extLst>
               <a:ext uri="{FF2B5EF4-FFF2-40B4-BE49-F238E27FC236}">
-                <a16:creationId xmlns="" xmlns:a16="http://schemas.microsoft.com/office/drawing/2014/main" id="{608E78D5-1FFE-436F-88ED-EA5401B5E6EB}"/>
+                <a16:creationId xmlns:a16="http://schemas.microsoft.com/office/drawing/2014/main" xmlns="" id="{608E78D5-1FFE-436F-88ED-EA5401B5E6EB}"/>
               </a:ext>
             </a:extLst>
           </p:cNvPr>
@@ -10832,7 +10782,7 @@
           <p:cNvPr id="3" name="Vertikaler Textplatzhalter 2">
             <a:extLst>
               <a:ext uri="{FF2B5EF4-FFF2-40B4-BE49-F238E27FC236}">
-                <a16:creationId xmlns="" xmlns:a16="http://schemas.microsoft.com/office/drawing/2014/main" id="{20B21505-985F-47AF-8195-A1E1295B477C}"/>
+                <a16:creationId xmlns:a16="http://schemas.microsoft.com/office/drawing/2014/main" xmlns="" id="{20B21505-985F-47AF-8195-A1E1295B477C}"/>
               </a:ext>
             </a:extLst>
           </p:cNvPr>
@@ -10889,7 +10839,7 @@
           <p:cNvPr id="4" name="Datumsplatzhalter 3">
             <a:extLst>
               <a:ext uri="{FF2B5EF4-FFF2-40B4-BE49-F238E27FC236}">
-                <a16:creationId xmlns="" xmlns:a16="http://schemas.microsoft.com/office/drawing/2014/main" id="{79F0B56E-9F3F-4506-8530-E0FA8D1F5F57}"/>
+                <a16:creationId xmlns:a16="http://schemas.microsoft.com/office/drawing/2014/main" xmlns="" id="{79F0B56E-9F3F-4506-8530-E0FA8D1F5F57}"/>
               </a:ext>
             </a:extLst>
           </p:cNvPr>
@@ -10918,7 +10868,7 @@
           <p:cNvPr id="5" name="Fußzeilenplatzhalter 4">
             <a:extLst>
               <a:ext uri="{FF2B5EF4-FFF2-40B4-BE49-F238E27FC236}">
-                <a16:creationId xmlns="" xmlns:a16="http://schemas.microsoft.com/office/drawing/2014/main" id="{210548FB-454A-4A2F-96D5-1360B42885F0}"/>
+                <a16:creationId xmlns:a16="http://schemas.microsoft.com/office/drawing/2014/main" xmlns="" id="{210548FB-454A-4A2F-96D5-1360B42885F0}"/>
               </a:ext>
             </a:extLst>
           </p:cNvPr>
@@ -10943,7 +10893,7 @@
           <p:cNvPr id="6" name="Foliennummernplatzhalter 5">
             <a:extLst>
               <a:ext uri="{FF2B5EF4-FFF2-40B4-BE49-F238E27FC236}">
-                <a16:creationId xmlns="" xmlns:a16="http://schemas.microsoft.com/office/drawing/2014/main" id="{6B3CDA53-B96C-4612-B87F-F7032FE162AB}"/>
+                <a16:creationId xmlns:a16="http://schemas.microsoft.com/office/drawing/2014/main" xmlns="" id="{6B3CDA53-B96C-4612-B87F-F7032FE162AB}"/>
               </a:ext>
             </a:extLst>
           </p:cNvPr>
@@ -11002,7 +10952,7 @@
           <p:cNvPr id="2" name="Vertikaler Titel 1">
             <a:extLst>
               <a:ext uri="{FF2B5EF4-FFF2-40B4-BE49-F238E27FC236}">
-                <a16:creationId xmlns="" xmlns:a16="http://schemas.microsoft.com/office/drawing/2014/main" id="{AE46E16A-D5B6-458D-B454-D6E845F686AC}"/>
+                <a16:creationId xmlns:a16="http://schemas.microsoft.com/office/drawing/2014/main" xmlns="" id="{AE46E16A-D5B6-458D-B454-D6E845F686AC}"/>
               </a:ext>
             </a:extLst>
           </p:cNvPr>
@@ -11035,7 +10985,7 @@
           <p:cNvPr id="3" name="Vertikaler Textplatzhalter 2">
             <a:extLst>
               <a:ext uri="{FF2B5EF4-FFF2-40B4-BE49-F238E27FC236}">
-                <a16:creationId xmlns="" xmlns:a16="http://schemas.microsoft.com/office/drawing/2014/main" id="{A8F91EC6-800B-4B9E-8885-574B03C9A9BD}"/>
+                <a16:creationId xmlns:a16="http://schemas.microsoft.com/office/drawing/2014/main" xmlns="" id="{A8F91EC6-800B-4B9E-8885-574B03C9A9BD}"/>
               </a:ext>
             </a:extLst>
           </p:cNvPr>
@@ -11097,7 +11047,7 @@
           <p:cNvPr id="4" name="Datumsplatzhalter 3">
             <a:extLst>
               <a:ext uri="{FF2B5EF4-FFF2-40B4-BE49-F238E27FC236}">
-                <a16:creationId xmlns="" xmlns:a16="http://schemas.microsoft.com/office/drawing/2014/main" id="{0ABC6CAC-6FBC-4EAD-A891-CADF725ACDFA}"/>
+                <a16:creationId xmlns:a16="http://schemas.microsoft.com/office/drawing/2014/main" xmlns="" id="{0ABC6CAC-6FBC-4EAD-A891-CADF725ACDFA}"/>
               </a:ext>
             </a:extLst>
           </p:cNvPr>
@@ -11126,7 +11076,7 @@
           <p:cNvPr id="5" name="Fußzeilenplatzhalter 4">
             <a:extLst>
               <a:ext uri="{FF2B5EF4-FFF2-40B4-BE49-F238E27FC236}">
-                <a16:creationId xmlns="" xmlns:a16="http://schemas.microsoft.com/office/drawing/2014/main" id="{E36C698D-E861-477D-95C5-1EDF4EB59C5C}"/>
+                <a16:creationId xmlns:a16="http://schemas.microsoft.com/office/drawing/2014/main" xmlns="" id="{E36C698D-E861-477D-95C5-1EDF4EB59C5C}"/>
               </a:ext>
             </a:extLst>
           </p:cNvPr>
@@ -11151,7 +11101,7 @@
           <p:cNvPr id="6" name="Foliennummernplatzhalter 5">
             <a:extLst>
               <a:ext uri="{FF2B5EF4-FFF2-40B4-BE49-F238E27FC236}">
-                <a16:creationId xmlns="" xmlns:a16="http://schemas.microsoft.com/office/drawing/2014/main" id="{0FBA801D-602F-4AEB-88A3-7051DE3311B1}"/>
+                <a16:creationId xmlns:a16="http://schemas.microsoft.com/office/drawing/2014/main" xmlns="" id="{0FBA801D-602F-4AEB-88A3-7051DE3311B1}"/>
               </a:ext>
             </a:extLst>
           </p:cNvPr>
@@ -11210,7 +11160,7 @@
           <p:cNvPr id="2" name="Titel 1">
             <a:extLst>
               <a:ext uri="{FF2B5EF4-FFF2-40B4-BE49-F238E27FC236}">
-                <a16:creationId xmlns="" xmlns:a16="http://schemas.microsoft.com/office/drawing/2014/main" id="{6E8DD669-80F6-42B9-852F-E78CF49DCF4B}"/>
+                <a16:creationId xmlns:a16="http://schemas.microsoft.com/office/drawing/2014/main" xmlns="" id="{6E8DD669-80F6-42B9-852F-E78CF49DCF4B}"/>
               </a:ext>
             </a:extLst>
           </p:cNvPr>
@@ -11238,7 +11188,7 @@
           <p:cNvPr id="3" name="Inhaltsplatzhalter 2">
             <a:extLst>
               <a:ext uri="{FF2B5EF4-FFF2-40B4-BE49-F238E27FC236}">
-                <a16:creationId xmlns="" xmlns:a16="http://schemas.microsoft.com/office/drawing/2014/main" id="{7C55332C-7A20-469B-9BEC-D5B0101FA19F}"/>
+                <a16:creationId xmlns:a16="http://schemas.microsoft.com/office/drawing/2014/main" xmlns="" id="{7C55332C-7A20-469B-9BEC-D5B0101FA19F}"/>
               </a:ext>
             </a:extLst>
           </p:cNvPr>
@@ -11295,7 +11245,7 @@
           <p:cNvPr id="4" name="Datumsplatzhalter 3">
             <a:extLst>
               <a:ext uri="{FF2B5EF4-FFF2-40B4-BE49-F238E27FC236}">
-                <a16:creationId xmlns="" xmlns:a16="http://schemas.microsoft.com/office/drawing/2014/main" id="{15E21441-ABC3-4646-AB44-3FD296C7DC37}"/>
+                <a16:creationId xmlns:a16="http://schemas.microsoft.com/office/drawing/2014/main" xmlns="" id="{15E21441-ABC3-4646-AB44-3FD296C7DC37}"/>
               </a:ext>
             </a:extLst>
           </p:cNvPr>
@@ -11324,7 +11274,7 @@
           <p:cNvPr id="5" name="Fußzeilenplatzhalter 4">
             <a:extLst>
               <a:ext uri="{FF2B5EF4-FFF2-40B4-BE49-F238E27FC236}">
-                <a16:creationId xmlns="" xmlns:a16="http://schemas.microsoft.com/office/drawing/2014/main" id="{CAE46990-78EA-44B3-A2F7-BEFC1ED49E9E}"/>
+                <a16:creationId xmlns:a16="http://schemas.microsoft.com/office/drawing/2014/main" xmlns="" id="{CAE46990-78EA-44B3-A2F7-BEFC1ED49E9E}"/>
               </a:ext>
             </a:extLst>
           </p:cNvPr>
@@ -11349,7 +11299,7 @@
           <p:cNvPr id="6" name="Foliennummernplatzhalter 5">
             <a:extLst>
               <a:ext uri="{FF2B5EF4-FFF2-40B4-BE49-F238E27FC236}">
-                <a16:creationId xmlns="" xmlns:a16="http://schemas.microsoft.com/office/drawing/2014/main" id="{C0EF3B48-16CD-4727-93CA-86A67155D8C6}"/>
+                <a16:creationId xmlns:a16="http://schemas.microsoft.com/office/drawing/2014/main" xmlns="" id="{C0EF3B48-16CD-4727-93CA-86A67155D8C6}"/>
               </a:ext>
             </a:extLst>
           </p:cNvPr>
@@ -11408,7 +11358,7 @@
           <p:cNvPr id="2" name="Titel 1">
             <a:extLst>
               <a:ext uri="{FF2B5EF4-FFF2-40B4-BE49-F238E27FC236}">
-                <a16:creationId xmlns="" xmlns:a16="http://schemas.microsoft.com/office/drawing/2014/main" id="{D2B54FD9-D3CB-4069-9528-3B738EFC849D}"/>
+                <a16:creationId xmlns:a16="http://schemas.microsoft.com/office/drawing/2014/main" xmlns="" id="{D2B54FD9-D3CB-4069-9528-3B738EFC849D}"/>
               </a:ext>
             </a:extLst>
           </p:cNvPr>
@@ -11445,7 +11395,7 @@
           <p:cNvPr id="3" name="Textplatzhalter 2">
             <a:extLst>
               <a:ext uri="{FF2B5EF4-FFF2-40B4-BE49-F238E27FC236}">
-                <a16:creationId xmlns="" xmlns:a16="http://schemas.microsoft.com/office/drawing/2014/main" id="{160E5F36-7F4B-4792-8C1A-EFC93B0E4ADB}"/>
+                <a16:creationId xmlns:a16="http://schemas.microsoft.com/office/drawing/2014/main" xmlns="" id="{160E5F36-7F4B-4792-8C1A-EFC93B0E4ADB}"/>
               </a:ext>
             </a:extLst>
           </p:cNvPr>
@@ -11570,7 +11520,7 @@
           <p:cNvPr id="4" name="Datumsplatzhalter 3">
             <a:extLst>
               <a:ext uri="{FF2B5EF4-FFF2-40B4-BE49-F238E27FC236}">
-                <a16:creationId xmlns="" xmlns:a16="http://schemas.microsoft.com/office/drawing/2014/main" id="{14528A00-E24B-4C25-A7A8-8FBE3BA56346}"/>
+                <a16:creationId xmlns:a16="http://schemas.microsoft.com/office/drawing/2014/main" xmlns="" id="{14528A00-E24B-4C25-A7A8-8FBE3BA56346}"/>
               </a:ext>
             </a:extLst>
           </p:cNvPr>
@@ -11599,7 +11549,7 @@
           <p:cNvPr id="5" name="Fußzeilenplatzhalter 4">
             <a:extLst>
               <a:ext uri="{FF2B5EF4-FFF2-40B4-BE49-F238E27FC236}">
-                <a16:creationId xmlns="" xmlns:a16="http://schemas.microsoft.com/office/drawing/2014/main" id="{65488209-60A8-4D37-B7A7-5B45E3149B2F}"/>
+                <a16:creationId xmlns:a16="http://schemas.microsoft.com/office/drawing/2014/main" xmlns="" id="{65488209-60A8-4D37-B7A7-5B45E3149B2F}"/>
               </a:ext>
             </a:extLst>
           </p:cNvPr>
@@ -11624,7 +11574,7 @@
           <p:cNvPr id="6" name="Foliennummernplatzhalter 5">
             <a:extLst>
               <a:ext uri="{FF2B5EF4-FFF2-40B4-BE49-F238E27FC236}">
-                <a16:creationId xmlns="" xmlns:a16="http://schemas.microsoft.com/office/drawing/2014/main" id="{6904B3C9-E264-42D1-BC48-A1FC5542A0AA}"/>
+                <a16:creationId xmlns:a16="http://schemas.microsoft.com/office/drawing/2014/main" xmlns="" id="{6904B3C9-E264-42D1-BC48-A1FC5542A0AA}"/>
               </a:ext>
             </a:extLst>
           </p:cNvPr>
@@ -11683,7 +11633,7 @@
           <p:cNvPr id="2" name="Titel 1">
             <a:extLst>
               <a:ext uri="{FF2B5EF4-FFF2-40B4-BE49-F238E27FC236}">
-                <a16:creationId xmlns="" xmlns:a16="http://schemas.microsoft.com/office/drawing/2014/main" id="{D73D7613-7D51-47FD-93BA-887418F92EE2}"/>
+                <a16:creationId xmlns:a16="http://schemas.microsoft.com/office/drawing/2014/main" xmlns="" id="{D73D7613-7D51-47FD-93BA-887418F92EE2}"/>
               </a:ext>
             </a:extLst>
           </p:cNvPr>
@@ -11711,7 +11661,7 @@
           <p:cNvPr id="3" name="Inhaltsplatzhalter 2">
             <a:extLst>
               <a:ext uri="{FF2B5EF4-FFF2-40B4-BE49-F238E27FC236}">
-                <a16:creationId xmlns="" xmlns:a16="http://schemas.microsoft.com/office/drawing/2014/main" id="{0F5BBCFD-9F79-4270-A1B9-2FC0142080A9}"/>
+                <a16:creationId xmlns:a16="http://schemas.microsoft.com/office/drawing/2014/main" xmlns="" id="{0F5BBCFD-9F79-4270-A1B9-2FC0142080A9}"/>
               </a:ext>
             </a:extLst>
           </p:cNvPr>
@@ -11773,7 +11723,7 @@
           <p:cNvPr id="4" name="Inhaltsplatzhalter 3">
             <a:extLst>
               <a:ext uri="{FF2B5EF4-FFF2-40B4-BE49-F238E27FC236}">
-                <a16:creationId xmlns="" xmlns:a16="http://schemas.microsoft.com/office/drawing/2014/main" id="{9545DD76-BF76-4E5E-913B-43EEB8F8AEDD}"/>
+                <a16:creationId xmlns:a16="http://schemas.microsoft.com/office/drawing/2014/main" xmlns="" id="{9545DD76-BF76-4E5E-913B-43EEB8F8AEDD}"/>
               </a:ext>
             </a:extLst>
           </p:cNvPr>
@@ -11835,7 +11785,7 @@
           <p:cNvPr id="5" name="Datumsplatzhalter 4">
             <a:extLst>
               <a:ext uri="{FF2B5EF4-FFF2-40B4-BE49-F238E27FC236}">
-                <a16:creationId xmlns="" xmlns:a16="http://schemas.microsoft.com/office/drawing/2014/main" id="{4E7A5240-522C-431D-8AF5-B9B07F6A17DB}"/>
+                <a16:creationId xmlns:a16="http://schemas.microsoft.com/office/drawing/2014/main" xmlns="" id="{4E7A5240-522C-431D-8AF5-B9B07F6A17DB}"/>
               </a:ext>
             </a:extLst>
           </p:cNvPr>
@@ -11864,7 +11814,7 @@
           <p:cNvPr id="6" name="Fußzeilenplatzhalter 5">
             <a:extLst>
               <a:ext uri="{FF2B5EF4-FFF2-40B4-BE49-F238E27FC236}">
-                <a16:creationId xmlns="" xmlns:a16="http://schemas.microsoft.com/office/drawing/2014/main" id="{817E6F8D-CDAB-4259-9396-28905E3DC91D}"/>
+                <a16:creationId xmlns:a16="http://schemas.microsoft.com/office/drawing/2014/main" xmlns="" id="{817E6F8D-CDAB-4259-9396-28905E3DC91D}"/>
               </a:ext>
             </a:extLst>
           </p:cNvPr>
@@ -11889,7 +11839,7 @@
           <p:cNvPr id="7" name="Foliennummernplatzhalter 6">
             <a:extLst>
               <a:ext uri="{FF2B5EF4-FFF2-40B4-BE49-F238E27FC236}">
-                <a16:creationId xmlns="" xmlns:a16="http://schemas.microsoft.com/office/drawing/2014/main" id="{4D7C084E-82BC-4455-A263-485314756579}"/>
+                <a16:creationId xmlns:a16="http://schemas.microsoft.com/office/drawing/2014/main" xmlns="" id="{4D7C084E-82BC-4455-A263-485314756579}"/>
               </a:ext>
             </a:extLst>
           </p:cNvPr>
@@ -11948,7 +11898,7 @@
           <p:cNvPr id="2" name="Titel 1">
             <a:extLst>
               <a:ext uri="{FF2B5EF4-FFF2-40B4-BE49-F238E27FC236}">
-                <a16:creationId xmlns="" xmlns:a16="http://schemas.microsoft.com/office/drawing/2014/main" id="{044FBEA3-8BA8-42F3-BAED-07F40F59CBF4}"/>
+                <a16:creationId xmlns:a16="http://schemas.microsoft.com/office/drawing/2014/main" xmlns="" id="{044FBEA3-8BA8-42F3-BAED-07F40F59CBF4}"/>
               </a:ext>
             </a:extLst>
           </p:cNvPr>
@@ -11981,7 +11931,7 @@
           <p:cNvPr id="3" name="Textplatzhalter 2">
             <a:extLst>
               <a:ext uri="{FF2B5EF4-FFF2-40B4-BE49-F238E27FC236}">
-                <a16:creationId xmlns="" xmlns:a16="http://schemas.microsoft.com/office/drawing/2014/main" id="{243B3D82-E466-44C1-A4ED-F7735E1C22E0}"/>
+                <a16:creationId xmlns:a16="http://schemas.microsoft.com/office/drawing/2014/main" xmlns="" id="{243B3D82-E466-44C1-A4ED-F7735E1C22E0}"/>
               </a:ext>
             </a:extLst>
           </p:cNvPr>
@@ -12052,7 +12002,7 @@
           <p:cNvPr id="4" name="Inhaltsplatzhalter 3">
             <a:extLst>
               <a:ext uri="{FF2B5EF4-FFF2-40B4-BE49-F238E27FC236}">
-                <a16:creationId xmlns="" xmlns:a16="http://schemas.microsoft.com/office/drawing/2014/main" id="{A2D8A684-1973-4CDE-B973-0CF1EFE3CFEE}"/>
+                <a16:creationId xmlns:a16="http://schemas.microsoft.com/office/drawing/2014/main" xmlns="" id="{A2D8A684-1973-4CDE-B973-0CF1EFE3CFEE}"/>
               </a:ext>
             </a:extLst>
           </p:cNvPr>
@@ -12114,7 +12064,7 @@
           <p:cNvPr id="5" name="Textplatzhalter 4">
             <a:extLst>
               <a:ext uri="{FF2B5EF4-FFF2-40B4-BE49-F238E27FC236}">
-                <a16:creationId xmlns="" xmlns:a16="http://schemas.microsoft.com/office/drawing/2014/main" id="{81A7F42B-5B10-4E47-A35C-08C5A3AFE86A}"/>
+                <a16:creationId xmlns:a16="http://schemas.microsoft.com/office/drawing/2014/main" xmlns="" id="{81A7F42B-5B10-4E47-A35C-08C5A3AFE86A}"/>
               </a:ext>
             </a:extLst>
           </p:cNvPr>
@@ -12185,7 +12135,7 @@
           <p:cNvPr id="6" name="Inhaltsplatzhalter 5">
             <a:extLst>
               <a:ext uri="{FF2B5EF4-FFF2-40B4-BE49-F238E27FC236}">
-                <a16:creationId xmlns="" xmlns:a16="http://schemas.microsoft.com/office/drawing/2014/main" id="{B95DBEA4-F8C4-4EEE-8721-2DE78350B322}"/>
+                <a16:creationId xmlns:a16="http://schemas.microsoft.com/office/drawing/2014/main" xmlns="" id="{B95DBEA4-F8C4-4EEE-8721-2DE78350B322}"/>
               </a:ext>
             </a:extLst>
           </p:cNvPr>
@@ -12247,7 +12197,7 @@
           <p:cNvPr id="7" name="Datumsplatzhalter 6">
             <a:extLst>
               <a:ext uri="{FF2B5EF4-FFF2-40B4-BE49-F238E27FC236}">
-                <a16:creationId xmlns="" xmlns:a16="http://schemas.microsoft.com/office/drawing/2014/main" id="{C854B474-D7DB-40A1-B6AA-FA842CAC2CD0}"/>
+                <a16:creationId xmlns:a16="http://schemas.microsoft.com/office/drawing/2014/main" xmlns="" id="{C854B474-D7DB-40A1-B6AA-FA842CAC2CD0}"/>
               </a:ext>
             </a:extLst>
           </p:cNvPr>
@@ -12276,7 +12226,7 @@
           <p:cNvPr id="8" name="Fußzeilenplatzhalter 7">
             <a:extLst>
               <a:ext uri="{FF2B5EF4-FFF2-40B4-BE49-F238E27FC236}">
-                <a16:creationId xmlns="" xmlns:a16="http://schemas.microsoft.com/office/drawing/2014/main" id="{FCFC44DF-A716-4102-926C-80B7DC0C2761}"/>
+                <a16:creationId xmlns:a16="http://schemas.microsoft.com/office/drawing/2014/main" xmlns="" id="{FCFC44DF-A716-4102-926C-80B7DC0C2761}"/>
               </a:ext>
             </a:extLst>
           </p:cNvPr>
@@ -12301,7 +12251,7 @@
           <p:cNvPr id="9" name="Foliennummernplatzhalter 8">
             <a:extLst>
               <a:ext uri="{FF2B5EF4-FFF2-40B4-BE49-F238E27FC236}">
-                <a16:creationId xmlns="" xmlns:a16="http://schemas.microsoft.com/office/drawing/2014/main" id="{BE42A609-2806-4733-9ECA-964457CF43F5}"/>
+                <a16:creationId xmlns:a16="http://schemas.microsoft.com/office/drawing/2014/main" xmlns="" id="{BE42A609-2806-4733-9ECA-964457CF43F5}"/>
               </a:ext>
             </a:extLst>
           </p:cNvPr>
@@ -12360,7 +12310,7 @@
           <p:cNvPr id="2" name="Titel 1">
             <a:extLst>
               <a:ext uri="{FF2B5EF4-FFF2-40B4-BE49-F238E27FC236}">
-                <a16:creationId xmlns="" xmlns:a16="http://schemas.microsoft.com/office/drawing/2014/main" id="{50492774-D3F8-4EF2-BBAC-33D65A4954E6}"/>
+                <a16:creationId xmlns:a16="http://schemas.microsoft.com/office/drawing/2014/main" xmlns="" id="{50492774-D3F8-4EF2-BBAC-33D65A4954E6}"/>
               </a:ext>
             </a:extLst>
           </p:cNvPr>
@@ -12388,7 +12338,7 @@
           <p:cNvPr id="3" name="Datumsplatzhalter 2">
             <a:extLst>
               <a:ext uri="{FF2B5EF4-FFF2-40B4-BE49-F238E27FC236}">
-                <a16:creationId xmlns="" xmlns:a16="http://schemas.microsoft.com/office/drawing/2014/main" id="{A06EFD28-219C-455B-80B0-CC2D55D432D4}"/>
+                <a16:creationId xmlns:a16="http://schemas.microsoft.com/office/drawing/2014/main" xmlns="" id="{A06EFD28-219C-455B-80B0-CC2D55D432D4}"/>
               </a:ext>
             </a:extLst>
           </p:cNvPr>
@@ -12417,7 +12367,7 @@
           <p:cNvPr id="4" name="Fußzeilenplatzhalter 3">
             <a:extLst>
               <a:ext uri="{FF2B5EF4-FFF2-40B4-BE49-F238E27FC236}">
-                <a16:creationId xmlns="" xmlns:a16="http://schemas.microsoft.com/office/drawing/2014/main" id="{F79437AB-4E8B-41ED-89B4-045F187496E5}"/>
+                <a16:creationId xmlns:a16="http://schemas.microsoft.com/office/drawing/2014/main" xmlns="" id="{F79437AB-4E8B-41ED-89B4-045F187496E5}"/>
               </a:ext>
             </a:extLst>
           </p:cNvPr>
@@ -12442,7 +12392,7 @@
           <p:cNvPr id="5" name="Foliennummernplatzhalter 4">
             <a:extLst>
               <a:ext uri="{FF2B5EF4-FFF2-40B4-BE49-F238E27FC236}">
-                <a16:creationId xmlns="" xmlns:a16="http://schemas.microsoft.com/office/drawing/2014/main" id="{30731DC2-6777-47B2-83EF-2F50EE59EF2D}"/>
+                <a16:creationId xmlns:a16="http://schemas.microsoft.com/office/drawing/2014/main" xmlns="" id="{30731DC2-6777-47B2-83EF-2F50EE59EF2D}"/>
               </a:ext>
             </a:extLst>
           </p:cNvPr>
@@ -12501,7 +12451,7 @@
           <p:cNvPr id="2" name="Datumsplatzhalter 1">
             <a:extLst>
               <a:ext uri="{FF2B5EF4-FFF2-40B4-BE49-F238E27FC236}">
-                <a16:creationId xmlns="" xmlns:a16="http://schemas.microsoft.com/office/drawing/2014/main" id="{73E7154D-F0FB-4A64-BABC-F0831888298B}"/>
+                <a16:creationId xmlns:a16="http://schemas.microsoft.com/office/drawing/2014/main" xmlns="" id="{73E7154D-F0FB-4A64-BABC-F0831888298B}"/>
               </a:ext>
             </a:extLst>
           </p:cNvPr>
@@ -12530,7 +12480,7 @@
           <p:cNvPr id="3" name="Fußzeilenplatzhalter 2">
             <a:extLst>
               <a:ext uri="{FF2B5EF4-FFF2-40B4-BE49-F238E27FC236}">
-                <a16:creationId xmlns="" xmlns:a16="http://schemas.microsoft.com/office/drawing/2014/main" id="{F46EEF41-F049-4531-9253-357399B8274B}"/>
+                <a16:creationId xmlns:a16="http://schemas.microsoft.com/office/drawing/2014/main" xmlns="" id="{F46EEF41-F049-4531-9253-357399B8274B}"/>
               </a:ext>
             </a:extLst>
           </p:cNvPr>
@@ -12555,7 +12505,7 @@
           <p:cNvPr id="4" name="Foliennummernplatzhalter 3">
             <a:extLst>
               <a:ext uri="{FF2B5EF4-FFF2-40B4-BE49-F238E27FC236}">
-                <a16:creationId xmlns="" xmlns:a16="http://schemas.microsoft.com/office/drawing/2014/main" id="{91E63CBB-FD4A-4D15-848A-72296229F6AF}"/>
+                <a16:creationId xmlns:a16="http://schemas.microsoft.com/office/drawing/2014/main" xmlns="" id="{91E63CBB-FD4A-4D15-848A-72296229F6AF}"/>
               </a:ext>
             </a:extLst>
           </p:cNvPr>
@@ -12614,7 +12564,7 @@
           <p:cNvPr id="2" name="Titel 1">
             <a:extLst>
               <a:ext uri="{FF2B5EF4-FFF2-40B4-BE49-F238E27FC236}">
-                <a16:creationId xmlns="" xmlns:a16="http://schemas.microsoft.com/office/drawing/2014/main" id="{03A82808-D753-4B6C-B42D-AFC23BF61092}"/>
+                <a16:creationId xmlns:a16="http://schemas.microsoft.com/office/drawing/2014/main" xmlns="" id="{03A82808-D753-4B6C-B42D-AFC23BF61092}"/>
               </a:ext>
             </a:extLst>
           </p:cNvPr>
@@ -12651,7 +12601,7 @@
           <p:cNvPr id="3" name="Inhaltsplatzhalter 2">
             <a:extLst>
               <a:ext uri="{FF2B5EF4-FFF2-40B4-BE49-F238E27FC236}">
-                <a16:creationId xmlns="" xmlns:a16="http://schemas.microsoft.com/office/drawing/2014/main" id="{E9887AD5-17CF-48BA-A433-7FB5A92ED4F9}"/>
+                <a16:creationId xmlns:a16="http://schemas.microsoft.com/office/drawing/2014/main" xmlns="" id="{E9887AD5-17CF-48BA-A433-7FB5A92ED4F9}"/>
               </a:ext>
             </a:extLst>
           </p:cNvPr>
@@ -12741,7 +12691,7 @@
           <p:cNvPr id="4" name="Textplatzhalter 3">
             <a:extLst>
               <a:ext uri="{FF2B5EF4-FFF2-40B4-BE49-F238E27FC236}">
-                <a16:creationId xmlns="" xmlns:a16="http://schemas.microsoft.com/office/drawing/2014/main" id="{0B322C5C-EB4D-4112-B0B6-50490B09B5EC}"/>
+                <a16:creationId xmlns:a16="http://schemas.microsoft.com/office/drawing/2014/main" xmlns="" id="{0B322C5C-EB4D-4112-B0B6-50490B09B5EC}"/>
               </a:ext>
             </a:extLst>
           </p:cNvPr>
@@ -12812,7 +12762,7 @@
           <p:cNvPr id="5" name="Datumsplatzhalter 4">
             <a:extLst>
               <a:ext uri="{FF2B5EF4-FFF2-40B4-BE49-F238E27FC236}">
-                <a16:creationId xmlns="" xmlns:a16="http://schemas.microsoft.com/office/drawing/2014/main" id="{C1D652FD-7225-4737-AE33-A8CD3F776205}"/>
+                <a16:creationId xmlns:a16="http://schemas.microsoft.com/office/drawing/2014/main" xmlns="" id="{C1D652FD-7225-4737-AE33-A8CD3F776205}"/>
               </a:ext>
             </a:extLst>
           </p:cNvPr>
@@ -12841,7 +12791,7 @@
           <p:cNvPr id="6" name="Fußzeilenplatzhalter 5">
             <a:extLst>
               <a:ext uri="{FF2B5EF4-FFF2-40B4-BE49-F238E27FC236}">
-                <a16:creationId xmlns="" xmlns:a16="http://schemas.microsoft.com/office/drawing/2014/main" id="{E696A282-C156-47AB-A6AC-C6833CD45756}"/>
+                <a16:creationId xmlns:a16="http://schemas.microsoft.com/office/drawing/2014/main" xmlns="" id="{E696A282-C156-47AB-A6AC-C6833CD45756}"/>
               </a:ext>
             </a:extLst>
           </p:cNvPr>
@@ -12866,7 +12816,7 @@
           <p:cNvPr id="7" name="Foliennummernplatzhalter 6">
             <a:extLst>
               <a:ext uri="{FF2B5EF4-FFF2-40B4-BE49-F238E27FC236}">
-                <a16:creationId xmlns="" xmlns:a16="http://schemas.microsoft.com/office/drawing/2014/main" id="{9EFC4400-AC2C-4BB7-9C8F-6A855B086474}"/>
+                <a16:creationId xmlns:a16="http://schemas.microsoft.com/office/drawing/2014/main" xmlns="" id="{9EFC4400-AC2C-4BB7-9C8F-6A855B086474}"/>
               </a:ext>
             </a:extLst>
           </p:cNvPr>
@@ -12925,7 +12875,7 @@
           <p:cNvPr id="2" name="Titel 1">
             <a:extLst>
               <a:ext uri="{FF2B5EF4-FFF2-40B4-BE49-F238E27FC236}">
-                <a16:creationId xmlns="" xmlns:a16="http://schemas.microsoft.com/office/drawing/2014/main" id="{DB8D5C42-DA9E-4587-AE67-E8B8EC98608F}"/>
+                <a16:creationId xmlns:a16="http://schemas.microsoft.com/office/drawing/2014/main" xmlns="" id="{DB8D5C42-DA9E-4587-AE67-E8B8EC98608F}"/>
               </a:ext>
             </a:extLst>
           </p:cNvPr>
@@ -12962,7 +12912,7 @@
           <p:cNvPr id="3" name="Bildplatzhalter 2">
             <a:extLst>
               <a:ext uri="{FF2B5EF4-FFF2-40B4-BE49-F238E27FC236}">
-                <a16:creationId xmlns="" xmlns:a16="http://schemas.microsoft.com/office/drawing/2014/main" id="{1A64A225-42B6-4624-A211-ACE89C1E850E}"/>
+                <a16:creationId xmlns:a16="http://schemas.microsoft.com/office/drawing/2014/main" xmlns="" id="{1A64A225-42B6-4624-A211-ACE89C1E850E}"/>
               </a:ext>
             </a:extLst>
           </p:cNvPr>
@@ -13029,7 +12979,7 @@
           <p:cNvPr id="4" name="Textplatzhalter 3">
             <a:extLst>
               <a:ext uri="{FF2B5EF4-FFF2-40B4-BE49-F238E27FC236}">
-                <a16:creationId xmlns="" xmlns:a16="http://schemas.microsoft.com/office/drawing/2014/main" id="{88065C5E-8323-444B-863B-E0B70B8DD839}"/>
+                <a16:creationId xmlns:a16="http://schemas.microsoft.com/office/drawing/2014/main" xmlns="" id="{88065C5E-8323-444B-863B-E0B70B8DD839}"/>
               </a:ext>
             </a:extLst>
           </p:cNvPr>
@@ -13100,7 +13050,7 @@
           <p:cNvPr id="5" name="Datumsplatzhalter 4">
             <a:extLst>
               <a:ext uri="{FF2B5EF4-FFF2-40B4-BE49-F238E27FC236}">
-                <a16:creationId xmlns="" xmlns:a16="http://schemas.microsoft.com/office/drawing/2014/main" id="{5201BD16-04ED-4E75-A4C7-92CF42FE7A8E}"/>
+                <a16:creationId xmlns:a16="http://schemas.microsoft.com/office/drawing/2014/main" xmlns="" id="{5201BD16-04ED-4E75-A4C7-92CF42FE7A8E}"/>
               </a:ext>
             </a:extLst>
           </p:cNvPr>
@@ -13129,7 +13079,7 @@
           <p:cNvPr id="6" name="Fußzeilenplatzhalter 5">
             <a:extLst>
               <a:ext uri="{FF2B5EF4-FFF2-40B4-BE49-F238E27FC236}">
-                <a16:creationId xmlns="" xmlns:a16="http://schemas.microsoft.com/office/drawing/2014/main" id="{74CC25C4-2D5B-42CD-8BEA-7FA169497EBE}"/>
+                <a16:creationId xmlns:a16="http://schemas.microsoft.com/office/drawing/2014/main" xmlns="" id="{74CC25C4-2D5B-42CD-8BEA-7FA169497EBE}"/>
               </a:ext>
             </a:extLst>
           </p:cNvPr>
@@ -13154,7 +13104,7 @@
           <p:cNvPr id="7" name="Foliennummernplatzhalter 6">
             <a:extLst>
               <a:ext uri="{FF2B5EF4-FFF2-40B4-BE49-F238E27FC236}">
-                <a16:creationId xmlns="" xmlns:a16="http://schemas.microsoft.com/office/drawing/2014/main" id="{70930502-B167-4698-9594-D1080B7539BC}"/>
+                <a16:creationId xmlns:a16="http://schemas.microsoft.com/office/drawing/2014/main" xmlns="" id="{70930502-B167-4698-9594-D1080B7539BC}"/>
               </a:ext>
             </a:extLst>
           </p:cNvPr>
@@ -13218,7 +13168,7 @@
           <p:cNvPr id="2" name="Titelplatzhalter 1">
             <a:extLst>
               <a:ext uri="{FF2B5EF4-FFF2-40B4-BE49-F238E27FC236}">
-                <a16:creationId xmlns="" xmlns:a16="http://schemas.microsoft.com/office/drawing/2014/main" id="{8E6C0C76-839C-4266-9067-37CDFF3A9D75}"/>
+                <a16:creationId xmlns:a16="http://schemas.microsoft.com/office/drawing/2014/main" xmlns="" id="{8E6C0C76-839C-4266-9067-37CDFF3A9D75}"/>
               </a:ext>
             </a:extLst>
           </p:cNvPr>
@@ -13256,7 +13206,7 @@
           <p:cNvPr id="3" name="Textplatzhalter 2">
             <a:extLst>
               <a:ext uri="{FF2B5EF4-FFF2-40B4-BE49-F238E27FC236}">
-                <a16:creationId xmlns="" xmlns:a16="http://schemas.microsoft.com/office/drawing/2014/main" id="{583945DB-94FF-478C-9FEE-AE8F7B42D6B5}"/>
+                <a16:creationId xmlns:a16="http://schemas.microsoft.com/office/drawing/2014/main" xmlns="" id="{583945DB-94FF-478C-9FEE-AE8F7B42D6B5}"/>
               </a:ext>
             </a:extLst>
           </p:cNvPr>
@@ -13323,7 +13273,7 @@
           <p:cNvPr id="4" name="Datumsplatzhalter 3">
             <a:extLst>
               <a:ext uri="{FF2B5EF4-FFF2-40B4-BE49-F238E27FC236}">
-                <a16:creationId xmlns="" xmlns:a16="http://schemas.microsoft.com/office/drawing/2014/main" id="{C351A553-E5BE-42DC-BC3A-47F63D606757}"/>
+                <a16:creationId xmlns:a16="http://schemas.microsoft.com/office/drawing/2014/main" xmlns="" id="{C351A553-E5BE-42DC-BC3A-47F63D606757}"/>
               </a:ext>
             </a:extLst>
           </p:cNvPr>
@@ -13370,7 +13320,7 @@
           <p:cNvPr id="5" name="Fußzeilenplatzhalter 4">
             <a:extLst>
               <a:ext uri="{FF2B5EF4-FFF2-40B4-BE49-F238E27FC236}">
-                <a16:creationId xmlns="" xmlns:a16="http://schemas.microsoft.com/office/drawing/2014/main" id="{AE609C72-4BB4-48FA-815B-D3CB5FA9FAB0}"/>
+                <a16:creationId xmlns:a16="http://schemas.microsoft.com/office/drawing/2014/main" xmlns="" id="{AE609C72-4BB4-48FA-815B-D3CB5FA9FAB0}"/>
               </a:ext>
             </a:extLst>
           </p:cNvPr>
@@ -13413,7 +13363,7 @@
           <p:cNvPr id="6" name="Foliennummernplatzhalter 5">
             <a:extLst>
               <a:ext uri="{FF2B5EF4-FFF2-40B4-BE49-F238E27FC236}">
-                <a16:creationId xmlns="" xmlns:a16="http://schemas.microsoft.com/office/drawing/2014/main" id="{EF857986-AF0C-4699-BC9B-2B60D00FA79F}"/>
+                <a16:creationId xmlns:a16="http://schemas.microsoft.com/office/drawing/2014/main" xmlns="" id="{EF857986-AF0C-4699-BC9B-2B60D00FA79F}"/>
               </a:ext>
             </a:extLst>
           </p:cNvPr>
@@ -13792,10 +13742,10 @@
           <p:cNvPr id="40" name="Freeform: Shape 39">
             <a:extLst>
               <a:ext uri="{FF2B5EF4-FFF2-40B4-BE49-F238E27FC236}">
-                <a16:creationId xmlns="" xmlns:a16="http://schemas.microsoft.com/office/drawing/2014/main" id="{92AA2300-0FA6-4328-9BD8-1D67925C0BD6}"/>
+                <a16:creationId xmlns:a16="http://schemas.microsoft.com/office/drawing/2014/main" xmlns="" id="{92AA2300-0FA6-4328-9BD8-1D67925C0BD6}"/>
               </a:ext>
               <a:ext uri="{C183D7F6-B498-43B3-948B-1728B52AA6E4}">
-                <adec:decorative xmlns="" xmlns:adec="http://schemas.microsoft.com/office/drawing/2017/decorative" val="1"/>
+                <adec:decorative xmlns:adec="http://schemas.microsoft.com/office/drawing/2017/decorative" xmlns="" val="1"/>
               </a:ext>
             </a:extLst>
           </p:cNvPr>
@@ -13805,7 +13755,7 @@
           <p:nvPr>
             <p:extLst>
               <p:ext uri="{386F3935-93C4-4BCD-93E2-E3B085C9AB24}">
-                <p16:designElem xmlns="" xmlns:p16="http://schemas.microsoft.com/office/powerpoint/2015/main" val="1"/>
+                <p16:designElem xmlns:p16="http://schemas.microsoft.com/office/powerpoint/2015/main" xmlns="" val="1"/>
               </p:ext>
             </p:extLst>
           </p:nvPr>
@@ -13963,10 +13913,10 @@
           <p:cNvPr id="42" name="Freeform: Shape 41">
             <a:extLst>
               <a:ext uri="{FF2B5EF4-FFF2-40B4-BE49-F238E27FC236}">
-                <a16:creationId xmlns="" xmlns:a16="http://schemas.microsoft.com/office/drawing/2014/main" id="{D3E1FE85-D0BF-41D3-8B85-04776368E1F0}"/>
+                <a16:creationId xmlns:a16="http://schemas.microsoft.com/office/drawing/2014/main" xmlns="" id="{D3E1FE85-D0BF-41D3-8B85-04776368E1F0}"/>
               </a:ext>
               <a:ext uri="{C183D7F6-B498-43B3-948B-1728B52AA6E4}">
-                <adec:decorative xmlns="" xmlns:adec="http://schemas.microsoft.com/office/drawing/2017/decorative" val="1"/>
+                <adec:decorative xmlns:adec="http://schemas.microsoft.com/office/drawing/2017/decorative" xmlns="" val="1"/>
               </a:ext>
             </a:extLst>
           </p:cNvPr>
@@ -13976,7 +13926,7 @@
           <p:nvPr>
             <p:extLst>
               <p:ext uri="{386F3935-93C4-4BCD-93E2-E3B085C9AB24}">
-                <p16:designElem xmlns="" xmlns:p16="http://schemas.microsoft.com/office/powerpoint/2015/main" val="1"/>
+                <p16:designElem xmlns:p16="http://schemas.microsoft.com/office/powerpoint/2015/main" xmlns="" val="1"/>
               </p:ext>
             </p:extLst>
           </p:nvPr>
@@ -14130,10 +14080,10 @@
           <p:cNvPr id="71" name="Freeform: Shape 43">
             <a:extLst>
               <a:ext uri="{FF2B5EF4-FFF2-40B4-BE49-F238E27FC236}">
-                <a16:creationId xmlns="" xmlns:a16="http://schemas.microsoft.com/office/drawing/2014/main" id="{F2E5A8E1-2A22-48D0-9556-E21648FA1EAC}"/>
+                <a16:creationId xmlns:a16="http://schemas.microsoft.com/office/drawing/2014/main" xmlns="" id="{F2E5A8E1-2A22-48D0-9556-E21648FA1EAC}"/>
               </a:ext>
               <a:ext uri="{C183D7F6-B498-43B3-948B-1728B52AA6E4}">
-                <adec:decorative xmlns="" xmlns:adec="http://schemas.microsoft.com/office/drawing/2017/decorative" val="1"/>
+                <adec:decorative xmlns:adec="http://schemas.microsoft.com/office/drawing/2017/decorative" xmlns="" val="1"/>
               </a:ext>
             </a:extLst>
           </p:cNvPr>
@@ -14143,7 +14093,7 @@
           <p:nvPr>
             <p:extLst>
               <p:ext uri="{386F3935-93C4-4BCD-93E2-E3B085C9AB24}">
-                <p16:designElem xmlns="" xmlns:p16="http://schemas.microsoft.com/office/powerpoint/2015/main" val="1"/>
+                <p16:designElem xmlns:p16="http://schemas.microsoft.com/office/powerpoint/2015/main" xmlns="" val="1"/>
               </p:ext>
             </p:extLst>
           </p:nvPr>
@@ -14309,10 +14259,10 @@
           <p:cNvPr id="46" name="Freeform: Shape 45">
             <a:extLst>
               <a:ext uri="{FF2B5EF4-FFF2-40B4-BE49-F238E27FC236}">
-                <a16:creationId xmlns="" xmlns:a16="http://schemas.microsoft.com/office/drawing/2014/main" id="{1072B470-1E76-42B5-86EA-1FB0F881D7EF}"/>
+                <a16:creationId xmlns:a16="http://schemas.microsoft.com/office/drawing/2014/main" xmlns="" id="{1072B470-1E76-42B5-86EA-1FB0F881D7EF}"/>
               </a:ext>
               <a:ext uri="{C183D7F6-B498-43B3-948B-1728B52AA6E4}">
-                <adec:decorative xmlns="" xmlns:adec="http://schemas.microsoft.com/office/drawing/2017/decorative" val="1"/>
+                <adec:decorative xmlns:adec="http://schemas.microsoft.com/office/drawing/2017/decorative" xmlns="" val="1"/>
               </a:ext>
             </a:extLst>
           </p:cNvPr>
@@ -14322,7 +14272,7 @@
           <p:nvPr>
             <p:extLst>
               <p:ext uri="{386F3935-93C4-4BCD-93E2-E3B085C9AB24}">
-                <p16:designElem xmlns="" xmlns:p16="http://schemas.microsoft.com/office/powerpoint/2015/main" val="1"/>
+                <p16:designElem xmlns:p16="http://schemas.microsoft.com/office/powerpoint/2015/main" xmlns="" val="1"/>
               </p:ext>
             </p:extLst>
           </p:nvPr>
@@ -14478,10 +14428,10 @@
           <p:cNvPr id="48" name="Freeform: Shape 47">
             <a:extLst>
               <a:ext uri="{FF2B5EF4-FFF2-40B4-BE49-F238E27FC236}">
-                <a16:creationId xmlns="" xmlns:a16="http://schemas.microsoft.com/office/drawing/2014/main" id="{DDD8B025-3845-4DEF-98B6-7C0BF531DB78}"/>
+                <a16:creationId xmlns:a16="http://schemas.microsoft.com/office/drawing/2014/main" xmlns="" id="{DDD8B025-3845-4DEF-98B6-7C0BF531DB78}"/>
               </a:ext>
               <a:ext uri="{C183D7F6-B498-43B3-948B-1728B52AA6E4}">
-                <adec:decorative xmlns="" xmlns:adec="http://schemas.microsoft.com/office/drawing/2017/decorative" val="1"/>
+                <adec:decorative xmlns:adec="http://schemas.microsoft.com/office/drawing/2017/decorative" xmlns="" val="1"/>
               </a:ext>
             </a:extLst>
           </p:cNvPr>
@@ -14491,7 +14441,7 @@
           <p:nvPr>
             <p:extLst>
               <p:ext uri="{386F3935-93C4-4BCD-93E2-E3B085C9AB24}">
-                <p16:designElem xmlns="" xmlns:p16="http://schemas.microsoft.com/office/powerpoint/2015/main" val="1"/>
+                <p16:designElem xmlns:p16="http://schemas.microsoft.com/office/powerpoint/2015/main" xmlns="" val="1"/>
               </p:ext>
             </p:extLst>
           </p:nvPr>
@@ -14655,10 +14605,10 @@
           <p:cNvPr id="50" name="Freeform: Shape 49">
             <a:extLst>
               <a:ext uri="{FF2B5EF4-FFF2-40B4-BE49-F238E27FC236}">
-                <a16:creationId xmlns="" xmlns:a16="http://schemas.microsoft.com/office/drawing/2014/main" id="{C4051FED-CF0D-4DDD-A9BB-E58FEEFE7C46}"/>
+                <a16:creationId xmlns:a16="http://schemas.microsoft.com/office/drawing/2014/main" xmlns="" id="{C4051FED-CF0D-4DDD-A9BB-E58FEEFE7C46}"/>
               </a:ext>
               <a:ext uri="{C183D7F6-B498-43B3-948B-1728B52AA6E4}">
-                <adec:decorative xmlns="" xmlns:adec="http://schemas.microsoft.com/office/drawing/2017/decorative" val="1"/>
+                <adec:decorative xmlns:adec="http://schemas.microsoft.com/office/drawing/2017/decorative" xmlns="" val="1"/>
               </a:ext>
             </a:extLst>
           </p:cNvPr>
@@ -14668,7 +14618,7 @@
           <p:nvPr>
             <p:extLst>
               <p:ext uri="{386F3935-93C4-4BCD-93E2-E3B085C9AB24}">
-                <p16:designElem xmlns="" xmlns:p16="http://schemas.microsoft.com/office/powerpoint/2015/main" val="1"/>
+                <p16:designElem xmlns:p16="http://schemas.microsoft.com/office/powerpoint/2015/main" xmlns="" val="1"/>
               </p:ext>
             </p:extLst>
           </p:nvPr>
@@ -14822,7 +14772,7 @@
           <p:cNvPr id="34" name="Grafik 33">
             <a:extLst>
               <a:ext uri="{FF2B5EF4-FFF2-40B4-BE49-F238E27FC236}">
-                <a16:creationId xmlns="" xmlns:a16="http://schemas.microsoft.com/office/drawing/2014/main" id="{C4B2D1B6-9CC9-4D39-9877-4068CF726A6D}"/>
+                <a16:creationId xmlns:a16="http://schemas.microsoft.com/office/drawing/2014/main" xmlns="" id="{C4B2D1B6-9CC9-4D39-9877-4068CF726A6D}"/>
               </a:ext>
             </a:extLst>
           </p:cNvPr>
@@ -14858,7 +14808,7 @@
           <p:cNvPr id="7" name="Grafik 6">
             <a:extLst>
               <a:ext uri="{FF2B5EF4-FFF2-40B4-BE49-F238E27FC236}">
-                <a16:creationId xmlns="" xmlns:a16="http://schemas.microsoft.com/office/drawing/2014/main" id="{20A64369-5BE0-40C8-B9CB-5E6B39AA2511}"/>
+                <a16:creationId xmlns:a16="http://schemas.microsoft.com/office/drawing/2014/main" xmlns="" id="{20A64369-5BE0-40C8-B9CB-5E6B39AA2511}"/>
               </a:ext>
             </a:extLst>
           </p:cNvPr>
@@ -14894,7 +14844,7 @@
           <p:cNvPr id="9" name="Grafik 8">
             <a:extLst>
               <a:ext uri="{FF2B5EF4-FFF2-40B4-BE49-F238E27FC236}">
-                <a16:creationId xmlns="" xmlns:a16="http://schemas.microsoft.com/office/drawing/2014/main" id="{7A44D108-3F84-4CB9-8043-9E1F67833057}"/>
+                <a16:creationId xmlns:a16="http://schemas.microsoft.com/office/drawing/2014/main" xmlns="" id="{7A44D108-3F84-4CB9-8043-9E1F67833057}"/>
               </a:ext>
             </a:extLst>
           </p:cNvPr>
@@ -14910,7 +14860,7 @@
                 <a14:useLocalDpi xmlns:a14="http://schemas.microsoft.com/office/drawing/2010/main" val="0"/>
               </a:ext>
               <a:ext uri="{96DAC541-7B7A-43D3-8B79-37D633B846F1}">
-                <asvg:svgBlip xmlns="" xmlns:asvg="http://schemas.microsoft.com/office/drawing/2016/SVG/main" r:embed="rId5"/>
+                <asvg:svgBlip xmlns:asvg="http://schemas.microsoft.com/office/drawing/2016/SVG/main" xmlns="" r:embed="rId5"/>
               </a:ext>
             </a:extLst>
           </a:blip>
@@ -14933,7 +14883,7 @@
           <p:cNvPr id="2" name="Titel 1">
             <a:extLst>
               <a:ext uri="{FF2B5EF4-FFF2-40B4-BE49-F238E27FC236}">
-                <a16:creationId xmlns="" xmlns:a16="http://schemas.microsoft.com/office/drawing/2014/main" id="{7B47AFD9-8E90-4C61-9AB3-7FC588346B9D}"/>
+                <a16:creationId xmlns:a16="http://schemas.microsoft.com/office/drawing/2014/main" xmlns="" id="{7B47AFD9-8E90-4C61-9AB3-7FC588346B9D}"/>
               </a:ext>
             </a:extLst>
           </p:cNvPr>
@@ -14970,7 +14920,7 @@
           <p:cNvPr id="3" name="Untertitel 2">
             <a:extLst>
               <a:ext uri="{FF2B5EF4-FFF2-40B4-BE49-F238E27FC236}">
-                <a16:creationId xmlns="" xmlns:a16="http://schemas.microsoft.com/office/drawing/2014/main" id="{2BFFC9BF-292C-4541-88FD-73573910C544}"/>
+                <a16:creationId xmlns:a16="http://schemas.microsoft.com/office/drawing/2014/main" xmlns="" id="{2BFFC9BF-292C-4541-88FD-73573910C544}"/>
               </a:ext>
             </a:extLst>
           </p:cNvPr>
@@ -15058,10 +15008,10 @@
           <p:cNvPr id="121" name="Freeform: Shape 120">
             <a:extLst>
               <a:ext uri="{FF2B5EF4-FFF2-40B4-BE49-F238E27FC236}">
-                <a16:creationId xmlns="" xmlns:a16="http://schemas.microsoft.com/office/drawing/2014/main" id="{0C526D66-3621-4347-B1EF-342CBF4DB9C1}"/>
+                <a16:creationId xmlns:a16="http://schemas.microsoft.com/office/drawing/2014/main" xmlns="" id="{0C526D66-3621-4347-B1EF-342CBF4DB9C1}"/>
               </a:ext>
               <a:ext uri="{C183D7F6-B498-43B3-948B-1728B52AA6E4}">
-                <adec:decorative xmlns="" xmlns:adec="http://schemas.microsoft.com/office/drawing/2017/decorative" val="1"/>
+                <adec:decorative xmlns:adec="http://schemas.microsoft.com/office/drawing/2017/decorative" xmlns="" val="1"/>
               </a:ext>
             </a:extLst>
           </p:cNvPr>
@@ -15071,7 +15021,7 @@
           <p:nvPr>
             <p:extLst>
               <p:ext uri="{386F3935-93C4-4BCD-93E2-E3B085C9AB24}">
-                <p16:designElem xmlns="" xmlns:p16="http://schemas.microsoft.com/office/powerpoint/2015/main" val="1"/>
+                <p16:designElem xmlns:p16="http://schemas.microsoft.com/office/powerpoint/2015/main" xmlns="" val="1"/>
               </p:ext>
             </p:extLst>
           </p:nvPr>
@@ -15261,10 +15211,10 @@
           <p:cNvPr id="123" name="Freeform: Shape 122">
             <a:extLst>
               <a:ext uri="{FF2B5EF4-FFF2-40B4-BE49-F238E27FC236}">
-                <a16:creationId xmlns="" xmlns:a16="http://schemas.microsoft.com/office/drawing/2014/main" id="{8A177BCC-4208-4795-8572-4D623BA1E2A0}"/>
+                <a16:creationId xmlns:a16="http://schemas.microsoft.com/office/drawing/2014/main" xmlns="" id="{8A177BCC-4208-4795-8572-4D623BA1E2A0}"/>
               </a:ext>
               <a:ext uri="{C183D7F6-B498-43B3-948B-1728B52AA6E4}">
-                <adec:decorative xmlns="" xmlns:adec="http://schemas.microsoft.com/office/drawing/2017/decorative" val="1"/>
+                <adec:decorative xmlns:adec="http://schemas.microsoft.com/office/drawing/2017/decorative" xmlns="" val="1"/>
               </a:ext>
             </a:extLst>
           </p:cNvPr>
@@ -15274,7 +15224,7 @@
           <p:nvPr>
             <p:extLst>
               <p:ext uri="{386F3935-93C4-4BCD-93E2-E3B085C9AB24}">
-                <p16:designElem xmlns="" xmlns:p16="http://schemas.microsoft.com/office/powerpoint/2015/main" val="1"/>
+                <p16:designElem xmlns:p16="http://schemas.microsoft.com/office/powerpoint/2015/main" xmlns="" val="1"/>
               </p:ext>
             </p:extLst>
           </p:nvPr>
@@ -15430,10 +15380,10 @@
           <p:cNvPr id="125" name="Freeform: Shape 124">
             <a:extLst>
               <a:ext uri="{FF2B5EF4-FFF2-40B4-BE49-F238E27FC236}">
-                <a16:creationId xmlns="" xmlns:a16="http://schemas.microsoft.com/office/drawing/2014/main" id="{0193166D-DDF1-4F9A-A786-A7AEF5375C06}"/>
+                <a16:creationId xmlns:a16="http://schemas.microsoft.com/office/drawing/2014/main" xmlns="" id="{0193166D-DDF1-4F9A-A786-A7AEF5375C06}"/>
               </a:ext>
               <a:ext uri="{C183D7F6-B498-43B3-948B-1728B52AA6E4}">
-                <adec:decorative xmlns="" xmlns:adec="http://schemas.microsoft.com/office/drawing/2017/decorative" val="1"/>
+                <adec:decorative xmlns:adec="http://schemas.microsoft.com/office/drawing/2017/decorative" xmlns="" val="1"/>
               </a:ext>
             </a:extLst>
           </p:cNvPr>
@@ -15443,7 +15393,7 @@
           <p:nvPr>
             <p:extLst>
               <p:ext uri="{386F3935-93C4-4BCD-93E2-E3B085C9AB24}">
-                <p16:designElem xmlns="" xmlns:p16="http://schemas.microsoft.com/office/powerpoint/2015/main" val="1"/>
+                <p16:designElem xmlns:p16="http://schemas.microsoft.com/office/powerpoint/2015/main" xmlns="" val="1"/>
               </p:ext>
             </p:extLst>
           </p:nvPr>
@@ -15631,10 +15581,10 @@
           <p:cNvPr id="127" name="Freeform: Shape 126">
             <a:extLst>
               <a:ext uri="{FF2B5EF4-FFF2-40B4-BE49-F238E27FC236}">
-                <a16:creationId xmlns="" xmlns:a16="http://schemas.microsoft.com/office/drawing/2014/main" id="{E4EE7214-AC05-465E-A501-65AA04EF5E1A}"/>
+                <a16:creationId xmlns:a16="http://schemas.microsoft.com/office/drawing/2014/main" xmlns="" id="{E4EE7214-AC05-465E-A501-65AA04EF5E1A}"/>
               </a:ext>
               <a:ext uri="{C183D7F6-B498-43B3-948B-1728B52AA6E4}">
-                <adec:decorative xmlns="" xmlns:adec="http://schemas.microsoft.com/office/drawing/2017/decorative" val="1"/>
+                <adec:decorative xmlns:adec="http://schemas.microsoft.com/office/drawing/2017/decorative" xmlns="" val="1"/>
               </a:ext>
             </a:extLst>
           </p:cNvPr>
@@ -15644,7 +15594,7 @@
           <p:nvPr>
             <p:extLst>
               <p:ext uri="{386F3935-93C4-4BCD-93E2-E3B085C9AB24}">
-                <p16:designElem xmlns="" xmlns:p16="http://schemas.microsoft.com/office/powerpoint/2015/main" val="1"/>
+                <p16:designElem xmlns:p16="http://schemas.microsoft.com/office/powerpoint/2015/main" xmlns="" val="1"/>
               </p:ext>
             </p:extLst>
           </p:nvPr>
@@ -15798,7 +15748,7 @@
           <p:cNvPr id="4" name="Grafik 3">
             <a:extLst>
               <a:ext uri="{FF2B5EF4-FFF2-40B4-BE49-F238E27FC236}">
-                <a16:creationId xmlns="" xmlns:a16="http://schemas.microsoft.com/office/drawing/2014/main" id="{7830B805-B3AA-4E8D-BB14-56F2C91F4433}"/>
+                <a16:creationId xmlns:a16="http://schemas.microsoft.com/office/drawing/2014/main" xmlns="" id="{7830B805-B3AA-4E8D-BB14-56F2C91F4433}"/>
               </a:ext>
             </a:extLst>
           </p:cNvPr>
@@ -15814,7 +15764,7 @@
                 <a14:useLocalDpi xmlns:a14="http://schemas.microsoft.com/office/drawing/2010/main" val="0"/>
               </a:ext>
               <a:ext uri="{96DAC541-7B7A-43D3-8B79-37D633B846F1}">
-                <asvg:svgBlip xmlns="" xmlns:asvg="http://schemas.microsoft.com/office/drawing/2016/SVG/main" r:embed="rId4"/>
+                <asvg:svgBlip xmlns:asvg="http://schemas.microsoft.com/office/drawing/2016/SVG/main" xmlns="" r:embed="rId4"/>
               </a:ext>
             </a:extLst>
           </a:blip>
@@ -15837,7 +15787,7 @@
           <p:cNvPr id="11" name="Grafik 10">
             <a:extLst>
               <a:ext uri="{FF2B5EF4-FFF2-40B4-BE49-F238E27FC236}">
-                <a16:creationId xmlns="" xmlns:a16="http://schemas.microsoft.com/office/drawing/2014/main" id="{7686D367-D5D2-426B-A0B0-E5A7C8ECC2D9}"/>
+                <a16:creationId xmlns:a16="http://schemas.microsoft.com/office/drawing/2014/main" xmlns="" id="{7686D367-D5D2-426B-A0B0-E5A7C8ECC2D9}"/>
               </a:ext>
             </a:extLst>
           </p:cNvPr>
@@ -15873,7 +15823,7 @@
           <p:cNvPr id="111" name="Inhaltsplatzhalter 2">
             <a:extLst>
               <a:ext uri="{FF2B5EF4-FFF2-40B4-BE49-F238E27FC236}">
-                <a16:creationId xmlns="" xmlns:a16="http://schemas.microsoft.com/office/drawing/2014/main" id="{DFED6985-E05C-5442-8D81-240D91D1C65A}"/>
+                <a16:creationId xmlns:a16="http://schemas.microsoft.com/office/drawing/2014/main" xmlns="" id="{DFED6985-E05C-5442-8D81-240D91D1C65A}"/>
               </a:ext>
             </a:extLst>
           </p:cNvPr>
@@ -16076,7 +16026,7 @@
           <p:cNvPr id="8" name="Grafik 7">
             <a:extLst>
               <a:ext uri="{FF2B5EF4-FFF2-40B4-BE49-F238E27FC236}">
-                <a16:creationId xmlns="" xmlns:a16="http://schemas.microsoft.com/office/drawing/2014/main" id="{DFA0BA83-B92C-462D-8C67-FAE88DDFE559}"/>
+                <a16:creationId xmlns:a16="http://schemas.microsoft.com/office/drawing/2014/main" xmlns="" id="{DFA0BA83-B92C-462D-8C67-FAE88DDFE559}"/>
               </a:ext>
             </a:extLst>
           </p:cNvPr>
@@ -16112,7 +16062,7 @@
           <p:cNvPr id="6" name="Titel 5">
             <a:extLst>
               <a:ext uri="{FF2B5EF4-FFF2-40B4-BE49-F238E27FC236}">
-                <a16:creationId xmlns="" xmlns:a16="http://schemas.microsoft.com/office/drawing/2014/main" id="{97D4CC26-A6D9-44D5-BE51-0167991D4E18}"/>
+                <a16:creationId xmlns:a16="http://schemas.microsoft.com/office/drawing/2014/main" xmlns="" id="{97D4CC26-A6D9-44D5-BE51-0167991D4E18}"/>
               </a:ext>
             </a:extLst>
           </p:cNvPr>
@@ -16207,10 +16157,10 @@
           <p:cNvPr id="24" name="Down Arrow 7">
             <a:extLst>
               <a:ext uri="{FF2B5EF4-FFF2-40B4-BE49-F238E27FC236}">
-                <a16:creationId xmlns="" xmlns:a16="http://schemas.microsoft.com/office/drawing/2014/main" id="{B547373F-AF2E-4907-B442-9F902B387FD0}"/>
+                <a16:creationId xmlns:a16="http://schemas.microsoft.com/office/drawing/2014/main" xmlns="" id="{B547373F-AF2E-4907-B442-9F902B387FD0}"/>
               </a:ext>
               <a:ext uri="{C183D7F6-B498-43B3-948B-1728B52AA6E4}">
-                <adec:decorative xmlns="" xmlns:adec="http://schemas.microsoft.com/office/drawing/2017/decorative" val="1"/>
+                <adec:decorative xmlns:adec="http://schemas.microsoft.com/office/drawing/2017/decorative" xmlns="" val="1"/>
               </a:ext>
             </a:extLst>
           </p:cNvPr>
@@ -16220,7 +16170,7 @@
           <p:nvPr>
             <p:extLst>
               <p:ext uri="{386F3935-93C4-4BCD-93E2-E3B085C9AB24}">
-                <p16:designElem xmlns="" xmlns:p16="http://schemas.microsoft.com/office/powerpoint/2015/main" val="1"/>
+                <p16:designElem xmlns:p16="http://schemas.microsoft.com/office/powerpoint/2015/main" xmlns="" val="1"/>
               </p:ext>
             </p:extLst>
           </p:nvPr>
@@ -16276,7 +16226,7 @@
           <p:cNvPr id="19" name="Grafik 18">
             <a:extLst>
               <a:ext uri="{FF2B5EF4-FFF2-40B4-BE49-F238E27FC236}">
-                <a16:creationId xmlns="" xmlns:a16="http://schemas.microsoft.com/office/drawing/2014/main" id="{6A0CF42E-C820-4C87-884E-7A7671423EB6}"/>
+                <a16:creationId xmlns:a16="http://schemas.microsoft.com/office/drawing/2014/main" xmlns="" id="{6A0CF42E-C820-4C87-884E-7A7671423EB6}"/>
               </a:ext>
             </a:extLst>
           </p:cNvPr>
@@ -16312,7 +16262,7 @@
           <p:cNvPr id="2" name="Titel 1">
             <a:extLst>
               <a:ext uri="{FF2B5EF4-FFF2-40B4-BE49-F238E27FC236}">
-                <a16:creationId xmlns="" xmlns:a16="http://schemas.microsoft.com/office/drawing/2014/main" id="{2739BE3E-CAB9-4698-9CD4-9384CBCC5931}"/>
+                <a16:creationId xmlns:a16="http://schemas.microsoft.com/office/drawing/2014/main" xmlns="" id="{2739BE3E-CAB9-4698-9CD4-9384CBCC5931}"/>
               </a:ext>
             </a:extLst>
           </p:cNvPr>
@@ -16353,7 +16303,7 @@
           <p:cNvPr id="5" name="Diagramm 4">
             <a:extLst>
               <a:ext uri="{FF2B5EF4-FFF2-40B4-BE49-F238E27FC236}">
-                <a16:creationId xmlns="" xmlns:a16="http://schemas.microsoft.com/office/drawing/2014/main" id="{E6303B73-1BE8-495B-810F-B7171065D7DF}"/>
+                <a16:creationId xmlns:a16="http://schemas.microsoft.com/office/drawing/2014/main" xmlns="" id="{E6303B73-1BE8-495B-810F-B7171065D7DF}"/>
               </a:ext>
             </a:extLst>
           </p:cNvPr>
@@ -16426,10 +16376,10 @@
           <p:cNvPr id="24" name="Down Arrow 7">
             <a:extLst>
               <a:ext uri="{FF2B5EF4-FFF2-40B4-BE49-F238E27FC236}">
-                <a16:creationId xmlns="" xmlns:a16="http://schemas.microsoft.com/office/drawing/2014/main" id="{B547373F-AF2E-4907-B442-9F902B387FD0}"/>
+                <a16:creationId xmlns:a16="http://schemas.microsoft.com/office/drawing/2014/main" xmlns="" id="{B547373F-AF2E-4907-B442-9F902B387FD0}"/>
               </a:ext>
               <a:ext uri="{C183D7F6-B498-43B3-948B-1728B52AA6E4}">
-                <adec:decorative xmlns="" xmlns:adec="http://schemas.microsoft.com/office/drawing/2017/decorative" val="1"/>
+                <adec:decorative xmlns:adec="http://schemas.microsoft.com/office/drawing/2017/decorative" xmlns="" val="1"/>
               </a:ext>
             </a:extLst>
           </p:cNvPr>
@@ -16439,7 +16389,7 @@
           <p:nvPr>
             <p:extLst>
               <p:ext uri="{386F3935-93C4-4BCD-93E2-E3B085C9AB24}">
-                <p16:designElem xmlns="" xmlns:p16="http://schemas.microsoft.com/office/powerpoint/2015/main" val="1"/>
+                <p16:designElem xmlns:p16="http://schemas.microsoft.com/office/powerpoint/2015/main" xmlns="" val="1"/>
               </p:ext>
             </p:extLst>
           </p:nvPr>
@@ -16495,7 +16445,7 @@
           <p:cNvPr id="19" name="Grafik 18">
             <a:extLst>
               <a:ext uri="{FF2B5EF4-FFF2-40B4-BE49-F238E27FC236}">
-                <a16:creationId xmlns="" xmlns:a16="http://schemas.microsoft.com/office/drawing/2014/main" id="{6A0CF42E-C820-4C87-884E-7A7671423EB6}"/>
+                <a16:creationId xmlns:a16="http://schemas.microsoft.com/office/drawing/2014/main" xmlns="" id="{6A0CF42E-C820-4C87-884E-7A7671423EB6}"/>
               </a:ext>
             </a:extLst>
           </p:cNvPr>
@@ -16531,7 +16481,7 @@
           <p:cNvPr id="2" name="Titel 1">
             <a:extLst>
               <a:ext uri="{FF2B5EF4-FFF2-40B4-BE49-F238E27FC236}">
-                <a16:creationId xmlns="" xmlns:a16="http://schemas.microsoft.com/office/drawing/2014/main" id="{2739BE3E-CAB9-4698-9CD4-9384CBCC5931}"/>
+                <a16:creationId xmlns:a16="http://schemas.microsoft.com/office/drawing/2014/main" xmlns="" id="{2739BE3E-CAB9-4698-9CD4-9384CBCC5931}"/>
               </a:ext>
             </a:extLst>
           </p:cNvPr>
@@ -17206,10 +17156,10 @@
           <p:cNvPr id="24" name="Down Arrow 7">
             <a:extLst>
               <a:ext uri="{FF2B5EF4-FFF2-40B4-BE49-F238E27FC236}">
-                <a16:creationId xmlns="" xmlns:a16="http://schemas.microsoft.com/office/drawing/2014/main" id="{B547373F-AF2E-4907-B442-9F902B387FD0}"/>
+                <a16:creationId xmlns:a16="http://schemas.microsoft.com/office/drawing/2014/main" xmlns="" id="{B547373F-AF2E-4907-B442-9F902B387FD0}"/>
               </a:ext>
               <a:ext uri="{C183D7F6-B498-43B3-948B-1728B52AA6E4}">
-                <adec:decorative xmlns="" xmlns:adec="http://schemas.microsoft.com/office/drawing/2017/decorative" val="1"/>
+                <adec:decorative xmlns:adec="http://schemas.microsoft.com/office/drawing/2017/decorative" xmlns="" val="1"/>
               </a:ext>
             </a:extLst>
           </p:cNvPr>
@@ -17219,7 +17169,7 @@
           <p:nvPr>
             <p:extLst>
               <p:ext uri="{386F3935-93C4-4BCD-93E2-E3B085C9AB24}">
-                <p16:designElem xmlns="" xmlns:p16="http://schemas.microsoft.com/office/powerpoint/2015/main" val="1"/>
+                <p16:designElem xmlns:p16="http://schemas.microsoft.com/office/powerpoint/2015/main" xmlns="" val="1"/>
               </p:ext>
             </p:extLst>
           </p:nvPr>
@@ -17275,7 +17225,7 @@
           <p:cNvPr id="19" name="Grafik 18">
             <a:extLst>
               <a:ext uri="{FF2B5EF4-FFF2-40B4-BE49-F238E27FC236}">
-                <a16:creationId xmlns="" xmlns:a16="http://schemas.microsoft.com/office/drawing/2014/main" id="{6A0CF42E-C820-4C87-884E-7A7671423EB6}"/>
+                <a16:creationId xmlns:a16="http://schemas.microsoft.com/office/drawing/2014/main" xmlns="" id="{6A0CF42E-C820-4C87-884E-7A7671423EB6}"/>
               </a:ext>
             </a:extLst>
           </p:cNvPr>
@@ -17311,7 +17261,7 @@
           <p:cNvPr id="2" name="Titel 1">
             <a:extLst>
               <a:ext uri="{FF2B5EF4-FFF2-40B4-BE49-F238E27FC236}">
-                <a16:creationId xmlns="" xmlns:a16="http://schemas.microsoft.com/office/drawing/2014/main" id="{2739BE3E-CAB9-4698-9CD4-9384CBCC5931}"/>
+                <a16:creationId xmlns:a16="http://schemas.microsoft.com/office/drawing/2014/main" xmlns="" id="{2739BE3E-CAB9-4698-9CD4-9384CBCC5931}"/>
               </a:ext>
             </a:extLst>
           </p:cNvPr>
@@ -17361,7 +17311,7 @@
         <p:spPr>
           <a:xfrm>
             <a:off x="5328745" y="1008621"/>
-            <a:ext cx="7168055" cy="4524315"/>
+            <a:ext cx="7168055" cy="3785652"/>
           </a:xfrm>
           <a:prstGeom prst="rect">
             <a:avLst/>
@@ -17432,23 +17382,12 @@
               </a:lnSpc>
             </a:pPr>
             <a:r>
-              <a:rPr lang="de-DE" sz="2400" dirty="0"/>
-              <a:t>Unterstützung für </a:t>
+              <a:rPr lang="de-DE" sz="2400" dirty="0" smtClean="0"/>
+              <a:t>Unterschiedliche </a:t>
             </a:r>
             <a:r>
               <a:rPr lang="de-DE" sz="2400" dirty="0" smtClean="0"/>
-              <a:t>Webcams</a:t>
-            </a:r>
-          </a:p>
-          <a:p>
-            <a:pPr fontAlgn="t">
-              <a:lnSpc>
-                <a:spcPct val="200000"/>
-              </a:lnSpc>
-            </a:pPr>
-            <a:r>
-              <a:rPr lang="de-DE" sz="2400" dirty="0" smtClean="0"/>
-              <a:t>Unterschiedliche Sprachen</a:t>
+              <a:t>Sprachen</a:t>
             </a:r>
             <a:endParaRPr lang="de-DE" sz="2400" dirty="0"/>
           </a:p>
@@ -17576,7 +17515,7 @@
       </p:pic>
       <p:pic>
         <p:nvPicPr>
-          <p:cNvPr id="9" name="Grafik 8"/>
+          <p:cNvPr id="4" name="Grafik 3"/>
           <p:cNvPicPr>
             <a:picLocks noChangeAspect="1"/>
           </p:cNvPicPr>
@@ -17596,37 +17535,7 @@
         </p:blipFill>
         <p:spPr>
           <a:xfrm>
-            <a:off x="4887313" y="4228023"/>
-            <a:ext cx="457588" cy="457588"/>
-          </a:xfrm>
-          <a:prstGeom prst="rect">
-            <a:avLst/>
-          </a:prstGeom>
-        </p:spPr>
-      </p:pic>
-      <p:pic>
-        <p:nvPicPr>
-          <p:cNvPr id="4" name="Grafik 3"/>
-          <p:cNvPicPr>
-            <a:picLocks noChangeAspect="1"/>
-          </p:cNvPicPr>
-          <p:nvPr/>
-        </p:nvPicPr>
-        <p:blipFill>
-          <a:blip r:embed="rId8">
-            <a:extLst>
-              <a:ext uri="{28A0092B-C50C-407E-A947-70E740481C1C}">
-                <a14:useLocalDpi xmlns:a14="http://schemas.microsoft.com/office/drawing/2010/main" val="0"/>
-              </a:ext>
-            </a:extLst>
-          </a:blip>
-          <a:stretch>
-            <a:fillRect/>
-          </a:stretch>
-        </p:blipFill>
-        <p:spPr>
-          <a:xfrm>
-            <a:off x="4887313" y="5053041"/>
+            <a:off x="4844747" y="4314378"/>
             <a:ext cx="479895" cy="479895"/>
           </a:xfrm>
           <a:prstGeom prst="rect">
@@ -17684,10 +17593,10 @@
           <p:cNvPr id="116" name="Down Arrow 7">
             <a:extLst>
               <a:ext uri="{FF2B5EF4-FFF2-40B4-BE49-F238E27FC236}">
-                <a16:creationId xmlns="" xmlns:a16="http://schemas.microsoft.com/office/drawing/2014/main" id="{B547373F-AF2E-4907-B442-9F902B387FD0}"/>
+                <a16:creationId xmlns:a16="http://schemas.microsoft.com/office/drawing/2014/main" xmlns="" id="{B547373F-AF2E-4907-B442-9F902B387FD0}"/>
               </a:ext>
               <a:ext uri="{C183D7F6-B498-43B3-948B-1728B52AA6E4}">
-                <adec:decorative xmlns="" xmlns:adec="http://schemas.microsoft.com/office/drawing/2017/decorative" val="1"/>
+                <adec:decorative xmlns:adec="http://schemas.microsoft.com/office/drawing/2017/decorative" xmlns="" val="1"/>
               </a:ext>
             </a:extLst>
           </p:cNvPr>
@@ -17697,7 +17606,7 @@
           <p:nvPr>
             <p:extLst>
               <p:ext uri="{386F3935-93C4-4BCD-93E2-E3B085C9AB24}">
-                <p16:designElem xmlns="" xmlns:p16="http://schemas.microsoft.com/office/powerpoint/2015/main" val="1"/>
+                <p16:designElem xmlns:p16="http://schemas.microsoft.com/office/powerpoint/2015/main" xmlns="" val="1"/>
               </p:ext>
             </p:extLst>
           </p:nvPr>
@@ -17753,7 +17662,7 @@
           <p:cNvPr id="111" name="Inhaltsplatzhalter 2">
             <a:extLst>
               <a:ext uri="{FF2B5EF4-FFF2-40B4-BE49-F238E27FC236}">
-                <a16:creationId xmlns="" xmlns:a16="http://schemas.microsoft.com/office/drawing/2014/main" id="{DFED6985-E05C-5442-8D81-240D91D1C65A}"/>
+                <a16:creationId xmlns:a16="http://schemas.microsoft.com/office/drawing/2014/main" xmlns="" id="{DFED6985-E05C-5442-8D81-240D91D1C65A}"/>
               </a:ext>
             </a:extLst>
           </p:cNvPr>
@@ -17956,7 +17865,7 @@
           <p:cNvPr id="7" name="Grafik 6">
             <a:extLst>
               <a:ext uri="{FF2B5EF4-FFF2-40B4-BE49-F238E27FC236}">
-                <a16:creationId xmlns="" xmlns:a16="http://schemas.microsoft.com/office/drawing/2014/main" id="{7A887C29-BDDD-470A-A266-BBA08FA64108}"/>
+                <a16:creationId xmlns:a16="http://schemas.microsoft.com/office/drawing/2014/main" xmlns="" id="{7A887C29-BDDD-470A-A266-BBA08FA64108}"/>
               </a:ext>
             </a:extLst>
           </p:cNvPr>
@@ -17992,7 +17901,7 @@
           <p:cNvPr id="6" name="Titel 5">
             <a:extLst>
               <a:ext uri="{FF2B5EF4-FFF2-40B4-BE49-F238E27FC236}">
-                <a16:creationId xmlns="" xmlns:a16="http://schemas.microsoft.com/office/drawing/2014/main" id="{97D4CC26-A6D9-44D5-BE51-0167991D4E18}"/>
+                <a16:creationId xmlns:a16="http://schemas.microsoft.com/office/drawing/2014/main" xmlns="" id="{97D4CC26-A6D9-44D5-BE51-0167991D4E18}"/>
               </a:ext>
             </a:extLst>
           </p:cNvPr>
@@ -18041,7 +17950,7 @@
           <p:cNvPr id="8" name="Inhaltsplatzhalter 2">
             <a:extLst>
               <a:ext uri="{FF2B5EF4-FFF2-40B4-BE49-F238E27FC236}">
-                <a16:creationId xmlns="" xmlns:a16="http://schemas.microsoft.com/office/drawing/2014/main" id="{7003E075-98FD-4D24-9416-AC73CBE803DB}"/>
+                <a16:creationId xmlns:a16="http://schemas.microsoft.com/office/drawing/2014/main" xmlns="" id="{7003E075-98FD-4D24-9416-AC73CBE803DB}"/>
               </a:ext>
             </a:extLst>
           </p:cNvPr>
@@ -18249,7 +18158,7 @@
           <p:cNvPr id="9" name="Inhaltsplatzhalter 3">
             <a:extLst>
               <a:ext uri="{FF2B5EF4-FFF2-40B4-BE49-F238E27FC236}">
-                <a16:creationId xmlns="" xmlns:a16="http://schemas.microsoft.com/office/drawing/2014/main" id="{F88ECA09-A8F2-4BDB-9617-2541072D9236}"/>
+                <a16:creationId xmlns:a16="http://schemas.microsoft.com/office/drawing/2014/main" xmlns="" id="{F88ECA09-A8F2-4BDB-9617-2541072D9236}"/>
               </a:ext>
             </a:extLst>
           </p:cNvPr>
@@ -18458,7 +18367,7 @@
           <p:cNvPr id="10" name="Inhaltsplatzhalter 2">
             <a:extLst>
               <a:ext uri="{FF2B5EF4-FFF2-40B4-BE49-F238E27FC236}">
-                <a16:creationId xmlns="" xmlns:a16="http://schemas.microsoft.com/office/drawing/2014/main" id="{DE6EF24E-B70D-42AF-A95E-39833628D6F4}"/>
+                <a16:creationId xmlns:a16="http://schemas.microsoft.com/office/drawing/2014/main" xmlns="" id="{DE6EF24E-B70D-42AF-A95E-39833628D6F4}"/>
               </a:ext>
             </a:extLst>
           </p:cNvPr>
@@ -18666,7 +18575,7 @@
           <p:cNvPr id="4" name="Grafik 3">
             <a:extLst>
               <a:ext uri="{FF2B5EF4-FFF2-40B4-BE49-F238E27FC236}">
-                <a16:creationId xmlns="" xmlns:a16="http://schemas.microsoft.com/office/drawing/2014/main" id="{1A5A34A1-6E42-4F94-9CF9-F4BB69F5D66D}"/>
+                <a16:creationId xmlns:a16="http://schemas.microsoft.com/office/drawing/2014/main" xmlns="" id="{1A5A34A1-6E42-4F94-9CF9-F4BB69F5D66D}"/>
               </a:ext>
             </a:extLst>
           </p:cNvPr>
@@ -18702,7 +18611,7 @@
           <p:cNvPr id="11" name="Grafik 10">
             <a:extLst>
               <a:ext uri="{FF2B5EF4-FFF2-40B4-BE49-F238E27FC236}">
-                <a16:creationId xmlns="" xmlns:a16="http://schemas.microsoft.com/office/drawing/2014/main" id="{9EAE4F7A-0446-4343-819D-3C60C12C670C}"/>
+                <a16:creationId xmlns:a16="http://schemas.microsoft.com/office/drawing/2014/main" xmlns="" id="{9EAE4F7A-0446-4343-819D-3C60C12C670C}"/>
               </a:ext>
             </a:extLst>
           </p:cNvPr>
@@ -18738,7 +18647,7 @@
           <p:cNvPr id="13" name="Grafik 12">
             <a:extLst>
               <a:ext uri="{FF2B5EF4-FFF2-40B4-BE49-F238E27FC236}">
-                <a16:creationId xmlns="" xmlns:a16="http://schemas.microsoft.com/office/drawing/2014/main" id="{40F7AB82-BA20-44B1-84F7-5C73F6161B51}"/>
+                <a16:creationId xmlns:a16="http://schemas.microsoft.com/office/drawing/2014/main" xmlns="" id="{40F7AB82-BA20-44B1-84F7-5C73F6161B51}"/>
               </a:ext>
             </a:extLst>
           </p:cNvPr>
@@ -18774,7 +18683,7 @@
           <p:cNvPr id="2" name="Textfeld 1">
             <a:extLst>
               <a:ext uri="{FF2B5EF4-FFF2-40B4-BE49-F238E27FC236}">
-                <a16:creationId xmlns="" xmlns:a16="http://schemas.microsoft.com/office/drawing/2014/main" id="{9E2D1883-817E-498B-8C99-B0DB64BFC8F8}"/>
+                <a16:creationId xmlns:a16="http://schemas.microsoft.com/office/drawing/2014/main" xmlns="" id="{9E2D1883-817E-498B-8C99-B0DB64BFC8F8}"/>
               </a:ext>
             </a:extLst>
           </p:cNvPr>
@@ -18828,7 +18737,7 @@
           <p:cNvPr id="3" name="Textfeld 2">
             <a:extLst>
               <a:ext uri="{FF2B5EF4-FFF2-40B4-BE49-F238E27FC236}">
-                <a16:creationId xmlns="" xmlns:a16="http://schemas.microsoft.com/office/drawing/2014/main" id="{534F31D1-A9BE-49BE-9A68-B53AAAB4512C}"/>
+                <a16:creationId xmlns:a16="http://schemas.microsoft.com/office/drawing/2014/main" xmlns="" id="{534F31D1-A9BE-49BE-9A68-B53AAAB4512C}"/>
               </a:ext>
             </a:extLst>
           </p:cNvPr>
@@ -18901,7 +18810,7 @@
           <p:cNvPr id="5" name="Textfeld 4">
             <a:extLst>
               <a:ext uri="{FF2B5EF4-FFF2-40B4-BE49-F238E27FC236}">
-                <a16:creationId xmlns="" xmlns:a16="http://schemas.microsoft.com/office/drawing/2014/main" id="{0424897C-689E-4630-A842-34F2020AA909}"/>
+                <a16:creationId xmlns:a16="http://schemas.microsoft.com/office/drawing/2014/main" xmlns="" id="{0424897C-689E-4630-A842-34F2020AA909}"/>
               </a:ext>
             </a:extLst>
           </p:cNvPr>
@@ -19024,10 +18933,10 @@
           <p:cNvPr id="121" name="Freeform: Shape 120">
             <a:extLst>
               <a:ext uri="{FF2B5EF4-FFF2-40B4-BE49-F238E27FC236}">
-                <a16:creationId xmlns="" xmlns:a16="http://schemas.microsoft.com/office/drawing/2014/main" id="{92AA2300-0FA6-4328-9BD8-1D67925C0BD6}"/>
+                <a16:creationId xmlns:a16="http://schemas.microsoft.com/office/drawing/2014/main" xmlns="" id="{92AA2300-0FA6-4328-9BD8-1D67925C0BD6}"/>
               </a:ext>
               <a:ext uri="{C183D7F6-B498-43B3-948B-1728B52AA6E4}">
-                <adec:decorative xmlns="" xmlns:adec="http://schemas.microsoft.com/office/drawing/2017/decorative" val="1"/>
+                <adec:decorative xmlns:adec="http://schemas.microsoft.com/office/drawing/2017/decorative" xmlns="" val="1"/>
               </a:ext>
             </a:extLst>
           </p:cNvPr>
@@ -19037,7 +18946,7 @@
           <p:nvPr>
             <p:extLst>
               <p:ext uri="{386F3935-93C4-4BCD-93E2-E3B085C9AB24}">
-                <p16:designElem xmlns="" xmlns:p16="http://schemas.microsoft.com/office/powerpoint/2015/main" val="1"/>
+                <p16:designElem xmlns:p16="http://schemas.microsoft.com/office/powerpoint/2015/main" xmlns="" val="1"/>
               </p:ext>
             </p:extLst>
           </p:nvPr>
@@ -19195,10 +19104,10 @@
           <p:cNvPr id="123" name="Freeform: Shape 122">
             <a:extLst>
               <a:ext uri="{FF2B5EF4-FFF2-40B4-BE49-F238E27FC236}">
-                <a16:creationId xmlns="" xmlns:a16="http://schemas.microsoft.com/office/drawing/2014/main" id="{D3E1FE85-D0BF-41D3-8B85-04776368E1F0}"/>
+                <a16:creationId xmlns:a16="http://schemas.microsoft.com/office/drawing/2014/main" xmlns="" id="{D3E1FE85-D0BF-41D3-8B85-04776368E1F0}"/>
               </a:ext>
               <a:ext uri="{C183D7F6-B498-43B3-948B-1728B52AA6E4}">
-                <adec:decorative xmlns="" xmlns:adec="http://schemas.microsoft.com/office/drawing/2017/decorative" val="1"/>
+                <adec:decorative xmlns:adec="http://schemas.microsoft.com/office/drawing/2017/decorative" xmlns="" val="1"/>
               </a:ext>
             </a:extLst>
           </p:cNvPr>
@@ -19208,7 +19117,7 @@
           <p:nvPr>
             <p:extLst>
               <p:ext uri="{386F3935-93C4-4BCD-93E2-E3B085C9AB24}">
-                <p16:designElem xmlns="" xmlns:p16="http://schemas.microsoft.com/office/powerpoint/2015/main" val="1"/>
+                <p16:designElem xmlns:p16="http://schemas.microsoft.com/office/powerpoint/2015/main" xmlns="" val="1"/>
               </p:ext>
             </p:extLst>
           </p:nvPr>
@@ -19362,10 +19271,10 @@
           <p:cNvPr id="125" name="Freeform: Shape 124">
             <a:extLst>
               <a:ext uri="{FF2B5EF4-FFF2-40B4-BE49-F238E27FC236}">
-                <a16:creationId xmlns="" xmlns:a16="http://schemas.microsoft.com/office/drawing/2014/main" id="{F2E5A8E1-2A22-48D0-9556-E21648FA1EAC}"/>
+                <a16:creationId xmlns:a16="http://schemas.microsoft.com/office/drawing/2014/main" xmlns="" id="{F2E5A8E1-2A22-48D0-9556-E21648FA1EAC}"/>
               </a:ext>
               <a:ext uri="{C183D7F6-B498-43B3-948B-1728B52AA6E4}">
-                <adec:decorative xmlns="" xmlns:adec="http://schemas.microsoft.com/office/drawing/2017/decorative" val="1"/>
+                <adec:decorative xmlns:adec="http://schemas.microsoft.com/office/drawing/2017/decorative" xmlns="" val="1"/>
               </a:ext>
             </a:extLst>
           </p:cNvPr>
@@ -19375,7 +19284,7 @@
           <p:nvPr>
             <p:extLst>
               <p:ext uri="{386F3935-93C4-4BCD-93E2-E3B085C9AB24}">
-                <p16:designElem xmlns="" xmlns:p16="http://schemas.microsoft.com/office/powerpoint/2015/main" val="1"/>
+                <p16:designElem xmlns:p16="http://schemas.microsoft.com/office/powerpoint/2015/main" xmlns="" val="1"/>
               </p:ext>
             </p:extLst>
           </p:nvPr>
@@ -19541,10 +19450,10 @@
           <p:cNvPr id="127" name="Freeform: Shape 126">
             <a:extLst>
               <a:ext uri="{FF2B5EF4-FFF2-40B4-BE49-F238E27FC236}">
-                <a16:creationId xmlns="" xmlns:a16="http://schemas.microsoft.com/office/drawing/2014/main" id="{1072B470-1E76-42B5-86EA-1FB0F881D7EF}"/>
+                <a16:creationId xmlns:a16="http://schemas.microsoft.com/office/drawing/2014/main" xmlns="" id="{1072B470-1E76-42B5-86EA-1FB0F881D7EF}"/>
               </a:ext>
               <a:ext uri="{C183D7F6-B498-43B3-948B-1728B52AA6E4}">
-                <adec:decorative xmlns="" xmlns:adec="http://schemas.microsoft.com/office/drawing/2017/decorative" val="1"/>
+                <adec:decorative xmlns:adec="http://schemas.microsoft.com/office/drawing/2017/decorative" xmlns="" val="1"/>
               </a:ext>
             </a:extLst>
           </p:cNvPr>
@@ -19554,7 +19463,7 @@
           <p:nvPr>
             <p:extLst>
               <p:ext uri="{386F3935-93C4-4BCD-93E2-E3B085C9AB24}">
-                <p16:designElem xmlns="" xmlns:p16="http://schemas.microsoft.com/office/powerpoint/2015/main" val="1"/>
+                <p16:designElem xmlns:p16="http://schemas.microsoft.com/office/powerpoint/2015/main" xmlns="" val="1"/>
               </p:ext>
             </p:extLst>
           </p:nvPr>
@@ -19710,10 +19619,10 @@
           <p:cNvPr id="129" name="Freeform: Shape 128">
             <a:extLst>
               <a:ext uri="{FF2B5EF4-FFF2-40B4-BE49-F238E27FC236}">
-                <a16:creationId xmlns="" xmlns:a16="http://schemas.microsoft.com/office/drawing/2014/main" id="{DDD8B025-3845-4DEF-98B6-7C0BF531DB78}"/>
+                <a16:creationId xmlns:a16="http://schemas.microsoft.com/office/drawing/2014/main" xmlns="" id="{DDD8B025-3845-4DEF-98B6-7C0BF531DB78}"/>
               </a:ext>
               <a:ext uri="{C183D7F6-B498-43B3-948B-1728B52AA6E4}">
-                <adec:decorative xmlns="" xmlns:adec="http://schemas.microsoft.com/office/drawing/2017/decorative" val="1"/>
+                <adec:decorative xmlns:adec="http://schemas.microsoft.com/office/drawing/2017/decorative" xmlns="" val="1"/>
               </a:ext>
             </a:extLst>
           </p:cNvPr>
@@ -19723,7 +19632,7 @@
           <p:nvPr>
             <p:extLst>
               <p:ext uri="{386F3935-93C4-4BCD-93E2-E3B085C9AB24}">
-                <p16:designElem xmlns="" xmlns:p16="http://schemas.microsoft.com/office/powerpoint/2015/main" val="1"/>
+                <p16:designElem xmlns:p16="http://schemas.microsoft.com/office/powerpoint/2015/main" xmlns="" val="1"/>
               </p:ext>
             </p:extLst>
           </p:nvPr>
@@ -19887,10 +19796,10 @@
           <p:cNvPr id="131" name="Freeform: Shape 130">
             <a:extLst>
               <a:ext uri="{FF2B5EF4-FFF2-40B4-BE49-F238E27FC236}">
-                <a16:creationId xmlns="" xmlns:a16="http://schemas.microsoft.com/office/drawing/2014/main" id="{C4051FED-CF0D-4DDD-A9BB-E58FEEFE7C46}"/>
+                <a16:creationId xmlns:a16="http://schemas.microsoft.com/office/drawing/2014/main" xmlns="" id="{C4051FED-CF0D-4DDD-A9BB-E58FEEFE7C46}"/>
               </a:ext>
               <a:ext uri="{C183D7F6-B498-43B3-948B-1728B52AA6E4}">
-                <adec:decorative xmlns="" xmlns:adec="http://schemas.microsoft.com/office/drawing/2017/decorative" val="1"/>
+                <adec:decorative xmlns:adec="http://schemas.microsoft.com/office/drawing/2017/decorative" xmlns="" val="1"/>
               </a:ext>
             </a:extLst>
           </p:cNvPr>
@@ -19900,7 +19809,7 @@
           <p:nvPr>
             <p:extLst>
               <p:ext uri="{386F3935-93C4-4BCD-93E2-E3B085C9AB24}">
-                <p16:designElem xmlns="" xmlns:p16="http://schemas.microsoft.com/office/powerpoint/2015/main" val="1"/>
+                <p16:designElem xmlns:p16="http://schemas.microsoft.com/office/powerpoint/2015/main" xmlns="" val="1"/>
               </p:ext>
             </p:extLst>
           </p:nvPr>
@@ -20054,7 +19963,7 @@
           <p:cNvPr id="26" name="Grafik 25">
             <a:extLst>
               <a:ext uri="{FF2B5EF4-FFF2-40B4-BE49-F238E27FC236}">
-                <a16:creationId xmlns="" xmlns:a16="http://schemas.microsoft.com/office/drawing/2014/main" id="{A6292C25-8593-4E6E-BAD9-F9336A667C1C}"/>
+                <a16:creationId xmlns:a16="http://schemas.microsoft.com/office/drawing/2014/main" xmlns="" id="{A6292C25-8593-4E6E-BAD9-F9336A667C1C}"/>
               </a:ext>
             </a:extLst>
           </p:cNvPr>
@@ -20090,7 +19999,7 @@
           <p:cNvPr id="27" name="Grafik 26">
             <a:extLst>
               <a:ext uri="{FF2B5EF4-FFF2-40B4-BE49-F238E27FC236}">
-                <a16:creationId xmlns="" xmlns:a16="http://schemas.microsoft.com/office/drawing/2014/main" id="{34024532-95E4-4F80-9F7B-F9980DB60401}"/>
+                <a16:creationId xmlns:a16="http://schemas.microsoft.com/office/drawing/2014/main" xmlns="" id="{34024532-95E4-4F80-9F7B-F9980DB60401}"/>
               </a:ext>
             </a:extLst>
           </p:cNvPr>
@@ -20126,7 +20035,7 @@
           <p:cNvPr id="28" name="Grafik 27">
             <a:extLst>
               <a:ext uri="{FF2B5EF4-FFF2-40B4-BE49-F238E27FC236}">
-                <a16:creationId xmlns="" xmlns:a16="http://schemas.microsoft.com/office/drawing/2014/main" id="{C50136C2-C223-45B6-9643-1691E8D5C16E}"/>
+                <a16:creationId xmlns:a16="http://schemas.microsoft.com/office/drawing/2014/main" xmlns="" id="{C50136C2-C223-45B6-9643-1691E8D5C16E}"/>
               </a:ext>
             </a:extLst>
           </p:cNvPr>
@@ -20142,7 +20051,7 @@
                 <a14:useLocalDpi xmlns:a14="http://schemas.microsoft.com/office/drawing/2010/main" val="0"/>
               </a:ext>
               <a:ext uri="{96DAC541-7B7A-43D3-8B79-37D633B846F1}">
-                <asvg:svgBlip xmlns="" xmlns:asvg="http://schemas.microsoft.com/office/drawing/2016/SVG/main" r:embed="rId5"/>
+                <asvg:svgBlip xmlns:asvg="http://schemas.microsoft.com/office/drawing/2016/SVG/main" xmlns="" r:embed="rId5"/>
               </a:ext>
             </a:extLst>
           </a:blip>
@@ -20165,7 +20074,7 @@
           <p:cNvPr id="111" name="Inhaltsplatzhalter 2">
             <a:extLst>
               <a:ext uri="{FF2B5EF4-FFF2-40B4-BE49-F238E27FC236}">
-                <a16:creationId xmlns="" xmlns:a16="http://schemas.microsoft.com/office/drawing/2014/main" id="{DFED6985-E05C-5442-8D81-240D91D1C65A}"/>
+                <a16:creationId xmlns:a16="http://schemas.microsoft.com/office/drawing/2014/main" xmlns="" id="{DFED6985-E05C-5442-8D81-240D91D1C65A}"/>
               </a:ext>
             </a:extLst>
           </p:cNvPr>
@@ -20368,7 +20277,7 @@
           <p:cNvPr id="6" name="Titel 5">
             <a:extLst>
               <a:ext uri="{FF2B5EF4-FFF2-40B4-BE49-F238E27FC236}">
-                <a16:creationId xmlns="" xmlns:a16="http://schemas.microsoft.com/office/drawing/2014/main" id="{97D4CC26-A6D9-44D5-BE51-0167991D4E18}"/>
+                <a16:creationId xmlns:a16="http://schemas.microsoft.com/office/drawing/2014/main" xmlns="" id="{97D4CC26-A6D9-44D5-BE51-0167991D4E18}"/>
               </a:ext>
             </a:extLst>
           </p:cNvPr>
@@ -20455,10 +20364,10 @@
           <p:cNvPr id="116" name="Freeform: Shape 115">
             <a:extLst>
               <a:ext uri="{FF2B5EF4-FFF2-40B4-BE49-F238E27FC236}">
-                <a16:creationId xmlns="" xmlns:a16="http://schemas.microsoft.com/office/drawing/2014/main" id="{92AA2300-0FA6-4328-9BD8-1D67925C0BD6}"/>
+                <a16:creationId xmlns:a16="http://schemas.microsoft.com/office/drawing/2014/main" xmlns="" id="{92AA2300-0FA6-4328-9BD8-1D67925C0BD6}"/>
               </a:ext>
               <a:ext uri="{C183D7F6-B498-43B3-948B-1728B52AA6E4}">
-                <adec:decorative xmlns="" xmlns:adec="http://schemas.microsoft.com/office/drawing/2017/decorative" val="1"/>
+                <adec:decorative xmlns:adec="http://schemas.microsoft.com/office/drawing/2017/decorative" xmlns="" val="1"/>
               </a:ext>
             </a:extLst>
           </p:cNvPr>
@@ -20468,7 +20377,7 @@
           <p:nvPr>
             <p:extLst>
               <p:ext uri="{386F3935-93C4-4BCD-93E2-E3B085C9AB24}">
-                <p16:designElem xmlns="" xmlns:p16="http://schemas.microsoft.com/office/powerpoint/2015/main" val="1"/>
+                <p16:designElem xmlns:p16="http://schemas.microsoft.com/office/powerpoint/2015/main" xmlns="" val="1"/>
               </p:ext>
             </p:extLst>
           </p:nvPr>
@@ -20626,10 +20535,10 @@
           <p:cNvPr id="118" name="Freeform: Shape 117">
             <a:extLst>
               <a:ext uri="{FF2B5EF4-FFF2-40B4-BE49-F238E27FC236}">
-                <a16:creationId xmlns="" xmlns:a16="http://schemas.microsoft.com/office/drawing/2014/main" id="{D3E1FE85-D0BF-41D3-8B85-04776368E1F0}"/>
+                <a16:creationId xmlns:a16="http://schemas.microsoft.com/office/drawing/2014/main" xmlns="" id="{D3E1FE85-D0BF-41D3-8B85-04776368E1F0}"/>
               </a:ext>
               <a:ext uri="{C183D7F6-B498-43B3-948B-1728B52AA6E4}">
-                <adec:decorative xmlns="" xmlns:adec="http://schemas.microsoft.com/office/drawing/2017/decorative" val="1"/>
+                <adec:decorative xmlns:adec="http://schemas.microsoft.com/office/drawing/2017/decorative" xmlns="" val="1"/>
               </a:ext>
             </a:extLst>
           </p:cNvPr>
@@ -20639,7 +20548,7 @@
           <p:nvPr>
             <p:extLst>
               <p:ext uri="{386F3935-93C4-4BCD-93E2-E3B085C9AB24}">
-                <p16:designElem xmlns="" xmlns:p16="http://schemas.microsoft.com/office/powerpoint/2015/main" val="1"/>
+                <p16:designElem xmlns:p16="http://schemas.microsoft.com/office/powerpoint/2015/main" xmlns="" val="1"/>
               </p:ext>
             </p:extLst>
           </p:nvPr>
@@ -20793,10 +20702,10 @@
           <p:cNvPr id="120" name="Freeform: Shape 119">
             <a:extLst>
               <a:ext uri="{FF2B5EF4-FFF2-40B4-BE49-F238E27FC236}">
-                <a16:creationId xmlns="" xmlns:a16="http://schemas.microsoft.com/office/drawing/2014/main" id="{F2E5A8E1-2A22-48D0-9556-E21648FA1EAC}"/>
+                <a16:creationId xmlns:a16="http://schemas.microsoft.com/office/drawing/2014/main" xmlns="" id="{F2E5A8E1-2A22-48D0-9556-E21648FA1EAC}"/>
               </a:ext>
               <a:ext uri="{C183D7F6-B498-43B3-948B-1728B52AA6E4}">
-                <adec:decorative xmlns="" xmlns:adec="http://schemas.microsoft.com/office/drawing/2017/decorative" val="1"/>
+                <adec:decorative xmlns:adec="http://schemas.microsoft.com/office/drawing/2017/decorative" xmlns="" val="1"/>
               </a:ext>
             </a:extLst>
           </p:cNvPr>
@@ -20806,7 +20715,7 @@
           <p:nvPr>
             <p:extLst>
               <p:ext uri="{386F3935-93C4-4BCD-93E2-E3B085C9AB24}">
-                <p16:designElem xmlns="" xmlns:p16="http://schemas.microsoft.com/office/powerpoint/2015/main" val="1"/>
+                <p16:designElem xmlns:p16="http://schemas.microsoft.com/office/powerpoint/2015/main" xmlns="" val="1"/>
               </p:ext>
             </p:extLst>
           </p:nvPr>
@@ -20972,10 +20881,10 @@
           <p:cNvPr id="122" name="Freeform: Shape 121">
             <a:extLst>
               <a:ext uri="{FF2B5EF4-FFF2-40B4-BE49-F238E27FC236}">
-                <a16:creationId xmlns="" xmlns:a16="http://schemas.microsoft.com/office/drawing/2014/main" id="{1072B470-1E76-42B5-86EA-1FB0F881D7EF}"/>
+                <a16:creationId xmlns:a16="http://schemas.microsoft.com/office/drawing/2014/main" xmlns="" id="{1072B470-1E76-42B5-86EA-1FB0F881D7EF}"/>
               </a:ext>
               <a:ext uri="{C183D7F6-B498-43B3-948B-1728B52AA6E4}">
-                <adec:decorative xmlns="" xmlns:adec="http://schemas.microsoft.com/office/drawing/2017/decorative" val="1"/>
+                <adec:decorative xmlns:adec="http://schemas.microsoft.com/office/drawing/2017/decorative" xmlns="" val="1"/>
               </a:ext>
             </a:extLst>
           </p:cNvPr>
@@ -20985,7 +20894,7 @@
           <p:nvPr>
             <p:extLst>
               <p:ext uri="{386F3935-93C4-4BCD-93E2-E3B085C9AB24}">
-                <p16:designElem xmlns="" xmlns:p16="http://schemas.microsoft.com/office/powerpoint/2015/main" val="1"/>
+                <p16:designElem xmlns:p16="http://schemas.microsoft.com/office/powerpoint/2015/main" xmlns="" val="1"/>
               </p:ext>
             </p:extLst>
           </p:nvPr>
@@ -21141,10 +21050,10 @@
           <p:cNvPr id="124" name="Freeform: Shape 123">
             <a:extLst>
               <a:ext uri="{FF2B5EF4-FFF2-40B4-BE49-F238E27FC236}">
-                <a16:creationId xmlns="" xmlns:a16="http://schemas.microsoft.com/office/drawing/2014/main" id="{DDD8B025-3845-4DEF-98B6-7C0BF531DB78}"/>
+                <a16:creationId xmlns:a16="http://schemas.microsoft.com/office/drawing/2014/main" xmlns="" id="{DDD8B025-3845-4DEF-98B6-7C0BF531DB78}"/>
               </a:ext>
               <a:ext uri="{C183D7F6-B498-43B3-948B-1728B52AA6E4}">
-                <adec:decorative xmlns="" xmlns:adec="http://schemas.microsoft.com/office/drawing/2017/decorative" val="1"/>
+                <adec:decorative xmlns:adec="http://schemas.microsoft.com/office/drawing/2017/decorative" xmlns="" val="1"/>
               </a:ext>
             </a:extLst>
           </p:cNvPr>
@@ -21154,7 +21063,7 @@
           <p:nvPr>
             <p:extLst>
               <p:ext uri="{386F3935-93C4-4BCD-93E2-E3B085C9AB24}">
-                <p16:designElem xmlns="" xmlns:p16="http://schemas.microsoft.com/office/powerpoint/2015/main" val="1"/>
+                <p16:designElem xmlns:p16="http://schemas.microsoft.com/office/powerpoint/2015/main" xmlns="" val="1"/>
               </p:ext>
             </p:extLst>
           </p:nvPr>
@@ -21318,10 +21227,10 @@
           <p:cNvPr id="126" name="Freeform: Shape 125">
             <a:extLst>
               <a:ext uri="{FF2B5EF4-FFF2-40B4-BE49-F238E27FC236}">
-                <a16:creationId xmlns="" xmlns:a16="http://schemas.microsoft.com/office/drawing/2014/main" id="{C4051FED-CF0D-4DDD-A9BB-E58FEEFE7C46}"/>
+                <a16:creationId xmlns:a16="http://schemas.microsoft.com/office/drawing/2014/main" xmlns="" id="{C4051FED-CF0D-4DDD-A9BB-E58FEEFE7C46}"/>
               </a:ext>
               <a:ext uri="{C183D7F6-B498-43B3-948B-1728B52AA6E4}">
-                <adec:decorative xmlns="" xmlns:adec="http://schemas.microsoft.com/office/drawing/2017/decorative" val="1"/>
+                <adec:decorative xmlns:adec="http://schemas.microsoft.com/office/drawing/2017/decorative" xmlns="" val="1"/>
               </a:ext>
             </a:extLst>
           </p:cNvPr>
@@ -21331,7 +21240,7 @@
           <p:nvPr>
             <p:extLst>
               <p:ext uri="{386F3935-93C4-4BCD-93E2-E3B085C9AB24}">
-                <p16:designElem xmlns="" xmlns:p16="http://schemas.microsoft.com/office/powerpoint/2015/main" val="1"/>
+                <p16:designElem xmlns:p16="http://schemas.microsoft.com/office/powerpoint/2015/main" xmlns="" val="1"/>
               </p:ext>
             </p:extLst>
           </p:nvPr>
@@ -21485,7 +21394,7 @@
           <p:cNvPr id="26" name="Grafik 25">
             <a:extLst>
               <a:ext uri="{FF2B5EF4-FFF2-40B4-BE49-F238E27FC236}">
-                <a16:creationId xmlns="" xmlns:a16="http://schemas.microsoft.com/office/drawing/2014/main" id="{A6292C25-8593-4E6E-BAD9-F9336A667C1C}"/>
+                <a16:creationId xmlns:a16="http://schemas.microsoft.com/office/drawing/2014/main" xmlns="" id="{A6292C25-8593-4E6E-BAD9-F9336A667C1C}"/>
               </a:ext>
             </a:extLst>
           </p:cNvPr>
@@ -21521,7 +21430,7 @@
           <p:cNvPr id="27" name="Grafik 26">
             <a:extLst>
               <a:ext uri="{FF2B5EF4-FFF2-40B4-BE49-F238E27FC236}">
-                <a16:creationId xmlns="" xmlns:a16="http://schemas.microsoft.com/office/drawing/2014/main" id="{34024532-95E4-4F80-9F7B-F9980DB60401}"/>
+                <a16:creationId xmlns:a16="http://schemas.microsoft.com/office/drawing/2014/main" xmlns="" id="{34024532-95E4-4F80-9F7B-F9980DB60401}"/>
               </a:ext>
             </a:extLst>
           </p:cNvPr>
@@ -21557,7 +21466,7 @@
           <p:cNvPr id="28" name="Grafik 27">
             <a:extLst>
               <a:ext uri="{FF2B5EF4-FFF2-40B4-BE49-F238E27FC236}">
-                <a16:creationId xmlns="" xmlns:a16="http://schemas.microsoft.com/office/drawing/2014/main" id="{C50136C2-C223-45B6-9643-1691E8D5C16E}"/>
+                <a16:creationId xmlns:a16="http://schemas.microsoft.com/office/drawing/2014/main" xmlns="" id="{C50136C2-C223-45B6-9643-1691E8D5C16E}"/>
               </a:ext>
             </a:extLst>
           </p:cNvPr>
@@ -21573,7 +21482,7 @@
                 <a14:useLocalDpi xmlns:a14="http://schemas.microsoft.com/office/drawing/2010/main" val="0"/>
               </a:ext>
               <a:ext uri="{96DAC541-7B7A-43D3-8B79-37D633B846F1}">
-                <asvg:svgBlip xmlns="" xmlns:asvg="http://schemas.microsoft.com/office/drawing/2016/SVG/main" r:embed="rId5"/>
+                <asvg:svgBlip xmlns:asvg="http://schemas.microsoft.com/office/drawing/2016/SVG/main" xmlns="" r:embed="rId5"/>
               </a:ext>
             </a:extLst>
           </a:blip>
@@ -21596,7 +21505,7 @@
           <p:cNvPr id="111" name="Inhaltsplatzhalter 2">
             <a:extLst>
               <a:ext uri="{FF2B5EF4-FFF2-40B4-BE49-F238E27FC236}">
-                <a16:creationId xmlns="" xmlns:a16="http://schemas.microsoft.com/office/drawing/2014/main" id="{DFED6985-E05C-5442-8D81-240D91D1C65A}"/>
+                <a16:creationId xmlns:a16="http://schemas.microsoft.com/office/drawing/2014/main" xmlns="" id="{DFED6985-E05C-5442-8D81-240D91D1C65A}"/>
               </a:ext>
             </a:extLst>
           </p:cNvPr>
@@ -21799,7 +21708,7 @@
           <p:cNvPr id="6" name="Titel 5">
             <a:extLst>
               <a:ext uri="{FF2B5EF4-FFF2-40B4-BE49-F238E27FC236}">
-                <a16:creationId xmlns="" xmlns:a16="http://schemas.microsoft.com/office/drawing/2014/main" id="{97D4CC26-A6D9-44D5-BE51-0167991D4E18}"/>
+                <a16:creationId xmlns:a16="http://schemas.microsoft.com/office/drawing/2014/main" xmlns="" id="{97D4CC26-A6D9-44D5-BE51-0167991D4E18}"/>
               </a:ext>
             </a:extLst>
           </p:cNvPr>
@@ -21883,10 +21792,10 @@
           <p:cNvPr id="116" name="Down Arrow 7">
             <a:extLst>
               <a:ext uri="{FF2B5EF4-FFF2-40B4-BE49-F238E27FC236}">
-                <a16:creationId xmlns="" xmlns:a16="http://schemas.microsoft.com/office/drawing/2014/main" id="{B547373F-AF2E-4907-B442-9F902B387FD0}"/>
+                <a16:creationId xmlns:a16="http://schemas.microsoft.com/office/drawing/2014/main" xmlns="" id="{B547373F-AF2E-4907-B442-9F902B387FD0}"/>
               </a:ext>
               <a:ext uri="{C183D7F6-B498-43B3-948B-1728B52AA6E4}">
-                <adec:decorative xmlns="" xmlns:adec="http://schemas.microsoft.com/office/drawing/2017/decorative" val="1"/>
+                <adec:decorative xmlns:adec="http://schemas.microsoft.com/office/drawing/2017/decorative" xmlns="" val="1"/>
               </a:ext>
             </a:extLst>
           </p:cNvPr>
@@ -21896,7 +21805,7 @@
           <p:nvPr>
             <p:extLst>
               <p:ext uri="{386F3935-93C4-4BCD-93E2-E3B085C9AB24}">
-                <p16:designElem xmlns="" xmlns:p16="http://schemas.microsoft.com/office/powerpoint/2015/main" val="1"/>
+                <p16:designElem xmlns:p16="http://schemas.microsoft.com/office/powerpoint/2015/main" xmlns="" val="1"/>
               </p:ext>
             </p:extLst>
           </p:nvPr>
@@ -21952,7 +21861,7 @@
           <p:cNvPr id="111" name="Inhaltsplatzhalter 2">
             <a:extLst>
               <a:ext uri="{FF2B5EF4-FFF2-40B4-BE49-F238E27FC236}">
-                <a16:creationId xmlns="" xmlns:a16="http://schemas.microsoft.com/office/drawing/2014/main" id="{DFED6985-E05C-5442-8D81-240D91D1C65A}"/>
+                <a16:creationId xmlns:a16="http://schemas.microsoft.com/office/drawing/2014/main" xmlns="" id="{DFED6985-E05C-5442-8D81-240D91D1C65A}"/>
               </a:ext>
             </a:extLst>
           </p:cNvPr>
@@ -22155,7 +22064,7 @@
           <p:cNvPr id="7" name="Grafik 6">
             <a:extLst>
               <a:ext uri="{FF2B5EF4-FFF2-40B4-BE49-F238E27FC236}">
-                <a16:creationId xmlns="" xmlns:a16="http://schemas.microsoft.com/office/drawing/2014/main" id="{00BF8B91-1D56-443B-B246-642340977792}"/>
+                <a16:creationId xmlns:a16="http://schemas.microsoft.com/office/drawing/2014/main" xmlns="" id="{00BF8B91-1D56-443B-B246-642340977792}"/>
               </a:ext>
             </a:extLst>
           </p:cNvPr>
@@ -22191,7 +22100,7 @@
           <p:cNvPr id="6" name="Titel 5">
             <a:extLst>
               <a:ext uri="{FF2B5EF4-FFF2-40B4-BE49-F238E27FC236}">
-                <a16:creationId xmlns="" xmlns:a16="http://schemas.microsoft.com/office/drawing/2014/main" id="{97D4CC26-A6D9-44D5-BE51-0167991D4E18}"/>
+                <a16:creationId xmlns:a16="http://schemas.microsoft.com/office/drawing/2014/main" xmlns="" id="{97D4CC26-A6D9-44D5-BE51-0167991D4E18}"/>
               </a:ext>
             </a:extLst>
           </p:cNvPr>
@@ -22237,7 +22146,7 @@
           <p:cNvPr id="2" name="Textfeld 1">
             <a:extLst>
               <a:ext uri="{FF2B5EF4-FFF2-40B4-BE49-F238E27FC236}">
-                <a16:creationId xmlns="" xmlns:a16="http://schemas.microsoft.com/office/drawing/2014/main" id="{08D1EF3A-A1E5-4165-A4F7-6A44A864B653}"/>
+                <a16:creationId xmlns:a16="http://schemas.microsoft.com/office/drawing/2014/main" xmlns="" id="{08D1EF3A-A1E5-4165-A4F7-6A44A864B653}"/>
               </a:ext>
             </a:extLst>
           </p:cNvPr>
@@ -22445,10 +22354,10 @@
           <p:cNvPr id="115" name="Rectangle 114">
             <a:extLst>
               <a:ext uri="{FF2B5EF4-FFF2-40B4-BE49-F238E27FC236}">
-                <a16:creationId xmlns="" xmlns:a16="http://schemas.microsoft.com/office/drawing/2014/main" id="{B558F58E-93BA-44A3-BCDA-585AFF2E4F3F}"/>
+                <a16:creationId xmlns:a16="http://schemas.microsoft.com/office/drawing/2014/main" xmlns="" id="{B558F58E-93BA-44A3-BCDA-585AFF2E4F3F}"/>
               </a:ext>
               <a:ext uri="{C183D7F6-B498-43B3-948B-1728B52AA6E4}">
-                <adec:decorative xmlns="" xmlns:adec="http://schemas.microsoft.com/office/drawing/2017/decorative" val="1"/>
+                <adec:decorative xmlns:adec="http://schemas.microsoft.com/office/drawing/2017/decorative" xmlns="" val="1"/>
               </a:ext>
             </a:extLst>
           </p:cNvPr>
@@ -22458,7 +22367,7 @@
           <p:nvPr>
             <p:extLst>
               <p:ext uri="{386F3935-93C4-4BCD-93E2-E3B085C9AB24}">
-                <p16:designElem xmlns="" xmlns:p16="http://schemas.microsoft.com/office/powerpoint/2015/main" val="1"/>
+                <p16:designElem xmlns:p16="http://schemas.microsoft.com/office/powerpoint/2015/main" xmlns="" val="1"/>
               </p:ext>
             </p:extLst>
           </p:nvPr>
@@ -22505,10 +22414,10 @@
           <p:cNvPr id="117" name="Straight Arrow Connector 116">
             <a:extLst>
               <a:ext uri="{FF2B5EF4-FFF2-40B4-BE49-F238E27FC236}">
-                <a16:creationId xmlns="" xmlns:a16="http://schemas.microsoft.com/office/drawing/2014/main" id="{BCD0BBC1-A7D4-445D-98AC-95A6A45D8EBB}"/>
+                <a16:creationId xmlns:a16="http://schemas.microsoft.com/office/drawing/2014/main" xmlns="" id="{BCD0BBC1-A7D4-445D-98AC-95A6A45D8EBB}"/>
               </a:ext>
               <a:ext uri="{C183D7F6-B498-43B3-948B-1728B52AA6E4}">
-                <adec:decorative xmlns="" xmlns:adec="http://schemas.microsoft.com/office/drawing/2017/decorative" val="1"/>
+                <adec:decorative xmlns:adec="http://schemas.microsoft.com/office/drawing/2017/decorative" xmlns="" val="1"/>
               </a:ext>
             </a:extLst>
           </p:cNvPr>
@@ -22518,7 +22427,7 @@
           <p:nvPr>
             <p:extLst>
               <p:ext uri="{386F3935-93C4-4BCD-93E2-E3B085C9AB24}">
-                <p16:designElem xmlns="" xmlns:p16="http://schemas.microsoft.com/office/powerpoint/2015/main" val="1"/>
+                <p16:designElem xmlns:p16="http://schemas.microsoft.com/office/powerpoint/2015/main" xmlns="" val="1"/>
               </p:ext>
             </p:extLst>
           </p:nvPr>
@@ -22558,7 +22467,7 @@
           <p:cNvPr id="110" name="Grafik 109">
             <a:extLst>
               <a:ext uri="{FF2B5EF4-FFF2-40B4-BE49-F238E27FC236}">
-                <a16:creationId xmlns="" xmlns:a16="http://schemas.microsoft.com/office/drawing/2014/main" id="{EF74F9AE-6657-4F3E-B73D-942AE06ED09E}"/>
+                <a16:creationId xmlns:a16="http://schemas.microsoft.com/office/drawing/2014/main" xmlns="" id="{EF74F9AE-6657-4F3E-B73D-942AE06ED09E}"/>
               </a:ext>
             </a:extLst>
           </p:cNvPr>
@@ -22664,7 +22573,7 @@
           <p:cNvPr id="2" name="Titel 1">
             <a:extLst>
               <a:ext uri="{FF2B5EF4-FFF2-40B4-BE49-F238E27FC236}">
-                <a16:creationId xmlns="" xmlns:a16="http://schemas.microsoft.com/office/drawing/2014/main" id="{2393025D-41CD-4E54-8421-803CA294757A}"/>
+                <a16:creationId xmlns:a16="http://schemas.microsoft.com/office/drawing/2014/main" xmlns="" id="{2393025D-41CD-4E54-8421-803CA294757A}"/>
               </a:ext>
             </a:extLst>
           </p:cNvPr>
@@ -22702,7 +22611,7 @@
           <p:cNvPr id="111" name="Inhaltsplatzhalter 2">
             <a:extLst>
               <a:ext uri="{FF2B5EF4-FFF2-40B4-BE49-F238E27FC236}">
-                <a16:creationId xmlns="" xmlns:a16="http://schemas.microsoft.com/office/drawing/2014/main" id="{DFED6985-E05C-5442-8D81-240D91D1C65A}"/>
+                <a16:creationId xmlns:a16="http://schemas.microsoft.com/office/drawing/2014/main" xmlns="" id="{DFED6985-E05C-5442-8D81-240D91D1C65A}"/>
               </a:ext>
             </a:extLst>
           </p:cNvPr>
@@ -23035,7 +22944,7 @@
           <p:cNvPr id="113" name="Grafik 112">
             <a:extLst>
               <a:ext uri="{FF2B5EF4-FFF2-40B4-BE49-F238E27FC236}">
-                <a16:creationId xmlns="" xmlns:a16="http://schemas.microsoft.com/office/drawing/2014/main" id="{D5D75B60-54C6-4637-A8C3-A328DF689DE9}"/>
+                <a16:creationId xmlns:a16="http://schemas.microsoft.com/office/drawing/2014/main" xmlns="" id="{D5D75B60-54C6-4637-A8C3-A328DF689DE9}"/>
               </a:ext>
             </a:extLst>
           </p:cNvPr>
@@ -23116,10 +23025,10 @@
           <p:cNvPr id="116" name="Down Arrow 7">
             <a:extLst>
               <a:ext uri="{FF2B5EF4-FFF2-40B4-BE49-F238E27FC236}">
-                <a16:creationId xmlns="" xmlns:a16="http://schemas.microsoft.com/office/drawing/2014/main" id="{B547373F-AF2E-4907-B442-9F902B387FD0}"/>
+                <a16:creationId xmlns:a16="http://schemas.microsoft.com/office/drawing/2014/main" xmlns="" id="{B547373F-AF2E-4907-B442-9F902B387FD0}"/>
               </a:ext>
               <a:ext uri="{C183D7F6-B498-43B3-948B-1728B52AA6E4}">
-                <adec:decorative xmlns="" xmlns:adec="http://schemas.microsoft.com/office/drawing/2017/decorative" val="1"/>
+                <adec:decorative xmlns:adec="http://schemas.microsoft.com/office/drawing/2017/decorative" xmlns="" val="1"/>
               </a:ext>
             </a:extLst>
           </p:cNvPr>
@@ -23129,7 +23038,7 @@
           <p:nvPr>
             <p:extLst>
               <p:ext uri="{386F3935-93C4-4BCD-93E2-E3B085C9AB24}">
-                <p16:designElem xmlns="" xmlns:p16="http://schemas.microsoft.com/office/powerpoint/2015/main" val="1"/>
+                <p16:designElem xmlns:p16="http://schemas.microsoft.com/office/powerpoint/2015/main" xmlns="" val="1"/>
               </p:ext>
             </p:extLst>
           </p:nvPr>
@@ -23185,7 +23094,7 @@
           <p:cNvPr id="111" name="Inhaltsplatzhalter 2">
             <a:extLst>
               <a:ext uri="{FF2B5EF4-FFF2-40B4-BE49-F238E27FC236}">
-                <a16:creationId xmlns="" xmlns:a16="http://schemas.microsoft.com/office/drawing/2014/main" id="{DFED6985-E05C-5442-8D81-240D91D1C65A}"/>
+                <a16:creationId xmlns:a16="http://schemas.microsoft.com/office/drawing/2014/main" xmlns="" id="{DFED6985-E05C-5442-8D81-240D91D1C65A}"/>
               </a:ext>
             </a:extLst>
           </p:cNvPr>
@@ -23388,7 +23297,7 @@
           <p:cNvPr id="15" name="Grafik 14">
             <a:extLst>
               <a:ext uri="{FF2B5EF4-FFF2-40B4-BE49-F238E27FC236}">
-                <a16:creationId xmlns="" xmlns:a16="http://schemas.microsoft.com/office/drawing/2014/main" id="{4E790222-7184-4E46-858C-49DFA0B66F2F}"/>
+                <a16:creationId xmlns:a16="http://schemas.microsoft.com/office/drawing/2014/main" xmlns="" id="{4E790222-7184-4E46-858C-49DFA0B66F2F}"/>
               </a:ext>
             </a:extLst>
           </p:cNvPr>
@@ -23424,7 +23333,7 @@
           <p:cNvPr id="6" name="Titel 5">
             <a:extLst>
               <a:ext uri="{FF2B5EF4-FFF2-40B4-BE49-F238E27FC236}">
-                <a16:creationId xmlns="" xmlns:a16="http://schemas.microsoft.com/office/drawing/2014/main" id="{97D4CC26-A6D9-44D5-BE51-0167991D4E18}"/>
+                <a16:creationId xmlns:a16="http://schemas.microsoft.com/office/drawing/2014/main" xmlns="" id="{97D4CC26-A6D9-44D5-BE51-0167991D4E18}"/>
               </a:ext>
             </a:extLst>
           </p:cNvPr>
@@ -23494,7 +23403,7 @@
           <p:cNvPr id="10" name="Diagramm 9">
             <a:extLst>
               <a:ext uri="{FF2B5EF4-FFF2-40B4-BE49-F238E27FC236}">
-                <a16:creationId xmlns="" xmlns:a16="http://schemas.microsoft.com/office/drawing/2014/main" id="{54999A2C-F4C3-4DB0-AD54-8463A76745D3}"/>
+                <a16:creationId xmlns:a16="http://schemas.microsoft.com/office/drawing/2014/main" xmlns="" id="{54999A2C-F4C3-4DB0-AD54-8463A76745D3}"/>
               </a:ext>
             </a:extLst>
           </p:cNvPr>
@@ -23567,10 +23476,10 @@
           <p:cNvPr id="116" name="Down Arrow 7">
             <a:extLst>
               <a:ext uri="{FF2B5EF4-FFF2-40B4-BE49-F238E27FC236}">
-                <a16:creationId xmlns="" xmlns:a16="http://schemas.microsoft.com/office/drawing/2014/main" id="{B547373F-AF2E-4907-B442-9F902B387FD0}"/>
+                <a16:creationId xmlns:a16="http://schemas.microsoft.com/office/drawing/2014/main" xmlns="" id="{B547373F-AF2E-4907-B442-9F902B387FD0}"/>
               </a:ext>
               <a:ext uri="{C183D7F6-B498-43B3-948B-1728B52AA6E4}">
-                <adec:decorative xmlns="" xmlns:adec="http://schemas.microsoft.com/office/drawing/2017/decorative" val="1"/>
+                <adec:decorative xmlns:adec="http://schemas.microsoft.com/office/drawing/2017/decorative" xmlns="" val="1"/>
               </a:ext>
             </a:extLst>
           </p:cNvPr>
@@ -23580,7 +23489,7 @@
           <p:nvPr>
             <p:extLst>
               <p:ext uri="{386F3935-93C4-4BCD-93E2-E3B085C9AB24}">
-                <p16:designElem xmlns="" xmlns:p16="http://schemas.microsoft.com/office/powerpoint/2015/main" val="1"/>
+                <p16:designElem xmlns:p16="http://schemas.microsoft.com/office/powerpoint/2015/main" xmlns="" val="1"/>
               </p:ext>
             </p:extLst>
           </p:nvPr>
@@ -23636,7 +23545,7 @@
           <p:cNvPr id="111" name="Inhaltsplatzhalter 2">
             <a:extLst>
               <a:ext uri="{FF2B5EF4-FFF2-40B4-BE49-F238E27FC236}">
-                <a16:creationId xmlns="" xmlns:a16="http://schemas.microsoft.com/office/drawing/2014/main" id="{DFED6985-E05C-5442-8D81-240D91D1C65A}"/>
+                <a16:creationId xmlns:a16="http://schemas.microsoft.com/office/drawing/2014/main" xmlns="" id="{DFED6985-E05C-5442-8D81-240D91D1C65A}"/>
               </a:ext>
             </a:extLst>
           </p:cNvPr>
@@ -23839,7 +23748,7 @@
           <p:cNvPr id="15" name="Grafik 14">
             <a:extLst>
               <a:ext uri="{FF2B5EF4-FFF2-40B4-BE49-F238E27FC236}">
-                <a16:creationId xmlns="" xmlns:a16="http://schemas.microsoft.com/office/drawing/2014/main" id="{4E790222-7184-4E46-858C-49DFA0B66F2F}"/>
+                <a16:creationId xmlns:a16="http://schemas.microsoft.com/office/drawing/2014/main" xmlns="" id="{4E790222-7184-4E46-858C-49DFA0B66F2F}"/>
               </a:ext>
             </a:extLst>
           </p:cNvPr>
@@ -23875,7 +23784,7 @@
           <p:cNvPr id="6" name="Titel 5">
             <a:extLst>
               <a:ext uri="{FF2B5EF4-FFF2-40B4-BE49-F238E27FC236}">
-                <a16:creationId xmlns="" xmlns:a16="http://schemas.microsoft.com/office/drawing/2014/main" id="{97D4CC26-A6D9-44D5-BE51-0167991D4E18}"/>
+                <a16:creationId xmlns:a16="http://schemas.microsoft.com/office/drawing/2014/main" xmlns="" id="{97D4CC26-A6D9-44D5-BE51-0167991D4E18}"/>
               </a:ext>
             </a:extLst>
           </p:cNvPr>
@@ -23916,7 +23825,7 @@
           <p:cNvPr id="3" name="Rechteck 2">
             <a:extLst>
               <a:ext uri="{FF2B5EF4-FFF2-40B4-BE49-F238E27FC236}">
-                <a16:creationId xmlns="" xmlns:a16="http://schemas.microsoft.com/office/drawing/2014/main" id="{19A7C4E9-FD6A-48B1-89D8-C2A2C99357D4}"/>
+                <a16:creationId xmlns:a16="http://schemas.microsoft.com/office/drawing/2014/main" xmlns="" id="{19A7C4E9-FD6A-48B1-89D8-C2A2C99357D4}"/>
               </a:ext>
             </a:extLst>
           </p:cNvPr>
@@ -23998,10 +23907,10 @@
           <p:cNvPr id="116" name="Down Arrow 7">
             <a:extLst>
               <a:ext uri="{FF2B5EF4-FFF2-40B4-BE49-F238E27FC236}">
-                <a16:creationId xmlns="" xmlns:a16="http://schemas.microsoft.com/office/drawing/2014/main" id="{B547373F-AF2E-4907-B442-9F902B387FD0}"/>
+                <a16:creationId xmlns:a16="http://schemas.microsoft.com/office/drawing/2014/main" xmlns="" id="{B547373F-AF2E-4907-B442-9F902B387FD0}"/>
               </a:ext>
               <a:ext uri="{C183D7F6-B498-43B3-948B-1728B52AA6E4}">
-                <adec:decorative xmlns="" xmlns:adec="http://schemas.microsoft.com/office/drawing/2017/decorative" val="1"/>
+                <adec:decorative xmlns:adec="http://schemas.microsoft.com/office/drawing/2017/decorative" xmlns="" val="1"/>
               </a:ext>
             </a:extLst>
           </p:cNvPr>
@@ -24011,7 +23920,7 @@
           <p:nvPr>
             <p:extLst>
               <p:ext uri="{386F3935-93C4-4BCD-93E2-E3B085C9AB24}">
-                <p16:designElem xmlns="" xmlns:p16="http://schemas.microsoft.com/office/powerpoint/2015/main" val="1"/>
+                <p16:designElem xmlns:p16="http://schemas.microsoft.com/office/powerpoint/2015/main" xmlns="" val="1"/>
               </p:ext>
             </p:extLst>
           </p:nvPr>
@@ -24067,7 +23976,7 @@
           <p:cNvPr id="111" name="Inhaltsplatzhalter 2">
             <a:extLst>
               <a:ext uri="{FF2B5EF4-FFF2-40B4-BE49-F238E27FC236}">
-                <a16:creationId xmlns="" xmlns:a16="http://schemas.microsoft.com/office/drawing/2014/main" id="{DFED6985-E05C-5442-8D81-240D91D1C65A}"/>
+                <a16:creationId xmlns:a16="http://schemas.microsoft.com/office/drawing/2014/main" xmlns="" id="{DFED6985-E05C-5442-8D81-240D91D1C65A}"/>
               </a:ext>
             </a:extLst>
           </p:cNvPr>
@@ -24270,7 +24179,7 @@
           <p:cNvPr id="7" name="Grafik 6">
             <a:extLst>
               <a:ext uri="{FF2B5EF4-FFF2-40B4-BE49-F238E27FC236}">
-                <a16:creationId xmlns="" xmlns:a16="http://schemas.microsoft.com/office/drawing/2014/main" id="{02DD65C2-4B20-4D5C-AFF8-12C63A2AF6F5}"/>
+                <a16:creationId xmlns:a16="http://schemas.microsoft.com/office/drawing/2014/main" xmlns="" id="{02DD65C2-4B20-4D5C-AFF8-12C63A2AF6F5}"/>
               </a:ext>
             </a:extLst>
           </p:cNvPr>
@@ -24306,7 +24215,7 @@
           <p:cNvPr id="6" name="Titel 5">
             <a:extLst>
               <a:ext uri="{FF2B5EF4-FFF2-40B4-BE49-F238E27FC236}">
-                <a16:creationId xmlns="" xmlns:a16="http://schemas.microsoft.com/office/drawing/2014/main" id="{97D4CC26-A6D9-44D5-BE51-0167991D4E18}"/>
+                <a16:creationId xmlns:a16="http://schemas.microsoft.com/office/drawing/2014/main" xmlns="" id="{97D4CC26-A6D9-44D5-BE51-0167991D4E18}"/>
               </a:ext>
             </a:extLst>
           </p:cNvPr>
@@ -24378,7 +24287,7 @@
           <p:cNvPr id="8" name="Diagramm 7">
             <a:extLst>
               <a:ext uri="{FF2B5EF4-FFF2-40B4-BE49-F238E27FC236}">
-                <a16:creationId xmlns="" xmlns:a16="http://schemas.microsoft.com/office/drawing/2014/main" id="{2BCA650B-8BCC-4BDE-BF12-505EF24ECB0A}"/>
+                <a16:creationId xmlns:a16="http://schemas.microsoft.com/office/drawing/2014/main" xmlns="" id="{2BCA650B-8BCC-4BDE-BF12-505EF24ECB0A}"/>
               </a:ext>
             </a:extLst>
           </p:cNvPr>
@@ -24406,7 +24315,7 @@
           <p:cNvPr id="9" name="Textfeld 8">
             <a:extLst>
               <a:ext uri="{FF2B5EF4-FFF2-40B4-BE49-F238E27FC236}">
-                <a16:creationId xmlns="" xmlns:a16="http://schemas.microsoft.com/office/drawing/2014/main" id="{3AD15615-715B-4D9F-94F6-D4663A63AB4C}"/>
+                <a16:creationId xmlns:a16="http://schemas.microsoft.com/office/drawing/2014/main" xmlns="" id="{3AD15615-715B-4D9F-94F6-D4663A63AB4C}"/>
               </a:ext>
             </a:extLst>
           </p:cNvPr>
@@ -24469,7 +24378,7 @@
           <p:cNvPr id="13" name="Textfeld 12">
             <a:extLst>
               <a:ext uri="{FF2B5EF4-FFF2-40B4-BE49-F238E27FC236}">
-                <a16:creationId xmlns="" xmlns:a16="http://schemas.microsoft.com/office/drawing/2014/main" id="{591888E5-B5CC-424E-A07C-1BB2DB7CAF62}"/>
+                <a16:creationId xmlns:a16="http://schemas.microsoft.com/office/drawing/2014/main" xmlns="" id="{591888E5-B5CC-424E-A07C-1BB2DB7CAF62}"/>
               </a:ext>
             </a:extLst>
           </p:cNvPr>
@@ -24538,7 +24447,7 @@
           <p:cNvPr id="14" name="Textfeld 13">
             <a:extLst>
               <a:ext uri="{FF2B5EF4-FFF2-40B4-BE49-F238E27FC236}">
-                <a16:creationId xmlns="" xmlns:a16="http://schemas.microsoft.com/office/drawing/2014/main" id="{D39FEB12-8483-43CD-85D2-932A3800ADF2}"/>
+                <a16:creationId xmlns:a16="http://schemas.microsoft.com/office/drawing/2014/main" xmlns="" id="{D39FEB12-8483-43CD-85D2-932A3800ADF2}"/>
               </a:ext>
             </a:extLst>
           </p:cNvPr>
@@ -24646,10 +24555,10 @@
           <p:cNvPr id="8" name="Down Arrow 7">
             <a:extLst>
               <a:ext uri="{FF2B5EF4-FFF2-40B4-BE49-F238E27FC236}">
-                <a16:creationId xmlns="" xmlns:a16="http://schemas.microsoft.com/office/drawing/2014/main" id="{B547373F-AF2E-4907-B442-9F902B387FD0}"/>
+                <a16:creationId xmlns:a16="http://schemas.microsoft.com/office/drawing/2014/main" xmlns="" id="{B547373F-AF2E-4907-B442-9F902B387FD0}"/>
               </a:ext>
               <a:ext uri="{C183D7F6-B498-43B3-948B-1728B52AA6E4}">
-                <adec:decorative xmlns="" xmlns:adec="http://schemas.microsoft.com/office/drawing/2017/decorative" val="1"/>
+                <adec:decorative xmlns:adec="http://schemas.microsoft.com/office/drawing/2017/decorative" xmlns="" val="1"/>
               </a:ext>
             </a:extLst>
           </p:cNvPr>
@@ -24659,7 +24568,7 @@
           <p:nvPr>
             <p:extLst>
               <p:ext uri="{386F3935-93C4-4BCD-93E2-E3B085C9AB24}">
-                <p16:designElem xmlns="" xmlns:p16="http://schemas.microsoft.com/office/powerpoint/2015/main" val="1"/>
+                <p16:designElem xmlns:p16="http://schemas.microsoft.com/office/powerpoint/2015/main" xmlns="" val="1"/>
               </p:ext>
             </p:extLst>
           </p:nvPr>
@@ -24715,7 +24624,7 @@
           <p:cNvPr id="3" name="Grafik 2">
             <a:extLst>
               <a:ext uri="{FF2B5EF4-FFF2-40B4-BE49-F238E27FC236}">
-                <a16:creationId xmlns="" xmlns:a16="http://schemas.microsoft.com/office/drawing/2014/main" id="{8B863EA1-EC9E-4D18-8114-CAE5B0861FB0}"/>
+                <a16:creationId xmlns:a16="http://schemas.microsoft.com/office/drawing/2014/main" xmlns="" id="{8B863EA1-EC9E-4D18-8114-CAE5B0861FB0}"/>
               </a:ext>
             </a:extLst>
           </p:cNvPr>
@@ -24751,7 +24660,7 @@
           <p:cNvPr id="2" name="Titel 1">
             <a:extLst>
               <a:ext uri="{FF2B5EF4-FFF2-40B4-BE49-F238E27FC236}">
-                <a16:creationId xmlns="" xmlns:a16="http://schemas.microsoft.com/office/drawing/2014/main" id="{2739BE3E-CAB9-4698-9CD4-9384CBCC5931}"/>
+                <a16:creationId xmlns:a16="http://schemas.microsoft.com/office/drawing/2014/main" xmlns="" id="{2739BE3E-CAB9-4698-9CD4-9384CBCC5931}"/>
               </a:ext>
             </a:extLst>
           </p:cNvPr>
@@ -24792,7 +24701,7 @@
           <p:cNvPr id="5" name="Grafik 4">
             <a:extLst>
               <a:ext uri="{FF2B5EF4-FFF2-40B4-BE49-F238E27FC236}">
-                <a16:creationId xmlns="" xmlns:a16="http://schemas.microsoft.com/office/drawing/2014/main" id="{32ECBE6A-7A06-4927-BCCF-8C3D8BF52C8D}"/>
+                <a16:creationId xmlns:a16="http://schemas.microsoft.com/office/drawing/2014/main" xmlns="" id="{32ECBE6A-7A06-4927-BCCF-8C3D8BF52C8D}"/>
               </a:ext>
             </a:extLst>
           </p:cNvPr>
@@ -24828,7 +24737,7 @@
           <p:cNvPr id="7" name="Grafik 6">
             <a:extLst>
               <a:ext uri="{FF2B5EF4-FFF2-40B4-BE49-F238E27FC236}">
-                <a16:creationId xmlns="" xmlns:a16="http://schemas.microsoft.com/office/drawing/2014/main" id="{8F7E4830-E8F6-44F8-9122-299794812174}"/>
+                <a16:creationId xmlns:a16="http://schemas.microsoft.com/office/drawing/2014/main" xmlns="" id="{8F7E4830-E8F6-44F8-9122-299794812174}"/>
               </a:ext>
             </a:extLst>
           </p:cNvPr>
@@ -24864,7 +24773,7 @@
           <p:cNvPr id="10" name="Grafik 9">
             <a:extLst>
               <a:ext uri="{FF2B5EF4-FFF2-40B4-BE49-F238E27FC236}">
-                <a16:creationId xmlns="" xmlns:a16="http://schemas.microsoft.com/office/drawing/2014/main" id="{5178916D-806C-47BA-89DC-539BF3BF4EDA}"/>
+                <a16:creationId xmlns:a16="http://schemas.microsoft.com/office/drawing/2014/main" xmlns="" id="{5178916D-806C-47BA-89DC-539BF3BF4EDA}"/>
               </a:ext>
             </a:extLst>
           </p:cNvPr>
@@ -24900,7 +24809,7 @@
           <p:cNvPr id="12" name="Grafik 11">
             <a:extLst>
               <a:ext uri="{FF2B5EF4-FFF2-40B4-BE49-F238E27FC236}">
-                <a16:creationId xmlns="" xmlns:a16="http://schemas.microsoft.com/office/drawing/2014/main" id="{FB91FBAE-C7A1-458C-974F-7F81AA8FF59E}"/>
+                <a16:creationId xmlns:a16="http://schemas.microsoft.com/office/drawing/2014/main" xmlns="" id="{FB91FBAE-C7A1-458C-974F-7F81AA8FF59E}"/>
               </a:ext>
             </a:extLst>
           </p:cNvPr>
@@ -24936,7 +24845,7 @@
           <p:cNvPr id="14" name="Grafik 13">
             <a:extLst>
               <a:ext uri="{FF2B5EF4-FFF2-40B4-BE49-F238E27FC236}">
-                <a16:creationId xmlns="" xmlns:a16="http://schemas.microsoft.com/office/drawing/2014/main" id="{56B5F0AE-F5C8-41E2-8A7B-0500501AA60D}"/>
+                <a16:creationId xmlns:a16="http://schemas.microsoft.com/office/drawing/2014/main" xmlns="" id="{56B5F0AE-F5C8-41E2-8A7B-0500501AA60D}"/>
               </a:ext>
             </a:extLst>
           </p:cNvPr>
@@ -24972,7 +24881,7 @@
           <p:cNvPr id="21" name="Grafik 20">
             <a:extLst>
               <a:ext uri="{FF2B5EF4-FFF2-40B4-BE49-F238E27FC236}">
-                <a16:creationId xmlns="" xmlns:a16="http://schemas.microsoft.com/office/drawing/2014/main" id="{56BAACDF-55AC-4B52-9D4B-A127210D7558}"/>
+                <a16:creationId xmlns:a16="http://schemas.microsoft.com/office/drawing/2014/main" xmlns="" id="{56BAACDF-55AC-4B52-9D4B-A127210D7558}"/>
               </a:ext>
             </a:extLst>
           </p:cNvPr>
@@ -25008,7 +24917,7 @@
           <p:cNvPr id="23" name="Grafik 22">
             <a:extLst>
               <a:ext uri="{FF2B5EF4-FFF2-40B4-BE49-F238E27FC236}">
-                <a16:creationId xmlns="" xmlns:a16="http://schemas.microsoft.com/office/drawing/2014/main" id="{2E393EE1-69FA-453E-99C1-EB0A7F376423}"/>
+                <a16:creationId xmlns:a16="http://schemas.microsoft.com/office/drawing/2014/main" xmlns="" id="{2E393EE1-69FA-453E-99C1-EB0A7F376423}"/>
               </a:ext>
             </a:extLst>
           </p:cNvPr>
@@ -25044,7 +24953,7 @@
           <p:cNvPr id="26" name="Grafik 25">
             <a:extLst>
               <a:ext uri="{FF2B5EF4-FFF2-40B4-BE49-F238E27FC236}">
-                <a16:creationId xmlns="" xmlns:a16="http://schemas.microsoft.com/office/drawing/2014/main" id="{8DD9CBBF-BFB2-4104-BF73-DEDFA863E61F}"/>
+                <a16:creationId xmlns:a16="http://schemas.microsoft.com/office/drawing/2014/main" xmlns="" id="{8DD9CBBF-BFB2-4104-BF73-DEDFA863E61F}"/>
               </a:ext>
             </a:extLst>
           </p:cNvPr>
@@ -25060,7 +24969,7 @@
                 <a14:useLocalDpi xmlns:a14="http://schemas.microsoft.com/office/drawing/2010/main" val="0"/>
               </a:ext>
               <a:ext uri="{96DAC541-7B7A-43D3-8B79-37D633B846F1}">
-                <asvg:svgBlip xmlns="" xmlns:asvg="http://schemas.microsoft.com/office/drawing/2016/SVG/main" r:embed="rId12"/>
+                <asvg:svgBlip xmlns:asvg="http://schemas.microsoft.com/office/drawing/2016/SVG/main" xmlns="" r:embed="rId12"/>
               </a:ext>
             </a:extLst>
           </a:blip>
@@ -25083,7 +24992,7 @@
           <p:cNvPr id="27" name="Grafik 26">
             <a:extLst>
               <a:ext uri="{FF2B5EF4-FFF2-40B4-BE49-F238E27FC236}">
-                <a16:creationId xmlns="" xmlns:a16="http://schemas.microsoft.com/office/drawing/2014/main" id="{2164046B-0C86-49B3-9FDB-3FD130BAB91E}"/>
+                <a16:creationId xmlns:a16="http://schemas.microsoft.com/office/drawing/2014/main" xmlns="" id="{2164046B-0C86-49B3-9FDB-3FD130BAB91E}"/>
               </a:ext>
             </a:extLst>
           </p:cNvPr>
@@ -25164,10 +25073,10 @@
           <p:cNvPr id="18" name="Down Arrow 7">
             <a:extLst>
               <a:ext uri="{FF2B5EF4-FFF2-40B4-BE49-F238E27FC236}">
-                <a16:creationId xmlns="" xmlns:a16="http://schemas.microsoft.com/office/drawing/2014/main" id="{B547373F-AF2E-4907-B442-9F902B387FD0}"/>
+                <a16:creationId xmlns:a16="http://schemas.microsoft.com/office/drawing/2014/main" xmlns="" id="{B547373F-AF2E-4907-B442-9F902B387FD0}"/>
               </a:ext>
               <a:ext uri="{C183D7F6-B498-43B3-948B-1728B52AA6E4}">
-                <adec:decorative xmlns="" xmlns:adec="http://schemas.microsoft.com/office/drawing/2017/decorative" val="1"/>
+                <adec:decorative xmlns:adec="http://schemas.microsoft.com/office/drawing/2017/decorative" xmlns="" val="1"/>
               </a:ext>
             </a:extLst>
           </p:cNvPr>
@@ -25177,7 +25086,7 @@
           <p:nvPr>
             <p:extLst>
               <p:ext uri="{386F3935-93C4-4BCD-93E2-E3B085C9AB24}">
-                <p16:designElem xmlns="" xmlns:p16="http://schemas.microsoft.com/office/powerpoint/2015/main" val="1"/>
+                <p16:designElem xmlns:p16="http://schemas.microsoft.com/office/powerpoint/2015/main" xmlns="" val="1"/>
               </p:ext>
             </p:extLst>
           </p:nvPr>
@@ -25233,7 +25142,7 @@
           <p:cNvPr id="13" name="Grafik 12">
             <a:extLst>
               <a:ext uri="{FF2B5EF4-FFF2-40B4-BE49-F238E27FC236}">
-                <a16:creationId xmlns="" xmlns:a16="http://schemas.microsoft.com/office/drawing/2014/main" id="{02F1C736-63AE-4F60-8F61-A3513E043B90}"/>
+                <a16:creationId xmlns:a16="http://schemas.microsoft.com/office/drawing/2014/main" xmlns="" id="{02F1C736-63AE-4F60-8F61-A3513E043B90}"/>
               </a:ext>
             </a:extLst>
           </p:cNvPr>
@@ -25269,7 +25178,7 @@
           <p:cNvPr id="2" name="Titel 1">
             <a:extLst>
               <a:ext uri="{FF2B5EF4-FFF2-40B4-BE49-F238E27FC236}">
-                <a16:creationId xmlns="" xmlns:a16="http://schemas.microsoft.com/office/drawing/2014/main" id="{2739BE3E-CAB9-4698-9CD4-9384CBCC5931}"/>
+                <a16:creationId xmlns:a16="http://schemas.microsoft.com/office/drawing/2014/main" xmlns="" id="{2739BE3E-CAB9-4698-9CD4-9384CBCC5931}"/>
               </a:ext>
             </a:extLst>
           </p:cNvPr>
@@ -25310,7 +25219,7 @@
           <p:cNvPr id="15" name="Inhaltsplatzhalter 2">
             <a:extLst>
               <a:ext uri="{FF2B5EF4-FFF2-40B4-BE49-F238E27FC236}">
-                <a16:creationId xmlns="" xmlns:a16="http://schemas.microsoft.com/office/drawing/2014/main" id="{89328C25-18F8-8142-A5F6-5B72AD373859}"/>
+                <a16:creationId xmlns:a16="http://schemas.microsoft.com/office/drawing/2014/main" xmlns="" id="{89328C25-18F8-8142-A5F6-5B72AD373859}"/>
               </a:ext>
             </a:extLst>
           </p:cNvPr>
@@ -25518,7 +25427,7 @@
           <p:cNvPr id="16" name="Inhaltsplatzhalter 3">
             <a:extLst>
               <a:ext uri="{FF2B5EF4-FFF2-40B4-BE49-F238E27FC236}">
-                <a16:creationId xmlns="" xmlns:a16="http://schemas.microsoft.com/office/drawing/2014/main" id="{FDF25EE8-13FA-EE43-A5CA-42A794804D4D}"/>
+                <a16:creationId xmlns:a16="http://schemas.microsoft.com/office/drawing/2014/main" xmlns="" id="{FDF25EE8-13FA-EE43-A5CA-42A794804D4D}"/>
               </a:ext>
             </a:extLst>
           </p:cNvPr>
@@ -25727,7 +25636,7 @@
           <p:cNvPr id="17" name="Grafik 16">
             <a:extLst>
               <a:ext uri="{FF2B5EF4-FFF2-40B4-BE49-F238E27FC236}">
-                <a16:creationId xmlns="" xmlns:a16="http://schemas.microsoft.com/office/drawing/2014/main" id="{A29152AD-7686-425C-BF18-79A25701FB37}"/>
+                <a16:creationId xmlns:a16="http://schemas.microsoft.com/office/drawing/2014/main" xmlns="" id="{A29152AD-7686-425C-BF18-79A25701FB37}"/>
               </a:ext>
             </a:extLst>
           </p:cNvPr>
@@ -25763,7 +25672,7 @@
           <p:cNvPr id="6" name="Grafik 5">
             <a:extLst>
               <a:ext uri="{FF2B5EF4-FFF2-40B4-BE49-F238E27FC236}">
-                <a16:creationId xmlns="" xmlns:a16="http://schemas.microsoft.com/office/drawing/2014/main" id="{465EA0E6-FE78-41E6-86C3-442BF8FEEA3C}"/>
+                <a16:creationId xmlns:a16="http://schemas.microsoft.com/office/drawing/2014/main" xmlns="" id="{465EA0E6-FE78-41E6-86C3-442BF8FEEA3C}"/>
               </a:ext>
             </a:extLst>
           </p:cNvPr>
@@ -25799,7 +25708,7 @@
           <p:cNvPr id="11" name="Gerader Verbinder 10">
             <a:extLst>
               <a:ext uri="{FF2B5EF4-FFF2-40B4-BE49-F238E27FC236}">
-                <a16:creationId xmlns="" xmlns:a16="http://schemas.microsoft.com/office/drawing/2014/main" id="{A1DDB840-F678-45E8-92E4-4139E5DAAEBB}"/>
+                <a16:creationId xmlns:a16="http://schemas.microsoft.com/office/drawing/2014/main" xmlns="" id="{A1DDB840-F678-45E8-92E4-4139E5DAAEBB}"/>
               </a:ext>
             </a:extLst>
           </p:cNvPr>
@@ -25842,7 +25751,7 @@
           <p:cNvPr id="22" name="Gerader Verbinder 21">
             <a:extLst>
               <a:ext uri="{FF2B5EF4-FFF2-40B4-BE49-F238E27FC236}">
-                <a16:creationId xmlns="" xmlns:a16="http://schemas.microsoft.com/office/drawing/2014/main" id="{CA78EB08-02B4-4F2A-9FD1-844B8C72D4FF}"/>
+                <a16:creationId xmlns:a16="http://schemas.microsoft.com/office/drawing/2014/main" xmlns="" id="{CA78EB08-02B4-4F2A-9FD1-844B8C72D4FF}"/>
               </a:ext>
             </a:extLst>
           </p:cNvPr>
@@ -25886,7 +25795,7 @@
           <p:cNvPr id="20" name="Textfeld 19">
             <a:extLst>
               <a:ext uri="{FF2B5EF4-FFF2-40B4-BE49-F238E27FC236}">
-                <a16:creationId xmlns="" xmlns:a16="http://schemas.microsoft.com/office/drawing/2014/main" id="{4872F49E-A9FC-417D-BCDD-3EB35A157173}"/>
+                <a16:creationId xmlns:a16="http://schemas.microsoft.com/office/drawing/2014/main" xmlns="" id="{4872F49E-A9FC-417D-BCDD-3EB35A157173}"/>
               </a:ext>
             </a:extLst>
           </p:cNvPr>
@@ -25956,7 +25865,7 @@
           <p:cNvPr id="24" name="Textfeld 23">
             <a:extLst>
               <a:ext uri="{FF2B5EF4-FFF2-40B4-BE49-F238E27FC236}">
-                <a16:creationId xmlns="" xmlns:a16="http://schemas.microsoft.com/office/drawing/2014/main" id="{AEF824A0-5E1F-4DDB-9FBA-CE70BED6837E}"/>
+                <a16:creationId xmlns:a16="http://schemas.microsoft.com/office/drawing/2014/main" xmlns="" id="{AEF824A0-5E1F-4DDB-9FBA-CE70BED6837E}"/>
               </a:ext>
             </a:extLst>
           </p:cNvPr>
@@ -26006,7 +25915,7 @@
           <p:cNvPr id="25" name="Textfeld 24">
             <a:extLst>
               <a:ext uri="{FF2B5EF4-FFF2-40B4-BE49-F238E27FC236}">
-                <a16:creationId xmlns="" xmlns:a16="http://schemas.microsoft.com/office/drawing/2014/main" id="{763B1073-583C-4391-8BB7-4A2F84DE7CF5}"/>
+                <a16:creationId xmlns:a16="http://schemas.microsoft.com/office/drawing/2014/main" xmlns="" id="{763B1073-583C-4391-8BB7-4A2F84DE7CF5}"/>
               </a:ext>
             </a:extLst>
           </p:cNvPr>
@@ -26062,7 +25971,7 @@
           <p:cNvPr id="26" name="Textfeld 25">
             <a:extLst>
               <a:ext uri="{FF2B5EF4-FFF2-40B4-BE49-F238E27FC236}">
-                <a16:creationId xmlns="" xmlns:a16="http://schemas.microsoft.com/office/drawing/2014/main" id="{396AF99D-6D7B-4039-A2F9-1632A711FFC7}"/>
+                <a16:creationId xmlns:a16="http://schemas.microsoft.com/office/drawing/2014/main" xmlns="" id="{396AF99D-6D7B-4039-A2F9-1632A711FFC7}"/>
               </a:ext>
             </a:extLst>
           </p:cNvPr>
@@ -26170,10 +26079,10 @@
           <p:cNvPr id="40" name="Freeform: Shape 39">
             <a:extLst>
               <a:ext uri="{FF2B5EF4-FFF2-40B4-BE49-F238E27FC236}">
-                <a16:creationId xmlns="" xmlns:a16="http://schemas.microsoft.com/office/drawing/2014/main" id="{E26B9EF5-5D92-4AC7-BC55-FC5C4C98ED4C}"/>
+                <a16:creationId xmlns:a16="http://schemas.microsoft.com/office/drawing/2014/main" xmlns="" id="{E26B9EF5-5D92-4AC7-BC55-FC5C4C98ED4C}"/>
               </a:ext>
               <a:ext uri="{C183D7F6-B498-43B3-948B-1728B52AA6E4}">
-                <adec:decorative xmlns="" xmlns:adec="http://schemas.microsoft.com/office/drawing/2017/decorative" val="1"/>
+                <adec:decorative xmlns:adec="http://schemas.microsoft.com/office/drawing/2017/decorative" xmlns="" val="1"/>
               </a:ext>
             </a:extLst>
           </p:cNvPr>
@@ -26183,7 +26092,7 @@
           <p:nvPr>
             <p:extLst>
               <p:ext uri="{386F3935-93C4-4BCD-93E2-E3B085C9AB24}">
-                <p16:designElem xmlns="" xmlns:p16="http://schemas.microsoft.com/office/powerpoint/2015/main" val="1"/>
+                <p16:designElem xmlns:p16="http://schemas.microsoft.com/office/powerpoint/2015/main" xmlns="" val="1"/>
               </p:ext>
             </p:extLst>
           </p:nvPr>
@@ -26339,10 +26248,10 @@
           <p:cNvPr id="42" name="Freeform: Shape 41">
             <a:extLst>
               <a:ext uri="{FF2B5EF4-FFF2-40B4-BE49-F238E27FC236}">
-                <a16:creationId xmlns="" xmlns:a16="http://schemas.microsoft.com/office/drawing/2014/main" id="{F05C5575-0F07-43D0-AE78-81EAA8E67152}"/>
+                <a16:creationId xmlns:a16="http://schemas.microsoft.com/office/drawing/2014/main" xmlns="" id="{F05C5575-0F07-43D0-AE78-81EAA8E67152}"/>
               </a:ext>
               <a:ext uri="{C183D7F6-B498-43B3-948B-1728B52AA6E4}">
-                <adec:decorative xmlns="" xmlns:adec="http://schemas.microsoft.com/office/drawing/2017/decorative" val="1"/>
+                <adec:decorative xmlns:adec="http://schemas.microsoft.com/office/drawing/2017/decorative" xmlns="" val="1"/>
               </a:ext>
             </a:extLst>
           </p:cNvPr>
@@ -26352,7 +26261,7 @@
           <p:nvPr>
             <p:extLst>
               <p:ext uri="{386F3935-93C4-4BCD-93E2-E3B085C9AB24}">
-                <p16:designElem xmlns="" xmlns:p16="http://schemas.microsoft.com/office/powerpoint/2015/main" val="1"/>
+                <p16:designElem xmlns:p16="http://schemas.microsoft.com/office/powerpoint/2015/main" xmlns="" val="1"/>
               </p:ext>
             </p:extLst>
           </p:nvPr>
@@ -26514,10 +26423,10 @@
           <p:cNvPr id="44" name="Freeform: Shape 43">
             <a:extLst>
               <a:ext uri="{FF2B5EF4-FFF2-40B4-BE49-F238E27FC236}">
-                <a16:creationId xmlns="" xmlns:a16="http://schemas.microsoft.com/office/drawing/2014/main" id="{CED520D6-8B57-4047-BB5F-2BE1017B2A0D}"/>
+                <a16:creationId xmlns:a16="http://schemas.microsoft.com/office/drawing/2014/main" xmlns="" id="{CED520D6-8B57-4047-BB5F-2BE1017B2A0D}"/>
               </a:ext>
               <a:ext uri="{C183D7F6-B498-43B3-948B-1728B52AA6E4}">
-                <adec:decorative xmlns="" xmlns:adec="http://schemas.microsoft.com/office/drawing/2017/decorative" val="1"/>
+                <adec:decorative xmlns:adec="http://schemas.microsoft.com/office/drawing/2017/decorative" xmlns="" val="1"/>
               </a:ext>
             </a:extLst>
           </p:cNvPr>
@@ -26527,7 +26436,7 @@
           <p:nvPr>
             <p:extLst>
               <p:ext uri="{386F3935-93C4-4BCD-93E2-E3B085C9AB24}">
-                <p16:designElem xmlns="" xmlns:p16="http://schemas.microsoft.com/office/powerpoint/2015/main" val="1"/>
+                <p16:designElem xmlns:p16="http://schemas.microsoft.com/office/powerpoint/2015/main" xmlns="" val="1"/>
               </p:ext>
             </p:extLst>
           </p:nvPr>
@@ -26681,10 +26590,10 @@
           <p:cNvPr id="46" name="Freeform: Shape 45">
             <a:extLst>
               <a:ext uri="{FF2B5EF4-FFF2-40B4-BE49-F238E27FC236}">
-                <a16:creationId xmlns="" xmlns:a16="http://schemas.microsoft.com/office/drawing/2014/main" id="{C7583227-44AB-4ECD-AD51-9EC7A5A3E5F1}"/>
+                <a16:creationId xmlns:a16="http://schemas.microsoft.com/office/drawing/2014/main" xmlns="" id="{C7583227-44AB-4ECD-AD51-9EC7A5A3E5F1}"/>
               </a:ext>
               <a:ext uri="{C183D7F6-B498-43B3-948B-1728B52AA6E4}">
-                <adec:decorative xmlns="" xmlns:adec="http://schemas.microsoft.com/office/drawing/2017/decorative" val="1"/>
+                <adec:decorative xmlns:adec="http://schemas.microsoft.com/office/drawing/2017/decorative" xmlns="" val="1"/>
               </a:ext>
             </a:extLst>
           </p:cNvPr>
@@ -26694,7 +26603,7 @@
           <p:nvPr>
             <p:extLst>
               <p:ext uri="{386F3935-93C4-4BCD-93E2-E3B085C9AB24}">
-                <p16:designElem xmlns="" xmlns:p16="http://schemas.microsoft.com/office/powerpoint/2015/main" val="1"/>
+                <p16:designElem xmlns:p16="http://schemas.microsoft.com/office/powerpoint/2015/main" xmlns="" val="1"/>
               </p:ext>
             </p:extLst>
           </p:nvPr>
@@ -26854,7 +26763,7 @@
           <p:cNvPr id="27" name="Grafik 26">
             <a:extLst>
               <a:ext uri="{FF2B5EF4-FFF2-40B4-BE49-F238E27FC236}">
-                <a16:creationId xmlns="" xmlns:a16="http://schemas.microsoft.com/office/drawing/2014/main" id="{B4331BEA-8EFC-4054-815F-612B45013652}"/>
+                <a16:creationId xmlns:a16="http://schemas.microsoft.com/office/drawing/2014/main" xmlns="" id="{B4331BEA-8EFC-4054-815F-612B45013652}"/>
               </a:ext>
             </a:extLst>
           </p:cNvPr>
@@ -26889,7 +26798,7 @@
           <p:cNvPr id="35" name="Grafik 34">
             <a:extLst>
               <a:ext uri="{FF2B5EF4-FFF2-40B4-BE49-F238E27FC236}">
-                <a16:creationId xmlns="" xmlns:a16="http://schemas.microsoft.com/office/drawing/2014/main" id="{B47371F8-6314-47CB-B661-FC1E02F2A477}"/>
+                <a16:creationId xmlns:a16="http://schemas.microsoft.com/office/drawing/2014/main" xmlns="" id="{B47371F8-6314-47CB-B661-FC1E02F2A477}"/>
               </a:ext>
             </a:extLst>
           </p:cNvPr>
@@ -26925,7 +26834,7 @@
           <p:cNvPr id="3" name="Grafik 2">
             <a:extLst>
               <a:ext uri="{FF2B5EF4-FFF2-40B4-BE49-F238E27FC236}">
-                <a16:creationId xmlns="" xmlns:a16="http://schemas.microsoft.com/office/drawing/2014/main" id="{407975D7-572E-4F68-B98D-313E5A7CEBF1}"/>
+                <a16:creationId xmlns:a16="http://schemas.microsoft.com/office/drawing/2014/main" xmlns="" id="{407975D7-572E-4F68-B98D-313E5A7CEBF1}"/>
               </a:ext>
             </a:extLst>
           </p:cNvPr>
@@ -26961,7 +26870,7 @@
           <p:cNvPr id="2" name="Titel 1">
             <a:extLst>
               <a:ext uri="{FF2B5EF4-FFF2-40B4-BE49-F238E27FC236}">
-                <a16:creationId xmlns="" xmlns:a16="http://schemas.microsoft.com/office/drawing/2014/main" id="{8D58B844-212D-4BF7-8322-79AFF8D0780A}"/>
+                <a16:creationId xmlns:a16="http://schemas.microsoft.com/office/drawing/2014/main" xmlns="" id="{8D58B844-212D-4BF7-8322-79AFF8D0780A}"/>
               </a:ext>
             </a:extLst>
           </p:cNvPr>
@@ -27052,10 +26961,10 @@
           <p:cNvPr id="11" name="Freeform: Shape 10">
             <a:extLst>
               <a:ext uri="{FF2B5EF4-FFF2-40B4-BE49-F238E27FC236}">
-                <a16:creationId xmlns="" xmlns:a16="http://schemas.microsoft.com/office/drawing/2014/main" id="{31103AB2-C090-458F-B752-294F23AFA8AD}"/>
+                <a16:creationId xmlns:a16="http://schemas.microsoft.com/office/drawing/2014/main" xmlns="" id="{31103AB2-C090-458F-B752-294F23AFA8AD}"/>
               </a:ext>
               <a:ext uri="{C183D7F6-B498-43B3-948B-1728B52AA6E4}">
-                <adec:decorative xmlns="" xmlns:adec="http://schemas.microsoft.com/office/drawing/2017/decorative" val="1"/>
+                <adec:decorative xmlns:adec="http://schemas.microsoft.com/office/drawing/2017/decorative" xmlns="" val="1"/>
               </a:ext>
             </a:extLst>
           </p:cNvPr>
@@ -27065,7 +26974,7 @@
           <p:nvPr>
             <p:extLst>
               <p:ext uri="{386F3935-93C4-4BCD-93E2-E3B085C9AB24}">
-                <p16:designElem xmlns="" xmlns:p16="http://schemas.microsoft.com/office/powerpoint/2015/main" val="1"/>
+                <p16:designElem xmlns:p16="http://schemas.microsoft.com/office/powerpoint/2015/main" xmlns="" val="1"/>
               </p:ext>
             </p:extLst>
           </p:nvPr>
@@ -27221,10 +27130,10 @@
           <p:cNvPr id="13" name="Freeform: Shape 12">
             <a:extLst>
               <a:ext uri="{FF2B5EF4-FFF2-40B4-BE49-F238E27FC236}">
-                <a16:creationId xmlns="" xmlns:a16="http://schemas.microsoft.com/office/drawing/2014/main" id="{83D471F3-782A-4BA1-9CAB-FF5CDF0A75E0}"/>
+                <a16:creationId xmlns:a16="http://schemas.microsoft.com/office/drawing/2014/main" xmlns="" id="{83D471F3-782A-4BA1-9CAB-FF5CDF0A75E0}"/>
               </a:ext>
               <a:ext uri="{C183D7F6-B498-43B3-948B-1728B52AA6E4}">
-                <adec:decorative xmlns="" xmlns:adec="http://schemas.microsoft.com/office/drawing/2017/decorative" val="1"/>
+                <adec:decorative xmlns:adec="http://schemas.microsoft.com/office/drawing/2017/decorative" xmlns="" val="1"/>
               </a:ext>
             </a:extLst>
           </p:cNvPr>
@@ -27234,7 +27143,7 @@
           <p:nvPr>
             <p:extLst>
               <p:ext uri="{386F3935-93C4-4BCD-93E2-E3B085C9AB24}">
-                <p16:designElem xmlns="" xmlns:p16="http://schemas.microsoft.com/office/powerpoint/2015/main" val="1"/>
+                <p16:designElem xmlns:p16="http://schemas.microsoft.com/office/powerpoint/2015/main" xmlns="" val="1"/>
               </p:ext>
             </p:extLst>
           </p:nvPr>
@@ -27388,10 +27297,10 @@
           <p:cNvPr id="15" name="Freeform: Shape 14">
             <a:extLst>
               <a:ext uri="{FF2B5EF4-FFF2-40B4-BE49-F238E27FC236}">
-                <a16:creationId xmlns="" xmlns:a16="http://schemas.microsoft.com/office/drawing/2014/main" id="{F6E384F5-137A-40B1-97F0-694CC6ECD59C}"/>
+                <a16:creationId xmlns:a16="http://schemas.microsoft.com/office/drawing/2014/main" xmlns="" id="{F6E384F5-137A-40B1-97F0-694CC6ECD59C}"/>
               </a:ext>
               <a:ext uri="{C183D7F6-B498-43B3-948B-1728B52AA6E4}">
-                <adec:decorative xmlns="" xmlns:adec="http://schemas.microsoft.com/office/drawing/2017/decorative" val="1"/>
+                <adec:decorative xmlns:adec="http://schemas.microsoft.com/office/drawing/2017/decorative" xmlns="" val="1"/>
               </a:ext>
             </a:extLst>
           </p:cNvPr>
@@ -27401,7 +27310,7 @@
           <p:nvPr>
             <p:extLst>
               <p:ext uri="{386F3935-93C4-4BCD-93E2-E3B085C9AB24}">
-                <p16:designElem xmlns="" xmlns:p16="http://schemas.microsoft.com/office/powerpoint/2015/main" val="1"/>
+                <p16:designElem xmlns:p16="http://schemas.microsoft.com/office/powerpoint/2015/main" xmlns="" val="1"/>
               </p:ext>
             </p:extLst>
           </p:nvPr>
@@ -27565,10 +27474,10 @@
           <p:cNvPr id="17" name="Freeform: Shape 16">
             <a:extLst>
               <a:ext uri="{FF2B5EF4-FFF2-40B4-BE49-F238E27FC236}">
-                <a16:creationId xmlns="" xmlns:a16="http://schemas.microsoft.com/office/drawing/2014/main" id="{EBA87361-6D30-46E4-834B-719CF59055EA}"/>
+                <a16:creationId xmlns:a16="http://schemas.microsoft.com/office/drawing/2014/main" xmlns="" id="{EBA87361-6D30-46E4-834B-719CF59055EA}"/>
               </a:ext>
               <a:ext uri="{C183D7F6-B498-43B3-948B-1728B52AA6E4}">
-                <adec:decorative xmlns="" xmlns:adec="http://schemas.microsoft.com/office/drawing/2017/decorative" val="1"/>
+                <adec:decorative xmlns:adec="http://schemas.microsoft.com/office/drawing/2017/decorative" xmlns="" val="1"/>
               </a:ext>
             </a:extLst>
           </p:cNvPr>
@@ -27578,7 +27487,7 @@
           <p:nvPr>
             <p:extLst>
               <p:ext uri="{386F3935-93C4-4BCD-93E2-E3B085C9AB24}">
-                <p16:designElem xmlns="" xmlns:p16="http://schemas.microsoft.com/office/powerpoint/2015/main" val="1"/>
+                <p16:designElem xmlns:p16="http://schemas.microsoft.com/office/powerpoint/2015/main" xmlns="" val="1"/>
               </p:ext>
             </p:extLst>
           </p:nvPr>
@@ -27740,10 +27649,10 @@
           <p:cNvPr id="19" name="Freeform: Shape 18">
             <a:extLst>
               <a:ext uri="{FF2B5EF4-FFF2-40B4-BE49-F238E27FC236}">
-                <a16:creationId xmlns="" xmlns:a16="http://schemas.microsoft.com/office/drawing/2014/main" id="{9DBC4630-03DA-474F-BBCB-BA3AE6B317A4}"/>
+                <a16:creationId xmlns:a16="http://schemas.microsoft.com/office/drawing/2014/main" xmlns="" id="{9DBC4630-03DA-474F-BBCB-BA3AE6B317A4}"/>
               </a:ext>
               <a:ext uri="{C183D7F6-B498-43B3-948B-1728B52AA6E4}">
-                <adec:decorative xmlns="" xmlns:adec="http://schemas.microsoft.com/office/drawing/2017/decorative" val="1"/>
+                <adec:decorative xmlns:adec="http://schemas.microsoft.com/office/drawing/2017/decorative" xmlns="" val="1"/>
               </a:ext>
             </a:extLst>
           </p:cNvPr>
@@ -27753,7 +27662,7 @@
           <p:nvPr>
             <p:extLst>
               <p:ext uri="{386F3935-93C4-4BCD-93E2-E3B085C9AB24}">
-                <p16:designElem xmlns="" xmlns:p16="http://schemas.microsoft.com/office/powerpoint/2015/main" val="1"/>
+                <p16:designElem xmlns:p16="http://schemas.microsoft.com/office/powerpoint/2015/main" xmlns="" val="1"/>
               </p:ext>
             </p:extLst>
           </p:nvPr>
@@ -27911,10 +27820,10 @@
           <p:cNvPr id="21" name="Freeform: Shape 20">
             <a:extLst>
               <a:ext uri="{FF2B5EF4-FFF2-40B4-BE49-F238E27FC236}">
-                <a16:creationId xmlns="" xmlns:a16="http://schemas.microsoft.com/office/drawing/2014/main" id="{D89DB1C0-FEEC-4CB6-88B2-F9C5562E09D1}"/>
+                <a16:creationId xmlns:a16="http://schemas.microsoft.com/office/drawing/2014/main" xmlns="" id="{D89DB1C0-FEEC-4CB6-88B2-F9C5562E09D1}"/>
               </a:ext>
               <a:ext uri="{C183D7F6-B498-43B3-948B-1728B52AA6E4}">
-                <adec:decorative xmlns="" xmlns:adec="http://schemas.microsoft.com/office/drawing/2017/decorative" val="1"/>
+                <adec:decorative xmlns:adec="http://schemas.microsoft.com/office/drawing/2017/decorative" xmlns="" val="1"/>
               </a:ext>
             </a:extLst>
           </p:cNvPr>
@@ -27924,7 +27833,7 @@
           <p:nvPr>
             <p:extLst>
               <p:ext uri="{386F3935-93C4-4BCD-93E2-E3B085C9AB24}">
-                <p16:designElem xmlns="" xmlns:p16="http://schemas.microsoft.com/office/powerpoint/2015/main" val="1"/>
+                <p16:designElem xmlns:p16="http://schemas.microsoft.com/office/powerpoint/2015/main" xmlns="" val="1"/>
               </p:ext>
             </p:extLst>
           </p:nvPr>
@@ -28080,10 +27989,10 @@
           <p:cNvPr id="23" name="Oval 22">
             <a:extLst>
               <a:ext uri="{FF2B5EF4-FFF2-40B4-BE49-F238E27FC236}">
-                <a16:creationId xmlns="" xmlns:a16="http://schemas.microsoft.com/office/drawing/2014/main" id="{78418A25-6EAC-4140-BFE6-284E1925B5EE}"/>
+                <a16:creationId xmlns:a16="http://schemas.microsoft.com/office/drawing/2014/main" xmlns="" id="{78418A25-6EAC-4140-BFE6-284E1925B5EE}"/>
               </a:ext>
               <a:ext uri="{C183D7F6-B498-43B3-948B-1728B52AA6E4}">
-                <adec:decorative xmlns="" xmlns:adec="http://schemas.microsoft.com/office/drawing/2017/decorative" val="1"/>
+                <adec:decorative xmlns:adec="http://schemas.microsoft.com/office/drawing/2017/decorative" xmlns="" val="1"/>
               </a:ext>
             </a:extLst>
           </p:cNvPr>
@@ -28093,7 +28002,7 @@
           <p:nvPr>
             <p:extLst>
               <p:ext uri="{386F3935-93C4-4BCD-93E2-E3B085C9AB24}">
-                <p16:designElem xmlns="" xmlns:p16="http://schemas.microsoft.com/office/powerpoint/2015/main" val="1"/>
+                <p16:designElem xmlns:p16="http://schemas.microsoft.com/office/powerpoint/2015/main" xmlns="" val="1"/>
               </p:ext>
             </p:extLst>
           </p:nvPr>
@@ -28174,10 +28083,10 @@
           <p:cNvPr id="25" name="Oval 24">
             <a:extLst>
               <a:ext uri="{FF2B5EF4-FFF2-40B4-BE49-F238E27FC236}">
-                <a16:creationId xmlns="" xmlns:a16="http://schemas.microsoft.com/office/drawing/2014/main" id="{08163D1C-ED91-4D5F-A33B-CF1256B270D4}"/>
+                <a16:creationId xmlns:a16="http://schemas.microsoft.com/office/drawing/2014/main" xmlns="" id="{08163D1C-ED91-4D5F-A33B-CF1256B270D4}"/>
               </a:ext>
               <a:ext uri="{C183D7F6-B498-43B3-948B-1728B52AA6E4}">
-                <adec:decorative xmlns="" xmlns:adec="http://schemas.microsoft.com/office/drawing/2017/decorative" val="1"/>
+                <adec:decorative xmlns:adec="http://schemas.microsoft.com/office/drawing/2017/decorative" xmlns="" val="1"/>
               </a:ext>
             </a:extLst>
           </p:cNvPr>
@@ -28187,7 +28096,7 @@
           <p:nvPr>
             <p:extLst>
               <p:ext uri="{386F3935-93C4-4BCD-93E2-E3B085C9AB24}">
-                <p16:designElem xmlns="" xmlns:p16="http://schemas.microsoft.com/office/powerpoint/2015/main" val="1"/>
+                <p16:designElem xmlns:p16="http://schemas.microsoft.com/office/powerpoint/2015/main" xmlns="" val="1"/>
               </p:ext>
             </p:extLst>
           </p:nvPr>
@@ -28266,7 +28175,7 @@
           <p:cNvPr id="6" name="Grafik 5">
             <a:extLst>
               <a:ext uri="{FF2B5EF4-FFF2-40B4-BE49-F238E27FC236}">
-                <a16:creationId xmlns="" xmlns:a16="http://schemas.microsoft.com/office/drawing/2014/main" id="{E125DF93-08F3-4350-B7A0-E67EF58A34D8}"/>
+                <a16:creationId xmlns:a16="http://schemas.microsoft.com/office/drawing/2014/main" xmlns="" id="{E125DF93-08F3-4350-B7A0-E67EF58A34D8}"/>
               </a:ext>
             </a:extLst>
           </p:cNvPr>
@@ -28302,7 +28211,7 @@
           <p:cNvPr id="5" name="Grafik 4">
             <a:extLst>
               <a:ext uri="{FF2B5EF4-FFF2-40B4-BE49-F238E27FC236}">
-                <a16:creationId xmlns="" xmlns:a16="http://schemas.microsoft.com/office/drawing/2014/main" id="{133BDCBA-3BF5-4009-BA11-176A5985A809}"/>
+                <a16:creationId xmlns:a16="http://schemas.microsoft.com/office/drawing/2014/main" xmlns="" id="{133BDCBA-3BF5-4009-BA11-176A5985A809}"/>
               </a:ext>
             </a:extLst>
           </p:cNvPr>
@@ -28338,7 +28247,7 @@
           <p:cNvPr id="4" name="Grafik 3">
             <a:extLst>
               <a:ext uri="{FF2B5EF4-FFF2-40B4-BE49-F238E27FC236}">
-                <a16:creationId xmlns="" xmlns:a16="http://schemas.microsoft.com/office/drawing/2014/main" id="{01AD9253-34AD-4597-8ECB-9B7DB87330CC}"/>
+                <a16:creationId xmlns:a16="http://schemas.microsoft.com/office/drawing/2014/main" xmlns="" id="{01AD9253-34AD-4597-8ECB-9B7DB87330CC}"/>
               </a:ext>
             </a:extLst>
           </p:cNvPr>
@@ -28374,7 +28283,7 @@
           <p:cNvPr id="2" name="Titel 1">
             <a:extLst>
               <a:ext uri="{FF2B5EF4-FFF2-40B4-BE49-F238E27FC236}">
-                <a16:creationId xmlns="" xmlns:a16="http://schemas.microsoft.com/office/drawing/2014/main" id="{04D5A00C-43A0-45EC-B8D1-28AB269D40E6}"/>
+                <a16:creationId xmlns:a16="http://schemas.microsoft.com/office/drawing/2014/main" xmlns="" id="{04D5A00C-43A0-45EC-B8D1-28AB269D40E6}"/>
               </a:ext>
             </a:extLst>
           </p:cNvPr>
@@ -28424,7 +28333,7 @@
           <p:cNvPr id="16" name="Grafik 15">
             <a:extLst>
               <a:ext uri="{FF2B5EF4-FFF2-40B4-BE49-F238E27FC236}">
-                <a16:creationId xmlns="" xmlns:a16="http://schemas.microsoft.com/office/drawing/2014/main" id="{BBFA6C1C-5288-44DD-ADC3-6308CC8489D3}"/>
+                <a16:creationId xmlns:a16="http://schemas.microsoft.com/office/drawing/2014/main" xmlns="" id="{BBFA6C1C-5288-44DD-ADC3-6308CC8489D3}"/>
               </a:ext>
             </a:extLst>
           </p:cNvPr>
